--- a/Témalabor - Centralized log server.pptx
+++ b/Témalabor - Centralized log server.pptx
@@ -25,11 +25,13 @@
     <p:sldId id="280" r:id="rId19"/>
     <p:sldId id="281" r:id="rId20"/>
     <p:sldId id="270" r:id="rId21"/>
-    <p:sldId id="271" r:id="rId22"/>
-    <p:sldId id="272" r:id="rId23"/>
-    <p:sldId id="277" r:id="rId24"/>
-    <p:sldId id="275" r:id="rId25"/>
-    <p:sldId id="274" r:id="rId26"/>
+    <p:sldId id="282" r:id="rId22"/>
+    <p:sldId id="283" r:id="rId23"/>
+    <p:sldId id="271" r:id="rId24"/>
+    <p:sldId id="272" r:id="rId25"/>
+    <p:sldId id="277" r:id="rId26"/>
+    <p:sldId id="275" r:id="rId27"/>
+    <p:sldId id="274" r:id="rId28"/>
   </p:sldIdLst>
   <p:sldSz cx="12192000" cy="6858000"/>
   <p:notesSz cx="6858000" cy="9144000"/>
@@ -158,7 +160,7 @@
           <p:cNvPr id="2" name="Cím 1">
             <a:extLst>
               <a:ext uri="{FF2B5EF4-FFF2-40B4-BE49-F238E27FC236}">
-                <a16:creationId xmlns:a16="http://schemas.microsoft.com/office/drawing/2014/main" id="{E09F1B38-70EA-4A91-A81D-1324CA99E7FB}"/>
+                <a16:creationId xmlns:a16="http://schemas.microsoft.com/office/drawing/2014/main" xmlns="" id="{E09F1B38-70EA-4A91-A81D-1324CA99E7FB}"/>
               </a:ext>
             </a:extLst>
           </p:cNvPr>
@@ -195,7 +197,7 @@
           <p:cNvPr id="3" name="Alcím 2">
             <a:extLst>
               <a:ext uri="{FF2B5EF4-FFF2-40B4-BE49-F238E27FC236}">
-                <a16:creationId xmlns:a16="http://schemas.microsoft.com/office/drawing/2014/main" id="{F2FD5B82-CA02-4433-8888-F6AC12667FFB}"/>
+                <a16:creationId xmlns:a16="http://schemas.microsoft.com/office/drawing/2014/main" xmlns="" id="{F2FD5B82-CA02-4433-8888-F6AC12667FFB}"/>
               </a:ext>
             </a:extLst>
           </p:cNvPr>
@@ -265,7 +267,7 @@
           <p:cNvPr id="4" name="Dátum helye 3">
             <a:extLst>
               <a:ext uri="{FF2B5EF4-FFF2-40B4-BE49-F238E27FC236}">
-                <a16:creationId xmlns:a16="http://schemas.microsoft.com/office/drawing/2014/main" id="{30127083-539D-4884-83E6-CA499422DC1D}"/>
+                <a16:creationId xmlns:a16="http://schemas.microsoft.com/office/drawing/2014/main" xmlns="" id="{30127083-539D-4884-83E6-CA499422DC1D}"/>
               </a:ext>
             </a:extLst>
           </p:cNvPr>
@@ -283,7 +285,7 @@
           <a:p>
             <a:fld id="{01AA3099-2024-4769-B781-B630B3B5E3D6}" type="datetimeFigureOut">
               <a:rPr lang="hu-HU" smtClean="0"/>
-              <a:t>2022. 01. 24.</a:t>
+              <a:t>2022. 01. 25.</a:t>
             </a:fld>
             <a:endParaRPr lang="hu-HU"/>
           </a:p>
@@ -294,7 +296,7 @@
           <p:cNvPr id="5" name="Élőláb helye 4">
             <a:extLst>
               <a:ext uri="{FF2B5EF4-FFF2-40B4-BE49-F238E27FC236}">
-                <a16:creationId xmlns:a16="http://schemas.microsoft.com/office/drawing/2014/main" id="{BA3102B7-5712-4924-A2C1-54562FBAB1C4}"/>
+                <a16:creationId xmlns:a16="http://schemas.microsoft.com/office/drawing/2014/main" xmlns="" id="{BA3102B7-5712-4924-A2C1-54562FBAB1C4}"/>
               </a:ext>
             </a:extLst>
           </p:cNvPr>
@@ -319,7 +321,7 @@
           <p:cNvPr id="6" name="Dia számának helye 5">
             <a:extLst>
               <a:ext uri="{FF2B5EF4-FFF2-40B4-BE49-F238E27FC236}">
-                <a16:creationId xmlns:a16="http://schemas.microsoft.com/office/drawing/2014/main" id="{DE1FAA54-367A-47EE-8CDB-8A0018DB947B}"/>
+                <a16:creationId xmlns:a16="http://schemas.microsoft.com/office/drawing/2014/main" xmlns="" id="{DE1FAA54-367A-47EE-8CDB-8A0018DB947B}"/>
               </a:ext>
             </a:extLst>
           </p:cNvPr>
@@ -378,7 +380,7 @@
           <p:cNvPr id="2" name="Cím 1">
             <a:extLst>
               <a:ext uri="{FF2B5EF4-FFF2-40B4-BE49-F238E27FC236}">
-                <a16:creationId xmlns:a16="http://schemas.microsoft.com/office/drawing/2014/main" id="{AE63EB07-7AFC-4DA6-87C3-260C21617CA9}"/>
+                <a16:creationId xmlns:a16="http://schemas.microsoft.com/office/drawing/2014/main" xmlns="" id="{AE63EB07-7AFC-4DA6-87C3-260C21617CA9}"/>
               </a:ext>
             </a:extLst>
           </p:cNvPr>
@@ -406,7 +408,7 @@
           <p:cNvPr id="3" name="Függőleges szöveg helye 2">
             <a:extLst>
               <a:ext uri="{FF2B5EF4-FFF2-40B4-BE49-F238E27FC236}">
-                <a16:creationId xmlns:a16="http://schemas.microsoft.com/office/drawing/2014/main" id="{CFE3CCF7-C955-4DA0-A15C-34CA47DBA8AB}"/>
+                <a16:creationId xmlns:a16="http://schemas.microsoft.com/office/drawing/2014/main" xmlns="" id="{CFE3CCF7-C955-4DA0-A15C-34CA47DBA8AB}"/>
               </a:ext>
             </a:extLst>
           </p:cNvPr>
@@ -463,7 +465,7 @@
           <p:cNvPr id="4" name="Dátum helye 3">
             <a:extLst>
               <a:ext uri="{FF2B5EF4-FFF2-40B4-BE49-F238E27FC236}">
-                <a16:creationId xmlns:a16="http://schemas.microsoft.com/office/drawing/2014/main" id="{F8549931-EBA7-4754-8F04-9235D82F78A1}"/>
+                <a16:creationId xmlns:a16="http://schemas.microsoft.com/office/drawing/2014/main" xmlns="" id="{F8549931-EBA7-4754-8F04-9235D82F78A1}"/>
               </a:ext>
             </a:extLst>
           </p:cNvPr>
@@ -481,7 +483,7 @@
           <a:p>
             <a:fld id="{01AA3099-2024-4769-B781-B630B3B5E3D6}" type="datetimeFigureOut">
               <a:rPr lang="hu-HU" smtClean="0"/>
-              <a:t>2022. 01. 24.</a:t>
+              <a:t>2022. 01. 25.</a:t>
             </a:fld>
             <a:endParaRPr lang="hu-HU"/>
           </a:p>
@@ -492,7 +494,7 @@
           <p:cNvPr id="5" name="Élőláb helye 4">
             <a:extLst>
               <a:ext uri="{FF2B5EF4-FFF2-40B4-BE49-F238E27FC236}">
-                <a16:creationId xmlns:a16="http://schemas.microsoft.com/office/drawing/2014/main" id="{F603601F-F39B-4714-9BA3-04C68C2BA3A8}"/>
+                <a16:creationId xmlns:a16="http://schemas.microsoft.com/office/drawing/2014/main" xmlns="" id="{F603601F-F39B-4714-9BA3-04C68C2BA3A8}"/>
               </a:ext>
             </a:extLst>
           </p:cNvPr>
@@ -517,7 +519,7 @@
           <p:cNvPr id="6" name="Dia számának helye 5">
             <a:extLst>
               <a:ext uri="{FF2B5EF4-FFF2-40B4-BE49-F238E27FC236}">
-                <a16:creationId xmlns:a16="http://schemas.microsoft.com/office/drawing/2014/main" id="{6397FF94-4FAF-44DA-8FDB-16017B978018}"/>
+                <a16:creationId xmlns:a16="http://schemas.microsoft.com/office/drawing/2014/main" xmlns="" id="{6397FF94-4FAF-44DA-8FDB-16017B978018}"/>
               </a:ext>
             </a:extLst>
           </p:cNvPr>
@@ -576,7 +578,7 @@
           <p:cNvPr id="2" name="Függőleges cím 1">
             <a:extLst>
               <a:ext uri="{FF2B5EF4-FFF2-40B4-BE49-F238E27FC236}">
-                <a16:creationId xmlns:a16="http://schemas.microsoft.com/office/drawing/2014/main" id="{241EE8E3-8798-4838-808D-D676884B1020}"/>
+                <a16:creationId xmlns:a16="http://schemas.microsoft.com/office/drawing/2014/main" xmlns="" id="{241EE8E3-8798-4838-808D-D676884B1020}"/>
               </a:ext>
             </a:extLst>
           </p:cNvPr>
@@ -609,7 +611,7 @@
           <p:cNvPr id="3" name="Függőleges szöveg helye 2">
             <a:extLst>
               <a:ext uri="{FF2B5EF4-FFF2-40B4-BE49-F238E27FC236}">
-                <a16:creationId xmlns:a16="http://schemas.microsoft.com/office/drawing/2014/main" id="{48D6D62E-C365-462D-9B23-6A13650A6D6B}"/>
+                <a16:creationId xmlns:a16="http://schemas.microsoft.com/office/drawing/2014/main" xmlns="" id="{48D6D62E-C365-462D-9B23-6A13650A6D6B}"/>
               </a:ext>
             </a:extLst>
           </p:cNvPr>
@@ -671,7 +673,7 @@
           <p:cNvPr id="4" name="Dátum helye 3">
             <a:extLst>
               <a:ext uri="{FF2B5EF4-FFF2-40B4-BE49-F238E27FC236}">
-                <a16:creationId xmlns:a16="http://schemas.microsoft.com/office/drawing/2014/main" id="{8E692329-7087-4015-8063-7425AB7644BE}"/>
+                <a16:creationId xmlns:a16="http://schemas.microsoft.com/office/drawing/2014/main" xmlns="" id="{8E692329-7087-4015-8063-7425AB7644BE}"/>
               </a:ext>
             </a:extLst>
           </p:cNvPr>
@@ -689,7 +691,7 @@
           <a:p>
             <a:fld id="{01AA3099-2024-4769-B781-B630B3B5E3D6}" type="datetimeFigureOut">
               <a:rPr lang="hu-HU" smtClean="0"/>
-              <a:t>2022. 01. 24.</a:t>
+              <a:t>2022. 01. 25.</a:t>
             </a:fld>
             <a:endParaRPr lang="hu-HU"/>
           </a:p>
@@ -700,7 +702,7 @@
           <p:cNvPr id="5" name="Élőláb helye 4">
             <a:extLst>
               <a:ext uri="{FF2B5EF4-FFF2-40B4-BE49-F238E27FC236}">
-                <a16:creationId xmlns:a16="http://schemas.microsoft.com/office/drawing/2014/main" id="{30085A7A-1E8F-4CD5-B71F-C05294AE8CE1}"/>
+                <a16:creationId xmlns:a16="http://schemas.microsoft.com/office/drawing/2014/main" xmlns="" id="{30085A7A-1E8F-4CD5-B71F-C05294AE8CE1}"/>
               </a:ext>
             </a:extLst>
           </p:cNvPr>
@@ -725,7 +727,7 @@
           <p:cNvPr id="6" name="Dia számának helye 5">
             <a:extLst>
               <a:ext uri="{FF2B5EF4-FFF2-40B4-BE49-F238E27FC236}">
-                <a16:creationId xmlns:a16="http://schemas.microsoft.com/office/drawing/2014/main" id="{F3B333F1-C7A3-49A3-9BB9-75628FE919C6}"/>
+                <a16:creationId xmlns:a16="http://schemas.microsoft.com/office/drawing/2014/main" xmlns="" id="{F3B333F1-C7A3-49A3-9BB9-75628FE919C6}"/>
               </a:ext>
             </a:extLst>
           </p:cNvPr>
@@ -784,7 +786,7 @@
           <p:cNvPr id="2" name="Cím 1">
             <a:extLst>
               <a:ext uri="{FF2B5EF4-FFF2-40B4-BE49-F238E27FC236}">
-                <a16:creationId xmlns:a16="http://schemas.microsoft.com/office/drawing/2014/main" id="{1686E641-617C-4142-B350-68DC709A7C45}"/>
+                <a16:creationId xmlns:a16="http://schemas.microsoft.com/office/drawing/2014/main" xmlns="" id="{1686E641-617C-4142-B350-68DC709A7C45}"/>
               </a:ext>
             </a:extLst>
           </p:cNvPr>
@@ -812,7 +814,7 @@
           <p:cNvPr id="3" name="Tartalom helye 2">
             <a:extLst>
               <a:ext uri="{FF2B5EF4-FFF2-40B4-BE49-F238E27FC236}">
-                <a16:creationId xmlns:a16="http://schemas.microsoft.com/office/drawing/2014/main" id="{CD7A8A14-CC04-4BDA-BE4E-4ACADA56AB01}"/>
+                <a16:creationId xmlns:a16="http://schemas.microsoft.com/office/drawing/2014/main" xmlns="" id="{CD7A8A14-CC04-4BDA-BE4E-4ACADA56AB01}"/>
               </a:ext>
             </a:extLst>
           </p:cNvPr>
@@ -869,7 +871,7 @@
           <p:cNvPr id="4" name="Dátum helye 3">
             <a:extLst>
               <a:ext uri="{FF2B5EF4-FFF2-40B4-BE49-F238E27FC236}">
-                <a16:creationId xmlns:a16="http://schemas.microsoft.com/office/drawing/2014/main" id="{9EEA146A-3E8D-4231-8CD2-483174518D95}"/>
+                <a16:creationId xmlns:a16="http://schemas.microsoft.com/office/drawing/2014/main" xmlns="" id="{9EEA146A-3E8D-4231-8CD2-483174518D95}"/>
               </a:ext>
             </a:extLst>
           </p:cNvPr>
@@ -887,7 +889,7 @@
           <a:p>
             <a:fld id="{01AA3099-2024-4769-B781-B630B3B5E3D6}" type="datetimeFigureOut">
               <a:rPr lang="hu-HU" smtClean="0"/>
-              <a:t>2022. 01. 24.</a:t>
+              <a:t>2022. 01. 25.</a:t>
             </a:fld>
             <a:endParaRPr lang="hu-HU"/>
           </a:p>
@@ -898,7 +900,7 @@
           <p:cNvPr id="5" name="Élőláb helye 4">
             <a:extLst>
               <a:ext uri="{FF2B5EF4-FFF2-40B4-BE49-F238E27FC236}">
-                <a16:creationId xmlns:a16="http://schemas.microsoft.com/office/drawing/2014/main" id="{85706DE0-28BA-4718-A397-D2486C5DDD41}"/>
+                <a16:creationId xmlns:a16="http://schemas.microsoft.com/office/drawing/2014/main" xmlns="" id="{85706DE0-28BA-4718-A397-D2486C5DDD41}"/>
               </a:ext>
             </a:extLst>
           </p:cNvPr>
@@ -923,7 +925,7 @@
           <p:cNvPr id="6" name="Dia számának helye 5">
             <a:extLst>
               <a:ext uri="{FF2B5EF4-FFF2-40B4-BE49-F238E27FC236}">
-                <a16:creationId xmlns:a16="http://schemas.microsoft.com/office/drawing/2014/main" id="{BDD27083-FAED-453F-8C34-AA62D0FEC48D}"/>
+                <a16:creationId xmlns:a16="http://schemas.microsoft.com/office/drawing/2014/main" xmlns="" id="{BDD27083-FAED-453F-8C34-AA62D0FEC48D}"/>
               </a:ext>
             </a:extLst>
           </p:cNvPr>
@@ -982,7 +984,7 @@
           <p:cNvPr id="2" name="Cím 1">
             <a:extLst>
               <a:ext uri="{FF2B5EF4-FFF2-40B4-BE49-F238E27FC236}">
-                <a16:creationId xmlns:a16="http://schemas.microsoft.com/office/drawing/2014/main" id="{2E367AA9-21B5-499C-8390-49547681CA7A}"/>
+                <a16:creationId xmlns:a16="http://schemas.microsoft.com/office/drawing/2014/main" xmlns="" id="{2E367AA9-21B5-499C-8390-49547681CA7A}"/>
               </a:ext>
             </a:extLst>
           </p:cNvPr>
@@ -1019,7 +1021,7 @@
           <p:cNvPr id="3" name="Szöveg helye 2">
             <a:extLst>
               <a:ext uri="{FF2B5EF4-FFF2-40B4-BE49-F238E27FC236}">
-                <a16:creationId xmlns:a16="http://schemas.microsoft.com/office/drawing/2014/main" id="{30D41BC3-2507-4B7C-96B0-B82F9FD0EF82}"/>
+                <a16:creationId xmlns:a16="http://schemas.microsoft.com/office/drawing/2014/main" xmlns="" id="{30D41BC3-2507-4B7C-96B0-B82F9FD0EF82}"/>
               </a:ext>
             </a:extLst>
           </p:cNvPr>
@@ -1144,7 +1146,7 @@
           <p:cNvPr id="4" name="Dátum helye 3">
             <a:extLst>
               <a:ext uri="{FF2B5EF4-FFF2-40B4-BE49-F238E27FC236}">
-                <a16:creationId xmlns:a16="http://schemas.microsoft.com/office/drawing/2014/main" id="{F231EBDD-64AF-44B9-9262-F1C2B1BFCD91}"/>
+                <a16:creationId xmlns:a16="http://schemas.microsoft.com/office/drawing/2014/main" xmlns="" id="{F231EBDD-64AF-44B9-9262-F1C2B1BFCD91}"/>
               </a:ext>
             </a:extLst>
           </p:cNvPr>
@@ -1162,7 +1164,7 @@
           <a:p>
             <a:fld id="{01AA3099-2024-4769-B781-B630B3B5E3D6}" type="datetimeFigureOut">
               <a:rPr lang="hu-HU" smtClean="0"/>
-              <a:t>2022. 01. 24.</a:t>
+              <a:t>2022. 01. 25.</a:t>
             </a:fld>
             <a:endParaRPr lang="hu-HU"/>
           </a:p>
@@ -1173,7 +1175,7 @@
           <p:cNvPr id="5" name="Élőláb helye 4">
             <a:extLst>
               <a:ext uri="{FF2B5EF4-FFF2-40B4-BE49-F238E27FC236}">
-                <a16:creationId xmlns:a16="http://schemas.microsoft.com/office/drawing/2014/main" id="{8A69B8FC-435E-4758-B757-1E9ED0F01590}"/>
+                <a16:creationId xmlns:a16="http://schemas.microsoft.com/office/drawing/2014/main" xmlns="" id="{8A69B8FC-435E-4758-B757-1E9ED0F01590}"/>
               </a:ext>
             </a:extLst>
           </p:cNvPr>
@@ -1198,7 +1200,7 @@
           <p:cNvPr id="6" name="Dia számának helye 5">
             <a:extLst>
               <a:ext uri="{FF2B5EF4-FFF2-40B4-BE49-F238E27FC236}">
-                <a16:creationId xmlns:a16="http://schemas.microsoft.com/office/drawing/2014/main" id="{D7228998-6A38-4650-B73A-EDCDA482EC2B}"/>
+                <a16:creationId xmlns:a16="http://schemas.microsoft.com/office/drawing/2014/main" xmlns="" id="{D7228998-6A38-4650-B73A-EDCDA482EC2B}"/>
               </a:ext>
             </a:extLst>
           </p:cNvPr>
@@ -1257,7 +1259,7 @@
           <p:cNvPr id="2" name="Cím 1">
             <a:extLst>
               <a:ext uri="{FF2B5EF4-FFF2-40B4-BE49-F238E27FC236}">
-                <a16:creationId xmlns:a16="http://schemas.microsoft.com/office/drawing/2014/main" id="{2F70D76E-9EAF-4FE4-9E7F-8E8B962F62E2}"/>
+                <a16:creationId xmlns:a16="http://schemas.microsoft.com/office/drawing/2014/main" xmlns="" id="{2F70D76E-9EAF-4FE4-9E7F-8E8B962F62E2}"/>
               </a:ext>
             </a:extLst>
           </p:cNvPr>
@@ -1285,7 +1287,7 @@
           <p:cNvPr id="3" name="Tartalom helye 2">
             <a:extLst>
               <a:ext uri="{FF2B5EF4-FFF2-40B4-BE49-F238E27FC236}">
-                <a16:creationId xmlns:a16="http://schemas.microsoft.com/office/drawing/2014/main" id="{9EA8EFD0-581E-46E1-AE46-7DF2F96FD676}"/>
+                <a16:creationId xmlns:a16="http://schemas.microsoft.com/office/drawing/2014/main" xmlns="" id="{9EA8EFD0-581E-46E1-AE46-7DF2F96FD676}"/>
               </a:ext>
             </a:extLst>
           </p:cNvPr>
@@ -1347,7 +1349,7 @@
           <p:cNvPr id="4" name="Tartalom helye 3">
             <a:extLst>
               <a:ext uri="{FF2B5EF4-FFF2-40B4-BE49-F238E27FC236}">
-                <a16:creationId xmlns:a16="http://schemas.microsoft.com/office/drawing/2014/main" id="{94A980C6-45A6-4C9E-AE8C-8EBBA67AAB3C}"/>
+                <a16:creationId xmlns:a16="http://schemas.microsoft.com/office/drawing/2014/main" xmlns="" id="{94A980C6-45A6-4C9E-AE8C-8EBBA67AAB3C}"/>
               </a:ext>
             </a:extLst>
           </p:cNvPr>
@@ -1409,7 +1411,7 @@
           <p:cNvPr id="5" name="Dátum helye 4">
             <a:extLst>
               <a:ext uri="{FF2B5EF4-FFF2-40B4-BE49-F238E27FC236}">
-                <a16:creationId xmlns:a16="http://schemas.microsoft.com/office/drawing/2014/main" id="{560FFCC0-804A-44FD-BC7E-4FED891D7B1F}"/>
+                <a16:creationId xmlns:a16="http://schemas.microsoft.com/office/drawing/2014/main" xmlns="" id="{560FFCC0-804A-44FD-BC7E-4FED891D7B1F}"/>
               </a:ext>
             </a:extLst>
           </p:cNvPr>
@@ -1427,7 +1429,7 @@
           <a:p>
             <a:fld id="{01AA3099-2024-4769-B781-B630B3B5E3D6}" type="datetimeFigureOut">
               <a:rPr lang="hu-HU" smtClean="0"/>
-              <a:t>2022. 01. 24.</a:t>
+              <a:t>2022. 01. 25.</a:t>
             </a:fld>
             <a:endParaRPr lang="hu-HU"/>
           </a:p>
@@ -1438,7 +1440,7 @@
           <p:cNvPr id="6" name="Élőláb helye 5">
             <a:extLst>
               <a:ext uri="{FF2B5EF4-FFF2-40B4-BE49-F238E27FC236}">
-                <a16:creationId xmlns:a16="http://schemas.microsoft.com/office/drawing/2014/main" id="{3DF232AC-AF62-49C7-B681-62F8DBA44B20}"/>
+                <a16:creationId xmlns:a16="http://schemas.microsoft.com/office/drawing/2014/main" xmlns="" id="{3DF232AC-AF62-49C7-B681-62F8DBA44B20}"/>
               </a:ext>
             </a:extLst>
           </p:cNvPr>
@@ -1463,7 +1465,7 @@
           <p:cNvPr id="7" name="Dia számának helye 6">
             <a:extLst>
               <a:ext uri="{FF2B5EF4-FFF2-40B4-BE49-F238E27FC236}">
-                <a16:creationId xmlns:a16="http://schemas.microsoft.com/office/drawing/2014/main" id="{EE3B7FB0-E0E1-482D-8996-807607C4F9F8}"/>
+                <a16:creationId xmlns:a16="http://schemas.microsoft.com/office/drawing/2014/main" xmlns="" id="{EE3B7FB0-E0E1-482D-8996-807607C4F9F8}"/>
               </a:ext>
             </a:extLst>
           </p:cNvPr>
@@ -1522,7 +1524,7 @@
           <p:cNvPr id="2" name="Cím 1">
             <a:extLst>
               <a:ext uri="{FF2B5EF4-FFF2-40B4-BE49-F238E27FC236}">
-                <a16:creationId xmlns:a16="http://schemas.microsoft.com/office/drawing/2014/main" id="{956609BA-795E-43FE-9961-45B9DDE3C72E}"/>
+                <a16:creationId xmlns:a16="http://schemas.microsoft.com/office/drawing/2014/main" xmlns="" id="{956609BA-795E-43FE-9961-45B9DDE3C72E}"/>
               </a:ext>
             </a:extLst>
           </p:cNvPr>
@@ -1555,7 +1557,7 @@
           <p:cNvPr id="3" name="Szöveg helye 2">
             <a:extLst>
               <a:ext uri="{FF2B5EF4-FFF2-40B4-BE49-F238E27FC236}">
-                <a16:creationId xmlns:a16="http://schemas.microsoft.com/office/drawing/2014/main" id="{A03C33F7-1FAC-4D3F-91C9-BF482F61AEE8}"/>
+                <a16:creationId xmlns:a16="http://schemas.microsoft.com/office/drawing/2014/main" xmlns="" id="{A03C33F7-1FAC-4D3F-91C9-BF482F61AEE8}"/>
               </a:ext>
             </a:extLst>
           </p:cNvPr>
@@ -1626,7 +1628,7 @@
           <p:cNvPr id="4" name="Tartalom helye 3">
             <a:extLst>
               <a:ext uri="{FF2B5EF4-FFF2-40B4-BE49-F238E27FC236}">
-                <a16:creationId xmlns:a16="http://schemas.microsoft.com/office/drawing/2014/main" id="{CF81790E-F26B-4384-8154-7F9EFF3EC1ED}"/>
+                <a16:creationId xmlns:a16="http://schemas.microsoft.com/office/drawing/2014/main" xmlns="" id="{CF81790E-F26B-4384-8154-7F9EFF3EC1ED}"/>
               </a:ext>
             </a:extLst>
           </p:cNvPr>
@@ -1688,7 +1690,7 @@
           <p:cNvPr id="5" name="Szöveg helye 4">
             <a:extLst>
               <a:ext uri="{FF2B5EF4-FFF2-40B4-BE49-F238E27FC236}">
-                <a16:creationId xmlns:a16="http://schemas.microsoft.com/office/drawing/2014/main" id="{02A38457-FF21-4476-9B8B-19F8D556CB9C}"/>
+                <a16:creationId xmlns:a16="http://schemas.microsoft.com/office/drawing/2014/main" xmlns="" id="{02A38457-FF21-4476-9B8B-19F8D556CB9C}"/>
               </a:ext>
             </a:extLst>
           </p:cNvPr>
@@ -1759,7 +1761,7 @@
           <p:cNvPr id="6" name="Tartalom helye 5">
             <a:extLst>
               <a:ext uri="{FF2B5EF4-FFF2-40B4-BE49-F238E27FC236}">
-                <a16:creationId xmlns:a16="http://schemas.microsoft.com/office/drawing/2014/main" id="{420A9A6A-1E67-44EA-B02E-977768F2750B}"/>
+                <a16:creationId xmlns:a16="http://schemas.microsoft.com/office/drawing/2014/main" xmlns="" id="{420A9A6A-1E67-44EA-B02E-977768F2750B}"/>
               </a:ext>
             </a:extLst>
           </p:cNvPr>
@@ -1821,7 +1823,7 @@
           <p:cNvPr id="7" name="Dátum helye 6">
             <a:extLst>
               <a:ext uri="{FF2B5EF4-FFF2-40B4-BE49-F238E27FC236}">
-                <a16:creationId xmlns:a16="http://schemas.microsoft.com/office/drawing/2014/main" id="{9CEFD85E-68B0-4099-999E-40EA3969A0A4}"/>
+                <a16:creationId xmlns:a16="http://schemas.microsoft.com/office/drawing/2014/main" xmlns="" id="{9CEFD85E-68B0-4099-999E-40EA3969A0A4}"/>
               </a:ext>
             </a:extLst>
           </p:cNvPr>
@@ -1839,7 +1841,7 @@
           <a:p>
             <a:fld id="{01AA3099-2024-4769-B781-B630B3B5E3D6}" type="datetimeFigureOut">
               <a:rPr lang="hu-HU" smtClean="0"/>
-              <a:t>2022. 01. 24.</a:t>
+              <a:t>2022. 01. 25.</a:t>
             </a:fld>
             <a:endParaRPr lang="hu-HU"/>
           </a:p>
@@ -1850,7 +1852,7 @@
           <p:cNvPr id="8" name="Élőláb helye 7">
             <a:extLst>
               <a:ext uri="{FF2B5EF4-FFF2-40B4-BE49-F238E27FC236}">
-                <a16:creationId xmlns:a16="http://schemas.microsoft.com/office/drawing/2014/main" id="{253A5D31-4238-4022-98B4-FFD4DEF8A751}"/>
+                <a16:creationId xmlns:a16="http://schemas.microsoft.com/office/drawing/2014/main" xmlns="" id="{253A5D31-4238-4022-98B4-FFD4DEF8A751}"/>
               </a:ext>
             </a:extLst>
           </p:cNvPr>
@@ -1875,7 +1877,7 @@
           <p:cNvPr id="9" name="Dia számának helye 8">
             <a:extLst>
               <a:ext uri="{FF2B5EF4-FFF2-40B4-BE49-F238E27FC236}">
-                <a16:creationId xmlns:a16="http://schemas.microsoft.com/office/drawing/2014/main" id="{A77FC091-00E3-450E-A343-E5CAD1BEE232}"/>
+                <a16:creationId xmlns:a16="http://schemas.microsoft.com/office/drawing/2014/main" xmlns="" id="{A77FC091-00E3-450E-A343-E5CAD1BEE232}"/>
               </a:ext>
             </a:extLst>
           </p:cNvPr>
@@ -1934,7 +1936,7 @@
           <p:cNvPr id="2" name="Cím 1">
             <a:extLst>
               <a:ext uri="{FF2B5EF4-FFF2-40B4-BE49-F238E27FC236}">
-                <a16:creationId xmlns:a16="http://schemas.microsoft.com/office/drawing/2014/main" id="{9920EA58-0C0F-4230-BAF2-F4594DB41ED7}"/>
+                <a16:creationId xmlns:a16="http://schemas.microsoft.com/office/drawing/2014/main" xmlns="" id="{9920EA58-0C0F-4230-BAF2-F4594DB41ED7}"/>
               </a:ext>
             </a:extLst>
           </p:cNvPr>
@@ -1962,7 +1964,7 @@
           <p:cNvPr id="3" name="Dátum helye 2">
             <a:extLst>
               <a:ext uri="{FF2B5EF4-FFF2-40B4-BE49-F238E27FC236}">
-                <a16:creationId xmlns:a16="http://schemas.microsoft.com/office/drawing/2014/main" id="{7C806EC5-C45E-426E-A156-232D89C9F00E}"/>
+                <a16:creationId xmlns:a16="http://schemas.microsoft.com/office/drawing/2014/main" xmlns="" id="{7C806EC5-C45E-426E-A156-232D89C9F00E}"/>
               </a:ext>
             </a:extLst>
           </p:cNvPr>
@@ -1980,7 +1982,7 @@
           <a:p>
             <a:fld id="{01AA3099-2024-4769-B781-B630B3B5E3D6}" type="datetimeFigureOut">
               <a:rPr lang="hu-HU" smtClean="0"/>
-              <a:t>2022. 01. 24.</a:t>
+              <a:t>2022. 01. 25.</a:t>
             </a:fld>
             <a:endParaRPr lang="hu-HU"/>
           </a:p>
@@ -1991,7 +1993,7 @@
           <p:cNvPr id="4" name="Élőláb helye 3">
             <a:extLst>
               <a:ext uri="{FF2B5EF4-FFF2-40B4-BE49-F238E27FC236}">
-                <a16:creationId xmlns:a16="http://schemas.microsoft.com/office/drawing/2014/main" id="{1BC921E8-81C4-4A9B-9B89-9EAFA33A65A5}"/>
+                <a16:creationId xmlns:a16="http://schemas.microsoft.com/office/drawing/2014/main" xmlns="" id="{1BC921E8-81C4-4A9B-9B89-9EAFA33A65A5}"/>
               </a:ext>
             </a:extLst>
           </p:cNvPr>
@@ -2016,7 +2018,7 @@
           <p:cNvPr id="5" name="Dia számának helye 4">
             <a:extLst>
               <a:ext uri="{FF2B5EF4-FFF2-40B4-BE49-F238E27FC236}">
-                <a16:creationId xmlns:a16="http://schemas.microsoft.com/office/drawing/2014/main" id="{03375E2C-DAB4-4CC6-9A98-286E9B84198C}"/>
+                <a16:creationId xmlns:a16="http://schemas.microsoft.com/office/drawing/2014/main" xmlns="" id="{03375E2C-DAB4-4CC6-9A98-286E9B84198C}"/>
               </a:ext>
             </a:extLst>
           </p:cNvPr>
@@ -2075,7 +2077,7 @@
           <p:cNvPr id="2" name="Dátum helye 1">
             <a:extLst>
               <a:ext uri="{FF2B5EF4-FFF2-40B4-BE49-F238E27FC236}">
-                <a16:creationId xmlns:a16="http://schemas.microsoft.com/office/drawing/2014/main" id="{1A374963-E3AA-479A-87CD-9F87CA5B58E1}"/>
+                <a16:creationId xmlns:a16="http://schemas.microsoft.com/office/drawing/2014/main" xmlns="" id="{1A374963-E3AA-479A-87CD-9F87CA5B58E1}"/>
               </a:ext>
             </a:extLst>
           </p:cNvPr>
@@ -2093,7 +2095,7 @@
           <a:p>
             <a:fld id="{01AA3099-2024-4769-B781-B630B3B5E3D6}" type="datetimeFigureOut">
               <a:rPr lang="hu-HU" smtClean="0"/>
-              <a:t>2022. 01. 24.</a:t>
+              <a:t>2022. 01. 25.</a:t>
             </a:fld>
             <a:endParaRPr lang="hu-HU"/>
           </a:p>
@@ -2104,7 +2106,7 @@
           <p:cNvPr id="3" name="Élőláb helye 2">
             <a:extLst>
               <a:ext uri="{FF2B5EF4-FFF2-40B4-BE49-F238E27FC236}">
-                <a16:creationId xmlns:a16="http://schemas.microsoft.com/office/drawing/2014/main" id="{9ECB2FF6-24AC-4D2E-904D-C7EBEA06CB53}"/>
+                <a16:creationId xmlns:a16="http://schemas.microsoft.com/office/drawing/2014/main" xmlns="" id="{9ECB2FF6-24AC-4D2E-904D-C7EBEA06CB53}"/>
               </a:ext>
             </a:extLst>
           </p:cNvPr>
@@ -2129,7 +2131,7 @@
           <p:cNvPr id="4" name="Dia számának helye 3">
             <a:extLst>
               <a:ext uri="{FF2B5EF4-FFF2-40B4-BE49-F238E27FC236}">
-                <a16:creationId xmlns:a16="http://schemas.microsoft.com/office/drawing/2014/main" id="{494B85E7-4CFE-4AA2-8446-949E9CCFD56D}"/>
+                <a16:creationId xmlns:a16="http://schemas.microsoft.com/office/drawing/2014/main" xmlns="" id="{494B85E7-4CFE-4AA2-8446-949E9CCFD56D}"/>
               </a:ext>
             </a:extLst>
           </p:cNvPr>
@@ -2188,7 +2190,7 @@
           <p:cNvPr id="2" name="Cím 1">
             <a:extLst>
               <a:ext uri="{FF2B5EF4-FFF2-40B4-BE49-F238E27FC236}">
-                <a16:creationId xmlns:a16="http://schemas.microsoft.com/office/drawing/2014/main" id="{022AD089-FE33-427F-AEE0-4F7CACB15626}"/>
+                <a16:creationId xmlns:a16="http://schemas.microsoft.com/office/drawing/2014/main" xmlns="" id="{022AD089-FE33-427F-AEE0-4F7CACB15626}"/>
               </a:ext>
             </a:extLst>
           </p:cNvPr>
@@ -2225,7 +2227,7 @@
           <p:cNvPr id="3" name="Tartalom helye 2">
             <a:extLst>
               <a:ext uri="{FF2B5EF4-FFF2-40B4-BE49-F238E27FC236}">
-                <a16:creationId xmlns:a16="http://schemas.microsoft.com/office/drawing/2014/main" id="{290EA8B6-3E87-404D-B5F1-24DCE2029667}"/>
+                <a16:creationId xmlns:a16="http://schemas.microsoft.com/office/drawing/2014/main" xmlns="" id="{290EA8B6-3E87-404D-B5F1-24DCE2029667}"/>
               </a:ext>
             </a:extLst>
           </p:cNvPr>
@@ -2315,7 +2317,7 @@
           <p:cNvPr id="4" name="Szöveg helye 3">
             <a:extLst>
               <a:ext uri="{FF2B5EF4-FFF2-40B4-BE49-F238E27FC236}">
-                <a16:creationId xmlns:a16="http://schemas.microsoft.com/office/drawing/2014/main" id="{6C5C384D-1E61-4D51-8999-C43FACF02AE5}"/>
+                <a16:creationId xmlns:a16="http://schemas.microsoft.com/office/drawing/2014/main" xmlns="" id="{6C5C384D-1E61-4D51-8999-C43FACF02AE5}"/>
               </a:ext>
             </a:extLst>
           </p:cNvPr>
@@ -2386,7 +2388,7 @@
           <p:cNvPr id="5" name="Dátum helye 4">
             <a:extLst>
               <a:ext uri="{FF2B5EF4-FFF2-40B4-BE49-F238E27FC236}">
-                <a16:creationId xmlns:a16="http://schemas.microsoft.com/office/drawing/2014/main" id="{D8995AE6-9D37-418B-9B55-01B7DFEF526A}"/>
+                <a16:creationId xmlns:a16="http://schemas.microsoft.com/office/drawing/2014/main" xmlns="" id="{D8995AE6-9D37-418B-9B55-01B7DFEF526A}"/>
               </a:ext>
             </a:extLst>
           </p:cNvPr>
@@ -2404,7 +2406,7 @@
           <a:p>
             <a:fld id="{01AA3099-2024-4769-B781-B630B3B5E3D6}" type="datetimeFigureOut">
               <a:rPr lang="hu-HU" smtClean="0"/>
-              <a:t>2022. 01. 24.</a:t>
+              <a:t>2022. 01. 25.</a:t>
             </a:fld>
             <a:endParaRPr lang="hu-HU"/>
           </a:p>
@@ -2415,7 +2417,7 @@
           <p:cNvPr id="6" name="Élőláb helye 5">
             <a:extLst>
               <a:ext uri="{FF2B5EF4-FFF2-40B4-BE49-F238E27FC236}">
-                <a16:creationId xmlns:a16="http://schemas.microsoft.com/office/drawing/2014/main" id="{BCA210A0-FB5D-4354-9A3E-7F3776D0ED2F}"/>
+                <a16:creationId xmlns:a16="http://schemas.microsoft.com/office/drawing/2014/main" xmlns="" id="{BCA210A0-FB5D-4354-9A3E-7F3776D0ED2F}"/>
               </a:ext>
             </a:extLst>
           </p:cNvPr>
@@ -2440,7 +2442,7 @@
           <p:cNvPr id="7" name="Dia számának helye 6">
             <a:extLst>
               <a:ext uri="{FF2B5EF4-FFF2-40B4-BE49-F238E27FC236}">
-                <a16:creationId xmlns:a16="http://schemas.microsoft.com/office/drawing/2014/main" id="{711FC0BD-943B-425E-93FD-8268C814D1DF}"/>
+                <a16:creationId xmlns:a16="http://schemas.microsoft.com/office/drawing/2014/main" xmlns="" id="{711FC0BD-943B-425E-93FD-8268C814D1DF}"/>
               </a:ext>
             </a:extLst>
           </p:cNvPr>
@@ -2499,7 +2501,7 @@
           <p:cNvPr id="2" name="Cím 1">
             <a:extLst>
               <a:ext uri="{FF2B5EF4-FFF2-40B4-BE49-F238E27FC236}">
-                <a16:creationId xmlns:a16="http://schemas.microsoft.com/office/drawing/2014/main" id="{C769E911-640C-4B34-A837-77F5E94DAEFA}"/>
+                <a16:creationId xmlns:a16="http://schemas.microsoft.com/office/drawing/2014/main" xmlns="" id="{C769E911-640C-4B34-A837-77F5E94DAEFA}"/>
               </a:ext>
             </a:extLst>
           </p:cNvPr>
@@ -2536,7 +2538,7 @@
           <p:cNvPr id="3" name="Kép helye 2">
             <a:extLst>
               <a:ext uri="{FF2B5EF4-FFF2-40B4-BE49-F238E27FC236}">
-                <a16:creationId xmlns:a16="http://schemas.microsoft.com/office/drawing/2014/main" id="{C549FCE7-AE48-4798-98CF-C92DA5D8BE53}"/>
+                <a16:creationId xmlns:a16="http://schemas.microsoft.com/office/drawing/2014/main" xmlns="" id="{C549FCE7-AE48-4798-98CF-C92DA5D8BE53}"/>
               </a:ext>
             </a:extLst>
           </p:cNvPr>
@@ -2603,7 +2605,7 @@
           <p:cNvPr id="4" name="Szöveg helye 3">
             <a:extLst>
               <a:ext uri="{FF2B5EF4-FFF2-40B4-BE49-F238E27FC236}">
-                <a16:creationId xmlns:a16="http://schemas.microsoft.com/office/drawing/2014/main" id="{7FD4F7C6-1EC2-4735-A5B5-7B4A0A93ACF5}"/>
+                <a16:creationId xmlns:a16="http://schemas.microsoft.com/office/drawing/2014/main" xmlns="" id="{7FD4F7C6-1EC2-4735-A5B5-7B4A0A93ACF5}"/>
               </a:ext>
             </a:extLst>
           </p:cNvPr>
@@ -2674,7 +2676,7 @@
           <p:cNvPr id="5" name="Dátum helye 4">
             <a:extLst>
               <a:ext uri="{FF2B5EF4-FFF2-40B4-BE49-F238E27FC236}">
-                <a16:creationId xmlns:a16="http://schemas.microsoft.com/office/drawing/2014/main" id="{AE401C6A-C766-4CCA-AFF9-25D4591DD527}"/>
+                <a16:creationId xmlns:a16="http://schemas.microsoft.com/office/drawing/2014/main" xmlns="" id="{AE401C6A-C766-4CCA-AFF9-25D4591DD527}"/>
               </a:ext>
             </a:extLst>
           </p:cNvPr>
@@ -2692,7 +2694,7 @@
           <a:p>
             <a:fld id="{01AA3099-2024-4769-B781-B630B3B5E3D6}" type="datetimeFigureOut">
               <a:rPr lang="hu-HU" smtClean="0"/>
-              <a:t>2022. 01. 24.</a:t>
+              <a:t>2022. 01. 25.</a:t>
             </a:fld>
             <a:endParaRPr lang="hu-HU"/>
           </a:p>
@@ -2703,7 +2705,7 @@
           <p:cNvPr id="6" name="Élőláb helye 5">
             <a:extLst>
               <a:ext uri="{FF2B5EF4-FFF2-40B4-BE49-F238E27FC236}">
-                <a16:creationId xmlns:a16="http://schemas.microsoft.com/office/drawing/2014/main" id="{AF609BB1-D8A7-42E7-90AD-AE242046E5A7}"/>
+                <a16:creationId xmlns:a16="http://schemas.microsoft.com/office/drawing/2014/main" xmlns="" id="{AF609BB1-D8A7-42E7-90AD-AE242046E5A7}"/>
               </a:ext>
             </a:extLst>
           </p:cNvPr>
@@ -2728,7 +2730,7 @@
           <p:cNvPr id="7" name="Dia számának helye 6">
             <a:extLst>
               <a:ext uri="{FF2B5EF4-FFF2-40B4-BE49-F238E27FC236}">
-                <a16:creationId xmlns:a16="http://schemas.microsoft.com/office/drawing/2014/main" id="{473EB78E-9024-443D-8401-358CEABBA4A5}"/>
+                <a16:creationId xmlns:a16="http://schemas.microsoft.com/office/drawing/2014/main" xmlns="" id="{473EB78E-9024-443D-8401-358CEABBA4A5}"/>
               </a:ext>
             </a:extLst>
           </p:cNvPr>
@@ -2792,7 +2794,7 @@
           <p:cNvPr id="2" name="Cím helye 1">
             <a:extLst>
               <a:ext uri="{FF2B5EF4-FFF2-40B4-BE49-F238E27FC236}">
-                <a16:creationId xmlns:a16="http://schemas.microsoft.com/office/drawing/2014/main" id="{AA7D5FEA-C710-46F4-B962-AF5D9C3E276A}"/>
+                <a16:creationId xmlns:a16="http://schemas.microsoft.com/office/drawing/2014/main" xmlns="" id="{AA7D5FEA-C710-46F4-B962-AF5D9C3E276A}"/>
               </a:ext>
             </a:extLst>
           </p:cNvPr>
@@ -2830,7 +2832,7 @@
           <p:cNvPr id="3" name="Szöveg helye 2">
             <a:extLst>
               <a:ext uri="{FF2B5EF4-FFF2-40B4-BE49-F238E27FC236}">
-                <a16:creationId xmlns:a16="http://schemas.microsoft.com/office/drawing/2014/main" id="{31B6D00D-5FF5-403B-B6B1-C82B0C8D3C4D}"/>
+                <a16:creationId xmlns:a16="http://schemas.microsoft.com/office/drawing/2014/main" xmlns="" id="{31B6D00D-5FF5-403B-B6B1-C82B0C8D3C4D}"/>
               </a:ext>
             </a:extLst>
           </p:cNvPr>
@@ -2897,7 +2899,7 @@
           <p:cNvPr id="4" name="Dátum helye 3">
             <a:extLst>
               <a:ext uri="{FF2B5EF4-FFF2-40B4-BE49-F238E27FC236}">
-                <a16:creationId xmlns:a16="http://schemas.microsoft.com/office/drawing/2014/main" id="{28490CD0-5307-4CF6-AEE1-EE076BE348CA}"/>
+                <a16:creationId xmlns:a16="http://schemas.microsoft.com/office/drawing/2014/main" xmlns="" id="{28490CD0-5307-4CF6-AEE1-EE076BE348CA}"/>
               </a:ext>
             </a:extLst>
           </p:cNvPr>
@@ -2933,7 +2935,7 @@
           <a:p>
             <a:fld id="{01AA3099-2024-4769-B781-B630B3B5E3D6}" type="datetimeFigureOut">
               <a:rPr lang="hu-HU" smtClean="0"/>
-              <a:t>2022. 01. 24.</a:t>
+              <a:t>2022. 01. 25.</a:t>
             </a:fld>
             <a:endParaRPr lang="hu-HU"/>
           </a:p>
@@ -2944,7 +2946,7 @@
           <p:cNvPr id="5" name="Élőláb helye 4">
             <a:extLst>
               <a:ext uri="{FF2B5EF4-FFF2-40B4-BE49-F238E27FC236}">
-                <a16:creationId xmlns:a16="http://schemas.microsoft.com/office/drawing/2014/main" id="{CDB5B755-982D-4F67-A74B-49646CE63AF2}"/>
+                <a16:creationId xmlns:a16="http://schemas.microsoft.com/office/drawing/2014/main" xmlns="" id="{CDB5B755-982D-4F67-A74B-49646CE63AF2}"/>
               </a:ext>
             </a:extLst>
           </p:cNvPr>
@@ -2987,7 +2989,7 @@
           <p:cNvPr id="6" name="Dia számának helye 5">
             <a:extLst>
               <a:ext uri="{FF2B5EF4-FFF2-40B4-BE49-F238E27FC236}">
-                <a16:creationId xmlns:a16="http://schemas.microsoft.com/office/drawing/2014/main" id="{81105151-EE75-4E37-A4FE-102E7D0B8E57}"/>
+                <a16:creationId xmlns:a16="http://schemas.microsoft.com/office/drawing/2014/main" xmlns="" id="{81105151-EE75-4E37-A4FE-102E7D0B8E57}"/>
               </a:ext>
             </a:extLst>
           </p:cNvPr>
@@ -3355,7 +3357,7 @@
           <p:cNvPr id="5" name="Ábra 4">
             <a:extLst>
               <a:ext uri="{FF2B5EF4-FFF2-40B4-BE49-F238E27FC236}">
-                <a16:creationId xmlns:a16="http://schemas.microsoft.com/office/drawing/2014/main" id="{F1822167-4C01-4849-B404-A98EDEAF97BA}"/>
+                <a16:creationId xmlns:a16="http://schemas.microsoft.com/office/drawing/2014/main" xmlns="" id="{F1822167-4C01-4849-B404-A98EDEAF97BA}"/>
               </a:ext>
             </a:extLst>
           </p:cNvPr>
@@ -3365,13 +3367,13 @@
           <p:nvPr/>
         </p:nvPicPr>
         <p:blipFill>
-          <a:blip r:embed="rId2">
+          <a:blip r:embed="rId2" cstate="print">
             <a:extLst>
               <a:ext uri="{28A0092B-C50C-407E-A947-70E740481C1C}">
                 <a14:useLocalDpi xmlns:a14="http://schemas.microsoft.com/office/drawing/2010/main" val="0"/>
               </a:ext>
               <a:ext uri="{96DAC541-7B7A-43D3-8B79-37D633B846F1}">
-                <asvg:svgBlip xmlns:asvg="http://schemas.microsoft.com/office/drawing/2016/SVG/main" r:embed="rId3"/>
+                <asvg:svgBlip xmlns:asvg="http://schemas.microsoft.com/office/drawing/2016/SVG/main" xmlns="" r:embed="rId3"/>
               </a:ext>
             </a:extLst>
           </a:blip>
@@ -3394,7 +3396,7 @@
           <p:cNvPr id="6" name="Szövegdoboz 5">
             <a:extLst>
               <a:ext uri="{FF2B5EF4-FFF2-40B4-BE49-F238E27FC236}">
-                <a16:creationId xmlns:a16="http://schemas.microsoft.com/office/drawing/2014/main" id="{7267F656-E3CE-4CDA-92F8-AA3DD3BCAB40}"/>
+                <a16:creationId xmlns:a16="http://schemas.microsoft.com/office/drawing/2014/main" xmlns="" id="{7267F656-E3CE-4CDA-92F8-AA3DD3BCAB40}"/>
               </a:ext>
             </a:extLst>
           </p:cNvPr>
@@ -3431,7 +3433,7 @@
           <p:cNvPr id="7" name="Szövegdoboz 6">
             <a:extLst>
               <a:ext uri="{FF2B5EF4-FFF2-40B4-BE49-F238E27FC236}">
-                <a16:creationId xmlns:a16="http://schemas.microsoft.com/office/drawing/2014/main" id="{603C2512-022F-48AB-881C-88F70BB2A9BD}"/>
+                <a16:creationId xmlns:a16="http://schemas.microsoft.com/office/drawing/2014/main" xmlns="" id="{603C2512-022F-48AB-881C-88F70BB2A9BD}"/>
               </a:ext>
             </a:extLst>
           </p:cNvPr>
@@ -3535,7 +3537,7 @@
           <p:cNvPr id="17" name="Szövegdoboz 16">
             <a:extLst>
               <a:ext uri="{FF2B5EF4-FFF2-40B4-BE49-F238E27FC236}">
-                <a16:creationId xmlns:a16="http://schemas.microsoft.com/office/drawing/2014/main" id="{2C1AA5D7-05A3-41F6-B3DA-F252382E0281}"/>
+                <a16:creationId xmlns:a16="http://schemas.microsoft.com/office/drawing/2014/main" xmlns="" id="{2C1AA5D7-05A3-41F6-B3DA-F252382E0281}"/>
               </a:ext>
             </a:extLst>
           </p:cNvPr>
@@ -3616,7 +3618,7 @@
           <p:cNvPr id="21" name="Kép 20">
             <a:extLst>
               <a:ext uri="{FF2B5EF4-FFF2-40B4-BE49-F238E27FC236}">
-                <a16:creationId xmlns:a16="http://schemas.microsoft.com/office/drawing/2014/main" id="{D77EA26D-BA98-4250-BCDE-E82941E8A816}"/>
+                <a16:creationId xmlns:a16="http://schemas.microsoft.com/office/drawing/2014/main" xmlns="" id="{D77EA26D-BA98-4250-BCDE-E82941E8A816}"/>
               </a:ext>
             </a:extLst>
           </p:cNvPr>
@@ -3626,7 +3628,7 @@
           <p:nvPr/>
         </p:nvPicPr>
         <p:blipFill>
-          <a:blip r:embed="rId4">
+          <a:blip r:embed="rId4" cstate="print">
             <a:extLst>
               <a:ext uri="{28A0092B-C50C-407E-A947-70E740481C1C}">
                 <a14:useLocalDpi xmlns:a14="http://schemas.microsoft.com/office/drawing/2010/main" val="0"/>
@@ -3652,7 +3654,7 @@
           <p:cNvPr id="25" name="Téglalap 24">
             <a:extLst>
               <a:ext uri="{FF2B5EF4-FFF2-40B4-BE49-F238E27FC236}">
-                <a16:creationId xmlns:a16="http://schemas.microsoft.com/office/drawing/2014/main" id="{010BE465-A230-40F7-9E68-2DF418E91B6A}"/>
+                <a16:creationId xmlns:a16="http://schemas.microsoft.com/office/drawing/2014/main" xmlns="" id="{010BE465-A230-40F7-9E68-2DF418E91B6A}"/>
               </a:ext>
             </a:extLst>
           </p:cNvPr>
@@ -3734,7 +3736,7 @@
           <p:cNvPr id="4" name="Szövegdoboz 3">
             <a:extLst>
               <a:ext uri="{FF2B5EF4-FFF2-40B4-BE49-F238E27FC236}">
-                <a16:creationId xmlns:a16="http://schemas.microsoft.com/office/drawing/2014/main" id="{CB608797-375C-4FAB-9692-55466FABFF61}"/>
+                <a16:creationId xmlns:a16="http://schemas.microsoft.com/office/drawing/2014/main" xmlns="" id="{CB608797-375C-4FAB-9692-55466FABFF61}"/>
               </a:ext>
             </a:extLst>
           </p:cNvPr>
@@ -3789,7 +3791,7 @@
           <p:cNvPr id="5" name="Téglalap 4">
             <a:extLst>
               <a:ext uri="{FF2B5EF4-FFF2-40B4-BE49-F238E27FC236}">
-                <a16:creationId xmlns:a16="http://schemas.microsoft.com/office/drawing/2014/main" id="{980EE41B-77A5-471A-8033-4C1F25961EF4}"/>
+                <a16:creationId xmlns:a16="http://schemas.microsoft.com/office/drawing/2014/main" xmlns="" id="{980EE41B-77A5-471A-8033-4C1F25961EF4}"/>
               </a:ext>
             </a:extLst>
           </p:cNvPr>
@@ -3841,7 +3843,7 @@
           <p:cNvPr id="6" name="Ábra 5">
             <a:extLst>
               <a:ext uri="{FF2B5EF4-FFF2-40B4-BE49-F238E27FC236}">
-                <a16:creationId xmlns:a16="http://schemas.microsoft.com/office/drawing/2014/main" id="{429B0420-3ACE-430B-A8F9-70E0AA021628}"/>
+                <a16:creationId xmlns:a16="http://schemas.microsoft.com/office/drawing/2014/main" xmlns="" id="{429B0420-3ACE-430B-A8F9-70E0AA021628}"/>
               </a:ext>
             </a:extLst>
           </p:cNvPr>
@@ -3851,13 +3853,13 @@
           <p:nvPr/>
         </p:nvPicPr>
         <p:blipFill>
-          <a:blip r:embed="rId2">
+          <a:blip r:embed="rId2" cstate="print">
             <a:extLst>
               <a:ext uri="{28A0092B-C50C-407E-A947-70E740481C1C}">
                 <a14:useLocalDpi xmlns:a14="http://schemas.microsoft.com/office/drawing/2010/main" val="0"/>
               </a:ext>
               <a:ext uri="{96DAC541-7B7A-43D3-8B79-37D633B846F1}">
-                <asvg:svgBlip xmlns:asvg="http://schemas.microsoft.com/office/drawing/2016/SVG/main" r:embed="rId3"/>
+                <asvg:svgBlip xmlns:asvg="http://schemas.microsoft.com/office/drawing/2016/SVG/main" xmlns="" r:embed="rId3"/>
               </a:ext>
             </a:extLst>
           </a:blip>
@@ -3880,7 +3882,7 @@
           <p:cNvPr id="7" name="Kép 6">
             <a:extLst>
               <a:ext uri="{FF2B5EF4-FFF2-40B4-BE49-F238E27FC236}">
-                <a16:creationId xmlns:a16="http://schemas.microsoft.com/office/drawing/2014/main" id="{10B9D92E-4E54-4778-B2BA-DD3A782DEA20}"/>
+                <a16:creationId xmlns:a16="http://schemas.microsoft.com/office/drawing/2014/main" xmlns="" id="{10B9D92E-4E54-4778-B2BA-DD3A782DEA20}"/>
               </a:ext>
             </a:extLst>
           </p:cNvPr>
@@ -3890,7 +3892,7 @@
           <p:nvPr/>
         </p:nvPicPr>
         <p:blipFill>
-          <a:blip r:embed="rId4">
+          <a:blip r:embed="rId4" cstate="print">
             <a:extLst>
               <a:ext uri="{28A0092B-C50C-407E-A947-70E740481C1C}">
                 <a14:useLocalDpi xmlns:a14="http://schemas.microsoft.com/office/drawing/2010/main" val="0"/>
@@ -3916,7 +3918,7 @@
           <p:cNvPr id="9" name="Szövegdoboz 8">
             <a:extLst>
               <a:ext uri="{FF2B5EF4-FFF2-40B4-BE49-F238E27FC236}">
-                <a16:creationId xmlns:a16="http://schemas.microsoft.com/office/drawing/2014/main" id="{37466BCB-E1CE-4F7D-8584-B04B919E0AB2}"/>
+                <a16:creationId xmlns:a16="http://schemas.microsoft.com/office/drawing/2014/main" xmlns="" id="{37466BCB-E1CE-4F7D-8584-B04B919E0AB2}"/>
               </a:ext>
             </a:extLst>
           </p:cNvPr>
@@ -4129,7 +4131,7 @@
           <p:cNvPr id="12" name="Kép 11">
             <a:extLst>
               <a:ext uri="{FF2B5EF4-FFF2-40B4-BE49-F238E27FC236}">
-                <a16:creationId xmlns:a16="http://schemas.microsoft.com/office/drawing/2014/main" id="{0AA7DE18-6AEF-4485-89A8-ACDDC3B23183}"/>
+                <a16:creationId xmlns:a16="http://schemas.microsoft.com/office/drawing/2014/main" xmlns="" id="{0AA7DE18-6AEF-4485-89A8-ACDDC3B23183}"/>
               </a:ext>
             </a:extLst>
           </p:cNvPr>
@@ -4139,7 +4141,7 @@
           <p:nvPr/>
         </p:nvPicPr>
         <p:blipFill>
-          <a:blip r:embed="rId5">
+          <a:blip r:embed="rId5" cstate="print">
             <a:extLst>
               <a:ext uri="{28A0092B-C50C-407E-A947-70E740481C1C}">
                 <a14:useLocalDpi xmlns:a14="http://schemas.microsoft.com/office/drawing/2010/main" val="0"/>
@@ -4165,7 +4167,7 @@
           <p:cNvPr id="13" name="Szövegdoboz 12">
             <a:extLst>
               <a:ext uri="{FF2B5EF4-FFF2-40B4-BE49-F238E27FC236}">
-                <a16:creationId xmlns:a16="http://schemas.microsoft.com/office/drawing/2014/main" id="{B329E9D7-E4C1-4B83-B3E0-B8B5C3F91871}"/>
+                <a16:creationId xmlns:a16="http://schemas.microsoft.com/office/drawing/2014/main" xmlns="" id="{B329E9D7-E4C1-4B83-B3E0-B8B5C3F91871}"/>
               </a:ext>
             </a:extLst>
           </p:cNvPr>
@@ -4342,7 +4344,7 @@
           <p:cNvPr id="14" name="Szövegdoboz 13">
             <a:extLst>
               <a:ext uri="{FF2B5EF4-FFF2-40B4-BE49-F238E27FC236}">
-                <a16:creationId xmlns:a16="http://schemas.microsoft.com/office/drawing/2014/main" id="{6CC38685-3263-4E92-9F5B-5DDA02AB8092}"/>
+                <a16:creationId xmlns:a16="http://schemas.microsoft.com/office/drawing/2014/main" xmlns="" id="{6CC38685-3263-4E92-9F5B-5DDA02AB8092}"/>
               </a:ext>
             </a:extLst>
           </p:cNvPr>
@@ -4427,7 +4429,7 @@
           <p:cNvPr id="4" name="Téglalap 3">
             <a:extLst>
               <a:ext uri="{FF2B5EF4-FFF2-40B4-BE49-F238E27FC236}">
-                <a16:creationId xmlns:a16="http://schemas.microsoft.com/office/drawing/2014/main" id="{F9C90CFD-A13F-425A-AF27-4038CF212F11}"/>
+                <a16:creationId xmlns:a16="http://schemas.microsoft.com/office/drawing/2014/main" xmlns="" id="{F9C90CFD-A13F-425A-AF27-4038CF212F11}"/>
               </a:ext>
             </a:extLst>
           </p:cNvPr>
@@ -4479,7 +4481,7 @@
           <p:cNvPr id="5" name="Szövegdoboz 4">
             <a:extLst>
               <a:ext uri="{FF2B5EF4-FFF2-40B4-BE49-F238E27FC236}">
-                <a16:creationId xmlns:a16="http://schemas.microsoft.com/office/drawing/2014/main" id="{A60678F4-FC5F-481C-9AAA-5E79C55DC231}"/>
+                <a16:creationId xmlns:a16="http://schemas.microsoft.com/office/drawing/2014/main" xmlns="" id="{A60678F4-FC5F-481C-9AAA-5E79C55DC231}"/>
               </a:ext>
             </a:extLst>
           </p:cNvPr>
@@ -4534,7 +4536,7 @@
           <p:cNvPr id="6" name="Kép 5">
             <a:extLst>
               <a:ext uri="{FF2B5EF4-FFF2-40B4-BE49-F238E27FC236}">
-                <a16:creationId xmlns:a16="http://schemas.microsoft.com/office/drawing/2014/main" id="{C92BE9BB-4674-4C0E-A255-2795E59E4870}"/>
+                <a16:creationId xmlns:a16="http://schemas.microsoft.com/office/drawing/2014/main" xmlns="" id="{C92BE9BB-4674-4C0E-A255-2795E59E4870}"/>
               </a:ext>
             </a:extLst>
           </p:cNvPr>
@@ -4544,7 +4546,7 @@
           <p:nvPr/>
         </p:nvPicPr>
         <p:blipFill>
-          <a:blip r:embed="rId2">
+          <a:blip r:embed="rId2" cstate="print">
             <a:extLst>
               <a:ext uri="{28A0092B-C50C-407E-A947-70E740481C1C}">
                 <a14:useLocalDpi xmlns:a14="http://schemas.microsoft.com/office/drawing/2010/main" val="0"/>
@@ -4570,7 +4572,7 @@
           <p:cNvPr id="7" name="Ábra 6">
             <a:extLst>
               <a:ext uri="{FF2B5EF4-FFF2-40B4-BE49-F238E27FC236}">
-                <a16:creationId xmlns:a16="http://schemas.microsoft.com/office/drawing/2014/main" id="{7D698027-ABFD-4B5D-BE6F-EFA228B01F4E}"/>
+                <a16:creationId xmlns:a16="http://schemas.microsoft.com/office/drawing/2014/main" xmlns="" id="{7D698027-ABFD-4B5D-BE6F-EFA228B01F4E}"/>
               </a:ext>
             </a:extLst>
           </p:cNvPr>
@@ -4580,13 +4582,13 @@
           <p:nvPr/>
         </p:nvPicPr>
         <p:blipFill>
-          <a:blip r:embed="rId3">
+          <a:blip r:embed="rId3" cstate="print">
             <a:extLst>
               <a:ext uri="{28A0092B-C50C-407E-A947-70E740481C1C}">
                 <a14:useLocalDpi xmlns:a14="http://schemas.microsoft.com/office/drawing/2010/main" val="0"/>
               </a:ext>
               <a:ext uri="{96DAC541-7B7A-43D3-8B79-37D633B846F1}">
-                <asvg:svgBlip xmlns:asvg="http://schemas.microsoft.com/office/drawing/2016/SVG/main" r:embed="rId4"/>
+                <asvg:svgBlip xmlns:asvg="http://schemas.microsoft.com/office/drawing/2016/SVG/main" xmlns="" r:embed="rId4"/>
               </a:ext>
             </a:extLst>
           </a:blip>
@@ -4609,7 +4611,7 @@
           <p:cNvPr id="9" name="Kép 8" descr="A képen szöveg, clipart látható&#10;&#10;Automatikusan generált leírás">
             <a:extLst>
               <a:ext uri="{FF2B5EF4-FFF2-40B4-BE49-F238E27FC236}">
-                <a16:creationId xmlns:a16="http://schemas.microsoft.com/office/drawing/2014/main" id="{8EB6B0B5-CC64-4DAB-87A2-3B0BD3E70A89}"/>
+                <a16:creationId xmlns:a16="http://schemas.microsoft.com/office/drawing/2014/main" xmlns="" id="{8EB6B0B5-CC64-4DAB-87A2-3B0BD3E70A89}"/>
               </a:ext>
             </a:extLst>
           </p:cNvPr>
@@ -4645,7 +4647,7 @@
           <p:cNvPr id="10" name="Szövegdoboz 9">
             <a:extLst>
               <a:ext uri="{FF2B5EF4-FFF2-40B4-BE49-F238E27FC236}">
-                <a16:creationId xmlns:a16="http://schemas.microsoft.com/office/drawing/2014/main" id="{1B58DB5D-9980-4129-B1C9-87FABF7876AF}"/>
+                <a16:creationId xmlns:a16="http://schemas.microsoft.com/office/drawing/2014/main" xmlns="" id="{1B58DB5D-9980-4129-B1C9-87FABF7876AF}"/>
               </a:ext>
             </a:extLst>
           </p:cNvPr>
@@ -4851,7 +4853,7 @@
           <p:cNvPr id="12" name="Rectangle 1">
             <a:extLst>
               <a:ext uri="{FF2B5EF4-FFF2-40B4-BE49-F238E27FC236}">
-                <a16:creationId xmlns:a16="http://schemas.microsoft.com/office/drawing/2014/main" id="{A2CD8CEE-60F8-408C-9CD4-8D9BAB3D9F5C}"/>
+                <a16:creationId xmlns:a16="http://schemas.microsoft.com/office/drawing/2014/main" xmlns="" id="{A2CD8CEE-60F8-408C-9CD4-8D9BAB3D9F5C}"/>
               </a:ext>
             </a:extLst>
           </p:cNvPr>
@@ -4940,7 +4942,7 @@
           <p:cNvPr id="16" name="Kép 15">
             <a:extLst>
               <a:ext uri="{FF2B5EF4-FFF2-40B4-BE49-F238E27FC236}">
-                <a16:creationId xmlns:a16="http://schemas.microsoft.com/office/drawing/2014/main" id="{206FF526-0E7C-4E09-BCA8-91538CBE92EC}"/>
+                <a16:creationId xmlns:a16="http://schemas.microsoft.com/office/drawing/2014/main" xmlns="" id="{206FF526-0E7C-4E09-BCA8-91538CBE92EC}"/>
               </a:ext>
             </a:extLst>
           </p:cNvPr>
@@ -5006,7 +5008,7 @@
           <p:cNvPr id="4" name="Téglalap 3">
             <a:extLst>
               <a:ext uri="{FF2B5EF4-FFF2-40B4-BE49-F238E27FC236}">
-                <a16:creationId xmlns:a16="http://schemas.microsoft.com/office/drawing/2014/main" id="{7D51A41D-6954-42BB-A4E2-28628A688925}"/>
+                <a16:creationId xmlns:a16="http://schemas.microsoft.com/office/drawing/2014/main" xmlns="" id="{7D51A41D-6954-42BB-A4E2-28628A688925}"/>
               </a:ext>
             </a:extLst>
           </p:cNvPr>
@@ -5058,7 +5060,7 @@
           <p:cNvPr id="6" name="Ábra 5">
             <a:extLst>
               <a:ext uri="{FF2B5EF4-FFF2-40B4-BE49-F238E27FC236}">
-                <a16:creationId xmlns:a16="http://schemas.microsoft.com/office/drawing/2014/main" id="{B2630098-F67C-4443-9EAC-FCC271FA7CFE}"/>
+                <a16:creationId xmlns:a16="http://schemas.microsoft.com/office/drawing/2014/main" xmlns="" id="{B2630098-F67C-4443-9EAC-FCC271FA7CFE}"/>
               </a:ext>
             </a:extLst>
           </p:cNvPr>
@@ -5068,13 +5070,13 @@
           <p:nvPr/>
         </p:nvPicPr>
         <p:blipFill>
-          <a:blip r:embed="rId2">
+          <a:blip r:embed="rId2" cstate="print">
             <a:extLst>
               <a:ext uri="{28A0092B-C50C-407E-A947-70E740481C1C}">
                 <a14:useLocalDpi xmlns:a14="http://schemas.microsoft.com/office/drawing/2010/main" val="0"/>
               </a:ext>
               <a:ext uri="{96DAC541-7B7A-43D3-8B79-37D633B846F1}">
-                <asvg:svgBlip xmlns:asvg="http://schemas.microsoft.com/office/drawing/2016/SVG/main" r:embed="rId3"/>
+                <asvg:svgBlip xmlns:asvg="http://schemas.microsoft.com/office/drawing/2016/SVG/main" xmlns="" r:embed="rId3"/>
               </a:ext>
             </a:extLst>
           </a:blip>
@@ -5097,7 +5099,7 @@
           <p:cNvPr id="7" name="Kép 6">
             <a:extLst>
               <a:ext uri="{FF2B5EF4-FFF2-40B4-BE49-F238E27FC236}">
-                <a16:creationId xmlns:a16="http://schemas.microsoft.com/office/drawing/2014/main" id="{80624D43-88E7-4753-B822-ED7D4B262C05}"/>
+                <a16:creationId xmlns:a16="http://schemas.microsoft.com/office/drawing/2014/main" xmlns="" id="{80624D43-88E7-4753-B822-ED7D4B262C05}"/>
               </a:ext>
             </a:extLst>
           </p:cNvPr>
@@ -5107,7 +5109,7 @@
           <p:nvPr/>
         </p:nvPicPr>
         <p:blipFill>
-          <a:blip r:embed="rId4">
+          <a:blip r:embed="rId4" cstate="print">
             <a:extLst>
               <a:ext uri="{28A0092B-C50C-407E-A947-70E740481C1C}">
                 <a14:useLocalDpi xmlns:a14="http://schemas.microsoft.com/office/drawing/2010/main" val="0"/>
@@ -5133,7 +5135,7 @@
           <p:cNvPr id="8" name="Szövegdoboz 7">
             <a:extLst>
               <a:ext uri="{FF2B5EF4-FFF2-40B4-BE49-F238E27FC236}">
-                <a16:creationId xmlns:a16="http://schemas.microsoft.com/office/drawing/2014/main" id="{755240AE-9326-44CF-8FDA-F20C3FF96486}"/>
+                <a16:creationId xmlns:a16="http://schemas.microsoft.com/office/drawing/2014/main" xmlns="" id="{755240AE-9326-44CF-8FDA-F20C3FF96486}"/>
               </a:ext>
             </a:extLst>
           </p:cNvPr>
@@ -5165,7 +5167,7 @@
           <p:cNvPr id="9" name="Szövegdoboz 8">
             <a:extLst>
               <a:ext uri="{FF2B5EF4-FFF2-40B4-BE49-F238E27FC236}">
-                <a16:creationId xmlns:a16="http://schemas.microsoft.com/office/drawing/2014/main" id="{C15B16C9-B619-46B5-8F60-9537C0C3376E}"/>
+                <a16:creationId xmlns:a16="http://schemas.microsoft.com/office/drawing/2014/main" xmlns="" id="{C15B16C9-B619-46B5-8F60-9537C0C3376E}"/>
               </a:ext>
             </a:extLst>
           </p:cNvPr>
@@ -6022,7 +6024,7 @@
           <p:cNvPr id="10" name="Szövegdoboz 9">
             <a:extLst>
               <a:ext uri="{FF2B5EF4-FFF2-40B4-BE49-F238E27FC236}">
-                <a16:creationId xmlns:a16="http://schemas.microsoft.com/office/drawing/2014/main" id="{D668BE8B-0D71-4562-A966-D2B3116B9E5A}"/>
+                <a16:creationId xmlns:a16="http://schemas.microsoft.com/office/drawing/2014/main" xmlns="" id="{D668BE8B-0D71-4562-A966-D2B3116B9E5A}"/>
               </a:ext>
             </a:extLst>
           </p:cNvPr>
@@ -6095,7 +6097,7 @@
           <p:cNvPr id="11" name="Szövegdoboz 10">
             <a:extLst>
               <a:ext uri="{FF2B5EF4-FFF2-40B4-BE49-F238E27FC236}">
-                <a16:creationId xmlns:a16="http://schemas.microsoft.com/office/drawing/2014/main" id="{571B4580-08C3-446E-8B7F-D2491DF9042C}"/>
+                <a16:creationId xmlns:a16="http://schemas.microsoft.com/office/drawing/2014/main" xmlns="" id="{571B4580-08C3-446E-8B7F-D2491DF9042C}"/>
               </a:ext>
             </a:extLst>
           </p:cNvPr>
@@ -6150,7 +6152,7 @@
           <p:cNvPr id="12" name="Kép 11" descr="A képen szöveg, clipart látható&#10;&#10;Automatikusan generált leírás">
             <a:extLst>
               <a:ext uri="{FF2B5EF4-FFF2-40B4-BE49-F238E27FC236}">
-                <a16:creationId xmlns:a16="http://schemas.microsoft.com/office/drawing/2014/main" id="{E9011122-228B-4386-85E7-7C489CCBF0B3}"/>
+                <a16:creationId xmlns:a16="http://schemas.microsoft.com/office/drawing/2014/main" xmlns="" id="{E9011122-228B-4386-85E7-7C489CCBF0B3}"/>
               </a:ext>
             </a:extLst>
           </p:cNvPr>
@@ -6216,7 +6218,7 @@
           <p:cNvPr id="4" name="Téglalap 3">
             <a:extLst>
               <a:ext uri="{FF2B5EF4-FFF2-40B4-BE49-F238E27FC236}">
-                <a16:creationId xmlns:a16="http://schemas.microsoft.com/office/drawing/2014/main" id="{49B1179B-0CC6-46F2-8E99-1F390F6F7F49}"/>
+                <a16:creationId xmlns:a16="http://schemas.microsoft.com/office/drawing/2014/main" xmlns="" id="{49B1179B-0CC6-46F2-8E99-1F390F6F7F49}"/>
               </a:ext>
             </a:extLst>
           </p:cNvPr>
@@ -6268,7 +6270,7 @@
           <p:cNvPr id="5" name="Szövegdoboz 4">
             <a:extLst>
               <a:ext uri="{FF2B5EF4-FFF2-40B4-BE49-F238E27FC236}">
-                <a16:creationId xmlns:a16="http://schemas.microsoft.com/office/drawing/2014/main" id="{8A4D48B3-98B4-4AC9-B14B-8E10AED7E18C}"/>
+                <a16:creationId xmlns:a16="http://schemas.microsoft.com/office/drawing/2014/main" xmlns="" id="{8A4D48B3-98B4-4AC9-B14B-8E10AED7E18C}"/>
               </a:ext>
             </a:extLst>
           </p:cNvPr>
@@ -6323,7 +6325,7 @@
           <p:cNvPr id="6" name="Ábra 5">
             <a:extLst>
               <a:ext uri="{FF2B5EF4-FFF2-40B4-BE49-F238E27FC236}">
-                <a16:creationId xmlns:a16="http://schemas.microsoft.com/office/drawing/2014/main" id="{7E8C815A-4BFA-40C9-91B2-A08DC0372BAB}"/>
+                <a16:creationId xmlns:a16="http://schemas.microsoft.com/office/drawing/2014/main" xmlns="" id="{7E8C815A-4BFA-40C9-91B2-A08DC0372BAB}"/>
               </a:ext>
             </a:extLst>
           </p:cNvPr>
@@ -6333,13 +6335,13 @@
           <p:nvPr/>
         </p:nvPicPr>
         <p:blipFill>
-          <a:blip r:embed="rId2">
+          <a:blip r:embed="rId2" cstate="print">
             <a:extLst>
               <a:ext uri="{28A0092B-C50C-407E-A947-70E740481C1C}">
                 <a14:useLocalDpi xmlns:a14="http://schemas.microsoft.com/office/drawing/2010/main" val="0"/>
               </a:ext>
               <a:ext uri="{96DAC541-7B7A-43D3-8B79-37D633B846F1}">
-                <asvg:svgBlip xmlns:asvg="http://schemas.microsoft.com/office/drawing/2016/SVG/main" r:embed="rId3"/>
+                <asvg:svgBlip xmlns:asvg="http://schemas.microsoft.com/office/drawing/2016/SVG/main" xmlns="" r:embed="rId3"/>
               </a:ext>
             </a:extLst>
           </a:blip>
@@ -6362,7 +6364,7 @@
           <p:cNvPr id="7" name="Kép 6">
             <a:extLst>
               <a:ext uri="{FF2B5EF4-FFF2-40B4-BE49-F238E27FC236}">
-                <a16:creationId xmlns:a16="http://schemas.microsoft.com/office/drawing/2014/main" id="{C3796190-948E-4FC1-AA34-B420E5A20899}"/>
+                <a16:creationId xmlns:a16="http://schemas.microsoft.com/office/drawing/2014/main" xmlns="" id="{C3796190-948E-4FC1-AA34-B420E5A20899}"/>
               </a:ext>
             </a:extLst>
           </p:cNvPr>
@@ -6372,7 +6374,7 @@
           <p:nvPr/>
         </p:nvPicPr>
         <p:blipFill>
-          <a:blip r:embed="rId4">
+          <a:blip r:embed="rId4" cstate="print">
             <a:extLst>
               <a:ext uri="{28A0092B-C50C-407E-A947-70E740481C1C}">
                 <a14:useLocalDpi xmlns:a14="http://schemas.microsoft.com/office/drawing/2010/main" val="0"/>
@@ -6398,7 +6400,7 @@
           <p:cNvPr id="9" name="Kép 8">
             <a:extLst>
               <a:ext uri="{FF2B5EF4-FFF2-40B4-BE49-F238E27FC236}">
-                <a16:creationId xmlns:a16="http://schemas.microsoft.com/office/drawing/2014/main" id="{7130844B-DB3C-4259-876D-EF1D4A9AFDEA}"/>
+                <a16:creationId xmlns:a16="http://schemas.microsoft.com/office/drawing/2014/main" xmlns="" id="{7130844B-DB3C-4259-876D-EF1D4A9AFDEA}"/>
               </a:ext>
             </a:extLst>
           </p:cNvPr>
@@ -6408,7 +6410,7 @@
           <p:nvPr/>
         </p:nvPicPr>
         <p:blipFill>
-          <a:blip r:embed="rId5">
+          <a:blip r:embed="rId5" cstate="print">
             <a:extLst>
               <a:ext uri="{28A0092B-C50C-407E-A947-70E740481C1C}">
                 <a14:useLocalDpi xmlns:a14="http://schemas.microsoft.com/office/drawing/2010/main" val="0"/>
@@ -6434,7 +6436,7 @@
           <p:cNvPr id="10" name="Szövegdoboz 9">
             <a:extLst>
               <a:ext uri="{FF2B5EF4-FFF2-40B4-BE49-F238E27FC236}">
-                <a16:creationId xmlns:a16="http://schemas.microsoft.com/office/drawing/2014/main" id="{5F3E262D-EC8D-40E6-A9BE-CF651CD3A3B2}"/>
+                <a16:creationId xmlns:a16="http://schemas.microsoft.com/office/drawing/2014/main" xmlns="" id="{5F3E262D-EC8D-40E6-A9BE-CF651CD3A3B2}"/>
               </a:ext>
             </a:extLst>
           </p:cNvPr>
@@ -6516,7 +6518,7 @@
           <p:cNvPr id="12" name="Kép 11" descr="A képen szöveg látható&#10;&#10;Automatikusan generált leírás">
             <a:extLst>
               <a:ext uri="{FF2B5EF4-FFF2-40B4-BE49-F238E27FC236}">
-                <a16:creationId xmlns:a16="http://schemas.microsoft.com/office/drawing/2014/main" id="{5256112E-CCA5-4383-9DEC-22038BDBC8A1}"/>
+                <a16:creationId xmlns:a16="http://schemas.microsoft.com/office/drawing/2014/main" xmlns="" id="{5256112E-CCA5-4383-9DEC-22038BDBC8A1}"/>
               </a:ext>
             </a:extLst>
           </p:cNvPr>
@@ -6552,7 +6554,7 @@
           <p:cNvPr id="16" name="Kép 15">
             <a:extLst>
               <a:ext uri="{FF2B5EF4-FFF2-40B4-BE49-F238E27FC236}">
-                <a16:creationId xmlns:a16="http://schemas.microsoft.com/office/drawing/2014/main" id="{32E2D3BE-B80D-474C-A319-8E5919FE4869}"/>
+                <a16:creationId xmlns:a16="http://schemas.microsoft.com/office/drawing/2014/main" xmlns="" id="{32E2D3BE-B80D-474C-A319-8E5919FE4869}"/>
               </a:ext>
             </a:extLst>
           </p:cNvPr>
@@ -6562,7 +6564,7 @@
           <p:nvPr/>
         </p:nvPicPr>
         <p:blipFill>
-          <a:blip r:embed="rId7">
+          <a:blip r:embed="rId7" cstate="print">
             <a:extLst>
               <a:ext uri="{28A0092B-C50C-407E-A947-70E740481C1C}">
                 <a14:useLocalDpi xmlns:a14="http://schemas.microsoft.com/office/drawing/2010/main" val="0"/>
@@ -6618,7 +6620,7 @@
           <p:cNvPr id="4" name="Téglalap 3">
             <a:extLst>
               <a:ext uri="{FF2B5EF4-FFF2-40B4-BE49-F238E27FC236}">
-                <a16:creationId xmlns:a16="http://schemas.microsoft.com/office/drawing/2014/main" id="{C7BD54D9-3F9D-45DB-8168-96DF78E16F94}"/>
+                <a16:creationId xmlns:a16="http://schemas.microsoft.com/office/drawing/2014/main" xmlns="" id="{C7BD54D9-3F9D-45DB-8168-96DF78E16F94}"/>
               </a:ext>
             </a:extLst>
           </p:cNvPr>
@@ -6670,7 +6672,7 @@
           <p:cNvPr id="5" name="Szövegdoboz 4">
             <a:extLst>
               <a:ext uri="{FF2B5EF4-FFF2-40B4-BE49-F238E27FC236}">
-                <a16:creationId xmlns:a16="http://schemas.microsoft.com/office/drawing/2014/main" id="{9B2A4970-2930-4B8D-AB8D-B33C27BBDF04}"/>
+                <a16:creationId xmlns:a16="http://schemas.microsoft.com/office/drawing/2014/main" xmlns="" id="{9B2A4970-2930-4B8D-AB8D-B33C27BBDF04}"/>
               </a:ext>
             </a:extLst>
           </p:cNvPr>
@@ -6725,7 +6727,7 @@
           <p:cNvPr id="6" name="Kép 5">
             <a:extLst>
               <a:ext uri="{FF2B5EF4-FFF2-40B4-BE49-F238E27FC236}">
-                <a16:creationId xmlns:a16="http://schemas.microsoft.com/office/drawing/2014/main" id="{ADA2A382-FBA3-4713-AFC7-7F5ADB695B5F}"/>
+                <a16:creationId xmlns:a16="http://schemas.microsoft.com/office/drawing/2014/main" xmlns="" id="{ADA2A382-FBA3-4713-AFC7-7F5ADB695B5F}"/>
               </a:ext>
             </a:extLst>
           </p:cNvPr>
@@ -6735,7 +6737,7 @@
           <p:nvPr/>
         </p:nvPicPr>
         <p:blipFill>
-          <a:blip r:embed="rId2">
+          <a:blip r:embed="rId2" cstate="print">
             <a:extLst>
               <a:ext uri="{28A0092B-C50C-407E-A947-70E740481C1C}">
                 <a14:useLocalDpi xmlns:a14="http://schemas.microsoft.com/office/drawing/2010/main" val="0"/>
@@ -6761,7 +6763,7 @@
           <p:cNvPr id="7" name="Ábra 6">
             <a:extLst>
               <a:ext uri="{FF2B5EF4-FFF2-40B4-BE49-F238E27FC236}">
-                <a16:creationId xmlns:a16="http://schemas.microsoft.com/office/drawing/2014/main" id="{154906A3-E230-45CD-B14B-FE8C154C08EE}"/>
+                <a16:creationId xmlns:a16="http://schemas.microsoft.com/office/drawing/2014/main" xmlns="" id="{154906A3-E230-45CD-B14B-FE8C154C08EE}"/>
               </a:ext>
             </a:extLst>
           </p:cNvPr>
@@ -6771,13 +6773,13 @@
           <p:nvPr/>
         </p:nvPicPr>
         <p:blipFill>
-          <a:blip r:embed="rId3">
+          <a:blip r:embed="rId3" cstate="print">
             <a:extLst>
               <a:ext uri="{28A0092B-C50C-407E-A947-70E740481C1C}">
                 <a14:useLocalDpi xmlns:a14="http://schemas.microsoft.com/office/drawing/2010/main" val="0"/>
               </a:ext>
               <a:ext uri="{96DAC541-7B7A-43D3-8B79-37D633B846F1}">
-                <asvg:svgBlip xmlns:asvg="http://schemas.microsoft.com/office/drawing/2016/SVG/main" r:embed="rId4"/>
+                <asvg:svgBlip xmlns:asvg="http://schemas.microsoft.com/office/drawing/2016/SVG/main" xmlns="" r:embed="rId4"/>
               </a:ext>
             </a:extLst>
           </a:blip>
@@ -6800,7 +6802,7 @@
           <p:cNvPr id="9" name="Kép 8" descr="A képen szöveg, clipart, vektorgrafika látható&#10;&#10;Automatikusan generált leírás">
             <a:extLst>
               <a:ext uri="{FF2B5EF4-FFF2-40B4-BE49-F238E27FC236}">
-                <a16:creationId xmlns:a16="http://schemas.microsoft.com/office/drawing/2014/main" id="{D1F5C125-7E02-4011-BCEC-81CD70A75F1F}"/>
+                <a16:creationId xmlns:a16="http://schemas.microsoft.com/office/drawing/2014/main" xmlns="" id="{D1F5C125-7E02-4011-BCEC-81CD70A75F1F}"/>
               </a:ext>
             </a:extLst>
           </p:cNvPr>
@@ -6810,7 +6812,7 @@
           <p:nvPr/>
         </p:nvPicPr>
         <p:blipFill>
-          <a:blip r:embed="rId5">
+          <a:blip r:embed="rId5" cstate="print">
             <a:extLst>
               <a:ext uri="{28A0092B-C50C-407E-A947-70E740481C1C}">
                 <a14:useLocalDpi xmlns:a14="http://schemas.microsoft.com/office/drawing/2010/main" val="0"/>
@@ -6836,7 +6838,7 @@
           <p:cNvPr id="10" name="Szövegdoboz 9">
             <a:extLst>
               <a:ext uri="{FF2B5EF4-FFF2-40B4-BE49-F238E27FC236}">
-                <a16:creationId xmlns:a16="http://schemas.microsoft.com/office/drawing/2014/main" id="{7DE14610-1C8E-44BD-9791-DC90997EFD19}"/>
+                <a16:creationId xmlns:a16="http://schemas.microsoft.com/office/drawing/2014/main" xmlns="" id="{7DE14610-1C8E-44BD-9791-DC90997EFD19}"/>
               </a:ext>
             </a:extLst>
           </p:cNvPr>
@@ -6959,7 +6961,7 @@
           <p:cNvPr id="12" name="Kép 11">
             <a:extLst>
               <a:ext uri="{FF2B5EF4-FFF2-40B4-BE49-F238E27FC236}">
-                <a16:creationId xmlns:a16="http://schemas.microsoft.com/office/drawing/2014/main" id="{0E32AD6C-994D-41F9-AC69-B65A18997642}"/>
+                <a16:creationId xmlns:a16="http://schemas.microsoft.com/office/drawing/2014/main" xmlns="" id="{0E32AD6C-994D-41F9-AC69-B65A18997642}"/>
               </a:ext>
             </a:extLst>
           </p:cNvPr>
@@ -7025,7 +7027,7 @@
           <p:cNvPr id="4" name="Szövegdoboz 3">
             <a:extLst>
               <a:ext uri="{FF2B5EF4-FFF2-40B4-BE49-F238E27FC236}">
-                <a16:creationId xmlns:a16="http://schemas.microsoft.com/office/drawing/2014/main" id="{EB1C451C-D53A-4303-B73A-13B738AC7A72}"/>
+                <a16:creationId xmlns:a16="http://schemas.microsoft.com/office/drawing/2014/main" xmlns="" id="{EB1C451C-D53A-4303-B73A-13B738AC7A72}"/>
               </a:ext>
             </a:extLst>
           </p:cNvPr>
@@ -7083,7 +7085,7 @@
           <p:cNvPr id="5" name="Téglalap 4">
             <a:extLst>
               <a:ext uri="{FF2B5EF4-FFF2-40B4-BE49-F238E27FC236}">
-                <a16:creationId xmlns:a16="http://schemas.microsoft.com/office/drawing/2014/main" id="{6813BE4B-7BDD-4CC6-B4A0-2D6966E3D6DF}"/>
+                <a16:creationId xmlns:a16="http://schemas.microsoft.com/office/drawing/2014/main" xmlns="" id="{6813BE4B-7BDD-4CC6-B4A0-2D6966E3D6DF}"/>
               </a:ext>
             </a:extLst>
           </p:cNvPr>
@@ -7135,7 +7137,7 @@
           <p:cNvPr id="6" name="Ábra 5">
             <a:extLst>
               <a:ext uri="{FF2B5EF4-FFF2-40B4-BE49-F238E27FC236}">
-                <a16:creationId xmlns:a16="http://schemas.microsoft.com/office/drawing/2014/main" id="{91AD7EB3-B557-4BC8-88DC-C0B9069197F7}"/>
+                <a16:creationId xmlns:a16="http://schemas.microsoft.com/office/drawing/2014/main" xmlns="" id="{91AD7EB3-B557-4BC8-88DC-C0B9069197F7}"/>
               </a:ext>
             </a:extLst>
           </p:cNvPr>
@@ -7145,13 +7147,13 @@
           <p:nvPr/>
         </p:nvPicPr>
         <p:blipFill>
-          <a:blip r:embed="rId2">
+          <a:blip r:embed="rId2" cstate="print">
             <a:extLst>
               <a:ext uri="{28A0092B-C50C-407E-A947-70E740481C1C}">
                 <a14:useLocalDpi xmlns:a14="http://schemas.microsoft.com/office/drawing/2010/main" val="0"/>
               </a:ext>
               <a:ext uri="{96DAC541-7B7A-43D3-8B79-37D633B846F1}">
-                <asvg:svgBlip xmlns:asvg="http://schemas.microsoft.com/office/drawing/2016/SVG/main" r:embed="rId3"/>
+                <asvg:svgBlip xmlns:asvg="http://schemas.microsoft.com/office/drawing/2016/SVG/main" xmlns="" r:embed="rId3"/>
               </a:ext>
             </a:extLst>
           </a:blip>
@@ -7174,7 +7176,7 @@
           <p:cNvPr id="7" name="Kép 6">
             <a:extLst>
               <a:ext uri="{FF2B5EF4-FFF2-40B4-BE49-F238E27FC236}">
-                <a16:creationId xmlns:a16="http://schemas.microsoft.com/office/drawing/2014/main" id="{2C7B6D79-87C0-42FB-9C1B-A0E393FC20BD}"/>
+                <a16:creationId xmlns:a16="http://schemas.microsoft.com/office/drawing/2014/main" xmlns="" id="{2C7B6D79-87C0-42FB-9C1B-A0E393FC20BD}"/>
               </a:ext>
             </a:extLst>
           </p:cNvPr>
@@ -7184,7 +7186,7 @@
           <p:nvPr/>
         </p:nvPicPr>
         <p:blipFill>
-          <a:blip r:embed="rId4">
+          <a:blip r:embed="rId4" cstate="print">
             <a:extLst>
               <a:ext uri="{28A0092B-C50C-407E-A947-70E740481C1C}">
                 <a14:useLocalDpi xmlns:a14="http://schemas.microsoft.com/office/drawing/2010/main" val="0"/>
@@ -7210,7 +7212,7 @@
           <p:cNvPr id="8" name="Szövegdoboz 7">
             <a:extLst>
               <a:ext uri="{FF2B5EF4-FFF2-40B4-BE49-F238E27FC236}">
-                <a16:creationId xmlns:a16="http://schemas.microsoft.com/office/drawing/2014/main" id="{29A7ECC6-33AA-43D9-B05E-F67CDAC7B655}"/>
+                <a16:creationId xmlns:a16="http://schemas.microsoft.com/office/drawing/2014/main" xmlns="" id="{29A7ECC6-33AA-43D9-B05E-F67CDAC7B655}"/>
               </a:ext>
             </a:extLst>
           </p:cNvPr>
@@ -7575,6 +7577,12 @@
               </a:rPr>
               <a:t> -e \</a:t>
             </a:r>
+            <a:r>
+              <a:rPr lang="hu-HU" sz="1400" dirty="0">
+                <a:latin typeface="Consolas" panose="020B0609020204030204" pitchFamily="49" charset="0"/>
+              </a:rPr>
+              <a:t/>
+            </a:r>
             <a:br>
               <a:rPr lang="hu-HU" sz="1400" dirty="0">
                 <a:latin typeface="Consolas" panose="020B0609020204030204" pitchFamily="49" charset="0"/>
@@ -7630,6 +7638,12 @@
               </a:rPr>
               <a:t> \</a:t>
             </a:r>
+            <a:r>
+              <a:rPr lang="hu-HU" sz="1400" dirty="0">
+                <a:latin typeface="Consolas" panose="020B0609020204030204" pitchFamily="49" charset="0"/>
+              </a:rPr>
+              <a:t/>
+            </a:r>
             <a:br>
               <a:rPr lang="hu-HU" sz="1400" dirty="0">
                 <a:latin typeface="Consolas" panose="020B0609020204030204" pitchFamily="49" charset="0"/>
@@ -7664,6 +7678,12 @@
                 <a:latin typeface="Consolas" panose="020B0609020204030204" pitchFamily="49" charset="0"/>
               </a:rPr>
               <a:t>=['localhost:9200'] \</a:t>
+            </a:r>
+            <a:r>
+              <a:rPr lang="hu-HU" sz="1400" dirty="0">
+                <a:latin typeface="Consolas" panose="020B0609020204030204" pitchFamily="49" charset="0"/>
+              </a:rPr>
+              <a:t/>
             </a:r>
             <a:br>
               <a:rPr lang="hu-HU" sz="1400" dirty="0">
@@ -7712,7 +7732,7 @@
           <p:cNvPr id="11" name="Szövegdoboz 10">
             <a:extLst>
               <a:ext uri="{FF2B5EF4-FFF2-40B4-BE49-F238E27FC236}">
-                <a16:creationId xmlns:a16="http://schemas.microsoft.com/office/drawing/2014/main" id="{72F491C5-0D91-4A99-9E0D-F20089F18A11}"/>
+                <a16:creationId xmlns:a16="http://schemas.microsoft.com/office/drawing/2014/main" xmlns="" id="{72F491C5-0D91-4A99-9E0D-F20089F18A11}"/>
               </a:ext>
             </a:extLst>
           </p:cNvPr>
@@ -7761,7 +7781,7 @@
           <p:cNvPr id="15" name="Szövegdoboz 14">
             <a:extLst>
               <a:ext uri="{FF2B5EF4-FFF2-40B4-BE49-F238E27FC236}">
-                <a16:creationId xmlns:a16="http://schemas.microsoft.com/office/drawing/2014/main" id="{E86DE464-7E66-475D-B22B-BDDD15FFBA53}"/>
+                <a16:creationId xmlns:a16="http://schemas.microsoft.com/office/drawing/2014/main" xmlns="" id="{E86DE464-7E66-475D-B22B-BDDD15FFBA53}"/>
               </a:ext>
             </a:extLst>
           </p:cNvPr>
@@ -7828,7 +7848,7 @@
           <p:cNvPr id="4" name="Téglalap 3">
             <a:extLst>
               <a:ext uri="{FF2B5EF4-FFF2-40B4-BE49-F238E27FC236}">
-                <a16:creationId xmlns:a16="http://schemas.microsoft.com/office/drawing/2014/main" id="{A2C7BB2A-A50F-47CB-AB3E-AE6C4FF53DEE}"/>
+                <a16:creationId xmlns:a16="http://schemas.microsoft.com/office/drawing/2014/main" xmlns="" id="{A2C7BB2A-A50F-47CB-AB3E-AE6C4FF53DEE}"/>
               </a:ext>
             </a:extLst>
           </p:cNvPr>
@@ -7880,7 +7900,7 @@
           <p:cNvPr id="5" name="Ábra 4">
             <a:extLst>
               <a:ext uri="{FF2B5EF4-FFF2-40B4-BE49-F238E27FC236}">
-                <a16:creationId xmlns:a16="http://schemas.microsoft.com/office/drawing/2014/main" id="{CF166C1C-80BD-4665-9CE3-AFB5AE9CDD74}"/>
+                <a16:creationId xmlns:a16="http://schemas.microsoft.com/office/drawing/2014/main" xmlns="" id="{CF166C1C-80BD-4665-9CE3-AFB5AE9CDD74}"/>
               </a:ext>
             </a:extLst>
           </p:cNvPr>
@@ -7890,13 +7910,13 @@
           <p:nvPr/>
         </p:nvPicPr>
         <p:blipFill>
-          <a:blip r:embed="rId2">
+          <a:blip r:embed="rId2" cstate="print">
             <a:extLst>
               <a:ext uri="{28A0092B-C50C-407E-A947-70E740481C1C}">
                 <a14:useLocalDpi xmlns:a14="http://schemas.microsoft.com/office/drawing/2010/main" val="0"/>
               </a:ext>
               <a:ext uri="{96DAC541-7B7A-43D3-8B79-37D633B846F1}">
-                <asvg:svgBlip xmlns:asvg="http://schemas.microsoft.com/office/drawing/2016/SVG/main" r:embed="rId3"/>
+                <asvg:svgBlip xmlns:asvg="http://schemas.microsoft.com/office/drawing/2016/SVG/main" xmlns="" r:embed="rId3"/>
               </a:ext>
             </a:extLst>
           </a:blip>
@@ -7919,7 +7939,7 @@
           <p:cNvPr id="6" name="Kép 5">
             <a:extLst>
               <a:ext uri="{FF2B5EF4-FFF2-40B4-BE49-F238E27FC236}">
-                <a16:creationId xmlns:a16="http://schemas.microsoft.com/office/drawing/2014/main" id="{7FE9E31C-3444-435C-97D5-CB7DBA222984}"/>
+                <a16:creationId xmlns:a16="http://schemas.microsoft.com/office/drawing/2014/main" xmlns="" id="{7FE9E31C-3444-435C-97D5-CB7DBA222984}"/>
               </a:ext>
             </a:extLst>
           </p:cNvPr>
@@ -7929,7 +7949,7 @@
           <p:nvPr/>
         </p:nvPicPr>
         <p:blipFill>
-          <a:blip r:embed="rId4">
+          <a:blip r:embed="rId4" cstate="print">
             <a:extLst>
               <a:ext uri="{28A0092B-C50C-407E-A947-70E740481C1C}">
                 <a14:useLocalDpi xmlns:a14="http://schemas.microsoft.com/office/drawing/2010/main" val="0"/>
@@ -7955,7 +7975,7 @@
           <p:cNvPr id="7" name="Szövegdoboz 6">
             <a:extLst>
               <a:ext uri="{FF2B5EF4-FFF2-40B4-BE49-F238E27FC236}">
-                <a16:creationId xmlns:a16="http://schemas.microsoft.com/office/drawing/2014/main" id="{089A8824-10DF-4AC9-B95C-6F58F44FD8E3}"/>
+                <a16:creationId xmlns:a16="http://schemas.microsoft.com/office/drawing/2014/main" xmlns="" id="{089A8824-10DF-4AC9-B95C-6F58F44FD8E3}"/>
               </a:ext>
             </a:extLst>
           </p:cNvPr>
@@ -8010,7 +8030,7 @@
           <p:cNvPr id="9" name="Kép 8" descr="A képen szöveg látható&#10;&#10;Automatikusan generált leírás">
             <a:extLst>
               <a:ext uri="{FF2B5EF4-FFF2-40B4-BE49-F238E27FC236}">
-                <a16:creationId xmlns:a16="http://schemas.microsoft.com/office/drawing/2014/main" id="{AB861D96-9093-4447-BBC3-8290E850F7D3}"/>
+                <a16:creationId xmlns:a16="http://schemas.microsoft.com/office/drawing/2014/main" xmlns="" id="{AB861D96-9093-4447-BBC3-8290E850F7D3}"/>
               </a:ext>
             </a:extLst>
           </p:cNvPr>
@@ -8076,7 +8096,7 @@
           <p:cNvPr id="4" name="Téglalap 3">
             <a:extLst>
               <a:ext uri="{FF2B5EF4-FFF2-40B4-BE49-F238E27FC236}">
-                <a16:creationId xmlns:a16="http://schemas.microsoft.com/office/drawing/2014/main" id="{78525340-6B7A-4D40-A00C-AE30EF51CBBB}"/>
+                <a16:creationId xmlns:a16="http://schemas.microsoft.com/office/drawing/2014/main" xmlns="" id="{78525340-6B7A-4D40-A00C-AE30EF51CBBB}"/>
               </a:ext>
             </a:extLst>
           </p:cNvPr>
@@ -8128,7 +8148,7 @@
           <p:cNvPr id="5" name="Ábra 4">
             <a:extLst>
               <a:ext uri="{FF2B5EF4-FFF2-40B4-BE49-F238E27FC236}">
-                <a16:creationId xmlns:a16="http://schemas.microsoft.com/office/drawing/2014/main" id="{4FBEBAD1-D318-4E59-9A68-B95CA4E82989}"/>
+                <a16:creationId xmlns:a16="http://schemas.microsoft.com/office/drawing/2014/main" xmlns="" id="{4FBEBAD1-D318-4E59-9A68-B95CA4E82989}"/>
               </a:ext>
             </a:extLst>
           </p:cNvPr>
@@ -8138,13 +8158,13 @@
           <p:nvPr/>
         </p:nvPicPr>
         <p:blipFill>
-          <a:blip r:embed="rId2">
+          <a:blip r:embed="rId2" cstate="print">
             <a:extLst>
               <a:ext uri="{28A0092B-C50C-407E-A947-70E740481C1C}">
                 <a14:useLocalDpi xmlns:a14="http://schemas.microsoft.com/office/drawing/2010/main" val="0"/>
               </a:ext>
               <a:ext uri="{96DAC541-7B7A-43D3-8B79-37D633B846F1}">
-                <asvg:svgBlip xmlns:asvg="http://schemas.microsoft.com/office/drawing/2016/SVG/main" r:embed="rId3"/>
+                <asvg:svgBlip xmlns:asvg="http://schemas.microsoft.com/office/drawing/2016/SVG/main" xmlns="" r:embed="rId3"/>
               </a:ext>
             </a:extLst>
           </a:blip>
@@ -8167,7 +8187,7 @@
           <p:cNvPr id="6" name="Kép 5">
             <a:extLst>
               <a:ext uri="{FF2B5EF4-FFF2-40B4-BE49-F238E27FC236}">
-                <a16:creationId xmlns:a16="http://schemas.microsoft.com/office/drawing/2014/main" id="{8AA4441F-C5B5-4B3F-89AD-4F4566A68AC6}"/>
+                <a16:creationId xmlns:a16="http://schemas.microsoft.com/office/drawing/2014/main" xmlns="" id="{8AA4441F-C5B5-4B3F-89AD-4F4566A68AC6}"/>
               </a:ext>
             </a:extLst>
           </p:cNvPr>
@@ -8177,7 +8197,7 @@
           <p:nvPr/>
         </p:nvPicPr>
         <p:blipFill>
-          <a:blip r:embed="rId4">
+          <a:blip r:embed="rId4" cstate="print">
             <a:extLst>
               <a:ext uri="{28A0092B-C50C-407E-A947-70E740481C1C}">
                 <a14:useLocalDpi xmlns:a14="http://schemas.microsoft.com/office/drawing/2010/main" val="0"/>
@@ -8203,7 +8223,7 @@
           <p:cNvPr id="7" name="Szövegdoboz 6">
             <a:extLst>
               <a:ext uri="{FF2B5EF4-FFF2-40B4-BE49-F238E27FC236}">
-                <a16:creationId xmlns:a16="http://schemas.microsoft.com/office/drawing/2014/main" id="{76D387F9-168D-4D3D-AF6B-8820F7A04B7C}"/>
+                <a16:creationId xmlns:a16="http://schemas.microsoft.com/office/drawing/2014/main" xmlns="" id="{76D387F9-168D-4D3D-AF6B-8820F7A04B7C}"/>
               </a:ext>
             </a:extLst>
           </p:cNvPr>
@@ -8269,7 +8289,7 @@
           <p:cNvPr id="8" name="Szövegdoboz 7">
             <a:extLst>
               <a:ext uri="{FF2B5EF4-FFF2-40B4-BE49-F238E27FC236}">
-                <a16:creationId xmlns:a16="http://schemas.microsoft.com/office/drawing/2014/main" id="{E11ADEE5-4A7D-42BF-A234-E54D3C47B81D}"/>
+                <a16:creationId xmlns:a16="http://schemas.microsoft.com/office/drawing/2014/main" xmlns="" id="{E11ADEE5-4A7D-42BF-A234-E54D3C47B81D}"/>
               </a:ext>
             </a:extLst>
           </p:cNvPr>
@@ -8468,7 +8488,7 @@
           <p:cNvPr id="16" name="Szövegdoboz 15">
             <a:extLst>
               <a:ext uri="{FF2B5EF4-FFF2-40B4-BE49-F238E27FC236}">
-                <a16:creationId xmlns:a16="http://schemas.microsoft.com/office/drawing/2014/main" id="{C37A4C15-5023-44CE-AD0C-D8BE67AD6193}"/>
+                <a16:creationId xmlns:a16="http://schemas.microsoft.com/office/drawing/2014/main" xmlns="" id="{C37A4C15-5023-44CE-AD0C-D8BE67AD6193}"/>
               </a:ext>
             </a:extLst>
           </p:cNvPr>
@@ -9067,7 +9087,7 @@
           <p:cNvPr id="4" name="Ábra 3">
             <a:extLst>
               <a:ext uri="{FF2B5EF4-FFF2-40B4-BE49-F238E27FC236}">
-                <a16:creationId xmlns:a16="http://schemas.microsoft.com/office/drawing/2014/main" id="{31B9E41E-7304-4A1A-BC30-3E2864ABD6F7}"/>
+                <a16:creationId xmlns:a16="http://schemas.microsoft.com/office/drawing/2014/main" xmlns="" id="{31B9E41E-7304-4A1A-BC30-3E2864ABD6F7}"/>
               </a:ext>
             </a:extLst>
           </p:cNvPr>
@@ -9077,13 +9097,13 @@
           <p:nvPr/>
         </p:nvPicPr>
         <p:blipFill>
-          <a:blip r:embed="rId2">
+          <a:blip r:embed="rId2" cstate="print">
             <a:extLst>
               <a:ext uri="{28A0092B-C50C-407E-A947-70E740481C1C}">
                 <a14:useLocalDpi xmlns:a14="http://schemas.microsoft.com/office/drawing/2010/main" val="0"/>
               </a:ext>
               <a:ext uri="{96DAC541-7B7A-43D3-8B79-37D633B846F1}">
-                <asvg:svgBlip xmlns:asvg="http://schemas.microsoft.com/office/drawing/2016/SVG/main" r:embed="rId3"/>
+                <asvg:svgBlip xmlns:asvg="http://schemas.microsoft.com/office/drawing/2016/SVG/main" xmlns="" r:embed="rId3"/>
               </a:ext>
             </a:extLst>
           </a:blip>
@@ -9106,7 +9126,7 @@
           <p:cNvPr id="5" name="Kép 4">
             <a:extLst>
               <a:ext uri="{FF2B5EF4-FFF2-40B4-BE49-F238E27FC236}">
-                <a16:creationId xmlns:a16="http://schemas.microsoft.com/office/drawing/2014/main" id="{29D73E69-59B5-490A-B76B-530A01E22534}"/>
+                <a16:creationId xmlns:a16="http://schemas.microsoft.com/office/drawing/2014/main" xmlns="" id="{29D73E69-59B5-490A-B76B-530A01E22534}"/>
               </a:ext>
             </a:extLst>
           </p:cNvPr>
@@ -9116,7 +9136,7 @@
           <p:nvPr/>
         </p:nvPicPr>
         <p:blipFill>
-          <a:blip r:embed="rId4">
+          <a:blip r:embed="rId4" cstate="print">
             <a:extLst>
               <a:ext uri="{28A0092B-C50C-407E-A947-70E740481C1C}">
                 <a14:useLocalDpi xmlns:a14="http://schemas.microsoft.com/office/drawing/2010/main" val="0"/>
@@ -9142,7 +9162,7 @@
           <p:cNvPr id="6" name="Téglalap 5">
             <a:extLst>
               <a:ext uri="{FF2B5EF4-FFF2-40B4-BE49-F238E27FC236}">
-                <a16:creationId xmlns:a16="http://schemas.microsoft.com/office/drawing/2014/main" id="{E068F1BD-7F15-4737-9967-36B2D1750584}"/>
+                <a16:creationId xmlns:a16="http://schemas.microsoft.com/office/drawing/2014/main" xmlns="" id="{E068F1BD-7F15-4737-9967-36B2D1750584}"/>
               </a:ext>
             </a:extLst>
           </p:cNvPr>
@@ -9194,7 +9214,7 @@
           <p:cNvPr id="7" name="Szövegdoboz 6">
             <a:extLst>
               <a:ext uri="{FF2B5EF4-FFF2-40B4-BE49-F238E27FC236}">
-                <a16:creationId xmlns:a16="http://schemas.microsoft.com/office/drawing/2014/main" id="{7E7913CF-B31C-474A-9F71-B5D6B7D5978B}"/>
+                <a16:creationId xmlns:a16="http://schemas.microsoft.com/office/drawing/2014/main" xmlns="" id="{7E7913CF-B31C-474A-9F71-B5D6B7D5978B}"/>
               </a:ext>
             </a:extLst>
           </p:cNvPr>
@@ -9260,7 +9280,7 @@
           <p:cNvPr id="9" name="Kép 8" descr="A képen szöveg, képernyőkép, dokumentum látható&#10;&#10;Automatikusan generált leírás">
             <a:extLst>
               <a:ext uri="{FF2B5EF4-FFF2-40B4-BE49-F238E27FC236}">
-                <a16:creationId xmlns:a16="http://schemas.microsoft.com/office/drawing/2014/main" id="{7C218E30-2EE8-4D8C-80CB-60AFDC139941}"/>
+                <a16:creationId xmlns:a16="http://schemas.microsoft.com/office/drawing/2014/main" xmlns="" id="{7C218E30-2EE8-4D8C-80CB-60AFDC139941}"/>
               </a:ext>
             </a:extLst>
           </p:cNvPr>
@@ -9326,7 +9346,7 @@
           <p:cNvPr id="4" name="Téglalap 3">
             <a:extLst>
               <a:ext uri="{FF2B5EF4-FFF2-40B4-BE49-F238E27FC236}">
-                <a16:creationId xmlns:a16="http://schemas.microsoft.com/office/drawing/2014/main" id="{554FD794-3583-4004-956C-516A8220E427}"/>
+                <a16:creationId xmlns:a16="http://schemas.microsoft.com/office/drawing/2014/main" xmlns="" id="{554FD794-3583-4004-956C-516A8220E427}"/>
               </a:ext>
             </a:extLst>
           </p:cNvPr>
@@ -9378,7 +9398,7 @@
           <p:cNvPr id="5" name="Kép 4">
             <a:extLst>
               <a:ext uri="{FF2B5EF4-FFF2-40B4-BE49-F238E27FC236}">
-                <a16:creationId xmlns:a16="http://schemas.microsoft.com/office/drawing/2014/main" id="{8FC2DFD2-2630-400B-97D0-F76354A684C4}"/>
+                <a16:creationId xmlns:a16="http://schemas.microsoft.com/office/drawing/2014/main" xmlns="" id="{8FC2DFD2-2630-400B-97D0-F76354A684C4}"/>
               </a:ext>
             </a:extLst>
           </p:cNvPr>
@@ -9388,7 +9408,7 @@
           <p:nvPr/>
         </p:nvPicPr>
         <p:blipFill>
-          <a:blip r:embed="rId2">
+          <a:blip r:embed="rId2" cstate="print">
             <a:extLst>
               <a:ext uri="{28A0092B-C50C-407E-A947-70E740481C1C}">
                 <a14:useLocalDpi xmlns:a14="http://schemas.microsoft.com/office/drawing/2010/main" val="0"/>
@@ -9414,7 +9434,7 @@
           <p:cNvPr id="6" name="Ábra 5">
             <a:extLst>
               <a:ext uri="{FF2B5EF4-FFF2-40B4-BE49-F238E27FC236}">
-                <a16:creationId xmlns:a16="http://schemas.microsoft.com/office/drawing/2014/main" id="{C9A140CE-AE78-45FD-948A-F1F82A316E59}"/>
+                <a16:creationId xmlns:a16="http://schemas.microsoft.com/office/drawing/2014/main" xmlns="" id="{C9A140CE-AE78-45FD-948A-F1F82A316E59}"/>
               </a:ext>
             </a:extLst>
           </p:cNvPr>
@@ -9424,13 +9444,13 @@
           <p:nvPr/>
         </p:nvPicPr>
         <p:blipFill>
-          <a:blip r:embed="rId3">
+          <a:blip r:embed="rId3" cstate="print">
             <a:extLst>
               <a:ext uri="{28A0092B-C50C-407E-A947-70E740481C1C}">
                 <a14:useLocalDpi xmlns:a14="http://schemas.microsoft.com/office/drawing/2010/main" val="0"/>
               </a:ext>
               <a:ext uri="{96DAC541-7B7A-43D3-8B79-37D633B846F1}">
-                <asvg:svgBlip xmlns:asvg="http://schemas.microsoft.com/office/drawing/2016/SVG/main" r:embed="rId4"/>
+                <asvg:svgBlip xmlns:asvg="http://schemas.microsoft.com/office/drawing/2016/SVG/main" xmlns="" r:embed="rId4"/>
               </a:ext>
             </a:extLst>
           </a:blip>
@@ -9453,7 +9473,7 @@
           <p:cNvPr id="7" name="Szövegdoboz 6">
             <a:extLst>
               <a:ext uri="{FF2B5EF4-FFF2-40B4-BE49-F238E27FC236}">
-                <a16:creationId xmlns:a16="http://schemas.microsoft.com/office/drawing/2014/main" id="{71EB8536-C730-4872-A904-CC9A602141E1}"/>
+                <a16:creationId xmlns:a16="http://schemas.microsoft.com/office/drawing/2014/main" xmlns="" id="{71EB8536-C730-4872-A904-CC9A602141E1}"/>
               </a:ext>
             </a:extLst>
           </p:cNvPr>
@@ -9511,7 +9531,7 @@
           <p:cNvPr id="9" name="Kép 8" descr="A képen szöveg látható&#10;&#10;Automatikusan generált leírás">
             <a:extLst>
               <a:ext uri="{FF2B5EF4-FFF2-40B4-BE49-F238E27FC236}">
-                <a16:creationId xmlns:a16="http://schemas.microsoft.com/office/drawing/2014/main" id="{83A13FFE-A5D1-42DA-AD70-DF4974DB06FF}"/>
+                <a16:creationId xmlns:a16="http://schemas.microsoft.com/office/drawing/2014/main" xmlns="" id="{83A13FFE-A5D1-42DA-AD70-DF4974DB06FF}"/>
               </a:ext>
             </a:extLst>
           </p:cNvPr>
@@ -9547,7 +9567,7 @@
           <p:cNvPr id="11" name="Kép 10">
             <a:extLst>
               <a:ext uri="{FF2B5EF4-FFF2-40B4-BE49-F238E27FC236}">
-                <a16:creationId xmlns:a16="http://schemas.microsoft.com/office/drawing/2014/main" id="{9551A0EF-30AA-41A5-A14A-04393B62CA99}"/>
+                <a16:creationId xmlns:a16="http://schemas.microsoft.com/office/drawing/2014/main" xmlns="" id="{9551A0EF-30AA-41A5-A14A-04393B62CA99}"/>
               </a:ext>
             </a:extLst>
           </p:cNvPr>
@@ -9613,7 +9633,7 @@
           <p:cNvPr id="4" name="Téglalap 3">
             <a:extLst>
               <a:ext uri="{FF2B5EF4-FFF2-40B4-BE49-F238E27FC236}">
-                <a16:creationId xmlns:a16="http://schemas.microsoft.com/office/drawing/2014/main" id="{48DBA02F-B6EC-48A8-AC85-B71A2EC1781B}"/>
+                <a16:creationId xmlns:a16="http://schemas.microsoft.com/office/drawing/2014/main" xmlns="" id="{48DBA02F-B6EC-48A8-AC85-B71A2EC1781B}"/>
               </a:ext>
             </a:extLst>
           </p:cNvPr>
@@ -9665,7 +9685,7 @@
           <p:cNvPr id="5" name="Szövegdoboz 4">
             <a:extLst>
               <a:ext uri="{FF2B5EF4-FFF2-40B4-BE49-F238E27FC236}">
-                <a16:creationId xmlns:a16="http://schemas.microsoft.com/office/drawing/2014/main" id="{DFF6D5BF-7E71-423A-9525-208E382710DC}"/>
+                <a16:creationId xmlns:a16="http://schemas.microsoft.com/office/drawing/2014/main" xmlns="" id="{DFF6D5BF-7E71-423A-9525-208E382710DC}"/>
               </a:ext>
             </a:extLst>
           </p:cNvPr>
@@ -9705,7 +9725,7 @@
           <p:cNvPr id="7" name="Szövegdoboz 6">
             <a:extLst>
               <a:ext uri="{FF2B5EF4-FFF2-40B4-BE49-F238E27FC236}">
-                <a16:creationId xmlns:a16="http://schemas.microsoft.com/office/drawing/2014/main" id="{7043BF47-92DF-4BA1-B102-0F6418F6D0E2}"/>
+                <a16:creationId xmlns:a16="http://schemas.microsoft.com/office/drawing/2014/main" xmlns="" id="{7043BF47-92DF-4BA1-B102-0F6418F6D0E2}"/>
               </a:ext>
             </a:extLst>
           </p:cNvPr>
@@ -9742,7 +9762,7 @@
           <p:cNvPr id="8" name="Szövegdoboz 7">
             <a:extLst>
               <a:ext uri="{FF2B5EF4-FFF2-40B4-BE49-F238E27FC236}">
-                <a16:creationId xmlns:a16="http://schemas.microsoft.com/office/drawing/2014/main" id="{3EAC3FA6-A5D2-4247-8630-FD51FC40F39A}"/>
+                <a16:creationId xmlns:a16="http://schemas.microsoft.com/office/drawing/2014/main" xmlns="" id="{3EAC3FA6-A5D2-4247-8630-FD51FC40F39A}"/>
               </a:ext>
             </a:extLst>
           </p:cNvPr>
@@ -9819,7 +9839,7 @@
           <p:cNvPr id="9" name="Szövegdoboz 8">
             <a:extLst>
               <a:ext uri="{FF2B5EF4-FFF2-40B4-BE49-F238E27FC236}">
-                <a16:creationId xmlns:a16="http://schemas.microsoft.com/office/drawing/2014/main" id="{DA2757C3-B57F-403B-8137-6811F884F535}"/>
+                <a16:creationId xmlns:a16="http://schemas.microsoft.com/office/drawing/2014/main" xmlns="" id="{DA2757C3-B57F-403B-8137-6811F884F535}"/>
               </a:ext>
             </a:extLst>
           </p:cNvPr>
@@ -9856,7 +9876,7 @@
           <p:cNvPr id="11" name="Kép 10">
             <a:extLst>
               <a:ext uri="{FF2B5EF4-FFF2-40B4-BE49-F238E27FC236}">
-                <a16:creationId xmlns:a16="http://schemas.microsoft.com/office/drawing/2014/main" id="{3FD2B1FC-20E8-465A-B655-7BC6F205E0D4}"/>
+                <a16:creationId xmlns:a16="http://schemas.microsoft.com/office/drawing/2014/main" xmlns="" id="{3FD2B1FC-20E8-465A-B655-7BC6F205E0D4}"/>
               </a:ext>
             </a:extLst>
           </p:cNvPr>
@@ -9866,7 +9886,7 @@
           <p:nvPr/>
         </p:nvPicPr>
         <p:blipFill>
-          <a:blip r:embed="rId2">
+          <a:blip r:embed="rId2" cstate="print">
             <a:extLst>
               <a:ext uri="{28A0092B-C50C-407E-A947-70E740481C1C}">
                 <a14:useLocalDpi xmlns:a14="http://schemas.microsoft.com/office/drawing/2010/main" val="0"/>
@@ -9892,7 +9912,7 @@
           <p:cNvPr id="12" name="Ábra 11">
             <a:extLst>
               <a:ext uri="{FF2B5EF4-FFF2-40B4-BE49-F238E27FC236}">
-                <a16:creationId xmlns:a16="http://schemas.microsoft.com/office/drawing/2014/main" id="{8E50F4D6-D943-4C6D-AA11-D1D7187BD47B}"/>
+                <a16:creationId xmlns:a16="http://schemas.microsoft.com/office/drawing/2014/main" xmlns="" id="{8E50F4D6-D943-4C6D-AA11-D1D7187BD47B}"/>
               </a:ext>
             </a:extLst>
           </p:cNvPr>
@@ -9902,13 +9922,13 @@
           <p:nvPr/>
         </p:nvPicPr>
         <p:blipFill>
-          <a:blip r:embed="rId3">
+          <a:blip r:embed="rId3" cstate="print">
             <a:extLst>
               <a:ext uri="{28A0092B-C50C-407E-A947-70E740481C1C}">
                 <a14:useLocalDpi xmlns:a14="http://schemas.microsoft.com/office/drawing/2010/main" val="0"/>
               </a:ext>
               <a:ext uri="{96DAC541-7B7A-43D3-8B79-37D633B846F1}">
-                <asvg:svgBlip xmlns:asvg="http://schemas.microsoft.com/office/drawing/2016/SVG/main" r:embed="rId4"/>
+                <asvg:svgBlip xmlns:asvg="http://schemas.microsoft.com/office/drawing/2016/SVG/main" xmlns="" r:embed="rId4"/>
               </a:ext>
             </a:extLst>
           </a:blip>
@@ -9931,7 +9951,7 @@
           <p:cNvPr id="14" name="Szövegdoboz 13">
             <a:extLst>
               <a:ext uri="{FF2B5EF4-FFF2-40B4-BE49-F238E27FC236}">
-                <a16:creationId xmlns:a16="http://schemas.microsoft.com/office/drawing/2014/main" id="{1D74E28A-8624-4188-BCF4-14AE360BDE5A}"/>
+                <a16:creationId xmlns:a16="http://schemas.microsoft.com/office/drawing/2014/main" xmlns="" id="{1D74E28A-8624-4188-BCF4-14AE360BDE5A}"/>
               </a:ext>
             </a:extLst>
           </p:cNvPr>
@@ -10122,49 +10142,10 @@
       </p:grpSpPr>
       <p:sp>
         <p:nvSpPr>
-          <p:cNvPr id="4" name="Szövegdoboz 3">
-            <a:extLst>
-              <a:ext uri="{FF2B5EF4-FFF2-40B4-BE49-F238E27FC236}">
-                <a16:creationId xmlns:a16="http://schemas.microsoft.com/office/drawing/2014/main" id="{F5AE7974-15E2-4D95-87A0-2FC52AFB2B56}"/>
-              </a:ext>
-            </a:extLst>
-          </p:cNvPr>
-          <p:cNvSpPr txBox="1"/>
-          <p:nvPr/>
-        </p:nvSpPr>
-        <p:spPr>
-          <a:xfrm>
-            <a:off x="5476215" y="3244334"/>
-            <a:ext cx="1239570" cy="369332"/>
-          </a:xfrm>
-          <a:prstGeom prst="rect">
-            <a:avLst/>
-          </a:prstGeom>
-          <a:noFill/>
-        </p:spPr>
-        <p:txBody>
-          <a:bodyPr wrap="none" rtlCol="0">
-            <a:spAutoFit/>
-          </a:bodyPr>
-          <a:lstStyle/>
-          <a:p>
-            <a:r>
-              <a:rPr lang="hu-HU" dirty="0" err="1"/>
-              <a:t>Fluentd</a:t>
-            </a:r>
-            <a:r>
-              <a:rPr lang="hu-HU" dirty="0"/>
-              <a:t> ide</a:t>
-            </a:r>
-          </a:p>
-        </p:txBody>
-      </p:sp>
-      <p:sp>
-        <p:nvSpPr>
           <p:cNvPr id="5" name="Téglalap 4">
             <a:extLst>
               <a:ext uri="{FF2B5EF4-FFF2-40B4-BE49-F238E27FC236}">
-                <a16:creationId xmlns:a16="http://schemas.microsoft.com/office/drawing/2014/main" id="{9CA26A1C-2AE4-4715-BDE4-2908B2BEA97A}"/>
+                <a16:creationId xmlns:a16="http://schemas.microsoft.com/office/drawing/2014/main" xmlns="" id="{9CA26A1C-2AE4-4715-BDE4-2908B2BEA97A}"/>
               </a:ext>
             </a:extLst>
           </p:cNvPr>
@@ -10216,7 +10197,7 @@
           <p:cNvPr id="6" name="Ábra 5">
             <a:extLst>
               <a:ext uri="{FF2B5EF4-FFF2-40B4-BE49-F238E27FC236}">
-                <a16:creationId xmlns:a16="http://schemas.microsoft.com/office/drawing/2014/main" id="{752E1006-4091-44C8-A41C-C50F5E3327C8}"/>
+                <a16:creationId xmlns:a16="http://schemas.microsoft.com/office/drawing/2014/main" xmlns="" id="{752E1006-4091-44C8-A41C-C50F5E3327C8}"/>
               </a:ext>
             </a:extLst>
           </p:cNvPr>
@@ -10226,13 +10207,13 @@
           <p:nvPr/>
         </p:nvPicPr>
         <p:blipFill>
-          <a:blip r:embed="rId2">
+          <a:blip r:embed="rId2" cstate="print">
             <a:extLst>
               <a:ext uri="{28A0092B-C50C-407E-A947-70E740481C1C}">
                 <a14:useLocalDpi xmlns:a14="http://schemas.microsoft.com/office/drawing/2010/main" val="0"/>
               </a:ext>
               <a:ext uri="{96DAC541-7B7A-43D3-8B79-37D633B846F1}">
-                <asvg:svgBlip xmlns:asvg="http://schemas.microsoft.com/office/drawing/2016/SVG/main" r:embed="rId3"/>
+                <asvg:svgBlip xmlns:asvg="http://schemas.microsoft.com/office/drawing/2016/SVG/main" xmlns="" r:embed="rId3"/>
               </a:ext>
             </a:extLst>
           </a:blip>
@@ -10255,7 +10236,7 @@
           <p:cNvPr id="7" name="Kép 6">
             <a:extLst>
               <a:ext uri="{FF2B5EF4-FFF2-40B4-BE49-F238E27FC236}">
-                <a16:creationId xmlns:a16="http://schemas.microsoft.com/office/drawing/2014/main" id="{0F512247-75D6-431E-B0F6-A5189892A8D2}"/>
+                <a16:creationId xmlns:a16="http://schemas.microsoft.com/office/drawing/2014/main" xmlns="" id="{0F512247-75D6-431E-B0F6-A5189892A8D2}"/>
               </a:ext>
             </a:extLst>
           </p:cNvPr>
@@ -10265,7 +10246,7 @@
           <p:nvPr/>
         </p:nvPicPr>
         <p:blipFill>
-          <a:blip r:embed="rId4">
+          <a:blip r:embed="rId4" cstate="print">
             <a:extLst>
               <a:ext uri="{28A0092B-C50C-407E-A947-70E740481C1C}">
                 <a14:useLocalDpi xmlns:a14="http://schemas.microsoft.com/office/drawing/2010/main" val="0"/>
@@ -10284,6 +10265,249 @@
           <a:prstGeom prst="rect">
             <a:avLst/>
           </a:prstGeom>
+        </p:spPr>
+      </p:pic>
+      <p:sp>
+        <p:nvSpPr>
+          <p:cNvPr id="8" name="Szövegdoboz 7">
+            <a:extLst>
+              <a:ext uri="{FF2B5EF4-FFF2-40B4-BE49-F238E27FC236}">
+                <a16:creationId xmlns:a16="http://schemas.microsoft.com/office/drawing/2014/main" xmlns="" id="{7E7913CF-B31C-474A-9F71-B5D6B7D5978B}"/>
+              </a:ext>
+            </a:extLst>
+          </p:cNvPr>
+          <p:cNvSpPr txBox="1"/>
+          <p:nvPr/>
+        </p:nvSpPr>
+        <p:spPr>
+          <a:xfrm>
+            <a:off x="274320" y="19909"/>
+            <a:ext cx="4134465" cy="707886"/>
+          </a:xfrm>
+          <a:prstGeom prst="rect">
+            <a:avLst/>
+          </a:prstGeom>
+          <a:noFill/>
+        </p:spPr>
+        <p:txBody>
+          <a:bodyPr wrap="none" rtlCol="0">
+            <a:spAutoFit/>
+          </a:bodyPr>
+          <a:lstStyle/>
+          <a:p>
+            <a:r>
+              <a:rPr lang="hu-HU" sz="4000" b="1" dirty="0" smtClean="0">
+                <a:solidFill>
+                  <a:srgbClr val="A01B17"/>
+                </a:solidFill>
+                <a:latin typeface="Agency FB" panose="020B0503020202020204" pitchFamily="34" charset="0"/>
+              </a:rPr>
+              <a:t>EFK </a:t>
+            </a:r>
+            <a:r>
+              <a:rPr lang="hu-HU" sz="4000" b="1" dirty="0" err="1" smtClean="0">
+                <a:solidFill>
+                  <a:srgbClr val="A01B17"/>
+                </a:solidFill>
+                <a:latin typeface="Agency FB" panose="020B0503020202020204" pitchFamily="34" charset="0"/>
+              </a:rPr>
+              <a:t>Stack</a:t>
+            </a:r>
+            <a:r>
+              <a:rPr lang="hu-HU" sz="4000" b="1" dirty="0" smtClean="0">
+                <a:solidFill>
+                  <a:srgbClr val="A01B17"/>
+                </a:solidFill>
+                <a:latin typeface="Agency FB" panose="020B0503020202020204" pitchFamily="34" charset="0"/>
+              </a:rPr>
+              <a:t> bemutatása</a:t>
+            </a:r>
+            <a:endParaRPr lang="hu-HU" sz="4000" b="1" dirty="0">
+              <a:solidFill>
+                <a:srgbClr val="A01B17"/>
+              </a:solidFill>
+              <a:latin typeface="Agency FB" panose="020B0503020202020204" pitchFamily="34" charset="0"/>
+            </a:endParaRPr>
+          </a:p>
+        </p:txBody>
+      </p:sp>
+      <p:sp>
+        <p:nvSpPr>
+          <p:cNvPr id="2" name="Téglalap 1"/>
+          <p:cNvSpPr/>
+          <p:nvPr/>
+        </p:nvSpPr>
+        <p:spPr>
+          <a:xfrm>
+            <a:off x="274319" y="941804"/>
+            <a:ext cx="8716845" cy="646331"/>
+          </a:xfrm>
+          <a:prstGeom prst="rect">
+            <a:avLst/>
+          </a:prstGeom>
+        </p:spPr>
+        <p:txBody>
+          <a:bodyPr wrap="square">
+            <a:spAutoFit/>
+          </a:bodyPr>
+          <a:lstStyle/>
+          <a:p>
+            <a:r>
+              <a:rPr lang="hu-HU" dirty="0" smtClean="0">
+                <a:latin typeface="Abadi" panose="020B0604020104020204" pitchFamily="34" charset="0"/>
+              </a:rPr>
+              <a:t>Az </a:t>
+            </a:r>
+            <a:r>
+              <a:rPr lang="hu-HU" b="1" dirty="0" smtClean="0">
+                <a:latin typeface="Abadi" panose="020B0604020104020204" pitchFamily="34" charset="0"/>
+              </a:rPr>
+              <a:t>EFK</a:t>
+            </a:r>
+            <a:r>
+              <a:rPr lang="hu-HU" dirty="0" smtClean="0">
+                <a:latin typeface="Abadi" panose="020B0604020104020204" pitchFamily="34" charset="0"/>
+              </a:rPr>
+              <a:t> </a:t>
+            </a:r>
+            <a:r>
+              <a:rPr lang="hu-HU" dirty="0" err="1" smtClean="0">
+                <a:latin typeface="Abadi" panose="020B0604020104020204" pitchFamily="34" charset="0"/>
+              </a:rPr>
+              <a:t>Stack</a:t>
+            </a:r>
+            <a:r>
+              <a:rPr lang="hu-HU" dirty="0" smtClean="0">
+                <a:latin typeface="Abadi" panose="020B0604020104020204" pitchFamily="34" charset="0"/>
+              </a:rPr>
+              <a:t> az </a:t>
+            </a:r>
+            <a:r>
+              <a:rPr lang="hu-HU" dirty="0" err="1" smtClean="0">
+                <a:latin typeface="Abadi" panose="020B0604020104020204" pitchFamily="34" charset="0"/>
+              </a:rPr>
+              <a:t>Elasticsearch</a:t>
+            </a:r>
+            <a:r>
+              <a:rPr lang="hu-HU" dirty="0" smtClean="0">
+                <a:latin typeface="Abadi" panose="020B0604020104020204" pitchFamily="34" charset="0"/>
+              </a:rPr>
+              <a:t> </a:t>
+            </a:r>
+            <a:r>
+              <a:rPr lang="hu-HU" b="1" dirty="0" err="1" smtClean="0">
+                <a:latin typeface="Abadi" panose="020B0604020104020204" pitchFamily="34" charset="0"/>
+              </a:rPr>
+              <a:t>Fluentd</a:t>
+            </a:r>
+            <a:r>
+              <a:rPr lang="hu-HU" dirty="0" smtClean="0">
+                <a:latin typeface="Abadi" panose="020B0604020104020204" pitchFamily="34" charset="0"/>
+              </a:rPr>
+              <a:t> és </a:t>
+            </a:r>
+            <a:r>
+              <a:rPr lang="hu-HU" dirty="0" err="1" smtClean="0">
+                <a:latin typeface="Abadi" panose="020B0604020104020204" pitchFamily="34" charset="0"/>
+              </a:rPr>
+              <a:t>Kibana</a:t>
+            </a:r>
+            <a:r>
+              <a:rPr lang="hu-HU" dirty="0" smtClean="0">
+                <a:latin typeface="Abadi" panose="020B0604020104020204" pitchFamily="34" charset="0"/>
+              </a:rPr>
+              <a:t> </a:t>
+            </a:r>
+            <a:r>
+              <a:rPr lang="hu-HU" dirty="0" err="1" smtClean="0">
+                <a:latin typeface="Abadi" panose="020B0604020104020204" pitchFamily="34" charset="0"/>
+              </a:rPr>
+              <a:t>open-soure</a:t>
+            </a:r>
+            <a:r>
+              <a:rPr lang="hu-HU" dirty="0" smtClean="0">
+                <a:latin typeface="Abadi" panose="020B0604020104020204" pitchFamily="34" charset="0"/>
+              </a:rPr>
+              <a:t> szoftverekből </a:t>
+            </a:r>
+            <a:r>
+              <a:rPr lang="hu-HU" dirty="0" smtClean="0">
+                <a:latin typeface="Abadi" panose="020B0604020104020204" pitchFamily="34" charset="0"/>
+              </a:rPr>
+              <a:t>áll. Egy, az </a:t>
+            </a:r>
+            <a:r>
+              <a:rPr lang="hu-HU" dirty="0" err="1" smtClean="0">
+                <a:latin typeface="Abadi" panose="020B0604020104020204" pitchFamily="34" charset="0"/>
+              </a:rPr>
+              <a:t>Elastic</a:t>
+            </a:r>
+            <a:r>
+              <a:rPr lang="hu-HU" dirty="0" smtClean="0">
+                <a:latin typeface="Abadi" panose="020B0604020104020204" pitchFamily="34" charset="0"/>
+              </a:rPr>
+              <a:t> </a:t>
+            </a:r>
+            <a:r>
+              <a:rPr lang="hu-HU" dirty="0" err="1" smtClean="0">
+                <a:latin typeface="Abadi" panose="020B0604020104020204" pitchFamily="34" charset="0"/>
+              </a:rPr>
+              <a:t>stack</a:t>
+            </a:r>
+            <a:r>
+              <a:rPr lang="hu-HU" dirty="0" smtClean="0">
+                <a:latin typeface="Abadi" panose="020B0604020104020204" pitchFamily="34" charset="0"/>
+              </a:rPr>
+              <a:t> mellett elterjedt log gyűjtő és feldolgozó megoldás.</a:t>
+            </a:r>
+            <a:endParaRPr lang="hu-HU" dirty="0">
+              <a:latin typeface="Abadi" panose="020B0604020104020204" pitchFamily="34" charset="0"/>
+            </a:endParaRPr>
+          </a:p>
+        </p:txBody>
+      </p:sp>
+      <p:pic>
+        <p:nvPicPr>
+          <p:cNvPr id="3" name="Kép 2"/>
+          <p:cNvPicPr>
+            <a:picLocks noChangeAspect="1"/>
+          </p:cNvPicPr>
+          <p:nvPr/>
+        </p:nvPicPr>
+        <p:blipFill>
+          <a:blip r:embed="rId5">
+            <a:extLst>
+              <a:ext uri="{28A0092B-C50C-407E-A947-70E740481C1C}">
+                <a14:useLocalDpi xmlns:a14="http://schemas.microsoft.com/office/drawing/2010/main" val="0"/>
+              </a:ext>
+            </a:extLst>
+          </a:blip>
+          <a:stretch>
+            <a:fillRect/>
+          </a:stretch>
+        </p:blipFill>
+        <p:spPr>
+          <a:xfrm>
+            <a:off x="3326673" y="2315352"/>
+            <a:ext cx="5664491" cy="3556183"/>
+          </a:xfrm>
+          <a:prstGeom prst="rect">
+            <a:avLst/>
+          </a:prstGeom>
+          <a:ln w="38100" cap="sq">
+            <a:solidFill>
+              <a:srgbClr val="000000"/>
+            </a:solidFill>
+            <a:prstDash val="solid"/>
+            <a:miter lim="800000"/>
+          </a:ln>
+          <a:effectLst>
+            <a:outerShdw blurRad="50800" dist="38100" dir="2700000" algn="tl" rotWithShape="0">
+              <a:srgbClr val="000000">
+                <a:alpha val="43000"/>
+              </a:srgbClr>
+            </a:outerShdw>
+          </a:effectLst>
         </p:spPr>
       </p:pic>
     </p:spTree>
@@ -10318,120 +10542,10 @@
       </p:grpSpPr>
       <p:sp>
         <p:nvSpPr>
-          <p:cNvPr id="4" name="Szövegdoboz 3">
-            <a:extLst>
-              <a:ext uri="{FF2B5EF4-FFF2-40B4-BE49-F238E27FC236}">
-                <a16:creationId xmlns:a16="http://schemas.microsoft.com/office/drawing/2014/main" id="{B7D8C90B-44E5-4D90-972D-7E1D2D6D2B86}"/>
-              </a:ext>
-            </a:extLst>
-          </p:cNvPr>
-          <p:cNvSpPr txBox="1"/>
-          <p:nvPr/>
-        </p:nvSpPr>
-        <p:spPr>
-          <a:xfrm>
-            <a:off x="5474387" y="3244334"/>
-            <a:ext cx="1243225" cy="369332"/>
-          </a:xfrm>
-          <a:prstGeom prst="rect">
-            <a:avLst/>
-          </a:prstGeom>
-          <a:noFill/>
-        </p:spPr>
-        <p:txBody>
-          <a:bodyPr wrap="none" rtlCol="0">
-            <a:spAutoFit/>
-          </a:bodyPr>
-          <a:lstStyle/>
-          <a:p>
-            <a:r>
-              <a:rPr lang="hu-HU" dirty="0"/>
-              <a:t>Graylog ide</a:t>
-            </a:r>
-          </a:p>
-        </p:txBody>
-      </p:sp>
-      <p:pic>
-        <p:nvPicPr>
-          <p:cNvPr id="5" name="Ábra 4">
-            <a:extLst>
-              <a:ext uri="{FF2B5EF4-FFF2-40B4-BE49-F238E27FC236}">
-                <a16:creationId xmlns:a16="http://schemas.microsoft.com/office/drawing/2014/main" id="{888B3EB3-1DFE-44A4-9838-2AD439774E09}"/>
-              </a:ext>
-            </a:extLst>
-          </p:cNvPr>
-          <p:cNvPicPr>
-            <a:picLocks noChangeAspect="1"/>
-          </p:cNvPicPr>
-          <p:nvPr/>
-        </p:nvPicPr>
-        <p:blipFill>
-          <a:blip r:embed="rId2">
-            <a:extLst>
-              <a:ext uri="{28A0092B-C50C-407E-A947-70E740481C1C}">
-                <a14:useLocalDpi xmlns:a14="http://schemas.microsoft.com/office/drawing/2010/main" val="0"/>
-              </a:ext>
-              <a:ext uri="{96DAC541-7B7A-43D3-8B79-37D633B846F1}">
-                <asvg:svgBlip xmlns:asvg="http://schemas.microsoft.com/office/drawing/2016/SVG/main" r:embed="rId3"/>
-              </a:ext>
-            </a:extLst>
-          </a:blip>
-          <a:stretch>
-            <a:fillRect/>
-          </a:stretch>
-        </p:blipFill>
-        <p:spPr>
-          <a:xfrm>
-            <a:off x="10649436" y="5366437"/>
-            <a:ext cx="1406504" cy="1358419"/>
-          </a:xfrm>
-          <a:prstGeom prst="rect">
-            <a:avLst/>
-          </a:prstGeom>
-        </p:spPr>
-      </p:pic>
-      <p:pic>
-        <p:nvPicPr>
-          <p:cNvPr id="6" name="Kép 5">
-            <a:extLst>
-              <a:ext uri="{FF2B5EF4-FFF2-40B4-BE49-F238E27FC236}">
-                <a16:creationId xmlns:a16="http://schemas.microsoft.com/office/drawing/2014/main" id="{E97E298B-959A-4B9B-B986-28FA688F3724}"/>
-              </a:ext>
-            </a:extLst>
-          </p:cNvPr>
-          <p:cNvPicPr>
-            <a:picLocks noChangeAspect="1"/>
-          </p:cNvPicPr>
-          <p:nvPr/>
-        </p:nvPicPr>
-        <p:blipFill>
-          <a:blip r:embed="rId4">
-            <a:extLst>
-              <a:ext uri="{28A0092B-C50C-407E-A947-70E740481C1C}">
-                <a14:useLocalDpi xmlns:a14="http://schemas.microsoft.com/office/drawing/2010/main" val="0"/>
-              </a:ext>
-            </a:extLst>
-          </a:blip>
-          <a:stretch>
-            <a:fillRect/>
-          </a:stretch>
-        </p:blipFill>
-        <p:spPr>
-          <a:xfrm>
-            <a:off x="11578732" y="2553"/>
-            <a:ext cx="613267" cy="613267"/>
-          </a:xfrm>
-          <a:prstGeom prst="rect">
-            <a:avLst/>
-          </a:prstGeom>
-        </p:spPr>
-      </p:pic>
-      <p:sp>
-        <p:nvSpPr>
-          <p:cNvPr id="7" name="Téglalap 6">
-            <a:extLst>
-              <a:ext uri="{FF2B5EF4-FFF2-40B4-BE49-F238E27FC236}">
-                <a16:creationId xmlns:a16="http://schemas.microsoft.com/office/drawing/2014/main" id="{813AD56B-C730-4B9C-884D-50BAF9AEA4BD}"/>
+          <p:cNvPr id="5" name="Téglalap 4">
+            <a:extLst>
+              <a:ext uri="{FF2B5EF4-FFF2-40B4-BE49-F238E27FC236}">
+                <a16:creationId xmlns:a16="http://schemas.microsoft.com/office/drawing/2014/main" xmlns="" id="{9CA26A1C-2AE4-4715-BDE4-2908B2BEA97A}"/>
               </a:ext>
             </a:extLst>
           </p:cNvPr>
@@ -10478,10 +10592,537 @@
           </a:p>
         </p:txBody>
       </p:sp>
+      <p:pic>
+        <p:nvPicPr>
+          <p:cNvPr id="6" name="Ábra 5">
+            <a:extLst>
+              <a:ext uri="{FF2B5EF4-FFF2-40B4-BE49-F238E27FC236}">
+                <a16:creationId xmlns:a16="http://schemas.microsoft.com/office/drawing/2014/main" xmlns="" id="{752E1006-4091-44C8-A41C-C50F5E3327C8}"/>
+              </a:ext>
+            </a:extLst>
+          </p:cNvPr>
+          <p:cNvPicPr>
+            <a:picLocks noChangeAspect="1"/>
+          </p:cNvPicPr>
+          <p:nvPr/>
+        </p:nvPicPr>
+        <p:blipFill>
+          <a:blip r:embed="rId2" cstate="print">
+            <a:extLst>
+              <a:ext uri="{28A0092B-C50C-407E-A947-70E740481C1C}">
+                <a14:useLocalDpi xmlns:a14="http://schemas.microsoft.com/office/drawing/2010/main" val="0"/>
+              </a:ext>
+              <a:ext uri="{96DAC541-7B7A-43D3-8B79-37D633B846F1}">
+                <asvg:svgBlip xmlns:asvg="http://schemas.microsoft.com/office/drawing/2016/SVG/main" xmlns="" r:embed="rId3"/>
+              </a:ext>
+            </a:extLst>
+          </a:blip>
+          <a:stretch>
+            <a:fillRect/>
+          </a:stretch>
+        </p:blipFill>
+        <p:spPr>
+          <a:xfrm>
+            <a:off x="10649436" y="5366437"/>
+            <a:ext cx="1406504" cy="1358419"/>
+          </a:xfrm>
+          <a:prstGeom prst="rect">
+            <a:avLst/>
+          </a:prstGeom>
+        </p:spPr>
+      </p:pic>
+      <p:pic>
+        <p:nvPicPr>
+          <p:cNvPr id="7" name="Kép 6">
+            <a:extLst>
+              <a:ext uri="{FF2B5EF4-FFF2-40B4-BE49-F238E27FC236}">
+                <a16:creationId xmlns:a16="http://schemas.microsoft.com/office/drawing/2014/main" xmlns="" id="{0F512247-75D6-431E-B0F6-A5189892A8D2}"/>
+              </a:ext>
+            </a:extLst>
+          </p:cNvPr>
+          <p:cNvPicPr>
+            <a:picLocks noChangeAspect="1"/>
+          </p:cNvPicPr>
+          <p:nvPr/>
+        </p:nvPicPr>
+        <p:blipFill>
+          <a:blip r:embed="rId4" cstate="print">
+            <a:extLst>
+              <a:ext uri="{28A0092B-C50C-407E-A947-70E740481C1C}">
+                <a14:useLocalDpi xmlns:a14="http://schemas.microsoft.com/office/drawing/2010/main" val="0"/>
+              </a:ext>
+            </a:extLst>
+          </a:blip>
+          <a:stretch>
+            <a:fillRect/>
+          </a:stretch>
+        </p:blipFill>
+        <p:spPr>
+          <a:xfrm>
+            <a:off x="11578732" y="2553"/>
+            <a:ext cx="613267" cy="613267"/>
+          </a:xfrm>
+          <a:prstGeom prst="rect">
+            <a:avLst/>
+          </a:prstGeom>
+        </p:spPr>
+      </p:pic>
+      <p:sp>
+        <p:nvSpPr>
+          <p:cNvPr id="8" name="Szövegdoboz 7">
+            <a:extLst>
+              <a:ext uri="{FF2B5EF4-FFF2-40B4-BE49-F238E27FC236}">
+                <a16:creationId xmlns:a16="http://schemas.microsoft.com/office/drawing/2014/main" xmlns="" id="{7E7913CF-B31C-474A-9F71-B5D6B7D5978B}"/>
+              </a:ext>
+            </a:extLst>
+          </p:cNvPr>
+          <p:cNvSpPr txBox="1"/>
+          <p:nvPr/>
+        </p:nvSpPr>
+        <p:spPr>
+          <a:xfrm>
+            <a:off x="274320" y="19909"/>
+            <a:ext cx="3599062" cy="707886"/>
+          </a:xfrm>
+          <a:prstGeom prst="rect">
+            <a:avLst/>
+          </a:prstGeom>
+          <a:noFill/>
+        </p:spPr>
+        <p:txBody>
+          <a:bodyPr wrap="none" rtlCol="0">
+            <a:spAutoFit/>
+          </a:bodyPr>
+          <a:lstStyle/>
+          <a:p>
+            <a:r>
+              <a:rPr lang="hu-HU" sz="4000" b="1" dirty="0" err="1" smtClean="0">
+                <a:solidFill>
+                  <a:srgbClr val="A01B17"/>
+                </a:solidFill>
+                <a:latin typeface="Agency FB" panose="020B0503020202020204" pitchFamily="34" charset="0"/>
+              </a:rPr>
+              <a:t>Fluentd</a:t>
+            </a:r>
+            <a:r>
+              <a:rPr lang="hu-HU" sz="4000" b="1" dirty="0" smtClean="0">
+                <a:solidFill>
+                  <a:srgbClr val="A01B17"/>
+                </a:solidFill>
+                <a:latin typeface="Agency FB" panose="020B0503020202020204" pitchFamily="34" charset="0"/>
+              </a:rPr>
+              <a:t> bemutatása</a:t>
+            </a:r>
+            <a:endParaRPr lang="hu-HU" sz="4000" b="1" dirty="0">
+              <a:solidFill>
+                <a:srgbClr val="A01B17"/>
+              </a:solidFill>
+              <a:latin typeface="Agency FB" panose="020B0503020202020204" pitchFamily="34" charset="0"/>
+            </a:endParaRPr>
+          </a:p>
+        </p:txBody>
+      </p:sp>
+      <p:sp>
+        <p:nvSpPr>
+          <p:cNvPr id="2" name="Téglalap 1"/>
+          <p:cNvSpPr/>
+          <p:nvPr/>
+        </p:nvSpPr>
+        <p:spPr>
+          <a:xfrm>
+            <a:off x="465022" y="941804"/>
+            <a:ext cx="8716845" cy="707886"/>
+          </a:xfrm>
+          <a:prstGeom prst="rect">
+            <a:avLst/>
+          </a:prstGeom>
+        </p:spPr>
+        <p:txBody>
+          <a:bodyPr wrap="square">
+            <a:spAutoFit/>
+          </a:bodyPr>
+          <a:lstStyle/>
+          <a:p>
+            <a:r>
+              <a:rPr lang="hu-HU" sz="2000" dirty="0" smtClean="0">
+                <a:latin typeface="Abadi" panose="020B0604020104020204" pitchFamily="34" charset="0"/>
+              </a:rPr>
+              <a:t>A </a:t>
+            </a:r>
+            <a:r>
+              <a:rPr lang="hu-HU" sz="2000" dirty="0" err="1" smtClean="0">
+                <a:latin typeface="Abadi" panose="020B0604020104020204" pitchFamily="34" charset="0"/>
+              </a:rPr>
+              <a:t>Fluentd</a:t>
+            </a:r>
+            <a:r>
+              <a:rPr lang="hu-HU" sz="2000" dirty="0" smtClean="0">
+                <a:latin typeface="Abadi" panose="020B0604020104020204" pitchFamily="34" charset="0"/>
+              </a:rPr>
+              <a:t> és a </a:t>
+            </a:r>
+            <a:r>
+              <a:rPr lang="hu-HU" sz="2000" dirty="0" err="1" smtClean="0">
+                <a:latin typeface="Abadi" panose="020B0604020104020204" pitchFamily="34" charset="0"/>
+              </a:rPr>
+              <a:t>Logstash</a:t>
+            </a:r>
+            <a:r>
+              <a:rPr lang="hu-HU" sz="2000" dirty="0" smtClean="0">
+                <a:latin typeface="Abadi" panose="020B0604020104020204" pitchFamily="34" charset="0"/>
+              </a:rPr>
+              <a:t> között a teljesítmény, valamint a konfiguráció szintaktikája a jelentős különbség.</a:t>
+            </a:r>
+            <a:endParaRPr lang="hu-HU" sz="2000" dirty="0">
+              <a:latin typeface="Abadi" panose="020B0604020104020204" pitchFamily="34" charset="0"/>
+            </a:endParaRPr>
+          </a:p>
+        </p:txBody>
+      </p:sp>
+      <p:pic>
+        <p:nvPicPr>
+          <p:cNvPr id="4" name="Kép 3"/>
+          <p:cNvPicPr>
+            <a:picLocks noChangeAspect="1"/>
+          </p:cNvPicPr>
+          <p:nvPr/>
+        </p:nvPicPr>
+        <p:blipFill>
+          <a:blip r:embed="rId5">
+            <a:extLst>
+              <a:ext uri="{28A0092B-C50C-407E-A947-70E740481C1C}">
+                <a14:useLocalDpi xmlns:a14="http://schemas.microsoft.com/office/drawing/2010/main" val="0"/>
+              </a:ext>
+            </a:extLst>
+          </a:blip>
+          <a:stretch>
+            <a:fillRect/>
+          </a:stretch>
+        </p:blipFill>
+        <p:spPr>
+          <a:xfrm>
+            <a:off x="493539" y="1802144"/>
+            <a:ext cx="3379843" cy="4838328"/>
+          </a:xfrm>
+          <a:prstGeom prst="rect">
+            <a:avLst/>
+          </a:prstGeom>
+          <a:ln w="38100" cap="sq">
+            <a:solidFill>
+              <a:srgbClr val="000000"/>
+            </a:solidFill>
+            <a:prstDash val="solid"/>
+            <a:miter lim="800000"/>
+          </a:ln>
+          <a:effectLst>
+            <a:outerShdw blurRad="50800" dist="38100" dir="2700000" algn="tl" rotWithShape="0">
+              <a:srgbClr val="000000">
+                <a:alpha val="43000"/>
+              </a:srgbClr>
+            </a:outerShdw>
+          </a:effectLst>
+        </p:spPr>
+      </p:pic>
+      <p:sp>
+        <p:nvSpPr>
+          <p:cNvPr id="9" name="Téglalap 8"/>
+          <p:cNvSpPr/>
+          <p:nvPr/>
+        </p:nvSpPr>
+        <p:spPr>
+          <a:xfrm>
+            <a:off x="4092601" y="1802144"/>
+            <a:ext cx="7963339" cy="3754874"/>
+          </a:xfrm>
+          <a:prstGeom prst="rect">
+            <a:avLst/>
+          </a:prstGeom>
+        </p:spPr>
+        <p:txBody>
+          <a:bodyPr wrap="square">
+            <a:spAutoFit/>
+          </a:bodyPr>
+          <a:lstStyle/>
+          <a:p>
+            <a:pPr marL="285750" indent="-285750">
+              <a:buFont typeface="Arial" panose="020B0604020202020204" pitchFamily="34" charset="0"/>
+              <a:buChar char="•"/>
+            </a:pPr>
+            <a:r>
+              <a:rPr lang="hu-HU" sz="2200" dirty="0" smtClean="0">
+                <a:latin typeface="Abadi" panose="020B0604020104020204" pitchFamily="34" charset="0"/>
+              </a:rPr>
+              <a:t>C és </a:t>
+            </a:r>
+            <a:r>
+              <a:rPr lang="hu-HU" sz="2200" dirty="0" err="1" smtClean="0">
+                <a:latin typeface="Abadi" panose="020B0604020104020204" pitchFamily="34" charset="0"/>
+              </a:rPr>
+              <a:t>Ruby</a:t>
+            </a:r>
+            <a:r>
+              <a:rPr lang="hu-HU" sz="2200" dirty="0" smtClean="0">
+                <a:latin typeface="Abadi" panose="020B0604020104020204" pitchFamily="34" charset="0"/>
+              </a:rPr>
+              <a:t> –</a:t>
+            </a:r>
+            <a:r>
+              <a:rPr lang="hu-HU" sz="2200" dirty="0" err="1" smtClean="0">
+                <a:latin typeface="Abadi" panose="020B0604020104020204" pitchFamily="34" charset="0"/>
+              </a:rPr>
+              <a:t>ban</a:t>
+            </a:r>
+            <a:r>
+              <a:rPr lang="hu-HU" sz="2200" dirty="0" smtClean="0">
+                <a:latin typeface="Abadi" panose="020B0604020104020204" pitchFamily="34" charset="0"/>
+              </a:rPr>
+              <a:t> készült.</a:t>
+            </a:r>
+          </a:p>
+          <a:p>
+            <a:pPr marL="285750" indent="-285750">
+              <a:buFont typeface="Arial" panose="020B0604020202020204" pitchFamily="34" charset="0"/>
+              <a:buChar char="•"/>
+            </a:pPr>
+            <a:r>
+              <a:rPr lang="hu-HU" sz="2200" dirty="0" err="1" smtClean="0">
+                <a:latin typeface="Abadi" panose="020B0604020104020204" pitchFamily="34" charset="0"/>
+              </a:rPr>
+              <a:t>tag-ekre</a:t>
+            </a:r>
+            <a:r>
+              <a:rPr lang="hu-HU" sz="2200" dirty="0" smtClean="0">
+                <a:latin typeface="Abadi" panose="020B0604020104020204" pitchFamily="34" charset="0"/>
+              </a:rPr>
+              <a:t> épül a konfiguráció (</a:t>
+            </a:r>
+            <a:r>
+              <a:rPr lang="hu-HU" sz="2200" dirty="0" err="1" smtClean="0">
+                <a:latin typeface="Abadi" panose="020B0604020104020204" pitchFamily="34" charset="0"/>
+              </a:rPr>
+              <a:t>source</a:t>
+            </a:r>
+            <a:r>
+              <a:rPr lang="hu-HU" sz="2200" dirty="0" smtClean="0">
+                <a:latin typeface="Abadi" panose="020B0604020104020204" pitchFamily="34" charset="0"/>
+              </a:rPr>
+              <a:t>, filter, </a:t>
+            </a:r>
+            <a:r>
+              <a:rPr lang="hu-HU" sz="2200" dirty="0" err="1" smtClean="0">
+                <a:latin typeface="Abadi" panose="020B0604020104020204" pitchFamily="34" charset="0"/>
+              </a:rPr>
+              <a:t>match</a:t>
+            </a:r>
+            <a:r>
+              <a:rPr lang="hu-HU" sz="2200" dirty="0" smtClean="0">
+                <a:latin typeface="Abadi" panose="020B0604020104020204" pitchFamily="34" charset="0"/>
+              </a:rPr>
+              <a:t>)</a:t>
+            </a:r>
+          </a:p>
+          <a:p>
+            <a:pPr marL="285750" indent="-285750">
+              <a:buFont typeface="Arial" panose="020B0604020202020204" pitchFamily="34" charset="0"/>
+              <a:buChar char="•"/>
+            </a:pPr>
+            <a:r>
+              <a:rPr lang="hu-HU" sz="2200" dirty="0" smtClean="0">
+                <a:latin typeface="Abadi" panose="020B0604020104020204" pitchFamily="34" charset="0"/>
+              </a:rPr>
+              <a:t>alapértelmezetten kevés, de bővítményekkel, kb. 500 </a:t>
+            </a:r>
+            <a:r>
+              <a:rPr lang="hu-HU" sz="2200" dirty="0" err="1" smtClean="0">
+                <a:latin typeface="Abadi" panose="020B0604020104020204" pitchFamily="34" charset="0"/>
+              </a:rPr>
+              <a:t>plugin</a:t>
+            </a:r>
+            <a:endParaRPr lang="hu-HU" sz="2200" dirty="0" smtClean="0">
+              <a:latin typeface="Abadi" panose="020B0604020104020204" pitchFamily="34" charset="0"/>
+            </a:endParaRPr>
+          </a:p>
+          <a:p>
+            <a:pPr marL="285750" indent="-285750">
+              <a:buFont typeface="Arial" panose="020B0604020202020204" pitchFamily="34" charset="0"/>
+              <a:buChar char="•"/>
+            </a:pPr>
+            <a:r>
+              <a:rPr lang="hu-HU" sz="2200" dirty="0" smtClean="0">
+                <a:latin typeface="Abadi" panose="020B0604020104020204" pitchFamily="34" charset="0"/>
+              </a:rPr>
+              <a:t>egyre növekvő közösség</a:t>
+            </a:r>
+          </a:p>
+          <a:p>
+            <a:pPr marL="285750" indent="-285750">
+              <a:buFont typeface="Arial" panose="020B0604020202020204" pitchFamily="34" charset="0"/>
+              <a:buChar char="•"/>
+            </a:pPr>
+            <a:endParaRPr lang="hu-HU" sz="2200" dirty="0" smtClean="0">
+              <a:latin typeface="Abadi" panose="020B0604020104020204" pitchFamily="34" charset="0"/>
+            </a:endParaRPr>
+          </a:p>
+          <a:p>
+            <a:pPr marL="285750" indent="-285750">
+              <a:buFont typeface="Arial" panose="020B0604020202020204" pitchFamily="34" charset="0"/>
+              <a:buChar char="•"/>
+            </a:pPr>
+            <a:r>
+              <a:rPr lang="hu-HU" sz="2200" dirty="0">
+                <a:latin typeface="Abadi" panose="020B0604020104020204" pitchFamily="34" charset="0"/>
+              </a:rPr>
+              <a:t>forrást  megadhatjuk többféleképp (</a:t>
+            </a:r>
+            <a:r>
+              <a:rPr lang="hu-HU" sz="2200" dirty="0" err="1">
+                <a:latin typeface="Abadi" panose="020B0604020104020204" pitchFamily="34" charset="0"/>
+              </a:rPr>
+              <a:t>tail</a:t>
+            </a:r>
+            <a:r>
+              <a:rPr lang="hu-HU" sz="2200" dirty="0">
+                <a:latin typeface="Abadi" panose="020B0604020104020204" pitchFamily="34" charset="0"/>
+              </a:rPr>
+              <a:t> </a:t>
+            </a:r>
+            <a:r>
+              <a:rPr lang="hu-HU" sz="2200" dirty="0" err="1">
+                <a:latin typeface="Abadi" panose="020B0604020104020204" pitchFamily="34" charset="0"/>
+              </a:rPr>
+              <a:t>plugin</a:t>
+            </a:r>
+            <a:r>
+              <a:rPr lang="hu-HU" sz="2200" dirty="0">
+                <a:latin typeface="Abadi" panose="020B0604020104020204" pitchFamily="34" charset="0"/>
+              </a:rPr>
+              <a:t>, </a:t>
+            </a:r>
+            <a:r>
+              <a:rPr lang="hu-HU" sz="2200" dirty="0" err="1">
+                <a:latin typeface="Abadi" panose="020B0604020104020204" pitchFamily="34" charset="0"/>
+              </a:rPr>
+              <a:t>beats</a:t>
+            </a:r>
+            <a:r>
+              <a:rPr lang="hu-HU" sz="2200" dirty="0" smtClean="0">
+                <a:latin typeface="Abadi" panose="020B0604020104020204" pitchFamily="34" charset="0"/>
+              </a:rPr>
+              <a:t>…)</a:t>
+            </a:r>
+          </a:p>
+          <a:p>
+            <a:pPr marL="285750" indent="-285750">
+              <a:buFont typeface="Arial" panose="020B0604020202020204" pitchFamily="34" charset="0"/>
+              <a:buChar char="•"/>
+            </a:pPr>
+            <a:r>
+              <a:rPr lang="hu-HU" sz="2200" dirty="0" smtClean="0">
+                <a:latin typeface="Abadi" panose="020B0604020104020204" pitchFamily="34" charset="0"/>
+              </a:rPr>
+              <a:t>A mi esetünkben az </a:t>
+            </a:r>
+            <a:r>
+              <a:rPr lang="hu-HU" sz="2200" b="1" dirty="0" err="1" smtClean="0">
+                <a:latin typeface="Abadi" panose="020B0604020104020204" pitchFamily="34" charset="0"/>
+              </a:rPr>
+              <a:t>rsyslogot</a:t>
+            </a:r>
+            <a:r>
+              <a:rPr lang="hu-HU" sz="2200" dirty="0" smtClean="0">
+                <a:latin typeface="Abadi" panose="020B0604020104020204" pitchFamily="34" charset="0"/>
+              </a:rPr>
+              <a:t> használtuk, amiben beállítottuk, hogy az 5140-es </a:t>
+            </a:r>
+            <a:r>
+              <a:rPr lang="hu-HU" sz="2200" dirty="0" err="1" smtClean="0">
+                <a:latin typeface="Abadi" panose="020B0604020104020204" pitchFamily="34" charset="0"/>
+              </a:rPr>
+              <a:t>porton</a:t>
+            </a:r>
+            <a:r>
+              <a:rPr lang="hu-HU" sz="2200" dirty="0" smtClean="0">
+                <a:latin typeface="Abadi" panose="020B0604020104020204" pitchFamily="34" charset="0"/>
+              </a:rPr>
+              <a:t> minden </a:t>
+            </a:r>
+            <a:r>
+              <a:rPr lang="hu-HU" sz="2200" dirty="0" err="1" smtClean="0">
+                <a:latin typeface="Abadi" panose="020B0604020104020204" pitchFamily="34" charset="0"/>
+              </a:rPr>
+              <a:t>rendszerlogot</a:t>
+            </a:r>
+            <a:r>
+              <a:rPr lang="hu-HU" sz="2200" dirty="0" smtClean="0">
+                <a:latin typeface="Abadi" panose="020B0604020104020204" pitchFamily="34" charset="0"/>
+              </a:rPr>
+              <a:t> továbbítson:</a:t>
+            </a:r>
+            <a:endParaRPr lang="hu-HU" sz="2200" dirty="0">
+              <a:latin typeface="Abadi" panose="020B0604020104020204" pitchFamily="34" charset="0"/>
+            </a:endParaRPr>
+          </a:p>
+          <a:p>
+            <a:pPr marL="285750" indent="-285750">
+              <a:buFont typeface="Arial" panose="020B0604020202020204" pitchFamily="34" charset="0"/>
+              <a:buChar char="•"/>
+            </a:pPr>
+            <a:endParaRPr lang="hu-HU" sz="2200" dirty="0" smtClean="0">
+              <a:latin typeface="Abadi" panose="020B0604020104020204" pitchFamily="34" charset="0"/>
+            </a:endParaRPr>
+          </a:p>
+          <a:p>
+            <a:endParaRPr lang="hu-HU" dirty="0">
+              <a:latin typeface="Abadi" panose="020B0604020104020204" pitchFamily="34" charset="0"/>
+            </a:endParaRPr>
+          </a:p>
+        </p:txBody>
+      </p:sp>
+      <p:sp>
+        <p:nvSpPr>
+          <p:cNvPr id="10" name="Téglalap 9"/>
+          <p:cNvSpPr/>
+          <p:nvPr/>
+        </p:nvSpPr>
+        <p:spPr>
+          <a:xfrm>
+            <a:off x="4410791" y="4966327"/>
+            <a:ext cx="3031469" cy="400110"/>
+          </a:xfrm>
+          <a:prstGeom prst="rect">
+            <a:avLst/>
+          </a:prstGeom>
+          <a:solidFill>
+            <a:schemeClr val="tx1"/>
+          </a:solidFill>
+        </p:spPr>
+        <p:txBody>
+          <a:bodyPr wrap="square">
+            <a:spAutoFit/>
+          </a:bodyPr>
+          <a:lstStyle/>
+          <a:p>
+            <a:r>
+              <a:rPr lang="hu-HU" sz="2000" dirty="0">
+                <a:solidFill>
+                  <a:schemeClr val="bg1"/>
+                </a:solidFill>
+              </a:rPr>
+              <a:t>*.* @127.0.0.1:5140</a:t>
+            </a:r>
+            <a:endParaRPr lang="hu-HU" sz="2000" dirty="0">
+              <a:solidFill>
+                <a:schemeClr val="bg1"/>
+              </a:solidFill>
+              <a:latin typeface="Abadi" panose="020B0604020104020204" pitchFamily="34" charset="0"/>
+            </a:endParaRPr>
+          </a:p>
+        </p:txBody>
+      </p:sp>
     </p:spTree>
     <p:extLst>
       <p:ext uri="{BB962C8B-B14F-4D97-AF65-F5344CB8AC3E}">
-        <p14:creationId xmlns:p14="http://schemas.microsoft.com/office/powerpoint/2010/main" val="3633053834"/>
+        <p14:creationId xmlns:p14="http://schemas.microsoft.com/office/powerpoint/2010/main" val="3021325251"/>
       </p:ext>
     </p:extLst>
   </p:cSld>
@@ -10508,48 +11149,12 @@
           <a:chExt cx="0" cy="0"/>
         </a:xfrm>
       </p:grpSpPr>
-      <p:pic>
-        <p:nvPicPr>
-          <p:cNvPr id="6" name="Kép 5">
-            <a:extLst>
-              <a:ext uri="{FF2B5EF4-FFF2-40B4-BE49-F238E27FC236}">
-                <a16:creationId xmlns:a16="http://schemas.microsoft.com/office/drawing/2014/main" id="{9758AE22-701F-4CA9-9734-8EBB6B7DF74F}"/>
-              </a:ext>
-            </a:extLst>
-          </p:cNvPr>
-          <p:cNvPicPr>
-            <a:picLocks noChangeAspect="1"/>
-          </p:cNvPicPr>
-          <p:nvPr/>
-        </p:nvPicPr>
-        <p:blipFill>
-          <a:blip r:embed="rId2">
-            <a:extLst>
-              <a:ext uri="{28A0092B-C50C-407E-A947-70E740481C1C}">
-                <a14:useLocalDpi xmlns:a14="http://schemas.microsoft.com/office/drawing/2010/main" val="0"/>
-              </a:ext>
-            </a:extLst>
-          </a:blip>
-          <a:stretch>
-            <a:fillRect/>
-          </a:stretch>
-        </p:blipFill>
-        <p:spPr>
-          <a:xfrm>
-            <a:off x="11578732" y="2553"/>
-            <a:ext cx="613267" cy="613267"/>
-          </a:xfrm>
-          <a:prstGeom prst="rect">
-            <a:avLst/>
-          </a:prstGeom>
-        </p:spPr>
-      </p:pic>
       <p:sp>
         <p:nvSpPr>
-          <p:cNvPr id="7" name="Téglalap 6">
-            <a:extLst>
-              <a:ext uri="{FF2B5EF4-FFF2-40B4-BE49-F238E27FC236}">
-                <a16:creationId xmlns:a16="http://schemas.microsoft.com/office/drawing/2014/main" id="{5118027E-30B0-4E7D-9B50-2B7206BE6302}"/>
+          <p:cNvPr id="5" name="Téglalap 4">
+            <a:extLst>
+              <a:ext uri="{FF2B5EF4-FFF2-40B4-BE49-F238E27FC236}">
+                <a16:creationId xmlns:a16="http://schemas.microsoft.com/office/drawing/2014/main" xmlns="" id="{9CA26A1C-2AE4-4715-BDE4-2908B2BEA97A}"/>
               </a:ext>
             </a:extLst>
           </p:cNvPr>
@@ -10596,12 +11201,87 @@
           </a:p>
         </p:txBody>
       </p:sp>
+      <p:pic>
+        <p:nvPicPr>
+          <p:cNvPr id="6" name="Ábra 5">
+            <a:extLst>
+              <a:ext uri="{FF2B5EF4-FFF2-40B4-BE49-F238E27FC236}">
+                <a16:creationId xmlns:a16="http://schemas.microsoft.com/office/drawing/2014/main" xmlns="" id="{752E1006-4091-44C8-A41C-C50F5E3327C8}"/>
+              </a:ext>
+            </a:extLst>
+          </p:cNvPr>
+          <p:cNvPicPr>
+            <a:picLocks noChangeAspect="1"/>
+          </p:cNvPicPr>
+          <p:nvPr/>
+        </p:nvPicPr>
+        <p:blipFill>
+          <a:blip r:embed="rId2" cstate="print">
+            <a:extLst>
+              <a:ext uri="{28A0092B-C50C-407E-A947-70E740481C1C}">
+                <a14:useLocalDpi xmlns:a14="http://schemas.microsoft.com/office/drawing/2010/main" val="0"/>
+              </a:ext>
+              <a:ext uri="{96DAC541-7B7A-43D3-8B79-37D633B846F1}">
+                <asvg:svgBlip xmlns:asvg="http://schemas.microsoft.com/office/drawing/2016/SVG/main" xmlns="" r:embed="rId3"/>
+              </a:ext>
+            </a:extLst>
+          </a:blip>
+          <a:stretch>
+            <a:fillRect/>
+          </a:stretch>
+        </p:blipFill>
+        <p:spPr>
+          <a:xfrm>
+            <a:off x="10649436" y="5366437"/>
+            <a:ext cx="1406504" cy="1358419"/>
+          </a:xfrm>
+          <a:prstGeom prst="rect">
+            <a:avLst/>
+          </a:prstGeom>
+        </p:spPr>
+      </p:pic>
+      <p:pic>
+        <p:nvPicPr>
+          <p:cNvPr id="7" name="Kép 6">
+            <a:extLst>
+              <a:ext uri="{FF2B5EF4-FFF2-40B4-BE49-F238E27FC236}">
+                <a16:creationId xmlns:a16="http://schemas.microsoft.com/office/drawing/2014/main" xmlns="" id="{0F512247-75D6-431E-B0F6-A5189892A8D2}"/>
+              </a:ext>
+            </a:extLst>
+          </p:cNvPr>
+          <p:cNvPicPr>
+            <a:picLocks noChangeAspect="1"/>
+          </p:cNvPicPr>
+          <p:nvPr/>
+        </p:nvPicPr>
+        <p:blipFill>
+          <a:blip r:embed="rId4" cstate="print">
+            <a:extLst>
+              <a:ext uri="{28A0092B-C50C-407E-A947-70E740481C1C}">
+                <a14:useLocalDpi xmlns:a14="http://schemas.microsoft.com/office/drawing/2010/main" val="0"/>
+              </a:ext>
+            </a:extLst>
+          </a:blip>
+          <a:stretch>
+            <a:fillRect/>
+          </a:stretch>
+        </p:blipFill>
+        <p:spPr>
+          <a:xfrm>
+            <a:off x="11578732" y="2553"/>
+            <a:ext cx="613267" cy="613267"/>
+          </a:xfrm>
+          <a:prstGeom prst="rect">
+            <a:avLst/>
+          </a:prstGeom>
+        </p:spPr>
+      </p:pic>
       <p:sp>
         <p:nvSpPr>
           <p:cNvPr id="8" name="Szövegdoboz 7">
             <a:extLst>
               <a:ext uri="{FF2B5EF4-FFF2-40B4-BE49-F238E27FC236}">
-                <a16:creationId xmlns:a16="http://schemas.microsoft.com/office/drawing/2014/main" id="{D00702FA-9B96-47E1-ADE4-9D2FC58C16D7}"/>
+                <a16:creationId xmlns:a16="http://schemas.microsoft.com/office/drawing/2014/main" xmlns="" id="{7E7913CF-B31C-474A-9F71-B5D6B7D5978B}"/>
               </a:ext>
             </a:extLst>
           </p:cNvPr>
@@ -10610,8 +11290,8 @@
         </p:nvSpPr>
         <p:spPr>
           <a:xfrm>
-            <a:off x="274320" y="0"/>
-            <a:ext cx="2986715" cy="707886"/>
+            <a:off x="274320" y="19909"/>
+            <a:ext cx="4269117" cy="707886"/>
           </a:xfrm>
           <a:prstGeom prst="rect">
             <a:avLst/>
@@ -10625,69 +11305,132 @@
           <a:lstStyle/>
           <a:p>
             <a:r>
-              <a:rPr lang="hu-HU" sz="4000" b="1" dirty="0">
+              <a:rPr lang="hu-HU" sz="4000" b="1" dirty="0" err="1" smtClean="0">
                 <a:solidFill>
                   <a:srgbClr val="A01B17"/>
                 </a:solidFill>
                 <a:latin typeface="Agency FB" panose="020B0503020202020204" pitchFamily="34" charset="0"/>
               </a:rPr>
-              <a:t>Összehasonlítás</a:t>
-            </a:r>
+              <a:t>Fluentd</a:t>
+            </a:r>
+            <a:r>
+              <a:rPr lang="hu-HU" sz="4000" b="1" dirty="0" smtClean="0">
+                <a:solidFill>
+                  <a:srgbClr val="A01B17"/>
+                </a:solidFill>
+                <a:latin typeface="Agency FB" panose="020B0503020202020204" pitchFamily="34" charset="0"/>
+              </a:rPr>
+              <a:t> </a:t>
+            </a:r>
+            <a:r>
+              <a:rPr lang="hu-HU" sz="4000" b="1" dirty="0" smtClean="0">
+                <a:solidFill>
+                  <a:srgbClr val="A01B17"/>
+                </a:solidFill>
+                <a:latin typeface="Agency FB" panose="020B0503020202020204" pitchFamily="34" charset="0"/>
+              </a:rPr>
+              <a:t>log a </a:t>
+            </a:r>
+            <a:r>
+              <a:rPr lang="hu-HU" sz="4000" b="1" dirty="0" err="1" smtClean="0">
+                <a:solidFill>
+                  <a:srgbClr val="A01B17"/>
+                </a:solidFill>
+                <a:latin typeface="Agency FB" panose="020B0503020202020204" pitchFamily="34" charset="0"/>
+              </a:rPr>
+              <a:t>Kibanaban</a:t>
+            </a:r>
+            <a:endParaRPr lang="hu-HU" sz="4000" b="1" dirty="0">
+              <a:solidFill>
+                <a:srgbClr val="A01B17"/>
+              </a:solidFill>
+              <a:latin typeface="Agency FB" panose="020B0503020202020204" pitchFamily="34" charset="0"/>
+            </a:endParaRPr>
+          </a:p>
+        </p:txBody>
+      </p:sp>
+      <p:sp>
+        <p:nvSpPr>
+          <p:cNvPr id="2" name="Téglalap 1"/>
+          <p:cNvSpPr/>
+          <p:nvPr/>
+        </p:nvSpPr>
+        <p:spPr>
+          <a:xfrm>
+            <a:off x="465022" y="941804"/>
+            <a:ext cx="8716845" cy="707886"/>
+          </a:xfrm>
+          <a:prstGeom prst="rect">
+            <a:avLst/>
+          </a:prstGeom>
+        </p:spPr>
+        <p:txBody>
+          <a:bodyPr wrap="square">
+            <a:spAutoFit/>
+          </a:bodyPr>
+          <a:lstStyle/>
+          <a:p>
+            <a:r>
+              <a:rPr lang="hu-HU" sz="2000" dirty="0" smtClean="0">
+                <a:latin typeface="Abadi" panose="020B0604020104020204" pitchFamily="34" charset="0"/>
+              </a:rPr>
+              <a:t>Hasonlóan az ELK </a:t>
+            </a:r>
+            <a:r>
+              <a:rPr lang="hu-HU" sz="2000" dirty="0" err="1" smtClean="0">
+                <a:latin typeface="Abadi" panose="020B0604020104020204" pitchFamily="34" charset="0"/>
+              </a:rPr>
+              <a:t>Stack-hez</a:t>
+            </a:r>
+            <a:r>
+              <a:rPr lang="hu-HU" sz="2000" dirty="0" smtClean="0">
+                <a:latin typeface="Abadi" panose="020B0604020104020204" pitchFamily="34" charset="0"/>
+              </a:rPr>
+              <a:t> az </a:t>
+            </a:r>
+            <a:r>
+              <a:rPr lang="hu-HU" sz="2000" dirty="0" err="1" smtClean="0">
+                <a:latin typeface="Abadi" panose="020B0604020104020204" pitchFamily="34" charset="0"/>
+              </a:rPr>
+              <a:t>EFK-ban</a:t>
+            </a:r>
+            <a:r>
+              <a:rPr lang="hu-HU" sz="2000" dirty="0" smtClean="0">
+                <a:latin typeface="Abadi" panose="020B0604020104020204" pitchFamily="34" charset="0"/>
+              </a:rPr>
+              <a:t> is a </a:t>
+            </a:r>
+            <a:r>
+              <a:rPr lang="hu-HU" sz="2000" dirty="0" err="1" smtClean="0">
+                <a:latin typeface="Abadi" panose="020B0604020104020204" pitchFamily="34" charset="0"/>
+              </a:rPr>
+              <a:t>Kibana</a:t>
+            </a:r>
+            <a:r>
+              <a:rPr lang="hu-HU" sz="2000" dirty="0" smtClean="0">
+                <a:latin typeface="Abadi" panose="020B0604020104020204" pitchFamily="34" charset="0"/>
+              </a:rPr>
+              <a:t> felel a megjelenítésért.</a:t>
+            </a:r>
+            <a:endParaRPr lang="hu-HU" sz="2000" dirty="0">
+              <a:latin typeface="Abadi" panose="020B0604020104020204" pitchFamily="34" charset="0"/>
+            </a:endParaRPr>
           </a:p>
         </p:txBody>
       </p:sp>
       <p:pic>
         <p:nvPicPr>
-          <p:cNvPr id="10" name="Kép 9">
-            <a:extLst>
-              <a:ext uri="{FF2B5EF4-FFF2-40B4-BE49-F238E27FC236}">
-                <a16:creationId xmlns:a16="http://schemas.microsoft.com/office/drawing/2014/main" id="{505850A7-0C64-4061-9440-71C80CFD93EA}"/>
-              </a:ext>
-            </a:extLst>
-          </p:cNvPr>
+          <p:cNvPr id="11" name="Kép 10"/>
           <p:cNvPicPr>
             <a:picLocks noChangeAspect="1"/>
           </p:cNvPicPr>
           <p:nvPr/>
         </p:nvPicPr>
         <p:blipFill>
-          <a:blip r:embed="rId3"/>
-          <a:stretch>
-            <a:fillRect/>
-          </a:stretch>
-        </p:blipFill>
-        <p:spPr>
-          <a:xfrm>
-            <a:off x="551969" y="662700"/>
-            <a:ext cx="11088061" cy="5532599"/>
-          </a:xfrm>
-          <a:prstGeom prst="rect">
-            <a:avLst/>
-          </a:prstGeom>
-        </p:spPr>
-      </p:pic>
-      <p:pic>
-        <p:nvPicPr>
-          <p:cNvPr id="5" name="Ábra 4">
-            <a:extLst>
-              <a:ext uri="{FF2B5EF4-FFF2-40B4-BE49-F238E27FC236}">
-                <a16:creationId xmlns:a16="http://schemas.microsoft.com/office/drawing/2014/main" id="{331FE0CB-3A91-4CD5-A96E-49B397C0B45C}"/>
-              </a:ext>
-            </a:extLst>
-          </p:cNvPr>
-          <p:cNvPicPr>
-            <a:picLocks noChangeAspect="1"/>
-          </p:cNvPicPr>
-          <p:nvPr/>
-        </p:nvPicPr>
-        <p:blipFill>
-          <a:blip r:embed="rId4">
+          <a:blip r:embed="rId5">
             <a:extLst>
               <a:ext uri="{28A0092B-C50C-407E-A947-70E740481C1C}">
                 <a14:useLocalDpi xmlns:a14="http://schemas.microsoft.com/office/drawing/2010/main" val="0"/>
-              </a:ext>
-              <a:ext uri="{96DAC541-7B7A-43D3-8B79-37D633B846F1}">
-                <asvg:svgBlip xmlns:asvg="http://schemas.microsoft.com/office/drawing/2016/SVG/main" r:embed="rId5"/>
               </a:ext>
             </a:extLst>
           </a:blip>
@@ -10697,18 +11440,32 @@
         </p:blipFill>
         <p:spPr>
           <a:xfrm>
-            <a:off x="10649436" y="5366437"/>
-            <a:ext cx="1406504" cy="1358419"/>
-          </a:xfrm>
-          <a:prstGeom prst="rect">
-            <a:avLst/>
-          </a:prstGeom>
+            <a:off x="588364" y="1762901"/>
+            <a:ext cx="10253807" cy="3983611"/>
+          </a:xfrm>
+          <a:prstGeom prst="rect">
+            <a:avLst/>
+          </a:prstGeom>
+          <a:ln w="38100" cap="sq">
+            <a:solidFill>
+              <a:srgbClr val="000000"/>
+            </a:solidFill>
+            <a:prstDash val="solid"/>
+            <a:miter lim="800000"/>
+          </a:ln>
+          <a:effectLst>
+            <a:outerShdw blurRad="50800" dist="38100" dir="2700000" algn="tl" rotWithShape="0">
+              <a:srgbClr val="000000">
+                <a:alpha val="43000"/>
+              </a:srgbClr>
+            </a:outerShdw>
+          </a:effectLst>
         </p:spPr>
       </p:pic>
     </p:spTree>
     <p:extLst>
       <p:ext uri="{BB962C8B-B14F-4D97-AF65-F5344CB8AC3E}">
-        <p14:creationId xmlns:p14="http://schemas.microsoft.com/office/powerpoint/2010/main" val="3052979044"/>
+        <p14:creationId xmlns:p14="http://schemas.microsoft.com/office/powerpoint/2010/main" val="129383368"/>
       </p:ext>
     </p:extLst>
   </p:cSld>
@@ -10740,7 +11497,7 @@
           <p:cNvPr id="4" name="Szövegdoboz 3">
             <a:extLst>
               <a:ext uri="{FF2B5EF4-FFF2-40B4-BE49-F238E27FC236}">
-                <a16:creationId xmlns:a16="http://schemas.microsoft.com/office/drawing/2014/main" id="{179BD461-825D-495E-9DA9-707A6C4326F1}"/>
+                <a16:creationId xmlns:a16="http://schemas.microsoft.com/office/drawing/2014/main" xmlns="" id="{B7D8C90B-44E5-4D90-972D-7E1D2D6D2B86}"/>
               </a:ext>
             </a:extLst>
           </p:cNvPr>
@@ -10749,8 +11506,8 @@
         </p:nvSpPr>
         <p:spPr>
           <a:xfrm>
-            <a:off x="274320" y="0"/>
-            <a:ext cx="2988319" cy="707886"/>
+            <a:off x="5474387" y="3244334"/>
+            <a:ext cx="1243225" cy="369332"/>
           </a:xfrm>
           <a:prstGeom prst="rect">
             <a:avLst/>
@@ -10764,13 +11521,8 @@
           <a:lstStyle/>
           <a:p>
             <a:r>
-              <a:rPr lang="hu-HU" sz="4000" b="1" dirty="0">
-                <a:solidFill>
-                  <a:srgbClr val="A01B17"/>
-                </a:solidFill>
-                <a:latin typeface="Agency FB" panose="020B0503020202020204" pitchFamily="34" charset="0"/>
-              </a:rPr>
-              <a:t>Összegzés, jövő</a:t>
+              <a:rPr lang="hu-HU" dirty="0"/>
+              <a:t>Graylog ide</a:t>
             </a:r>
           </a:p>
         </p:txBody>
@@ -10780,7 +11532,7 @@
           <p:cNvPr id="5" name="Ábra 4">
             <a:extLst>
               <a:ext uri="{FF2B5EF4-FFF2-40B4-BE49-F238E27FC236}">
-                <a16:creationId xmlns:a16="http://schemas.microsoft.com/office/drawing/2014/main" id="{F7FD9755-E3CE-4F32-B7E2-FA2A1B51065B}"/>
+                <a16:creationId xmlns:a16="http://schemas.microsoft.com/office/drawing/2014/main" xmlns="" id="{888B3EB3-1DFE-44A4-9838-2AD439774E09}"/>
               </a:ext>
             </a:extLst>
           </p:cNvPr>
@@ -10790,13 +11542,13 @@
           <p:nvPr/>
         </p:nvPicPr>
         <p:blipFill>
-          <a:blip r:embed="rId2">
+          <a:blip r:embed="rId2" cstate="print">
             <a:extLst>
               <a:ext uri="{28A0092B-C50C-407E-A947-70E740481C1C}">
                 <a14:useLocalDpi xmlns:a14="http://schemas.microsoft.com/office/drawing/2010/main" val="0"/>
               </a:ext>
               <a:ext uri="{96DAC541-7B7A-43D3-8B79-37D633B846F1}">
-                <asvg:svgBlip xmlns:asvg="http://schemas.microsoft.com/office/drawing/2016/SVG/main" r:embed="rId3"/>
+                <asvg:svgBlip xmlns:asvg="http://schemas.microsoft.com/office/drawing/2016/SVG/main" xmlns="" r:embed="rId3"/>
               </a:ext>
             </a:extLst>
           </a:blip>
@@ -10819,7 +11571,7 @@
           <p:cNvPr id="6" name="Kép 5">
             <a:extLst>
               <a:ext uri="{FF2B5EF4-FFF2-40B4-BE49-F238E27FC236}">
-                <a16:creationId xmlns:a16="http://schemas.microsoft.com/office/drawing/2014/main" id="{99603EF8-98B9-420A-AF82-C0ED661B0779}"/>
+                <a16:creationId xmlns:a16="http://schemas.microsoft.com/office/drawing/2014/main" xmlns="" id="{E97E298B-959A-4B9B-B986-28FA688F3724}"/>
               </a:ext>
             </a:extLst>
           </p:cNvPr>
@@ -10829,7 +11581,7 @@
           <p:nvPr/>
         </p:nvPicPr>
         <p:blipFill>
-          <a:blip r:embed="rId4">
+          <a:blip r:embed="rId4" cstate="print">
             <a:extLst>
               <a:ext uri="{28A0092B-C50C-407E-A947-70E740481C1C}">
                 <a14:useLocalDpi xmlns:a14="http://schemas.microsoft.com/office/drawing/2010/main" val="0"/>
@@ -10855,7 +11607,7 @@
           <p:cNvPr id="7" name="Téglalap 6">
             <a:extLst>
               <a:ext uri="{FF2B5EF4-FFF2-40B4-BE49-F238E27FC236}">
-                <a16:creationId xmlns:a16="http://schemas.microsoft.com/office/drawing/2014/main" id="{26E11219-288B-46B5-8566-3FC185FA9278}"/>
+                <a16:creationId xmlns:a16="http://schemas.microsoft.com/office/drawing/2014/main" xmlns="" id="{813AD56B-C730-4B9C-884D-50BAF9AEA4BD}"/>
               </a:ext>
             </a:extLst>
           </p:cNvPr>
@@ -10902,276 +11654,10 @@
           </a:p>
         </p:txBody>
       </p:sp>
-      <p:sp>
-        <p:nvSpPr>
-          <p:cNvPr id="8" name="Szövegdoboz 7">
-            <a:extLst>
-              <a:ext uri="{FF2B5EF4-FFF2-40B4-BE49-F238E27FC236}">
-                <a16:creationId xmlns:a16="http://schemas.microsoft.com/office/drawing/2014/main" id="{76D75C5D-5568-4AA7-8CF9-3CD73E095F9F}"/>
-              </a:ext>
-            </a:extLst>
-          </p:cNvPr>
-          <p:cNvSpPr txBox="1"/>
-          <p:nvPr/>
-        </p:nvSpPr>
-        <p:spPr>
-          <a:xfrm>
-            <a:off x="429208" y="1036567"/>
-            <a:ext cx="10787743" cy="1754326"/>
-          </a:xfrm>
-          <a:prstGeom prst="rect">
-            <a:avLst/>
-          </a:prstGeom>
-          <a:noFill/>
-        </p:spPr>
-        <p:txBody>
-          <a:bodyPr wrap="square" rtlCol="0">
-            <a:spAutoFit/>
-          </a:bodyPr>
-          <a:lstStyle/>
-          <a:p>
-            <a:r>
-              <a:rPr lang="hu-HU" dirty="0">
-                <a:latin typeface="Abadi" panose="020B0604020104020204" pitchFamily="34" charset="0"/>
-              </a:rPr>
-              <a:t>A Linux-</a:t>
-            </a:r>
-            <a:r>
-              <a:rPr lang="hu-HU" dirty="0" err="1">
-                <a:latin typeface="Abadi" panose="020B0604020104020204" pitchFamily="34" charset="0"/>
-              </a:rPr>
-              <a:t>szal</a:t>
-            </a:r>
-            <a:r>
-              <a:rPr lang="hu-HU" dirty="0">
-                <a:latin typeface="Abadi" panose="020B0604020104020204" pitchFamily="34" charset="0"/>
-              </a:rPr>
-              <a:t> való ismerkedés tette ki a munka egyik nagy részét, ezért több kérdés is nyitva maradt a jövőre nézve.</a:t>
-            </a:r>
-          </a:p>
-          <a:p>
-            <a:r>
-              <a:rPr lang="hu-HU" b="0" i="0" dirty="0">
-                <a:solidFill>
-                  <a:srgbClr val="212529"/>
-                </a:solidFill>
-                <a:effectLst/>
-                <a:latin typeface="Abadi" panose="020B0604020104020204" pitchFamily="34" charset="0"/>
-              </a:rPr>
-              <a:t>A téma célja egyfajta elmélyülés volt a </a:t>
-            </a:r>
-            <a:r>
-              <a:rPr lang="hu-HU" b="0" i="0" dirty="0" err="1">
-                <a:solidFill>
-                  <a:srgbClr val="212529"/>
-                </a:solidFill>
-                <a:effectLst/>
-                <a:latin typeface="Abadi" panose="020B0604020104020204" pitchFamily="34" charset="0"/>
-              </a:rPr>
-              <a:t>linux</a:t>
-            </a:r>
-            <a:r>
-              <a:rPr lang="hu-HU" b="0" i="0" dirty="0">
-                <a:solidFill>
-                  <a:srgbClr val="212529"/>
-                </a:solidFill>
-                <a:effectLst/>
-                <a:latin typeface="Abadi" panose="020B0604020104020204" pitchFamily="34" charset="0"/>
-              </a:rPr>
-              <a:t>-alapú rendszerek, a naplózás és a centralizált log szerverek világában.</a:t>
-            </a:r>
-          </a:p>
-          <a:p>
-            <a:r>
-              <a:rPr lang="hu-HU" dirty="0">
-                <a:solidFill>
-                  <a:srgbClr val="212529"/>
-                </a:solidFill>
-                <a:latin typeface="Abadi" panose="020B0604020104020204" pitchFamily="34" charset="0"/>
-              </a:rPr>
-              <a:t>Láttuk, hogy nagy hálózatok esetében elengedhetetlen a központi naplógyűjtés.</a:t>
-            </a:r>
-            <a:r>
-              <a:rPr lang="hu-HU" b="0" i="0" dirty="0">
-                <a:solidFill>
-                  <a:srgbClr val="212529"/>
-                </a:solidFill>
-                <a:effectLst/>
-                <a:latin typeface="Abadi" panose="020B0604020104020204" pitchFamily="34" charset="0"/>
-              </a:rPr>
-              <a:t> Három elterjedt nyílt technológiával ismerkedtünk meg, és némi tapasztalatot szereztünk a rendszergazdai feladatok körében.</a:t>
-            </a:r>
-            <a:endParaRPr lang="hu-HU" dirty="0">
-              <a:latin typeface="Abadi" panose="020B0604020104020204" pitchFamily="34" charset="0"/>
-            </a:endParaRPr>
-          </a:p>
-        </p:txBody>
-      </p:sp>
-      <p:sp>
-        <p:nvSpPr>
-          <p:cNvPr id="9" name="Szövegdoboz 8">
-            <a:extLst>
-              <a:ext uri="{FF2B5EF4-FFF2-40B4-BE49-F238E27FC236}">
-                <a16:creationId xmlns:a16="http://schemas.microsoft.com/office/drawing/2014/main" id="{7DAD8E63-A683-4C39-BA9D-B7B280A0F386}"/>
-              </a:ext>
-            </a:extLst>
-          </p:cNvPr>
-          <p:cNvSpPr txBox="1"/>
-          <p:nvPr/>
-        </p:nvSpPr>
-        <p:spPr>
-          <a:xfrm>
-            <a:off x="429208" y="3064630"/>
-            <a:ext cx="9834744" cy="1754326"/>
-          </a:xfrm>
-          <a:prstGeom prst="rect">
-            <a:avLst/>
-          </a:prstGeom>
-          <a:noFill/>
-        </p:spPr>
-        <p:txBody>
-          <a:bodyPr wrap="none" rtlCol="0">
-            <a:spAutoFit/>
-          </a:bodyPr>
-          <a:lstStyle/>
-          <a:p>
-            <a:pPr algn="just"/>
-            <a:r>
-              <a:rPr lang="hu-HU" b="0" i="0" dirty="0">
-                <a:solidFill>
-                  <a:srgbClr val="212529"/>
-                </a:solidFill>
-                <a:effectLst/>
-                <a:latin typeface="Abadi" panose="020B0604020104020204" pitchFamily="34" charset="0"/>
-              </a:rPr>
-              <a:t>A félév végén tartott konzultáción a </a:t>
-            </a:r>
-            <a:r>
-              <a:rPr lang="hu-HU" b="0" i="0" dirty="0" err="1">
-                <a:solidFill>
-                  <a:srgbClr val="212529"/>
-                </a:solidFill>
-                <a:effectLst/>
-                <a:latin typeface="Abadi" panose="020B0604020104020204" pitchFamily="34" charset="0"/>
-              </a:rPr>
-              <a:t>cyan</a:t>
-            </a:r>
-            <a:r>
-              <a:rPr lang="hu-HU" b="0" i="0" dirty="0">
-                <a:solidFill>
-                  <a:srgbClr val="212529"/>
-                </a:solidFill>
-                <a:effectLst/>
-                <a:latin typeface="Abadi" panose="020B0604020104020204" pitchFamily="34" charset="0"/>
-              </a:rPr>
-              <a:t> </a:t>
-            </a:r>
-            <a:r>
-              <a:rPr lang="hu-HU" b="0" i="0" dirty="0" err="1">
-                <a:solidFill>
-                  <a:srgbClr val="212529"/>
-                </a:solidFill>
-                <a:effectLst/>
-                <a:latin typeface="Abadi" panose="020B0604020104020204" pitchFamily="34" charset="0"/>
-              </a:rPr>
-              <a:t>Security</a:t>
-            </a:r>
-            <a:r>
-              <a:rPr lang="hu-HU" b="0" i="0" dirty="0">
-                <a:solidFill>
-                  <a:srgbClr val="212529"/>
-                </a:solidFill>
-                <a:effectLst/>
-                <a:latin typeface="Abadi" panose="020B0604020104020204" pitchFamily="34" charset="0"/>
-              </a:rPr>
-              <a:t> két lehetséges </a:t>
-            </a:r>
-            <a:r>
-              <a:rPr lang="hu-HU" b="0" i="0" dirty="0" err="1">
-                <a:solidFill>
-                  <a:srgbClr val="212529"/>
-                </a:solidFill>
-                <a:effectLst/>
-                <a:latin typeface="Abadi" panose="020B0604020104020204" pitchFamily="34" charset="0"/>
-              </a:rPr>
-              <a:t>továbbhaladási</a:t>
-            </a:r>
-            <a:r>
-              <a:rPr lang="hu-HU" b="0" i="0" dirty="0">
-                <a:solidFill>
-                  <a:srgbClr val="212529"/>
-                </a:solidFill>
-                <a:effectLst/>
-                <a:latin typeface="Abadi" panose="020B0604020104020204" pitchFamily="34" charset="0"/>
-              </a:rPr>
-              <a:t> irányt jelölt meg:</a:t>
-            </a:r>
-          </a:p>
-          <a:p>
-            <a:pPr algn="just"/>
-            <a:endParaRPr lang="hu-HU" b="1" dirty="0">
-              <a:solidFill>
-                <a:srgbClr val="212529"/>
-              </a:solidFill>
-              <a:latin typeface="Abadi" panose="020B0604020104020204" pitchFamily="34" charset="0"/>
-            </a:endParaRPr>
-          </a:p>
-          <a:p>
-            <a:pPr marL="342900" indent="-342900" algn="just">
-              <a:buFont typeface="+mj-lt"/>
-              <a:buAutoNum type="arabicPeriod"/>
-            </a:pPr>
-            <a:r>
-              <a:rPr lang="hu-HU" b="1" i="0" dirty="0">
-                <a:solidFill>
-                  <a:srgbClr val="212529"/>
-                </a:solidFill>
-                <a:effectLst/>
-                <a:latin typeface="Abadi" panose="020B0604020104020204" pitchFamily="34" charset="0"/>
-              </a:rPr>
-              <a:t>Big Data feldolgozás</a:t>
-            </a:r>
-          </a:p>
-          <a:p>
-            <a:pPr marL="342900" indent="-342900" algn="just">
-              <a:buFont typeface="+mj-lt"/>
-              <a:buAutoNum type="arabicPeriod"/>
-            </a:pPr>
-            <a:r>
-              <a:rPr lang="hu-HU" b="1" dirty="0">
-                <a:solidFill>
-                  <a:srgbClr val="212529"/>
-                </a:solidFill>
-                <a:latin typeface="Abadi" panose="020B0604020104020204" pitchFamily="34" charset="0"/>
-              </a:rPr>
-              <a:t>Infrastruktúra optimalizáció, klaszterek</a:t>
-            </a:r>
-            <a:endParaRPr lang="hu-HU" b="1" i="0" dirty="0">
-              <a:solidFill>
-                <a:srgbClr val="212529"/>
-              </a:solidFill>
-              <a:effectLst/>
-              <a:latin typeface="Abadi" panose="020B0604020104020204" pitchFamily="34" charset="0"/>
-            </a:endParaRPr>
-          </a:p>
-          <a:p>
-            <a:br>
-              <a:rPr lang="hu-HU" b="0" i="0" dirty="0">
-                <a:solidFill>
-                  <a:srgbClr val="212529"/>
-                </a:solidFill>
-                <a:effectLst/>
-                <a:latin typeface="system-ui"/>
-              </a:rPr>
-            </a:br>
-            <a:endParaRPr lang="hu-HU" dirty="0"/>
-          </a:p>
-        </p:txBody>
-      </p:sp>
     </p:spTree>
     <p:extLst>
       <p:ext uri="{BB962C8B-B14F-4D97-AF65-F5344CB8AC3E}">
-        <p14:creationId xmlns:p14="http://schemas.microsoft.com/office/powerpoint/2010/main" val="4101292433"/>
+        <p14:creationId xmlns:p14="http://schemas.microsoft.com/office/powerpoint/2010/main" val="3633053834"/>
       </p:ext>
     </p:extLst>
   </p:cSld>
@@ -11198,52 +11684,48 @@
           <a:chExt cx="0" cy="0"/>
         </a:xfrm>
       </p:grpSpPr>
+      <p:pic>
+        <p:nvPicPr>
+          <p:cNvPr id="6" name="Kép 5">
+            <a:extLst>
+              <a:ext uri="{FF2B5EF4-FFF2-40B4-BE49-F238E27FC236}">
+                <a16:creationId xmlns:a16="http://schemas.microsoft.com/office/drawing/2014/main" xmlns="" id="{9758AE22-701F-4CA9-9734-8EBB6B7DF74F}"/>
+              </a:ext>
+            </a:extLst>
+          </p:cNvPr>
+          <p:cNvPicPr>
+            <a:picLocks noChangeAspect="1"/>
+          </p:cNvPicPr>
+          <p:nvPr/>
+        </p:nvPicPr>
+        <p:blipFill>
+          <a:blip r:embed="rId2" cstate="print">
+            <a:extLst>
+              <a:ext uri="{28A0092B-C50C-407E-A947-70E740481C1C}">
+                <a14:useLocalDpi xmlns:a14="http://schemas.microsoft.com/office/drawing/2010/main" val="0"/>
+              </a:ext>
+            </a:extLst>
+          </a:blip>
+          <a:stretch>
+            <a:fillRect/>
+          </a:stretch>
+        </p:blipFill>
+        <p:spPr>
+          <a:xfrm>
+            <a:off x="11578732" y="2553"/>
+            <a:ext cx="613267" cy="613267"/>
+          </a:xfrm>
+          <a:prstGeom prst="rect">
+            <a:avLst/>
+          </a:prstGeom>
+        </p:spPr>
+      </p:pic>
       <p:sp>
         <p:nvSpPr>
-          <p:cNvPr id="4" name="Szövegdoboz 3">
-            <a:extLst>
-              <a:ext uri="{FF2B5EF4-FFF2-40B4-BE49-F238E27FC236}">
-                <a16:creationId xmlns:a16="http://schemas.microsoft.com/office/drawing/2014/main" id="{742FFBEE-7163-4E7E-848A-D4A4511A9A0D}"/>
-              </a:ext>
-            </a:extLst>
-          </p:cNvPr>
-          <p:cNvSpPr txBox="1"/>
-          <p:nvPr/>
-        </p:nvSpPr>
-        <p:spPr>
-          <a:xfrm>
-            <a:off x="274320" y="-92066"/>
-            <a:ext cx="4467890" cy="707886"/>
-          </a:xfrm>
-          <a:prstGeom prst="rect">
-            <a:avLst/>
-          </a:prstGeom>
-          <a:noFill/>
-        </p:spPr>
-        <p:txBody>
-          <a:bodyPr wrap="none" rtlCol="0">
-            <a:spAutoFit/>
-          </a:bodyPr>
-          <a:lstStyle/>
-          <a:p>
-            <a:r>
-              <a:rPr lang="hu-HU" sz="4000" b="1" dirty="0">
-                <a:solidFill>
-                  <a:srgbClr val="A01B17"/>
-                </a:solidFill>
-                <a:latin typeface="Agency FB" panose="020B0503020202020204" pitchFamily="34" charset="0"/>
-              </a:rPr>
-              <a:t>Hasznos linkek, források</a:t>
-            </a:r>
-          </a:p>
-        </p:txBody>
-      </p:sp>
-      <p:sp>
-        <p:nvSpPr>
-          <p:cNvPr id="5" name="Téglalap 4">
-            <a:extLst>
-              <a:ext uri="{FF2B5EF4-FFF2-40B4-BE49-F238E27FC236}">
-                <a16:creationId xmlns:a16="http://schemas.microsoft.com/office/drawing/2014/main" id="{9B82128D-BA48-43D0-9AF7-08CB7D7588E1}"/>
+          <p:cNvPr id="7" name="Téglalap 6">
+            <a:extLst>
+              <a:ext uri="{FF2B5EF4-FFF2-40B4-BE49-F238E27FC236}">
+                <a16:creationId xmlns:a16="http://schemas.microsoft.com/office/drawing/2014/main" xmlns="" id="{5118027E-30B0-4E7D-9B50-2B7206BE6302}"/>
               </a:ext>
             </a:extLst>
           </p:cNvPr>
@@ -11290,12 +11772,52 @@
           </a:p>
         </p:txBody>
       </p:sp>
+      <p:sp>
+        <p:nvSpPr>
+          <p:cNvPr id="8" name="Szövegdoboz 7">
+            <a:extLst>
+              <a:ext uri="{FF2B5EF4-FFF2-40B4-BE49-F238E27FC236}">
+                <a16:creationId xmlns:a16="http://schemas.microsoft.com/office/drawing/2014/main" xmlns="" id="{D00702FA-9B96-47E1-ADE4-9D2FC58C16D7}"/>
+              </a:ext>
+            </a:extLst>
+          </p:cNvPr>
+          <p:cNvSpPr txBox="1"/>
+          <p:nvPr/>
+        </p:nvSpPr>
+        <p:spPr>
+          <a:xfrm>
+            <a:off x="274320" y="0"/>
+            <a:ext cx="2986715" cy="707886"/>
+          </a:xfrm>
+          <a:prstGeom prst="rect">
+            <a:avLst/>
+          </a:prstGeom>
+          <a:noFill/>
+        </p:spPr>
+        <p:txBody>
+          <a:bodyPr wrap="none" rtlCol="0">
+            <a:spAutoFit/>
+          </a:bodyPr>
+          <a:lstStyle/>
+          <a:p>
+            <a:r>
+              <a:rPr lang="hu-HU" sz="4000" b="1" dirty="0">
+                <a:solidFill>
+                  <a:srgbClr val="A01B17"/>
+                </a:solidFill>
+                <a:latin typeface="Agency FB" panose="020B0503020202020204" pitchFamily="34" charset="0"/>
+              </a:rPr>
+              <a:t>Összehasonlítás</a:t>
+            </a:r>
+          </a:p>
+        </p:txBody>
+      </p:sp>
       <p:pic>
         <p:nvPicPr>
-          <p:cNvPr id="6" name="Ábra 5">
-            <a:extLst>
-              <a:ext uri="{FF2B5EF4-FFF2-40B4-BE49-F238E27FC236}">
-                <a16:creationId xmlns:a16="http://schemas.microsoft.com/office/drawing/2014/main" id="{9539EE2E-6FBF-4FC5-99FA-54E5D445FEC8}"/>
+          <p:cNvPr id="10" name="Kép 9">
+            <a:extLst>
+              <a:ext uri="{FF2B5EF4-FFF2-40B4-BE49-F238E27FC236}">
+                <a16:creationId xmlns:a16="http://schemas.microsoft.com/office/drawing/2014/main" xmlns="" id="{505850A7-0C64-4061-9440-71C80CFD93EA}"/>
               </a:ext>
             </a:extLst>
           </p:cNvPr>
@@ -11305,13 +11827,43 @@
           <p:nvPr/>
         </p:nvPicPr>
         <p:blipFill>
-          <a:blip r:embed="rId2">
+          <a:blip r:embed="rId3"/>
+          <a:stretch>
+            <a:fillRect/>
+          </a:stretch>
+        </p:blipFill>
+        <p:spPr>
+          <a:xfrm>
+            <a:off x="551969" y="662700"/>
+            <a:ext cx="11088061" cy="5532599"/>
+          </a:xfrm>
+          <a:prstGeom prst="rect">
+            <a:avLst/>
+          </a:prstGeom>
+        </p:spPr>
+      </p:pic>
+      <p:pic>
+        <p:nvPicPr>
+          <p:cNvPr id="5" name="Ábra 4">
+            <a:extLst>
+              <a:ext uri="{FF2B5EF4-FFF2-40B4-BE49-F238E27FC236}">
+                <a16:creationId xmlns:a16="http://schemas.microsoft.com/office/drawing/2014/main" xmlns="" id="{331FE0CB-3A91-4CD5-A96E-49B397C0B45C}"/>
+              </a:ext>
+            </a:extLst>
+          </p:cNvPr>
+          <p:cNvPicPr>
+            <a:picLocks noChangeAspect="1"/>
+          </p:cNvPicPr>
+          <p:nvPr/>
+        </p:nvPicPr>
+        <p:blipFill>
+          <a:blip r:embed="rId4" cstate="print">
             <a:extLst>
               <a:ext uri="{28A0092B-C50C-407E-A947-70E740481C1C}">
                 <a14:useLocalDpi xmlns:a14="http://schemas.microsoft.com/office/drawing/2010/main" val="0"/>
               </a:ext>
               <a:ext uri="{96DAC541-7B7A-43D3-8B79-37D633B846F1}">
-                <asvg:svgBlip xmlns:asvg="http://schemas.microsoft.com/office/drawing/2016/SVG/main" r:embed="rId3"/>
+                <asvg:svgBlip xmlns:asvg="http://schemas.microsoft.com/office/drawing/2016/SVG/main" xmlns="" r:embed="rId5"/>
               </a:ext>
             </a:extLst>
           </a:blip>
@@ -11329,162 +11881,10 @@
           </a:prstGeom>
         </p:spPr>
       </p:pic>
-      <p:pic>
-        <p:nvPicPr>
-          <p:cNvPr id="7" name="Kép 6">
-            <a:extLst>
-              <a:ext uri="{FF2B5EF4-FFF2-40B4-BE49-F238E27FC236}">
-                <a16:creationId xmlns:a16="http://schemas.microsoft.com/office/drawing/2014/main" id="{63F02832-5F07-4F27-9FD5-9B08121767DF}"/>
-              </a:ext>
-            </a:extLst>
-          </p:cNvPr>
-          <p:cNvPicPr>
-            <a:picLocks noChangeAspect="1"/>
-          </p:cNvPicPr>
-          <p:nvPr/>
-        </p:nvPicPr>
-        <p:blipFill>
-          <a:blip r:embed="rId4">
-            <a:extLst>
-              <a:ext uri="{28A0092B-C50C-407E-A947-70E740481C1C}">
-                <a14:useLocalDpi xmlns:a14="http://schemas.microsoft.com/office/drawing/2010/main" val="0"/>
-              </a:ext>
-            </a:extLst>
-          </a:blip>
-          <a:stretch>
-            <a:fillRect/>
-          </a:stretch>
-        </p:blipFill>
-        <p:spPr>
-          <a:xfrm>
-            <a:off x="11578732" y="2553"/>
-            <a:ext cx="613267" cy="613267"/>
-          </a:xfrm>
-          <a:prstGeom prst="rect">
-            <a:avLst/>
-          </a:prstGeom>
-        </p:spPr>
-      </p:pic>
-      <p:sp>
-        <p:nvSpPr>
-          <p:cNvPr id="8" name="Szövegdoboz 7">
-            <a:extLst>
-              <a:ext uri="{FF2B5EF4-FFF2-40B4-BE49-F238E27FC236}">
-                <a16:creationId xmlns:a16="http://schemas.microsoft.com/office/drawing/2014/main" id="{0AD34D30-865D-41AB-8E35-EA14CFE48A81}"/>
-              </a:ext>
-            </a:extLst>
-          </p:cNvPr>
-          <p:cNvSpPr txBox="1"/>
-          <p:nvPr/>
-        </p:nvSpPr>
-        <p:spPr>
-          <a:xfrm>
-            <a:off x="470643" y="1277054"/>
-            <a:ext cx="9477274" cy="2308324"/>
-          </a:xfrm>
-          <a:prstGeom prst="rect">
-            <a:avLst/>
-          </a:prstGeom>
-          <a:noFill/>
-        </p:spPr>
-        <p:txBody>
-          <a:bodyPr wrap="none" rtlCol="0">
-            <a:spAutoFit/>
-          </a:bodyPr>
-          <a:lstStyle/>
-          <a:p>
-            <a:r>
-              <a:rPr lang="hu-HU" dirty="0">
-                <a:latin typeface="Abadi" panose="020B0604020104020204" pitchFamily="34" charset="0"/>
-                <a:hlinkClick r:id="rId5"/>
-              </a:rPr>
-              <a:t>https://www.elastic.co/</a:t>
-            </a:r>
-            <a:endParaRPr lang="hu-HU" dirty="0">
-              <a:latin typeface="Abadi" panose="020B0604020104020204" pitchFamily="34" charset="0"/>
-            </a:endParaRPr>
-          </a:p>
-          <a:p>
-            <a:r>
-              <a:rPr lang="hu-HU" dirty="0">
-                <a:latin typeface="Abadi" panose="020B0604020104020204" pitchFamily="34" charset="0"/>
-                <a:hlinkClick r:id="rId6"/>
-              </a:rPr>
-              <a:t>https://www.fluentd.org/</a:t>
-            </a:r>
-            <a:endParaRPr lang="hu-HU" dirty="0">
-              <a:latin typeface="Abadi" panose="020B0604020104020204" pitchFamily="34" charset="0"/>
-            </a:endParaRPr>
-          </a:p>
-          <a:p>
-            <a:r>
-              <a:rPr lang="hu-HU" dirty="0">
-                <a:latin typeface="Abadi" panose="020B0604020104020204" pitchFamily="34" charset="0"/>
-                <a:hlinkClick r:id="rId7"/>
-              </a:rPr>
-              <a:t>https://www.graylog.org/</a:t>
-            </a:r>
-            <a:endParaRPr lang="hu-HU" dirty="0">
-              <a:latin typeface="Abadi" panose="020B0604020104020204" pitchFamily="34" charset="0"/>
-            </a:endParaRPr>
-          </a:p>
-          <a:p>
-            <a:r>
-              <a:rPr lang="hu-HU" dirty="0">
-                <a:latin typeface="Abadi" panose="020B0604020104020204" pitchFamily="34" charset="0"/>
-                <a:hlinkClick r:id="rId8"/>
-              </a:rPr>
-              <a:t>https://github.com/hpcugent/logstash-patterns/blob/master/files/grok-patterns</a:t>
-            </a:r>
-            <a:endParaRPr lang="hu-HU" dirty="0">
-              <a:latin typeface="Abadi" panose="020B0604020104020204" pitchFamily="34" charset="0"/>
-            </a:endParaRPr>
-          </a:p>
-          <a:p>
-            <a:r>
-              <a:rPr lang="hu-HU" dirty="0">
-                <a:latin typeface="Abadi" panose="020B0604020104020204" pitchFamily="34" charset="0"/>
-                <a:hlinkClick r:id="rId9"/>
-              </a:rPr>
-              <a:t>https://www.elastic.co/guide/en/elastic-stack-get-started/current/get-started-elastic-stack.html</a:t>
-            </a:r>
-            <a:endParaRPr lang="hu-HU" dirty="0">
-              <a:latin typeface="Abadi" panose="020B0604020104020204" pitchFamily="34" charset="0"/>
-            </a:endParaRPr>
-          </a:p>
-          <a:p>
-            <a:r>
-              <a:rPr lang="hu-HU" dirty="0">
-                <a:latin typeface="Abadi" panose="020B0604020104020204" pitchFamily="34" charset="0"/>
-                <a:hlinkClick r:id="rId10"/>
-              </a:rPr>
-              <a:t>https://www.linkedin.com/company/cyansecurity/?originalSubdomain=hu</a:t>
-            </a:r>
-            <a:endParaRPr lang="hu-HU" dirty="0">
-              <a:latin typeface="Abadi" panose="020B0604020104020204" pitchFamily="34" charset="0"/>
-            </a:endParaRPr>
-          </a:p>
-          <a:p>
-            <a:r>
-              <a:rPr lang="hu-HU" dirty="0">
-                <a:latin typeface="Abadi" panose="020B0604020104020204" pitchFamily="34" charset="0"/>
-                <a:hlinkClick r:id="rId11"/>
-              </a:rPr>
-              <a:t>https://github.com/Uni-Sopron/temalabor-o21-I-NEW-Centralized-log-server</a:t>
-            </a:r>
-            <a:endParaRPr lang="hu-HU" dirty="0">
-              <a:latin typeface="Abadi" panose="020B0604020104020204" pitchFamily="34" charset="0"/>
-            </a:endParaRPr>
-          </a:p>
-          <a:p>
-            <a:endParaRPr lang="hu-HU" dirty="0"/>
-          </a:p>
-        </p:txBody>
-      </p:sp>
     </p:spTree>
     <p:extLst>
       <p:ext uri="{BB962C8B-B14F-4D97-AF65-F5344CB8AC3E}">
-        <p14:creationId xmlns:p14="http://schemas.microsoft.com/office/powerpoint/2010/main" val="1923600549"/>
+        <p14:creationId xmlns:p14="http://schemas.microsoft.com/office/powerpoint/2010/main" val="3052979044"/>
       </p:ext>
     </p:extLst>
   </p:cSld>
@@ -11513,10 +11913,125 @@
       </p:grpSpPr>
       <p:sp>
         <p:nvSpPr>
-          <p:cNvPr id="4" name="Téglalap 3">
-            <a:extLst>
-              <a:ext uri="{FF2B5EF4-FFF2-40B4-BE49-F238E27FC236}">
-                <a16:creationId xmlns:a16="http://schemas.microsoft.com/office/drawing/2014/main" id="{CCC4A82F-58A9-463D-9CC7-9A14B3D51291}"/>
+          <p:cNvPr id="4" name="Szövegdoboz 3">
+            <a:extLst>
+              <a:ext uri="{FF2B5EF4-FFF2-40B4-BE49-F238E27FC236}">
+                <a16:creationId xmlns:a16="http://schemas.microsoft.com/office/drawing/2014/main" xmlns="" id="{179BD461-825D-495E-9DA9-707A6C4326F1}"/>
+              </a:ext>
+            </a:extLst>
+          </p:cNvPr>
+          <p:cNvSpPr txBox="1"/>
+          <p:nvPr/>
+        </p:nvSpPr>
+        <p:spPr>
+          <a:xfrm>
+            <a:off x="274320" y="0"/>
+            <a:ext cx="2988319" cy="707886"/>
+          </a:xfrm>
+          <a:prstGeom prst="rect">
+            <a:avLst/>
+          </a:prstGeom>
+          <a:noFill/>
+        </p:spPr>
+        <p:txBody>
+          <a:bodyPr wrap="none" rtlCol="0">
+            <a:spAutoFit/>
+          </a:bodyPr>
+          <a:lstStyle/>
+          <a:p>
+            <a:r>
+              <a:rPr lang="hu-HU" sz="4000" b="1" dirty="0">
+                <a:solidFill>
+                  <a:srgbClr val="A01B17"/>
+                </a:solidFill>
+                <a:latin typeface="Agency FB" panose="020B0503020202020204" pitchFamily="34" charset="0"/>
+              </a:rPr>
+              <a:t>Összegzés, jövő</a:t>
+            </a:r>
+          </a:p>
+        </p:txBody>
+      </p:sp>
+      <p:pic>
+        <p:nvPicPr>
+          <p:cNvPr id="5" name="Ábra 4">
+            <a:extLst>
+              <a:ext uri="{FF2B5EF4-FFF2-40B4-BE49-F238E27FC236}">
+                <a16:creationId xmlns:a16="http://schemas.microsoft.com/office/drawing/2014/main" xmlns="" id="{F7FD9755-E3CE-4F32-B7E2-FA2A1B51065B}"/>
+              </a:ext>
+            </a:extLst>
+          </p:cNvPr>
+          <p:cNvPicPr>
+            <a:picLocks noChangeAspect="1"/>
+          </p:cNvPicPr>
+          <p:nvPr/>
+        </p:nvPicPr>
+        <p:blipFill>
+          <a:blip r:embed="rId2" cstate="print">
+            <a:extLst>
+              <a:ext uri="{28A0092B-C50C-407E-A947-70E740481C1C}">
+                <a14:useLocalDpi xmlns:a14="http://schemas.microsoft.com/office/drawing/2010/main" val="0"/>
+              </a:ext>
+              <a:ext uri="{96DAC541-7B7A-43D3-8B79-37D633B846F1}">
+                <asvg:svgBlip xmlns:asvg="http://schemas.microsoft.com/office/drawing/2016/SVG/main" xmlns="" r:embed="rId3"/>
+              </a:ext>
+            </a:extLst>
+          </a:blip>
+          <a:stretch>
+            <a:fillRect/>
+          </a:stretch>
+        </p:blipFill>
+        <p:spPr>
+          <a:xfrm>
+            <a:off x="10649436" y="5366437"/>
+            <a:ext cx="1406504" cy="1358419"/>
+          </a:xfrm>
+          <a:prstGeom prst="rect">
+            <a:avLst/>
+          </a:prstGeom>
+        </p:spPr>
+      </p:pic>
+      <p:pic>
+        <p:nvPicPr>
+          <p:cNvPr id="6" name="Kép 5">
+            <a:extLst>
+              <a:ext uri="{FF2B5EF4-FFF2-40B4-BE49-F238E27FC236}">
+                <a16:creationId xmlns:a16="http://schemas.microsoft.com/office/drawing/2014/main" xmlns="" id="{99603EF8-98B9-420A-AF82-C0ED661B0779}"/>
+              </a:ext>
+            </a:extLst>
+          </p:cNvPr>
+          <p:cNvPicPr>
+            <a:picLocks noChangeAspect="1"/>
+          </p:cNvPicPr>
+          <p:nvPr/>
+        </p:nvPicPr>
+        <p:blipFill>
+          <a:blip r:embed="rId4" cstate="print">
+            <a:extLst>
+              <a:ext uri="{28A0092B-C50C-407E-A947-70E740481C1C}">
+                <a14:useLocalDpi xmlns:a14="http://schemas.microsoft.com/office/drawing/2010/main" val="0"/>
+              </a:ext>
+            </a:extLst>
+          </a:blip>
+          <a:stretch>
+            <a:fillRect/>
+          </a:stretch>
+        </p:blipFill>
+        <p:spPr>
+          <a:xfrm>
+            <a:off x="11578732" y="2553"/>
+            <a:ext cx="613267" cy="613267"/>
+          </a:xfrm>
+          <a:prstGeom prst="rect">
+            <a:avLst/>
+          </a:prstGeom>
+        </p:spPr>
+      </p:pic>
+      <p:sp>
+        <p:nvSpPr>
+          <p:cNvPr id="7" name="Téglalap 6">
+            <a:extLst>
+              <a:ext uri="{FF2B5EF4-FFF2-40B4-BE49-F238E27FC236}">
+                <a16:creationId xmlns:a16="http://schemas.microsoft.com/office/drawing/2014/main" xmlns="" id="{26E11219-288B-46B5-8566-3FC185FA9278}"/>
               </a:ext>
             </a:extLst>
           </p:cNvPr>
@@ -11563,12 +12078,410 @@
           </a:p>
         </p:txBody>
       </p:sp>
+      <p:sp>
+        <p:nvSpPr>
+          <p:cNvPr id="8" name="Szövegdoboz 7">
+            <a:extLst>
+              <a:ext uri="{FF2B5EF4-FFF2-40B4-BE49-F238E27FC236}">
+                <a16:creationId xmlns:a16="http://schemas.microsoft.com/office/drawing/2014/main" xmlns="" id="{76D75C5D-5568-4AA7-8CF9-3CD73E095F9F}"/>
+              </a:ext>
+            </a:extLst>
+          </p:cNvPr>
+          <p:cNvSpPr txBox="1"/>
+          <p:nvPr/>
+        </p:nvSpPr>
+        <p:spPr>
+          <a:xfrm>
+            <a:off x="429208" y="1036567"/>
+            <a:ext cx="10787743" cy="1754326"/>
+          </a:xfrm>
+          <a:prstGeom prst="rect">
+            <a:avLst/>
+          </a:prstGeom>
+          <a:noFill/>
+        </p:spPr>
+        <p:txBody>
+          <a:bodyPr wrap="square" rtlCol="0">
+            <a:spAutoFit/>
+          </a:bodyPr>
+          <a:lstStyle/>
+          <a:p>
+            <a:r>
+              <a:rPr lang="hu-HU" dirty="0">
+                <a:latin typeface="Abadi" panose="020B0604020104020204" pitchFamily="34" charset="0"/>
+              </a:rPr>
+              <a:t>A Linux-</a:t>
+            </a:r>
+            <a:r>
+              <a:rPr lang="hu-HU" dirty="0" err="1">
+                <a:latin typeface="Abadi" panose="020B0604020104020204" pitchFamily="34" charset="0"/>
+              </a:rPr>
+              <a:t>szal</a:t>
+            </a:r>
+            <a:r>
+              <a:rPr lang="hu-HU" dirty="0">
+                <a:latin typeface="Abadi" panose="020B0604020104020204" pitchFamily="34" charset="0"/>
+              </a:rPr>
+              <a:t> való ismerkedés tette ki a munka egyik nagy részét, ezért több kérdés is nyitva maradt a jövőre nézve.</a:t>
+            </a:r>
+          </a:p>
+          <a:p>
+            <a:r>
+              <a:rPr lang="hu-HU" b="0" i="0" dirty="0">
+                <a:solidFill>
+                  <a:srgbClr val="212529"/>
+                </a:solidFill>
+                <a:effectLst/>
+                <a:latin typeface="Abadi" panose="020B0604020104020204" pitchFamily="34" charset="0"/>
+              </a:rPr>
+              <a:t>A téma célja egyfajta elmélyülés volt a </a:t>
+            </a:r>
+            <a:r>
+              <a:rPr lang="hu-HU" b="0" i="0" dirty="0" err="1">
+                <a:solidFill>
+                  <a:srgbClr val="212529"/>
+                </a:solidFill>
+                <a:effectLst/>
+                <a:latin typeface="Abadi" panose="020B0604020104020204" pitchFamily="34" charset="0"/>
+              </a:rPr>
+              <a:t>linux</a:t>
+            </a:r>
+            <a:r>
+              <a:rPr lang="hu-HU" b="0" i="0" dirty="0">
+                <a:solidFill>
+                  <a:srgbClr val="212529"/>
+                </a:solidFill>
+                <a:effectLst/>
+                <a:latin typeface="Abadi" panose="020B0604020104020204" pitchFamily="34" charset="0"/>
+              </a:rPr>
+              <a:t>-alapú rendszerek, a naplózás és a centralizált log szerverek világában.</a:t>
+            </a:r>
+          </a:p>
+          <a:p>
+            <a:r>
+              <a:rPr lang="hu-HU" dirty="0">
+                <a:solidFill>
+                  <a:srgbClr val="212529"/>
+                </a:solidFill>
+                <a:latin typeface="Abadi" panose="020B0604020104020204" pitchFamily="34" charset="0"/>
+              </a:rPr>
+              <a:t>Láttuk, hogy nagy hálózatok esetében elengedhetetlen a központi naplógyűjtés.</a:t>
+            </a:r>
+            <a:r>
+              <a:rPr lang="hu-HU" b="0" i="0" dirty="0">
+                <a:solidFill>
+                  <a:srgbClr val="212529"/>
+                </a:solidFill>
+                <a:effectLst/>
+                <a:latin typeface="Abadi" panose="020B0604020104020204" pitchFamily="34" charset="0"/>
+              </a:rPr>
+              <a:t> Három elterjedt nyílt technológiával ismerkedtünk meg, és némi tapasztalatot szereztünk a rendszergazdai feladatok körében.</a:t>
+            </a:r>
+            <a:endParaRPr lang="hu-HU" dirty="0">
+              <a:latin typeface="Abadi" panose="020B0604020104020204" pitchFamily="34" charset="0"/>
+            </a:endParaRPr>
+          </a:p>
+        </p:txBody>
+      </p:sp>
+      <p:sp>
+        <p:nvSpPr>
+          <p:cNvPr id="9" name="Szövegdoboz 8">
+            <a:extLst>
+              <a:ext uri="{FF2B5EF4-FFF2-40B4-BE49-F238E27FC236}">
+                <a16:creationId xmlns:a16="http://schemas.microsoft.com/office/drawing/2014/main" xmlns="" id="{7DAD8E63-A683-4C39-BA9D-B7B280A0F386}"/>
+              </a:ext>
+            </a:extLst>
+          </p:cNvPr>
+          <p:cNvSpPr txBox="1"/>
+          <p:nvPr/>
+        </p:nvSpPr>
+        <p:spPr>
+          <a:xfrm>
+            <a:off x="429208" y="3064630"/>
+            <a:ext cx="9834744" cy="1754326"/>
+          </a:xfrm>
+          <a:prstGeom prst="rect">
+            <a:avLst/>
+          </a:prstGeom>
+          <a:noFill/>
+        </p:spPr>
+        <p:txBody>
+          <a:bodyPr wrap="none" rtlCol="0">
+            <a:spAutoFit/>
+          </a:bodyPr>
+          <a:lstStyle/>
+          <a:p>
+            <a:pPr algn="just"/>
+            <a:r>
+              <a:rPr lang="hu-HU" b="0" i="0" dirty="0">
+                <a:solidFill>
+                  <a:srgbClr val="212529"/>
+                </a:solidFill>
+                <a:effectLst/>
+                <a:latin typeface="Abadi" panose="020B0604020104020204" pitchFamily="34" charset="0"/>
+              </a:rPr>
+              <a:t>A félév végén tartott konzultáción a </a:t>
+            </a:r>
+            <a:r>
+              <a:rPr lang="hu-HU" b="0" i="0" dirty="0" err="1">
+                <a:solidFill>
+                  <a:srgbClr val="212529"/>
+                </a:solidFill>
+                <a:effectLst/>
+                <a:latin typeface="Abadi" panose="020B0604020104020204" pitchFamily="34" charset="0"/>
+              </a:rPr>
+              <a:t>cyan</a:t>
+            </a:r>
+            <a:r>
+              <a:rPr lang="hu-HU" b="0" i="0" dirty="0">
+                <a:solidFill>
+                  <a:srgbClr val="212529"/>
+                </a:solidFill>
+                <a:effectLst/>
+                <a:latin typeface="Abadi" panose="020B0604020104020204" pitchFamily="34" charset="0"/>
+              </a:rPr>
+              <a:t> </a:t>
+            </a:r>
+            <a:r>
+              <a:rPr lang="hu-HU" b="0" i="0" dirty="0" err="1">
+                <a:solidFill>
+                  <a:srgbClr val="212529"/>
+                </a:solidFill>
+                <a:effectLst/>
+                <a:latin typeface="Abadi" panose="020B0604020104020204" pitchFamily="34" charset="0"/>
+              </a:rPr>
+              <a:t>Security</a:t>
+            </a:r>
+            <a:r>
+              <a:rPr lang="hu-HU" b="0" i="0" dirty="0">
+                <a:solidFill>
+                  <a:srgbClr val="212529"/>
+                </a:solidFill>
+                <a:effectLst/>
+                <a:latin typeface="Abadi" panose="020B0604020104020204" pitchFamily="34" charset="0"/>
+              </a:rPr>
+              <a:t> két lehetséges </a:t>
+            </a:r>
+            <a:r>
+              <a:rPr lang="hu-HU" b="0" i="0" dirty="0" err="1">
+                <a:solidFill>
+                  <a:srgbClr val="212529"/>
+                </a:solidFill>
+                <a:effectLst/>
+                <a:latin typeface="Abadi" panose="020B0604020104020204" pitchFamily="34" charset="0"/>
+              </a:rPr>
+              <a:t>továbbhaladási</a:t>
+            </a:r>
+            <a:r>
+              <a:rPr lang="hu-HU" b="0" i="0" dirty="0">
+                <a:solidFill>
+                  <a:srgbClr val="212529"/>
+                </a:solidFill>
+                <a:effectLst/>
+                <a:latin typeface="Abadi" panose="020B0604020104020204" pitchFamily="34" charset="0"/>
+              </a:rPr>
+              <a:t> irányt jelölt meg:</a:t>
+            </a:r>
+          </a:p>
+          <a:p>
+            <a:pPr algn="just"/>
+            <a:endParaRPr lang="hu-HU" b="1" dirty="0">
+              <a:solidFill>
+                <a:srgbClr val="212529"/>
+              </a:solidFill>
+              <a:latin typeface="Abadi" panose="020B0604020104020204" pitchFamily="34" charset="0"/>
+            </a:endParaRPr>
+          </a:p>
+          <a:p>
+            <a:pPr marL="342900" indent="-342900" algn="just">
+              <a:buFont typeface="+mj-lt"/>
+              <a:buAutoNum type="arabicPeriod"/>
+            </a:pPr>
+            <a:r>
+              <a:rPr lang="hu-HU" b="1" i="0" dirty="0">
+                <a:solidFill>
+                  <a:srgbClr val="212529"/>
+                </a:solidFill>
+                <a:effectLst/>
+                <a:latin typeface="Abadi" panose="020B0604020104020204" pitchFamily="34" charset="0"/>
+              </a:rPr>
+              <a:t>Big Data feldolgozás</a:t>
+            </a:r>
+          </a:p>
+          <a:p>
+            <a:pPr marL="342900" indent="-342900" algn="just">
+              <a:buFont typeface="+mj-lt"/>
+              <a:buAutoNum type="arabicPeriod"/>
+            </a:pPr>
+            <a:r>
+              <a:rPr lang="hu-HU" b="1" dirty="0">
+                <a:solidFill>
+                  <a:srgbClr val="212529"/>
+                </a:solidFill>
+                <a:latin typeface="Abadi" panose="020B0604020104020204" pitchFamily="34" charset="0"/>
+              </a:rPr>
+              <a:t>Infrastruktúra optimalizáció, klaszterek</a:t>
+            </a:r>
+            <a:endParaRPr lang="hu-HU" b="1" i="0" dirty="0">
+              <a:solidFill>
+                <a:srgbClr val="212529"/>
+              </a:solidFill>
+              <a:effectLst/>
+              <a:latin typeface="Abadi" panose="020B0604020104020204" pitchFamily="34" charset="0"/>
+            </a:endParaRPr>
+          </a:p>
+          <a:p>
+            <a:r>
+              <a:rPr lang="hu-HU" b="0" i="0" dirty="0">
+                <a:solidFill>
+                  <a:srgbClr val="212529"/>
+                </a:solidFill>
+                <a:effectLst/>
+                <a:latin typeface="system-ui"/>
+              </a:rPr>
+              <a:t/>
+            </a:r>
+            <a:br>
+              <a:rPr lang="hu-HU" b="0" i="0" dirty="0">
+                <a:solidFill>
+                  <a:srgbClr val="212529"/>
+                </a:solidFill>
+                <a:effectLst/>
+                <a:latin typeface="system-ui"/>
+              </a:rPr>
+            </a:br>
+            <a:endParaRPr lang="hu-HU" dirty="0"/>
+          </a:p>
+        </p:txBody>
+      </p:sp>
+    </p:spTree>
+    <p:extLst>
+      <p:ext uri="{BB962C8B-B14F-4D97-AF65-F5344CB8AC3E}">
+        <p14:creationId xmlns:p14="http://schemas.microsoft.com/office/powerpoint/2010/main" val="4101292433"/>
+      </p:ext>
+    </p:extLst>
+  </p:cSld>
+  <p:clrMapOvr>
+    <a:masterClrMapping/>
+  </p:clrMapOvr>
+</p:sld>
+</file>
+
+<file path=ppt/slides/slide26.xml><?xml version="1.0" encoding="utf-8"?>
+<p:sld xmlns:a="http://schemas.openxmlformats.org/drawingml/2006/main" xmlns:r="http://schemas.openxmlformats.org/officeDocument/2006/relationships" xmlns:p="http://schemas.openxmlformats.org/presentationml/2006/main">
+  <p:cSld>
+    <p:spTree>
+      <p:nvGrpSpPr>
+        <p:cNvPr id="1" name=""/>
+        <p:cNvGrpSpPr/>
+        <p:nvPr/>
+      </p:nvGrpSpPr>
+      <p:grpSpPr>
+        <a:xfrm>
+          <a:off x="0" y="0"/>
+          <a:ext cx="0" cy="0"/>
+          <a:chOff x="0" y="0"/>
+          <a:chExt cx="0" cy="0"/>
+        </a:xfrm>
+      </p:grpSpPr>
+      <p:sp>
+        <p:nvSpPr>
+          <p:cNvPr id="4" name="Szövegdoboz 3">
+            <a:extLst>
+              <a:ext uri="{FF2B5EF4-FFF2-40B4-BE49-F238E27FC236}">
+                <a16:creationId xmlns:a16="http://schemas.microsoft.com/office/drawing/2014/main" xmlns="" id="{742FFBEE-7163-4E7E-848A-D4A4511A9A0D}"/>
+              </a:ext>
+            </a:extLst>
+          </p:cNvPr>
+          <p:cNvSpPr txBox="1"/>
+          <p:nvPr/>
+        </p:nvSpPr>
+        <p:spPr>
+          <a:xfrm>
+            <a:off x="274320" y="-92066"/>
+            <a:ext cx="4467890" cy="707886"/>
+          </a:xfrm>
+          <a:prstGeom prst="rect">
+            <a:avLst/>
+          </a:prstGeom>
+          <a:noFill/>
+        </p:spPr>
+        <p:txBody>
+          <a:bodyPr wrap="none" rtlCol="0">
+            <a:spAutoFit/>
+          </a:bodyPr>
+          <a:lstStyle/>
+          <a:p>
+            <a:r>
+              <a:rPr lang="hu-HU" sz="4000" b="1" dirty="0">
+                <a:solidFill>
+                  <a:srgbClr val="A01B17"/>
+                </a:solidFill>
+                <a:latin typeface="Agency FB" panose="020B0503020202020204" pitchFamily="34" charset="0"/>
+              </a:rPr>
+              <a:t>Hasznos linkek, források</a:t>
+            </a:r>
+          </a:p>
+        </p:txBody>
+      </p:sp>
+      <p:sp>
+        <p:nvSpPr>
+          <p:cNvPr id="5" name="Téglalap 4">
+            <a:extLst>
+              <a:ext uri="{FF2B5EF4-FFF2-40B4-BE49-F238E27FC236}">
+                <a16:creationId xmlns:a16="http://schemas.microsoft.com/office/drawing/2014/main" xmlns="" id="{9B82128D-BA48-43D0-9AF7-08CB7D7588E1}"/>
+              </a:ext>
+            </a:extLst>
+          </p:cNvPr>
+          <p:cNvSpPr/>
+          <p:nvPr/>
+        </p:nvSpPr>
+        <p:spPr>
+          <a:xfrm>
+            <a:off x="0" y="0"/>
+            <a:ext cx="274320" cy="6858000"/>
+          </a:xfrm>
+          <a:prstGeom prst="rect">
+            <a:avLst/>
+          </a:prstGeom>
+          <a:solidFill>
+            <a:srgbClr val="A01B17"/>
+          </a:solidFill>
+          <a:ln>
+            <a:noFill/>
+          </a:ln>
+        </p:spPr>
+        <p:style>
+          <a:lnRef idx="2">
+            <a:schemeClr val="accent1">
+              <a:shade val="50000"/>
+            </a:schemeClr>
+          </a:lnRef>
+          <a:fillRef idx="1">
+            <a:schemeClr val="accent1"/>
+          </a:fillRef>
+          <a:effectRef idx="0">
+            <a:schemeClr val="accent1"/>
+          </a:effectRef>
+          <a:fontRef idx="minor">
+            <a:schemeClr val="lt1"/>
+          </a:fontRef>
+        </p:style>
+        <p:txBody>
+          <a:bodyPr rtlCol="0" anchor="ctr"/>
+          <a:lstStyle/>
+          <a:p>
+            <a:pPr algn="ctr"/>
+            <a:endParaRPr lang="hu-HU"/>
+          </a:p>
+        </p:txBody>
+      </p:sp>
       <p:pic>
         <p:nvPicPr>
-          <p:cNvPr id="5" name="Ábra 4">
-            <a:extLst>
-              <a:ext uri="{FF2B5EF4-FFF2-40B4-BE49-F238E27FC236}">
-                <a16:creationId xmlns:a16="http://schemas.microsoft.com/office/drawing/2014/main" id="{97536270-8590-4BBC-89D6-4BEA9FD878D4}"/>
+          <p:cNvPr id="6" name="Ábra 5">
+            <a:extLst>
+              <a:ext uri="{FF2B5EF4-FFF2-40B4-BE49-F238E27FC236}">
+                <a16:creationId xmlns:a16="http://schemas.microsoft.com/office/drawing/2014/main" xmlns="" id="{9539EE2E-6FBF-4FC5-99FA-54E5D445FEC8}"/>
               </a:ext>
             </a:extLst>
           </p:cNvPr>
@@ -11578,13 +12491,13 @@
           <p:nvPr/>
         </p:nvPicPr>
         <p:blipFill>
-          <a:blip r:embed="rId2">
+          <a:blip r:embed="rId2" cstate="print">
             <a:extLst>
               <a:ext uri="{28A0092B-C50C-407E-A947-70E740481C1C}">
                 <a14:useLocalDpi xmlns:a14="http://schemas.microsoft.com/office/drawing/2010/main" val="0"/>
               </a:ext>
               <a:ext uri="{96DAC541-7B7A-43D3-8B79-37D633B846F1}">
-                <asvg:svgBlip xmlns:asvg="http://schemas.microsoft.com/office/drawing/2016/SVG/main" r:embed="rId3"/>
+                <asvg:svgBlip xmlns:asvg="http://schemas.microsoft.com/office/drawing/2016/SVG/main" xmlns="" r:embed="rId3"/>
               </a:ext>
             </a:extLst>
           </a:blip>
@@ -11604,10 +12517,10 @@
       </p:pic>
       <p:pic>
         <p:nvPicPr>
-          <p:cNvPr id="6" name="Kép 5">
-            <a:extLst>
-              <a:ext uri="{FF2B5EF4-FFF2-40B4-BE49-F238E27FC236}">
-                <a16:creationId xmlns:a16="http://schemas.microsoft.com/office/drawing/2014/main" id="{C0BB0118-0F80-4285-ABF6-8DD38EF484B9}"/>
+          <p:cNvPr id="7" name="Kép 6">
+            <a:extLst>
+              <a:ext uri="{FF2B5EF4-FFF2-40B4-BE49-F238E27FC236}">
+                <a16:creationId xmlns:a16="http://schemas.microsoft.com/office/drawing/2014/main" xmlns="" id="{63F02832-5F07-4F27-9FD5-9B08121767DF}"/>
               </a:ext>
             </a:extLst>
           </p:cNvPr>
@@ -11617,7 +12530,7 @@
           <p:nvPr/>
         </p:nvPicPr>
         <p:blipFill>
-          <a:blip r:embed="rId4">
+          <a:blip r:embed="rId4" cstate="print">
             <a:extLst>
               <a:ext uri="{28A0092B-C50C-407E-A947-70E740481C1C}">
                 <a14:useLocalDpi xmlns:a14="http://schemas.microsoft.com/office/drawing/2010/main" val="0"/>
@@ -11640,10 +12553,283 @@
       </p:pic>
       <p:sp>
         <p:nvSpPr>
+          <p:cNvPr id="8" name="Szövegdoboz 7">
+            <a:extLst>
+              <a:ext uri="{FF2B5EF4-FFF2-40B4-BE49-F238E27FC236}">
+                <a16:creationId xmlns:a16="http://schemas.microsoft.com/office/drawing/2014/main" xmlns="" id="{0AD34D30-865D-41AB-8E35-EA14CFE48A81}"/>
+              </a:ext>
+            </a:extLst>
+          </p:cNvPr>
+          <p:cNvSpPr txBox="1"/>
+          <p:nvPr/>
+        </p:nvSpPr>
+        <p:spPr>
+          <a:xfrm>
+            <a:off x="470643" y="1277054"/>
+            <a:ext cx="9477274" cy="2308324"/>
+          </a:xfrm>
+          <a:prstGeom prst="rect">
+            <a:avLst/>
+          </a:prstGeom>
+          <a:noFill/>
+        </p:spPr>
+        <p:txBody>
+          <a:bodyPr wrap="none" rtlCol="0">
+            <a:spAutoFit/>
+          </a:bodyPr>
+          <a:lstStyle/>
+          <a:p>
+            <a:r>
+              <a:rPr lang="hu-HU" dirty="0">
+                <a:latin typeface="Abadi" panose="020B0604020104020204" pitchFamily="34" charset="0"/>
+                <a:hlinkClick r:id="rId5"/>
+              </a:rPr>
+              <a:t>https://www.elastic.co/</a:t>
+            </a:r>
+            <a:endParaRPr lang="hu-HU" dirty="0">
+              <a:latin typeface="Abadi" panose="020B0604020104020204" pitchFamily="34" charset="0"/>
+            </a:endParaRPr>
+          </a:p>
+          <a:p>
+            <a:r>
+              <a:rPr lang="hu-HU" dirty="0">
+                <a:latin typeface="Abadi" panose="020B0604020104020204" pitchFamily="34" charset="0"/>
+                <a:hlinkClick r:id="rId6"/>
+              </a:rPr>
+              <a:t>https://www.fluentd.org/</a:t>
+            </a:r>
+            <a:endParaRPr lang="hu-HU" dirty="0">
+              <a:latin typeface="Abadi" panose="020B0604020104020204" pitchFamily="34" charset="0"/>
+            </a:endParaRPr>
+          </a:p>
+          <a:p>
+            <a:r>
+              <a:rPr lang="hu-HU" dirty="0">
+                <a:latin typeface="Abadi" panose="020B0604020104020204" pitchFamily="34" charset="0"/>
+                <a:hlinkClick r:id="rId7"/>
+              </a:rPr>
+              <a:t>https://www.graylog.org/</a:t>
+            </a:r>
+            <a:endParaRPr lang="hu-HU" dirty="0">
+              <a:latin typeface="Abadi" panose="020B0604020104020204" pitchFamily="34" charset="0"/>
+            </a:endParaRPr>
+          </a:p>
+          <a:p>
+            <a:r>
+              <a:rPr lang="hu-HU" dirty="0">
+                <a:latin typeface="Abadi" panose="020B0604020104020204" pitchFamily="34" charset="0"/>
+                <a:hlinkClick r:id="rId8"/>
+              </a:rPr>
+              <a:t>https://github.com/hpcugent/logstash-patterns/blob/master/files/grok-patterns</a:t>
+            </a:r>
+            <a:endParaRPr lang="hu-HU" dirty="0">
+              <a:latin typeface="Abadi" panose="020B0604020104020204" pitchFamily="34" charset="0"/>
+            </a:endParaRPr>
+          </a:p>
+          <a:p>
+            <a:r>
+              <a:rPr lang="hu-HU" dirty="0">
+                <a:latin typeface="Abadi" panose="020B0604020104020204" pitchFamily="34" charset="0"/>
+                <a:hlinkClick r:id="rId9"/>
+              </a:rPr>
+              <a:t>https://www.elastic.co/guide/en/elastic-stack-get-started/current/get-started-elastic-stack.html</a:t>
+            </a:r>
+            <a:endParaRPr lang="hu-HU" dirty="0">
+              <a:latin typeface="Abadi" panose="020B0604020104020204" pitchFamily="34" charset="0"/>
+            </a:endParaRPr>
+          </a:p>
+          <a:p>
+            <a:r>
+              <a:rPr lang="hu-HU" dirty="0">
+                <a:latin typeface="Abadi" panose="020B0604020104020204" pitchFamily="34" charset="0"/>
+                <a:hlinkClick r:id="rId10"/>
+              </a:rPr>
+              <a:t>https://www.linkedin.com/company/cyansecurity/?originalSubdomain=hu</a:t>
+            </a:r>
+            <a:endParaRPr lang="hu-HU" dirty="0">
+              <a:latin typeface="Abadi" panose="020B0604020104020204" pitchFamily="34" charset="0"/>
+            </a:endParaRPr>
+          </a:p>
+          <a:p>
+            <a:r>
+              <a:rPr lang="hu-HU" dirty="0">
+                <a:latin typeface="Abadi" panose="020B0604020104020204" pitchFamily="34" charset="0"/>
+                <a:hlinkClick r:id="rId11"/>
+              </a:rPr>
+              <a:t>https://github.com/Uni-Sopron/temalabor-o21-I-NEW-Centralized-log-server</a:t>
+            </a:r>
+            <a:endParaRPr lang="hu-HU" dirty="0">
+              <a:latin typeface="Abadi" panose="020B0604020104020204" pitchFamily="34" charset="0"/>
+            </a:endParaRPr>
+          </a:p>
+          <a:p>
+            <a:endParaRPr lang="hu-HU" dirty="0"/>
+          </a:p>
+        </p:txBody>
+      </p:sp>
+    </p:spTree>
+    <p:extLst>
+      <p:ext uri="{BB962C8B-B14F-4D97-AF65-F5344CB8AC3E}">
+        <p14:creationId xmlns:p14="http://schemas.microsoft.com/office/powerpoint/2010/main" val="1923600549"/>
+      </p:ext>
+    </p:extLst>
+  </p:cSld>
+  <p:clrMapOvr>
+    <a:masterClrMapping/>
+  </p:clrMapOvr>
+</p:sld>
+</file>
+
+<file path=ppt/slides/slide27.xml><?xml version="1.0" encoding="utf-8"?>
+<p:sld xmlns:a="http://schemas.openxmlformats.org/drawingml/2006/main" xmlns:r="http://schemas.openxmlformats.org/officeDocument/2006/relationships" xmlns:p="http://schemas.openxmlformats.org/presentationml/2006/main">
+  <p:cSld>
+    <p:spTree>
+      <p:nvGrpSpPr>
+        <p:cNvPr id="1" name=""/>
+        <p:cNvGrpSpPr/>
+        <p:nvPr/>
+      </p:nvGrpSpPr>
+      <p:grpSpPr>
+        <a:xfrm>
+          <a:off x="0" y="0"/>
+          <a:ext cx="0" cy="0"/>
+          <a:chOff x="0" y="0"/>
+          <a:chExt cx="0" cy="0"/>
+        </a:xfrm>
+      </p:grpSpPr>
+      <p:sp>
+        <p:nvSpPr>
+          <p:cNvPr id="4" name="Téglalap 3">
+            <a:extLst>
+              <a:ext uri="{FF2B5EF4-FFF2-40B4-BE49-F238E27FC236}">
+                <a16:creationId xmlns:a16="http://schemas.microsoft.com/office/drawing/2014/main" xmlns="" id="{CCC4A82F-58A9-463D-9CC7-9A14B3D51291}"/>
+              </a:ext>
+            </a:extLst>
+          </p:cNvPr>
+          <p:cNvSpPr/>
+          <p:nvPr/>
+        </p:nvSpPr>
+        <p:spPr>
+          <a:xfrm>
+            <a:off x="0" y="0"/>
+            <a:ext cx="274320" cy="6858000"/>
+          </a:xfrm>
+          <a:prstGeom prst="rect">
+            <a:avLst/>
+          </a:prstGeom>
+          <a:solidFill>
+            <a:srgbClr val="A01B17"/>
+          </a:solidFill>
+          <a:ln>
+            <a:noFill/>
+          </a:ln>
+        </p:spPr>
+        <p:style>
+          <a:lnRef idx="2">
+            <a:schemeClr val="accent1">
+              <a:shade val="50000"/>
+            </a:schemeClr>
+          </a:lnRef>
+          <a:fillRef idx="1">
+            <a:schemeClr val="accent1"/>
+          </a:fillRef>
+          <a:effectRef idx="0">
+            <a:schemeClr val="accent1"/>
+          </a:effectRef>
+          <a:fontRef idx="minor">
+            <a:schemeClr val="lt1"/>
+          </a:fontRef>
+        </p:style>
+        <p:txBody>
+          <a:bodyPr rtlCol="0" anchor="ctr"/>
+          <a:lstStyle/>
+          <a:p>
+            <a:pPr algn="ctr"/>
+            <a:endParaRPr lang="hu-HU"/>
+          </a:p>
+        </p:txBody>
+      </p:sp>
+      <p:pic>
+        <p:nvPicPr>
+          <p:cNvPr id="5" name="Ábra 4">
+            <a:extLst>
+              <a:ext uri="{FF2B5EF4-FFF2-40B4-BE49-F238E27FC236}">
+                <a16:creationId xmlns:a16="http://schemas.microsoft.com/office/drawing/2014/main" xmlns="" id="{97536270-8590-4BBC-89D6-4BEA9FD878D4}"/>
+              </a:ext>
+            </a:extLst>
+          </p:cNvPr>
+          <p:cNvPicPr>
+            <a:picLocks noChangeAspect="1"/>
+          </p:cNvPicPr>
+          <p:nvPr/>
+        </p:nvPicPr>
+        <p:blipFill>
+          <a:blip r:embed="rId2" cstate="print">
+            <a:extLst>
+              <a:ext uri="{28A0092B-C50C-407E-A947-70E740481C1C}">
+                <a14:useLocalDpi xmlns:a14="http://schemas.microsoft.com/office/drawing/2010/main" val="0"/>
+              </a:ext>
+              <a:ext uri="{96DAC541-7B7A-43D3-8B79-37D633B846F1}">
+                <asvg:svgBlip xmlns:asvg="http://schemas.microsoft.com/office/drawing/2016/SVG/main" xmlns="" r:embed="rId3"/>
+              </a:ext>
+            </a:extLst>
+          </a:blip>
+          <a:stretch>
+            <a:fillRect/>
+          </a:stretch>
+        </p:blipFill>
+        <p:spPr>
+          <a:xfrm>
+            <a:off x="10649436" y="5366437"/>
+            <a:ext cx="1406504" cy="1358419"/>
+          </a:xfrm>
+          <a:prstGeom prst="rect">
+            <a:avLst/>
+          </a:prstGeom>
+        </p:spPr>
+      </p:pic>
+      <p:pic>
+        <p:nvPicPr>
+          <p:cNvPr id="6" name="Kép 5">
+            <a:extLst>
+              <a:ext uri="{FF2B5EF4-FFF2-40B4-BE49-F238E27FC236}">
+                <a16:creationId xmlns:a16="http://schemas.microsoft.com/office/drawing/2014/main" xmlns="" id="{C0BB0118-0F80-4285-ABF6-8DD38EF484B9}"/>
+              </a:ext>
+            </a:extLst>
+          </p:cNvPr>
+          <p:cNvPicPr>
+            <a:picLocks noChangeAspect="1"/>
+          </p:cNvPicPr>
+          <p:nvPr/>
+        </p:nvPicPr>
+        <p:blipFill>
+          <a:blip r:embed="rId4" cstate="print">
+            <a:extLst>
+              <a:ext uri="{28A0092B-C50C-407E-A947-70E740481C1C}">
+                <a14:useLocalDpi xmlns:a14="http://schemas.microsoft.com/office/drawing/2010/main" val="0"/>
+              </a:ext>
+            </a:extLst>
+          </a:blip>
+          <a:stretch>
+            <a:fillRect/>
+          </a:stretch>
+        </p:blipFill>
+        <p:spPr>
+          <a:xfrm>
+            <a:off x="11578732" y="2553"/>
+            <a:ext cx="613267" cy="613267"/>
+          </a:xfrm>
+          <a:prstGeom prst="rect">
+            <a:avLst/>
+          </a:prstGeom>
+        </p:spPr>
+      </p:pic>
+      <p:sp>
+        <p:nvSpPr>
           <p:cNvPr id="7" name="Szövegdoboz 6">
             <a:extLst>
               <a:ext uri="{FF2B5EF4-FFF2-40B4-BE49-F238E27FC236}">
-                <a16:creationId xmlns:a16="http://schemas.microsoft.com/office/drawing/2014/main" id="{B730E880-200A-47AE-8C31-990FD33B7DE9}"/>
+                <a16:creationId xmlns:a16="http://schemas.microsoft.com/office/drawing/2014/main" xmlns="" id="{B730E880-200A-47AE-8C31-990FD33B7DE9}"/>
               </a:ext>
             </a:extLst>
           </p:cNvPr>
@@ -11713,7 +12899,7 @@
           <p:cNvPr id="4" name="Téglalap 3">
             <a:extLst>
               <a:ext uri="{FF2B5EF4-FFF2-40B4-BE49-F238E27FC236}">
-                <a16:creationId xmlns:a16="http://schemas.microsoft.com/office/drawing/2014/main" id="{45961AA9-C86C-428D-B7E8-C648176DC541}"/>
+                <a16:creationId xmlns:a16="http://schemas.microsoft.com/office/drawing/2014/main" xmlns="" id="{45961AA9-C86C-428D-B7E8-C648176DC541}"/>
               </a:ext>
             </a:extLst>
           </p:cNvPr>
@@ -11765,7 +12951,7 @@
           <p:cNvPr id="5" name="Kép 4">
             <a:extLst>
               <a:ext uri="{FF2B5EF4-FFF2-40B4-BE49-F238E27FC236}">
-                <a16:creationId xmlns:a16="http://schemas.microsoft.com/office/drawing/2014/main" id="{AB61265D-BCDD-4D5F-8BCE-29F7340DB460}"/>
+                <a16:creationId xmlns:a16="http://schemas.microsoft.com/office/drawing/2014/main" xmlns="" id="{AB61265D-BCDD-4D5F-8BCE-29F7340DB460}"/>
               </a:ext>
             </a:extLst>
           </p:cNvPr>
@@ -11775,7 +12961,7 @@
           <p:nvPr/>
         </p:nvPicPr>
         <p:blipFill>
-          <a:blip r:embed="rId2">
+          <a:blip r:embed="rId2" cstate="print">
             <a:extLst>
               <a:ext uri="{28A0092B-C50C-407E-A947-70E740481C1C}">
                 <a14:useLocalDpi xmlns:a14="http://schemas.microsoft.com/office/drawing/2010/main" val="0"/>
@@ -11801,7 +12987,7 @@
           <p:cNvPr id="6" name="Ábra 5">
             <a:extLst>
               <a:ext uri="{FF2B5EF4-FFF2-40B4-BE49-F238E27FC236}">
-                <a16:creationId xmlns:a16="http://schemas.microsoft.com/office/drawing/2014/main" id="{53C49138-3959-4C9B-9B7C-386D9E702CA9}"/>
+                <a16:creationId xmlns:a16="http://schemas.microsoft.com/office/drawing/2014/main" xmlns="" id="{53C49138-3959-4C9B-9B7C-386D9E702CA9}"/>
               </a:ext>
             </a:extLst>
           </p:cNvPr>
@@ -11811,13 +12997,13 @@
           <p:nvPr/>
         </p:nvPicPr>
         <p:blipFill>
-          <a:blip r:embed="rId3">
+          <a:blip r:embed="rId3" cstate="print">
             <a:extLst>
               <a:ext uri="{28A0092B-C50C-407E-A947-70E740481C1C}">
                 <a14:useLocalDpi xmlns:a14="http://schemas.microsoft.com/office/drawing/2010/main" val="0"/>
               </a:ext>
               <a:ext uri="{96DAC541-7B7A-43D3-8B79-37D633B846F1}">
-                <asvg:svgBlip xmlns:asvg="http://schemas.microsoft.com/office/drawing/2016/SVG/main" r:embed="rId4"/>
+                <asvg:svgBlip xmlns:asvg="http://schemas.microsoft.com/office/drawing/2016/SVG/main" xmlns="" r:embed="rId4"/>
               </a:ext>
             </a:extLst>
           </a:blip>
@@ -11840,7 +13026,7 @@
           <p:cNvPr id="7" name="Szövegdoboz 6">
             <a:extLst>
               <a:ext uri="{FF2B5EF4-FFF2-40B4-BE49-F238E27FC236}">
-                <a16:creationId xmlns:a16="http://schemas.microsoft.com/office/drawing/2014/main" id="{535FE34D-BFF7-46DA-8AAB-75513EBCDDF1}"/>
+                <a16:creationId xmlns:a16="http://schemas.microsoft.com/office/drawing/2014/main" xmlns="" id="{535FE34D-BFF7-46DA-8AAB-75513EBCDDF1}"/>
               </a:ext>
             </a:extLst>
           </p:cNvPr>
@@ -11880,7 +13066,7 @@
           <p:cNvPr id="8" name="Téglalap: lekerekített 7">
             <a:extLst>
               <a:ext uri="{FF2B5EF4-FFF2-40B4-BE49-F238E27FC236}">
-                <a16:creationId xmlns:a16="http://schemas.microsoft.com/office/drawing/2014/main" id="{81099C24-8A21-45B8-8DDF-C3B5A5D876FF}"/>
+                <a16:creationId xmlns:a16="http://schemas.microsoft.com/office/drawing/2014/main" xmlns="" id="{81099C24-8A21-45B8-8DDF-C3B5A5D876FF}"/>
               </a:ext>
             </a:extLst>
           </p:cNvPr>
@@ -11927,7 +13113,7 @@
           <p:cNvPr id="9" name="Szövegdoboz 8">
             <a:extLst>
               <a:ext uri="{FF2B5EF4-FFF2-40B4-BE49-F238E27FC236}">
-                <a16:creationId xmlns:a16="http://schemas.microsoft.com/office/drawing/2014/main" id="{518BC82B-ECA4-445B-92A2-36CC9526ADAA}"/>
+                <a16:creationId xmlns:a16="http://schemas.microsoft.com/office/drawing/2014/main" xmlns="" id="{518BC82B-ECA4-445B-92A2-36CC9526ADAA}"/>
               </a:ext>
             </a:extLst>
           </p:cNvPr>
@@ -11965,7 +13151,7 @@
           <p:cNvPr id="10" name="Téglalap: lekerekített 9">
             <a:extLst>
               <a:ext uri="{FF2B5EF4-FFF2-40B4-BE49-F238E27FC236}">
-                <a16:creationId xmlns:a16="http://schemas.microsoft.com/office/drawing/2014/main" id="{1BC0711C-8E1A-4021-B8EF-BAC180C56245}"/>
+                <a16:creationId xmlns:a16="http://schemas.microsoft.com/office/drawing/2014/main" xmlns="" id="{1BC0711C-8E1A-4021-B8EF-BAC180C56245}"/>
               </a:ext>
             </a:extLst>
           </p:cNvPr>
@@ -12012,7 +13198,7 @@
           <p:cNvPr id="11" name="Téglalap: lekerekített 10">
             <a:extLst>
               <a:ext uri="{FF2B5EF4-FFF2-40B4-BE49-F238E27FC236}">
-                <a16:creationId xmlns:a16="http://schemas.microsoft.com/office/drawing/2014/main" id="{1E7D8B1B-38AB-469B-AD4D-8E2AA0B7420C}"/>
+                <a16:creationId xmlns:a16="http://schemas.microsoft.com/office/drawing/2014/main" xmlns="" id="{1E7D8B1B-38AB-469B-AD4D-8E2AA0B7420C}"/>
               </a:ext>
             </a:extLst>
           </p:cNvPr>
@@ -12059,7 +13245,7 @@
           <p:cNvPr id="12" name="Téglalap: lekerekített 11">
             <a:extLst>
               <a:ext uri="{FF2B5EF4-FFF2-40B4-BE49-F238E27FC236}">
-                <a16:creationId xmlns:a16="http://schemas.microsoft.com/office/drawing/2014/main" id="{CD8DB634-1005-46AB-BD84-43F7EE4221AB}"/>
+                <a16:creationId xmlns:a16="http://schemas.microsoft.com/office/drawing/2014/main" xmlns="" id="{CD8DB634-1005-46AB-BD84-43F7EE4221AB}"/>
               </a:ext>
             </a:extLst>
           </p:cNvPr>
@@ -12106,7 +13292,7 @@
           <p:cNvPr id="13" name="Szövegdoboz 12">
             <a:extLst>
               <a:ext uri="{FF2B5EF4-FFF2-40B4-BE49-F238E27FC236}">
-                <a16:creationId xmlns:a16="http://schemas.microsoft.com/office/drawing/2014/main" id="{5CCA86C9-EB4B-4D57-815C-2D4D6CF93995}"/>
+                <a16:creationId xmlns:a16="http://schemas.microsoft.com/office/drawing/2014/main" xmlns="" id="{5CCA86C9-EB4B-4D57-815C-2D4D6CF93995}"/>
               </a:ext>
             </a:extLst>
           </p:cNvPr>
@@ -12144,7 +13330,7 @@
           <p:cNvPr id="14" name="Szövegdoboz 13">
             <a:extLst>
               <a:ext uri="{FF2B5EF4-FFF2-40B4-BE49-F238E27FC236}">
-                <a16:creationId xmlns:a16="http://schemas.microsoft.com/office/drawing/2014/main" id="{50F51BCF-1BD0-43C8-872D-CD88C7A65EBA}"/>
+                <a16:creationId xmlns:a16="http://schemas.microsoft.com/office/drawing/2014/main" xmlns="" id="{50F51BCF-1BD0-43C8-872D-CD88C7A65EBA}"/>
               </a:ext>
             </a:extLst>
           </p:cNvPr>
@@ -12182,7 +13368,7 @@
           <p:cNvPr id="15" name="Szövegdoboz 14">
             <a:extLst>
               <a:ext uri="{FF2B5EF4-FFF2-40B4-BE49-F238E27FC236}">
-                <a16:creationId xmlns:a16="http://schemas.microsoft.com/office/drawing/2014/main" id="{12667A7A-979D-45B1-9EF4-0F3CE6041316}"/>
+                <a16:creationId xmlns:a16="http://schemas.microsoft.com/office/drawing/2014/main" xmlns="" id="{12667A7A-979D-45B1-9EF4-0F3CE6041316}"/>
               </a:ext>
             </a:extLst>
           </p:cNvPr>
@@ -12220,7 +13406,7 @@
           <p:cNvPr id="20" name="Kép 19">
             <a:extLst>
               <a:ext uri="{FF2B5EF4-FFF2-40B4-BE49-F238E27FC236}">
-                <a16:creationId xmlns:a16="http://schemas.microsoft.com/office/drawing/2014/main" id="{4EAB93E2-BF2F-46EB-9A1A-E1527CE4EAF5}"/>
+                <a16:creationId xmlns:a16="http://schemas.microsoft.com/office/drawing/2014/main" xmlns="" id="{4EAB93E2-BF2F-46EB-9A1A-E1527CE4EAF5}"/>
               </a:ext>
             </a:extLst>
           </p:cNvPr>
@@ -12230,7 +13416,7 @@
           <p:nvPr/>
         </p:nvPicPr>
         <p:blipFill>
-          <a:blip r:embed="rId5">
+          <a:blip r:embed="rId5" cstate="print">
             <a:extLst>
               <a:ext uri="{28A0092B-C50C-407E-A947-70E740481C1C}">
                 <a14:useLocalDpi xmlns:a14="http://schemas.microsoft.com/office/drawing/2010/main" val="0"/>
@@ -12256,7 +13442,7 @@
           <p:cNvPr id="26" name="Kép 25">
             <a:extLst>
               <a:ext uri="{FF2B5EF4-FFF2-40B4-BE49-F238E27FC236}">
-                <a16:creationId xmlns:a16="http://schemas.microsoft.com/office/drawing/2014/main" id="{DE97AC1C-C727-4AEE-9A65-6369EFBB0878}"/>
+                <a16:creationId xmlns:a16="http://schemas.microsoft.com/office/drawing/2014/main" xmlns="" id="{DE97AC1C-C727-4AEE-9A65-6369EFBB0878}"/>
               </a:ext>
             </a:extLst>
           </p:cNvPr>
@@ -12266,7 +13452,7 @@
           <p:nvPr/>
         </p:nvPicPr>
         <p:blipFill>
-          <a:blip r:embed="rId6">
+          <a:blip r:embed="rId6" cstate="print">
             <a:extLst>
               <a:ext uri="{28A0092B-C50C-407E-A947-70E740481C1C}">
                 <a14:useLocalDpi xmlns:a14="http://schemas.microsoft.com/office/drawing/2010/main" val="0"/>
@@ -12292,7 +13478,7 @@
           <p:cNvPr id="28" name="Kép 27">
             <a:extLst>
               <a:ext uri="{FF2B5EF4-FFF2-40B4-BE49-F238E27FC236}">
-                <a16:creationId xmlns:a16="http://schemas.microsoft.com/office/drawing/2014/main" id="{98511D2A-F415-4D93-A3C8-99390ECFE7F7}"/>
+                <a16:creationId xmlns:a16="http://schemas.microsoft.com/office/drawing/2014/main" xmlns="" id="{98511D2A-F415-4D93-A3C8-99390ECFE7F7}"/>
               </a:ext>
             </a:extLst>
           </p:cNvPr>
@@ -12302,7 +13488,7 @@
           <p:nvPr/>
         </p:nvPicPr>
         <p:blipFill>
-          <a:blip r:embed="rId7">
+          <a:blip r:embed="rId7" cstate="print">
             <a:extLst>
               <a:ext uri="{28A0092B-C50C-407E-A947-70E740481C1C}">
                 <a14:useLocalDpi xmlns:a14="http://schemas.microsoft.com/office/drawing/2010/main" val="0"/>
@@ -12328,7 +13514,7 @@
           <p:cNvPr id="30" name="Kép 29">
             <a:extLst>
               <a:ext uri="{FF2B5EF4-FFF2-40B4-BE49-F238E27FC236}">
-                <a16:creationId xmlns:a16="http://schemas.microsoft.com/office/drawing/2014/main" id="{07014A1F-F6AD-4ADF-8B15-B459BA95CC16}"/>
+                <a16:creationId xmlns:a16="http://schemas.microsoft.com/office/drawing/2014/main" xmlns="" id="{07014A1F-F6AD-4ADF-8B15-B459BA95CC16}"/>
               </a:ext>
             </a:extLst>
           </p:cNvPr>
@@ -12364,7 +13550,7 @@
           <p:cNvPr id="33" name="Téglalap: lekerekített 32">
             <a:extLst>
               <a:ext uri="{FF2B5EF4-FFF2-40B4-BE49-F238E27FC236}">
-                <a16:creationId xmlns:a16="http://schemas.microsoft.com/office/drawing/2014/main" id="{510ED8DC-CFA6-49AF-874C-32B1D51AD1DE}"/>
+                <a16:creationId xmlns:a16="http://schemas.microsoft.com/office/drawing/2014/main" xmlns="" id="{510ED8DC-CFA6-49AF-874C-32B1D51AD1DE}"/>
               </a:ext>
             </a:extLst>
           </p:cNvPr>
@@ -12411,7 +13597,7 @@
           <p:cNvPr id="32" name="Kép 31">
             <a:extLst>
               <a:ext uri="{FF2B5EF4-FFF2-40B4-BE49-F238E27FC236}">
-                <a16:creationId xmlns:a16="http://schemas.microsoft.com/office/drawing/2014/main" id="{2751A678-6DC2-43AE-B8DB-FEF98F8E8A0E}"/>
+                <a16:creationId xmlns:a16="http://schemas.microsoft.com/office/drawing/2014/main" xmlns="" id="{2751A678-6DC2-43AE-B8DB-FEF98F8E8A0E}"/>
               </a:ext>
             </a:extLst>
           </p:cNvPr>
@@ -12421,7 +13607,7 @@
           <p:nvPr/>
         </p:nvPicPr>
         <p:blipFill>
-          <a:blip r:embed="rId9">
+          <a:blip r:embed="rId9" cstate="print">
             <a:extLst>
               <a:ext uri="{28A0092B-C50C-407E-A947-70E740481C1C}">
                 <a14:useLocalDpi xmlns:a14="http://schemas.microsoft.com/office/drawing/2010/main" val="0"/>
@@ -12447,7 +13633,7 @@
           <p:cNvPr id="35" name="Kép 34">
             <a:extLst>
               <a:ext uri="{FF2B5EF4-FFF2-40B4-BE49-F238E27FC236}">
-                <a16:creationId xmlns:a16="http://schemas.microsoft.com/office/drawing/2014/main" id="{FF4F356E-F594-4C98-9A68-074ED0018F16}"/>
+                <a16:creationId xmlns:a16="http://schemas.microsoft.com/office/drawing/2014/main" xmlns="" id="{FF4F356E-F594-4C98-9A68-074ED0018F16}"/>
               </a:ext>
             </a:extLst>
           </p:cNvPr>
@@ -12457,7 +13643,7 @@
           <p:nvPr/>
         </p:nvPicPr>
         <p:blipFill>
-          <a:blip r:embed="rId10">
+          <a:blip r:embed="rId10" cstate="print">
             <a:extLst>
               <a:ext uri="{28A0092B-C50C-407E-A947-70E740481C1C}">
                 <a14:useLocalDpi xmlns:a14="http://schemas.microsoft.com/office/drawing/2010/main" val="0"/>
@@ -12483,7 +13669,7 @@
           <p:cNvPr id="37" name="Kép 36">
             <a:extLst>
               <a:ext uri="{FF2B5EF4-FFF2-40B4-BE49-F238E27FC236}">
-                <a16:creationId xmlns:a16="http://schemas.microsoft.com/office/drawing/2014/main" id="{1A260BD9-D8E8-49F6-8554-E77FAB229C11}"/>
+                <a16:creationId xmlns:a16="http://schemas.microsoft.com/office/drawing/2014/main" xmlns="" id="{1A260BD9-D8E8-49F6-8554-E77FAB229C11}"/>
               </a:ext>
             </a:extLst>
           </p:cNvPr>
@@ -12493,7 +13679,7 @@
           <p:nvPr/>
         </p:nvPicPr>
         <p:blipFill>
-          <a:blip r:embed="rId11">
+          <a:blip r:embed="rId11" cstate="print">
             <a:extLst>
               <a:ext uri="{28A0092B-C50C-407E-A947-70E740481C1C}">
                 <a14:useLocalDpi xmlns:a14="http://schemas.microsoft.com/office/drawing/2010/main" val="0"/>
@@ -12519,7 +13705,7 @@
           <p:cNvPr id="40" name="Szövegdoboz 39">
             <a:extLst>
               <a:ext uri="{FF2B5EF4-FFF2-40B4-BE49-F238E27FC236}">
-                <a16:creationId xmlns:a16="http://schemas.microsoft.com/office/drawing/2014/main" id="{4EEEA42E-830D-45B4-877E-DF0BE252B36D}"/>
+                <a16:creationId xmlns:a16="http://schemas.microsoft.com/office/drawing/2014/main" xmlns="" id="{4EEEA42E-830D-45B4-877E-DF0BE252B36D}"/>
               </a:ext>
             </a:extLst>
           </p:cNvPr>
@@ -12708,7 +13894,7 @@
           <p:cNvPr id="41" name="Szövegdoboz 40">
             <a:extLst>
               <a:ext uri="{FF2B5EF4-FFF2-40B4-BE49-F238E27FC236}">
-                <a16:creationId xmlns:a16="http://schemas.microsoft.com/office/drawing/2014/main" id="{81D71567-404A-4E52-8B97-B406EFBC66D7}"/>
+                <a16:creationId xmlns:a16="http://schemas.microsoft.com/office/drawing/2014/main" xmlns="" id="{81D71567-404A-4E52-8B97-B406EFBC66D7}"/>
               </a:ext>
             </a:extLst>
           </p:cNvPr>
@@ -12816,7 +14002,7 @@
           <p:cNvPr id="44" name="Egyenes összekötő 43">
             <a:extLst>
               <a:ext uri="{FF2B5EF4-FFF2-40B4-BE49-F238E27FC236}">
-                <a16:creationId xmlns:a16="http://schemas.microsoft.com/office/drawing/2014/main" id="{21553A72-6965-4E1A-9A20-585F13CE59CB}"/>
+                <a16:creationId xmlns:a16="http://schemas.microsoft.com/office/drawing/2014/main" xmlns="" id="{21553A72-6965-4E1A-9A20-585F13CE59CB}"/>
               </a:ext>
             </a:extLst>
           </p:cNvPr>
@@ -12852,7 +14038,7 @@
           <p:cNvPr id="45" name="Egyenes összekötő 44">
             <a:extLst>
               <a:ext uri="{FF2B5EF4-FFF2-40B4-BE49-F238E27FC236}">
-                <a16:creationId xmlns:a16="http://schemas.microsoft.com/office/drawing/2014/main" id="{09DF3116-4C4A-4466-B8CC-06DEF26F5AA7}"/>
+                <a16:creationId xmlns:a16="http://schemas.microsoft.com/office/drawing/2014/main" xmlns="" id="{09DF3116-4C4A-4466-B8CC-06DEF26F5AA7}"/>
               </a:ext>
             </a:extLst>
           </p:cNvPr>
@@ -12890,7 +14076,7 @@
           <p:cNvPr id="50" name="Téglalap: lekerekített 49">
             <a:extLst>
               <a:ext uri="{FF2B5EF4-FFF2-40B4-BE49-F238E27FC236}">
-                <a16:creationId xmlns:a16="http://schemas.microsoft.com/office/drawing/2014/main" id="{163608B4-752F-4BEA-A4DA-0C4FD106EA50}"/>
+                <a16:creationId xmlns:a16="http://schemas.microsoft.com/office/drawing/2014/main" xmlns="" id="{163608B4-752F-4BEA-A4DA-0C4FD106EA50}"/>
               </a:ext>
             </a:extLst>
           </p:cNvPr>
@@ -12937,7 +14123,7 @@
           <p:cNvPr id="39" name="Kép 38">
             <a:extLst>
               <a:ext uri="{FF2B5EF4-FFF2-40B4-BE49-F238E27FC236}">
-                <a16:creationId xmlns:a16="http://schemas.microsoft.com/office/drawing/2014/main" id="{4D825543-46CC-460D-8C10-B5BEA3A25F43}"/>
+                <a16:creationId xmlns:a16="http://schemas.microsoft.com/office/drawing/2014/main" xmlns="" id="{4D825543-46CC-460D-8C10-B5BEA3A25F43}"/>
               </a:ext>
             </a:extLst>
           </p:cNvPr>
@@ -12947,7 +14133,7 @@
           <p:nvPr/>
         </p:nvPicPr>
         <p:blipFill>
-          <a:blip r:embed="rId12">
+          <a:blip r:embed="rId12" cstate="print">
             <a:extLst>
               <a:ext uri="{28A0092B-C50C-407E-A947-70E740481C1C}">
                 <a14:useLocalDpi xmlns:a14="http://schemas.microsoft.com/office/drawing/2010/main" val="0"/>
@@ -12973,7 +14159,7 @@
           <p:cNvPr id="51" name="Szövegdoboz 50">
             <a:extLst>
               <a:ext uri="{FF2B5EF4-FFF2-40B4-BE49-F238E27FC236}">
-                <a16:creationId xmlns:a16="http://schemas.microsoft.com/office/drawing/2014/main" id="{23861E71-C054-476F-8F0C-C25E7546800F}"/>
+                <a16:creationId xmlns:a16="http://schemas.microsoft.com/office/drawing/2014/main" xmlns="" id="{23861E71-C054-476F-8F0C-C25E7546800F}"/>
               </a:ext>
             </a:extLst>
           </p:cNvPr>
@@ -13008,7 +14194,7 @@
           <p:cNvPr id="57" name="Kép 56">
             <a:extLst>
               <a:ext uri="{FF2B5EF4-FFF2-40B4-BE49-F238E27FC236}">
-                <a16:creationId xmlns:a16="http://schemas.microsoft.com/office/drawing/2014/main" id="{802259A0-0D6F-42D0-8A1A-E910EB4CA7C4}"/>
+                <a16:creationId xmlns:a16="http://schemas.microsoft.com/office/drawing/2014/main" xmlns="" id="{802259A0-0D6F-42D0-8A1A-E910EB4CA7C4}"/>
               </a:ext>
             </a:extLst>
           </p:cNvPr>
@@ -13018,7 +14204,7 @@
           <p:nvPr/>
         </p:nvPicPr>
         <p:blipFill>
-          <a:blip r:embed="rId13">
+          <a:blip r:embed="rId13" cstate="print">
             <a:extLst>
               <a:ext uri="{28A0092B-C50C-407E-A947-70E740481C1C}">
                 <a14:useLocalDpi xmlns:a14="http://schemas.microsoft.com/office/drawing/2010/main" val="0"/>
@@ -13044,7 +14230,7 @@
           <p:cNvPr id="60" name="Rectangle 1">
             <a:extLst>
               <a:ext uri="{FF2B5EF4-FFF2-40B4-BE49-F238E27FC236}">
-                <a16:creationId xmlns:a16="http://schemas.microsoft.com/office/drawing/2014/main" id="{E499C11F-D502-4061-881F-F67C3180810C}"/>
+                <a16:creationId xmlns:a16="http://schemas.microsoft.com/office/drawing/2014/main" xmlns="" id="{E499C11F-D502-4061-881F-F67C3180810C}"/>
               </a:ext>
             </a:extLst>
           </p:cNvPr>
@@ -13825,7 +15011,7 @@
           <p:cNvPr id="62" name="Egyenes összekötő 61">
             <a:extLst>
               <a:ext uri="{FF2B5EF4-FFF2-40B4-BE49-F238E27FC236}">
-                <a16:creationId xmlns:a16="http://schemas.microsoft.com/office/drawing/2014/main" id="{2B5D68A7-E0AC-452F-B907-914ABB0E6C56}"/>
+                <a16:creationId xmlns:a16="http://schemas.microsoft.com/office/drawing/2014/main" xmlns="" id="{2B5D68A7-E0AC-452F-B907-914ABB0E6C56}"/>
               </a:ext>
             </a:extLst>
           </p:cNvPr>
@@ -13863,7 +15049,7 @@
           <p:cNvPr id="63" name="Egyenes összekötő 62">
             <a:extLst>
               <a:ext uri="{FF2B5EF4-FFF2-40B4-BE49-F238E27FC236}">
-                <a16:creationId xmlns:a16="http://schemas.microsoft.com/office/drawing/2014/main" id="{D873EA1A-414A-41B9-8586-C18287150BD1}"/>
+                <a16:creationId xmlns:a16="http://schemas.microsoft.com/office/drawing/2014/main" xmlns="" id="{D873EA1A-414A-41B9-8586-C18287150BD1}"/>
               </a:ext>
             </a:extLst>
           </p:cNvPr>
@@ -13901,7 +15087,7 @@
           <p:cNvPr id="67" name="Szövegdoboz 66">
             <a:extLst>
               <a:ext uri="{FF2B5EF4-FFF2-40B4-BE49-F238E27FC236}">
-                <a16:creationId xmlns:a16="http://schemas.microsoft.com/office/drawing/2014/main" id="{BC00FADC-B502-444E-9540-578DD54768A4}"/>
+                <a16:creationId xmlns:a16="http://schemas.microsoft.com/office/drawing/2014/main" xmlns="" id="{BC00FADC-B502-444E-9540-578DD54768A4}"/>
               </a:ext>
             </a:extLst>
           </p:cNvPr>
@@ -13938,7 +15124,7 @@
           <p:cNvPr id="68" name="Szövegdoboz 67">
             <a:extLst>
               <a:ext uri="{FF2B5EF4-FFF2-40B4-BE49-F238E27FC236}">
-                <a16:creationId xmlns:a16="http://schemas.microsoft.com/office/drawing/2014/main" id="{871D97B0-A149-4074-9C40-B5B908445F0D}"/>
+                <a16:creationId xmlns:a16="http://schemas.microsoft.com/office/drawing/2014/main" xmlns="" id="{871D97B0-A149-4074-9C40-B5B908445F0D}"/>
               </a:ext>
             </a:extLst>
           </p:cNvPr>
@@ -14005,7 +15191,7 @@
           <p:cNvPr id="4" name="Téglalap 3">
             <a:extLst>
               <a:ext uri="{FF2B5EF4-FFF2-40B4-BE49-F238E27FC236}">
-                <a16:creationId xmlns:a16="http://schemas.microsoft.com/office/drawing/2014/main" id="{0BD02874-CFC4-4733-82EA-7EFF9A1CCEAF}"/>
+                <a16:creationId xmlns:a16="http://schemas.microsoft.com/office/drawing/2014/main" xmlns="" id="{0BD02874-CFC4-4733-82EA-7EFF9A1CCEAF}"/>
               </a:ext>
             </a:extLst>
           </p:cNvPr>
@@ -14057,7 +15243,7 @@
           <p:cNvPr id="5" name="Szövegdoboz 4">
             <a:extLst>
               <a:ext uri="{FF2B5EF4-FFF2-40B4-BE49-F238E27FC236}">
-                <a16:creationId xmlns:a16="http://schemas.microsoft.com/office/drawing/2014/main" id="{C2E7ACD0-B4E6-438E-9A51-3623C001AD65}"/>
+                <a16:creationId xmlns:a16="http://schemas.microsoft.com/office/drawing/2014/main" xmlns="" id="{C2E7ACD0-B4E6-438E-9A51-3623C001AD65}"/>
               </a:ext>
             </a:extLst>
           </p:cNvPr>
@@ -14097,7 +15283,7 @@
           <p:cNvPr id="6" name="Ábra 5">
             <a:extLst>
               <a:ext uri="{FF2B5EF4-FFF2-40B4-BE49-F238E27FC236}">
-                <a16:creationId xmlns:a16="http://schemas.microsoft.com/office/drawing/2014/main" id="{98F6C7F9-0CE0-4576-A211-745D00E19E9D}"/>
+                <a16:creationId xmlns:a16="http://schemas.microsoft.com/office/drawing/2014/main" xmlns="" id="{98F6C7F9-0CE0-4576-A211-745D00E19E9D}"/>
               </a:ext>
             </a:extLst>
           </p:cNvPr>
@@ -14107,13 +15293,13 @@
           <p:nvPr/>
         </p:nvPicPr>
         <p:blipFill>
-          <a:blip r:embed="rId2">
+          <a:blip r:embed="rId2" cstate="print">
             <a:extLst>
               <a:ext uri="{28A0092B-C50C-407E-A947-70E740481C1C}">
                 <a14:useLocalDpi xmlns:a14="http://schemas.microsoft.com/office/drawing/2010/main" val="0"/>
               </a:ext>
               <a:ext uri="{96DAC541-7B7A-43D3-8B79-37D633B846F1}">
-                <asvg:svgBlip xmlns:asvg="http://schemas.microsoft.com/office/drawing/2016/SVG/main" r:embed="rId3"/>
+                <asvg:svgBlip xmlns:asvg="http://schemas.microsoft.com/office/drawing/2016/SVG/main" xmlns="" r:embed="rId3"/>
               </a:ext>
             </a:extLst>
           </a:blip>
@@ -14136,7 +15322,7 @@
           <p:cNvPr id="7" name="Kép 6">
             <a:extLst>
               <a:ext uri="{FF2B5EF4-FFF2-40B4-BE49-F238E27FC236}">
-                <a16:creationId xmlns:a16="http://schemas.microsoft.com/office/drawing/2014/main" id="{32A6B4B3-856A-4223-959F-952335EF0319}"/>
+                <a16:creationId xmlns:a16="http://schemas.microsoft.com/office/drawing/2014/main" xmlns="" id="{32A6B4B3-856A-4223-959F-952335EF0319}"/>
               </a:ext>
             </a:extLst>
           </p:cNvPr>
@@ -14146,7 +15332,7 @@
           <p:nvPr/>
         </p:nvPicPr>
         <p:blipFill>
-          <a:blip r:embed="rId4">
+          <a:blip r:embed="rId4" cstate="print">
             <a:extLst>
               <a:ext uri="{28A0092B-C50C-407E-A947-70E740481C1C}">
                 <a14:useLocalDpi xmlns:a14="http://schemas.microsoft.com/office/drawing/2010/main" val="0"/>
@@ -14172,7 +15358,7 @@
           <p:cNvPr id="8" name="Szövegdoboz 7">
             <a:extLst>
               <a:ext uri="{FF2B5EF4-FFF2-40B4-BE49-F238E27FC236}">
-                <a16:creationId xmlns:a16="http://schemas.microsoft.com/office/drawing/2014/main" id="{9B6DC4C5-0BC0-437E-8CCD-A2ABCB4CF3C8}"/>
+                <a16:creationId xmlns:a16="http://schemas.microsoft.com/office/drawing/2014/main" xmlns="" id="{9B6DC4C5-0BC0-437E-8CCD-A2ABCB4CF3C8}"/>
               </a:ext>
             </a:extLst>
           </p:cNvPr>
@@ -14384,7 +15570,7 @@
           <p:cNvPr id="4" name="Téglalap 3">
             <a:extLst>
               <a:ext uri="{FF2B5EF4-FFF2-40B4-BE49-F238E27FC236}">
-                <a16:creationId xmlns:a16="http://schemas.microsoft.com/office/drawing/2014/main" id="{CD6FC359-0AEF-424B-82B8-D071AD1AE850}"/>
+                <a16:creationId xmlns:a16="http://schemas.microsoft.com/office/drawing/2014/main" xmlns="" id="{CD6FC359-0AEF-424B-82B8-D071AD1AE850}"/>
               </a:ext>
             </a:extLst>
           </p:cNvPr>
@@ -14436,7 +15622,7 @@
           <p:cNvPr id="5" name="Kép 4">
             <a:extLst>
               <a:ext uri="{FF2B5EF4-FFF2-40B4-BE49-F238E27FC236}">
-                <a16:creationId xmlns:a16="http://schemas.microsoft.com/office/drawing/2014/main" id="{C619026F-11BA-46F5-83E2-86A702024CDE}"/>
+                <a16:creationId xmlns:a16="http://schemas.microsoft.com/office/drawing/2014/main" xmlns="" id="{C619026F-11BA-46F5-83E2-86A702024CDE}"/>
               </a:ext>
             </a:extLst>
           </p:cNvPr>
@@ -14446,7 +15632,7 @@
           <p:nvPr/>
         </p:nvPicPr>
         <p:blipFill>
-          <a:blip r:embed="rId2">
+          <a:blip r:embed="rId2" cstate="print">
             <a:extLst>
               <a:ext uri="{28A0092B-C50C-407E-A947-70E740481C1C}">
                 <a14:useLocalDpi xmlns:a14="http://schemas.microsoft.com/office/drawing/2010/main" val="0"/>
@@ -14472,7 +15658,7 @@
           <p:cNvPr id="6" name="Ábra 5">
             <a:extLst>
               <a:ext uri="{FF2B5EF4-FFF2-40B4-BE49-F238E27FC236}">
-                <a16:creationId xmlns:a16="http://schemas.microsoft.com/office/drawing/2014/main" id="{3870160F-4FAA-4635-B1EE-39D1E85802C7}"/>
+                <a16:creationId xmlns:a16="http://schemas.microsoft.com/office/drawing/2014/main" xmlns="" id="{3870160F-4FAA-4635-B1EE-39D1E85802C7}"/>
               </a:ext>
             </a:extLst>
           </p:cNvPr>
@@ -14482,13 +15668,13 @@
           <p:nvPr/>
         </p:nvPicPr>
         <p:blipFill>
-          <a:blip r:embed="rId3">
+          <a:blip r:embed="rId3" cstate="print">
             <a:extLst>
               <a:ext uri="{28A0092B-C50C-407E-A947-70E740481C1C}">
                 <a14:useLocalDpi xmlns:a14="http://schemas.microsoft.com/office/drawing/2010/main" val="0"/>
               </a:ext>
               <a:ext uri="{96DAC541-7B7A-43D3-8B79-37D633B846F1}">
-                <asvg:svgBlip xmlns:asvg="http://schemas.microsoft.com/office/drawing/2016/SVG/main" r:embed="rId4"/>
+                <asvg:svgBlip xmlns:asvg="http://schemas.microsoft.com/office/drawing/2016/SVG/main" xmlns="" r:embed="rId4"/>
               </a:ext>
             </a:extLst>
           </a:blip>
@@ -14511,7 +15697,7 @@
           <p:cNvPr id="8" name="Szövegdoboz 7">
             <a:extLst>
               <a:ext uri="{FF2B5EF4-FFF2-40B4-BE49-F238E27FC236}">
-                <a16:creationId xmlns:a16="http://schemas.microsoft.com/office/drawing/2014/main" id="{116EEA92-3F52-4DE9-B232-DDD49705643F}"/>
+                <a16:creationId xmlns:a16="http://schemas.microsoft.com/office/drawing/2014/main" xmlns="" id="{116EEA92-3F52-4DE9-B232-DDD49705643F}"/>
               </a:ext>
             </a:extLst>
           </p:cNvPr>
@@ -14551,7 +15737,7 @@
           <p:cNvPr id="9" name="Szövegdoboz 8">
             <a:extLst>
               <a:ext uri="{FF2B5EF4-FFF2-40B4-BE49-F238E27FC236}">
-                <a16:creationId xmlns:a16="http://schemas.microsoft.com/office/drawing/2014/main" id="{A8376AFF-C5D1-4992-B386-0F5652527DE1}"/>
+                <a16:creationId xmlns:a16="http://schemas.microsoft.com/office/drawing/2014/main" xmlns="" id="{A8376AFF-C5D1-4992-B386-0F5652527DE1}"/>
               </a:ext>
             </a:extLst>
           </p:cNvPr>
@@ -14714,7 +15900,7 @@
           <p:cNvPr id="11" name="Kép 10" descr="A képen méhsejt, kültéri objektum látható&#10;&#10;Automatikusan generált leírás">
             <a:extLst>
               <a:ext uri="{FF2B5EF4-FFF2-40B4-BE49-F238E27FC236}">
-                <a16:creationId xmlns:a16="http://schemas.microsoft.com/office/drawing/2014/main" id="{C96614E1-248C-4C8F-8BF9-0A5FA2F91DE4}"/>
+                <a16:creationId xmlns:a16="http://schemas.microsoft.com/office/drawing/2014/main" xmlns="" id="{C96614E1-248C-4C8F-8BF9-0A5FA2F91DE4}"/>
               </a:ext>
             </a:extLst>
           </p:cNvPr>
@@ -14750,7 +15936,7 @@
           <p:cNvPr id="13" name="Kép 12">
             <a:extLst>
               <a:ext uri="{FF2B5EF4-FFF2-40B4-BE49-F238E27FC236}">
-                <a16:creationId xmlns:a16="http://schemas.microsoft.com/office/drawing/2014/main" id="{8E8CAF80-3B97-4237-8B10-D12634BAE35E}"/>
+                <a16:creationId xmlns:a16="http://schemas.microsoft.com/office/drawing/2014/main" xmlns="" id="{8E8CAF80-3B97-4237-8B10-D12634BAE35E}"/>
               </a:ext>
             </a:extLst>
           </p:cNvPr>
@@ -14760,7 +15946,7 @@
           <p:nvPr/>
         </p:nvPicPr>
         <p:blipFill>
-          <a:blip r:embed="rId6">
+          <a:blip r:embed="rId6" cstate="print">
             <a:extLst>
               <a:ext uri="{28A0092B-C50C-407E-A947-70E740481C1C}">
                 <a14:useLocalDpi xmlns:a14="http://schemas.microsoft.com/office/drawing/2010/main" val="0"/>
@@ -14786,7 +15972,7 @@
           <p:cNvPr id="15" name="Ábra 14">
             <a:extLst>
               <a:ext uri="{FF2B5EF4-FFF2-40B4-BE49-F238E27FC236}">
-                <a16:creationId xmlns:a16="http://schemas.microsoft.com/office/drawing/2014/main" id="{62517743-3540-489B-BCEA-EBE08706CC09}"/>
+                <a16:creationId xmlns:a16="http://schemas.microsoft.com/office/drawing/2014/main" xmlns="" id="{62517743-3540-489B-BCEA-EBE08706CC09}"/>
               </a:ext>
             </a:extLst>
           </p:cNvPr>
@@ -14796,13 +15982,13 @@
           <p:nvPr/>
         </p:nvPicPr>
         <p:blipFill>
-          <a:blip r:embed="rId7">
+          <a:blip r:embed="rId7" cstate="print">
             <a:extLst>
               <a:ext uri="{28A0092B-C50C-407E-A947-70E740481C1C}">
                 <a14:useLocalDpi xmlns:a14="http://schemas.microsoft.com/office/drawing/2010/main" val="0"/>
               </a:ext>
               <a:ext uri="{96DAC541-7B7A-43D3-8B79-37D633B846F1}">
-                <asvg:svgBlip xmlns:asvg="http://schemas.microsoft.com/office/drawing/2016/SVG/main" r:embed="rId8"/>
+                <asvg:svgBlip xmlns:asvg="http://schemas.microsoft.com/office/drawing/2016/SVG/main" xmlns="" r:embed="rId8"/>
               </a:ext>
             </a:extLst>
           </a:blip>
@@ -14855,7 +16041,7 @@
           <p:cNvPr id="4" name="Téglalap 3">
             <a:extLst>
               <a:ext uri="{FF2B5EF4-FFF2-40B4-BE49-F238E27FC236}">
-                <a16:creationId xmlns:a16="http://schemas.microsoft.com/office/drawing/2014/main" id="{D86D6B71-3651-4D61-8CD4-20BAB8BEE051}"/>
+                <a16:creationId xmlns:a16="http://schemas.microsoft.com/office/drawing/2014/main" xmlns="" id="{D86D6B71-3651-4D61-8CD4-20BAB8BEE051}"/>
               </a:ext>
             </a:extLst>
           </p:cNvPr>
@@ -14907,7 +16093,7 @@
           <p:cNvPr id="5" name="Szövegdoboz 4">
             <a:extLst>
               <a:ext uri="{FF2B5EF4-FFF2-40B4-BE49-F238E27FC236}">
-                <a16:creationId xmlns:a16="http://schemas.microsoft.com/office/drawing/2014/main" id="{93BF4FAF-C49D-49CE-A938-84E5D80D3EB4}"/>
+                <a16:creationId xmlns:a16="http://schemas.microsoft.com/office/drawing/2014/main" xmlns="" id="{93BF4FAF-C49D-49CE-A938-84E5D80D3EB4}"/>
               </a:ext>
             </a:extLst>
           </p:cNvPr>
@@ -14947,7 +16133,7 @@
           <p:cNvPr id="6" name="Kép 5">
             <a:extLst>
               <a:ext uri="{FF2B5EF4-FFF2-40B4-BE49-F238E27FC236}">
-                <a16:creationId xmlns:a16="http://schemas.microsoft.com/office/drawing/2014/main" id="{6BFEB4BC-31D7-4079-980D-D0FFC2FA5FC2}"/>
+                <a16:creationId xmlns:a16="http://schemas.microsoft.com/office/drawing/2014/main" xmlns="" id="{6BFEB4BC-31D7-4079-980D-D0FFC2FA5FC2}"/>
               </a:ext>
             </a:extLst>
           </p:cNvPr>
@@ -14957,7 +16143,7 @@
           <p:nvPr/>
         </p:nvPicPr>
         <p:blipFill>
-          <a:blip r:embed="rId2">
+          <a:blip r:embed="rId2" cstate="print">
             <a:extLst>
               <a:ext uri="{28A0092B-C50C-407E-A947-70E740481C1C}">
                 <a14:useLocalDpi xmlns:a14="http://schemas.microsoft.com/office/drawing/2010/main" val="0"/>
@@ -14983,7 +16169,7 @@
           <p:cNvPr id="7" name="Ábra 6">
             <a:extLst>
               <a:ext uri="{FF2B5EF4-FFF2-40B4-BE49-F238E27FC236}">
-                <a16:creationId xmlns:a16="http://schemas.microsoft.com/office/drawing/2014/main" id="{4DCEB4C6-FE4C-46AA-8C1F-CA08B288A147}"/>
+                <a16:creationId xmlns:a16="http://schemas.microsoft.com/office/drawing/2014/main" xmlns="" id="{4DCEB4C6-FE4C-46AA-8C1F-CA08B288A147}"/>
               </a:ext>
             </a:extLst>
           </p:cNvPr>
@@ -14993,13 +16179,13 @@
           <p:nvPr/>
         </p:nvPicPr>
         <p:blipFill>
-          <a:blip r:embed="rId3">
+          <a:blip r:embed="rId3" cstate="print">
             <a:extLst>
               <a:ext uri="{28A0092B-C50C-407E-A947-70E740481C1C}">
                 <a14:useLocalDpi xmlns:a14="http://schemas.microsoft.com/office/drawing/2010/main" val="0"/>
               </a:ext>
               <a:ext uri="{96DAC541-7B7A-43D3-8B79-37D633B846F1}">
-                <asvg:svgBlip xmlns:asvg="http://schemas.microsoft.com/office/drawing/2016/SVG/main" r:embed="rId4"/>
+                <asvg:svgBlip xmlns:asvg="http://schemas.microsoft.com/office/drawing/2016/SVG/main" xmlns="" r:embed="rId4"/>
               </a:ext>
             </a:extLst>
           </a:blip>
@@ -15022,7 +16208,7 @@
           <p:cNvPr id="8" name="Szövegdoboz 7">
             <a:extLst>
               <a:ext uri="{FF2B5EF4-FFF2-40B4-BE49-F238E27FC236}">
-                <a16:creationId xmlns:a16="http://schemas.microsoft.com/office/drawing/2014/main" id="{53180FF3-8853-4D61-A21E-5E2C4F6723F3}"/>
+                <a16:creationId xmlns:a16="http://schemas.microsoft.com/office/drawing/2014/main" xmlns="" id="{53180FF3-8853-4D61-A21E-5E2C4F6723F3}"/>
               </a:ext>
             </a:extLst>
           </p:cNvPr>
@@ -15133,7 +16319,7 @@
           <p:cNvPr id="3" name="Ábra 2" descr="Laptop egyszínű kitöltéssel">
             <a:extLst>
               <a:ext uri="{FF2B5EF4-FFF2-40B4-BE49-F238E27FC236}">
-                <a16:creationId xmlns:a16="http://schemas.microsoft.com/office/drawing/2014/main" id="{B04AEB5F-4C05-4147-82D3-12F08CDE6C2D}"/>
+                <a16:creationId xmlns:a16="http://schemas.microsoft.com/office/drawing/2014/main" xmlns="" id="{B04AEB5F-4C05-4147-82D3-12F08CDE6C2D}"/>
               </a:ext>
             </a:extLst>
           </p:cNvPr>
@@ -15143,13 +16329,13 @@
           <p:nvPr/>
         </p:nvPicPr>
         <p:blipFill>
-          <a:blip r:embed="rId5">
+          <a:blip r:embed="rId5" cstate="print">
             <a:extLst>
               <a:ext uri="{28A0092B-C50C-407E-A947-70E740481C1C}">
                 <a14:useLocalDpi xmlns:a14="http://schemas.microsoft.com/office/drawing/2010/main" val="0"/>
               </a:ext>
               <a:ext uri="{96DAC541-7B7A-43D3-8B79-37D633B846F1}">
-                <asvg:svgBlip xmlns:asvg="http://schemas.microsoft.com/office/drawing/2016/SVG/main" r:embed="rId6"/>
+                <asvg:svgBlip xmlns:asvg="http://schemas.microsoft.com/office/drawing/2016/SVG/main" xmlns="" r:embed="rId6"/>
               </a:ext>
             </a:extLst>
           </a:blip>
@@ -15172,7 +16358,7 @@
           <p:cNvPr id="9" name="Henger 8">
             <a:extLst>
               <a:ext uri="{FF2B5EF4-FFF2-40B4-BE49-F238E27FC236}">
-                <a16:creationId xmlns:a16="http://schemas.microsoft.com/office/drawing/2014/main" id="{E9F392FD-D67A-427A-B8C8-D045F23CE51C}"/>
+                <a16:creationId xmlns:a16="http://schemas.microsoft.com/office/drawing/2014/main" xmlns="" id="{E9F392FD-D67A-427A-B8C8-D045F23CE51C}"/>
               </a:ext>
             </a:extLst>
           </p:cNvPr>
@@ -15218,7 +16404,7 @@
           <p:cNvPr id="11" name="Ábra 10" descr="Terminál parancssora egyszínű kitöltéssel">
             <a:extLst>
               <a:ext uri="{FF2B5EF4-FFF2-40B4-BE49-F238E27FC236}">
-                <a16:creationId xmlns:a16="http://schemas.microsoft.com/office/drawing/2014/main" id="{7BE92D9B-5EDE-49BE-8974-8420C9427A4F}"/>
+                <a16:creationId xmlns:a16="http://schemas.microsoft.com/office/drawing/2014/main" xmlns="" id="{7BE92D9B-5EDE-49BE-8974-8420C9427A4F}"/>
               </a:ext>
             </a:extLst>
           </p:cNvPr>
@@ -15228,13 +16414,13 @@
           <p:nvPr/>
         </p:nvPicPr>
         <p:blipFill>
-          <a:blip r:embed="rId7">
+          <a:blip r:embed="rId7" cstate="print">
             <a:extLst>
               <a:ext uri="{28A0092B-C50C-407E-A947-70E740481C1C}">
                 <a14:useLocalDpi xmlns:a14="http://schemas.microsoft.com/office/drawing/2010/main" val="0"/>
               </a:ext>
               <a:ext uri="{96DAC541-7B7A-43D3-8B79-37D633B846F1}">
-                <asvg:svgBlip xmlns:asvg="http://schemas.microsoft.com/office/drawing/2016/SVG/main" r:embed="rId8"/>
+                <asvg:svgBlip xmlns:asvg="http://schemas.microsoft.com/office/drawing/2016/SVG/main" xmlns="" r:embed="rId8"/>
               </a:ext>
             </a:extLst>
           </a:blip>
@@ -15257,7 +16443,7 @@
           <p:cNvPr id="13" name="Ábra 12" descr="Kiszolgáló egyszínű kitöltéssel">
             <a:extLst>
               <a:ext uri="{FF2B5EF4-FFF2-40B4-BE49-F238E27FC236}">
-                <a16:creationId xmlns:a16="http://schemas.microsoft.com/office/drawing/2014/main" id="{FF6925B3-6674-485B-BFCA-3359F7AE1D3C}"/>
+                <a16:creationId xmlns:a16="http://schemas.microsoft.com/office/drawing/2014/main" xmlns="" id="{FF6925B3-6674-485B-BFCA-3359F7AE1D3C}"/>
               </a:ext>
             </a:extLst>
           </p:cNvPr>
@@ -15267,13 +16453,13 @@
           <p:nvPr/>
         </p:nvPicPr>
         <p:blipFill>
-          <a:blip r:embed="rId9">
+          <a:blip r:embed="rId9" cstate="print">
             <a:extLst>
               <a:ext uri="{28A0092B-C50C-407E-A947-70E740481C1C}">
                 <a14:useLocalDpi xmlns:a14="http://schemas.microsoft.com/office/drawing/2010/main" val="0"/>
               </a:ext>
               <a:ext uri="{96DAC541-7B7A-43D3-8B79-37D633B846F1}">
-                <asvg:svgBlip xmlns:asvg="http://schemas.microsoft.com/office/drawing/2016/SVG/main" r:embed="rId10"/>
+                <asvg:svgBlip xmlns:asvg="http://schemas.microsoft.com/office/drawing/2016/SVG/main" xmlns="" r:embed="rId10"/>
               </a:ext>
             </a:extLst>
           </a:blip>
@@ -15296,7 +16482,7 @@
           <p:cNvPr id="15" name="Ábra 14" descr="Adatbázis egyszínű kitöltéssel">
             <a:extLst>
               <a:ext uri="{FF2B5EF4-FFF2-40B4-BE49-F238E27FC236}">
-                <a16:creationId xmlns:a16="http://schemas.microsoft.com/office/drawing/2014/main" id="{6D4617D3-643E-4A7D-892D-472F65149C57}"/>
+                <a16:creationId xmlns:a16="http://schemas.microsoft.com/office/drawing/2014/main" xmlns="" id="{6D4617D3-643E-4A7D-892D-472F65149C57}"/>
               </a:ext>
             </a:extLst>
           </p:cNvPr>
@@ -15306,13 +16492,13 @@
           <p:nvPr/>
         </p:nvPicPr>
         <p:blipFill>
-          <a:blip r:embed="rId11">
+          <a:blip r:embed="rId11" cstate="print">
             <a:extLst>
               <a:ext uri="{28A0092B-C50C-407E-A947-70E740481C1C}">
                 <a14:useLocalDpi xmlns:a14="http://schemas.microsoft.com/office/drawing/2010/main" val="0"/>
               </a:ext>
               <a:ext uri="{96DAC541-7B7A-43D3-8B79-37D633B846F1}">
-                <asvg:svgBlip xmlns:asvg="http://schemas.microsoft.com/office/drawing/2016/SVG/main" r:embed="rId12"/>
+                <asvg:svgBlip xmlns:asvg="http://schemas.microsoft.com/office/drawing/2016/SVG/main" xmlns="" r:embed="rId12"/>
               </a:ext>
             </a:extLst>
           </a:blip>
@@ -15335,7 +16521,7 @@
           <p:cNvPr id="17" name="Ábra 16" descr="Felhő egyszínű kitöltéssel">
             <a:extLst>
               <a:ext uri="{FF2B5EF4-FFF2-40B4-BE49-F238E27FC236}">
-                <a16:creationId xmlns:a16="http://schemas.microsoft.com/office/drawing/2014/main" id="{AA3DF723-54FF-4F17-8D68-88C73DAB4F1E}"/>
+                <a16:creationId xmlns:a16="http://schemas.microsoft.com/office/drawing/2014/main" xmlns="" id="{AA3DF723-54FF-4F17-8D68-88C73DAB4F1E}"/>
               </a:ext>
             </a:extLst>
           </p:cNvPr>
@@ -15351,7 +16537,7 @@
                 <a14:useLocalDpi xmlns:a14="http://schemas.microsoft.com/office/drawing/2010/main" val="0"/>
               </a:ext>
               <a:ext uri="{96DAC541-7B7A-43D3-8B79-37D633B846F1}">
-                <asvg:svgBlip xmlns:asvg="http://schemas.microsoft.com/office/drawing/2016/SVG/main" r:embed="rId14"/>
+                <asvg:svgBlip xmlns:asvg="http://schemas.microsoft.com/office/drawing/2016/SVG/main" xmlns="" r:embed="rId14"/>
               </a:ext>
             </a:extLst>
           </a:blip>
@@ -15374,7 +16560,7 @@
           <p:cNvPr id="18" name="Szövegdoboz 17">
             <a:extLst>
               <a:ext uri="{FF2B5EF4-FFF2-40B4-BE49-F238E27FC236}">
-                <a16:creationId xmlns:a16="http://schemas.microsoft.com/office/drawing/2014/main" id="{A9114A1D-34CB-4428-8439-C3A56F865A71}"/>
+                <a16:creationId xmlns:a16="http://schemas.microsoft.com/office/drawing/2014/main" xmlns="" id="{A9114A1D-34CB-4428-8439-C3A56F865A71}"/>
               </a:ext>
             </a:extLst>
           </p:cNvPr>
@@ -15417,7 +16603,7 @@
           <p:cNvPr id="19" name="Szövegdoboz 18">
             <a:extLst>
               <a:ext uri="{FF2B5EF4-FFF2-40B4-BE49-F238E27FC236}">
-                <a16:creationId xmlns:a16="http://schemas.microsoft.com/office/drawing/2014/main" id="{34D72C7D-5AF5-49C1-A278-C33E41A7CFE4}"/>
+                <a16:creationId xmlns:a16="http://schemas.microsoft.com/office/drawing/2014/main" xmlns="" id="{34D72C7D-5AF5-49C1-A278-C33E41A7CFE4}"/>
               </a:ext>
             </a:extLst>
           </p:cNvPr>
@@ -15454,7 +16640,7 @@
           <p:cNvPr id="21" name="Szövegdoboz 20">
             <a:extLst>
               <a:ext uri="{FF2B5EF4-FFF2-40B4-BE49-F238E27FC236}">
-                <a16:creationId xmlns:a16="http://schemas.microsoft.com/office/drawing/2014/main" id="{F45E59FA-D6E9-44A5-9B6E-03F8DB11907E}"/>
+                <a16:creationId xmlns:a16="http://schemas.microsoft.com/office/drawing/2014/main" xmlns="" id="{F45E59FA-D6E9-44A5-9B6E-03F8DB11907E}"/>
               </a:ext>
             </a:extLst>
           </p:cNvPr>
@@ -15491,7 +16677,7 @@
           <p:cNvPr id="22" name="Kép 21">
             <a:extLst>
               <a:ext uri="{FF2B5EF4-FFF2-40B4-BE49-F238E27FC236}">
-                <a16:creationId xmlns:a16="http://schemas.microsoft.com/office/drawing/2014/main" id="{DD351F2A-595E-4097-B6C5-9469C1AF9BE4}"/>
+                <a16:creationId xmlns:a16="http://schemas.microsoft.com/office/drawing/2014/main" xmlns="" id="{DD351F2A-595E-4097-B6C5-9469C1AF9BE4}"/>
               </a:ext>
             </a:extLst>
           </p:cNvPr>
@@ -15501,7 +16687,7 @@
           <p:nvPr/>
         </p:nvPicPr>
         <p:blipFill>
-          <a:blip r:embed="rId15">
+          <a:blip r:embed="rId15" cstate="print">
             <a:extLst>
               <a:ext uri="{28A0092B-C50C-407E-A947-70E740481C1C}">
                 <a14:useLocalDpi xmlns:a14="http://schemas.microsoft.com/office/drawing/2010/main" val="0"/>
@@ -15527,7 +16713,7 @@
           <p:cNvPr id="23" name="Kép 22">
             <a:extLst>
               <a:ext uri="{FF2B5EF4-FFF2-40B4-BE49-F238E27FC236}">
-                <a16:creationId xmlns:a16="http://schemas.microsoft.com/office/drawing/2014/main" id="{E576C146-A969-4C56-ADD6-049D6924288A}"/>
+                <a16:creationId xmlns:a16="http://schemas.microsoft.com/office/drawing/2014/main" xmlns="" id="{E576C146-A969-4C56-ADD6-049D6924288A}"/>
               </a:ext>
             </a:extLst>
           </p:cNvPr>
@@ -15537,7 +16723,7 @@
           <p:nvPr/>
         </p:nvPicPr>
         <p:blipFill>
-          <a:blip r:embed="rId15">
+          <a:blip r:embed="rId15" cstate="print">
             <a:extLst>
               <a:ext uri="{28A0092B-C50C-407E-A947-70E740481C1C}">
                 <a14:useLocalDpi xmlns:a14="http://schemas.microsoft.com/office/drawing/2010/main" val="0"/>
@@ -15563,7 +16749,7 @@
           <p:cNvPr id="26" name="Egyenes összekötő 25">
             <a:extLst>
               <a:ext uri="{FF2B5EF4-FFF2-40B4-BE49-F238E27FC236}">
-                <a16:creationId xmlns:a16="http://schemas.microsoft.com/office/drawing/2014/main" id="{BC468C39-269A-44BB-9F15-956984ECDFE4}"/>
+                <a16:creationId xmlns:a16="http://schemas.microsoft.com/office/drawing/2014/main" xmlns="" id="{BC468C39-269A-44BB-9F15-956984ECDFE4}"/>
               </a:ext>
             </a:extLst>
           </p:cNvPr>
@@ -15601,7 +16787,7 @@
           <p:cNvPr id="28" name="Egyenes összekötő 27">
             <a:extLst>
               <a:ext uri="{FF2B5EF4-FFF2-40B4-BE49-F238E27FC236}">
-                <a16:creationId xmlns:a16="http://schemas.microsoft.com/office/drawing/2014/main" id="{1C06E523-ABB3-4242-888B-0DCA07E707C1}"/>
+                <a16:creationId xmlns:a16="http://schemas.microsoft.com/office/drawing/2014/main" xmlns="" id="{1C06E523-ABB3-4242-888B-0DCA07E707C1}"/>
               </a:ext>
             </a:extLst>
           </p:cNvPr>
@@ -15642,7 +16828,7 @@
           <p:cNvPr id="30" name="Egyenes összekötő 29">
             <a:extLst>
               <a:ext uri="{FF2B5EF4-FFF2-40B4-BE49-F238E27FC236}">
-                <a16:creationId xmlns:a16="http://schemas.microsoft.com/office/drawing/2014/main" id="{07B5B1F8-7247-4EDC-8BB3-4EBEEED7218B}"/>
+                <a16:creationId xmlns:a16="http://schemas.microsoft.com/office/drawing/2014/main" xmlns="" id="{07B5B1F8-7247-4EDC-8BB3-4EBEEED7218B}"/>
               </a:ext>
             </a:extLst>
           </p:cNvPr>
@@ -15678,7 +16864,7 @@
           <p:cNvPr id="24" name="Szövegdoboz 23">
             <a:extLst>
               <a:ext uri="{FF2B5EF4-FFF2-40B4-BE49-F238E27FC236}">
-                <a16:creationId xmlns:a16="http://schemas.microsoft.com/office/drawing/2014/main" id="{E6976D20-9B16-45FB-9C78-E6EAA4C629E6}"/>
+                <a16:creationId xmlns:a16="http://schemas.microsoft.com/office/drawing/2014/main" xmlns="" id="{E6976D20-9B16-45FB-9C78-E6EAA4C629E6}"/>
               </a:ext>
             </a:extLst>
           </p:cNvPr>
@@ -15717,7 +16903,7 @@
           <p:cNvPr id="34" name="Szövegdoboz 33">
             <a:extLst>
               <a:ext uri="{FF2B5EF4-FFF2-40B4-BE49-F238E27FC236}">
-                <a16:creationId xmlns:a16="http://schemas.microsoft.com/office/drawing/2014/main" id="{663EFC6A-27A6-4963-8590-C2B43261860B}"/>
+                <a16:creationId xmlns:a16="http://schemas.microsoft.com/office/drawing/2014/main" xmlns="" id="{663EFC6A-27A6-4963-8590-C2B43261860B}"/>
               </a:ext>
             </a:extLst>
           </p:cNvPr>
@@ -15754,7 +16940,7 @@
           <p:cNvPr id="35" name="Szövegdoboz 34">
             <a:extLst>
               <a:ext uri="{FF2B5EF4-FFF2-40B4-BE49-F238E27FC236}">
-                <a16:creationId xmlns:a16="http://schemas.microsoft.com/office/drawing/2014/main" id="{EA0AEA84-8407-45F6-9237-0414C281324C}"/>
+                <a16:creationId xmlns:a16="http://schemas.microsoft.com/office/drawing/2014/main" xmlns="" id="{EA0AEA84-8407-45F6-9237-0414C281324C}"/>
               </a:ext>
             </a:extLst>
           </p:cNvPr>
@@ -15815,7 +17001,7 @@
           <p:cNvPr id="36" name="Szövegdoboz 35">
             <a:extLst>
               <a:ext uri="{FF2B5EF4-FFF2-40B4-BE49-F238E27FC236}">
-                <a16:creationId xmlns:a16="http://schemas.microsoft.com/office/drawing/2014/main" id="{DAD8E18A-C09E-4C39-AC7F-C0DF69E4E08C}"/>
+                <a16:creationId xmlns:a16="http://schemas.microsoft.com/office/drawing/2014/main" xmlns="" id="{DAD8E18A-C09E-4C39-AC7F-C0DF69E4E08C}"/>
               </a:ext>
             </a:extLst>
           </p:cNvPr>
@@ -15853,7 +17039,7 @@
           <p:cNvPr id="39" name="Szövegdoboz 38">
             <a:extLst>
               <a:ext uri="{FF2B5EF4-FFF2-40B4-BE49-F238E27FC236}">
-                <a16:creationId xmlns:a16="http://schemas.microsoft.com/office/drawing/2014/main" id="{8BFFB914-3911-445C-AAF8-D50C2252A398}"/>
+                <a16:creationId xmlns:a16="http://schemas.microsoft.com/office/drawing/2014/main" xmlns="" id="{8BFFB914-3911-445C-AAF8-D50C2252A398}"/>
               </a:ext>
             </a:extLst>
           </p:cNvPr>
@@ -15890,7 +17076,7 @@
           <p:cNvPr id="41" name="Szövegdoboz 40">
             <a:extLst>
               <a:ext uri="{FF2B5EF4-FFF2-40B4-BE49-F238E27FC236}">
-                <a16:creationId xmlns:a16="http://schemas.microsoft.com/office/drawing/2014/main" id="{94600FA8-74C4-4796-A2F4-5FE89A6A530A}"/>
+                <a16:creationId xmlns:a16="http://schemas.microsoft.com/office/drawing/2014/main" xmlns="" id="{94600FA8-74C4-4796-A2F4-5FE89A6A530A}"/>
               </a:ext>
             </a:extLst>
           </p:cNvPr>
@@ -15957,7 +17143,7 @@
           <p:cNvPr id="4" name="Téglalap 3">
             <a:extLst>
               <a:ext uri="{FF2B5EF4-FFF2-40B4-BE49-F238E27FC236}">
-                <a16:creationId xmlns:a16="http://schemas.microsoft.com/office/drawing/2014/main" id="{2E4301DD-C188-4DBD-8622-C3CF65F0D40F}"/>
+                <a16:creationId xmlns:a16="http://schemas.microsoft.com/office/drawing/2014/main" xmlns="" id="{2E4301DD-C188-4DBD-8622-C3CF65F0D40F}"/>
               </a:ext>
             </a:extLst>
           </p:cNvPr>
@@ -16009,7 +17195,7 @@
           <p:cNvPr id="5" name="Kép 4">
             <a:extLst>
               <a:ext uri="{FF2B5EF4-FFF2-40B4-BE49-F238E27FC236}">
-                <a16:creationId xmlns:a16="http://schemas.microsoft.com/office/drawing/2014/main" id="{35DB0531-99A2-4AA4-A155-C0DB79EEBECC}"/>
+                <a16:creationId xmlns:a16="http://schemas.microsoft.com/office/drawing/2014/main" xmlns="" id="{35DB0531-99A2-4AA4-A155-C0DB79EEBECC}"/>
               </a:ext>
             </a:extLst>
           </p:cNvPr>
@@ -16019,7 +17205,7 @@
           <p:nvPr/>
         </p:nvPicPr>
         <p:blipFill>
-          <a:blip r:embed="rId2">
+          <a:blip r:embed="rId2" cstate="print">
             <a:extLst>
               <a:ext uri="{28A0092B-C50C-407E-A947-70E740481C1C}">
                 <a14:useLocalDpi xmlns:a14="http://schemas.microsoft.com/office/drawing/2010/main" val="0"/>
@@ -16045,7 +17231,7 @@
           <p:cNvPr id="6" name="Ábra 5">
             <a:extLst>
               <a:ext uri="{FF2B5EF4-FFF2-40B4-BE49-F238E27FC236}">
-                <a16:creationId xmlns:a16="http://schemas.microsoft.com/office/drawing/2014/main" id="{0FB8A7EC-F4C1-41A1-80C9-A77B34E449E7}"/>
+                <a16:creationId xmlns:a16="http://schemas.microsoft.com/office/drawing/2014/main" xmlns="" id="{0FB8A7EC-F4C1-41A1-80C9-A77B34E449E7}"/>
               </a:ext>
             </a:extLst>
           </p:cNvPr>
@@ -16055,13 +17241,13 @@
           <p:nvPr/>
         </p:nvPicPr>
         <p:blipFill>
-          <a:blip r:embed="rId3">
+          <a:blip r:embed="rId3" cstate="print">
             <a:extLst>
               <a:ext uri="{28A0092B-C50C-407E-A947-70E740481C1C}">
                 <a14:useLocalDpi xmlns:a14="http://schemas.microsoft.com/office/drawing/2010/main" val="0"/>
               </a:ext>
               <a:ext uri="{96DAC541-7B7A-43D3-8B79-37D633B846F1}">
-                <asvg:svgBlip xmlns:asvg="http://schemas.microsoft.com/office/drawing/2016/SVG/main" r:embed="rId4"/>
+                <asvg:svgBlip xmlns:asvg="http://schemas.microsoft.com/office/drawing/2016/SVG/main" xmlns="" r:embed="rId4"/>
               </a:ext>
             </a:extLst>
           </a:blip>
@@ -16084,7 +17270,7 @@
           <p:cNvPr id="7" name="Szövegdoboz 6">
             <a:extLst>
               <a:ext uri="{FF2B5EF4-FFF2-40B4-BE49-F238E27FC236}">
-                <a16:creationId xmlns:a16="http://schemas.microsoft.com/office/drawing/2014/main" id="{06BF220C-87A1-4E15-98FC-25D0E35276C7}"/>
+                <a16:creationId xmlns:a16="http://schemas.microsoft.com/office/drawing/2014/main" xmlns="" id="{06BF220C-87A1-4E15-98FC-25D0E35276C7}"/>
               </a:ext>
             </a:extLst>
           </p:cNvPr>
@@ -16124,7 +17310,7 @@
           <p:cNvPr id="8" name="Ábra 7" descr="Kiszolgáló egyszínű kitöltéssel">
             <a:extLst>
               <a:ext uri="{FF2B5EF4-FFF2-40B4-BE49-F238E27FC236}">
-                <a16:creationId xmlns:a16="http://schemas.microsoft.com/office/drawing/2014/main" id="{3FCA9E6B-6566-4EA7-85F9-60B3681336DC}"/>
+                <a16:creationId xmlns:a16="http://schemas.microsoft.com/office/drawing/2014/main" xmlns="" id="{3FCA9E6B-6566-4EA7-85F9-60B3681336DC}"/>
               </a:ext>
             </a:extLst>
           </p:cNvPr>
@@ -16134,13 +17320,13 @@
           <p:nvPr/>
         </p:nvPicPr>
         <p:blipFill>
-          <a:blip r:embed="rId5">
+          <a:blip r:embed="rId5" cstate="print">
             <a:extLst>
               <a:ext uri="{28A0092B-C50C-407E-A947-70E740481C1C}">
                 <a14:useLocalDpi xmlns:a14="http://schemas.microsoft.com/office/drawing/2010/main" val="0"/>
               </a:ext>
               <a:ext uri="{96DAC541-7B7A-43D3-8B79-37D633B846F1}">
-                <asvg:svgBlip xmlns:asvg="http://schemas.microsoft.com/office/drawing/2016/SVG/main" r:embed="rId6"/>
+                <asvg:svgBlip xmlns:asvg="http://schemas.microsoft.com/office/drawing/2016/SVG/main" xmlns="" r:embed="rId6"/>
               </a:ext>
             </a:extLst>
           </a:blip>
@@ -16163,7 +17349,7 @@
           <p:cNvPr id="9" name="Ábra 8" descr="Kiszolgáló egyszínű kitöltéssel">
             <a:extLst>
               <a:ext uri="{FF2B5EF4-FFF2-40B4-BE49-F238E27FC236}">
-                <a16:creationId xmlns:a16="http://schemas.microsoft.com/office/drawing/2014/main" id="{5D4C4BC6-D032-4F4B-8ADB-2F3969867831}"/>
+                <a16:creationId xmlns:a16="http://schemas.microsoft.com/office/drawing/2014/main" xmlns="" id="{5D4C4BC6-D032-4F4B-8ADB-2F3969867831}"/>
               </a:ext>
             </a:extLst>
           </p:cNvPr>
@@ -16173,13 +17359,13 @@
           <p:nvPr/>
         </p:nvPicPr>
         <p:blipFill>
-          <a:blip r:embed="rId5">
+          <a:blip r:embed="rId5" cstate="print">
             <a:extLst>
               <a:ext uri="{28A0092B-C50C-407E-A947-70E740481C1C}">
                 <a14:useLocalDpi xmlns:a14="http://schemas.microsoft.com/office/drawing/2010/main" val="0"/>
               </a:ext>
               <a:ext uri="{96DAC541-7B7A-43D3-8B79-37D633B846F1}">
-                <asvg:svgBlip xmlns:asvg="http://schemas.microsoft.com/office/drawing/2016/SVG/main" r:embed="rId6"/>
+                <asvg:svgBlip xmlns:asvg="http://schemas.microsoft.com/office/drawing/2016/SVG/main" xmlns="" r:embed="rId6"/>
               </a:ext>
             </a:extLst>
           </a:blip>
@@ -16202,7 +17388,7 @@
           <p:cNvPr id="10" name="Ábra 9" descr="Kiszolgáló egyszínű kitöltéssel">
             <a:extLst>
               <a:ext uri="{FF2B5EF4-FFF2-40B4-BE49-F238E27FC236}">
-                <a16:creationId xmlns:a16="http://schemas.microsoft.com/office/drawing/2014/main" id="{FB74269D-EE68-45B7-BE3E-C8F09726E07D}"/>
+                <a16:creationId xmlns:a16="http://schemas.microsoft.com/office/drawing/2014/main" xmlns="" id="{FB74269D-EE68-45B7-BE3E-C8F09726E07D}"/>
               </a:ext>
             </a:extLst>
           </p:cNvPr>
@@ -16212,13 +17398,13 @@
           <p:nvPr/>
         </p:nvPicPr>
         <p:blipFill>
-          <a:blip r:embed="rId5">
+          <a:blip r:embed="rId5" cstate="print">
             <a:extLst>
               <a:ext uri="{28A0092B-C50C-407E-A947-70E740481C1C}">
                 <a14:useLocalDpi xmlns:a14="http://schemas.microsoft.com/office/drawing/2010/main" val="0"/>
               </a:ext>
               <a:ext uri="{96DAC541-7B7A-43D3-8B79-37D633B846F1}">
-                <asvg:svgBlip xmlns:asvg="http://schemas.microsoft.com/office/drawing/2016/SVG/main" r:embed="rId6"/>
+                <asvg:svgBlip xmlns:asvg="http://schemas.microsoft.com/office/drawing/2016/SVG/main" xmlns="" r:embed="rId6"/>
               </a:ext>
             </a:extLst>
           </a:blip>
@@ -16241,7 +17427,7 @@
           <p:cNvPr id="13" name="Ábra 12" descr="Kiszolgáló egyszínű kitöltéssel">
             <a:extLst>
               <a:ext uri="{FF2B5EF4-FFF2-40B4-BE49-F238E27FC236}">
-                <a16:creationId xmlns:a16="http://schemas.microsoft.com/office/drawing/2014/main" id="{42B9D417-2758-4ABA-9C2A-22AB930591DA}"/>
+                <a16:creationId xmlns:a16="http://schemas.microsoft.com/office/drawing/2014/main" xmlns="" id="{42B9D417-2758-4ABA-9C2A-22AB930591DA}"/>
               </a:ext>
             </a:extLst>
           </p:cNvPr>
@@ -16251,13 +17437,13 @@
           <p:nvPr/>
         </p:nvPicPr>
         <p:blipFill>
-          <a:blip r:embed="rId5">
+          <a:blip r:embed="rId5" cstate="print">
             <a:extLst>
               <a:ext uri="{28A0092B-C50C-407E-A947-70E740481C1C}">
                 <a14:useLocalDpi xmlns:a14="http://schemas.microsoft.com/office/drawing/2010/main" val="0"/>
               </a:ext>
               <a:ext uri="{96DAC541-7B7A-43D3-8B79-37D633B846F1}">
-                <asvg:svgBlip xmlns:asvg="http://schemas.microsoft.com/office/drawing/2016/SVG/main" r:embed="rId6"/>
+                <asvg:svgBlip xmlns:asvg="http://schemas.microsoft.com/office/drawing/2016/SVG/main" xmlns="" r:embed="rId6"/>
               </a:ext>
             </a:extLst>
           </a:blip>
@@ -16280,7 +17466,7 @@
           <p:cNvPr id="14" name="Ábra 13" descr="Kiszolgáló egyszínű kitöltéssel">
             <a:extLst>
               <a:ext uri="{FF2B5EF4-FFF2-40B4-BE49-F238E27FC236}">
-                <a16:creationId xmlns:a16="http://schemas.microsoft.com/office/drawing/2014/main" id="{CCF31FE1-2D3C-4AD9-976F-B44ACBE6BA30}"/>
+                <a16:creationId xmlns:a16="http://schemas.microsoft.com/office/drawing/2014/main" xmlns="" id="{CCF31FE1-2D3C-4AD9-976F-B44ACBE6BA30}"/>
               </a:ext>
             </a:extLst>
           </p:cNvPr>
@@ -16290,13 +17476,13 @@
           <p:nvPr/>
         </p:nvPicPr>
         <p:blipFill>
-          <a:blip r:embed="rId5">
+          <a:blip r:embed="rId5" cstate="print">
             <a:extLst>
               <a:ext uri="{28A0092B-C50C-407E-A947-70E740481C1C}">
                 <a14:useLocalDpi xmlns:a14="http://schemas.microsoft.com/office/drawing/2010/main" val="0"/>
               </a:ext>
               <a:ext uri="{96DAC541-7B7A-43D3-8B79-37D633B846F1}">
-                <asvg:svgBlip xmlns:asvg="http://schemas.microsoft.com/office/drawing/2016/SVG/main" r:embed="rId6"/>
+                <asvg:svgBlip xmlns:asvg="http://schemas.microsoft.com/office/drawing/2016/SVG/main" xmlns="" r:embed="rId6"/>
               </a:ext>
             </a:extLst>
           </a:blip>
@@ -16319,7 +17505,7 @@
           <p:cNvPr id="15" name="Ábra 14" descr="Kiszolgáló egyszínű kitöltéssel">
             <a:extLst>
               <a:ext uri="{FF2B5EF4-FFF2-40B4-BE49-F238E27FC236}">
-                <a16:creationId xmlns:a16="http://schemas.microsoft.com/office/drawing/2014/main" id="{2067FAB1-ACE9-49C1-AEDA-E8C49C6A4681}"/>
+                <a16:creationId xmlns:a16="http://schemas.microsoft.com/office/drawing/2014/main" xmlns="" id="{2067FAB1-ACE9-49C1-AEDA-E8C49C6A4681}"/>
               </a:ext>
             </a:extLst>
           </p:cNvPr>
@@ -16329,13 +17515,13 @@
           <p:nvPr/>
         </p:nvPicPr>
         <p:blipFill>
-          <a:blip r:embed="rId5">
+          <a:blip r:embed="rId5" cstate="print">
             <a:extLst>
               <a:ext uri="{28A0092B-C50C-407E-A947-70E740481C1C}">
                 <a14:useLocalDpi xmlns:a14="http://schemas.microsoft.com/office/drawing/2010/main" val="0"/>
               </a:ext>
               <a:ext uri="{96DAC541-7B7A-43D3-8B79-37D633B846F1}">
-                <asvg:svgBlip xmlns:asvg="http://schemas.microsoft.com/office/drawing/2016/SVG/main" r:embed="rId6"/>
+                <asvg:svgBlip xmlns:asvg="http://schemas.microsoft.com/office/drawing/2016/SVG/main" xmlns="" r:embed="rId6"/>
               </a:ext>
             </a:extLst>
           </a:blip>
@@ -16358,7 +17544,7 @@
           <p:cNvPr id="16" name="Ábra 15" descr="Kiszolgáló egyszínű kitöltéssel">
             <a:extLst>
               <a:ext uri="{FF2B5EF4-FFF2-40B4-BE49-F238E27FC236}">
-                <a16:creationId xmlns:a16="http://schemas.microsoft.com/office/drawing/2014/main" id="{4AF5A067-D566-4776-B279-8462147780A8}"/>
+                <a16:creationId xmlns:a16="http://schemas.microsoft.com/office/drawing/2014/main" xmlns="" id="{4AF5A067-D566-4776-B279-8462147780A8}"/>
               </a:ext>
             </a:extLst>
           </p:cNvPr>
@@ -16368,13 +17554,13 @@
           <p:nvPr/>
         </p:nvPicPr>
         <p:blipFill>
-          <a:blip r:embed="rId5">
+          <a:blip r:embed="rId5" cstate="print">
             <a:extLst>
               <a:ext uri="{28A0092B-C50C-407E-A947-70E740481C1C}">
                 <a14:useLocalDpi xmlns:a14="http://schemas.microsoft.com/office/drawing/2010/main" val="0"/>
               </a:ext>
               <a:ext uri="{96DAC541-7B7A-43D3-8B79-37D633B846F1}">
-                <asvg:svgBlip xmlns:asvg="http://schemas.microsoft.com/office/drawing/2016/SVG/main" r:embed="rId6"/>
+                <asvg:svgBlip xmlns:asvg="http://schemas.microsoft.com/office/drawing/2016/SVG/main" xmlns="" r:embed="rId6"/>
               </a:ext>
             </a:extLst>
           </a:blip>
@@ -16397,7 +17583,7 @@
           <p:cNvPr id="19" name="Ellipszis 18">
             <a:extLst>
               <a:ext uri="{FF2B5EF4-FFF2-40B4-BE49-F238E27FC236}">
-                <a16:creationId xmlns:a16="http://schemas.microsoft.com/office/drawing/2014/main" id="{9AA3526F-52A6-45A3-AE16-E8926AE0723B}"/>
+                <a16:creationId xmlns:a16="http://schemas.microsoft.com/office/drawing/2014/main" xmlns="" id="{9AA3526F-52A6-45A3-AE16-E8926AE0723B}"/>
               </a:ext>
             </a:extLst>
           </p:cNvPr>
@@ -16451,7 +17637,7 @@
           <p:cNvPr id="18" name="Kép 17">
             <a:extLst>
               <a:ext uri="{FF2B5EF4-FFF2-40B4-BE49-F238E27FC236}">
-                <a16:creationId xmlns:a16="http://schemas.microsoft.com/office/drawing/2014/main" id="{E62BD2C4-411D-4110-BEFA-6B8A9105827D}"/>
+                <a16:creationId xmlns:a16="http://schemas.microsoft.com/office/drawing/2014/main" xmlns="" id="{E62BD2C4-411D-4110-BEFA-6B8A9105827D}"/>
               </a:ext>
             </a:extLst>
           </p:cNvPr>
@@ -16461,7 +17647,7 @@
           <p:nvPr/>
         </p:nvPicPr>
         <p:blipFill>
-          <a:blip r:embed="rId7">
+          <a:blip r:embed="rId7" cstate="print">
             <a:extLst>
               <a:ext uri="{28A0092B-C50C-407E-A947-70E740481C1C}">
                 <a14:useLocalDpi xmlns:a14="http://schemas.microsoft.com/office/drawing/2010/main" val="0"/>
@@ -16487,7 +17673,7 @@
           <p:cNvPr id="20" name="Szövegdoboz 19">
             <a:extLst>
               <a:ext uri="{FF2B5EF4-FFF2-40B4-BE49-F238E27FC236}">
-                <a16:creationId xmlns:a16="http://schemas.microsoft.com/office/drawing/2014/main" id="{E999556D-DC61-4113-A20E-F300431021F2}"/>
+                <a16:creationId xmlns:a16="http://schemas.microsoft.com/office/drawing/2014/main" xmlns="" id="{E999556D-DC61-4113-A20E-F300431021F2}"/>
               </a:ext>
             </a:extLst>
           </p:cNvPr>
@@ -16524,7 +17710,7 @@
           <p:cNvPr id="21" name="Szövegdoboz 20">
             <a:extLst>
               <a:ext uri="{FF2B5EF4-FFF2-40B4-BE49-F238E27FC236}">
-                <a16:creationId xmlns:a16="http://schemas.microsoft.com/office/drawing/2014/main" id="{10AED433-989F-4BA4-BA4C-E2508FB3EC27}"/>
+                <a16:creationId xmlns:a16="http://schemas.microsoft.com/office/drawing/2014/main" xmlns="" id="{10AED433-989F-4BA4-BA4C-E2508FB3EC27}"/>
               </a:ext>
             </a:extLst>
           </p:cNvPr>
@@ -16561,7 +17747,7 @@
           <p:cNvPr id="22" name="Szövegdoboz 21">
             <a:extLst>
               <a:ext uri="{FF2B5EF4-FFF2-40B4-BE49-F238E27FC236}">
-                <a16:creationId xmlns:a16="http://schemas.microsoft.com/office/drawing/2014/main" id="{43EFA151-7643-42DE-9F5C-EF4E10932448}"/>
+                <a16:creationId xmlns:a16="http://schemas.microsoft.com/office/drawing/2014/main" xmlns="" id="{43EFA151-7643-42DE-9F5C-EF4E10932448}"/>
               </a:ext>
             </a:extLst>
           </p:cNvPr>
@@ -16598,7 +17784,7 @@
           <p:cNvPr id="23" name="Szövegdoboz 22">
             <a:extLst>
               <a:ext uri="{FF2B5EF4-FFF2-40B4-BE49-F238E27FC236}">
-                <a16:creationId xmlns:a16="http://schemas.microsoft.com/office/drawing/2014/main" id="{CF8FFEFA-675A-4158-884C-F869503BE7FD}"/>
+                <a16:creationId xmlns:a16="http://schemas.microsoft.com/office/drawing/2014/main" xmlns="" id="{CF8FFEFA-675A-4158-884C-F869503BE7FD}"/>
               </a:ext>
             </a:extLst>
           </p:cNvPr>
@@ -16635,7 +17821,7 @@
           <p:cNvPr id="24" name="Szövegdoboz 23">
             <a:extLst>
               <a:ext uri="{FF2B5EF4-FFF2-40B4-BE49-F238E27FC236}">
-                <a16:creationId xmlns:a16="http://schemas.microsoft.com/office/drawing/2014/main" id="{88356821-6AB9-4C21-869D-704DEAB7D7FC}"/>
+                <a16:creationId xmlns:a16="http://schemas.microsoft.com/office/drawing/2014/main" xmlns="" id="{88356821-6AB9-4C21-869D-704DEAB7D7FC}"/>
               </a:ext>
             </a:extLst>
           </p:cNvPr>
@@ -16672,7 +17858,7 @@
           <p:cNvPr id="25" name="Szövegdoboz 24">
             <a:extLst>
               <a:ext uri="{FF2B5EF4-FFF2-40B4-BE49-F238E27FC236}">
-                <a16:creationId xmlns:a16="http://schemas.microsoft.com/office/drawing/2014/main" id="{A21F913D-3335-421C-A005-A072D9EBAA53}"/>
+                <a16:creationId xmlns:a16="http://schemas.microsoft.com/office/drawing/2014/main" xmlns="" id="{A21F913D-3335-421C-A005-A072D9EBAA53}"/>
               </a:ext>
             </a:extLst>
           </p:cNvPr>
@@ -16709,7 +17895,7 @@
           <p:cNvPr id="26" name="Szövegdoboz 25">
             <a:extLst>
               <a:ext uri="{FF2B5EF4-FFF2-40B4-BE49-F238E27FC236}">
-                <a16:creationId xmlns:a16="http://schemas.microsoft.com/office/drawing/2014/main" id="{47C8251B-9EBA-47C5-958B-C7CD037790FA}"/>
+                <a16:creationId xmlns:a16="http://schemas.microsoft.com/office/drawing/2014/main" xmlns="" id="{47C8251B-9EBA-47C5-958B-C7CD037790FA}"/>
               </a:ext>
             </a:extLst>
           </p:cNvPr>
@@ -16746,7 +17932,7 @@
           <p:cNvPr id="27" name="Szövegdoboz 26">
             <a:extLst>
               <a:ext uri="{FF2B5EF4-FFF2-40B4-BE49-F238E27FC236}">
-                <a16:creationId xmlns:a16="http://schemas.microsoft.com/office/drawing/2014/main" id="{B5F6C7A9-9E45-4936-944E-5BF7EA4D6DB9}"/>
+                <a16:creationId xmlns:a16="http://schemas.microsoft.com/office/drawing/2014/main" xmlns="" id="{B5F6C7A9-9E45-4936-944E-5BF7EA4D6DB9}"/>
               </a:ext>
             </a:extLst>
           </p:cNvPr>
@@ -16783,7 +17969,7 @@
           <p:cNvPr id="28" name="Szövegdoboz 27">
             <a:extLst>
               <a:ext uri="{FF2B5EF4-FFF2-40B4-BE49-F238E27FC236}">
-                <a16:creationId xmlns:a16="http://schemas.microsoft.com/office/drawing/2014/main" id="{1974BC66-F989-4D70-8D0B-5AEE5286C387}"/>
+                <a16:creationId xmlns:a16="http://schemas.microsoft.com/office/drawing/2014/main" xmlns="" id="{1974BC66-F989-4D70-8D0B-5AEE5286C387}"/>
               </a:ext>
             </a:extLst>
           </p:cNvPr>
@@ -16820,7 +18006,7 @@
           <p:cNvPr id="35" name="Kép 34">
             <a:extLst>
               <a:ext uri="{FF2B5EF4-FFF2-40B4-BE49-F238E27FC236}">
-                <a16:creationId xmlns:a16="http://schemas.microsoft.com/office/drawing/2014/main" id="{F5FF6DF5-1B38-4A2E-86A0-AE01A8C5DEE5}"/>
+                <a16:creationId xmlns:a16="http://schemas.microsoft.com/office/drawing/2014/main" xmlns="" id="{F5FF6DF5-1B38-4A2E-86A0-AE01A8C5DEE5}"/>
               </a:ext>
             </a:extLst>
           </p:cNvPr>
@@ -16830,7 +18016,7 @@
           <p:nvPr/>
         </p:nvPicPr>
         <p:blipFill>
-          <a:blip r:embed="rId8">
+          <a:blip r:embed="rId8" cstate="print">
             <a:extLst>
               <a:ext uri="{28A0092B-C50C-407E-A947-70E740481C1C}">
                 <a14:useLocalDpi xmlns:a14="http://schemas.microsoft.com/office/drawing/2010/main" val="0"/>
@@ -16856,7 +18042,7 @@
           <p:cNvPr id="38" name="Kép 37">
             <a:extLst>
               <a:ext uri="{FF2B5EF4-FFF2-40B4-BE49-F238E27FC236}">
-                <a16:creationId xmlns:a16="http://schemas.microsoft.com/office/drawing/2014/main" id="{4D610CC0-25E9-452D-AEF2-FD3DA3F00E3E}"/>
+                <a16:creationId xmlns:a16="http://schemas.microsoft.com/office/drawing/2014/main" xmlns="" id="{4D610CC0-25E9-452D-AEF2-FD3DA3F00E3E}"/>
               </a:ext>
             </a:extLst>
           </p:cNvPr>
@@ -16866,7 +18052,7 @@
           <p:nvPr/>
         </p:nvPicPr>
         <p:blipFill>
-          <a:blip r:embed="rId9">
+          <a:blip r:embed="rId9" cstate="print">
             <a:extLst>
               <a:ext uri="{28A0092B-C50C-407E-A947-70E740481C1C}">
                 <a14:useLocalDpi xmlns:a14="http://schemas.microsoft.com/office/drawing/2010/main" val="0"/>
@@ -16892,7 +18078,7 @@
           <p:cNvPr id="39" name="Ábra 38">
             <a:extLst>
               <a:ext uri="{FF2B5EF4-FFF2-40B4-BE49-F238E27FC236}">
-                <a16:creationId xmlns:a16="http://schemas.microsoft.com/office/drawing/2014/main" id="{3B38DCE1-3F80-4AA9-B820-C3D05FD60AC7}"/>
+                <a16:creationId xmlns:a16="http://schemas.microsoft.com/office/drawing/2014/main" xmlns="" id="{3B38DCE1-3F80-4AA9-B820-C3D05FD60AC7}"/>
               </a:ext>
             </a:extLst>
           </p:cNvPr>
@@ -16902,13 +18088,13 @@
           <p:nvPr/>
         </p:nvPicPr>
         <p:blipFill>
-          <a:blip r:embed="rId10">
+          <a:blip r:embed="rId10" cstate="print">
             <a:extLst>
               <a:ext uri="{28A0092B-C50C-407E-A947-70E740481C1C}">
                 <a14:useLocalDpi xmlns:a14="http://schemas.microsoft.com/office/drawing/2010/main" val="0"/>
               </a:ext>
               <a:ext uri="{96DAC541-7B7A-43D3-8B79-37D633B846F1}">
-                <asvg:svgBlip xmlns:asvg="http://schemas.microsoft.com/office/drawing/2016/SVG/main" r:embed="rId11"/>
+                <asvg:svgBlip xmlns:asvg="http://schemas.microsoft.com/office/drawing/2016/SVG/main" xmlns="" r:embed="rId11"/>
               </a:ext>
             </a:extLst>
           </a:blip>
@@ -16931,7 +18117,7 @@
           <p:cNvPr id="41" name="Kép 40">
             <a:extLst>
               <a:ext uri="{FF2B5EF4-FFF2-40B4-BE49-F238E27FC236}">
-                <a16:creationId xmlns:a16="http://schemas.microsoft.com/office/drawing/2014/main" id="{B7DAB443-B343-4F88-A441-A12A5AD0E4EA}"/>
+                <a16:creationId xmlns:a16="http://schemas.microsoft.com/office/drawing/2014/main" xmlns="" id="{B7DAB443-B343-4F88-A441-A12A5AD0E4EA}"/>
               </a:ext>
             </a:extLst>
           </p:cNvPr>
@@ -16941,7 +18127,7 @@
           <p:nvPr/>
         </p:nvPicPr>
         <p:blipFill>
-          <a:blip r:embed="rId12">
+          <a:blip r:embed="rId12" cstate="print">
             <a:extLst>
               <a:ext uri="{28A0092B-C50C-407E-A947-70E740481C1C}">
                 <a14:useLocalDpi xmlns:a14="http://schemas.microsoft.com/office/drawing/2010/main" val="0"/>
@@ -16967,7 +18153,7 @@
           <p:cNvPr id="42" name="Kép 41">
             <a:extLst>
               <a:ext uri="{FF2B5EF4-FFF2-40B4-BE49-F238E27FC236}">
-                <a16:creationId xmlns:a16="http://schemas.microsoft.com/office/drawing/2014/main" id="{076AE416-459C-4148-AB8B-FD5B66B329A7}"/>
+                <a16:creationId xmlns:a16="http://schemas.microsoft.com/office/drawing/2014/main" xmlns="" id="{076AE416-459C-4148-AB8B-FD5B66B329A7}"/>
               </a:ext>
             </a:extLst>
           </p:cNvPr>
@@ -16977,7 +18163,7 @@
           <p:nvPr/>
         </p:nvPicPr>
         <p:blipFill>
-          <a:blip r:embed="rId12">
+          <a:blip r:embed="rId12" cstate="print">
             <a:extLst>
               <a:ext uri="{28A0092B-C50C-407E-A947-70E740481C1C}">
                 <a14:useLocalDpi xmlns:a14="http://schemas.microsoft.com/office/drawing/2010/main" val="0"/>
@@ -17003,7 +18189,7 @@
           <p:cNvPr id="43" name="Kép 42">
             <a:extLst>
               <a:ext uri="{FF2B5EF4-FFF2-40B4-BE49-F238E27FC236}">
-                <a16:creationId xmlns:a16="http://schemas.microsoft.com/office/drawing/2014/main" id="{64431649-6991-4B23-B01F-672B11838358}"/>
+                <a16:creationId xmlns:a16="http://schemas.microsoft.com/office/drawing/2014/main" xmlns="" id="{64431649-6991-4B23-B01F-672B11838358}"/>
               </a:ext>
             </a:extLst>
           </p:cNvPr>
@@ -17013,7 +18199,7 @@
           <p:nvPr/>
         </p:nvPicPr>
         <p:blipFill>
-          <a:blip r:embed="rId12">
+          <a:blip r:embed="rId12" cstate="print">
             <a:extLst>
               <a:ext uri="{28A0092B-C50C-407E-A947-70E740481C1C}">
                 <a14:useLocalDpi xmlns:a14="http://schemas.microsoft.com/office/drawing/2010/main" val="0"/>
@@ -17039,7 +18225,7 @@
           <p:cNvPr id="44" name="Kép 43">
             <a:extLst>
               <a:ext uri="{FF2B5EF4-FFF2-40B4-BE49-F238E27FC236}">
-                <a16:creationId xmlns:a16="http://schemas.microsoft.com/office/drawing/2014/main" id="{CA2E8A35-411F-4B15-9BF7-627AD1BB9C0A}"/>
+                <a16:creationId xmlns:a16="http://schemas.microsoft.com/office/drawing/2014/main" xmlns="" id="{CA2E8A35-411F-4B15-9BF7-627AD1BB9C0A}"/>
               </a:ext>
             </a:extLst>
           </p:cNvPr>
@@ -17049,7 +18235,7 @@
           <p:nvPr/>
         </p:nvPicPr>
         <p:blipFill>
-          <a:blip r:embed="rId12">
+          <a:blip r:embed="rId12" cstate="print">
             <a:extLst>
               <a:ext uri="{28A0092B-C50C-407E-A947-70E740481C1C}">
                 <a14:useLocalDpi xmlns:a14="http://schemas.microsoft.com/office/drawing/2010/main" val="0"/>
@@ -17075,7 +18261,7 @@
           <p:cNvPr id="46" name="Kép 45">
             <a:extLst>
               <a:ext uri="{FF2B5EF4-FFF2-40B4-BE49-F238E27FC236}">
-                <a16:creationId xmlns:a16="http://schemas.microsoft.com/office/drawing/2014/main" id="{F3C9A1FF-6BD4-469D-A407-F6E89C3C0919}"/>
+                <a16:creationId xmlns:a16="http://schemas.microsoft.com/office/drawing/2014/main" xmlns="" id="{F3C9A1FF-6BD4-469D-A407-F6E89C3C0919}"/>
               </a:ext>
             </a:extLst>
           </p:cNvPr>
@@ -17085,7 +18271,7 @@
           <p:nvPr/>
         </p:nvPicPr>
         <p:blipFill>
-          <a:blip r:embed="rId13">
+          <a:blip r:embed="rId13" cstate="print">
             <a:extLst>
               <a:ext uri="{28A0092B-C50C-407E-A947-70E740481C1C}">
                 <a14:useLocalDpi xmlns:a14="http://schemas.microsoft.com/office/drawing/2010/main" val="0"/>
@@ -17111,7 +18297,7 @@
           <p:cNvPr id="12" name="Ábra 11" descr="Kiszolgáló egyszínű kitöltéssel">
             <a:extLst>
               <a:ext uri="{FF2B5EF4-FFF2-40B4-BE49-F238E27FC236}">
-                <a16:creationId xmlns:a16="http://schemas.microsoft.com/office/drawing/2014/main" id="{0EC66D18-6957-49F9-BA7F-292A5947755D}"/>
+                <a16:creationId xmlns:a16="http://schemas.microsoft.com/office/drawing/2014/main" xmlns="" id="{0EC66D18-6957-49F9-BA7F-292A5947755D}"/>
               </a:ext>
             </a:extLst>
           </p:cNvPr>
@@ -17121,13 +18307,13 @@
           <p:nvPr/>
         </p:nvPicPr>
         <p:blipFill>
-          <a:blip r:embed="rId5">
+          <a:blip r:embed="rId5" cstate="print">
             <a:extLst>
               <a:ext uri="{28A0092B-C50C-407E-A947-70E740481C1C}">
                 <a14:useLocalDpi xmlns:a14="http://schemas.microsoft.com/office/drawing/2010/main" val="0"/>
               </a:ext>
               <a:ext uri="{96DAC541-7B7A-43D3-8B79-37D633B846F1}">
-                <asvg:svgBlip xmlns:asvg="http://schemas.microsoft.com/office/drawing/2016/SVG/main" r:embed="rId6"/>
+                <asvg:svgBlip xmlns:asvg="http://schemas.microsoft.com/office/drawing/2016/SVG/main" xmlns="" r:embed="rId6"/>
               </a:ext>
             </a:extLst>
           </a:blip>
@@ -17150,7 +18336,7 @@
           <p:cNvPr id="11" name="Ábra 10" descr="Kiszolgáló egyszínű kitöltéssel">
             <a:extLst>
               <a:ext uri="{FF2B5EF4-FFF2-40B4-BE49-F238E27FC236}">
-                <a16:creationId xmlns:a16="http://schemas.microsoft.com/office/drawing/2014/main" id="{423E39F0-3B2F-479D-BD34-185157BF0752}"/>
+                <a16:creationId xmlns:a16="http://schemas.microsoft.com/office/drawing/2014/main" xmlns="" id="{423E39F0-3B2F-479D-BD34-185157BF0752}"/>
               </a:ext>
             </a:extLst>
           </p:cNvPr>
@@ -17160,13 +18346,13 @@
           <p:nvPr/>
         </p:nvPicPr>
         <p:blipFill>
-          <a:blip r:embed="rId5">
+          <a:blip r:embed="rId5" cstate="print">
             <a:extLst>
               <a:ext uri="{28A0092B-C50C-407E-A947-70E740481C1C}">
                 <a14:useLocalDpi xmlns:a14="http://schemas.microsoft.com/office/drawing/2010/main" val="0"/>
               </a:ext>
               <a:ext uri="{96DAC541-7B7A-43D3-8B79-37D633B846F1}">
-                <asvg:svgBlip xmlns:asvg="http://schemas.microsoft.com/office/drawing/2016/SVG/main" r:embed="rId6"/>
+                <asvg:svgBlip xmlns:asvg="http://schemas.microsoft.com/office/drawing/2016/SVG/main" xmlns="" r:embed="rId6"/>
               </a:ext>
             </a:extLst>
           </a:blip>
@@ -17219,7 +18405,7 @@
           <p:cNvPr id="4" name="Téglalap 3">
             <a:extLst>
               <a:ext uri="{FF2B5EF4-FFF2-40B4-BE49-F238E27FC236}">
-                <a16:creationId xmlns:a16="http://schemas.microsoft.com/office/drawing/2014/main" id="{8BD487A9-291B-4431-B206-E0C3CBAE0751}"/>
+                <a16:creationId xmlns:a16="http://schemas.microsoft.com/office/drawing/2014/main" xmlns="" id="{8BD487A9-291B-4431-B206-E0C3CBAE0751}"/>
               </a:ext>
             </a:extLst>
           </p:cNvPr>
@@ -17271,7 +18457,7 @@
           <p:cNvPr id="5" name="Szövegdoboz 4">
             <a:extLst>
               <a:ext uri="{FF2B5EF4-FFF2-40B4-BE49-F238E27FC236}">
-                <a16:creationId xmlns:a16="http://schemas.microsoft.com/office/drawing/2014/main" id="{1EC28930-1467-4715-8C76-50B042559670}"/>
+                <a16:creationId xmlns:a16="http://schemas.microsoft.com/office/drawing/2014/main" xmlns="" id="{1EC28930-1467-4715-8C76-50B042559670}"/>
               </a:ext>
             </a:extLst>
           </p:cNvPr>
@@ -17311,7 +18497,7 @@
           <p:cNvPr id="6" name="Ábra 5">
             <a:extLst>
               <a:ext uri="{FF2B5EF4-FFF2-40B4-BE49-F238E27FC236}">
-                <a16:creationId xmlns:a16="http://schemas.microsoft.com/office/drawing/2014/main" id="{D235D0E3-82EC-4D73-A17C-3640E718B117}"/>
+                <a16:creationId xmlns:a16="http://schemas.microsoft.com/office/drawing/2014/main" xmlns="" id="{D235D0E3-82EC-4D73-A17C-3640E718B117}"/>
               </a:ext>
             </a:extLst>
           </p:cNvPr>
@@ -17321,13 +18507,13 @@
           <p:nvPr/>
         </p:nvPicPr>
         <p:blipFill>
-          <a:blip r:embed="rId2">
+          <a:blip r:embed="rId2" cstate="print">
             <a:extLst>
               <a:ext uri="{28A0092B-C50C-407E-A947-70E740481C1C}">
                 <a14:useLocalDpi xmlns:a14="http://schemas.microsoft.com/office/drawing/2010/main" val="0"/>
               </a:ext>
               <a:ext uri="{96DAC541-7B7A-43D3-8B79-37D633B846F1}">
-                <asvg:svgBlip xmlns:asvg="http://schemas.microsoft.com/office/drawing/2016/SVG/main" r:embed="rId3"/>
+                <asvg:svgBlip xmlns:asvg="http://schemas.microsoft.com/office/drawing/2016/SVG/main" xmlns="" r:embed="rId3"/>
               </a:ext>
             </a:extLst>
           </a:blip>
@@ -17350,7 +18536,7 @@
           <p:cNvPr id="7" name="Kép 6">
             <a:extLst>
               <a:ext uri="{FF2B5EF4-FFF2-40B4-BE49-F238E27FC236}">
-                <a16:creationId xmlns:a16="http://schemas.microsoft.com/office/drawing/2014/main" id="{ED7944D8-8CD6-432D-843E-D9E6ACA7775F}"/>
+                <a16:creationId xmlns:a16="http://schemas.microsoft.com/office/drawing/2014/main" xmlns="" id="{ED7944D8-8CD6-432D-843E-D9E6ACA7775F}"/>
               </a:ext>
             </a:extLst>
           </p:cNvPr>
@@ -17360,7 +18546,7 @@
           <p:nvPr/>
         </p:nvPicPr>
         <p:blipFill>
-          <a:blip r:embed="rId4">
+          <a:blip r:embed="rId4" cstate="print">
             <a:extLst>
               <a:ext uri="{28A0092B-C50C-407E-A947-70E740481C1C}">
                 <a14:useLocalDpi xmlns:a14="http://schemas.microsoft.com/office/drawing/2010/main" val="0"/>
@@ -17386,7 +18572,7 @@
           <p:cNvPr id="9" name="Kép 8">
             <a:extLst>
               <a:ext uri="{FF2B5EF4-FFF2-40B4-BE49-F238E27FC236}">
-                <a16:creationId xmlns:a16="http://schemas.microsoft.com/office/drawing/2014/main" id="{AD6BF033-0FD1-4230-A4A4-2C2F974697CC}"/>
+                <a16:creationId xmlns:a16="http://schemas.microsoft.com/office/drawing/2014/main" xmlns="" id="{AD6BF033-0FD1-4230-A4A4-2C2F974697CC}"/>
               </a:ext>
             </a:extLst>
           </p:cNvPr>
@@ -17446,7 +18632,7 @@
           <p:cNvPr id="4" name="Téglalap 3">
             <a:extLst>
               <a:ext uri="{FF2B5EF4-FFF2-40B4-BE49-F238E27FC236}">
-                <a16:creationId xmlns:a16="http://schemas.microsoft.com/office/drawing/2014/main" id="{E3EEB5A6-8032-4DA9-BADC-AE838DA56D25}"/>
+                <a16:creationId xmlns:a16="http://schemas.microsoft.com/office/drawing/2014/main" xmlns="" id="{E3EEB5A6-8032-4DA9-BADC-AE838DA56D25}"/>
               </a:ext>
             </a:extLst>
           </p:cNvPr>
@@ -17498,7 +18684,7 @@
           <p:cNvPr id="5" name="Ábra 4">
             <a:extLst>
               <a:ext uri="{FF2B5EF4-FFF2-40B4-BE49-F238E27FC236}">
-                <a16:creationId xmlns:a16="http://schemas.microsoft.com/office/drawing/2014/main" id="{997D810F-2283-4E1A-8039-61B3FA1C8089}"/>
+                <a16:creationId xmlns:a16="http://schemas.microsoft.com/office/drawing/2014/main" xmlns="" id="{997D810F-2283-4E1A-8039-61B3FA1C8089}"/>
               </a:ext>
             </a:extLst>
           </p:cNvPr>
@@ -17508,13 +18694,13 @@
           <p:nvPr/>
         </p:nvPicPr>
         <p:blipFill>
-          <a:blip r:embed="rId2">
+          <a:blip r:embed="rId2" cstate="print">
             <a:extLst>
               <a:ext uri="{28A0092B-C50C-407E-A947-70E740481C1C}">
                 <a14:useLocalDpi xmlns:a14="http://schemas.microsoft.com/office/drawing/2010/main" val="0"/>
               </a:ext>
               <a:ext uri="{96DAC541-7B7A-43D3-8B79-37D633B846F1}">
-                <asvg:svgBlip xmlns:asvg="http://schemas.microsoft.com/office/drawing/2016/SVG/main" r:embed="rId3"/>
+                <asvg:svgBlip xmlns:asvg="http://schemas.microsoft.com/office/drawing/2016/SVG/main" xmlns="" r:embed="rId3"/>
               </a:ext>
             </a:extLst>
           </a:blip>
@@ -17537,7 +18723,7 @@
           <p:cNvPr id="6" name="Kép 5">
             <a:extLst>
               <a:ext uri="{FF2B5EF4-FFF2-40B4-BE49-F238E27FC236}">
-                <a16:creationId xmlns:a16="http://schemas.microsoft.com/office/drawing/2014/main" id="{A006EA08-3723-47A7-9FD7-B7CE2E13FD96}"/>
+                <a16:creationId xmlns:a16="http://schemas.microsoft.com/office/drawing/2014/main" xmlns="" id="{A006EA08-3723-47A7-9FD7-B7CE2E13FD96}"/>
               </a:ext>
             </a:extLst>
           </p:cNvPr>
@@ -17547,7 +18733,7 @@
           <p:nvPr/>
         </p:nvPicPr>
         <p:blipFill>
-          <a:blip r:embed="rId4">
+          <a:blip r:embed="rId4" cstate="print">
             <a:extLst>
               <a:ext uri="{28A0092B-C50C-407E-A947-70E740481C1C}">
                 <a14:useLocalDpi xmlns:a14="http://schemas.microsoft.com/office/drawing/2010/main" val="0"/>
@@ -17573,7 +18759,7 @@
           <p:cNvPr id="7" name="Szövegdoboz 6">
             <a:extLst>
               <a:ext uri="{FF2B5EF4-FFF2-40B4-BE49-F238E27FC236}">
-                <a16:creationId xmlns:a16="http://schemas.microsoft.com/office/drawing/2014/main" id="{DEB5B8C6-62F7-4945-AD4F-F38B274E0B6C}"/>
+                <a16:creationId xmlns:a16="http://schemas.microsoft.com/office/drawing/2014/main" xmlns="" id="{DEB5B8C6-62F7-4945-AD4F-F38B274E0B6C}"/>
               </a:ext>
             </a:extLst>
           </p:cNvPr>
@@ -17613,7 +18799,7 @@
           <p:cNvPr id="8" name="Szövegdoboz 7">
             <a:extLst>
               <a:ext uri="{FF2B5EF4-FFF2-40B4-BE49-F238E27FC236}">
-                <a16:creationId xmlns:a16="http://schemas.microsoft.com/office/drawing/2014/main" id="{7B8C9798-3D41-4AB6-AC5B-8A91FA70FA40}"/>
+                <a16:creationId xmlns:a16="http://schemas.microsoft.com/office/drawing/2014/main" xmlns="" id="{7B8C9798-3D41-4AB6-AC5B-8A91FA70FA40}"/>
               </a:ext>
             </a:extLst>
           </p:cNvPr>
@@ -17668,7 +18854,7 @@
           <p:cNvPr id="9" name="Kép 8">
             <a:extLst>
               <a:ext uri="{FF2B5EF4-FFF2-40B4-BE49-F238E27FC236}">
-                <a16:creationId xmlns:a16="http://schemas.microsoft.com/office/drawing/2014/main" id="{F3627E28-09E7-4C20-93CC-8C87E77DE2BE}"/>
+                <a16:creationId xmlns:a16="http://schemas.microsoft.com/office/drawing/2014/main" xmlns="" id="{F3627E28-09E7-4C20-93CC-8C87E77DE2BE}"/>
               </a:ext>
             </a:extLst>
           </p:cNvPr>
@@ -17678,7 +18864,7 @@
           <p:nvPr/>
         </p:nvPicPr>
         <p:blipFill>
-          <a:blip r:embed="rId5">
+          <a:blip r:embed="rId5" cstate="print">
             <a:extLst>
               <a:ext uri="{28A0092B-C50C-407E-A947-70E740481C1C}">
                 <a14:useLocalDpi xmlns:a14="http://schemas.microsoft.com/office/drawing/2010/main" val="0"/>
@@ -17704,7 +18890,7 @@
           <p:cNvPr id="10" name="Szövegdoboz 9">
             <a:extLst>
               <a:ext uri="{FF2B5EF4-FFF2-40B4-BE49-F238E27FC236}">
-                <a16:creationId xmlns:a16="http://schemas.microsoft.com/office/drawing/2014/main" id="{340B72D6-482D-4A74-819A-BB67B4940F55}"/>
+                <a16:creationId xmlns:a16="http://schemas.microsoft.com/office/drawing/2014/main" xmlns="" id="{340B72D6-482D-4A74-819A-BB67B4940F55}"/>
               </a:ext>
             </a:extLst>
           </p:cNvPr>
@@ -17861,7 +19047,7 @@
           <p:cNvPr id="14" name="Kép 13">
             <a:extLst>
               <a:ext uri="{FF2B5EF4-FFF2-40B4-BE49-F238E27FC236}">
-                <a16:creationId xmlns:a16="http://schemas.microsoft.com/office/drawing/2014/main" id="{9D6836BB-49C7-46E7-A726-05FA99A91951}"/>
+                <a16:creationId xmlns:a16="http://schemas.microsoft.com/office/drawing/2014/main" xmlns="" id="{9D6836BB-49C7-46E7-A726-05FA99A91951}"/>
               </a:ext>
             </a:extLst>
           </p:cNvPr>
@@ -17897,7 +19083,7 @@
           <p:cNvPr id="16" name="Ábra 15">
             <a:extLst>
               <a:ext uri="{FF2B5EF4-FFF2-40B4-BE49-F238E27FC236}">
-                <a16:creationId xmlns:a16="http://schemas.microsoft.com/office/drawing/2014/main" id="{CD8659B6-F7F6-4820-BA2D-D045F2760D8D}"/>
+                <a16:creationId xmlns:a16="http://schemas.microsoft.com/office/drawing/2014/main" xmlns="" id="{CD8659B6-F7F6-4820-BA2D-D045F2760D8D}"/>
               </a:ext>
             </a:extLst>
           </p:cNvPr>
@@ -17907,13 +19093,13 @@
           <p:nvPr/>
         </p:nvPicPr>
         <p:blipFill>
-          <a:blip r:embed="rId7">
+          <a:blip r:embed="rId7" cstate="print">
             <a:extLst>
               <a:ext uri="{28A0092B-C50C-407E-A947-70E740481C1C}">
                 <a14:useLocalDpi xmlns:a14="http://schemas.microsoft.com/office/drawing/2010/main" val="0"/>
               </a:ext>
               <a:ext uri="{96DAC541-7B7A-43D3-8B79-37D633B846F1}">
-                <asvg:svgBlip xmlns:asvg="http://schemas.microsoft.com/office/drawing/2016/SVG/main" r:embed="rId8"/>
+                <asvg:svgBlip xmlns:asvg="http://schemas.microsoft.com/office/drawing/2016/SVG/main" xmlns="" r:embed="rId8"/>
               </a:ext>
             </a:extLst>
           </a:blip>

--- a/Témalabor - Centralized log server.pptx
+++ b/Témalabor - Centralized log server.pptx
@@ -27,11 +27,13 @@
     <p:sldId id="270" r:id="rId21"/>
     <p:sldId id="282" r:id="rId22"/>
     <p:sldId id="283" r:id="rId23"/>
-    <p:sldId id="271" r:id="rId24"/>
-    <p:sldId id="272" r:id="rId25"/>
-    <p:sldId id="277" r:id="rId26"/>
-    <p:sldId id="275" r:id="rId27"/>
-    <p:sldId id="274" r:id="rId28"/>
+    <p:sldId id="284" r:id="rId24"/>
+    <p:sldId id="286" r:id="rId25"/>
+    <p:sldId id="285" r:id="rId26"/>
+    <p:sldId id="272" r:id="rId27"/>
+    <p:sldId id="277" r:id="rId28"/>
+    <p:sldId id="275" r:id="rId29"/>
+    <p:sldId id="274" r:id="rId30"/>
   </p:sldIdLst>
   <p:sldSz cx="12192000" cy="6858000"/>
   <p:notesSz cx="6858000" cy="9144000"/>
@@ -160,7 +162,7 @@
           <p:cNvPr id="2" name="Cím 1">
             <a:extLst>
               <a:ext uri="{FF2B5EF4-FFF2-40B4-BE49-F238E27FC236}">
-                <a16:creationId xmlns:a16="http://schemas.microsoft.com/office/drawing/2014/main" xmlns="" id="{E09F1B38-70EA-4A91-A81D-1324CA99E7FB}"/>
+                <a16:creationId xmlns:a16="http://schemas.microsoft.com/office/drawing/2014/main" id="{E09F1B38-70EA-4A91-A81D-1324CA99E7FB}"/>
               </a:ext>
             </a:extLst>
           </p:cNvPr>
@@ -197,7 +199,7 @@
           <p:cNvPr id="3" name="Alcím 2">
             <a:extLst>
               <a:ext uri="{FF2B5EF4-FFF2-40B4-BE49-F238E27FC236}">
-                <a16:creationId xmlns:a16="http://schemas.microsoft.com/office/drawing/2014/main" xmlns="" id="{F2FD5B82-CA02-4433-8888-F6AC12667FFB}"/>
+                <a16:creationId xmlns:a16="http://schemas.microsoft.com/office/drawing/2014/main" id="{F2FD5B82-CA02-4433-8888-F6AC12667FFB}"/>
               </a:ext>
             </a:extLst>
           </p:cNvPr>
@@ -267,7 +269,7 @@
           <p:cNvPr id="4" name="Dátum helye 3">
             <a:extLst>
               <a:ext uri="{FF2B5EF4-FFF2-40B4-BE49-F238E27FC236}">
-                <a16:creationId xmlns:a16="http://schemas.microsoft.com/office/drawing/2014/main" xmlns="" id="{30127083-539D-4884-83E6-CA499422DC1D}"/>
+                <a16:creationId xmlns:a16="http://schemas.microsoft.com/office/drawing/2014/main" id="{30127083-539D-4884-83E6-CA499422DC1D}"/>
               </a:ext>
             </a:extLst>
           </p:cNvPr>
@@ -296,7 +298,7 @@
           <p:cNvPr id="5" name="Élőláb helye 4">
             <a:extLst>
               <a:ext uri="{FF2B5EF4-FFF2-40B4-BE49-F238E27FC236}">
-                <a16:creationId xmlns:a16="http://schemas.microsoft.com/office/drawing/2014/main" xmlns="" id="{BA3102B7-5712-4924-A2C1-54562FBAB1C4}"/>
+                <a16:creationId xmlns:a16="http://schemas.microsoft.com/office/drawing/2014/main" id="{BA3102B7-5712-4924-A2C1-54562FBAB1C4}"/>
               </a:ext>
             </a:extLst>
           </p:cNvPr>
@@ -321,7 +323,7 @@
           <p:cNvPr id="6" name="Dia számának helye 5">
             <a:extLst>
               <a:ext uri="{FF2B5EF4-FFF2-40B4-BE49-F238E27FC236}">
-                <a16:creationId xmlns:a16="http://schemas.microsoft.com/office/drawing/2014/main" xmlns="" id="{DE1FAA54-367A-47EE-8CDB-8A0018DB947B}"/>
+                <a16:creationId xmlns:a16="http://schemas.microsoft.com/office/drawing/2014/main" id="{DE1FAA54-367A-47EE-8CDB-8A0018DB947B}"/>
               </a:ext>
             </a:extLst>
           </p:cNvPr>
@@ -380,7 +382,7 @@
           <p:cNvPr id="2" name="Cím 1">
             <a:extLst>
               <a:ext uri="{FF2B5EF4-FFF2-40B4-BE49-F238E27FC236}">
-                <a16:creationId xmlns:a16="http://schemas.microsoft.com/office/drawing/2014/main" xmlns="" id="{AE63EB07-7AFC-4DA6-87C3-260C21617CA9}"/>
+                <a16:creationId xmlns:a16="http://schemas.microsoft.com/office/drawing/2014/main" id="{AE63EB07-7AFC-4DA6-87C3-260C21617CA9}"/>
               </a:ext>
             </a:extLst>
           </p:cNvPr>
@@ -408,7 +410,7 @@
           <p:cNvPr id="3" name="Függőleges szöveg helye 2">
             <a:extLst>
               <a:ext uri="{FF2B5EF4-FFF2-40B4-BE49-F238E27FC236}">
-                <a16:creationId xmlns:a16="http://schemas.microsoft.com/office/drawing/2014/main" xmlns="" id="{CFE3CCF7-C955-4DA0-A15C-34CA47DBA8AB}"/>
+                <a16:creationId xmlns:a16="http://schemas.microsoft.com/office/drawing/2014/main" id="{CFE3CCF7-C955-4DA0-A15C-34CA47DBA8AB}"/>
               </a:ext>
             </a:extLst>
           </p:cNvPr>
@@ -465,7 +467,7 @@
           <p:cNvPr id="4" name="Dátum helye 3">
             <a:extLst>
               <a:ext uri="{FF2B5EF4-FFF2-40B4-BE49-F238E27FC236}">
-                <a16:creationId xmlns:a16="http://schemas.microsoft.com/office/drawing/2014/main" xmlns="" id="{F8549931-EBA7-4754-8F04-9235D82F78A1}"/>
+                <a16:creationId xmlns:a16="http://schemas.microsoft.com/office/drawing/2014/main" id="{F8549931-EBA7-4754-8F04-9235D82F78A1}"/>
               </a:ext>
             </a:extLst>
           </p:cNvPr>
@@ -494,7 +496,7 @@
           <p:cNvPr id="5" name="Élőláb helye 4">
             <a:extLst>
               <a:ext uri="{FF2B5EF4-FFF2-40B4-BE49-F238E27FC236}">
-                <a16:creationId xmlns:a16="http://schemas.microsoft.com/office/drawing/2014/main" xmlns="" id="{F603601F-F39B-4714-9BA3-04C68C2BA3A8}"/>
+                <a16:creationId xmlns:a16="http://schemas.microsoft.com/office/drawing/2014/main" id="{F603601F-F39B-4714-9BA3-04C68C2BA3A8}"/>
               </a:ext>
             </a:extLst>
           </p:cNvPr>
@@ -519,7 +521,7 @@
           <p:cNvPr id="6" name="Dia számának helye 5">
             <a:extLst>
               <a:ext uri="{FF2B5EF4-FFF2-40B4-BE49-F238E27FC236}">
-                <a16:creationId xmlns:a16="http://schemas.microsoft.com/office/drawing/2014/main" xmlns="" id="{6397FF94-4FAF-44DA-8FDB-16017B978018}"/>
+                <a16:creationId xmlns:a16="http://schemas.microsoft.com/office/drawing/2014/main" id="{6397FF94-4FAF-44DA-8FDB-16017B978018}"/>
               </a:ext>
             </a:extLst>
           </p:cNvPr>
@@ -578,7 +580,7 @@
           <p:cNvPr id="2" name="Függőleges cím 1">
             <a:extLst>
               <a:ext uri="{FF2B5EF4-FFF2-40B4-BE49-F238E27FC236}">
-                <a16:creationId xmlns:a16="http://schemas.microsoft.com/office/drawing/2014/main" xmlns="" id="{241EE8E3-8798-4838-808D-D676884B1020}"/>
+                <a16:creationId xmlns:a16="http://schemas.microsoft.com/office/drawing/2014/main" id="{241EE8E3-8798-4838-808D-D676884B1020}"/>
               </a:ext>
             </a:extLst>
           </p:cNvPr>
@@ -611,7 +613,7 @@
           <p:cNvPr id="3" name="Függőleges szöveg helye 2">
             <a:extLst>
               <a:ext uri="{FF2B5EF4-FFF2-40B4-BE49-F238E27FC236}">
-                <a16:creationId xmlns:a16="http://schemas.microsoft.com/office/drawing/2014/main" xmlns="" id="{48D6D62E-C365-462D-9B23-6A13650A6D6B}"/>
+                <a16:creationId xmlns:a16="http://schemas.microsoft.com/office/drawing/2014/main" id="{48D6D62E-C365-462D-9B23-6A13650A6D6B}"/>
               </a:ext>
             </a:extLst>
           </p:cNvPr>
@@ -673,7 +675,7 @@
           <p:cNvPr id="4" name="Dátum helye 3">
             <a:extLst>
               <a:ext uri="{FF2B5EF4-FFF2-40B4-BE49-F238E27FC236}">
-                <a16:creationId xmlns:a16="http://schemas.microsoft.com/office/drawing/2014/main" xmlns="" id="{8E692329-7087-4015-8063-7425AB7644BE}"/>
+                <a16:creationId xmlns:a16="http://schemas.microsoft.com/office/drawing/2014/main" id="{8E692329-7087-4015-8063-7425AB7644BE}"/>
               </a:ext>
             </a:extLst>
           </p:cNvPr>
@@ -702,7 +704,7 @@
           <p:cNvPr id="5" name="Élőláb helye 4">
             <a:extLst>
               <a:ext uri="{FF2B5EF4-FFF2-40B4-BE49-F238E27FC236}">
-                <a16:creationId xmlns:a16="http://schemas.microsoft.com/office/drawing/2014/main" xmlns="" id="{30085A7A-1E8F-4CD5-B71F-C05294AE8CE1}"/>
+                <a16:creationId xmlns:a16="http://schemas.microsoft.com/office/drawing/2014/main" id="{30085A7A-1E8F-4CD5-B71F-C05294AE8CE1}"/>
               </a:ext>
             </a:extLst>
           </p:cNvPr>
@@ -727,7 +729,7 @@
           <p:cNvPr id="6" name="Dia számának helye 5">
             <a:extLst>
               <a:ext uri="{FF2B5EF4-FFF2-40B4-BE49-F238E27FC236}">
-                <a16:creationId xmlns:a16="http://schemas.microsoft.com/office/drawing/2014/main" xmlns="" id="{F3B333F1-C7A3-49A3-9BB9-75628FE919C6}"/>
+                <a16:creationId xmlns:a16="http://schemas.microsoft.com/office/drawing/2014/main" id="{F3B333F1-C7A3-49A3-9BB9-75628FE919C6}"/>
               </a:ext>
             </a:extLst>
           </p:cNvPr>
@@ -786,7 +788,7 @@
           <p:cNvPr id="2" name="Cím 1">
             <a:extLst>
               <a:ext uri="{FF2B5EF4-FFF2-40B4-BE49-F238E27FC236}">
-                <a16:creationId xmlns:a16="http://schemas.microsoft.com/office/drawing/2014/main" xmlns="" id="{1686E641-617C-4142-B350-68DC709A7C45}"/>
+                <a16:creationId xmlns:a16="http://schemas.microsoft.com/office/drawing/2014/main" id="{1686E641-617C-4142-B350-68DC709A7C45}"/>
               </a:ext>
             </a:extLst>
           </p:cNvPr>
@@ -814,7 +816,7 @@
           <p:cNvPr id="3" name="Tartalom helye 2">
             <a:extLst>
               <a:ext uri="{FF2B5EF4-FFF2-40B4-BE49-F238E27FC236}">
-                <a16:creationId xmlns:a16="http://schemas.microsoft.com/office/drawing/2014/main" xmlns="" id="{CD7A8A14-CC04-4BDA-BE4E-4ACADA56AB01}"/>
+                <a16:creationId xmlns:a16="http://schemas.microsoft.com/office/drawing/2014/main" id="{CD7A8A14-CC04-4BDA-BE4E-4ACADA56AB01}"/>
               </a:ext>
             </a:extLst>
           </p:cNvPr>
@@ -871,7 +873,7 @@
           <p:cNvPr id="4" name="Dátum helye 3">
             <a:extLst>
               <a:ext uri="{FF2B5EF4-FFF2-40B4-BE49-F238E27FC236}">
-                <a16:creationId xmlns:a16="http://schemas.microsoft.com/office/drawing/2014/main" xmlns="" id="{9EEA146A-3E8D-4231-8CD2-483174518D95}"/>
+                <a16:creationId xmlns:a16="http://schemas.microsoft.com/office/drawing/2014/main" id="{9EEA146A-3E8D-4231-8CD2-483174518D95}"/>
               </a:ext>
             </a:extLst>
           </p:cNvPr>
@@ -900,7 +902,7 @@
           <p:cNvPr id="5" name="Élőláb helye 4">
             <a:extLst>
               <a:ext uri="{FF2B5EF4-FFF2-40B4-BE49-F238E27FC236}">
-                <a16:creationId xmlns:a16="http://schemas.microsoft.com/office/drawing/2014/main" xmlns="" id="{85706DE0-28BA-4718-A397-D2486C5DDD41}"/>
+                <a16:creationId xmlns:a16="http://schemas.microsoft.com/office/drawing/2014/main" id="{85706DE0-28BA-4718-A397-D2486C5DDD41}"/>
               </a:ext>
             </a:extLst>
           </p:cNvPr>
@@ -925,7 +927,7 @@
           <p:cNvPr id="6" name="Dia számának helye 5">
             <a:extLst>
               <a:ext uri="{FF2B5EF4-FFF2-40B4-BE49-F238E27FC236}">
-                <a16:creationId xmlns:a16="http://schemas.microsoft.com/office/drawing/2014/main" xmlns="" id="{BDD27083-FAED-453F-8C34-AA62D0FEC48D}"/>
+                <a16:creationId xmlns:a16="http://schemas.microsoft.com/office/drawing/2014/main" id="{BDD27083-FAED-453F-8C34-AA62D0FEC48D}"/>
               </a:ext>
             </a:extLst>
           </p:cNvPr>
@@ -984,7 +986,7 @@
           <p:cNvPr id="2" name="Cím 1">
             <a:extLst>
               <a:ext uri="{FF2B5EF4-FFF2-40B4-BE49-F238E27FC236}">
-                <a16:creationId xmlns:a16="http://schemas.microsoft.com/office/drawing/2014/main" xmlns="" id="{2E367AA9-21B5-499C-8390-49547681CA7A}"/>
+                <a16:creationId xmlns:a16="http://schemas.microsoft.com/office/drawing/2014/main" id="{2E367AA9-21B5-499C-8390-49547681CA7A}"/>
               </a:ext>
             </a:extLst>
           </p:cNvPr>
@@ -1021,7 +1023,7 @@
           <p:cNvPr id="3" name="Szöveg helye 2">
             <a:extLst>
               <a:ext uri="{FF2B5EF4-FFF2-40B4-BE49-F238E27FC236}">
-                <a16:creationId xmlns:a16="http://schemas.microsoft.com/office/drawing/2014/main" xmlns="" id="{30D41BC3-2507-4B7C-96B0-B82F9FD0EF82}"/>
+                <a16:creationId xmlns:a16="http://schemas.microsoft.com/office/drawing/2014/main" id="{30D41BC3-2507-4B7C-96B0-B82F9FD0EF82}"/>
               </a:ext>
             </a:extLst>
           </p:cNvPr>
@@ -1146,7 +1148,7 @@
           <p:cNvPr id="4" name="Dátum helye 3">
             <a:extLst>
               <a:ext uri="{FF2B5EF4-FFF2-40B4-BE49-F238E27FC236}">
-                <a16:creationId xmlns:a16="http://schemas.microsoft.com/office/drawing/2014/main" xmlns="" id="{F231EBDD-64AF-44B9-9262-F1C2B1BFCD91}"/>
+                <a16:creationId xmlns:a16="http://schemas.microsoft.com/office/drawing/2014/main" id="{F231EBDD-64AF-44B9-9262-F1C2B1BFCD91}"/>
               </a:ext>
             </a:extLst>
           </p:cNvPr>
@@ -1175,7 +1177,7 @@
           <p:cNvPr id="5" name="Élőláb helye 4">
             <a:extLst>
               <a:ext uri="{FF2B5EF4-FFF2-40B4-BE49-F238E27FC236}">
-                <a16:creationId xmlns:a16="http://schemas.microsoft.com/office/drawing/2014/main" xmlns="" id="{8A69B8FC-435E-4758-B757-1E9ED0F01590}"/>
+                <a16:creationId xmlns:a16="http://schemas.microsoft.com/office/drawing/2014/main" id="{8A69B8FC-435E-4758-B757-1E9ED0F01590}"/>
               </a:ext>
             </a:extLst>
           </p:cNvPr>
@@ -1200,7 +1202,7 @@
           <p:cNvPr id="6" name="Dia számának helye 5">
             <a:extLst>
               <a:ext uri="{FF2B5EF4-FFF2-40B4-BE49-F238E27FC236}">
-                <a16:creationId xmlns:a16="http://schemas.microsoft.com/office/drawing/2014/main" xmlns="" id="{D7228998-6A38-4650-B73A-EDCDA482EC2B}"/>
+                <a16:creationId xmlns:a16="http://schemas.microsoft.com/office/drawing/2014/main" id="{D7228998-6A38-4650-B73A-EDCDA482EC2B}"/>
               </a:ext>
             </a:extLst>
           </p:cNvPr>
@@ -1259,7 +1261,7 @@
           <p:cNvPr id="2" name="Cím 1">
             <a:extLst>
               <a:ext uri="{FF2B5EF4-FFF2-40B4-BE49-F238E27FC236}">
-                <a16:creationId xmlns:a16="http://schemas.microsoft.com/office/drawing/2014/main" xmlns="" id="{2F70D76E-9EAF-4FE4-9E7F-8E8B962F62E2}"/>
+                <a16:creationId xmlns:a16="http://schemas.microsoft.com/office/drawing/2014/main" id="{2F70D76E-9EAF-4FE4-9E7F-8E8B962F62E2}"/>
               </a:ext>
             </a:extLst>
           </p:cNvPr>
@@ -1287,7 +1289,7 @@
           <p:cNvPr id="3" name="Tartalom helye 2">
             <a:extLst>
               <a:ext uri="{FF2B5EF4-FFF2-40B4-BE49-F238E27FC236}">
-                <a16:creationId xmlns:a16="http://schemas.microsoft.com/office/drawing/2014/main" xmlns="" id="{9EA8EFD0-581E-46E1-AE46-7DF2F96FD676}"/>
+                <a16:creationId xmlns:a16="http://schemas.microsoft.com/office/drawing/2014/main" id="{9EA8EFD0-581E-46E1-AE46-7DF2F96FD676}"/>
               </a:ext>
             </a:extLst>
           </p:cNvPr>
@@ -1349,7 +1351,7 @@
           <p:cNvPr id="4" name="Tartalom helye 3">
             <a:extLst>
               <a:ext uri="{FF2B5EF4-FFF2-40B4-BE49-F238E27FC236}">
-                <a16:creationId xmlns:a16="http://schemas.microsoft.com/office/drawing/2014/main" xmlns="" id="{94A980C6-45A6-4C9E-AE8C-8EBBA67AAB3C}"/>
+                <a16:creationId xmlns:a16="http://schemas.microsoft.com/office/drawing/2014/main" id="{94A980C6-45A6-4C9E-AE8C-8EBBA67AAB3C}"/>
               </a:ext>
             </a:extLst>
           </p:cNvPr>
@@ -1411,7 +1413,7 @@
           <p:cNvPr id="5" name="Dátum helye 4">
             <a:extLst>
               <a:ext uri="{FF2B5EF4-FFF2-40B4-BE49-F238E27FC236}">
-                <a16:creationId xmlns:a16="http://schemas.microsoft.com/office/drawing/2014/main" xmlns="" id="{560FFCC0-804A-44FD-BC7E-4FED891D7B1F}"/>
+                <a16:creationId xmlns:a16="http://schemas.microsoft.com/office/drawing/2014/main" id="{560FFCC0-804A-44FD-BC7E-4FED891D7B1F}"/>
               </a:ext>
             </a:extLst>
           </p:cNvPr>
@@ -1440,7 +1442,7 @@
           <p:cNvPr id="6" name="Élőláb helye 5">
             <a:extLst>
               <a:ext uri="{FF2B5EF4-FFF2-40B4-BE49-F238E27FC236}">
-                <a16:creationId xmlns:a16="http://schemas.microsoft.com/office/drawing/2014/main" xmlns="" id="{3DF232AC-AF62-49C7-B681-62F8DBA44B20}"/>
+                <a16:creationId xmlns:a16="http://schemas.microsoft.com/office/drawing/2014/main" id="{3DF232AC-AF62-49C7-B681-62F8DBA44B20}"/>
               </a:ext>
             </a:extLst>
           </p:cNvPr>
@@ -1465,7 +1467,7 @@
           <p:cNvPr id="7" name="Dia számának helye 6">
             <a:extLst>
               <a:ext uri="{FF2B5EF4-FFF2-40B4-BE49-F238E27FC236}">
-                <a16:creationId xmlns:a16="http://schemas.microsoft.com/office/drawing/2014/main" xmlns="" id="{EE3B7FB0-E0E1-482D-8996-807607C4F9F8}"/>
+                <a16:creationId xmlns:a16="http://schemas.microsoft.com/office/drawing/2014/main" id="{EE3B7FB0-E0E1-482D-8996-807607C4F9F8}"/>
               </a:ext>
             </a:extLst>
           </p:cNvPr>
@@ -1524,7 +1526,7 @@
           <p:cNvPr id="2" name="Cím 1">
             <a:extLst>
               <a:ext uri="{FF2B5EF4-FFF2-40B4-BE49-F238E27FC236}">
-                <a16:creationId xmlns:a16="http://schemas.microsoft.com/office/drawing/2014/main" xmlns="" id="{956609BA-795E-43FE-9961-45B9DDE3C72E}"/>
+                <a16:creationId xmlns:a16="http://schemas.microsoft.com/office/drawing/2014/main" id="{956609BA-795E-43FE-9961-45B9DDE3C72E}"/>
               </a:ext>
             </a:extLst>
           </p:cNvPr>
@@ -1557,7 +1559,7 @@
           <p:cNvPr id="3" name="Szöveg helye 2">
             <a:extLst>
               <a:ext uri="{FF2B5EF4-FFF2-40B4-BE49-F238E27FC236}">
-                <a16:creationId xmlns:a16="http://schemas.microsoft.com/office/drawing/2014/main" xmlns="" id="{A03C33F7-1FAC-4D3F-91C9-BF482F61AEE8}"/>
+                <a16:creationId xmlns:a16="http://schemas.microsoft.com/office/drawing/2014/main" id="{A03C33F7-1FAC-4D3F-91C9-BF482F61AEE8}"/>
               </a:ext>
             </a:extLst>
           </p:cNvPr>
@@ -1628,7 +1630,7 @@
           <p:cNvPr id="4" name="Tartalom helye 3">
             <a:extLst>
               <a:ext uri="{FF2B5EF4-FFF2-40B4-BE49-F238E27FC236}">
-                <a16:creationId xmlns:a16="http://schemas.microsoft.com/office/drawing/2014/main" xmlns="" id="{CF81790E-F26B-4384-8154-7F9EFF3EC1ED}"/>
+                <a16:creationId xmlns:a16="http://schemas.microsoft.com/office/drawing/2014/main" id="{CF81790E-F26B-4384-8154-7F9EFF3EC1ED}"/>
               </a:ext>
             </a:extLst>
           </p:cNvPr>
@@ -1690,7 +1692,7 @@
           <p:cNvPr id="5" name="Szöveg helye 4">
             <a:extLst>
               <a:ext uri="{FF2B5EF4-FFF2-40B4-BE49-F238E27FC236}">
-                <a16:creationId xmlns:a16="http://schemas.microsoft.com/office/drawing/2014/main" xmlns="" id="{02A38457-FF21-4476-9B8B-19F8D556CB9C}"/>
+                <a16:creationId xmlns:a16="http://schemas.microsoft.com/office/drawing/2014/main" id="{02A38457-FF21-4476-9B8B-19F8D556CB9C}"/>
               </a:ext>
             </a:extLst>
           </p:cNvPr>
@@ -1761,7 +1763,7 @@
           <p:cNvPr id="6" name="Tartalom helye 5">
             <a:extLst>
               <a:ext uri="{FF2B5EF4-FFF2-40B4-BE49-F238E27FC236}">
-                <a16:creationId xmlns:a16="http://schemas.microsoft.com/office/drawing/2014/main" xmlns="" id="{420A9A6A-1E67-44EA-B02E-977768F2750B}"/>
+                <a16:creationId xmlns:a16="http://schemas.microsoft.com/office/drawing/2014/main" id="{420A9A6A-1E67-44EA-B02E-977768F2750B}"/>
               </a:ext>
             </a:extLst>
           </p:cNvPr>
@@ -1823,7 +1825,7 @@
           <p:cNvPr id="7" name="Dátum helye 6">
             <a:extLst>
               <a:ext uri="{FF2B5EF4-FFF2-40B4-BE49-F238E27FC236}">
-                <a16:creationId xmlns:a16="http://schemas.microsoft.com/office/drawing/2014/main" xmlns="" id="{9CEFD85E-68B0-4099-999E-40EA3969A0A4}"/>
+                <a16:creationId xmlns:a16="http://schemas.microsoft.com/office/drawing/2014/main" id="{9CEFD85E-68B0-4099-999E-40EA3969A0A4}"/>
               </a:ext>
             </a:extLst>
           </p:cNvPr>
@@ -1852,7 +1854,7 @@
           <p:cNvPr id="8" name="Élőláb helye 7">
             <a:extLst>
               <a:ext uri="{FF2B5EF4-FFF2-40B4-BE49-F238E27FC236}">
-                <a16:creationId xmlns:a16="http://schemas.microsoft.com/office/drawing/2014/main" xmlns="" id="{253A5D31-4238-4022-98B4-FFD4DEF8A751}"/>
+                <a16:creationId xmlns:a16="http://schemas.microsoft.com/office/drawing/2014/main" id="{253A5D31-4238-4022-98B4-FFD4DEF8A751}"/>
               </a:ext>
             </a:extLst>
           </p:cNvPr>
@@ -1877,7 +1879,7 @@
           <p:cNvPr id="9" name="Dia számának helye 8">
             <a:extLst>
               <a:ext uri="{FF2B5EF4-FFF2-40B4-BE49-F238E27FC236}">
-                <a16:creationId xmlns:a16="http://schemas.microsoft.com/office/drawing/2014/main" xmlns="" id="{A77FC091-00E3-450E-A343-E5CAD1BEE232}"/>
+                <a16:creationId xmlns:a16="http://schemas.microsoft.com/office/drawing/2014/main" id="{A77FC091-00E3-450E-A343-E5CAD1BEE232}"/>
               </a:ext>
             </a:extLst>
           </p:cNvPr>
@@ -1936,7 +1938,7 @@
           <p:cNvPr id="2" name="Cím 1">
             <a:extLst>
               <a:ext uri="{FF2B5EF4-FFF2-40B4-BE49-F238E27FC236}">
-                <a16:creationId xmlns:a16="http://schemas.microsoft.com/office/drawing/2014/main" xmlns="" id="{9920EA58-0C0F-4230-BAF2-F4594DB41ED7}"/>
+                <a16:creationId xmlns:a16="http://schemas.microsoft.com/office/drawing/2014/main" id="{9920EA58-0C0F-4230-BAF2-F4594DB41ED7}"/>
               </a:ext>
             </a:extLst>
           </p:cNvPr>
@@ -1964,7 +1966,7 @@
           <p:cNvPr id="3" name="Dátum helye 2">
             <a:extLst>
               <a:ext uri="{FF2B5EF4-FFF2-40B4-BE49-F238E27FC236}">
-                <a16:creationId xmlns:a16="http://schemas.microsoft.com/office/drawing/2014/main" xmlns="" id="{7C806EC5-C45E-426E-A156-232D89C9F00E}"/>
+                <a16:creationId xmlns:a16="http://schemas.microsoft.com/office/drawing/2014/main" id="{7C806EC5-C45E-426E-A156-232D89C9F00E}"/>
               </a:ext>
             </a:extLst>
           </p:cNvPr>
@@ -1993,7 +1995,7 @@
           <p:cNvPr id="4" name="Élőláb helye 3">
             <a:extLst>
               <a:ext uri="{FF2B5EF4-FFF2-40B4-BE49-F238E27FC236}">
-                <a16:creationId xmlns:a16="http://schemas.microsoft.com/office/drawing/2014/main" xmlns="" id="{1BC921E8-81C4-4A9B-9B89-9EAFA33A65A5}"/>
+                <a16:creationId xmlns:a16="http://schemas.microsoft.com/office/drawing/2014/main" id="{1BC921E8-81C4-4A9B-9B89-9EAFA33A65A5}"/>
               </a:ext>
             </a:extLst>
           </p:cNvPr>
@@ -2018,7 +2020,7 @@
           <p:cNvPr id="5" name="Dia számának helye 4">
             <a:extLst>
               <a:ext uri="{FF2B5EF4-FFF2-40B4-BE49-F238E27FC236}">
-                <a16:creationId xmlns:a16="http://schemas.microsoft.com/office/drawing/2014/main" xmlns="" id="{03375E2C-DAB4-4CC6-9A98-286E9B84198C}"/>
+                <a16:creationId xmlns:a16="http://schemas.microsoft.com/office/drawing/2014/main" id="{03375E2C-DAB4-4CC6-9A98-286E9B84198C}"/>
               </a:ext>
             </a:extLst>
           </p:cNvPr>
@@ -2077,7 +2079,7 @@
           <p:cNvPr id="2" name="Dátum helye 1">
             <a:extLst>
               <a:ext uri="{FF2B5EF4-FFF2-40B4-BE49-F238E27FC236}">
-                <a16:creationId xmlns:a16="http://schemas.microsoft.com/office/drawing/2014/main" xmlns="" id="{1A374963-E3AA-479A-87CD-9F87CA5B58E1}"/>
+                <a16:creationId xmlns:a16="http://schemas.microsoft.com/office/drawing/2014/main" id="{1A374963-E3AA-479A-87CD-9F87CA5B58E1}"/>
               </a:ext>
             </a:extLst>
           </p:cNvPr>
@@ -2106,7 +2108,7 @@
           <p:cNvPr id="3" name="Élőláb helye 2">
             <a:extLst>
               <a:ext uri="{FF2B5EF4-FFF2-40B4-BE49-F238E27FC236}">
-                <a16:creationId xmlns:a16="http://schemas.microsoft.com/office/drawing/2014/main" xmlns="" id="{9ECB2FF6-24AC-4D2E-904D-C7EBEA06CB53}"/>
+                <a16:creationId xmlns:a16="http://schemas.microsoft.com/office/drawing/2014/main" id="{9ECB2FF6-24AC-4D2E-904D-C7EBEA06CB53}"/>
               </a:ext>
             </a:extLst>
           </p:cNvPr>
@@ -2131,7 +2133,7 @@
           <p:cNvPr id="4" name="Dia számának helye 3">
             <a:extLst>
               <a:ext uri="{FF2B5EF4-FFF2-40B4-BE49-F238E27FC236}">
-                <a16:creationId xmlns:a16="http://schemas.microsoft.com/office/drawing/2014/main" xmlns="" id="{494B85E7-4CFE-4AA2-8446-949E9CCFD56D}"/>
+                <a16:creationId xmlns:a16="http://schemas.microsoft.com/office/drawing/2014/main" id="{494B85E7-4CFE-4AA2-8446-949E9CCFD56D}"/>
               </a:ext>
             </a:extLst>
           </p:cNvPr>
@@ -2190,7 +2192,7 @@
           <p:cNvPr id="2" name="Cím 1">
             <a:extLst>
               <a:ext uri="{FF2B5EF4-FFF2-40B4-BE49-F238E27FC236}">
-                <a16:creationId xmlns:a16="http://schemas.microsoft.com/office/drawing/2014/main" xmlns="" id="{022AD089-FE33-427F-AEE0-4F7CACB15626}"/>
+                <a16:creationId xmlns:a16="http://schemas.microsoft.com/office/drawing/2014/main" id="{022AD089-FE33-427F-AEE0-4F7CACB15626}"/>
               </a:ext>
             </a:extLst>
           </p:cNvPr>
@@ -2227,7 +2229,7 @@
           <p:cNvPr id="3" name="Tartalom helye 2">
             <a:extLst>
               <a:ext uri="{FF2B5EF4-FFF2-40B4-BE49-F238E27FC236}">
-                <a16:creationId xmlns:a16="http://schemas.microsoft.com/office/drawing/2014/main" xmlns="" id="{290EA8B6-3E87-404D-B5F1-24DCE2029667}"/>
+                <a16:creationId xmlns:a16="http://schemas.microsoft.com/office/drawing/2014/main" id="{290EA8B6-3E87-404D-B5F1-24DCE2029667}"/>
               </a:ext>
             </a:extLst>
           </p:cNvPr>
@@ -2317,7 +2319,7 @@
           <p:cNvPr id="4" name="Szöveg helye 3">
             <a:extLst>
               <a:ext uri="{FF2B5EF4-FFF2-40B4-BE49-F238E27FC236}">
-                <a16:creationId xmlns:a16="http://schemas.microsoft.com/office/drawing/2014/main" xmlns="" id="{6C5C384D-1E61-4D51-8999-C43FACF02AE5}"/>
+                <a16:creationId xmlns:a16="http://schemas.microsoft.com/office/drawing/2014/main" id="{6C5C384D-1E61-4D51-8999-C43FACF02AE5}"/>
               </a:ext>
             </a:extLst>
           </p:cNvPr>
@@ -2388,7 +2390,7 @@
           <p:cNvPr id="5" name="Dátum helye 4">
             <a:extLst>
               <a:ext uri="{FF2B5EF4-FFF2-40B4-BE49-F238E27FC236}">
-                <a16:creationId xmlns:a16="http://schemas.microsoft.com/office/drawing/2014/main" xmlns="" id="{D8995AE6-9D37-418B-9B55-01B7DFEF526A}"/>
+                <a16:creationId xmlns:a16="http://schemas.microsoft.com/office/drawing/2014/main" id="{D8995AE6-9D37-418B-9B55-01B7DFEF526A}"/>
               </a:ext>
             </a:extLst>
           </p:cNvPr>
@@ -2417,7 +2419,7 @@
           <p:cNvPr id="6" name="Élőláb helye 5">
             <a:extLst>
               <a:ext uri="{FF2B5EF4-FFF2-40B4-BE49-F238E27FC236}">
-                <a16:creationId xmlns:a16="http://schemas.microsoft.com/office/drawing/2014/main" xmlns="" id="{BCA210A0-FB5D-4354-9A3E-7F3776D0ED2F}"/>
+                <a16:creationId xmlns:a16="http://schemas.microsoft.com/office/drawing/2014/main" id="{BCA210A0-FB5D-4354-9A3E-7F3776D0ED2F}"/>
               </a:ext>
             </a:extLst>
           </p:cNvPr>
@@ -2442,7 +2444,7 @@
           <p:cNvPr id="7" name="Dia számának helye 6">
             <a:extLst>
               <a:ext uri="{FF2B5EF4-FFF2-40B4-BE49-F238E27FC236}">
-                <a16:creationId xmlns:a16="http://schemas.microsoft.com/office/drawing/2014/main" xmlns="" id="{711FC0BD-943B-425E-93FD-8268C814D1DF}"/>
+                <a16:creationId xmlns:a16="http://schemas.microsoft.com/office/drawing/2014/main" id="{711FC0BD-943B-425E-93FD-8268C814D1DF}"/>
               </a:ext>
             </a:extLst>
           </p:cNvPr>
@@ -2501,7 +2503,7 @@
           <p:cNvPr id="2" name="Cím 1">
             <a:extLst>
               <a:ext uri="{FF2B5EF4-FFF2-40B4-BE49-F238E27FC236}">
-                <a16:creationId xmlns:a16="http://schemas.microsoft.com/office/drawing/2014/main" xmlns="" id="{C769E911-640C-4B34-A837-77F5E94DAEFA}"/>
+                <a16:creationId xmlns:a16="http://schemas.microsoft.com/office/drawing/2014/main" id="{C769E911-640C-4B34-A837-77F5E94DAEFA}"/>
               </a:ext>
             </a:extLst>
           </p:cNvPr>
@@ -2538,7 +2540,7 @@
           <p:cNvPr id="3" name="Kép helye 2">
             <a:extLst>
               <a:ext uri="{FF2B5EF4-FFF2-40B4-BE49-F238E27FC236}">
-                <a16:creationId xmlns:a16="http://schemas.microsoft.com/office/drawing/2014/main" xmlns="" id="{C549FCE7-AE48-4798-98CF-C92DA5D8BE53}"/>
+                <a16:creationId xmlns:a16="http://schemas.microsoft.com/office/drawing/2014/main" id="{C549FCE7-AE48-4798-98CF-C92DA5D8BE53}"/>
               </a:ext>
             </a:extLst>
           </p:cNvPr>
@@ -2605,7 +2607,7 @@
           <p:cNvPr id="4" name="Szöveg helye 3">
             <a:extLst>
               <a:ext uri="{FF2B5EF4-FFF2-40B4-BE49-F238E27FC236}">
-                <a16:creationId xmlns:a16="http://schemas.microsoft.com/office/drawing/2014/main" xmlns="" id="{7FD4F7C6-1EC2-4735-A5B5-7B4A0A93ACF5}"/>
+                <a16:creationId xmlns:a16="http://schemas.microsoft.com/office/drawing/2014/main" id="{7FD4F7C6-1EC2-4735-A5B5-7B4A0A93ACF5}"/>
               </a:ext>
             </a:extLst>
           </p:cNvPr>
@@ -2676,7 +2678,7 @@
           <p:cNvPr id="5" name="Dátum helye 4">
             <a:extLst>
               <a:ext uri="{FF2B5EF4-FFF2-40B4-BE49-F238E27FC236}">
-                <a16:creationId xmlns:a16="http://schemas.microsoft.com/office/drawing/2014/main" xmlns="" id="{AE401C6A-C766-4CCA-AFF9-25D4591DD527}"/>
+                <a16:creationId xmlns:a16="http://schemas.microsoft.com/office/drawing/2014/main" id="{AE401C6A-C766-4CCA-AFF9-25D4591DD527}"/>
               </a:ext>
             </a:extLst>
           </p:cNvPr>
@@ -2705,7 +2707,7 @@
           <p:cNvPr id="6" name="Élőláb helye 5">
             <a:extLst>
               <a:ext uri="{FF2B5EF4-FFF2-40B4-BE49-F238E27FC236}">
-                <a16:creationId xmlns:a16="http://schemas.microsoft.com/office/drawing/2014/main" xmlns="" id="{AF609BB1-D8A7-42E7-90AD-AE242046E5A7}"/>
+                <a16:creationId xmlns:a16="http://schemas.microsoft.com/office/drawing/2014/main" id="{AF609BB1-D8A7-42E7-90AD-AE242046E5A7}"/>
               </a:ext>
             </a:extLst>
           </p:cNvPr>
@@ -2730,7 +2732,7 @@
           <p:cNvPr id="7" name="Dia számának helye 6">
             <a:extLst>
               <a:ext uri="{FF2B5EF4-FFF2-40B4-BE49-F238E27FC236}">
-                <a16:creationId xmlns:a16="http://schemas.microsoft.com/office/drawing/2014/main" xmlns="" id="{473EB78E-9024-443D-8401-358CEABBA4A5}"/>
+                <a16:creationId xmlns:a16="http://schemas.microsoft.com/office/drawing/2014/main" id="{473EB78E-9024-443D-8401-358CEABBA4A5}"/>
               </a:ext>
             </a:extLst>
           </p:cNvPr>
@@ -2794,7 +2796,7 @@
           <p:cNvPr id="2" name="Cím helye 1">
             <a:extLst>
               <a:ext uri="{FF2B5EF4-FFF2-40B4-BE49-F238E27FC236}">
-                <a16:creationId xmlns:a16="http://schemas.microsoft.com/office/drawing/2014/main" xmlns="" id="{AA7D5FEA-C710-46F4-B962-AF5D9C3E276A}"/>
+                <a16:creationId xmlns:a16="http://schemas.microsoft.com/office/drawing/2014/main" id="{AA7D5FEA-C710-46F4-B962-AF5D9C3E276A}"/>
               </a:ext>
             </a:extLst>
           </p:cNvPr>
@@ -2832,7 +2834,7 @@
           <p:cNvPr id="3" name="Szöveg helye 2">
             <a:extLst>
               <a:ext uri="{FF2B5EF4-FFF2-40B4-BE49-F238E27FC236}">
-                <a16:creationId xmlns:a16="http://schemas.microsoft.com/office/drawing/2014/main" xmlns="" id="{31B6D00D-5FF5-403B-B6B1-C82B0C8D3C4D}"/>
+                <a16:creationId xmlns:a16="http://schemas.microsoft.com/office/drawing/2014/main" id="{31B6D00D-5FF5-403B-B6B1-C82B0C8D3C4D}"/>
               </a:ext>
             </a:extLst>
           </p:cNvPr>
@@ -2899,7 +2901,7 @@
           <p:cNvPr id="4" name="Dátum helye 3">
             <a:extLst>
               <a:ext uri="{FF2B5EF4-FFF2-40B4-BE49-F238E27FC236}">
-                <a16:creationId xmlns:a16="http://schemas.microsoft.com/office/drawing/2014/main" xmlns="" id="{28490CD0-5307-4CF6-AEE1-EE076BE348CA}"/>
+                <a16:creationId xmlns:a16="http://schemas.microsoft.com/office/drawing/2014/main" id="{28490CD0-5307-4CF6-AEE1-EE076BE348CA}"/>
               </a:ext>
             </a:extLst>
           </p:cNvPr>
@@ -2946,7 +2948,7 @@
           <p:cNvPr id="5" name="Élőláb helye 4">
             <a:extLst>
               <a:ext uri="{FF2B5EF4-FFF2-40B4-BE49-F238E27FC236}">
-                <a16:creationId xmlns:a16="http://schemas.microsoft.com/office/drawing/2014/main" xmlns="" id="{CDB5B755-982D-4F67-A74B-49646CE63AF2}"/>
+                <a16:creationId xmlns:a16="http://schemas.microsoft.com/office/drawing/2014/main" id="{CDB5B755-982D-4F67-A74B-49646CE63AF2}"/>
               </a:ext>
             </a:extLst>
           </p:cNvPr>
@@ -2989,7 +2991,7 @@
           <p:cNvPr id="6" name="Dia számának helye 5">
             <a:extLst>
               <a:ext uri="{FF2B5EF4-FFF2-40B4-BE49-F238E27FC236}">
-                <a16:creationId xmlns:a16="http://schemas.microsoft.com/office/drawing/2014/main" xmlns="" id="{81105151-EE75-4E37-A4FE-102E7D0B8E57}"/>
+                <a16:creationId xmlns:a16="http://schemas.microsoft.com/office/drawing/2014/main" id="{81105151-EE75-4E37-A4FE-102E7D0B8E57}"/>
               </a:ext>
             </a:extLst>
           </p:cNvPr>
@@ -3357,7 +3359,7 @@
           <p:cNvPr id="5" name="Ábra 4">
             <a:extLst>
               <a:ext uri="{FF2B5EF4-FFF2-40B4-BE49-F238E27FC236}">
-                <a16:creationId xmlns:a16="http://schemas.microsoft.com/office/drawing/2014/main" xmlns="" id="{F1822167-4C01-4849-B404-A98EDEAF97BA}"/>
+                <a16:creationId xmlns:a16="http://schemas.microsoft.com/office/drawing/2014/main" id="{F1822167-4C01-4849-B404-A98EDEAF97BA}"/>
               </a:ext>
             </a:extLst>
           </p:cNvPr>
@@ -3373,7 +3375,7 @@
                 <a14:useLocalDpi xmlns:a14="http://schemas.microsoft.com/office/drawing/2010/main" val="0"/>
               </a:ext>
               <a:ext uri="{96DAC541-7B7A-43D3-8B79-37D633B846F1}">
-                <asvg:svgBlip xmlns:asvg="http://schemas.microsoft.com/office/drawing/2016/SVG/main" xmlns="" r:embed="rId3"/>
+                <asvg:svgBlip xmlns:asvg="http://schemas.microsoft.com/office/drawing/2016/SVG/main" r:embed="rId3"/>
               </a:ext>
             </a:extLst>
           </a:blip>
@@ -3396,7 +3398,7 @@
           <p:cNvPr id="6" name="Szövegdoboz 5">
             <a:extLst>
               <a:ext uri="{FF2B5EF4-FFF2-40B4-BE49-F238E27FC236}">
-                <a16:creationId xmlns:a16="http://schemas.microsoft.com/office/drawing/2014/main" xmlns="" id="{7267F656-E3CE-4CDA-92F8-AA3DD3BCAB40}"/>
+                <a16:creationId xmlns:a16="http://schemas.microsoft.com/office/drawing/2014/main" id="{7267F656-E3CE-4CDA-92F8-AA3DD3BCAB40}"/>
               </a:ext>
             </a:extLst>
           </p:cNvPr>
@@ -3433,7 +3435,7 @@
           <p:cNvPr id="7" name="Szövegdoboz 6">
             <a:extLst>
               <a:ext uri="{FF2B5EF4-FFF2-40B4-BE49-F238E27FC236}">
-                <a16:creationId xmlns:a16="http://schemas.microsoft.com/office/drawing/2014/main" xmlns="" id="{603C2512-022F-48AB-881C-88F70BB2A9BD}"/>
+                <a16:creationId xmlns:a16="http://schemas.microsoft.com/office/drawing/2014/main" id="{603C2512-022F-48AB-881C-88F70BB2A9BD}"/>
               </a:ext>
             </a:extLst>
           </p:cNvPr>
@@ -3537,7 +3539,7 @@
           <p:cNvPr id="17" name="Szövegdoboz 16">
             <a:extLst>
               <a:ext uri="{FF2B5EF4-FFF2-40B4-BE49-F238E27FC236}">
-                <a16:creationId xmlns:a16="http://schemas.microsoft.com/office/drawing/2014/main" xmlns="" id="{2C1AA5D7-05A3-41F6-B3DA-F252382E0281}"/>
+                <a16:creationId xmlns:a16="http://schemas.microsoft.com/office/drawing/2014/main" id="{2C1AA5D7-05A3-41F6-B3DA-F252382E0281}"/>
               </a:ext>
             </a:extLst>
           </p:cNvPr>
@@ -3618,7 +3620,7 @@
           <p:cNvPr id="21" name="Kép 20">
             <a:extLst>
               <a:ext uri="{FF2B5EF4-FFF2-40B4-BE49-F238E27FC236}">
-                <a16:creationId xmlns:a16="http://schemas.microsoft.com/office/drawing/2014/main" xmlns="" id="{D77EA26D-BA98-4250-BCDE-E82941E8A816}"/>
+                <a16:creationId xmlns:a16="http://schemas.microsoft.com/office/drawing/2014/main" id="{D77EA26D-BA98-4250-BCDE-E82941E8A816}"/>
               </a:ext>
             </a:extLst>
           </p:cNvPr>
@@ -3654,7 +3656,7 @@
           <p:cNvPr id="25" name="Téglalap 24">
             <a:extLst>
               <a:ext uri="{FF2B5EF4-FFF2-40B4-BE49-F238E27FC236}">
-                <a16:creationId xmlns:a16="http://schemas.microsoft.com/office/drawing/2014/main" xmlns="" id="{010BE465-A230-40F7-9E68-2DF418E91B6A}"/>
+                <a16:creationId xmlns:a16="http://schemas.microsoft.com/office/drawing/2014/main" id="{010BE465-A230-40F7-9E68-2DF418E91B6A}"/>
               </a:ext>
             </a:extLst>
           </p:cNvPr>
@@ -3736,7 +3738,7 @@
           <p:cNvPr id="4" name="Szövegdoboz 3">
             <a:extLst>
               <a:ext uri="{FF2B5EF4-FFF2-40B4-BE49-F238E27FC236}">
-                <a16:creationId xmlns:a16="http://schemas.microsoft.com/office/drawing/2014/main" xmlns="" id="{CB608797-375C-4FAB-9692-55466FABFF61}"/>
+                <a16:creationId xmlns:a16="http://schemas.microsoft.com/office/drawing/2014/main" id="{CB608797-375C-4FAB-9692-55466FABFF61}"/>
               </a:ext>
             </a:extLst>
           </p:cNvPr>
@@ -3791,7 +3793,7 @@
           <p:cNvPr id="5" name="Téglalap 4">
             <a:extLst>
               <a:ext uri="{FF2B5EF4-FFF2-40B4-BE49-F238E27FC236}">
-                <a16:creationId xmlns:a16="http://schemas.microsoft.com/office/drawing/2014/main" xmlns="" id="{980EE41B-77A5-471A-8033-4C1F25961EF4}"/>
+                <a16:creationId xmlns:a16="http://schemas.microsoft.com/office/drawing/2014/main" id="{980EE41B-77A5-471A-8033-4C1F25961EF4}"/>
               </a:ext>
             </a:extLst>
           </p:cNvPr>
@@ -3843,7 +3845,7 @@
           <p:cNvPr id="6" name="Ábra 5">
             <a:extLst>
               <a:ext uri="{FF2B5EF4-FFF2-40B4-BE49-F238E27FC236}">
-                <a16:creationId xmlns:a16="http://schemas.microsoft.com/office/drawing/2014/main" xmlns="" id="{429B0420-3ACE-430B-A8F9-70E0AA021628}"/>
+                <a16:creationId xmlns:a16="http://schemas.microsoft.com/office/drawing/2014/main" id="{429B0420-3ACE-430B-A8F9-70E0AA021628}"/>
               </a:ext>
             </a:extLst>
           </p:cNvPr>
@@ -3859,7 +3861,7 @@
                 <a14:useLocalDpi xmlns:a14="http://schemas.microsoft.com/office/drawing/2010/main" val="0"/>
               </a:ext>
               <a:ext uri="{96DAC541-7B7A-43D3-8B79-37D633B846F1}">
-                <asvg:svgBlip xmlns:asvg="http://schemas.microsoft.com/office/drawing/2016/SVG/main" xmlns="" r:embed="rId3"/>
+                <asvg:svgBlip xmlns:asvg="http://schemas.microsoft.com/office/drawing/2016/SVG/main" r:embed="rId3"/>
               </a:ext>
             </a:extLst>
           </a:blip>
@@ -3882,7 +3884,7 @@
           <p:cNvPr id="7" name="Kép 6">
             <a:extLst>
               <a:ext uri="{FF2B5EF4-FFF2-40B4-BE49-F238E27FC236}">
-                <a16:creationId xmlns:a16="http://schemas.microsoft.com/office/drawing/2014/main" xmlns="" id="{10B9D92E-4E54-4778-B2BA-DD3A782DEA20}"/>
+                <a16:creationId xmlns:a16="http://schemas.microsoft.com/office/drawing/2014/main" id="{10B9D92E-4E54-4778-B2BA-DD3A782DEA20}"/>
               </a:ext>
             </a:extLst>
           </p:cNvPr>
@@ -3918,7 +3920,7 @@
           <p:cNvPr id="9" name="Szövegdoboz 8">
             <a:extLst>
               <a:ext uri="{FF2B5EF4-FFF2-40B4-BE49-F238E27FC236}">
-                <a16:creationId xmlns:a16="http://schemas.microsoft.com/office/drawing/2014/main" xmlns="" id="{37466BCB-E1CE-4F7D-8584-B04B919E0AB2}"/>
+                <a16:creationId xmlns:a16="http://schemas.microsoft.com/office/drawing/2014/main" id="{37466BCB-E1CE-4F7D-8584-B04B919E0AB2}"/>
               </a:ext>
             </a:extLst>
           </p:cNvPr>
@@ -4131,7 +4133,7 @@
           <p:cNvPr id="12" name="Kép 11">
             <a:extLst>
               <a:ext uri="{FF2B5EF4-FFF2-40B4-BE49-F238E27FC236}">
-                <a16:creationId xmlns:a16="http://schemas.microsoft.com/office/drawing/2014/main" xmlns="" id="{0AA7DE18-6AEF-4485-89A8-ACDDC3B23183}"/>
+                <a16:creationId xmlns:a16="http://schemas.microsoft.com/office/drawing/2014/main" id="{0AA7DE18-6AEF-4485-89A8-ACDDC3B23183}"/>
               </a:ext>
             </a:extLst>
           </p:cNvPr>
@@ -4167,7 +4169,7 @@
           <p:cNvPr id="13" name="Szövegdoboz 12">
             <a:extLst>
               <a:ext uri="{FF2B5EF4-FFF2-40B4-BE49-F238E27FC236}">
-                <a16:creationId xmlns:a16="http://schemas.microsoft.com/office/drawing/2014/main" xmlns="" id="{B329E9D7-E4C1-4B83-B3E0-B8B5C3F91871}"/>
+                <a16:creationId xmlns:a16="http://schemas.microsoft.com/office/drawing/2014/main" id="{B329E9D7-E4C1-4B83-B3E0-B8B5C3F91871}"/>
               </a:ext>
             </a:extLst>
           </p:cNvPr>
@@ -4344,7 +4346,7 @@
           <p:cNvPr id="14" name="Szövegdoboz 13">
             <a:extLst>
               <a:ext uri="{FF2B5EF4-FFF2-40B4-BE49-F238E27FC236}">
-                <a16:creationId xmlns:a16="http://schemas.microsoft.com/office/drawing/2014/main" xmlns="" id="{6CC38685-3263-4E92-9F5B-5DDA02AB8092}"/>
+                <a16:creationId xmlns:a16="http://schemas.microsoft.com/office/drawing/2014/main" id="{6CC38685-3263-4E92-9F5B-5DDA02AB8092}"/>
               </a:ext>
             </a:extLst>
           </p:cNvPr>
@@ -4429,7 +4431,7 @@
           <p:cNvPr id="4" name="Téglalap 3">
             <a:extLst>
               <a:ext uri="{FF2B5EF4-FFF2-40B4-BE49-F238E27FC236}">
-                <a16:creationId xmlns:a16="http://schemas.microsoft.com/office/drawing/2014/main" xmlns="" id="{F9C90CFD-A13F-425A-AF27-4038CF212F11}"/>
+                <a16:creationId xmlns:a16="http://schemas.microsoft.com/office/drawing/2014/main" id="{F9C90CFD-A13F-425A-AF27-4038CF212F11}"/>
               </a:ext>
             </a:extLst>
           </p:cNvPr>
@@ -4481,7 +4483,7 @@
           <p:cNvPr id="5" name="Szövegdoboz 4">
             <a:extLst>
               <a:ext uri="{FF2B5EF4-FFF2-40B4-BE49-F238E27FC236}">
-                <a16:creationId xmlns:a16="http://schemas.microsoft.com/office/drawing/2014/main" xmlns="" id="{A60678F4-FC5F-481C-9AAA-5E79C55DC231}"/>
+                <a16:creationId xmlns:a16="http://schemas.microsoft.com/office/drawing/2014/main" id="{A60678F4-FC5F-481C-9AAA-5E79C55DC231}"/>
               </a:ext>
             </a:extLst>
           </p:cNvPr>
@@ -4536,7 +4538,7 @@
           <p:cNvPr id="6" name="Kép 5">
             <a:extLst>
               <a:ext uri="{FF2B5EF4-FFF2-40B4-BE49-F238E27FC236}">
-                <a16:creationId xmlns:a16="http://schemas.microsoft.com/office/drawing/2014/main" xmlns="" id="{C92BE9BB-4674-4C0E-A255-2795E59E4870}"/>
+                <a16:creationId xmlns:a16="http://schemas.microsoft.com/office/drawing/2014/main" id="{C92BE9BB-4674-4C0E-A255-2795E59E4870}"/>
               </a:ext>
             </a:extLst>
           </p:cNvPr>
@@ -4572,7 +4574,7 @@
           <p:cNvPr id="7" name="Ábra 6">
             <a:extLst>
               <a:ext uri="{FF2B5EF4-FFF2-40B4-BE49-F238E27FC236}">
-                <a16:creationId xmlns:a16="http://schemas.microsoft.com/office/drawing/2014/main" xmlns="" id="{7D698027-ABFD-4B5D-BE6F-EFA228B01F4E}"/>
+                <a16:creationId xmlns:a16="http://schemas.microsoft.com/office/drawing/2014/main" id="{7D698027-ABFD-4B5D-BE6F-EFA228B01F4E}"/>
               </a:ext>
             </a:extLst>
           </p:cNvPr>
@@ -4588,7 +4590,7 @@
                 <a14:useLocalDpi xmlns:a14="http://schemas.microsoft.com/office/drawing/2010/main" val="0"/>
               </a:ext>
               <a:ext uri="{96DAC541-7B7A-43D3-8B79-37D633B846F1}">
-                <asvg:svgBlip xmlns:asvg="http://schemas.microsoft.com/office/drawing/2016/SVG/main" xmlns="" r:embed="rId4"/>
+                <asvg:svgBlip xmlns:asvg="http://schemas.microsoft.com/office/drawing/2016/SVG/main" r:embed="rId4"/>
               </a:ext>
             </a:extLst>
           </a:blip>
@@ -4611,7 +4613,7 @@
           <p:cNvPr id="9" name="Kép 8" descr="A képen szöveg, clipart látható&#10;&#10;Automatikusan generált leírás">
             <a:extLst>
               <a:ext uri="{FF2B5EF4-FFF2-40B4-BE49-F238E27FC236}">
-                <a16:creationId xmlns:a16="http://schemas.microsoft.com/office/drawing/2014/main" xmlns="" id="{8EB6B0B5-CC64-4DAB-87A2-3B0BD3E70A89}"/>
+                <a16:creationId xmlns:a16="http://schemas.microsoft.com/office/drawing/2014/main" id="{8EB6B0B5-CC64-4DAB-87A2-3B0BD3E70A89}"/>
               </a:ext>
             </a:extLst>
           </p:cNvPr>
@@ -4647,7 +4649,7 @@
           <p:cNvPr id="10" name="Szövegdoboz 9">
             <a:extLst>
               <a:ext uri="{FF2B5EF4-FFF2-40B4-BE49-F238E27FC236}">
-                <a16:creationId xmlns:a16="http://schemas.microsoft.com/office/drawing/2014/main" xmlns="" id="{1B58DB5D-9980-4129-B1C9-87FABF7876AF}"/>
+                <a16:creationId xmlns:a16="http://schemas.microsoft.com/office/drawing/2014/main" id="{1B58DB5D-9980-4129-B1C9-87FABF7876AF}"/>
               </a:ext>
             </a:extLst>
           </p:cNvPr>
@@ -4853,7 +4855,7 @@
           <p:cNvPr id="12" name="Rectangle 1">
             <a:extLst>
               <a:ext uri="{FF2B5EF4-FFF2-40B4-BE49-F238E27FC236}">
-                <a16:creationId xmlns:a16="http://schemas.microsoft.com/office/drawing/2014/main" xmlns="" id="{A2CD8CEE-60F8-408C-9CD4-8D9BAB3D9F5C}"/>
+                <a16:creationId xmlns:a16="http://schemas.microsoft.com/office/drawing/2014/main" id="{A2CD8CEE-60F8-408C-9CD4-8D9BAB3D9F5C}"/>
               </a:ext>
             </a:extLst>
           </p:cNvPr>
@@ -4942,7 +4944,7 @@
           <p:cNvPr id="16" name="Kép 15">
             <a:extLst>
               <a:ext uri="{FF2B5EF4-FFF2-40B4-BE49-F238E27FC236}">
-                <a16:creationId xmlns:a16="http://schemas.microsoft.com/office/drawing/2014/main" xmlns="" id="{206FF526-0E7C-4E09-BCA8-91538CBE92EC}"/>
+                <a16:creationId xmlns:a16="http://schemas.microsoft.com/office/drawing/2014/main" id="{206FF526-0E7C-4E09-BCA8-91538CBE92EC}"/>
               </a:ext>
             </a:extLst>
           </p:cNvPr>
@@ -5008,7 +5010,7 @@
           <p:cNvPr id="4" name="Téglalap 3">
             <a:extLst>
               <a:ext uri="{FF2B5EF4-FFF2-40B4-BE49-F238E27FC236}">
-                <a16:creationId xmlns:a16="http://schemas.microsoft.com/office/drawing/2014/main" xmlns="" id="{7D51A41D-6954-42BB-A4E2-28628A688925}"/>
+                <a16:creationId xmlns:a16="http://schemas.microsoft.com/office/drawing/2014/main" id="{7D51A41D-6954-42BB-A4E2-28628A688925}"/>
               </a:ext>
             </a:extLst>
           </p:cNvPr>
@@ -5060,7 +5062,7 @@
           <p:cNvPr id="6" name="Ábra 5">
             <a:extLst>
               <a:ext uri="{FF2B5EF4-FFF2-40B4-BE49-F238E27FC236}">
-                <a16:creationId xmlns:a16="http://schemas.microsoft.com/office/drawing/2014/main" xmlns="" id="{B2630098-F67C-4443-9EAC-FCC271FA7CFE}"/>
+                <a16:creationId xmlns:a16="http://schemas.microsoft.com/office/drawing/2014/main" id="{B2630098-F67C-4443-9EAC-FCC271FA7CFE}"/>
               </a:ext>
             </a:extLst>
           </p:cNvPr>
@@ -5076,7 +5078,7 @@
                 <a14:useLocalDpi xmlns:a14="http://schemas.microsoft.com/office/drawing/2010/main" val="0"/>
               </a:ext>
               <a:ext uri="{96DAC541-7B7A-43D3-8B79-37D633B846F1}">
-                <asvg:svgBlip xmlns:asvg="http://schemas.microsoft.com/office/drawing/2016/SVG/main" xmlns="" r:embed="rId3"/>
+                <asvg:svgBlip xmlns:asvg="http://schemas.microsoft.com/office/drawing/2016/SVG/main" r:embed="rId3"/>
               </a:ext>
             </a:extLst>
           </a:blip>
@@ -5099,7 +5101,7 @@
           <p:cNvPr id="7" name="Kép 6">
             <a:extLst>
               <a:ext uri="{FF2B5EF4-FFF2-40B4-BE49-F238E27FC236}">
-                <a16:creationId xmlns:a16="http://schemas.microsoft.com/office/drawing/2014/main" xmlns="" id="{80624D43-88E7-4753-B822-ED7D4B262C05}"/>
+                <a16:creationId xmlns:a16="http://schemas.microsoft.com/office/drawing/2014/main" id="{80624D43-88E7-4753-B822-ED7D4B262C05}"/>
               </a:ext>
             </a:extLst>
           </p:cNvPr>
@@ -5135,7 +5137,7 @@
           <p:cNvPr id="8" name="Szövegdoboz 7">
             <a:extLst>
               <a:ext uri="{FF2B5EF4-FFF2-40B4-BE49-F238E27FC236}">
-                <a16:creationId xmlns:a16="http://schemas.microsoft.com/office/drawing/2014/main" xmlns="" id="{755240AE-9326-44CF-8FDA-F20C3FF96486}"/>
+                <a16:creationId xmlns:a16="http://schemas.microsoft.com/office/drawing/2014/main" id="{755240AE-9326-44CF-8FDA-F20C3FF96486}"/>
               </a:ext>
             </a:extLst>
           </p:cNvPr>
@@ -5167,7 +5169,7 @@
           <p:cNvPr id="9" name="Szövegdoboz 8">
             <a:extLst>
               <a:ext uri="{FF2B5EF4-FFF2-40B4-BE49-F238E27FC236}">
-                <a16:creationId xmlns:a16="http://schemas.microsoft.com/office/drawing/2014/main" xmlns="" id="{C15B16C9-B619-46B5-8F60-9537C0C3376E}"/>
+                <a16:creationId xmlns:a16="http://schemas.microsoft.com/office/drawing/2014/main" id="{C15B16C9-B619-46B5-8F60-9537C0C3376E}"/>
               </a:ext>
             </a:extLst>
           </p:cNvPr>
@@ -6024,7 +6026,7 @@
           <p:cNvPr id="10" name="Szövegdoboz 9">
             <a:extLst>
               <a:ext uri="{FF2B5EF4-FFF2-40B4-BE49-F238E27FC236}">
-                <a16:creationId xmlns:a16="http://schemas.microsoft.com/office/drawing/2014/main" xmlns="" id="{D668BE8B-0D71-4562-A966-D2B3116B9E5A}"/>
+                <a16:creationId xmlns:a16="http://schemas.microsoft.com/office/drawing/2014/main" id="{D668BE8B-0D71-4562-A966-D2B3116B9E5A}"/>
               </a:ext>
             </a:extLst>
           </p:cNvPr>
@@ -6097,7 +6099,7 @@
           <p:cNvPr id="11" name="Szövegdoboz 10">
             <a:extLst>
               <a:ext uri="{FF2B5EF4-FFF2-40B4-BE49-F238E27FC236}">
-                <a16:creationId xmlns:a16="http://schemas.microsoft.com/office/drawing/2014/main" xmlns="" id="{571B4580-08C3-446E-8B7F-D2491DF9042C}"/>
+                <a16:creationId xmlns:a16="http://schemas.microsoft.com/office/drawing/2014/main" id="{571B4580-08C3-446E-8B7F-D2491DF9042C}"/>
               </a:ext>
             </a:extLst>
           </p:cNvPr>
@@ -6152,7 +6154,7 @@
           <p:cNvPr id="12" name="Kép 11" descr="A képen szöveg, clipart látható&#10;&#10;Automatikusan generált leírás">
             <a:extLst>
               <a:ext uri="{FF2B5EF4-FFF2-40B4-BE49-F238E27FC236}">
-                <a16:creationId xmlns:a16="http://schemas.microsoft.com/office/drawing/2014/main" xmlns="" id="{E9011122-228B-4386-85E7-7C489CCBF0B3}"/>
+                <a16:creationId xmlns:a16="http://schemas.microsoft.com/office/drawing/2014/main" id="{E9011122-228B-4386-85E7-7C489CCBF0B3}"/>
               </a:ext>
             </a:extLst>
           </p:cNvPr>
@@ -6218,7 +6220,7 @@
           <p:cNvPr id="4" name="Téglalap 3">
             <a:extLst>
               <a:ext uri="{FF2B5EF4-FFF2-40B4-BE49-F238E27FC236}">
-                <a16:creationId xmlns:a16="http://schemas.microsoft.com/office/drawing/2014/main" xmlns="" id="{49B1179B-0CC6-46F2-8E99-1F390F6F7F49}"/>
+                <a16:creationId xmlns:a16="http://schemas.microsoft.com/office/drawing/2014/main" id="{49B1179B-0CC6-46F2-8E99-1F390F6F7F49}"/>
               </a:ext>
             </a:extLst>
           </p:cNvPr>
@@ -6270,7 +6272,7 @@
           <p:cNvPr id="5" name="Szövegdoboz 4">
             <a:extLst>
               <a:ext uri="{FF2B5EF4-FFF2-40B4-BE49-F238E27FC236}">
-                <a16:creationId xmlns:a16="http://schemas.microsoft.com/office/drawing/2014/main" xmlns="" id="{8A4D48B3-98B4-4AC9-B14B-8E10AED7E18C}"/>
+                <a16:creationId xmlns:a16="http://schemas.microsoft.com/office/drawing/2014/main" id="{8A4D48B3-98B4-4AC9-B14B-8E10AED7E18C}"/>
               </a:ext>
             </a:extLst>
           </p:cNvPr>
@@ -6325,7 +6327,7 @@
           <p:cNvPr id="6" name="Ábra 5">
             <a:extLst>
               <a:ext uri="{FF2B5EF4-FFF2-40B4-BE49-F238E27FC236}">
-                <a16:creationId xmlns:a16="http://schemas.microsoft.com/office/drawing/2014/main" xmlns="" id="{7E8C815A-4BFA-40C9-91B2-A08DC0372BAB}"/>
+                <a16:creationId xmlns:a16="http://schemas.microsoft.com/office/drawing/2014/main" id="{7E8C815A-4BFA-40C9-91B2-A08DC0372BAB}"/>
               </a:ext>
             </a:extLst>
           </p:cNvPr>
@@ -6341,7 +6343,7 @@
                 <a14:useLocalDpi xmlns:a14="http://schemas.microsoft.com/office/drawing/2010/main" val="0"/>
               </a:ext>
               <a:ext uri="{96DAC541-7B7A-43D3-8B79-37D633B846F1}">
-                <asvg:svgBlip xmlns:asvg="http://schemas.microsoft.com/office/drawing/2016/SVG/main" xmlns="" r:embed="rId3"/>
+                <asvg:svgBlip xmlns:asvg="http://schemas.microsoft.com/office/drawing/2016/SVG/main" r:embed="rId3"/>
               </a:ext>
             </a:extLst>
           </a:blip>
@@ -6364,7 +6366,7 @@
           <p:cNvPr id="7" name="Kép 6">
             <a:extLst>
               <a:ext uri="{FF2B5EF4-FFF2-40B4-BE49-F238E27FC236}">
-                <a16:creationId xmlns:a16="http://schemas.microsoft.com/office/drawing/2014/main" xmlns="" id="{C3796190-948E-4FC1-AA34-B420E5A20899}"/>
+                <a16:creationId xmlns:a16="http://schemas.microsoft.com/office/drawing/2014/main" id="{C3796190-948E-4FC1-AA34-B420E5A20899}"/>
               </a:ext>
             </a:extLst>
           </p:cNvPr>
@@ -6400,7 +6402,7 @@
           <p:cNvPr id="9" name="Kép 8">
             <a:extLst>
               <a:ext uri="{FF2B5EF4-FFF2-40B4-BE49-F238E27FC236}">
-                <a16:creationId xmlns:a16="http://schemas.microsoft.com/office/drawing/2014/main" xmlns="" id="{7130844B-DB3C-4259-876D-EF1D4A9AFDEA}"/>
+                <a16:creationId xmlns:a16="http://schemas.microsoft.com/office/drawing/2014/main" id="{7130844B-DB3C-4259-876D-EF1D4A9AFDEA}"/>
               </a:ext>
             </a:extLst>
           </p:cNvPr>
@@ -6436,7 +6438,7 @@
           <p:cNvPr id="10" name="Szövegdoboz 9">
             <a:extLst>
               <a:ext uri="{FF2B5EF4-FFF2-40B4-BE49-F238E27FC236}">
-                <a16:creationId xmlns:a16="http://schemas.microsoft.com/office/drawing/2014/main" xmlns="" id="{5F3E262D-EC8D-40E6-A9BE-CF651CD3A3B2}"/>
+                <a16:creationId xmlns:a16="http://schemas.microsoft.com/office/drawing/2014/main" id="{5F3E262D-EC8D-40E6-A9BE-CF651CD3A3B2}"/>
               </a:ext>
             </a:extLst>
           </p:cNvPr>
@@ -6518,7 +6520,7 @@
           <p:cNvPr id="12" name="Kép 11" descr="A képen szöveg látható&#10;&#10;Automatikusan generált leírás">
             <a:extLst>
               <a:ext uri="{FF2B5EF4-FFF2-40B4-BE49-F238E27FC236}">
-                <a16:creationId xmlns:a16="http://schemas.microsoft.com/office/drawing/2014/main" xmlns="" id="{5256112E-CCA5-4383-9DEC-22038BDBC8A1}"/>
+                <a16:creationId xmlns:a16="http://schemas.microsoft.com/office/drawing/2014/main" id="{5256112E-CCA5-4383-9DEC-22038BDBC8A1}"/>
               </a:ext>
             </a:extLst>
           </p:cNvPr>
@@ -6554,7 +6556,7 @@
           <p:cNvPr id="16" name="Kép 15">
             <a:extLst>
               <a:ext uri="{FF2B5EF4-FFF2-40B4-BE49-F238E27FC236}">
-                <a16:creationId xmlns:a16="http://schemas.microsoft.com/office/drawing/2014/main" xmlns="" id="{32E2D3BE-B80D-474C-A319-8E5919FE4869}"/>
+                <a16:creationId xmlns:a16="http://schemas.microsoft.com/office/drawing/2014/main" id="{32E2D3BE-B80D-474C-A319-8E5919FE4869}"/>
               </a:ext>
             </a:extLst>
           </p:cNvPr>
@@ -6620,7 +6622,7 @@
           <p:cNvPr id="4" name="Téglalap 3">
             <a:extLst>
               <a:ext uri="{FF2B5EF4-FFF2-40B4-BE49-F238E27FC236}">
-                <a16:creationId xmlns:a16="http://schemas.microsoft.com/office/drawing/2014/main" xmlns="" id="{C7BD54D9-3F9D-45DB-8168-96DF78E16F94}"/>
+                <a16:creationId xmlns:a16="http://schemas.microsoft.com/office/drawing/2014/main" id="{C7BD54D9-3F9D-45DB-8168-96DF78E16F94}"/>
               </a:ext>
             </a:extLst>
           </p:cNvPr>
@@ -6672,7 +6674,7 @@
           <p:cNvPr id="5" name="Szövegdoboz 4">
             <a:extLst>
               <a:ext uri="{FF2B5EF4-FFF2-40B4-BE49-F238E27FC236}">
-                <a16:creationId xmlns:a16="http://schemas.microsoft.com/office/drawing/2014/main" xmlns="" id="{9B2A4970-2930-4B8D-AB8D-B33C27BBDF04}"/>
+                <a16:creationId xmlns:a16="http://schemas.microsoft.com/office/drawing/2014/main" id="{9B2A4970-2930-4B8D-AB8D-B33C27BBDF04}"/>
               </a:ext>
             </a:extLst>
           </p:cNvPr>
@@ -6727,7 +6729,7 @@
           <p:cNvPr id="6" name="Kép 5">
             <a:extLst>
               <a:ext uri="{FF2B5EF4-FFF2-40B4-BE49-F238E27FC236}">
-                <a16:creationId xmlns:a16="http://schemas.microsoft.com/office/drawing/2014/main" xmlns="" id="{ADA2A382-FBA3-4713-AFC7-7F5ADB695B5F}"/>
+                <a16:creationId xmlns:a16="http://schemas.microsoft.com/office/drawing/2014/main" id="{ADA2A382-FBA3-4713-AFC7-7F5ADB695B5F}"/>
               </a:ext>
             </a:extLst>
           </p:cNvPr>
@@ -6763,7 +6765,7 @@
           <p:cNvPr id="7" name="Ábra 6">
             <a:extLst>
               <a:ext uri="{FF2B5EF4-FFF2-40B4-BE49-F238E27FC236}">
-                <a16:creationId xmlns:a16="http://schemas.microsoft.com/office/drawing/2014/main" xmlns="" id="{154906A3-E230-45CD-B14B-FE8C154C08EE}"/>
+                <a16:creationId xmlns:a16="http://schemas.microsoft.com/office/drawing/2014/main" id="{154906A3-E230-45CD-B14B-FE8C154C08EE}"/>
               </a:ext>
             </a:extLst>
           </p:cNvPr>
@@ -6779,7 +6781,7 @@
                 <a14:useLocalDpi xmlns:a14="http://schemas.microsoft.com/office/drawing/2010/main" val="0"/>
               </a:ext>
               <a:ext uri="{96DAC541-7B7A-43D3-8B79-37D633B846F1}">
-                <asvg:svgBlip xmlns:asvg="http://schemas.microsoft.com/office/drawing/2016/SVG/main" xmlns="" r:embed="rId4"/>
+                <asvg:svgBlip xmlns:asvg="http://schemas.microsoft.com/office/drawing/2016/SVG/main" r:embed="rId4"/>
               </a:ext>
             </a:extLst>
           </a:blip>
@@ -6802,7 +6804,7 @@
           <p:cNvPr id="9" name="Kép 8" descr="A képen szöveg, clipart, vektorgrafika látható&#10;&#10;Automatikusan generált leírás">
             <a:extLst>
               <a:ext uri="{FF2B5EF4-FFF2-40B4-BE49-F238E27FC236}">
-                <a16:creationId xmlns:a16="http://schemas.microsoft.com/office/drawing/2014/main" xmlns="" id="{D1F5C125-7E02-4011-BCEC-81CD70A75F1F}"/>
+                <a16:creationId xmlns:a16="http://schemas.microsoft.com/office/drawing/2014/main" id="{D1F5C125-7E02-4011-BCEC-81CD70A75F1F}"/>
               </a:ext>
             </a:extLst>
           </p:cNvPr>
@@ -6838,7 +6840,7 @@
           <p:cNvPr id="10" name="Szövegdoboz 9">
             <a:extLst>
               <a:ext uri="{FF2B5EF4-FFF2-40B4-BE49-F238E27FC236}">
-                <a16:creationId xmlns:a16="http://schemas.microsoft.com/office/drawing/2014/main" xmlns="" id="{7DE14610-1C8E-44BD-9791-DC90997EFD19}"/>
+                <a16:creationId xmlns:a16="http://schemas.microsoft.com/office/drawing/2014/main" id="{7DE14610-1C8E-44BD-9791-DC90997EFD19}"/>
               </a:ext>
             </a:extLst>
           </p:cNvPr>
@@ -6961,7 +6963,7 @@
           <p:cNvPr id="12" name="Kép 11">
             <a:extLst>
               <a:ext uri="{FF2B5EF4-FFF2-40B4-BE49-F238E27FC236}">
-                <a16:creationId xmlns:a16="http://schemas.microsoft.com/office/drawing/2014/main" xmlns="" id="{0E32AD6C-994D-41F9-AC69-B65A18997642}"/>
+                <a16:creationId xmlns:a16="http://schemas.microsoft.com/office/drawing/2014/main" id="{0E32AD6C-994D-41F9-AC69-B65A18997642}"/>
               </a:ext>
             </a:extLst>
           </p:cNvPr>
@@ -7027,7 +7029,7 @@
           <p:cNvPr id="4" name="Szövegdoboz 3">
             <a:extLst>
               <a:ext uri="{FF2B5EF4-FFF2-40B4-BE49-F238E27FC236}">
-                <a16:creationId xmlns:a16="http://schemas.microsoft.com/office/drawing/2014/main" xmlns="" id="{EB1C451C-D53A-4303-B73A-13B738AC7A72}"/>
+                <a16:creationId xmlns:a16="http://schemas.microsoft.com/office/drawing/2014/main" id="{EB1C451C-D53A-4303-B73A-13B738AC7A72}"/>
               </a:ext>
             </a:extLst>
           </p:cNvPr>
@@ -7085,7 +7087,7 @@
           <p:cNvPr id="5" name="Téglalap 4">
             <a:extLst>
               <a:ext uri="{FF2B5EF4-FFF2-40B4-BE49-F238E27FC236}">
-                <a16:creationId xmlns:a16="http://schemas.microsoft.com/office/drawing/2014/main" xmlns="" id="{6813BE4B-7BDD-4CC6-B4A0-2D6966E3D6DF}"/>
+                <a16:creationId xmlns:a16="http://schemas.microsoft.com/office/drawing/2014/main" id="{6813BE4B-7BDD-4CC6-B4A0-2D6966E3D6DF}"/>
               </a:ext>
             </a:extLst>
           </p:cNvPr>
@@ -7137,7 +7139,7 @@
           <p:cNvPr id="6" name="Ábra 5">
             <a:extLst>
               <a:ext uri="{FF2B5EF4-FFF2-40B4-BE49-F238E27FC236}">
-                <a16:creationId xmlns:a16="http://schemas.microsoft.com/office/drawing/2014/main" xmlns="" id="{91AD7EB3-B557-4BC8-88DC-C0B9069197F7}"/>
+                <a16:creationId xmlns:a16="http://schemas.microsoft.com/office/drawing/2014/main" id="{91AD7EB3-B557-4BC8-88DC-C0B9069197F7}"/>
               </a:ext>
             </a:extLst>
           </p:cNvPr>
@@ -7153,7 +7155,7 @@
                 <a14:useLocalDpi xmlns:a14="http://schemas.microsoft.com/office/drawing/2010/main" val="0"/>
               </a:ext>
               <a:ext uri="{96DAC541-7B7A-43D3-8B79-37D633B846F1}">
-                <asvg:svgBlip xmlns:asvg="http://schemas.microsoft.com/office/drawing/2016/SVG/main" xmlns="" r:embed="rId3"/>
+                <asvg:svgBlip xmlns:asvg="http://schemas.microsoft.com/office/drawing/2016/SVG/main" r:embed="rId3"/>
               </a:ext>
             </a:extLst>
           </a:blip>
@@ -7176,7 +7178,7 @@
           <p:cNvPr id="7" name="Kép 6">
             <a:extLst>
               <a:ext uri="{FF2B5EF4-FFF2-40B4-BE49-F238E27FC236}">
-                <a16:creationId xmlns:a16="http://schemas.microsoft.com/office/drawing/2014/main" xmlns="" id="{2C7B6D79-87C0-42FB-9C1B-A0E393FC20BD}"/>
+                <a16:creationId xmlns:a16="http://schemas.microsoft.com/office/drawing/2014/main" id="{2C7B6D79-87C0-42FB-9C1B-A0E393FC20BD}"/>
               </a:ext>
             </a:extLst>
           </p:cNvPr>
@@ -7212,7 +7214,7 @@
           <p:cNvPr id="8" name="Szövegdoboz 7">
             <a:extLst>
               <a:ext uri="{FF2B5EF4-FFF2-40B4-BE49-F238E27FC236}">
-                <a16:creationId xmlns:a16="http://schemas.microsoft.com/office/drawing/2014/main" xmlns="" id="{29A7ECC6-33AA-43D9-B05E-F67CDAC7B655}"/>
+                <a16:creationId xmlns:a16="http://schemas.microsoft.com/office/drawing/2014/main" id="{29A7ECC6-33AA-43D9-B05E-F67CDAC7B655}"/>
               </a:ext>
             </a:extLst>
           </p:cNvPr>
@@ -7577,12 +7579,6 @@
               </a:rPr>
               <a:t> -e \</a:t>
             </a:r>
-            <a:r>
-              <a:rPr lang="hu-HU" sz="1400" dirty="0">
-                <a:latin typeface="Consolas" panose="020B0609020204030204" pitchFamily="49" charset="0"/>
-              </a:rPr>
-              <a:t/>
-            </a:r>
             <a:br>
               <a:rPr lang="hu-HU" sz="1400" dirty="0">
                 <a:latin typeface="Consolas" panose="020B0609020204030204" pitchFamily="49" charset="0"/>
@@ -7638,12 +7634,6 @@
               </a:rPr>
               <a:t> \</a:t>
             </a:r>
-            <a:r>
-              <a:rPr lang="hu-HU" sz="1400" dirty="0">
-                <a:latin typeface="Consolas" panose="020B0609020204030204" pitchFamily="49" charset="0"/>
-              </a:rPr>
-              <a:t/>
-            </a:r>
             <a:br>
               <a:rPr lang="hu-HU" sz="1400" dirty="0">
                 <a:latin typeface="Consolas" panose="020B0609020204030204" pitchFamily="49" charset="0"/>
@@ -7678,12 +7668,6 @@
                 <a:latin typeface="Consolas" panose="020B0609020204030204" pitchFamily="49" charset="0"/>
               </a:rPr>
               <a:t>=['localhost:9200'] \</a:t>
-            </a:r>
-            <a:r>
-              <a:rPr lang="hu-HU" sz="1400" dirty="0">
-                <a:latin typeface="Consolas" panose="020B0609020204030204" pitchFamily="49" charset="0"/>
-              </a:rPr>
-              <a:t/>
             </a:r>
             <a:br>
               <a:rPr lang="hu-HU" sz="1400" dirty="0">
@@ -7732,7 +7716,7 @@
           <p:cNvPr id="11" name="Szövegdoboz 10">
             <a:extLst>
               <a:ext uri="{FF2B5EF4-FFF2-40B4-BE49-F238E27FC236}">
-                <a16:creationId xmlns:a16="http://schemas.microsoft.com/office/drawing/2014/main" xmlns="" id="{72F491C5-0D91-4A99-9E0D-F20089F18A11}"/>
+                <a16:creationId xmlns:a16="http://schemas.microsoft.com/office/drawing/2014/main" id="{72F491C5-0D91-4A99-9E0D-F20089F18A11}"/>
               </a:ext>
             </a:extLst>
           </p:cNvPr>
@@ -7781,7 +7765,7 @@
           <p:cNvPr id="15" name="Szövegdoboz 14">
             <a:extLst>
               <a:ext uri="{FF2B5EF4-FFF2-40B4-BE49-F238E27FC236}">
-                <a16:creationId xmlns:a16="http://schemas.microsoft.com/office/drawing/2014/main" xmlns="" id="{E86DE464-7E66-475D-B22B-BDDD15FFBA53}"/>
+                <a16:creationId xmlns:a16="http://schemas.microsoft.com/office/drawing/2014/main" id="{E86DE464-7E66-475D-B22B-BDDD15FFBA53}"/>
               </a:ext>
             </a:extLst>
           </p:cNvPr>
@@ -7848,7 +7832,7 @@
           <p:cNvPr id="4" name="Téglalap 3">
             <a:extLst>
               <a:ext uri="{FF2B5EF4-FFF2-40B4-BE49-F238E27FC236}">
-                <a16:creationId xmlns:a16="http://schemas.microsoft.com/office/drawing/2014/main" xmlns="" id="{A2C7BB2A-A50F-47CB-AB3E-AE6C4FF53DEE}"/>
+                <a16:creationId xmlns:a16="http://schemas.microsoft.com/office/drawing/2014/main" id="{A2C7BB2A-A50F-47CB-AB3E-AE6C4FF53DEE}"/>
               </a:ext>
             </a:extLst>
           </p:cNvPr>
@@ -7900,7 +7884,7 @@
           <p:cNvPr id="5" name="Ábra 4">
             <a:extLst>
               <a:ext uri="{FF2B5EF4-FFF2-40B4-BE49-F238E27FC236}">
-                <a16:creationId xmlns:a16="http://schemas.microsoft.com/office/drawing/2014/main" xmlns="" id="{CF166C1C-80BD-4665-9CE3-AFB5AE9CDD74}"/>
+                <a16:creationId xmlns:a16="http://schemas.microsoft.com/office/drawing/2014/main" id="{CF166C1C-80BD-4665-9CE3-AFB5AE9CDD74}"/>
               </a:ext>
             </a:extLst>
           </p:cNvPr>
@@ -7916,7 +7900,7 @@
                 <a14:useLocalDpi xmlns:a14="http://schemas.microsoft.com/office/drawing/2010/main" val="0"/>
               </a:ext>
               <a:ext uri="{96DAC541-7B7A-43D3-8B79-37D633B846F1}">
-                <asvg:svgBlip xmlns:asvg="http://schemas.microsoft.com/office/drawing/2016/SVG/main" xmlns="" r:embed="rId3"/>
+                <asvg:svgBlip xmlns:asvg="http://schemas.microsoft.com/office/drawing/2016/SVG/main" r:embed="rId3"/>
               </a:ext>
             </a:extLst>
           </a:blip>
@@ -7939,7 +7923,7 @@
           <p:cNvPr id="6" name="Kép 5">
             <a:extLst>
               <a:ext uri="{FF2B5EF4-FFF2-40B4-BE49-F238E27FC236}">
-                <a16:creationId xmlns:a16="http://schemas.microsoft.com/office/drawing/2014/main" xmlns="" id="{7FE9E31C-3444-435C-97D5-CB7DBA222984}"/>
+                <a16:creationId xmlns:a16="http://schemas.microsoft.com/office/drawing/2014/main" id="{7FE9E31C-3444-435C-97D5-CB7DBA222984}"/>
               </a:ext>
             </a:extLst>
           </p:cNvPr>
@@ -7975,7 +7959,7 @@
           <p:cNvPr id="7" name="Szövegdoboz 6">
             <a:extLst>
               <a:ext uri="{FF2B5EF4-FFF2-40B4-BE49-F238E27FC236}">
-                <a16:creationId xmlns:a16="http://schemas.microsoft.com/office/drawing/2014/main" xmlns="" id="{089A8824-10DF-4AC9-B95C-6F58F44FD8E3}"/>
+                <a16:creationId xmlns:a16="http://schemas.microsoft.com/office/drawing/2014/main" id="{089A8824-10DF-4AC9-B95C-6F58F44FD8E3}"/>
               </a:ext>
             </a:extLst>
           </p:cNvPr>
@@ -8030,7 +8014,7 @@
           <p:cNvPr id="9" name="Kép 8" descr="A képen szöveg látható&#10;&#10;Automatikusan generált leírás">
             <a:extLst>
               <a:ext uri="{FF2B5EF4-FFF2-40B4-BE49-F238E27FC236}">
-                <a16:creationId xmlns:a16="http://schemas.microsoft.com/office/drawing/2014/main" xmlns="" id="{AB861D96-9093-4447-BBC3-8290E850F7D3}"/>
+                <a16:creationId xmlns:a16="http://schemas.microsoft.com/office/drawing/2014/main" id="{AB861D96-9093-4447-BBC3-8290E850F7D3}"/>
               </a:ext>
             </a:extLst>
           </p:cNvPr>
@@ -8096,7 +8080,7 @@
           <p:cNvPr id="4" name="Téglalap 3">
             <a:extLst>
               <a:ext uri="{FF2B5EF4-FFF2-40B4-BE49-F238E27FC236}">
-                <a16:creationId xmlns:a16="http://schemas.microsoft.com/office/drawing/2014/main" xmlns="" id="{78525340-6B7A-4D40-A00C-AE30EF51CBBB}"/>
+                <a16:creationId xmlns:a16="http://schemas.microsoft.com/office/drawing/2014/main" id="{78525340-6B7A-4D40-A00C-AE30EF51CBBB}"/>
               </a:ext>
             </a:extLst>
           </p:cNvPr>
@@ -8148,7 +8132,7 @@
           <p:cNvPr id="5" name="Ábra 4">
             <a:extLst>
               <a:ext uri="{FF2B5EF4-FFF2-40B4-BE49-F238E27FC236}">
-                <a16:creationId xmlns:a16="http://schemas.microsoft.com/office/drawing/2014/main" xmlns="" id="{4FBEBAD1-D318-4E59-9A68-B95CA4E82989}"/>
+                <a16:creationId xmlns:a16="http://schemas.microsoft.com/office/drawing/2014/main" id="{4FBEBAD1-D318-4E59-9A68-B95CA4E82989}"/>
               </a:ext>
             </a:extLst>
           </p:cNvPr>
@@ -8164,7 +8148,7 @@
                 <a14:useLocalDpi xmlns:a14="http://schemas.microsoft.com/office/drawing/2010/main" val="0"/>
               </a:ext>
               <a:ext uri="{96DAC541-7B7A-43D3-8B79-37D633B846F1}">
-                <asvg:svgBlip xmlns:asvg="http://schemas.microsoft.com/office/drawing/2016/SVG/main" xmlns="" r:embed="rId3"/>
+                <asvg:svgBlip xmlns:asvg="http://schemas.microsoft.com/office/drawing/2016/SVG/main" r:embed="rId3"/>
               </a:ext>
             </a:extLst>
           </a:blip>
@@ -8187,7 +8171,7 @@
           <p:cNvPr id="6" name="Kép 5">
             <a:extLst>
               <a:ext uri="{FF2B5EF4-FFF2-40B4-BE49-F238E27FC236}">
-                <a16:creationId xmlns:a16="http://schemas.microsoft.com/office/drawing/2014/main" xmlns="" id="{8AA4441F-C5B5-4B3F-89AD-4F4566A68AC6}"/>
+                <a16:creationId xmlns:a16="http://schemas.microsoft.com/office/drawing/2014/main" id="{8AA4441F-C5B5-4B3F-89AD-4F4566A68AC6}"/>
               </a:ext>
             </a:extLst>
           </p:cNvPr>
@@ -8223,7 +8207,7 @@
           <p:cNvPr id="7" name="Szövegdoboz 6">
             <a:extLst>
               <a:ext uri="{FF2B5EF4-FFF2-40B4-BE49-F238E27FC236}">
-                <a16:creationId xmlns:a16="http://schemas.microsoft.com/office/drawing/2014/main" xmlns="" id="{76D387F9-168D-4D3D-AF6B-8820F7A04B7C}"/>
+                <a16:creationId xmlns:a16="http://schemas.microsoft.com/office/drawing/2014/main" id="{76D387F9-168D-4D3D-AF6B-8820F7A04B7C}"/>
               </a:ext>
             </a:extLst>
           </p:cNvPr>
@@ -8289,7 +8273,7 @@
           <p:cNvPr id="8" name="Szövegdoboz 7">
             <a:extLst>
               <a:ext uri="{FF2B5EF4-FFF2-40B4-BE49-F238E27FC236}">
-                <a16:creationId xmlns:a16="http://schemas.microsoft.com/office/drawing/2014/main" xmlns="" id="{E11ADEE5-4A7D-42BF-A234-E54D3C47B81D}"/>
+                <a16:creationId xmlns:a16="http://schemas.microsoft.com/office/drawing/2014/main" id="{E11ADEE5-4A7D-42BF-A234-E54D3C47B81D}"/>
               </a:ext>
             </a:extLst>
           </p:cNvPr>
@@ -8488,7 +8472,7 @@
           <p:cNvPr id="16" name="Szövegdoboz 15">
             <a:extLst>
               <a:ext uri="{FF2B5EF4-FFF2-40B4-BE49-F238E27FC236}">
-                <a16:creationId xmlns:a16="http://schemas.microsoft.com/office/drawing/2014/main" xmlns="" id="{C37A4C15-5023-44CE-AD0C-D8BE67AD6193}"/>
+                <a16:creationId xmlns:a16="http://schemas.microsoft.com/office/drawing/2014/main" id="{C37A4C15-5023-44CE-AD0C-D8BE67AD6193}"/>
               </a:ext>
             </a:extLst>
           </p:cNvPr>
@@ -9087,7 +9071,7 @@
           <p:cNvPr id="4" name="Ábra 3">
             <a:extLst>
               <a:ext uri="{FF2B5EF4-FFF2-40B4-BE49-F238E27FC236}">
-                <a16:creationId xmlns:a16="http://schemas.microsoft.com/office/drawing/2014/main" xmlns="" id="{31B9E41E-7304-4A1A-BC30-3E2864ABD6F7}"/>
+                <a16:creationId xmlns:a16="http://schemas.microsoft.com/office/drawing/2014/main" id="{31B9E41E-7304-4A1A-BC30-3E2864ABD6F7}"/>
               </a:ext>
             </a:extLst>
           </p:cNvPr>
@@ -9103,7 +9087,7 @@
                 <a14:useLocalDpi xmlns:a14="http://schemas.microsoft.com/office/drawing/2010/main" val="0"/>
               </a:ext>
               <a:ext uri="{96DAC541-7B7A-43D3-8B79-37D633B846F1}">
-                <asvg:svgBlip xmlns:asvg="http://schemas.microsoft.com/office/drawing/2016/SVG/main" xmlns="" r:embed="rId3"/>
+                <asvg:svgBlip xmlns:asvg="http://schemas.microsoft.com/office/drawing/2016/SVG/main" r:embed="rId3"/>
               </a:ext>
             </a:extLst>
           </a:blip>
@@ -9126,7 +9110,7 @@
           <p:cNvPr id="5" name="Kép 4">
             <a:extLst>
               <a:ext uri="{FF2B5EF4-FFF2-40B4-BE49-F238E27FC236}">
-                <a16:creationId xmlns:a16="http://schemas.microsoft.com/office/drawing/2014/main" xmlns="" id="{29D73E69-59B5-490A-B76B-530A01E22534}"/>
+                <a16:creationId xmlns:a16="http://schemas.microsoft.com/office/drawing/2014/main" id="{29D73E69-59B5-490A-B76B-530A01E22534}"/>
               </a:ext>
             </a:extLst>
           </p:cNvPr>
@@ -9162,7 +9146,7 @@
           <p:cNvPr id="6" name="Téglalap 5">
             <a:extLst>
               <a:ext uri="{FF2B5EF4-FFF2-40B4-BE49-F238E27FC236}">
-                <a16:creationId xmlns:a16="http://schemas.microsoft.com/office/drawing/2014/main" xmlns="" id="{E068F1BD-7F15-4737-9967-36B2D1750584}"/>
+                <a16:creationId xmlns:a16="http://schemas.microsoft.com/office/drawing/2014/main" id="{E068F1BD-7F15-4737-9967-36B2D1750584}"/>
               </a:ext>
             </a:extLst>
           </p:cNvPr>
@@ -9214,7 +9198,7 @@
           <p:cNvPr id="7" name="Szövegdoboz 6">
             <a:extLst>
               <a:ext uri="{FF2B5EF4-FFF2-40B4-BE49-F238E27FC236}">
-                <a16:creationId xmlns:a16="http://schemas.microsoft.com/office/drawing/2014/main" xmlns="" id="{7E7913CF-B31C-474A-9F71-B5D6B7D5978B}"/>
+                <a16:creationId xmlns:a16="http://schemas.microsoft.com/office/drawing/2014/main" id="{7E7913CF-B31C-474A-9F71-B5D6B7D5978B}"/>
               </a:ext>
             </a:extLst>
           </p:cNvPr>
@@ -9280,7 +9264,7 @@
           <p:cNvPr id="9" name="Kép 8" descr="A képen szöveg, képernyőkép, dokumentum látható&#10;&#10;Automatikusan generált leírás">
             <a:extLst>
               <a:ext uri="{FF2B5EF4-FFF2-40B4-BE49-F238E27FC236}">
-                <a16:creationId xmlns:a16="http://schemas.microsoft.com/office/drawing/2014/main" xmlns="" id="{7C218E30-2EE8-4D8C-80CB-60AFDC139941}"/>
+                <a16:creationId xmlns:a16="http://schemas.microsoft.com/office/drawing/2014/main" id="{7C218E30-2EE8-4D8C-80CB-60AFDC139941}"/>
               </a:ext>
             </a:extLst>
           </p:cNvPr>
@@ -9346,7 +9330,7 @@
           <p:cNvPr id="4" name="Téglalap 3">
             <a:extLst>
               <a:ext uri="{FF2B5EF4-FFF2-40B4-BE49-F238E27FC236}">
-                <a16:creationId xmlns:a16="http://schemas.microsoft.com/office/drawing/2014/main" xmlns="" id="{554FD794-3583-4004-956C-516A8220E427}"/>
+                <a16:creationId xmlns:a16="http://schemas.microsoft.com/office/drawing/2014/main" id="{554FD794-3583-4004-956C-516A8220E427}"/>
               </a:ext>
             </a:extLst>
           </p:cNvPr>
@@ -9398,7 +9382,7 @@
           <p:cNvPr id="5" name="Kép 4">
             <a:extLst>
               <a:ext uri="{FF2B5EF4-FFF2-40B4-BE49-F238E27FC236}">
-                <a16:creationId xmlns:a16="http://schemas.microsoft.com/office/drawing/2014/main" xmlns="" id="{8FC2DFD2-2630-400B-97D0-F76354A684C4}"/>
+                <a16:creationId xmlns:a16="http://schemas.microsoft.com/office/drawing/2014/main" id="{8FC2DFD2-2630-400B-97D0-F76354A684C4}"/>
               </a:ext>
             </a:extLst>
           </p:cNvPr>
@@ -9434,7 +9418,7 @@
           <p:cNvPr id="6" name="Ábra 5">
             <a:extLst>
               <a:ext uri="{FF2B5EF4-FFF2-40B4-BE49-F238E27FC236}">
-                <a16:creationId xmlns:a16="http://schemas.microsoft.com/office/drawing/2014/main" xmlns="" id="{C9A140CE-AE78-45FD-948A-F1F82A316E59}"/>
+                <a16:creationId xmlns:a16="http://schemas.microsoft.com/office/drawing/2014/main" id="{C9A140CE-AE78-45FD-948A-F1F82A316E59}"/>
               </a:ext>
             </a:extLst>
           </p:cNvPr>
@@ -9450,7 +9434,7 @@
                 <a14:useLocalDpi xmlns:a14="http://schemas.microsoft.com/office/drawing/2010/main" val="0"/>
               </a:ext>
               <a:ext uri="{96DAC541-7B7A-43D3-8B79-37D633B846F1}">
-                <asvg:svgBlip xmlns:asvg="http://schemas.microsoft.com/office/drawing/2016/SVG/main" xmlns="" r:embed="rId4"/>
+                <asvg:svgBlip xmlns:asvg="http://schemas.microsoft.com/office/drawing/2016/SVG/main" r:embed="rId4"/>
               </a:ext>
             </a:extLst>
           </a:blip>
@@ -9473,7 +9457,7 @@
           <p:cNvPr id="7" name="Szövegdoboz 6">
             <a:extLst>
               <a:ext uri="{FF2B5EF4-FFF2-40B4-BE49-F238E27FC236}">
-                <a16:creationId xmlns:a16="http://schemas.microsoft.com/office/drawing/2014/main" xmlns="" id="{71EB8536-C730-4872-A904-CC9A602141E1}"/>
+                <a16:creationId xmlns:a16="http://schemas.microsoft.com/office/drawing/2014/main" id="{71EB8536-C730-4872-A904-CC9A602141E1}"/>
               </a:ext>
             </a:extLst>
           </p:cNvPr>
@@ -9531,7 +9515,7 @@
           <p:cNvPr id="9" name="Kép 8" descr="A képen szöveg látható&#10;&#10;Automatikusan generált leírás">
             <a:extLst>
               <a:ext uri="{FF2B5EF4-FFF2-40B4-BE49-F238E27FC236}">
-                <a16:creationId xmlns:a16="http://schemas.microsoft.com/office/drawing/2014/main" xmlns="" id="{83A13FFE-A5D1-42DA-AD70-DF4974DB06FF}"/>
+                <a16:creationId xmlns:a16="http://schemas.microsoft.com/office/drawing/2014/main" id="{83A13FFE-A5D1-42DA-AD70-DF4974DB06FF}"/>
               </a:ext>
             </a:extLst>
           </p:cNvPr>
@@ -9567,7 +9551,7 @@
           <p:cNvPr id="11" name="Kép 10">
             <a:extLst>
               <a:ext uri="{FF2B5EF4-FFF2-40B4-BE49-F238E27FC236}">
-                <a16:creationId xmlns:a16="http://schemas.microsoft.com/office/drawing/2014/main" xmlns="" id="{9551A0EF-30AA-41A5-A14A-04393B62CA99}"/>
+                <a16:creationId xmlns:a16="http://schemas.microsoft.com/office/drawing/2014/main" id="{9551A0EF-30AA-41A5-A14A-04393B62CA99}"/>
               </a:ext>
             </a:extLst>
           </p:cNvPr>
@@ -9633,7 +9617,7 @@
           <p:cNvPr id="4" name="Téglalap 3">
             <a:extLst>
               <a:ext uri="{FF2B5EF4-FFF2-40B4-BE49-F238E27FC236}">
-                <a16:creationId xmlns:a16="http://schemas.microsoft.com/office/drawing/2014/main" xmlns="" id="{48DBA02F-B6EC-48A8-AC85-B71A2EC1781B}"/>
+                <a16:creationId xmlns:a16="http://schemas.microsoft.com/office/drawing/2014/main" id="{48DBA02F-B6EC-48A8-AC85-B71A2EC1781B}"/>
               </a:ext>
             </a:extLst>
           </p:cNvPr>
@@ -9685,7 +9669,7 @@
           <p:cNvPr id="5" name="Szövegdoboz 4">
             <a:extLst>
               <a:ext uri="{FF2B5EF4-FFF2-40B4-BE49-F238E27FC236}">
-                <a16:creationId xmlns:a16="http://schemas.microsoft.com/office/drawing/2014/main" xmlns="" id="{DFF6D5BF-7E71-423A-9525-208E382710DC}"/>
+                <a16:creationId xmlns:a16="http://schemas.microsoft.com/office/drawing/2014/main" id="{DFF6D5BF-7E71-423A-9525-208E382710DC}"/>
               </a:ext>
             </a:extLst>
           </p:cNvPr>
@@ -9725,7 +9709,7 @@
           <p:cNvPr id="7" name="Szövegdoboz 6">
             <a:extLst>
               <a:ext uri="{FF2B5EF4-FFF2-40B4-BE49-F238E27FC236}">
-                <a16:creationId xmlns:a16="http://schemas.microsoft.com/office/drawing/2014/main" xmlns="" id="{7043BF47-92DF-4BA1-B102-0F6418F6D0E2}"/>
+                <a16:creationId xmlns:a16="http://schemas.microsoft.com/office/drawing/2014/main" id="{7043BF47-92DF-4BA1-B102-0F6418F6D0E2}"/>
               </a:ext>
             </a:extLst>
           </p:cNvPr>
@@ -9762,7 +9746,7 @@
           <p:cNvPr id="8" name="Szövegdoboz 7">
             <a:extLst>
               <a:ext uri="{FF2B5EF4-FFF2-40B4-BE49-F238E27FC236}">
-                <a16:creationId xmlns:a16="http://schemas.microsoft.com/office/drawing/2014/main" xmlns="" id="{3EAC3FA6-A5D2-4247-8630-FD51FC40F39A}"/>
+                <a16:creationId xmlns:a16="http://schemas.microsoft.com/office/drawing/2014/main" id="{3EAC3FA6-A5D2-4247-8630-FD51FC40F39A}"/>
               </a:ext>
             </a:extLst>
           </p:cNvPr>
@@ -9839,7 +9823,7 @@
           <p:cNvPr id="9" name="Szövegdoboz 8">
             <a:extLst>
               <a:ext uri="{FF2B5EF4-FFF2-40B4-BE49-F238E27FC236}">
-                <a16:creationId xmlns:a16="http://schemas.microsoft.com/office/drawing/2014/main" xmlns="" id="{DA2757C3-B57F-403B-8137-6811F884F535}"/>
+                <a16:creationId xmlns:a16="http://schemas.microsoft.com/office/drawing/2014/main" id="{DA2757C3-B57F-403B-8137-6811F884F535}"/>
               </a:ext>
             </a:extLst>
           </p:cNvPr>
@@ -9876,7 +9860,7 @@
           <p:cNvPr id="11" name="Kép 10">
             <a:extLst>
               <a:ext uri="{FF2B5EF4-FFF2-40B4-BE49-F238E27FC236}">
-                <a16:creationId xmlns:a16="http://schemas.microsoft.com/office/drawing/2014/main" xmlns="" id="{3FD2B1FC-20E8-465A-B655-7BC6F205E0D4}"/>
+                <a16:creationId xmlns:a16="http://schemas.microsoft.com/office/drawing/2014/main" id="{3FD2B1FC-20E8-465A-B655-7BC6F205E0D4}"/>
               </a:ext>
             </a:extLst>
           </p:cNvPr>
@@ -9912,7 +9896,7 @@
           <p:cNvPr id="12" name="Ábra 11">
             <a:extLst>
               <a:ext uri="{FF2B5EF4-FFF2-40B4-BE49-F238E27FC236}">
-                <a16:creationId xmlns:a16="http://schemas.microsoft.com/office/drawing/2014/main" xmlns="" id="{8E50F4D6-D943-4C6D-AA11-D1D7187BD47B}"/>
+                <a16:creationId xmlns:a16="http://schemas.microsoft.com/office/drawing/2014/main" id="{8E50F4D6-D943-4C6D-AA11-D1D7187BD47B}"/>
               </a:ext>
             </a:extLst>
           </p:cNvPr>
@@ -9928,7 +9912,7 @@
                 <a14:useLocalDpi xmlns:a14="http://schemas.microsoft.com/office/drawing/2010/main" val="0"/>
               </a:ext>
               <a:ext uri="{96DAC541-7B7A-43D3-8B79-37D633B846F1}">
-                <asvg:svgBlip xmlns:asvg="http://schemas.microsoft.com/office/drawing/2016/SVG/main" xmlns="" r:embed="rId4"/>
+                <asvg:svgBlip xmlns:asvg="http://schemas.microsoft.com/office/drawing/2016/SVG/main" r:embed="rId4"/>
               </a:ext>
             </a:extLst>
           </a:blip>
@@ -9951,7 +9935,7 @@
           <p:cNvPr id="14" name="Szövegdoboz 13">
             <a:extLst>
               <a:ext uri="{FF2B5EF4-FFF2-40B4-BE49-F238E27FC236}">
-                <a16:creationId xmlns:a16="http://schemas.microsoft.com/office/drawing/2014/main" xmlns="" id="{1D74E28A-8624-4188-BCF4-14AE360BDE5A}"/>
+                <a16:creationId xmlns:a16="http://schemas.microsoft.com/office/drawing/2014/main" id="{1D74E28A-8624-4188-BCF4-14AE360BDE5A}"/>
               </a:ext>
             </a:extLst>
           </p:cNvPr>
@@ -10145,7 +10129,7 @@
           <p:cNvPr id="5" name="Téglalap 4">
             <a:extLst>
               <a:ext uri="{FF2B5EF4-FFF2-40B4-BE49-F238E27FC236}">
-                <a16:creationId xmlns:a16="http://schemas.microsoft.com/office/drawing/2014/main" xmlns="" id="{9CA26A1C-2AE4-4715-BDE4-2908B2BEA97A}"/>
+                <a16:creationId xmlns:a16="http://schemas.microsoft.com/office/drawing/2014/main" id="{9CA26A1C-2AE4-4715-BDE4-2908B2BEA97A}"/>
               </a:ext>
             </a:extLst>
           </p:cNvPr>
@@ -10197,7 +10181,7 @@
           <p:cNvPr id="6" name="Ábra 5">
             <a:extLst>
               <a:ext uri="{FF2B5EF4-FFF2-40B4-BE49-F238E27FC236}">
-                <a16:creationId xmlns:a16="http://schemas.microsoft.com/office/drawing/2014/main" xmlns="" id="{752E1006-4091-44C8-A41C-C50F5E3327C8}"/>
+                <a16:creationId xmlns:a16="http://schemas.microsoft.com/office/drawing/2014/main" id="{752E1006-4091-44C8-A41C-C50F5E3327C8}"/>
               </a:ext>
             </a:extLst>
           </p:cNvPr>
@@ -10213,7 +10197,7 @@
                 <a14:useLocalDpi xmlns:a14="http://schemas.microsoft.com/office/drawing/2010/main" val="0"/>
               </a:ext>
               <a:ext uri="{96DAC541-7B7A-43D3-8B79-37D633B846F1}">
-                <asvg:svgBlip xmlns:asvg="http://schemas.microsoft.com/office/drawing/2016/SVG/main" xmlns="" r:embed="rId3"/>
+                <asvg:svgBlip xmlns:asvg="http://schemas.microsoft.com/office/drawing/2016/SVG/main" r:embed="rId3"/>
               </a:ext>
             </a:extLst>
           </a:blip>
@@ -10236,7 +10220,7 @@
           <p:cNvPr id="7" name="Kép 6">
             <a:extLst>
               <a:ext uri="{FF2B5EF4-FFF2-40B4-BE49-F238E27FC236}">
-                <a16:creationId xmlns:a16="http://schemas.microsoft.com/office/drawing/2014/main" xmlns="" id="{0F512247-75D6-431E-B0F6-A5189892A8D2}"/>
+                <a16:creationId xmlns:a16="http://schemas.microsoft.com/office/drawing/2014/main" id="{0F512247-75D6-431E-B0F6-A5189892A8D2}"/>
               </a:ext>
             </a:extLst>
           </p:cNvPr>
@@ -10272,7 +10256,7 @@
           <p:cNvPr id="8" name="Szövegdoboz 7">
             <a:extLst>
               <a:ext uri="{FF2B5EF4-FFF2-40B4-BE49-F238E27FC236}">
-                <a16:creationId xmlns:a16="http://schemas.microsoft.com/office/drawing/2014/main" xmlns="" id="{7E7913CF-B31C-474A-9F71-B5D6B7D5978B}"/>
+                <a16:creationId xmlns:a16="http://schemas.microsoft.com/office/drawing/2014/main" id="{7E7913CF-B31C-474A-9F71-B5D6B7D5978B}"/>
               </a:ext>
             </a:extLst>
           </p:cNvPr>
@@ -10296,7 +10280,7 @@
           <a:lstStyle/>
           <a:p>
             <a:r>
-              <a:rPr lang="hu-HU" sz="4000" b="1" dirty="0" smtClean="0">
+              <a:rPr lang="hu-HU" sz="4000" b="1" dirty="0">
                 <a:solidFill>
                   <a:srgbClr val="A01B17"/>
                 </a:solidFill>
@@ -10305,7 +10289,7 @@
               <a:t>EFK </a:t>
             </a:r>
             <a:r>
-              <a:rPr lang="hu-HU" sz="4000" b="1" dirty="0" err="1" smtClean="0">
+              <a:rPr lang="hu-HU" sz="4000" b="1" dirty="0" err="1">
                 <a:solidFill>
                   <a:srgbClr val="A01B17"/>
                 </a:solidFill>
@@ -10314,7 +10298,7 @@
               <a:t>Stack</a:t>
             </a:r>
             <a:r>
-              <a:rPr lang="hu-HU" sz="4000" b="1" dirty="0" smtClean="0">
+              <a:rPr lang="hu-HU" sz="4000" b="1" dirty="0">
                 <a:solidFill>
                   <a:srgbClr val="A01B17"/>
                 </a:solidFill>
@@ -10322,12 +10306,6 @@
               </a:rPr>
               <a:t> bemutatása</a:t>
             </a:r>
-            <a:endParaRPr lang="hu-HU" sz="4000" b="1" dirty="0">
-              <a:solidFill>
-                <a:srgbClr val="A01B17"/>
-              </a:solidFill>
-              <a:latin typeface="Agency FB" panose="020B0503020202020204" pitchFamily="34" charset="0"/>
-            </a:endParaRPr>
           </a:p>
         </p:txBody>
       </p:sp>
@@ -10353,116 +10331,107 @@
           <a:lstStyle/>
           <a:p>
             <a:r>
-              <a:rPr lang="hu-HU" dirty="0" smtClean="0">
+              <a:rPr lang="hu-HU" dirty="0">
                 <a:latin typeface="Abadi" panose="020B0604020104020204" pitchFamily="34" charset="0"/>
               </a:rPr>
               <a:t>Az </a:t>
             </a:r>
             <a:r>
-              <a:rPr lang="hu-HU" b="1" dirty="0" smtClean="0">
+              <a:rPr lang="hu-HU" b="1" dirty="0">
                 <a:latin typeface="Abadi" panose="020B0604020104020204" pitchFamily="34" charset="0"/>
               </a:rPr>
               <a:t>EFK</a:t>
             </a:r>
             <a:r>
-              <a:rPr lang="hu-HU" dirty="0" smtClean="0">
+              <a:rPr lang="hu-HU" dirty="0">
                 <a:latin typeface="Abadi" panose="020B0604020104020204" pitchFamily="34" charset="0"/>
               </a:rPr>
               <a:t> </a:t>
             </a:r>
             <a:r>
-              <a:rPr lang="hu-HU" dirty="0" err="1" smtClean="0">
+              <a:rPr lang="hu-HU" dirty="0" err="1">
                 <a:latin typeface="Abadi" panose="020B0604020104020204" pitchFamily="34" charset="0"/>
               </a:rPr>
               <a:t>Stack</a:t>
             </a:r>
             <a:r>
-              <a:rPr lang="hu-HU" dirty="0" smtClean="0">
+              <a:rPr lang="hu-HU" dirty="0">
                 <a:latin typeface="Abadi" panose="020B0604020104020204" pitchFamily="34" charset="0"/>
               </a:rPr>
               <a:t> az </a:t>
             </a:r>
             <a:r>
-              <a:rPr lang="hu-HU" dirty="0" err="1" smtClean="0">
+              <a:rPr lang="hu-HU" dirty="0" err="1">
                 <a:latin typeface="Abadi" panose="020B0604020104020204" pitchFamily="34" charset="0"/>
               </a:rPr>
               <a:t>Elasticsearch</a:t>
             </a:r>
             <a:r>
-              <a:rPr lang="hu-HU" dirty="0" smtClean="0">
+              <a:rPr lang="hu-HU" dirty="0">
                 <a:latin typeface="Abadi" panose="020B0604020104020204" pitchFamily="34" charset="0"/>
               </a:rPr>
               <a:t> </a:t>
             </a:r>
             <a:r>
-              <a:rPr lang="hu-HU" b="1" dirty="0" err="1" smtClean="0">
+              <a:rPr lang="hu-HU" b="1" dirty="0" err="1">
                 <a:latin typeface="Abadi" panose="020B0604020104020204" pitchFamily="34" charset="0"/>
               </a:rPr>
               <a:t>Fluentd</a:t>
             </a:r>
             <a:r>
-              <a:rPr lang="hu-HU" dirty="0" smtClean="0">
+              <a:rPr lang="hu-HU" dirty="0">
                 <a:latin typeface="Abadi" panose="020B0604020104020204" pitchFamily="34" charset="0"/>
               </a:rPr>
               <a:t> és </a:t>
             </a:r>
             <a:r>
-              <a:rPr lang="hu-HU" dirty="0" err="1" smtClean="0">
+              <a:rPr lang="hu-HU" dirty="0" err="1">
                 <a:latin typeface="Abadi" panose="020B0604020104020204" pitchFamily="34" charset="0"/>
               </a:rPr>
               <a:t>Kibana</a:t>
             </a:r>
             <a:r>
-              <a:rPr lang="hu-HU" dirty="0" smtClean="0">
+              <a:rPr lang="hu-HU" dirty="0">
                 <a:latin typeface="Abadi" panose="020B0604020104020204" pitchFamily="34" charset="0"/>
               </a:rPr>
               <a:t> </a:t>
             </a:r>
             <a:r>
-              <a:rPr lang="hu-HU" dirty="0" err="1" smtClean="0">
+              <a:rPr lang="hu-HU" dirty="0" err="1">
                 <a:latin typeface="Abadi" panose="020B0604020104020204" pitchFamily="34" charset="0"/>
               </a:rPr>
               <a:t>open-soure</a:t>
             </a:r>
             <a:r>
-              <a:rPr lang="hu-HU" dirty="0" smtClean="0">
-                <a:latin typeface="Abadi" panose="020B0604020104020204" pitchFamily="34" charset="0"/>
-              </a:rPr>
-              <a:t> szoftverekből </a:t>
-            </a:r>
-            <a:r>
-              <a:rPr lang="hu-HU" dirty="0" smtClean="0">
-                <a:latin typeface="Abadi" panose="020B0604020104020204" pitchFamily="34" charset="0"/>
-              </a:rPr>
-              <a:t>áll. Egy, az </a:t>
-            </a:r>
-            <a:r>
-              <a:rPr lang="hu-HU" dirty="0" err="1" smtClean="0">
+              <a:rPr lang="hu-HU" dirty="0">
+                <a:latin typeface="Abadi" panose="020B0604020104020204" pitchFamily="34" charset="0"/>
+              </a:rPr>
+              <a:t> szoftverekből áll. Egy, az </a:t>
+            </a:r>
+            <a:r>
+              <a:rPr lang="hu-HU" dirty="0" err="1">
                 <a:latin typeface="Abadi" panose="020B0604020104020204" pitchFamily="34" charset="0"/>
               </a:rPr>
               <a:t>Elastic</a:t>
             </a:r>
             <a:r>
-              <a:rPr lang="hu-HU" dirty="0" smtClean="0">
+              <a:rPr lang="hu-HU" dirty="0">
                 <a:latin typeface="Abadi" panose="020B0604020104020204" pitchFamily="34" charset="0"/>
               </a:rPr>
               <a:t> </a:t>
             </a:r>
             <a:r>
-              <a:rPr lang="hu-HU" dirty="0" err="1" smtClean="0">
+              <a:rPr lang="hu-HU" dirty="0" err="1">
                 <a:latin typeface="Abadi" panose="020B0604020104020204" pitchFamily="34" charset="0"/>
               </a:rPr>
               <a:t>stack</a:t>
             </a:r>
             <a:r>
-              <a:rPr lang="hu-HU" dirty="0" smtClean="0">
+              <a:rPr lang="hu-HU" dirty="0">
                 <a:latin typeface="Abadi" panose="020B0604020104020204" pitchFamily="34" charset="0"/>
               </a:rPr>
               <a:t> mellett elterjedt log gyűjtő és feldolgozó megoldás.</a:t>
             </a:r>
-            <a:endParaRPr lang="hu-HU" dirty="0">
-              <a:latin typeface="Abadi" panose="020B0604020104020204" pitchFamily="34" charset="0"/>
-            </a:endParaRPr>
           </a:p>
         </p:txBody>
       </p:sp>
@@ -10545,7 +10514,7 @@
           <p:cNvPr id="5" name="Téglalap 4">
             <a:extLst>
               <a:ext uri="{FF2B5EF4-FFF2-40B4-BE49-F238E27FC236}">
-                <a16:creationId xmlns:a16="http://schemas.microsoft.com/office/drawing/2014/main" xmlns="" id="{9CA26A1C-2AE4-4715-BDE4-2908B2BEA97A}"/>
+                <a16:creationId xmlns:a16="http://schemas.microsoft.com/office/drawing/2014/main" id="{9CA26A1C-2AE4-4715-BDE4-2908B2BEA97A}"/>
               </a:ext>
             </a:extLst>
           </p:cNvPr>
@@ -10597,7 +10566,7 @@
           <p:cNvPr id="6" name="Ábra 5">
             <a:extLst>
               <a:ext uri="{FF2B5EF4-FFF2-40B4-BE49-F238E27FC236}">
-                <a16:creationId xmlns:a16="http://schemas.microsoft.com/office/drawing/2014/main" xmlns="" id="{752E1006-4091-44C8-A41C-C50F5E3327C8}"/>
+                <a16:creationId xmlns:a16="http://schemas.microsoft.com/office/drawing/2014/main" id="{752E1006-4091-44C8-A41C-C50F5E3327C8}"/>
               </a:ext>
             </a:extLst>
           </p:cNvPr>
@@ -10613,7 +10582,7 @@
                 <a14:useLocalDpi xmlns:a14="http://schemas.microsoft.com/office/drawing/2010/main" val="0"/>
               </a:ext>
               <a:ext uri="{96DAC541-7B7A-43D3-8B79-37D633B846F1}">
-                <asvg:svgBlip xmlns:asvg="http://schemas.microsoft.com/office/drawing/2016/SVG/main" xmlns="" r:embed="rId3"/>
+                <asvg:svgBlip xmlns:asvg="http://schemas.microsoft.com/office/drawing/2016/SVG/main" r:embed="rId3"/>
               </a:ext>
             </a:extLst>
           </a:blip>
@@ -10636,7 +10605,7 @@
           <p:cNvPr id="7" name="Kép 6">
             <a:extLst>
               <a:ext uri="{FF2B5EF4-FFF2-40B4-BE49-F238E27FC236}">
-                <a16:creationId xmlns:a16="http://schemas.microsoft.com/office/drawing/2014/main" xmlns="" id="{0F512247-75D6-431E-B0F6-A5189892A8D2}"/>
+                <a16:creationId xmlns:a16="http://schemas.microsoft.com/office/drawing/2014/main" id="{0F512247-75D6-431E-B0F6-A5189892A8D2}"/>
               </a:ext>
             </a:extLst>
           </p:cNvPr>
@@ -10672,7 +10641,7 @@
           <p:cNvPr id="8" name="Szövegdoboz 7">
             <a:extLst>
               <a:ext uri="{FF2B5EF4-FFF2-40B4-BE49-F238E27FC236}">
-                <a16:creationId xmlns:a16="http://schemas.microsoft.com/office/drawing/2014/main" xmlns="" id="{7E7913CF-B31C-474A-9F71-B5D6B7D5978B}"/>
+                <a16:creationId xmlns:a16="http://schemas.microsoft.com/office/drawing/2014/main" id="{7E7913CF-B31C-474A-9F71-B5D6B7D5978B}"/>
               </a:ext>
             </a:extLst>
           </p:cNvPr>
@@ -10696,7 +10665,7 @@
           <a:lstStyle/>
           <a:p>
             <a:r>
-              <a:rPr lang="hu-HU" sz="4000" b="1" dirty="0" err="1" smtClean="0">
+              <a:rPr lang="hu-HU" sz="4000" b="1" dirty="0" err="1">
                 <a:solidFill>
                   <a:srgbClr val="A01B17"/>
                 </a:solidFill>
@@ -10705,7 +10674,7 @@
               <a:t>Fluentd</a:t>
             </a:r>
             <a:r>
-              <a:rPr lang="hu-HU" sz="4000" b="1" dirty="0" smtClean="0">
+              <a:rPr lang="hu-HU" sz="4000" b="1" dirty="0">
                 <a:solidFill>
                   <a:srgbClr val="A01B17"/>
                 </a:solidFill>
@@ -10713,12 +10682,6 @@
               </a:rPr>
               <a:t> bemutatása</a:t>
             </a:r>
-            <a:endParaRPr lang="hu-HU" sz="4000" b="1" dirty="0">
-              <a:solidFill>
-                <a:srgbClr val="A01B17"/>
-              </a:solidFill>
-              <a:latin typeface="Agency FB" panose="020B0503020202020204" pitchFamily="34" charset="0"/>
-            </a:endParaRPr>
           </a:p>
         </p:txBody>
       </p:sp>
@@ -10744,38 +10707,35 @@
           <a:lstStyle/>
           <a:p>
             <a:r>
-              <a:rPr lang="hu-HU" sz="2000" dirty="0" smtClean="0">
+              <a:rPr lang="hu-HU" sz="2000" dirty="0">
                 <a:latin typeface="Abadi" panose="020B0604020104020204" pitchFamily="34" charset="0"/>
               </a:rPr>
               <a:t>A </a:t>
             </a:r>
             <a:r>
-              <a:rPr lang="hu-HU" sz="2000" dirty="0" err="1" smtClean="0">
+              <a:rPr lang="hu-HU" sz="2000" dirty="0" err="1">
                 <a:latin typeface="Abadi" panose="020B0604020104020204" pitchFamily="34" charset="0"/>
               </a:rPr>
               <a:t>Fluentd</a:t>
             </a:r>
             <a:r>
-              <a:rPr lang="hu-HU" sz="2000" dirty="0" smtClean="0">
+              <a:rPr lang="hu-HU" sz="2000" dirty="0">
                 <a:latin typeface="Abadi" panose="020B0604020104020204" pitchFamily="34" charset="0"/>
               </a:rPr>
               <a:t> és a </a:t>
             </a:r>
             <a:r>
-              <a:rPr lang="hu-HU" sz="2000" dirty="0" err="1" smtClean="0">
+              <a:rPr lang="hu-HU" sz="2000" dirty="0" err="1">
                 <a:latin typeface="Abadi" panose="020B0604020104020204" pitchFamily="34" charset="0"/>
               </a:rPr>
               <a:t>Logstash</a:t>
             </a:r>
             <a:r>
-              <a:rPr lang="hu-HU" sz="2000" dirty="0" smtClean="0">
+              <a:rPr lang="hu-HU" sz="2000" dirty="0">
                 <a:latin typeface="Abadi" panose="020B0604020104020204" pitchFamily="34" charset="0"/>
               </a:rPr>
               <a:t> között a teljesítmény, valamint a konfiguráció szintaktikája a jelentős különbség.</a:t>
             </a:r>
-            <a:endParaRPr lang="hu-HU" sz="2000" dirty="0">
-              <a:latin typeface="Abadi" panose="020B0604020104020204" pitchFamily="34" charset="0"/>
-            </a:endParaRPr>
           </a:p>
         </p:txBody>
       </p:sp>
@@ -10849,31 +10809,31 @@
               <a:buChar char="•"/>
             </a:pPr>
             <a:r>
-              <a:rPr lang="hu-HU" sz="2200" dirty="0" smtClean="0">
+              <a:rPr lang="hu-HU" sz="2200" dirty="0">
                 <a:latin typeface="Abadi" panose="020B0604020104020204" pitchFamily="34" charset="0"/>
               </a:rPr>
               <a:t>C és </a:t>
             </a:r>
             <a:r>
-              <a:rPr lang="hu-HU" sz="2200" dirty="0" err="1" smtClean="0">
+              <a:rPr lang="hu-HU" sz="2200" dirty="0" err="1">
                 <a:latin typeface="Abadi" panose="020B0604020104020204" pitchFamily="34" charset="0"/>
               </a:rPr>
               <a:t>Ruby</a:t>
             </a:r>
             <a:r>
-              <a:rPr lang="hu-HU" sz="2200" dirty="0" smtClean="0">
+              <a:rPr lang="hu-HU" sz="2200" dirty="0">
                 <a:latin typeface="Abadi" panose="020B0604020104020204" pitchFamily="34" charset="0"/>
               </a:rPr>
               <a:t> –</a:t>
             </a:r>
             <a:r>
-              <a:rPr lang="hu-HU" sz="2200" dirty="0" err="1" smtClean="0">
+              <a:rPr lang="hu-HU" sz="2200" dirty="0" err="1">
                 <a:latin typeface="Abadi" panose="020B0604020104020204" pitchFamily="34" charset="0"/>
               </a:rPr>
               <a:t>ban</a:t>
             </a:r>
             <a:r>
-              <a:rPr lang="hu-HU" sz="2200" dirty="0" smtClean="0">
+              <a:rPr lang="hu-HU" sz="2200" dirty="0">
                 <a:latin typeface="Abadi" panose="020B0604020104020204" pitchFamily="34" charset="0"/>
               </a:rPr>
               <a:t> készült.</a:t>
@@ -10885,37 +10845,37 @@
               <a:buChar char="•"/>
             </a:pPr>
             <a:r>
-              <a:rPr lang="hu-HU" sz="2200" dirty="0" err="1" smtClean="0">
+              <a:rPr lang="hu-HU" sz="2200" dirty="0" err="1">
                 <a:latin typeface="Abadi" panose="020B0604020104020204" pitchFamily="34" charset="0"/>
               </a:rPr>
               <a:t>tag-ekre</a:t>
             </a:r>
             <a:r>
-              <a:rPr lang="hu-HU" sz="2200" dirty="0" smtClean="0">
+              <a:rPr lang="hu-HU" sz="2200" dirty="0">
                 <a:latin typeface="Abadi" panose="020B0604020104020204" pitchFamily="34" charset="0"/>
               </a:rPr>
               <a:t> épül a konfiguráció (</a:t>
             </a:r>
             <a:r>
-              <a:rPr lang="hu-HU" sz="2200" dirty="0" err="1" smtClean="0">
+              <a:rPr lang="hu-HU" sz="2200" dirty="0" err="1">
                 <a:latin typeface="Abadi" panose="020B0604020104020204" pitchFamily="34" charset="0"/>
               </a:rPr>
               <a:t>source</a:t>
             </a:r>
             <a:r>
-              <a:rPr lang="hu-HU" sz="2200" dirty="0" smtClean="0">
+              <a:rPr lang="hu-HU" sz="2200" dirty="0">
                 <a:latin typeface="Abadi" panose="020B0604020104020204" pitchFamily="34" charset="0"/>
               </a:rPr>
               <a:t>, filter, </a:t>
             </a:r>
             <a:r>
-              <a:rPr lang="hu-HU" sz="2200" dirty="0" err="1" smtClean="0">
+              <a:rPr lang="hu-HU" sz="2200" dirty="0" err="1">
                 <a:latin typeface="Abadi" panose="020B0604020104020204" pitchFamily="34" charset="0"/>
               </a:rPr>
               <a:t>match</a:t>
             </a:r>
             <a:r>
-              <a:rPr lang="hu-HU" sz="2200" dirty="0" smtClean="0">
+              <a:rPr lang="hu-HU" sz="2200" dirty="0">
                 <a:latin typeface="Abadi" panose="020B0604020104020204" pitchFamily="34" charset="0"/>
               </a:rPr>
               <a:t>)</a:t>
@@ -10927,18 +10887,18 @@
               <a:buChar char="•"/>
             </a:pPr>
             <a:r>
-              <a:rPr lang="hu-HU" sz="2200" dirty="0" smtClean="0">
+              <a:rPr lang="hu-HU" sz="2200" dirty="0">
                 <a:latin typeface="Abadi" panose="020B0604020104020204" pitchFamily="34" charset="0"/>
               </a:rPr>
               <a:t>alapértelmezetten kevés, de bővítményekkel, kb. 500 </a:t>
             </a:r>
             <a:r>
-              <a:rPr lang="hu-HU" sz="2200" dirty="0" err="1" smtClean="0">
+              <a:rPr lang="hu-HU" sz="2200" dirty="0" err="1">
                 <a:latin typeface="Abadi" panose="020B0604020104020204" pitchFamily="34" charset="0"/>
               </a:rPr>
               <a:t>plugin</a:t>
             </a:r>
-            <a:endParaRPr lang="hu-HU" sz="2200" dirty="0" smtClean="0">
+            <a:endParaRPr lang="hu-HU" sz="2200" dirty="0">
               <a:latin typeface="Abadi" panose="020B0604020104020204" pitchFamily="34" charset="0"/>
             </a:endParaRPr>
           </a:p>
@@ -10948,7 +10908,7 @@
               <a:buChar char="•"/>
             </a:pPr>
             <a:r>
-              <a:rPr lang="hu-HU" sz="2200" dirty="0" smtClean="0">
+              <a:rPr lang="hu-HU" sz="2200" dirty="0">
                 <a:latin typeface="Abadi" panose="020B0604020104020204" pitchFamily="34" charset="0"/>
               </a:rPr>
               <a:t>egyre növekvő közösség</a:t>
@@ -10959,7 +10919,7 @@
               <a:buFont typeface="Arial" panose="020B0604020202020204" pitchFamily="34" charset="0"/>
               <a:buChar char="•"/>
             </a:pPr>
-            <a:endParaRPr lang="hu-HU" sz="2200" dirty="0" smtClean="0">
+            <a:endParaRPr lang="hu-HU" sz="2200" dirty="0">
               <a:latin typeface="Abadi" panose="020B0604020104020204" pitchFamily="34" charset="0"/>
             </a:endParaRPr>
           </a:p>
@@ -11005,7 +10965,7 @@
               <a:t>beats</a:t>
             </a:r>
             <a:r>
-              <a:rPr lang="hu-HU" sz="2200" dirty="0" smtClean="0">
+              <a:rPr lang="hu-HU" sz="2200" dirty="0">
                 <a:latin typeface="Abadi" panose="020B0604020104020204" pitchFamily="34" charset="0"/>
               </a:rPr>
               <a:t>…)</a:t>
@@ -11017,57 +10977,54 @@
               <a:buChar char="•"/>
             </a:pPr>
             <a:r>
-              <a:rPr lang="hu-HU" sz="2200" dirty="0" smtClean="0">
+              <a:rPr lang="hu-HU" sz="2200" dirty="0">
                 <a:latin typeface="Abadi" panose="020B0604020104020204" pitchFamily="34" charset="0"/>
               </a:rPr>
               <a:t>A mi esetünkben az </a:t>
             </a:r>
             <a:r>
-              <a:rPr lang="hu-HU" sz="2200" b="1" dirty="0" err="1" smtClean="0">
+              <a:rPr lang="hu-HU" sz="2200" b="1" dirty="0" err="1">
                 <a:latin typeface="Abadi" panose="020B0604020104020204" pitchFamily="34" charset="0"/>
               </a:rPr>
               <a:t>rsyslogot</a:t>
             </a:r>
             <a:r>
-              <a:rPr lang="hu-HU" sz="2200" dirty="0" smtClean="0">
+              <a:rPr lang="hu-HU" sz="2200" dirty="0">
                 <a:latin typeface="Abadi" panose="020B0604020104020204" pitchFamily="34" charset="0"/>
               </a:rPr>
               <a:t> használtuk, amiben beállítottuk, hogy az 5140-es </a:t>
             </a:r>
             <a:r>
-              <a:rPr lang="hu-HU" sz="2200" dirty="0" err="1" smtClean="0">
+              <a:rPr lang="hu-HU" sz="2200" dirty="0" err="1">
                 <a:latin typeface="Abadi" panose="020B0604020104020204" pitchFamily="34" charset="0"/>
               </a:rPr>
               <a:t>porton</a:t>
             </a:r>
             <a:r>
-              <a:rPr lang="hu-HU" sz="2200" dirty="0" smtClean="0">
+              <a:rPr lang="hu-HU" sz="2200" dirty="0">
                 <a:latin typeface="Abadi" panose="020B0604020104020204" pitchFamily="34" charset="0"/>
               </a:rPr>
               <a:t> minden </a:t>
             </a:r>
             <a:r>
-              <a:rPr lang="hu-HU" sz="2200" dirty="0" err="1" smtClean="0">
+              <a:rPr lang="hu-HU" sz="2200" dirty="0" err="1">
                 <a:latin typeface="Abadi" panose="020B0604020104020204" pitchFamily="34" charset="0"/>
               </a:rPr>
               <a:t>rendszerlogot</a:t>
             </a:r>
             <a:r>
-              <a:rPr lang="hu-HU" sz="2200" dirty="0" smtClean="0">
+              <a:rPr lang="hu-HU" sz="2200" dirty="0">
                 <a:latin typeface="Abadi" panose="020B0604020104020204" pitchFamily="34" charset="0"/>
               </a:rPr>
               <a:t> továbbítson:</a:t>
             </a:r>
-            <a:endParaRPr lang="hu-HU" sz="2200" dirty="0">
-              <a:latin typeface="Abadi" panose="020B0604020104020204" pitchFamily="34" charset="0"/>
-            </a:endParaRPr>
           </a:p>
           <a:p>
             <a:pPr marL="285750" indent="-285750">
               <a:buFont typeface="Arial" panose="020B0604020202020204" pitchFamily="34" charset="0"/>
               <a:buChar char="•"/>
             </a:pPr>
-            <a:endParaRPr lang="hu-HU" sz="2200" dirty="0" smtClean="0">
+            <a:endParaRPr lang="hu-HU" sz="2200" dirty="0">
               <a:latin typeface="Abadi" panose="020B0604020104020204" pitchFamily="34" charset="0"/>
             </a:endParaRPr>
           </a:p>
@@ -11154,7 +11111,7 @@
           <p:cNvPr id="5" name="Téglalap 4">
             <a:extLst>
               <a:ext uri="{FF2B5EF4-FFF2-40B4-BE49-F238E27FC236}">
-                <a16:creationId xmlns:a16="http://schemas.microsoft.com/office/drawing/2014/main" xmlns="" id="{9CA26A1C-2AE4-4715-BDE4-2908B2BEA97A}"/>
+                <a16:creationId xmlns:a16="http://schemas.microsoft.com/office/drawing/2014/main" id="{9CA26A1C-2AE4-4715-BDE4-2908B2BEA97A}"/>
               </a:ext>
             </a:extLst>
           </p:cNvPr>
@@ -11206,7 +11163,7 @@
           <p:cNvPr id="6" name="Ábra 5">
             <a:extLst>
               <a:ext uri="{FF2B5EF4-FFF2-40B4-BE49-F238E27FC236}">
-                <a16:creationId xmlns:a16="http://schemas.microsoft.com/office/drawing/2014/main" xmlns="" id="{752E1006-4091-44C8-A41C-C50F5E3327C8}"/>
+                <a16:creationId xmlns:a16="http://schemas.microsoft.com/office/drawing/2014/main" id="{752E1006-4091-44C8-A41C-C50F5E3327C8}"/>
               </a:ext>
             </a:extLst>
           </p:cNvPr>
@@ -11222,7 +11179,7 @@
                 <a14:useLocalDpi xmlns:a14="http://schemas.microsoft.com/office/drawing/2010/main" val="0"/>
               </a:ext>
               <a:ext uri="{96DAC541-7B7A-43D3-8B79-37D633B846F1}">
-                <asvg:svgBlip xmlns:asvg="http://schemas.microsoft.com/office/drawing/2016/SVG/main" xmlns="" r:embed="rId3"/>
+                <asvg:svgBlip xmlns:asvg="http://schemas.microsoft.com/office/drawing/2016/SVG/main" r:embed="rId3"/>
               </a:ext>
             </a:extLst>
           </a:blip>
@@ -11245,7 +11202,7 @@
           <p:cNvPr id="7" name="Kép 6">
             <a:extLst>
               <a:ext uri="{FF2B5EF4-FFF2-40B4-BE49-F238E27FC236}">
-                <a16:creationId xmlns:a16="http://schemas.microsoft.com/office/drawing/2014/main" xmlns="" id="{0F512247-75D6-431E-B0F6-A5189892A8D2}"/>
+                <a16:creationId xmlns:a16="http://schemas.microsoft.com/office/drawing/2014/main" id="{0F512247-75D6-431E-B0F6-A5189892A8D2}"/>
               </a:ext>
             </a:extLst>
           </p:cNvPr>
@@ -11281,7 +11238,7 @@
           <p:cNvPr id="8" name="Szövegdoboz 7">
             <a:extLst>
               <a:ext uri="{FF2B5EF4-FFF2-40B4-BE49-F238E27FC236}">
-                <a16:creationId xmlns:a16="http://schemas.microsoft.com/office/drawing/2014/main" xmlns="" id="{7E7913CF-B31C-474A-9F71-B5D6B7D5978B}"/>
+                <a16:creationId xmlns:a16="http://schemas.microsoft.com/office/drawing/2014/main" id="{7E7913CF-B31C-474A-9F71-B5D6B7D5978B}"/>
               </a:ext>
             </a:extLst>
           </p:cNvPr>
@@ -11305,7 +11262,7 @@
           <a:lstStyle/>
           <a:p>
             <a:r>
-              <a:rPr lang="hu-HU" sz="4000" b="1" dirty="0" err="1" smtClean="0">
+              <a:rPr lang="hu-HU" sz="4000" b="1" dirty="0" err="1">
                 <a:solidFill>
                   <a:srgbClr val="A01B17"/>
                 </a:solidFill>
@@ -11314,25 +11271,16 @@
               <a:t>Fluentd</a:t>
             </a:r>
             <a:r>
-              <a:rPr lang="hu-HU" sz="4000" b="1" dirty="0" smtClean="0">
+              <a:rPr lang="hu-HU" sz="4000" b="1" dirty="0">
                 <a:solidFill>
                   <a:srgbClr val="A01B17"/>
                 </a:solidFill>
                 <a:latin typeface="Agency FB" panose="020B0503020202020204" pitchFamily="34" charset="0"/>
               </a:rPr>
-              <a:t> </a:t>
-            </a:r>
-            <a:r>
-              <a:rPr lang="hu-HU" sz="4000" b="1" dirty="0" smtClean="0">
-                <a:solidFill>
-                  <a:srgbClr val="A01B17"/>
-                </a:solidFill>
-                <a:latin typeface="Agency FB" panose="020B0503020202020204" pitchFamily="34" charset="0"/>
-              </a:rPr>
-              <a:t>log a </a:t>
-            </a:r>
-            <a:r>
-              <a:rPr lang="hu-HU" sz="4000" b="1" dirty="0" err="1" smtClean="0">
+              <a:t> log a </a:t>
+            </a:r>
+            <a:r>
+              <a:rPr lang="hu-HU" sz="4000" b="1" dirty="0" err="1">
                 <a:solidFill>
                   <a:srgbClr val="A01B17"/>
                 </a:solidFill>
@@ -11371,50 +11319,47 @@
           <a:lstStyle/>
           <a:p>
             <a:r>
-              <a:rPr lang="hu-HU" sz="2000" dirty="0" smtClean="0">
+              <a:rPr lang="hu-HU" sz="2000" dirty="0">
                 <a:latin typeface="Abadi" panose="020B0604020104020204" pitchFamily="34" charset="0"/>
               </a:rPr>
               <a:t>Hasonlóan az ELK </a:t>
             </a:r>
             <a:r>
-              <a:rPr lang="hu-HU" sz="2000" dirty="0" err="1" smtClean="0">
+              <a:rPr lang="hu-HU" sz="2000" dirty="0" err="1">
                 <a:latin typeface="Abadi" panose="020B0604020104020204" pitchFamily="34" charset="0"/>
               </a:rPr>
               <a:t>Stack-hez</a:t>
             </a:r>
             <a:r>
-              <a:rPr lang="hu-HU" sz="2000" dirty="0" smtClean="0">
+              <a:rPr lang="hu-HU" sz="2000" dirty="0">
                 <a:latin typeface="Abadi" panose="020B0604020104020204" pitchFamily="34" charset="0"/>
               </a:rPr>
               <a:t> az </a:t>
             </a:r>
             <a:r>
-              <a:rPr lang="hu-HU" sz="2000" dirty="0" err="1" smtClean="0">
+              <a:rPr lang="hu-HU" sz="2000" dirty="0" err="1">
                 <a:latin typeface="Abadi" panose="020B0604020104020204" pitchFamily="34" charset="0"/>
               </a:rPr>
               <a:t>EFK-ban</a:t>
             </a:r>
             <a:r>
-              <a:rPr lang="hu-HU" sz="2000" dirty="0" smtClean="0">
+              <a:rPr lang="hu-HU" sz="2000" dirty="0">
                 <a:latin typeface="Abadi" panose="020B0604020104020204" pitchFamily="34" charset="0"/>
               </a:rPr>
               <a:t> is a </a:t>
             </a:r>
             <a:r>
-              <a:rPr lang="hu-HU" sz="2000" dirty="0" err="1" smtClean="0">
+              <a:rPr lang="hu-HU" sz="2000" dirty="0" err="1">
                 <a:latin typeface="Abadi" panose="020B0604020104020204" pitchFamily="34" charset="0"/>
               </a:rPr>
               <a:t>Kibana</a:t>
             </a:r>
             <a:r>
-              <a:rPr lang="hu-HU" sz="2000" dirty="0" smtClean="0">
+              <a:rPr lang="hu-HU" sz="2000" dirty="0">
                 <a:latin typeface="Abadi" panose="020B0604020104020204" pitchFamily="34" charset="0"/>
               </a:rPr>
               <a:t> felel a megjelenítésért.</a:t>
             </a:r>
-            <a:endParaRPr lang="hu-HU" sz="2000" dirty="0">
-              <a:latin typeface="Abadi" panose="020B0604020104020204" pitchFamily="34" charset="0"/>
-            </a:endParaRPr>
           </a:p>
         </p:txBody>
       </p:sp>
@@ -11494,120 +11439,10 @@
       </p:grpSpPr>
       <p:sp>
         <p:nvSpPr>
-          <p:cNvPr id="4" name="Szövegdoboz 3">
-            <a:extLst>
-              <a:ext uri="{FF2B5EF4-FFF2-40B4-BE49-F238E27FC236}">
-                <a16:creationId xmlns:a16="http://schemas.microsoft.com/office/drawing/2014/main" xmlns="" id="{B7D8C90B-44E5-4D90-972D-7E1D2D6D2B86}"/>
-              </a:ext>
-            </a:extLst>
-          </p:cNvPr>
-          <p:cNvSpPr txBox="1"/>
-          <p:nvPr/>
-        </p:nvSpPr>
-        <p:spPr>
-          <a:xfrm>
-            <a:off x="5474387" y="3244334"/>
-            <a:ext cx="1243225" cy="369332"/>
-          </a:xfrm>
-          <a:prstGeom prst="rect">
-            <a:avLst/>
-          </a:prstGeom>
-          <a:noFill/>
-        </p:spPr>
-        <p:txBody>
-          <a:bodyPr wrap="none" rtlCol="0">
-            <a:spAutoFit/>
-          </a:bodyPr>
-          <a:lstStyle/>
-          <a:p>
-            <a:r>
-              <a:rPr lang="hu-HU" dirty="0"/>
-              <a:t>Graylog ide</a:t>
-            </a:r>
-          </a:p>
-        </p:txBody>
-      </p:sp>
-      <p:pic>
-        <p:nvPicPr>
-          <p:cNvPr id="5" name="Ábra 4">
-            <a:extLst>
-              <a:ext uri="{FF2B5EF4-FFF2-40B4-BE49-F238E27FC236}">
-                <a16:creationId xmlns:a16="http://schemas.microsoft.com/office/drawing/2014/main" xmlns="" id="{888B3EB3-1DFE-44A4-9838-2AD439774E09}"/>
-              </a:ext>
-            </a:extLst>
-          </p:cNvPr>
-          <p:cNvPicPr>
-            <a:picLocks noChangeAspect="1"/>
-          </p:cNvPicPr>
-          <p:nvPr/>
-        </p:nvPicPr>
-        <p:blipFill>
-          <a:blip r:embed="rId2" cstate="print">
-            <a:extLst>
-              <a:ext uri="{28A0092B-C50C-407E-A947-70E740481C1C}">
-                <a14:useLocalDpi xmlns:a14="http://schemas.microsoft.com/office/drawing/2010/main" val="0"/>
-              </a:ext>
-              <a:ext uri="{96DAC541-7B7A-43D3-8B79-37D633B846F1}">
-                <asvg:svgBlip xmlns:asvg="http://schemas.microsoft.com/office/drawing/2016/SVG/main" xmlns="" r:embed="rId3"/>
-              </a:ext>
-            </a:extLst>
-          </a:blip>
-          <a:stretch>
-            <a:fillRect/>
-          </a:stretch>
-        </p:blipFill>
-        <p:spPr>
-          <a:xfrm>
-            <a:off x="10649436" y="5366437"/>
-            <a:ext cx="1406504" cy="1358419"/>
-          </a:xfrm>
-          <a:prstGeom prst="rect">
-            <a:avLst/>
-          </a:prstGeom>
-        </p:spPr>
-      </p:pic>
-      <p:pic>
-        <p:nvPicPr>
-          <p:cNvPr id="6" name="Kép 5">
-            <a:extLst>
-              <a:ext uri="{FF2B5EF4-FFF2-40B4-BE49-F238E27FC236}">
-                <a16:creationId xmlns:a16="http://schemas.microsoft.com/office/drawing/2014/main" xmlns="" id="{E97E298B-959A-4B9B-B986-28FA688F3724}"/>
-              </a:ext>
-            </a:extLst>
-          </p:cNvPr>
-          <p:cNvPicPr>
-            <a:picLocks noChangeAspect="1"/>
-          </p:cNvPicPr>
-          <p:nvPr/>
-        </p:nvPicPr>
-        <p:blipFill>
-          <a:blip r:embed="rId4" cstate="print">
-            <a:extLst>
-              <a:ext uri="{28A0092B-C50C-407E-A947-70E740481C1C}">
-                <a14:useLocalDpi xmlns:a14="http://schemas.microsoft.com/office/drawing/2010/main" val="0"/>
-              </a:ext>
-            </a:extLst>
-          </a:blip>
-          <a:stretch>
-            <a:fillRect/>
-          </a:stretch>
-        </p:blipFill>
-        <p:spPr>
-          <a:xfrm>
-            <a:off x="11578732" y="2553"/>
-            <a:ext cx="613267" cy="613267"/>
-          </a:xfrm>
-          <a:prstGeom prst="rect">
-            <a:avLst/>
-          </a:prstGeom>
-        </p:spPr>
-      </p:pic>
-      <p:sp>
-        <p:nvSpPr>
-          <p:cNvPr id="7" name="Téglalap 6">
-            <a:extLst>
-              <a:ext uri="{FF2B5EF4-FFF2-40B4-BE49-F238E27FC236}">
-                <a16:creationId xmlns:a16="http://schemas.microsoft.com/office/drawing/2014/main" xmlns="" id="{813AD56B-C730-4B9C-884D-50BAF9AEA4BD}"/>
+          <p:cNvPr id="5" name="Téglalap 4">
+            <a:extLst>
+              <a:ext uri="{FF2B5EF4-FFF2-40B4-BE49-F238E27FC236}">
+                <a16:creationId xmlns:a16="http://schemas.microsoft.com/office/drawing/2014/main" id="{9CA26A1C-2AE4-4715-BDE4-2908B2BEA97A}"/>
               </a:ext>
             </a:extLst>
           </p:cNvPr>
@@ -11654,10 +11489,284 @@
           </a:p>
         </p:txBody>
       </p:sp>
+      <p:pic>
+        <p:nvPicPr>
+          <p:cNvPr id="6" name="Ábra 5">
+            <a:extLst>
+              <a:ext uri="{FF2B5EF4-FFF2-40B4-BE49-F238E27FC236}">
+                <a16:creationId xmlns:a16="http://schemas.microsoft.com/office/drawing/2014/main" id="{752E1006-4091-44C8-A41C-C50F5E3327C8}"/>
+              </a:ext>
+            </a:extLst>
+          </p:cNvPr>
+          <p:cNvPicPr>
+            <a:picLocks noChangeAspect="1"/>
+          </p:cNvPicPr>
+          <p:nvPr/>
+        </p:nvPicPr>
+        <p:blipFill>
+          <a:blip r:embed="rId2" cstate="print">
+            <a:extLst>
+              <a:ext uri="{28A0092B-C50C-407E-A947-70E740481C1C}">
+                <a14:useLocalDpi xmlns:a14="http://schemas.microsoft.com/office/drawing/2010/main" val="0"/>
+              </a:ext>
+              <a:ext uri="{96DAC541-7B7A-43D3-8B79-37D633B846F1}">
+                <asvg:svgBlip xmlns:asvg="http://schemas.microsoft.com/office/drawing/2016/SVG/main" r:embed="rId3"/>
+              </a:ext>
+            </a:extLst>
+          </a:blip>
+          <a:stretch>
+            <a:fillRect/>
+          </a:stretch>
+        </p:blipFill>
+        <p:spPr>
+          <a:xfrm>
+            <a:off x="10649436" y="5366437"/>
+            <a:ext cx="1406504" cy="1358419"/>
+          </a:xfrm>
+          <a:prstGeom prst="rect">
+            <a:avLst/>
+          </a:prstGeom>
+        </p:spPr>
+      </p:pic>
+      <p:pic>
+        <p:nvPicPr>
+          <p:cNvPr id="7" name="Kép 6">
+            <a:extLst>
+              <a:ext uri="{FF2B5EF4-FFF2-40B4-BE49-F238E27FC236}">
+                <a16:creationId xmlns:a16="http://schemas.microsoft.com/office/drawing/2014/main" id="{0F512247-75D6-431E-B0F6-A5189892A8D2}"/>
+              </a:ext>
+            </a:extLst>
+          </p:cNvPr>
+          <p:cNvPicPr>
+            <a:picLocks noChangeAspect="1"/>
+          </p:cNvPicPr>
+          <p:nvPr/>
+        </p:nvPicPr>
+        <p:blipFill>
+          <a:blip r:embed="rId4" cstate="print">
+            <a:extLst>
+              <a:ext uri="{28A0092B-C50C-407E-A947-70E740481C1C}">
+                <a14:useLocalDpi xmlns:a14="http://schemas.microsoft.com/office/drawing/2010/main" val="0"/>
+              </a:ext>
+            </a:extLst>
+          </a:blip>
+          <a:stretch>
+            <a:fillRect/>
+          </a:stretch>
+        </p:blipFill>
+        <p:spPr>
+          <a:xfrm>
+            <a:off x="11578732" y="2553"/>
+            <a:ext cx="613267" cy="613267"/>
+          </a:xfrm>
+          <a:prstGeom prst="rect">
+            <a:avLst/>
+          </a:prstGeom>
+        </p:spPr>
+      </p:pic>
+      <p:sp>
+        <p:nvSpPr>
+          <p:cNvPr id="8" name="Szövegdoboz 7">
+            <a:extLst>
+              <a:ext uri="{FF2B5EF4-FFF2-40B4-BE49-F238E27FC236}">
+                <a16:creationId xmlns:a16="http://schemas.microsoft.com/office/drawing/2014/main" id="{7E7913CF-B31C-474A-9F71-B5D6B7D5978B}"/>
+              </a:ext>
+            </a:extLst>
+          </p:cNvPr>
+          <p:cNvSpPr txBox="1"/>
+          <p:nvPr/>
+        </p:nvSpPr>
+        <p:spPr>
+          <a:xfrm>
+            <a:off x="274320" y="19909"/>
+            <a:ext cx="3684022" cy="707886"/>
+          </a:xfrm>
+          <a:prstGeom prst="rect">
+            <a:avLst/>
+          </a:prstGeom>
+          <a:noFill/>
+        </p:spPr>
+        <p:txBody>
+          <a:bodyPr wrap="none" rtlCol="0">
+            <a:spAutoFit/>
+          </a:bodyPr>
+          <a:lstStyle/>
+          <a:p>
+            <a:r>
+              <a:rPr lang="hu-HU" sz="4000" b="1" dirty="0">
+                <a:solidFill>
+                  <a:srgbClr val="A01B17"/>
+                </a:solidFill>
+                <a:latin typeface="Agency FB" panose="020B0503020202020204" pitchFamily="34" charset="0"/>
+              </a:rPr>
+              <a:t>Graylog bemutatása</a:t>
+            </a:r>
+          </a:p>
+        </p:txBody>
+      </p:sp>
+      <p:sp>
+        <p:nvSpPr>
+          <p:cNvPr id="2" name="Téglalap 1"/>
+          <p:cNvSpPr/>
+          <p:nvPr/>
+        </p:nvSpPr>
+        <p:spPr>
+          <a:xfrm>
+            <a:off x="549689" y="941804"/>
+            <a:ext cx="8716845" cy="1015663"/>
+          </a:xfrm>
+          <a:prstGeom prst="rect">
+            <a:avLst/>
+          </a:prstGeom>
+        </p:spPr>
+        <p:txBody>
+          <a:bodyPr wrap="square">
+            <a:spAutoFit/>
+          </a:bodyPr>
+          <a:lstStyle/>
+          <a:p>
+            <a:r>
+              <a:rPr lang="hu-HU" sz="2000" dirty="0">
+                <a:latin typeface="Abadi" panose="020B0604020104020204" pitchFamily="34" charset="0"/>
+              </a:rPr>
+              <a:t>Egy központosított naplókezelési megoldás, amely nyitott szabványok szerint készült a naplófájlok terrabájtjainak rögzítésére, tárolására és valós idejű elemzésére.</a:t>
+            </a:r>
+          </a:p>
+        </p:txBody>
+      </p:sp>
+      <p:pic>
+        <p:nvPicPr>
+          <p:cNvPr id="4" name="Kép 3">
+            <a:extLst>
+              <a:ext uri="{FF2B5EF4-FFF2-40B4-BE49-F238E27FC236}">
+                <a16:creationId xmlns:a16="http://schemas.microsoft.com/office/drawing/2014/main" id="{F57987BA-F898-46C5-8F9E-0DFA6ED7BC5B}"/>
+              </a:ext>
+            </a:extLst>
+          </p:cNvPr>
+          <p:cNvPicPr>
+            <a:picLocks noChangeAspect="1"/>
+          </p:cNvPicPr>
+          <p:nvPr/>
+        </p:nvPicPr>
+        <p:blipFill>
+          <a:blip r:embed="rId5">
+            <a:extLst>
+              <a:ext uri="{28A0092B-C50C-407E-A947-70E740481C1C}">
+                <a14:useLocalDpi xmlns:a14="http://schemas.microsoft.com/office/drawing/2010/main" val="0"/>
+              </a:ext>
+            </a:extLst>
+          </a:blip>
+          <a:stretch>
+            <a:fillRect/>
+          </a:stretch>
+        </p:blipFill>
+        <p:spPr>
+          <a:xfrm>
+            <a:off x="5035111" y="2040466"/>
+            <a:ext cx="5522340" cy="4318000"/>
+          </a:xfrm>
+          <a:prstGeom prst="rect">
+            <a:avLst/>
+          </a:prstGeom>
+        </p:spPr>
+      </p:pic>
+      <p:sp>
+        <p:nvSpPr>
+          <p:cNvPr id="12" name="Szövegdoboz 11">
+            <a:extLst>
+              <a:ext uri="{FF2B5EF4-FFF2-40B4-BE49-F238E27FC236}">
+                <a16:creationId xmlns:a16="http://schemas.microsoft.com/office/drawing/2014/main" id="{0D5A1692-CF4C-4797-9F08-9C971FD25567}"/>
+              </a:ext>
+            </a:extLst>
+          </p:cNvPr>
+          <p:cNvSpPr txBox="1"/>
+          <p:nvPr/>
+        </p:nvSpPr>
+        <p:spPr>
+          <a:xfrm>
+            <a:off x="702734" y="2592568"/>
+            <a:ext cx="3124199" cy="1477328"/>
+          </a:xfrm>
+          <a:prstGeom prst="rect">
+            <a:avLst/>
+          </a:prstGeom>
+          <a:noFill/>
+        </p:spPr>
+        <p:txBody>
+          <a:bodyPr wrap="square">
+            <a:spAutoFit/>
+          </a:bodyPr>
+          <a:lstStyle/>
+          <a:p>
+            <a:r>
+              <a:rPr lang="hu-HU" dirty="0">
+                <a:latin typeface="Abadi" panose="020B0604020104020204" pitchFamily="34" charset="0"/>
+              </a:rPr>
+              <a:t> Négy komponensből áll:</a:t>
+            </a:r>
+          </a:p>
+          <a:p>
+            <a:pPr marL="285750" indent="-285750">
+              <a:buFont typeface="Arial" panose="020B0604020202020204" pitchFamily="34" charset="0"/>
+              <a:buChar char="•"/>
+            </a:pPr>
+            <a:r>
+              <a:rPr lang="hu-HU" dirty="0" err="1">
+                <a:latin typeface="Abadi" panose="020B0604020104020204" pitchFamily="34" charset="0"/>
+              </a:rPr>
+              <a:t>Elasticsearch</a:t>
+            </a:r>
+            <a:r>
+              <a:rPr lang="hu-HU" dirty="0">
+                <a:latin typeface="Abadi" panose="020B0604020104020204" pitchFamily="34" charset="0"/>
+              </a:rPr>
+              <a:t> </a:t>
+            </a:r>
+            <a:br>
+              <a:rPr lang="hu-HU" dirty="0">
+                <a:latin typeface="Abadi" panose="020B0604020104020204" pitchFamily="34" charset="0"/>
+              </a:rPr>
+            </a:br>
+            <a:r>
+              <a:rPr lang="hu-HU" dirty="0" err="1">
+                <a:latin typeface="Abadi" panose="020B0604020104020204" pitchFamily="34" charset="0"/>
+              </a:rPr>
+              <a:t>MongoDB</a:t>
+            </a:r>
+            <a:endParaRPr lang="hu-HU" dirty="0">
+              <a:latin typeface="Abadi" panose="020B0604020104020204" pitchFamily="34" charset="0"/>
+            </a:endParaRPr>
+          </a:p>
+          <a:p>
+            <a:pPr marL="285750" indent="-285750">
+              <a:buFont typeface="Arial" panose="020B0604020202020204" pitchFamily="34" charset="0"/>
+              <a:buChar char="•"/>
+            </a:pPr>
+            <a:r>
+              <a:rPr lang="hu-HU" dirty="0">
+                <a:latin typeface="Abadi" panose="020B0604020104020204" pitchFamily="34" charset="0"/>
+              </a:rPr>
+              <a:t>Filebeat </a:t>
+            </a:r>
+          </a:p>
+          <a:p>
+            <a:pPr marL="285750" indent="-285750">
+              <a:buFont typeface="Arial" panose="020B0604020202020204" pitchFamily="34" charset="0"/>
+              <a:buChar char="•"/>
+            </a:pPr>
+            <a:r>
+              <a:rPr lang="hu-HU" dirty="0">
+                <a:latin typeface="Abadi" panose="020B0604020104020204" pitchFamily="34" charset="0"/>
+              </a:rPr>
+              <a:t>Graylog </a:t>
+            </a:r>
+          </a:p>
+        </p:txBody>
+      </p:sp>
     </p:spTree>
     <p:extLst>
       <p:ext uri="{BB962C8B-B14F-4D97-AF65-F5344CB8AC3E}">
-        <p14:creationId xmlns:p14="http://schemas.microsoft.com/office/powerpoint/2010/main" val="3633053834"/>
+        <p14:creationId xmlns:p14="http://schemas.microsoft.com/office/powerpoint/2010/main" val="3974787950"/>
       </p:ext>
     </p:extLst>
   </p:cSld>
@@ -11684,48 +11793,12 @@
           <a:chExt cx="0" cy="0"/>
         </a:xfrm>
       </p:grpSpPr>
-      <p:pic>
-        <p:nvPicPr>
-          <p:cNvPr id="6" name="Kép 5">
-            <a:extLst>
-              <a:ext uri="{FF2B5EF4-FFF2-40B4-BE49-F238E27FC236}">
-                <a16:creationId xmlns:a16="http://schemas.microsoft.com/office/drawing/2014/main" xmlns="" id="{9758AE22-701F-4CA9-9734-8EBB6B7DF74F}"/>
-              </a:ext>
-            </a:extLst>
-          </p:cNvPr>
-          <p:cNvPicPr>
-            <a:picLocks noChangeAspect="1"/>
-          </p:cNvPicPr>
-          <p:nvPr/>
-        </p:nvPicPr>
-        <p:blipFill>
-          <a:blip r:embed="rId2" cstate="print">
-            <a:extLst>
-              <a:ext uri="{28A0092B-C50C-407E-A947-70E740481C1C}">
-                <a14:useLocalDpi xmlns:a14="http://schemas.microsoft.com/office/drawing/2010/main" val="0"/>
-              </a:ext>
-            </a:extLst>
-          </a:blip>
-          <a:stretch>
-            <a:fillRect/>
-          </a:stretch>
-        </p:blipFill>
-        <p:spPr>
-          <a:xfrm>
-            <a:off x="11578732" y="2553"/>
-            <a:ext cx="613267" cy="613267"/>
-          </a:xfrm>
-          <a:prstGeom prst="rect">
-            <a:avLst/>
-          </a:prstGeom>
-        </p:spPr>
-      </p:pic>
       <p:sp>
         <p:nvSpPr>
-          <p:cNvPr id="7" name="Téglalap 6">
-            <a:extLst>
-              <a:ext uri="{FF2B5EF4-FFF2-40B4-BE49-F238E27FC236}">
-                <a16:creationId xmlns:a16="http://schemas.microsoft.com/office/drawing/2014/main" xmlns="" id="{5118027E-30B0-4E7D-9B50-2B7206BE6302}"/>
+          <p:cNvPr id="5" name="Téglalap 4">
+            <a:extLst>
+              <a:ext uri="{FF2B5EF4-FFF2-40B4-BE49-F238E27FC236}">
+                <a16:creationId xmlns:a16="http://schemas.microsoft.com/office/drawing/2014/main" id="{9CA26A1C-2AE4-4715-BDE4-2908B2BEA97A}"/>
               </a:ext>
             </a:extLst>
           </p:cNvPr>
@@ -11772,12 +11845,87 @@
           </a:p>
         </p:txBody>
       </p:sp>
+      <p:pic>
+        <p:nvPicPr>
+          <p:cNvPr id="6" name="Ábra 5">
+            <a:extLst>
+              <a:ext uri="{FF2B5EF4-FFF2-40B4-BE49-F238E27FC236}">
+                <a16:creationId xmlns:a16="http://schemas.microsoft.com/office/drawing/2014/main" id="{752E1006-4091-44C8-A41C-C50F5E3327C8}"/>
+              </a:ext>
+            </a:extLst>
+          </p:cNvPr>
+          <p:cNvPicPr>
+            <a:picLocks noChangeAspect="1"/>
+          </p:cNvPicPr>
+          <p:nvPr/>
+        </p:nvPicPr>
+        <p:blipFill>
+          <a:blip r:embed="rId2" cstate="print">
+            <a:extLst>
+              <a:ext uri="{28A0092B-C50C-407E-A947-70E740481C1C}">
+                <a14:useLocalDpi xmlns:a14="http://schemas.microsoft.com/office/drawing/2010/main" val="0"/>
+              </a:ext>
+              <a:ext uri="{96DAC541-7B7A-43D3-8B79-37D633B846F1}">
+                <asvg:svgBlip xmlns:asvg="http://schemas.microsoft.com/office/drawing/2016/SVG/main" r:embed="rId3"/>
+              </a:ext>
+            </a:extLst>
+          </a:blip>
+          <a:stretch>
+            <a:fillRect/>
+          </a:stretch>
+        </p:blipFill>
+        <p:spPr>
+          <a:xfrm>
+            <a:off x="10649436" y="5366437"/>
+            <a:ext cx="1406504" cy="1358419"/>
+          </a:xfrm>
+          <a:prstGeom prst="rect">
+            <a:avLst/>
+          </a:prstGeom>
+        </p:spPr>
+      </p:pic>
+      <p:pic>
+        <p:nvPicPr>
+          <p:cNvPr id="7" name="Kép 6">
+            <a:extLst>
+              <a:ext uri="{FF2B5EF4-FFF2-40B4-BE49-F238E27FC236}">
+                <a16:creationId xmlns:a16="http://schemas.microsoft.com/office/drawing/2014/main" id="{0F512247-75D6-431E-B0F6-A5189892A8D2}"/>
+              </a:ext>
+            </a:extLst>
+          </p:cNvPr>
+          <p:cNvPicPr>
+            <a:picLocks noChangeAspect="1"/>
+          </p:cNvPicPr>
+          <p:nvPr/>
+        </p:nvPicPr>
+        <p:blipFill>
+          <a:blip r:embed="rId4" cstate="print">
+            <a:extLst>
+              <a:ext uri="{28A0092B-C50C-407E-A947-70E740481C1C}">
+                <a14:useLocalDpi xmlns:a14="http://schemas.microsoft.com/office/drawing/2010/main" val="0"/>
+              </a:ext>
+            </a:extLst>
+          </a:blip>
+          <a:stretch>
+            <a:fillRect/>
+          </a:stretch>
+        </p:blipFill>
+        <p:spPr>
+          <a:xfrm>
+            <a:off x="11578732" y="2553"/>
+            <a:ext cx="613267" cy="613267"/>
+          </a:xfrm>
+          <a:prstGeom prst="rect">
+            <a:avLst/>
+          </a:prstGeom>
+        </p:spPr>
+      </p:pic>
       <p:sp>
         <p:nvSpPr>
           <p:cNvPr id="8" name="Szövegdoboz 7">
             <a:extLst>
               <a:ext uri="{FF2B5EF4-FFF2-40B4-BE49-F238E27FC236}">
-                <a16:creationId xmlns:a16="http://schemas.microsoft.com/office/drawing/2014/main" xmlns="" id="{D00702FA-9B96-47E1-ADE4-9D2FC58C16D7}"/>
+                <a16:creationId xmlns:a16="http://schemas.microsoft.com/office/drawing/2014/main" id="{7E7913CF-B31C-474A-9F71-B5D6B7D5978B}"/>
               </a:ext>
             </a:extLst>
           </p:cNvPr>
@@ -11786,8 +11934,8 @@
         </p:nvSpPr>
         <p:spPr>
           <a:xfrm>
-            <a:off x="274320" y="0"/>
-            <a:ext cx="2986715" cy="707886"/>
+            <a:off x="274320" y="19909"/>
+            <a:ext cx="2428870" cy="707886"/>
           </a:xfrm>
           <a:prstGeom prst="rect">
             <a:avLst/>
@@ -11807,84 +11955,224 @@
                 </a:solidFill>
                 <a:latin typeface="Agency FB" panose="020B0503020202020204" pitchFamily="34" charset="0"/>
               </a:rPr>
-              <a:t>Összehasonlítás</a:t>
+              <a:t>Log források</a:t>
             </a:r>
           </a:p>
         </p:txBody>
       </p:sp>
-      <p:pic>
-        <p:nvPicPr>
-          <p:cNvPr id="10" name="Kép 9">
-            <a:extLst>
-              <a:ext uri="{FF2B5EF4-FFF2-40B4-BE49-F238E27FC236}">
-                <a16:creationId xmlns:a16="http://schemas.microsoft.com/office/drawing/2014/main" xmlns="" id="{505850A7-0C64-4061-9440-71C80CFD93EA}"/>
-              </a:ext>
-            </a:extLst>
-          </p:cNvPr>
-          <p:cNvPicPr>
-            <a:picLocks noChangeAspect="1"/>
-          </p:cNvPicPr>
-          <p:nvPr/>
-        </p:nvPicPr>
-        <p:blipFill>
-          <a:blip r:embed="rId3"/>
-          <a:stretch>
-            <a:fillRect/>
-          </a:stretch>
-        </p:blipFill>
-        <p:spPr>
-          <a:xfrm>
-            <a:off x="551969" y="662700"/>
-            <a:ext cx="11088061" cy="5532599"/>
-          </a:xfrm>
-          <a:prstGeom prst="rect">
-            <a:avLst/>
-          </a:prstGeom>
-        </p:spPr>
-      </p:pic>
-      <p:pic>
-        <p:nvPicPr>
-          <p:cNvPr id="5" name="Ábra 4">
-            <a:extLst>
-              <a:ext uri="{FF2B5EF4-FFF2-40B4-BE49-F238E27FC236}">
-                <a16:creationId xmlns:a16="http://schemas.microsoft.com/office/drawing/2014/main" xmlns="" id="{331FE0CB-3A91-4CD5-A96E-49B397C0B45C}"/>
-              </a:ext>
-            </a:extLst>
-          </p:cNvPr>
-          <p:cNvPicPr>
-            <a:picLocks noChangeAspect="1"/>
-          </p:cNvPicPr>
-          <p:nvPr/>
-        </p:nvPicPr>
-        <p:blipFill>
-          <a:blip r:embed="rId4" cstate="print">
-            <a:extLst>
-              <a:ext uri="{28A0092B-C50C-407E-A947-70E740481C1C}">
-                <a14:useLocalDpi xmlns:a14="http://schemas.microsoft.com/office/drawing/2010/main" val="0"/>
-              </a:ext>
-              <a:ext uri="{96DAC541-7B7A-43D3-8B79-37D633B846F1}">
-                <asvg:svgBlip xmlns:asvg="http://schemas.microsoft.com/office/drawing/2016/SVG/main" xmlns="" r:embed="rId5"/>
-              </a:ext>
-            </a:extLst>
-          </a:blip>
-          <a:stretch>
-            <a:fillRect/>
-          </a:stretch>
-        </p:blipFill>
-        <p:spPr>
-          <a:xfrm>
-            <a:off x="10649436" y="5366437"/>
-            <a:ext cx="1406504" cy="1358419"/>
-          </a:xfrm>
-          <a:prstGeom prst="rect">
-            <a:avLst/>
-          </a:prstGeom>
-        </p:spPr>
-      </p:pic>
+      <p:sp>
+        <p:nvSpPr>
+          <p:cNvPr id="10" name="Tartalom helye 9">
+            <a:extLst>
+              <a:ext uri="{FF2B5EF4-FFF2-40B4-BE49-F238E27FC236}">
+                <a16:creationId xmlns:a16="http://schemas.microsoft.com/office/drawing/2014/main" id="{08293D33-53EB-4730-988E-0B0C531D7B50}"/>
+              </a:ext>
+            </a:extLst>
+          </p:cNvPr>
+          <p:cNvSpPr>
+            <a:spLocks noGrp="1"/>
+          </p:cNvSpPr>
+          <p:nvPr>
+            <p:ph idx="1"/>
+          </p:nvPr>
+        </p:nvSpPr>
+        <p:spPr/>
+        <p:txBody>
+          <a:bodyPr>
+            <a:normAutofit fontScale="85000" lnSpcReduction="20000"/>
+          </a:bodyPr>
+          <a:lstStyle/>
+          <a:p>
+            <a:endParaRPr lang="hu-HU" b="0" dirty="0">
+              <a:effectLst/>
+              <a:latin typeface="Abadi" panose="020B0604020104020204" pitchFamily="34" charset="0"/>
+            </a:endParaRPr>
+          </a:p>
+          <a:p>
+            <a:r>
+              <a:rPr lang="hu-HU" b="0" dirty="0" err="1">
+                <a:effectLst/>
+                <a:latin typeface="Abadi" panose="020B0604020104020204" pitchFamily="34" charset="0"/>
+              </a:rPr>
+              <a:t>Syslog</a:t>
+            </a:r>
+            <a:r>
+              <a:rPr lang="hu-HU" b="0" dirty="0">
+                <a:effectLst/>
+                <a:latin typeface="Abadi" panose="020B0604020104020204" pitchFamily="34" charset="0"/>
+              </a:rPr>
+              <a:t> </a:t>
+            </a:r>
+          </a:p>
+          <a:p>
+            <a:r>
+              <a:rPr lang="hu-HU" b="0" dirty="0" err="1">
+                <a:effectLst/>
+                <a:latin typeface="Abadi" panose="020B0604020104020204" pitchFamily="34" charset="0"/>
+              </a:rPr>
+              <a:t>Journald</a:t>
+            </a:r>
+            <a:endParaRPr lang="hu-HU" b="0" dirty="0">
+              <a:effectLst/>
+              <a:latin typeface="Abadi" panose="020B0604020104020204" pitchFamily="34" charset="0"/>
+            </a:endParaRPr>
+          </a:p>
+          <a:p>
+            <a:r>
+              <a:rPr lang="hu-HU" b="0" dirty="0">
+                <a:effectLst/>
+                <a:latin typeface="Abadi" panose="020B0604020104020204" pitchFamily="34" charset="0"/>
+              </a:rPr>
+              <a:t>Windows </a:t>
+            </a:r>
+            <a:r>
+              <a:rPr lang="hu-HU" b="0" dirty="0" err="1">
+                <a:effectLst/>
+                <a:latin typeface="Abadi" panose="020B0604020104020204" pitchFamily="34" charset="0"/>
+              </a:rPr>
+              <a:t>eventlog</a:t>
+            </a:r>
+            <a:endParaRPr lang="hu-HU" b="0" dirty="0">
+              <a:effectLst/>
+              <a:latin typeface="Abadi" panose="020B0604020104020204" pitchFamily="34" charset="0"/>
+            </a:endParaRPr>
+          </a:p>
+          <a:p>
+            <a:r>
+              <a:rPr lang="hu-HU" b="0" dirty="0" err="1">
+                <a:effectLst/>
+                <a:latin typeface="Abadi" panose="020B0604020104020204" pitchFamily="34" charset="0"/>
+              </a:rPr>
+              <a:t>Raw</a:t>
+            </a:r>
+            <a:r>
+              <a:rPr lang="hu-HU" b="0" dirty="0">
+                <a:effectLst/>
+                <a:latin typeface="Abadi" panose="020B0604020104020204" pitchFamily="34" charset="0"/>
+              </a:rPr>
+              <a:t>/</a:t>
+            </a:r>
+            <a:r>
+              <a:rPr lang="hu-HU" b="0" dirty="0" err="1">
+                <a:effectLst/>
+                <a:latin typeface="Abadi" panose="020B0604020104020204" pitchFamily="34" charset="0"/>
+              </a:rPr>
+              <a:t>Plaintext</a:t>
+            </a:r>
+            <a:endParaRPr lang="hu-HU" b="0" dirty="0">
+              <a:effectLst/>
+              <a:latin typeface="Abadi" panose="020B0604020104020204" pitchFamily="34" charset="0"/>
+            </a:endParaRPr>
+          </a:p>
+          <a:p>
+            <a:r>
+              <a:rPr lang="hu-HU" b="0" dirty="0" err="1">
+                <a:effectLst/>
+                <a:latin typeface="Abadi" panose="020B0604020104020204" pitchFamily="34" charset="0"/>
+              </a:rPr>
+              <a:t>From</a:t>
+            </a:r>
+            <a:r>
+              <a:rPr lang="hu-HU" b="0" dirty="0">
+                <a:effectLst/>
+                <a:latin typeface="Abadi" panose="020B0604020104020204" pitchFamily="34" charset="0"/>
+              </a:rPr>
+              <a:t> </a:t>
+            </a:r>
+            <a:r>
+              <a:rPr lang="hu-HU" b="0" dirty="0" err="1">
+                <a:effectLst/>
+                <a:latin typeface="Abadi" panose="020B0604020104020204" pitchFamily="34" charset="0"/>
+              </a:rPr>
+              <a:t>files</a:t>
+            </a:r>
+            <a:endParaRPr lang="hu-HU" b="0" dirty="0">
+              <a:effectLst/>
+              <a:latin typeface="Abadi" panose="020B0604020104020204" pitchFamily="34" charset="0"/>
+            </a:endParaRPr>
+          </a:p>
+          <a:p>
+            <a:r>
+              <a:rPr lang="hu-HU" b="0" dirty="0">
+                <a:effectLst/>
+                <a:latin typeface="Abadi" panose="020B0604020104020204" pitchFamily="34" charset="0"/>
+              </a:rPr>
+              <a:t>JSON </a:t>
+            </a:r>
+            <a:r>
+              <a:rPr lang="hu-HU" b="0" dirty="0" err="1">
+                <a:effectLst/>
+                <a:latin typeface="Abadi" panose="020B0604020104020204" pitchFamily="34" charset="0"/>
+              </a:rPr>
+              <a:t>path</a:t>
+            </a:r>
+            <a:r>
+              <a:rPr lang="hu-HU" b="0" dirty="0">
+                <a:effectLst/>
+                <a:latin typeface="Abadi" panose="020B0604020104020204" pitchFamily="34" charset="0"/>
+              </a:rPr>
+              <a:t> </a:t>
+            </a:r>
+            <a:r>
+              <a:rPr lang="hu-HU" b="0" dirty="0" err="1">
+                <a:effectLst/>
+                <a:latin typeface="Abadi" panose="020B0604020104020204" pitchFamily="34" charset="0"/>
+              </a:rPr>
+              <a:t>from</a:t>
+            </a:r>
+            <a:r>
+              <a:rPr lang="hu-HU" b="0" dirty="0">
+                <a:effectLst/>
+                <a:latin typeface="Abadi" panose="020B0604020104020204" pitchFamily="34" charset="0"/>
+              </a:rPr>
+              <a:t> HTTP API</a:t>
+            </a:r>
+          </a:p>
+          <a:p>
+            <a:r>
+              <a:rPr lang="hu-HU" b="0" dirty="0" err="1">
+                <a:effectLst/>
+                <a:latin typeface="Abadi" panose="020B0604020104020204" pitchFamily="34" charset="0"/>
+              </a:rPr>
+              <a:t>Application</a:t>
+            </a:r>
+            <a:r>
+              <a:rPr lang="hu-HU" b="0" dirty="0">
+                <a:effectLst/>
+                <a:latin typeface="Abadi" panose="020B0604020104020204" pitchFamily="34" charset="0"/>
+              </a:rPr>
+              <a:t> Data</a:t>
+            </a:r>
+          </a:p>
+          <a:p>
+            <a:endParaRPr lang="hu-HU" b="0" dirty="0">
+              <a:effectLst/>
+              <a:latin typeface="Abadi" panose="020B0604020104020204" pitchFamily="34" charset="0"/>
+            </a:endParaRPr>
+          </a:p>
+          <a:p>
+            <a:br>
+              <a:rPr lang="hu-HU" b="0" dirty="0">
+                <a:effectLst/>
+                <a:latin typeface="Abadi" panose="020B0604020104020204" pitchFamily="34" charset="0"/>
+              </a:rPr>
+            </a:br>
+            <a:endParaRPr lang="hu-HU" b="0" dirty="0">
+              <a:effectLst/>
+              <a:latin typeface="Abadi" panose="020B0604020104020204" pitchFamily="34" charset="0"/>
+            </a:endParaRPr>
+          </a:p>
+          <a:p>
+            <a:endParaRPr lang="hu-HU" dirty="0">
+              <a:latin typeface="Abadi" panose="020B0604020104020204" pitchFamily="34" charset="0"/>
+            </a:endParaRPr>
+          </a:p>
+        </p:txBody>
+      </p:sp>
     </p:spTree>
     <p:extLst>
       <p:ext uri="{BB962C8B-B14F-4D97-AF65-F5344CB8AC3E}">
-        <p14:creationId xmlns:p14="http://schemas.microsoft.com/office/powerpoint/2010/main" val="3052979044"/>
+        <p14:creationId xmlns:p14="http://schemas.microsoft.com/office/powerpoint/2010/main" val="1325974446"/>
       </p:ext>
     </p:extLst>
   </p:cSld>
@@ -11913,451 +12201,137 @@
       </p:grpSpPr>
       <p:sp>
         <p:nvSpPr>
-          <p:cNvPr id="4" name="Szövegdoboz 3">
-            <a:extLst>
-              <a:ext uri="{FF2B5EF4-FFF2-40B4-BE49-F238E27FC236}">
-                <a16:creationId xmlns:a16="http://schemas.microsoft.com/office/drawing/2014/main" xmlns="" id="{179BD461-825D-495E-9DA9-707A6C4326F1}"/>
-              </a:ext>
-            </a:extLst>
-          </p:cNvPr>
-          <p:cNvSpPr txBox="1"/>
-          <p:nvPr/>
+          <p:cNvPr id="2" name="Cím 1">
+            <a:extLst>
+              <a:ext uri="{FF2B5EF4-FFF2-40B4-BE49-F238E27FC236}">
+                <a16:creationId xmlns:a16="http://schemas.microsoft.com/office/drawing/2014/main" id="{67FFE128-28A9-4095-B99A-C85CCB9D94D4}"/>
+              </a:ext>
+            </a:extLst>
+          </p:cNvPr>
+          <p:cNvSpPr>
+            <a:spLocks noGrp="1"/>
+          </p:cNvSpPr>
+          <p:nvPr>
+            <p:ph type="title"/>
+          </p:nvPr>
         </p:nvSpPr>
         <p:spPr>
           <a:xfrm>
-            <a:off x="274320" y="0"/>
-            <a:ext cx="2988319" cy="707886"/>
-          </a:xfrm>
-          <a:prstGeom prst="rect">
-            <a:avLst/>
-          </a:prstGeom>
-          <a:noFill/>
+            <a:off x="110067" y="500591"/>
+            <a:ext cx="10515600" cy="1325563"/>
+          </a:xfrm>
         </p:spPr>
         <p:txBody>
-          <a:bodyPr wrap="none" rtlCol="0">
-            <a:spAutoFit/>
+          <a:bodyPr>
+            <a:normAutofit fontScale="90000"/>
           </a:bodyPr>
           <a:lstStyle/>
           <a:p>
             <a:r>
-              <a:rPr lang="hu-HU" sz="4000" b="1" dirty="0">
-                <a:solidFill>
-                  <a:srgbClr val="A01B17"/>
-                </a:solidFill>
+              <a:rPr lang="hu-HU" b="0" i="0" cap="all" dirty="0">
+                <a:solidFill>
+                  <a:srgbClr val="1A1A1B"/>
+                </a:solidFill>
+                <a:effectLst/>
                 <a:latin typeface="Agency FB" panose="020B0503020202020204" pitchFamily="34" charset="0"/>
               </a:rPr>
-              <a:t>Összegzés, jövő</a:t>
-            </a:r>
+              <a:t>SEARCH</a:t>
+            </a:r>
+            <a:r>
+              <a:rPr lang="hu-HU" b="0" i="0" cap="all" dirty="0">
+                <a:solidFill>
+                  <a:srgbClr val="1A1A1B"/>
+                </a:solidFill>
+                <a:effectLst/>
+                <a:latin typeface="Oswald" panose="020B0604020202020204" pitchFamily="2" charset="-18"/>
+              </a:rPr>
+              <a:t> </a:t>
+            </a:r>
+            <a:r>
+              <a:rPr lang="hu-HU" b="0" i="0" cap="all" dirty="0">
+                <a:solidFill>
+                  <a:srgbClr val="1A1A1B"/>
+                </a:solidFill>
+                <a:effectLst/>
+                <a:latin typeface="Agency FB" panose="020B0503020202020204" pitchFamily="34" charset="0"/>
+              </a:rPr>
+              <a:t>QUERY</a:t>
+            </a:r>
+            <a:r>
+              <a:rPr lang="hu-HU" b="0" i="0" cap="all" dirty="0">
+                <a:solidFill>
+                  <a:srgbClr val="1A1A1B"/>
+                </a:solidFill>
+                <a:effectLst/>
+                <a:latin typeface="Oswald" panose="020B0604020202020204" pitchFamily="2" charset="-18"/>
+              </a:rPr>
+              <a:t> </a:t>
+            </a:r>
+            <a:r>
+              <a:rPr lang="hu-HU" b="0" i="0" cap="all" dirty="0">
+                <a:solidFill>
+                  <a:srgbClr val="1A1A1B"/>
+                </a:solidFill>
+                <a:effectLst/>
+                <a:latin typeface="Agency FB" panose="020B0503020202020204" pitchFamily="34" charset="0"/>
+              </a:rPr>
+              <a:t>LANGUAGE</a:t>
+            </a:r>
+            <a:br>
+              <a:rPr lang="hu-HU" b="0" i="0" cap="all" dirty="0">
+                <a:solidFill>
+                  <a:srgbClr val="1A1A1B"/>
+                </a:solidFill>
+                <a:effectLst/>
+                <a:latin typeface="Oswald" panose="020B0604020202020204" pitchFamily="2" charset="-18"/>
+              </a:rPr>
+            </a:br>
+            <a:br>
+              <a:rPr lang="hu-HU" b="0" i="0" dirty="0">
+                <a:solidFill>
+                  <a:srgbClr val="8E8E8E"/>
+                </a:solidFill>
+                <a:effectLst/>
+                <a:latin typeface="Oswald" panose="020B0604020202020204" pitchFamily="2" charset="-18"/>
+              </a:rPr>
+            </a:br>
+            <a:endParaRPr lang="hu-HU" dirty="0"/>
           </a:p>
         </p:txBody>
       </p:sp>
       <p:pic>
         <p:nvPicPr>
-          <p:cNvPr id="5" name="Ábra 4">
-            <a:extLst>
-              <a:ext uri="{FF2B5EF4-FFF2-40B4-BE49-F238E27FC236}">
-                <a16:creationId xmlns:a16="http://schemas.microsoft.com/office/drawing/2014/main" xmlns="" id="{F7FD9755-E3CE-4F32-B7E2-FA2A1B51065B}"/>
+          <p:cNvPr id="5" name="Tartalom helye 4">
+            <a:extLst>
+              <a:ext uri="{FF2B5EF4-FFF2-40B4-BE49-F238E27FC236}">
+                <a16:creationId xmlns:a16="http://schemas.microsoft.com/office/drawing/2014/main" id="{30DE347E-45A5-42E6-A2AA-027A3EE893E8}"/>
               </a:ext>
             </a:extLst>
           </p:cNvPr>
           <p:cNvPicPr>
-            <a:picLocks noChangeAspect="1"/>
+            <a:picLocks noGrp="1" noChangeAspect="1"/>
           </p:cNvPicPr>
-          <p:nvPr/>
+          <p:nvPr>
+            <p:ph idx="1"/>
+          </p:nvPr>
         </p:nvPicPr>
         <p:blipFill>
-          <a:blip r:embed="rId2" cstate="print">
-            <a:extLst>
-              <a:ext uri="{28A0092B-C50C-407E-A947-70E740481C1C}">
-                <a14:useLocalDpi xmlns:a14="http://schemas.microsoft.com/office/drawing/2010/main" val="0"/>
-              </a:ext>
-              <a:ext uri="{96DAC541-7B7A-43D3-8B79-37D633B846F1}">
-                <asvg:svgBlip xmlns:asvg="http://schemas.microsoft.com/office/drawing/2016/SVG/main" xmlns="" r:embed="rId3"/>
-              </a:ext>
-            </a:extLst>
-          </a:blip>
+          <a:blip r:embed="rId2"/>
           <a:stretch>
             <a:fillRect/>
           </a:stretch>
         </p:blipFill>
         <p:spPr>
           <a:xfrm>
-            <a:off x="10649436" y="5366437"/>
-            <a:ext cx="1406504" cy="1358419"/>
-          </a:xfrm>
-          <a:prstGeom prst="rect">
-            <a:avLst/>
-          </a:prstGeom>
+            <a:off x="4175681" y="1851025"/>
+            <a:ext cx="7178119" cy="4351338"/>
+          </a:xfrm>
         </p:spPr>
       </p:pic>
-      <p:pic>
-        <p:nvPicPr>
-          <p:cNvPr id="6" name="Kép 5">
-            <a:extLst>
-              <a:ext uri="{FF2B5EF4-FFF2-40B4-BE49-F238E27FC236}">
-                <a16:creationId xmlns:a16="http://schemas.microsoft.com/office/drawing/2014/main" xmlns="" id="{99603EF8-98B9-420A-AF82-C0ED661B0779}"/>
-              </a:ext>
-            </a:extLst>
-          </p:cNvPr>
-          <p:cNvPicPr>
-            <a:picLocks noChangeAspect="1"/>
-          </p:cNvPicPr>
-          <p:nvPr/>
-        </p:nvPicPr>
-        <p:blipFill>
-          <a:blip r:embed="rId4" cstate="print">
-            <a:extLst>
-              <a:ext uri="{28A0092B-C50C-407E-A947-70E740481C1C}">
-                <a14:useLocalDpi xmlns:a14="http://schemas.microsoft.com/office/drawing/2010/main" val="0"/>
-              </a:ext>
-            </a:extLst>
-          </a:blip>
-          <a:stretch>
-            <a:fillRect/>
-          </a:stretch>
-        </p:blipFill>
-        <p:spPr>
-          <a:xfrm>
-            <a:off x="11578732" y="2553"/>
-            <a:ext cx="613267" cy="613267"/>
-          </a:xfrm>
-          <a:prstGeom prst="rect">
-            <a:avLst/>
-          </a:prstGeom>
-        </p:spPr>
-      </p:pic>
-      <p:sp>
-        <p:nvSpPr>
-          <p:cNvPr id="7" name="Téglalap 6">
-            <a:extLst>
-              <a:ext uri="{FF2B5EF4-FFF2-40B4-BE49-F238E27FC236}">
-                <a16:creationId xmlns:a16="http://schemas.microsoft.com/office/drawing/2014/main" xmlns="" id="{26E11219-288B-46B5-8566-3FC185FA9278}"/>
-              </a:ext>
-            </a:extLst>
-          </p:cNvPr>
-          <p:cNvSpPr/>
-          <p:nvPr/>
-        </p:nvSpPr>
-        <p:spPr>
-          <a:xfrm>
-            <a:off x="0" y="0"/>
-            <a:ext cx="274320" cy="6858000"/>
-          </a:xfrm>
-          <a:prstGeom prst="rect">
-            <a:avLst/>
-          </a:prstGeom>
-          <a:solidFill>
-            <a:srgbClr val="A01B17"/>
-          </a:solidFill>
-          <a:ln>
-            <a:noFill/>
-          </a:ln>
-        </p:spPr>
-        <p:style>
-          <a:lnRef idx="2">
-            <a:schemeClr val="accent1">
-              <a:shade val="50000"/>
-            </a:schemeClr>
-          </a:lnRef>
-          <a:fillRef idx="1">
-            <a:schemeClr val="accent1"/>
-          </a:fillRef>
-          <a:effectRef idx="0">
-            <a:schemeClr val="accent1"/>
-          </a:effectRef>
-          <a:fontRef idx="minor">
-            <a:schemeClr val="lt1"/>
-          </a:fontRef>
-        </p:style>
-        <p:txBody>
-          <a:bodyPr rtlCol="0" anchor="ctr"/>
-          <a:lstStyle/>
-          <a:p>
-            <a:pPr algn="ctr"/>
-            <a:endParaRPr lang="hu-HU"/>
-          </a:p>
-        </p:txBody>
-      </p:sp>
-      <p:sp>
-        <p:nvSpPr>
-          <p:cNvPr id="8" name="Szövegdoboz 7">
-            <a:extLst>
-              <a:ext uri="{FF2B5EF4-FFF2-40B4-BE49-F238E27FC236}">
-                <a16:creationId xmlns:a16="http://schemas.microsoft.com/office/drawing/2014/main" xmlns="" id="{76D75C5D-5568-4AA7-8CF9-3CD73E095F9F}"/>
-              </a:ext>
-            </a:extLst>
-          </p:cNvPr>
-          <p:cNvSpPr txBox="1"/>
-          <p:nvPr/>
-        </p:nvSpPr>
-        <p:spPr>
-          <a:xfrm>
-            <a:off x="429208" y="1036567"/>
-            <a:ext cx="10787743" cy="1754326"/>
-          </a:xfrm>
-          <a:prstGeom prst="rect">
-            <a:avLst/>
-          </a:prstGeom>
-          <a:noFill/>
-        </p:spPr>
-        <p:txBody>
-          <a:bodyPr wrap="square" rtlCol="0">
-            <a:spAutoFit/>
-          </a:bodyPr>
-          <a:lstStyle/>
-          <a:p>
-            <a:r>
-              <a:rPr lang="hu-HU" dirty="0">
-                <a:latin typeface="Abadi" panose="020B0604020104020204" pitchFamily="34" charset="0"/>
-              </a:rPr>
-              <a:t>A Linux-</a:t>
-            </a:r>
-            <a:r>
-              <a:rPr lang="hu-HU" dirty="0" err="1">
-                <a:latin typeface="Abadi" panose="020B0604020104020204" pitchFamily="34" charset="0"/>
-              </a:rPr>
-              <a:t>szal</a:t>
-            </a:r>
-            <a:r>
-              <a:rPr lang="hu-HU" dirty="0">
-                <a:latin typeface="Abadi" panose="020B0604020104020204" pitchFamily="34" charset="0"/>
-              </a:rPr>
-              <a:t> való ismerkedés tette ki a munka egyik nagy részét, ezért több kérdés is nyitva maradt a jövőre nézve.</a:t>
-            </a:r>
-          </a:p>
-          <a:p>
-            <a:r>
-              <a:rPr lang="hu-HU" b="0" i="0" dirty="0">
-                <a:solidFill>
-                  <a:srgbClr val="212529"/>
-                </a:solidFill>
-                <a:effectLst/>
-                <a:latin typeface="Abadi" panose="020B0604020104020204" pitchFamily="34" charset="0"/>
-              </a:rPr>
-              <a:t>A téma célja egyfajta elmélyülés volt a </a:t>
-            </a:r>
-            <a:r>
-              <a:rPr lang="hu-HU" b="0" i="0" dirty="0" err="1">
-                <a:solidFill>
-                  <a:srgbClr val="212529"/>
-                </a:solidFill>
-                <a:effectLst/>
-                <a:latin typeface="Abadi" panose="020B0604020104020204" pitchFamily="34" charset="0"/>
-              </a:rPr>
-              <a:t>linux</a:t>
-            </a:r>
-            <a:r>
-              <a:rPr lang="hu-HU" b="0" i="0" dirty="0">
-                <a:solidFill>
-                  <a:srgbClr val="212529"/>
-                </a:solidFill>
-                <a:effectLst/>
-                <a:latin typeface="Abadi" panose="020B0604020104020204" pitchFamily="34" charset="0"/>
-              </a:rPr>
-              <a:t>-alapú rendszerek, a naplózás és a centralizált log szerverek világában.</a:t>
-            </a:r>
-          </a:p>
-          <a:p>
-            <a:r>
-              <a:rPr lang="hu-HU" dirty="0">
-                <a:solidFill>
-                  <a:srgbClr val="212529"/>
-                </a:solidFill>
-                <a:latin typeface="Abadi" panose="020B0604020104020204" pitchFamily="34" charset="0"/>
-              </a:rPr>
-              <a:t>Láttuk, hogy nagy hálózatok esetében elengedhetetlen a központi naplógyűjtés.</a:t>
-            </a:r>
-            <a:r>
-              <a:rPr lang="hu-HU" b="0" i="0" dirty="0">
-                <a:solidFill>
-                  <a:srgbClr val="212529"/>
-                </a:solidFill>
-                <a:effectLst/>
-                <a:latin typeface="Abadi" panose="020B0604020104020204" pitchFamily="34" charset="0"/>
-              </a:rPr>
-              <a:t> Három elterjedt nyílt technológiával ismerkedtünk meg, és némi tapasztalatot szereztünk a rendszergazdai feladatok körében.</a:t>
-            </a:r>
-            <a:endParaRPr lang="hu-HU" dirty="0">
-              <a:latin typeface="Abadi" panose="020B0604020104020204" pitchFamily="34" charset="0"/>
-            </a:endParaRPr>
-          </a:p>
-        </p:txBody>
-      </p:sp>
-      <p:sp>
-        <p:nvSpPr>
-          <p:cNvPr id="9" name="Szövegdoboz 8">
-            <a:extLst>
-              <a:ext uri="{FF2B5EF4-FFF2-40B4-BE49-F238E27FC236}">
-                <a16:creationId xmlns:a16="http://schemas.microsoft.com/office/drawing/2014/main" xmlns="" id="{7DAD8E63-A683-4C39-BA9D-B7B280A0F386}"/>
-              </a:ext>
-            </a:extLst>
-          </p:cNvPr>
-          <p:cNvSpPr txBox="1"/>
-          <p:nvPr/>
-        </p:nvSpPr>
-        <p:spPr>
-          <a:xfrm>
-            <a:off x="429208" y="3064630"/>
-            <a:ext cx="9834744" cy="1754326"/>
-          </a:xfrm>
-          <a:prstGeom prst="rect">
-            <a:avLst/>
-          </a:prstGeom>
-          <a:noFill/>
-        </p:spPr>
-        <p:txBody>
-          <a:bodyPr wrap="none" rtlCol="0">
-            <a:spAutoFit/>
-          </a:bodyPr>
-          <a:lstStyle/>
-          <a:p>
-            <a:pPr algn="just"/>
-            <a:r>
-              <a:rPr lang="hu-HU" b="0" i="0" dirty="0">
-                <a:solidFill>
-                  <a:srgbClr val="212529"/>
-                </a:solidFill>
-                <a:effectLst/>
-                <a:latin typeface="Abadi" panose="020B0604020104020204" pitchFamily="34" charset="0"/>
-              </a:rPr>
-              <a:t>A félév végén tartott konzultáción a </a:t>
-            </a:r>
-            <a:r>
-              <a:rPr lang="hu-HU" b="0" i="0" dirty="0" err="1">
-                <a:solidFill>
-                  <a:srgbClr val="212529"/>
-                </a:solidFill>
-                <a:effectLst/>
-                <a:latin typeface="Abadi" panose="020B0604020104020204" pitchFamily="34" charset="0"/>
-              </a:rPr>
-              <a:t>cyan</a:t>
-            </a:r>
-            <a:r>
-              <a:rPr lang="hu-HU" b="0" i="0" dirty="0">
-                <a:solidFill>
-                  <a:srgbClr val="212529"/>
-                </a:solidFill>
-                <a:effectLst/>
-                <a:latin typeface="Abadi" panose="020B0604020104020204" pitchFamily="34" charset="0"/>
-              </a:rPr>
-              <a:t> </a:t>
-            </a:r>
-            <a:r>
-              <a:rPr lang="hu-HU" b="0" i="0" dirty="0" err="1">
-                <a:solidFill>
-                  <a:srgbClr val="212529"/>
-                </a:solidFill>
-                <a:effectLst/>
-                <a:latin typeface="Abadi" panose="020B0604020104020204" pitchFamily="34" charset="0"/>
-              </a:rPr>
-              <a:t>Security</a:t>
-            </a:r>
-            <a:r>
-              <a:rPr lang="hu-HU" b="0" i="0" dirty="0">
-                <a:solidFill>
-                  <a:srgbClr val="212529"/>
-                </a:solidFill>
-                <a:effectLst/>
-                <a:latin typeface="Abadi" panose="020B0604020104020204" pitchFamily="34" charset="0"/>
-              </a:rPr>
-              <a:t> két lehetséges </a:t>
-            </a:r>
-            <a:r>
-              <a:rPr lang="hu-HU" b="0" i="0" dirty="0" err="1">
-                <a:solidFill>
-                  <a:srgbClr val="212529"/>
-                </a:solidFill>
-                <a:effectLst/>
-                <a:latin typeface="Abadi" panose="020B0604020104020204" pitchFamily="34" charset="0"/>
-              </a:rPr>
-              <a:t>továbbhaladási</a:t>
-            </a:r>
-            <a:r>
-              <a:rPr lang="hu-HU" b="0" i="0" dirty="0">
-                <a:solidFill>
-                  <a:srgbClr val="212529"/>
-                </a:solidFill>
-                <a:effectLst/>
-                <a:latin typeface="Abadi" panose="020B0604020104020204" pitchFamily="34" charset="0"/>
-              </a:rPr>
-              <a:t> irányt jelölt meg:</a:t>
-            </a:r>
-          </a:p>
-          <a:p>
-            <a:pPr algn="just"/>
-            <a:endParaRPr lang="hu-HU" b="1" dirty="0">
-              <a:solidFill>
-                <a:srgbClr val="212529"/>
-              </a:solidFill>
-              <a:latin typeface="Abadi" panose="020B0604020104020204" pitchFamily="34" charset="0"/>
-            </a:endParaRPr>
-          </a:p>
-          <a:p>
-            <a:pPr marL="342900" indent="-342900" algn="just">
-              <a:buFont typeface="+mj-lt"/>
-              <a:buAutoNum type="arabicPeriod"/>
-            </a:pPr>
-            <a:r>
-              <a:rPr lang="hu-HU" b="1" i="0" dirty="0">
-                <a:solidFill>
-                  <a:srgbClr val="212529"/>
-                </a:solidFill>
-                <a:effectLst/>
-                <a:latin typeface="Abadi" panose="020B0604020104020204" pitchFamily="34" charset="0"/>
-              </a:rPr>
-              <a:t>Big Data feldolgozás</a:t>
-            </a:r>
-          </a:p>
-          <a:p>
-            <a:pPr marL="342900" indent="-342900" algn="just">
-              <a:buFont typeface="+mj-lt"/>
-              <a:buAutoNum type="arabicPeriod"/>
-            </a:pPr>
-            <a:r>
-              <a:rPr lang="hu-HU" b="1" dirty="0">
-                <a:solidFill>
-                  <a:srgbClr val="212529"/>
-                </a:solidFill>
-                <a:latin typeface="Abadi" panose="020B0604020104020204" pitchFamily="34" charset="0"/>
-              </a:rPr>
-              <a:t>Infrastruktúra optimalizáció, klaszterek</a:t>
-            </a:r>
-            <a:endParaRPr lang="hu-HU" b="1" i="0" dirty="0">
-              <a:solidFill>
-                <a:srgbClr val="212529"/>
-              </a:solidFill>
-              <a:effectLst/>
-              <a:latin typeface="Abadi" panose="020B0604020104020204" pitchFamily="34" charset="0"/>
-            </a:endParaRPr>
-          </a:p>
-          <a:p>
-            <a:r>
-              <a:rPr lang="hu-HU" b="0" i="0" dirty="0">
-                <a:solidFill>
-                  <a:srgbClr val="212529"/>
-                </a:solidFill>
-                <a:effectLst/>
-                <a:latin typeface="system-ui"/>
-              </a:rPr>
-              <a:t/>
-            </a:r>
-            <a:br>
-              <a:rPr lang="hu-HU" b="0" i="0" dirty="0">
-                <a:solidFill>
-                  <a:srgbClr val="212529"/>
-                </a:solidFill>
-                <a:effectLst/>
-                <a:latin typeface="system-ui"/>
-              </a:rPr>
-            </a:br>
-            <a:endParaRPr lang="hu-HU" dirty="0"/>
-          </a:p>
-        </p:txBody>
-      </p:sp>
     </p:spTree>
     <p:extLst>
       <p:ext uri="{BB962C8B-B14F-4D97-AF65-F5344CB8AC3E}">
-        <p14:creationId xmlns:p14="http://schemas.microsoft.com/office/powerpoint/2010/main" val="4101292433"/>
+        <p14:creationId xmlns:p14="http://schemas.microsoft.com/office/powerpoint/2010/main" val="2176366125"/>
       </p:ext>
     </p:extLst>
   </p:cSld>
@@ -12384,52 +12358,48 @@
           <a:chExt cx="0" cy="0"/>
         </a:xfrm>
       </p:grpSpPr>
+      <p:pic>
+        <p:nvPicPr>
+          <p:cNvPr id="6" name="Kép 5">
+            <a:extLst>
+              <a:ext uri="{FF2B5EF4-FFF2-40B4-BE49-F238E27FC236}">
+                <a16:creationId xmlns:a16="http://schemas.microsoft.com/office/drawing/2014/main" id="{9758AE22-701F-4CA9-9734-8EBB6B7DF74F}"/>
+              </a:ext>
+            </a:extLst>
+          </p:cNvPr>
+          <p:cNvPicPr>
+            <a:picLocks noChangeAspect="1"/>
+          </p:cNvPicPr>
+          <p:nvPr/>
+        </p:nvPicPr>
+        <p:blipFill>
+          <a:blip r:embed="rId2" cstate="print">
+            <a:extLst>
+              <a:ext uri="{28A0092B-C50C-407E-A947-70E740481C1C}">
+                <a14:useLocalDpi xmlns:a14="http://schemas.microsoft.com/office/drawing/2010/main" val="0"/>
+              </a:ext>
+            </a:extLst>
+          </a:blip>
+          <a:stretch>
+            <a:fillRect/>
+          </a:stretch>
+        </p:blipFill>
+        <p:spPr>
+          <a:xfrm>
+            <a:off x="11578732" y="2553"/>
+            <a:ext cx="613267" cy="613267"/>
+          </a:xfrm>
+          <a:prstGeom prst="rect">
+            <a:avLst/>
+          </a:prstGeom>
+        </p:spPr>
+      </p:pic>
       <p:sp>
         <p:nvSpPr>
-          <p:cNvPr id="4" name="Szövegdoboz 3">
-            <a:extLst>
-              <a:ext uri="{FF2B5EF4-FFF2-40B4-BE49-F238E27FC236}">
-                <a16:creationId xmlns:a16="http://schemas.microsoft.com/office/drawing/2014/main" xmlns="" id="{742FFBEE-7163-4E7E-848A-D4A4511A9A0D}"/>
-              </a:ext>
-            </a:extLst>
-          </p:cNvPr>
-          <p:cNvSpPr txBox="1"/>
-          <p:nvPr/>
-        </p:nvSpPr>
-        <p:spPr>
-          <a:xfrm>
-            <a:off x="274320" y="-92066"/>
-            <a:ext cx="4467890" cy="707886"/>
-          </a:xfrm>
-          <a:prstGeom prst="rect">
-            <a:avLst/>
-          </a:prstGeom>
-          <a:noFill/>
-        </p:spPr>
-        <p:txBody>
-          <a:bodyPr wrap="none" rtlCol="0">
-            <a:spAutoFit/>
-          </a:bodyPr>
-          <a:lstStyle/>
-          <a:p>
-            <a:r>
-              <a:rPr lang="hu-HU" sz="4000" b="1" dirty="0">
-                <a:solidFill>
-                  <a:srgbClr val="A01B17"/>
-                </a:solidFill>
-                <a:latin typeface="Agency FB" panose="020B0503020202020204" pitchFamily="34" charset="0"/>
-              </a:rPr>
-              <a:t>Hasznos linkek, források</a:t>
-            </a:r>
-          </a:p>
-        </p:txBody>
-      </p:sp>
-      <p:sp>
-        <p:nvSpPr>
-          <p:cNvPr id="5" name="Téglalap 4">
-            <a:extLst>
-              <a:ext uri="{FF2B5EF4-FFF2-40B4-BE49-F238E27FC236}">
-                <a16:creationId xmlns:a16="http://schemas.microsoft.com/office/drawing/2014/main" xmlns="" id="{9B82128D-BA48-43D0-9AF7-08CB7D7588E1}"/>
+          <p:cNvPr id="7" name="Téglalap 6">
+            <a:extLst>
+              <a:ext uri="{FF2B5EF4-FFF2-40B4-BE49-F238E27FC236}">
+                <a16:creationId xmlns:a16="http://schemas.microsoft.com/office/drawing/2014/main" id="{5118027E-30B0-4E7D-9B50-2B7206BE6302}"/>
               </a:ext>
             </a:extLst>
           </p:cNvPr>
@@ -12476,12 +12446,52 @@
           </a:p>
         </p:txBody>
       </p:sp>
+      <p:sp>
+        <p:nvSpPr>
+          <p:cNvPr id="8" name="Szövegdoboz 7">
+            <a:extLst>
+              <a:ext uri="{FF2B5EF4-FFF2-40B4-BE49-F238E27FC236}">
+                <a16:creationId xmlns:a16="http://schemas.microsoft.com/office/drawing/2014/main" id="{D00702FA-9B96-47E1-ADE4-9D2FC58C16D7}"/>
+              </a:ext>
+            </a:extLst>
+          </p:cNvPr>
+          <p:cNvSpPr txBox="1"/>
+          <p:nvPr/>
+        </p:nvSpPr>
+        <p:spPr>
+          <a:xfrm>
+            <a:off x="274320" y="0"/>
+            <a:ext cx="2986715" cy="707886"/>
+          </a:xfrm>
+          <a:prstGeom prst="rect">
+            <a:avLst/>
+          </a:prstGeom>
+          <a:noFill/>
+        </p:spPr>
+        <p:txBody>
+          <a:bodyPr wrap="none" rtlCol="0">
+            <a:spAutoFit/>
+          </a:bodyPr>
+          <a:lstStyle/>
+          <a:p>
+            <a:r>
+              <a:rPr lang="hu-HU" sz="4000" b="1" dirty="0">
+                <a:solidFill>
+                  <a:srgbClr val="A01B17"/>
+                </a:solidFill>
+                <a:latin typeface="Agency FB" panose="020B0503020202020204" pitchFamily="34" charset="0"/>
+              </a:rPr>
+              <a:t>Összehasonlítás</a:t>
+            </a:r>
+          </a:p>
+        </p:txBody>
+      </p:sp>
       <p:pic>
         <p:nvPicPr>
-          <p:cNvPr id="6" name="Ábra 5">
-            <a:extLst>
-              <a:ext uri="{FF2B5EF4-FFF2-40B4-BE49-F238E27FC236}">
-                <a16:creationId xmlns:a16="http://schemas.microsoft.com/office/drawing/2014/main" xmlns="" id="{9539EE2E-6FBF-4FC5-99FA-54E5D445FEC8}"/>
+          <p:cNvPr id="10" name="Kép 9">
+            <a:extLst>
+              <a:ext uri="{FF2B5EF4-FFF2-40B4-BE49-F238E27FC236}">
+                <a16:creationId xmlns:a16="http://schemas.microsoft.com/office/drawing/2014/main" id="{505850A7-0C64-4061-9440-71C80CFD93EA}"/>
               </a:ext>
             </a:extLst>
           </p:cNvPr>
@@ -12491,13 +12501,43 @@
           <p:nvPr/>
         </p:nvPicPr>
         <p:blipFill>
-          <a:blip r:embed="rId2" cstate="print">
+          <a:blip r:embed="rId3"/>
+          <a:stretch>
+            <a:fillRect/>
+          </a:stretch>
+        </p:blipFill>
+        <p:spPr>
+          <a:xfrm>
+            <a:off x="551969" y="662700"/>
+            <a:ext cx="11088061" cy="5532599"/>
+          </a:xfrm>
+          <a:prstGeom prst="rect">
+            <a:avLst/>
+          </a:prstGeom>
+        </p:spPr>
+      </p:pic>
+      <p:pic>
+        <p:nvPicPr>
+          <p:cNvPr id="5" name="Ábra 4">
+            <a:extLst>
+              <a:ext uri="{FF2B5EF4-FFF2-40B4-BE49-F238E27FC236}">
+                <a16:creationId xmlns:a16="http://schemas.microsoft.com/office/drawing/2014/main" id="{331FE0CB-3A91-4CD5-A96E-49B397C0B45C}"/>
+              </a:ext>
+            </a:extLst>
+          </p:cNvPr>
+          <p:cNvPicPr>
+            <a:picLocks noChangeAspect="1"/>
+          </p:cNvPicPr>
+          <p:nvPr/>
+        </p:nvPicPr>
+        <p:blipFill>
+          <a:blip r:embed="rId4" cstate="print">
             <a:extLst>
               <a:ext uri="{28A0092B-C50C-407E-A947-70E740481C1C}">
                 <a14:useLocalDpi xmlns:a14="http://schemas.microsoft.com/office/drawing/2010/main" val="0"/>
               </a:ext>
               <a:ext uri="{96DAC541-7B7A-43D3-8B79-37D633B846F1}">
-                <asvg:svgBlip xmlns:asvg="http://schemas.microsoft.com/office/drawing/2016/SVG/main" xmlns="" r:embed="rId3"/>
+                <asvg:svgBlip xmlns:asvg="http://schemas.microsoft.com/office/drawing/2016/SVG/main" r:embed="rId5"/>
               </a:ext>
             </a:extLst>
           </a:blip>
@@ -12515,162 +12555,10 @@
           </a:prstGeom>
         </p:spPr>
       </p:pic>
-      <p:pic>
-        <p:nvPicPr>
-          <p:cNvPr id="7" name="Kép 6">
-            <a:extLst>
-              <a:ext uri="{FF2B5EF4-FFF2-40B4-BE49-F238E27FC236}">
-                <a16:creationId xmlns:a16="http://schemas.microsoft.com/office/drawing/2014/main" xmlns="" id="{63F02832-5F07-4F27-9FD5-9B08121767DF}"/>
-              </a:ext>
-            </a:extLst>
-          </p:cNvPr>
-          <p:cNvPicPr>
-            <a:picLocks noChangeAspect="1"/>
-          </p:cNvPicPr>
-          <p:nvPr/>
-        </p:nvPicPr>
-        <p:blipFill>
-          <a:blip r:embed="rId4" cstate="print">
-            <a:extLst>
-              <a:ext uri="{28A0092B-C50C-407E-A947-70E740481C1C}">
-                <a14:useLocalDpi xmlns:a14="http://schemas.microsoft.com/office/drawing/2010/main" val="0"/>
-              </a:ext>
-            </a:extLst>
-          </a:blip>
-          <a:stretch>
-            <a:fillRect/>
-          </a:stretch>
-        </p:blipFill>
-        <p:spPr>
-          <a:xfrm>
-            <a:off x="11578732" y="2553"/>
-            <a:ext cx="613267" cy="613267"/>
-          </a:xfrm>
-          <a:prstGeom prst="rect">
-            <a:avLst/>
-          </a:prstGeom>
-        </p:spPr>
-      </p:pic>
-      <p:sp>
-        <p:nvSpPr>
-          <p:cNvPr id="8" name="Szövegdoboz 7">
-            <a:extLst>
-              <a:ext uri="{FF2B5EF4-FFF2-40B4-BE49-F238E27FC236}">
-                <a16:creationId xmlns:a16="http://schemas.microsoft.com/office/drawing/2014/main" xmlns="" id="{0AD34D30-865D-41AB-8E35-EA14CFE48A81}"/>
-              </a:ext>
-            </a:extLst>
-          </p:cNvPr>
-          <p:cNvSpPr txBox="1"/>
-          <p:nvPr/>
-        </p:nvSpPr>
-        <p:spPr>
-          <a:xfrm>
-            <a:off x="470643" y="1277054"/>
-            <a:ext cx="9477274" cy="2308324"/>
-          </a:xfrm>
-          <a:prstGeom prst="rect">
-            <a:avLst/>
-          </a:prstGeom>
-          <a:noFill/>
-        </p:spPr>
-        <p:txBody>
-          <a:bodyPr wrap="none" rtlCol="0">
-            <a:spAutoFit/>
-          </a:bodyPr>
-          <a:lstStyle/>
-          <a:p>
-            <a:r>
-              <a:rPr lang="hu-HU" dirty="0">
-                <a:latin typeface="Abadi" panose="020B0604020104020204" pitchFamily="34" charset="0"/>
-                <a:hlinkClick r:id="rId5"/>
-              </a:rPr>
-              <a:t>https://www.elastic.co/</a:t>
-            </a:r>
-            <a:endParaRPr lang="hu-HU" dirty="0">
-              <a:latin typeface="Abadi" panose="020B0604020104020204" pitchFamily="34" charset="0"/>
-            </a:endParaRPr>
-          </a:p>
-          <a:p>
-            <a:r>
-              <a:rPr lang="hu-HU" dirty="0">
-                <a:latin typeface="Abadi" panose="020B0604020104020204" pitchFamily="34" charset="0"/>
-                <a:hlinkClick r:id="rId6"/>
-              </a:rPr>
-              <a:t>https://www.fluentd.org/</a:t>
-            </a:r>
-            <a:endParaRPr lang="hu-HU" dirty="0">
-              <a:latin typeface="Abadi" panose="020B0604020104020204" pitchFamily="34" charset="0"/>
-            </a:endParaRPr>
-          </a:p>
-          <a:p>
-            <a:r>
-              <a:rPr lang="hu-HU" dirty="0">
-                <a:latin typeface="Abadi" panose="020B0604020104020204" pitchFamily="34" charset="0"/>
-                <a:hlinkClick r:id="rId7"/>
-              </a:rPr>
-              <a:t>https://www.graylog.org/</a:t>
-            </a:r>
-            <a:endParaRPr lang="hu-HU" dirty="0">
-              <a:latin typeface="Abadi" panose="020B0604020104020204" pitchFamily="34" charset="0"/>
-            </a:endParaRPr>
-          </a:p>
-          <a:p>
-            <a:r>
-              <a:rPr lang="hu-HU" dirty="0">
-                <a:latin typeface="Abadi" panose="020B0604020104020204" pitchFamily="34" charset="0"/>
-                <a:hlinkClick r:id="rId8"/>
-              </a:rPr>
-              <a:t>https://github.com/hpcugent/logstash-patterns/blob/master/files/grok-patterns</a:t>
-            </a:r>
-            <a:endParaRPr lang="hu-HU" dirty="0">
-              <a:latin typeface="Abadi" panose="020B0604020104020204" pitchFamily="34" charset="0"/>
-            </a:endParaRPr>
-          </a:p>
-          <a:p>
-            <a:r>
-              <a:rPr lang="hu-HU" dirty="0">
-                <a:latin typeface="Abadi" panose="020B0604020104020204" pitchFamily="34" charset="0"/>
-                <a:hlinkClick r:id="rId9"/>
-              </a:rPr>
-              <a:t>https://www.elastic.co/guide/en/elastic-stack-get-started/current/get-started-elastic-stack.html</a:t>
-            </a:r>
-            <a:endParaRPr lang="hu-HU" dirty="0">
-              <a:latin typeface="Abadi" panose="020B0604020104020204" pitchFamily="34" charset="0"/>
-            </a:endParaRPr>
-          </a:p>
-          <a:p>
-            <a:r>
-              <a:rPr lang="hu-HU" dirty="0">
-                <a:latin typeface="Abadi" panose="020B0604020104020204" pitchFamily="34" charset="0"/>
-                <a:hlinkClick r:id="rId10"/>
-              </a:rPr>
-              <a:t>https://www.linkedin.com/company/cyansecurity/?originalSubdomain=hu</a:t>
-            </a:r>
-            <a:endParaRPr lang="hu-HU" dirty="0">
-              <a:latin typeface="Abadi" panose="020B0604020104020204" pitchFamily="34" charset="0"/>
-            </a:endParaRPr>
-          </a:p>
-          <a:p>
-            <a:r>
-              <a:rPr lang="hu-HU" dirty="0">
-                <a:latin typeface="Abadi" panose="020B0604020104020204" pitchFamily="34" charset="0"/>
-                <a:hlinkClick r:id="rId11"/>
-              </a:rPr>
-              <a:t>https://github.com/Uni-Sopron/temalabor-o21-I-NEW-Centralized-log-server</a:t>
-            </a:r>
-            <a:endParaRPr lang="hu-HU" dirty="0">
-              <a:latin typeface="Abadi" panose="020B0604020104020204" pitchFamily="34" charset="0"/>
-            </a:endParaRPr>
-          </a:p>
-          <a:p>
-            <a:endParaRPr lang="hu-HU" dirty="0"/>
-          </a:p>
-        </p:txBody>
-      </p:sp>
     </p:spTree>
     <p:extLst>
       <p:ext uri="{BB962C8B-B14F-4D97-AF65-F5344CB8AC3E}">
-        <p14:creationId xmlns:p14="http://schemas.microsoft.com/office/powerpoint/2010/main" val="1923600549"/>
+        <p14:creationId xmlns:p14="http://schemas.microsoft.com/office/powerpoint/2010/main" val="3052979044"/>
       </p:ext>
     </p:extLst>
   </p:cSld>
@@ -12699,10 +12587,125 @@
       </p:grpSpPr>
       <p:sp>
         <p:nvSpPr>
-          <p:cNvPr id="4" name="Téglalap 3">
-            <a:extLst>
-              <a:ext uri="{FF2B5EF4-FFF2-40B4-BE49-F238E27FC236}">
-                <a16:creationId xmlns:a16="http://schemas.microsoft.com/office/drawing/2014/main" xmlns="" id="{CCC4A82F-58A9-463D-9CC7-9A14B3D51291}"/>
+          <p:cNvPr id="4" name="Szövegdoboz 3">
+            <a:extLst>
+              <a:ext uri="{FF2B5EF4-FFF2-40B4-BE49-F238E27FC236}">
+                <a16:creationId xmlns:a16="http://schemas.microsoft.com/office/drawing/2014/main" id="{179BD461-825D-495E-9DA9-707A6C4326F1}"/>
+              </a:ext>
+            </a:extLst>
+          </p:cNvPr>
+          <p:cNvSpPr txBox="1"/>
+          <p:nvPr/>
+        </p:nvSpPr>
+        <p:spPr>
+          <a:xfrm>
+            <a:off x="274320" y="0"/>
+            <a:ext cx="2988319" cy="707886"/>
+          </a:xfrm>
+          <a:prstGeom prst="rect">
+            <a:avLst/>
+          </a:prstGeom>
+          <a:noFill/>
+        </p:spPr>
+        <p:txBody>
+          <a:bodyPr wrap="none" rtlCol="0">
+            <a:spAutoFit/>
+          </a:bodyPr>
+          <a:lstStyle/>
+          <a:p>
+            <a:r>
+              <a:rPr lang="hu-HU" sz="4000" b="1" dirty="0">
+                <a:solidFill>
+                  <a:srgbClr val="A01B17"/>
+                </a:solidFill>
+                <a:latin typeface="Agency FB" panose="020B0503020202020204" pitchFamily="34" charset="0"/>
+              </a:rPr>
+              <a:t>Összegzés, jövő</a:t>
+            </a:r>
+          </a:p>
+        </p:txBody>
+      </p:sp>
+      <p:pic>
+        <p:nvPicPr>
+          <p:cNvPr id="5" name="Ábra 4">
+            <a:extLst>
+              <a:ext uri="{FF2B5EF4-FFF2-40B4-BE49-F238E27FC236}">
+                <a16:creationId xmlns:a16="http://schemas.microsoft.com/office/drawing/2014/main" id="{F7FD9755-E3CE-4F32-B7E2-FA2A1B51065B}"/>
+              </a:ext>
+            </a:extLst>
+          </p:cNvPr>
+          <p:cNvPicPr>
+            <a:picLocks noChangeAspect="1"/>
+          </p:cNvPicPr>
+          <p:nvPr/>
+        </p:nvPicPr>
+        <p:blipFill>
+          <a:blip r:embed="rId2" cstate="print">
+            <a:extLst>
+              <a:ext uri="{28A0092B-C50C-407E-A947-70E740481C1C}">
+                <a14:useLocalDpi xmlns:a14="http://schemas.microsoft.com/office/drawing/2010/main" val="0"/>
+              </a:ext>
+              <a:ext uri="{96DAC541-7B7A-43D3-8B79-37D633B846F1}">
+                <asvg:svgBlip xmlns:asvg="http://schemas.microsoft.com/office/drawing/2016/SVG/main" r:embed="rId3"/>
+              </a:ext>
+            </a:extLst>
+          </a:blip>
+          <a:stretch>
+            <a:fillRect/>
+          </a:stretch>
+        </p:blipFill>
+        <p:spPr>
+          <a:xfrm>
+            <a:off x="10649436" y="5366437"/>
+            <a:ext cx="1406504" cy="1358419"/>
+          </a:xfrm>
+          <a:prstGeom prst="rect">
+            <a:avLst/>
+          </a:prstGeom>
+        </p:spPr>
+      </p:pic>
+      <p:pic>
+        <p:nvPicPr>
+          <p:cNvPr id="6" name="Kép 5">
+            <a:extLst>
+              <a:ext uri="{FF2B5EF4-FFF2-40B4-BE49-F238E27FC236}">
+                <a16:creationId xmlns:a16="http://schemas.microsoft.com/office/drawing/2014/main" id="{99603EF8-98B9-420A-AF82-C0ED661B0779}"/>
+              </a:ext>
+            </a:extLst>
+          </p:cNvPr>
+          <p:cNvPicPr>
+            <a:picLocks noChangeAspect="1"/>
+          </p:cNvPicPr>
+          <p:nvPr/>
+        </p:nvPicPr>
+        <p:blipFill>
+          <a:blip r:embed="rId4" cstate="print">
+            <a:extLst>
+              <a:ext uri="{28A0092B-C50C-407E-A947-70E740481C1C}">
+                <a14:useLocalDpi xmlns:a14="http://schemas.microsoft.com/office/drawing/2010/main" val="0"/>
+              </a:ext>
+            </a:extLst>
+          </a:blip>
+          <a:stretch>
+            <a:fillRect/>
+          </a:stretch>
+        </p:blipFill>
+        <p:spPr>
+          <a:xfrm>
+            <a:off x="11578732" y="2553"/>
+            <a:ext cx="613267" cy="613267"/>
+          </a:xfrm>
+          <a:prstGeom prst="rect">
+            <a:avLst/>
+          </a:prstGeom>
+        </p:spPr>
+      </p:pic>
+      <p:sp>
+        <p:nvSpPr>
+          <p:cNvPr id="7" name="Téglalap 6">
+            <a:extLst>
+              <a:ext uri="{FF2B5EF4-FFF2-40B4-BE49-F238E27FC236}">
+                <a16:creationId xmlns:a16="http://schemas.microsoft.com/office/drawing/2014/main" id="{26E11219-288B-46B5-8566-3FC185FA9278}"/>
               </a:ext>
             </a:extLst>
           </p:cNvPr>
@@ -12749,12 +12752,400 @@
           </a:p>
         </p:txBody>
       </p:sp>
+      <p:sp>
+        <p:nvSpPr>
+          <p:cNvPr id="8" name="Szövegdoboz 7">
+            <a:extLst>
+              <a:ext uri="{FF2B5EF4-FFF2-40B4-BE49-F238E27FC236}">
+                <a16:creationId xmlns:a16="http://schemas.microsoft.com/office/drawing/2014/main" id="{76D75C5D-5568-4AA7-8CF9-3CD73E095F9F}"/>
+              </a:ext>
+            </a:extLst>
+          </p:cNvPr>
+          <p:cNvSpPr txBox="1"/>
+          <p:nvPr/>
+        </p:nvSpPr>
+        <p:spPr>
+          <a:xfrm>
+            <a:off x="429208" y="1036567"/>
+            <a:ext cx="10787743" cy="1754326"/>
+          </a:xfrm>
+          <a:prstGeom prst="rect">
+            <a:avLst/>
+          </a:prstGeom>
+          <a:noFill/>
+        </p:spPr>
+        <p:txBody>
+          <a:bodyPr wrap="square" rtlCol="0">
+            <a:spAutoFit/>
+          </a:bodyPr>
+          <a:lstStyle/>
+          <a:p>
+            <a:r>
+              <a:rPr lang="hu-HU" dirty="0">
+                <a:latin typeface="Abadi" panose="020B0604020104020204" pitchFamily="34" charset="0"/>
+              </a:rPr>
+              <a:t>A Linux-</a:t>
+            </a:r>
+            <a:r>
+              <a:rPr lang="hu-HU" dirty="0" err="1">
+                <a:latin typeface="Abadi" panose="020B0604020104020204" pitchFamily="34" charset="0"/>
+              </a:rPr>
+              <a:t>szal</a:t>
+            </a:r>
+            <a:r>
+              <a:rPr lang="hu-HU" dirty="0">
+                <a:latin typeface="Abadi" panose="020B0604020104020204" pitchFamily="34" charset="0"/>
+              </a:rPr>
+              <a:t> való ismerkedés tette ki a munka egyik nagy részét, ezért több kérdés is nyitva maradt a jövőre nézve.</a:t>
+            </a:r>
+          </a:p>
+          <a:p>
+            <a:r>
+              <a:rPr lang="hu-HU" b="0" i="0" dirty="0">
+                <a:solidFill>
+                  <a:srgbClr val="212529"/>
+                </a:solidFill>
+                <a:effectLst/>
+                <a:latin typeface="Abadi" panose="020B0604020104020204" pitchFamily="34" charset="0"/>
+              </a:rPr>
+              <a:t>A téma célja egyfajta elmélyülés volt a </a:t>
+            </a:r>
+            <a:r>
+              <a:rPr lang="hu-HU" b="0" i="0" dirty="0" err="1">
+                <a:solidFill>
+                  <a:srgbClr val="212529"/>
+                </a:solidFill>
+                <a:effectLst/>
+                <a:latin typeface="Abadi" panose="020B0604020104020204" pitchFamily="34" charset="0"/>
+              </a:rPr>
+              <a:t>linux</a:t>
+            </a:r>
+            <a:r>
+              <a:rPr lang="hu-HU" b="0" i="0" dirty="0">
+                <a:solidFill>
+                  <a:srgbClr val="212529"/>
+                </a:solidFill>
+                <a:effectLst/>
+                <a:latin typeface="Abadi" panose="020B0604020104020204" pitchFamily="34" charset="0"/>
+              </a:rPr>
+              <a:t>-alapú rendszerek, a naplózás és a centralizált log szerverek világában.</a:t>
+            </a:r>
+          </a:p>
+          <a:p>
+            <a:r>
+              <a:rPr lang="hu-HU" dirty="0">
+                <a:solidFill>
+                  <a:srgbClr val="212529"/>
+                </a:solidFill>
+                <a:latin typeface="Abadi" panose="020B0604020104020204" pitchFamily="34" charset="0"/>
+              </a:rPr>
+              <a:t>Láttuk, hogy nagy hálózatok esetében elengedhetetlen a központi naplógyűjtés.</a:t>
+            </a:r>
+            <a:r>
+              <a:rPr lang="hu-HU" b="0" i="0" dirty="0">
+                <a:solidFill>
+                  <a:srgbClr val="212529"/>
+                </a:solidFill>
+                <a:effectLst/>
+                <a:latin typeface="Abadi" panose="020B0604020104020204" pitchFamily="34" charset="0"/>
+              </a:rPr>
+              <a:t> Három elterjedt nyílt technológiával ismerkedtünk meg, és némi tapasztalatot szereztünk a rendszergazdai feladatok körében.</a:t>
+            </a:r>
+            <a:endParaRPr lang="hu-HU" dirty="0">
+              <a:latin typeface="Abadi" panose="020B0604020104020204" pitchFamily="34" charset="0"/>
+            </a:endParaRPr>
+          </a:p>
+        </p:txBody>
+      </p:sp>
+      <p:sp>
+        <p:nvSpPr>
+          <p:cNvPr id="9" name="Szövegdoboz 8">
+            <a:extLst>
+              <a:ext uri="{FF2B5EF4-FFF2-40B4-BE49-F238E27FC236}">
+                <a16:creationId xmlns:a16="http://schemas.microsoft.com/office/drawing/2014/main" id="{7DAD8E63-A683-4C39-BA9D-B7B280A0F386}"/>
+              </a:ext>
+            </a:extLst>
+          </p:cNvPr>
+          <p:cNvSpPr txBox="1"/>
+          <p:nvPr/>
+        </p:nvSpPr>
+        <p:spPr>
+          <a:xfrm>
+            <a:off x="429208" y="3064630"/>
+            <a:ext cx="9834744" cy="1754326"/>
+          </a:xfrm>
+          <a:prstGeom prst="rect">
+            <a:avLst/>
+          </a:prstGeom>
+          <a:noFill/>
+        </p:spPr>
+        <p:txBody>
+          <a:bodyPr wrap="none" rtlCol="0">
+            <a:spAutoFit/>
+          </a:bodyPr>
+          <a:lstStyle/>
+          <a:p>
+            <a:pPr algn="just"/>
+            <a:r>
+              <a:rPr lang="hu-HU" b="0" i="0" dirty="0">
+                <a:solidFill>
+                  <a:srgbClr val="212529"/>
+                </a:solidFill>
+                <a:effectLst/>
+                <a:latin typeface="Abadi" panose="020B0604020104020204" pitchFamily="34" charset="0"/>
+              </a:rPr>
+              <a:t>A félév végén tartott konzultáción a </a:t>
+            </a:r>
+            <a:r>
+              <a:rPr lang="hu-HU" b="0" i="0" dirty="0" err="1">
+                <a:solidFill>
+                  <a:srgbClr val="212529"/>
+                </a:solidFill>
+                <a:effectLst/>
+                <a:latin typeface="Abadi" panose="020B0604020104020204" pitchFamily="34" charset="0"/>
+              </a:rPr>
+              <a:t>cyan</a:t>
+            </a:r>
+            <a:r>
+              <a:rPr lang="hu-HU" b="0" i="0" dirty="0">
+                <a:solidFill>
+                  <a:srgbClr val="212529"/>
+                </a:solidFill>
+                <a:effectLst/>
+                <a:latin typeface="Abadi" panose="020B0604020104020204" pitchFamily="34" charset="0"/>
+              </a:rPr>
+              <a:t> </a:t>
+            </a:r>
+            <a:r>
+              <a:rPr lang="hu-HU" b="0" i="0" dirty="0" err="1">
+                <a:solidFill>
+                  <a:srgbClr val="212529"/>
+                </a:solidFill>
+                <a:effectLst/>
+                <a:latin typeface="Abadi" panose="020B0604020104020204" pitchFamily="34" charset="0"/>
+              </a:rPr>
+              <a:t>Security</a:t>
+            </a:r>
+            <a:r>
+              <a:rPr lang="hu-HU" b="0" i="0" dirty="0">
+                <a:solidFill>
+                  <a:srgbClr val="212529"/>
+                </a:solidFill>
+                <a:effectLst/>
+                <a:latin typeface="Abadi" panose="020B0604020104020204" pitchFamily="34" charset="0"/>
+              </a:rPr>
+              <a:t> két lehetséges </a:t>
+            </a:r>
+            <a:r>
+              <a:rPr lang="hu-HU" b="0" i="0" dirty="0" err="1">
+                <a:solidFill>
+                  <a:srgbClr val="212529"/>
+                </a:solidFill>
+                <a:effectLst/>
+                <a:latin typeface="Abadi" panose="020B0604020104020204" pitchFamily="34" charset="0"/>
+              </a:rPr>
+              <a:t>továbbhaladási</a:t>
+            </a:r>
+            <a:r>
+              <a:rPr lang="hu-HU" b="0" i="0" dirty="0">
+                <a:solidFill>
+                  <a:srgbClr val="212529"/>
+                </a:solidFill>
+                <a:effectLst/>
+                <a:latin typeface="Abadi" panose="020B0604020104020204" pitchFamily="34" charset="0"/>
+              </a:rPr>
+              <a:t> irányt jelölt meg:</a:t>
+            </a:r>
+          </a:p>
+          <a:p>
+            <a:pPr algn="just"/>
+            <a:endParaRPr lang="hu-HU" b="1" dirty="0">
+              <a:solidFill>
+                <a:srgbClr val="212529"/>
+              </a:solidFill>
+              <a:latin typeface="Abadi" panose="020B0604020104020204" pitchFamily="34" charset="0"/>
+            </a:endParaRPr>
+          </a:p>
+          <a:p>
+            <a:pPr marL="342900" indent="-342900" algn="just">
+              <a:buFont typeface="+mj-lt"/>
+              <a:buAutoNum type="arabicPeriod"/>
+            </a:pPr>
+            <a:r>
+              <a:rPr lang="hu-HU" b="1" i="0" dirty="0">
+                <a:solidFill>
+                  <a:srgbClr val="212529"/>
+                </a:solidFill>
+                <a:effectLst/>
+                <a:latin typeface="Abadi" panose="020B0604020104020204" pitchFamily="34" charset="0"/>
+              </a:rPr>
+              <a:t>Big Data feldolgozás</a:t>
+            </a:r>
+          </a:p>
+          <a:p>
+            <a:pPr marL="342900" indent="-342900" algn="just">
+              <a:buFont typeface="+mj-lt"/>
+              <a:buAutoNum type="arabicPeriod"/>
+            </a:pPr>
+            <a:r>
+              <a:rPr lang="hu-HU" b="1" dirty="0">
+                <a:solidFill>
+                  <a:srgbClr val="212529"/>
+                </a:solidFill>
+                <a:latin typeface="Abadi" panose="020B0604020104020204" pitchFamily="34" charset="0"/>
+              </a:rPr>
+              <a:t>Infrastruktúra optimalizáció, klaszterek</a:t>
+            </a:r>
+            <a:endParaRPr lang="hu-HU" b="1" i="0" dirty="0">
+              <a:solidFill>
+                <a:srgbClr val="212529"/>
+              </a:solidFill>
+              <a:effectLst/>
+              <a:latin typeface="Abadi" panose="020B0604020104020204" pitchFamily="34" charset="0"/>
+            </a:endParaRPr>
+          </a:p>
+          <a:p>
+            <a:br>
+              <a:rPr lang="hu-HU" b="0" i="0" dirty="0">
+                <a:solidFill>
+                  <a:srgbClr val="212529"/>
+                </a:solidFill>
+                <a:effectLst/>
+                <a:latin typeface="system-ui"/>
+              </a:rPr>
+            </a:br>
+            <a:endParaRPr lang="hu-HU" dirty="0"/>
+          </a:p>
+        </p:txBody>
+      </p:sp>
+    </p:spTree>
+    <p:extLst>
+      <p:ext uri="{BB962C8B-B14F-4D97-AF65-F5344CB8AC3E}">
+        <p14:creationId xmlns:p14="http://schemas.microsoft.com/office/powerpoint/2010/main" val="4101292433"/>
+      </p:ext>
+    </p:extLst>
+  </p:cSld>
+  <p:clrMapOvr>
+    <a:masterClrMapping/>
+  </p:clrMapOvr>
+</p:sld>
+</file>
+
+<file path=ppt/slides/slide28.xml><?xml version="1.0" encoding="utf-8"?>
+<p:sld xmlns:a="http://schemas.openxmlformats.org/drawingml/2006/main" xmlns:r="http://schemas.openxmlformats.org/officeDocument/2006/relationships" xmlns:p="http://schemas.openxmlformats.org/presentationml/2006/main">
+  <p:cSld>
+    <p:spTree>
+      <p:nvGrpSpPr>
+        <p:cNvPr id="1" name=""/>
+        <p:cNvGrpSpPr/>
+        <p:nvPr/>
+      </p:nvGrpSpPr>
+      <p:grpSpPr>
+        <a:xfrm>
+          <a:off x="0" y="0"/>
+          <a:ext cx="0" cy="0"/>
+          <a:chOff x="0" y="0"/>
+          <a:chExt cx="0" cy="0"/>
+        </a:xfrm>
+      </p:grpSpPr>
+      <p:sp>
+        <p:nvSpPr>
+          <p:cNvPr id="4" name="Szövegdoboz 3">
+            <a:extLst>
+              <a:ext uri="{FF2B5EF4-FFF2-40B4-BE49-F238E27FC236}">
+                <a16:creationId xmlns:a16="http://schemas.microsoft.com/office/drawing/2014/main" id="{742FFBEE-7163-4E7E-848A-D4A4511A9A0D}"/>
+              </a:ext>
+            </a:extLst>
+          </p:cNvPr>
+          <p:cNvSpPr txBox="1"/>
+          <p:nvPr/>
+        </p:nvSpPr>
+        <p:spPr>
+          <a:xfrm>
+            <a:off x="274320" y="-92066"/>
+            <a:ext cx="4467890" cy="707886"/>
+          </a:xfrm>
+          <a:prstGeom prst="rect">
+            <a:avLst/>
+          </a:prstGeom>
+          <a:noFill/>
+        </p:spPr>
+        <p:txBody>
+          <a:bodyPr wrap="none" rtlCol="0">
+            <a:spAutoFit/>
+          </a:bodyPr>
+          <a:lstStyle/>
+          <a:p>
+            <a:r>
+              <a:rPr lang="hu-HU" sz="4000" b="1" dirty="0">
+                <a:solidFill>
+                  <a:srgbClr val="A01B17"/>
+                </a:solidFill>
+                <a:latin typeface="Agency FB" panose="020B0503020202020204" pitchFamily="34" charset="0"/>
+              </a:rPr>
+              <a:t>Hasznos linkek, források</a:t>
+            </a:r>
+          </a:p>
+        </p:txBody>
+      </p:sp>
+      <p:sp>
+        <p:nvSpPr>
+          <p:cNvPr id="5" name="Téglalap 4">
+            <a:extLst>
+              <a:ext uri="{FF2B5EF4-FFF2-40B4-BE49-F238E27FC236}">
+                <a16:creationId xmlns:a16="http://schemas.microsoft.com/office/drawing/2014/main" id="{9B82128D-BA48-43D0-9AF7-08CB7D7588E1}"/>
+              </a:ext>
+            </a:extLst>
+          </p:cNvPr>
+          <p:cNvSpPr/>
+          <p:nvPr/>
+        </p:nvSpPr>
+        <p:spPr>
+          <a:xfrm>
+            <a:off x="0" y="0"/>
+            <a:ext cx="274320" cy="6858000"/>
+          </a:xfrm>
+          <a:prstGeom prst="rect">
+            <a:avLst/>
+          </a:prstGeom>
+          <a:solidFill>
+            <a:srgbClr val="A01B17"/>
+          </a:solidFill>
+          <a:ln>
+            <a:noFill/>
+          </a:ln>
+        </p:spPr>
+        <p:style>
+          <a:lnRef idx="2">
+            <a:schemeClr val="accent1">
+              <a:shade val="50000"/>
+            </a:schemeClr>
+          </a:lnRef>
+          <a:fillRef idx="1">
+            <a:schemeClr val="accent1"/>
+          </a:fillRef>
+          <a:effectRef idx="0">
+            <a:schemeClr val="accent1"/>
+          </a:effectRef>
+          <a:fontRef idx="minor">
+            <a:schemeClr val="lt1"/>
+          </a:fontRef>
+        </p:style>
+        <p:txBody>
+          <a:bodyPr rtlCol="0" anchor="ctr"/>
+          <a:lstStyle/>
+          <a:p>
+            <a:pPr algn="ctr"/>
+            <a:endParaRPr lang="hu-HU"/>
+          </a:p>
+        </p:txBody>
+      </p:sp>
       <p:pic>
         <p:nvPicPr>
-          <p:cNvPr id="5" name="Ábra 4">
-            <a:extLst>
-              <a:ext uri="{FF2B5EF4-FFF2-40B4-BE49-F238E27FC236}">
-                <a16:creationId xmlns:a16="http://schemas.microsoft.com/office/drawing/2014/main" xmlns="" id="{97536270-8590-4BBC-89D6-4BEA9FD878D4}"/>
+          <p:cNvPr id="6" name="Ábra 5">
+            <a:extLst>
+              <a:ext uri="{FF2B5EF4-FFF2-40B4-BE49-F238E27FC236}">
+                <a16:creationId xmlns:a16="http://schemas.microsoft.com/office/drawing/2014/main" id="{9539EE2E-6FBF-4FC5-99FA-54E5D445FEC8}"/>
               </a:ext>
             </a:extLst>
           </p:cNvPr>
@@ -12770,7 +13161,7 @@
                 <a14:useLocalDpi xmlns:a14="http://schemas.microsoft.com/office/drawing/2010/main" val="0"/>
               </a:ext>
               <a:ext uri="{96DAC541-7B7A-43D3-8B79-37D633B846F1}">
-                <asvg:svgBlip xmlns:asvg="http://schemas.microsoft.com/office/drawing/2016/SVG/main" xmlns="" r:embed="rId3"/>
+                <asvg:svgBlip xmlns:asvg="http://schemas.microsoft.com/office/drawing/2016/SVG/main" r:embed="rId3"/>
               </a:ext>
             </a:extLst>
           </a:blip>
@@ -12790,10 +13181,10 @@
       </p:pic>
       <p:pic>
         <p:nvPicPr>
-          <p:cNvPr id="6" name="Kép 5">
-            <a:extLst>
-              <a:ext uri="{FF2B5EF4-FFF2-40B4-BE49-F238E27FC236}">
-                <a16:creationId xmlns:a16="http://schemas.microsoft.com/office/drawing/2014/main" xmlns="" id="{C0BB0118-0F80-4285-ABF6-8DD38EF484B9}"/>
+          <p:cNvPr id="7" name="Kép 6">
+            <a:extLst>
+              <a:ext uri="{FF2B5EF4-FFF2-40B4-BE49-F238E27FC236}">
+                <a16:creationId xmlns:a16="http://schemas.microsoft.com/office/drawing/2014/main" id="{63F02832-5F07-4F27-9FD5-9B08121767DF}"/>
               </a:ext>
             </a:extLst>
           </p:cNvPr>
@@ -12826,10 +13217,283 @@
       </p:pic>
       <p:sp>
         <p:nvSpPr>
+          <p:cNvPr id="8" name="Szövegdoboz 7">
+            <a:extLst>
+              <a:ext uri="{FF2B5EF4-FFF2-40B4-BE49-F238E27FC236}">
+                <a16:creationId xmlns:a16="http://schemas.microsoft.com/office/drawing/2014/main" id="{0AD34D30-865D-41AB-8E35-EA14CFE48A81}"/>
+              </a:ext>
+            </a:extLst>
+          </p:cNvPr>
+          <p:cNvSpPr txBox="1"/>
+          <p:nvPr/>
+        </p:nvSpPr>
+        <p:spPr>
+          <a:xfrm>
+            <a:off x="470643" y="1277054"/>
+            <a:ext cx="9477274" cy="2308324"/>
+          </a:xfrm>
+          <a:prstGeom prst="rect">
+            <a:avLst/>
+          </a:prstGeom>
+          <a:noFill/>
+        </p:spPr>
+        <p:txBody>
+          <a:bodyPr wrap="none" rtlCol="0">
+            <a:spAutoFit/>
+          </a:bodyPr>
+          <a:lstStyle/>
+          <a:p>
+            <a:r>
+              <a:rPr lang="hu-HU" dirty="0">
+                <a:latin typeface="Abadi" panose="020B0604020104020204" pitchFamily="34" charset="0"/>
+                <a:hlinkClick r:id="rId5"/>
+              </a:rPr>
+              <a:t>https://www.elastic.co/</a:t>
+            </a:r>
+            <a:endParaRPr lang="hu-HU" dirty="0">
+              <a:latin typeface="Abadi" panose="020B0604020104020204" pitchFamily="34" charset="0"/>
+            </a:endParaRPr>
+          </a:p>
+          <a:p>
+            <a:r>
+              <a:rPr lang="hu-HU" dirty="0">
+                <a:latin typeface="Abadi" panose="020B0604020104020204" pitchFamily="34" charset="0"/>
+                <a:hlinkClick r:id="rId6"/>
+              </a:rPr>
+              <a:t>https://www.fluentd.org/</a:t>
+            </a:r>
+            <a:endParaRPr lang="hu-HU" dirty="0">
+              <a:latin typeface="Abadi" panose="020B0604020104020204" pitchFamily="34" charset="0"/>
+            </a:endParaRPr>
+          </a:p>
+          <a:p>
+            <a:r>
+              <a:rPr lang="hu-HU" dirty="0">
+                <a:latin typeface="Abadi" panose="020B0604020104020204" pitchFamily="34" charset="0"/>
+                <a:hlinkClick r:id="rId7"/>
+              </a:rPr>
+              <a:t>https://www.graylog.org/</a:t>
+            </a:r>
+            <a:endParaRPr lang="hu-HU" dirty="0">
+              <a:latin typeface="Abadi" panose="020B0604020104020204" pitchFamily="34" charset="0"/>
+            </a:endParaRPr>
+          </a:p>
+          <a:p>
+            <a:r>
+              <a:rPr lang="hu-HU" dirty="0">
+                <a:latin typeface="Abadi" panose="020B0604020104020204" pitchFamily="34" charset="0"/>
+                <a:hlinkClick r:id="rId8"/>
+              </a:rPr>
+              <a:t>https://github.com/hpcugent/logstash-patterns/blob/master/files/grok-patterns</a:t>
+            </a:r>
+            <a:endParaRPr lang="hu-HU" dirty="0">
+              <a:latin typeface="Abadi" panose="020B0604020104020204" pitchFamily="34" charset="0"/>
+            </a:endParaRPr>
+          </a:p>
+          <a:p>
+            <a:r>
+              <a:rPr lang="hu-HU" dirty="0">
+                <a:latin typeface="Abadi" panose="020B0604020104020204" pitchFamily="34" charset="0"/>
+                <a:hlinkClick r:id="rId9"/>
+              </a:rPr>
+              <a:t>https://www.elastic.co/guide/en/elastic-stack-get-started/current/get-started-elastic-stack.html</a:t>
+            </a:r>
+            <a:endParaRPr lang="hu-HU" dirty="0">
+              <a:latin typeface="Abadi" panose="020B0604020104020204" pitchFamily="34" charset="0"/>
+            </a:endParaRPr>
+          </a:p>
+          <a:p>
+            <a:r>
+              <a:rPr lang="hu-HU" dirty="0">
+                <a:latin typeface="Abadi" panose="020B0604020104020204" pitchFamily="34" charset="0"/>
+                <a:hlinkClick r:id="rId10"/>
+              </a:rPr>
+              <a:t>https://www.linkedin.com/company/cyansecurity/?originalSubdomain=hu</a:t>
+            </a:r>
+            <a:endParaRPr lang="hu-HU" dirty="0">
+              <a:latin typeface="Abadi" panose="020B0604020104020204" pitchFamily="34" charset="0"/>
+            </a:endParaRPr>
+          </a:p>
+          <a:p>
+            <a:r>
+              <a:rPr lang="hu-HU" dirty="0">
+                <a:latin typeface="Abadi" panose="020B0604020104020204" pitchFamily="34" charset="0"/>
+                <a:hlinkClick r:id="rId11"/>
+              </a:rPr>
+              <a:t>https://github.com/Uni-Sopron/temalabor-o21-I-NEW-Centralized-log-server</a:t>
+            </a:r>
+            <a:endParaRPr lang="hu-HU" dirty="0">
+              <a:latin typeface="Abadi" panose="020B0604020104020204" pitchFamily="34" charset="0"/>
+            </a:endParaRPr>
+          </a:p>
+          <a:p>
+            <a:endParaRPr lang="hu-HU" dirty="0"/>
+          </a:p>
+        </p:txBody>
+      </p:sp>
+    </p:spTree>
+    <p:extLst>
+      <p:ext uri="{BB962C8B-B14F-4D97-AF65-F5344CB8AC3E}">
+        <p14:creationId xmlns:p14="http://schemas.microsoft.com/office/powerpoint/2010/main" val="1923600549"/>
+      </p:ext>
+    </p:extLst>
+  </p:cSld>
+  <p:clrMapOvr>
+    <a:masterClrMapping/>
+  </p:clrMapOvr>
+</p:sld>
+</file>
+
+<file path=ppt/slides/slide29.xml><?xml version="1.0" encoding="utf-8"?>
+<p:sld xmlns:a="http://schemas.openxmlformats.org/drawingml/2006/main" xmlns:r="http://schemas.openxmlformats.org/officeDocument/2006/relationships" xmlns:p="http://schemas.openxmlformats.org/presentationml/2006/main">
+  <p:cSld>
+    <p:spTree>
+      <p:nvGrpSpPr>
+        <p:cNvPr id="1" name=""/>
+        <p:cNvGrpSpPr/>
+        <p:nvPr/>
+      </p:nvGrpSpPr>
+      <p:grpSpPr>
+        <a:xfrm>
+          <a:off x="0" y="0"/>
+          <a:ext cx="0" cy="0"/>
+          <a:chOff x="0" y="0"/>
+          <a:chExt cx="0" cy="0"/>
+        </a:xfrm>
+      </p:grpSpPr>
+      <p:sp>
+        <p:nvSpPr>
+          <p:cNvPr id="4" name="Téglalap 3">
+            <a:extLst>
+              <a:ext uri="{FF2B5EF4-FFF2-40B4-BE49-F238E27FC236}">
+                <a16:creationId xmlns:a16="http://schemas.microsoft.com/office/drawing/2014/main" id="{CCC4A82F-58A9-463D-9CC7-9A14B3D51291}"/>
+              </a:ext>
+            </a:extLst>
+          </p:cNvPr>
+          <p:cNvSpPr/>
+          <p:nvPr/>
+        </p:nvSpPr>
+        <p:spPr>
+          <a:xfrm>
+            <a:off x="0" y="0"/>
+            <a:ext cx="274320" cy="6858000"/>
+          </a:xfrm>
+          <a:prstGeom prst="rect">
+            <a:avLst/>
+          </a:prstGeom>
+          <a:solidFill>
+            <a:srgbClr val="A01B17"/>
+          </a:solidFill>
+          <a:ln>
+            <a:noFill/>
+          </a:ln>
+        </p:spPr>
+        <p:style>
+          <a:lnRef idx="2">
+            <a:schemeClr val="accent1">
+              <a:shade val="50000"/>
+            </a:schemeClr>
+          </a:lnRef>
+          <a:fillRef idx="1">
+            <a:schemeClr val="accent1"/>
+          </a:fillRef>
+          <a:effectRef idx="0">
+            <a:schemeClr val="accent1"/>
+          </a:effectRef>
+          <a:fontRef idx="minor">
+            <a:schemeClr val="lt1"/>
+          </a:fontRef>
+        </p:style>
+        <p:txBody>
+          <a:bodyPr rtlCol="0" anchor="ctr"/>
+          <a:lstStyle/>
+          <a:p>
+            <a:pPr algn="ctr"/>
+            <a:endParaRPr lang="hu-HU"/>
+          </a:p>
+        </p:txBody>
+      </p:sp>
+      <p:pic>
+        <p:nvPicPr>
+          <p:cNvPr id="5" name="Ábra 4">
+            <a:extLst>
+              <a:ext uri="{FF2B5EF4-FFF2-40B4-BE49-F238E27FC236}">
+                <a16:creationId xmlns:a16="http://schemas.microsoft.com/office/drawing/2014/main" id="{97536270-8590-4BBC-89D6-4BEA9FD878D4}"/>
+              </a:ext>
+            </a:extLst>
+          </p:cNvPr>
+          <p:cNvPicPr>
+            <a:picLocks noChangeAspect="1"/>
+          </p:cNvPicPr>
+          <p:nvPr/>
+        </p:nvPicPr>
+        <p:blipFill>
+          <a:blip r:embed="rId2" cstate="print">
+            <a:extLst>
+              <a:ext uri="{28A0092B-C50C-407E-A947-70E740481C1C}">
+                <a14:useLocalDpi xmlns:a14="http://schemas.microsoft.com/office/drawing/2010/main" val="0"/>
+              </a:ext>
+              <a:ext uri="{96DAC541-7B7A-43D3-8B79-37D633B846F1}">
+                <asvg:svgBlip xmlns:asvg="http://schemas.microsoft.com/office/drawing/2016/SVG/main" r:embed="rId3"/>
+              </a:ext>
+            </a:extLst>
+          </a:blip>
+          <a:stretch>
+            <a:fillRect/>
+          </a:stretch>
+        </p:blipFill>
+        <p:spPr>
+          <a:xfrm>
+            <a:off x="10649436" y="5366437"/>
+            <a:ext cx="1406504" cy="1358419"/>
+          </a:xfrm>
+          <a:prstGeom prst="rect">
+            <a:avLst/>
+          </a:prstGeom>
+        </p:spPr>
+      </p:pic>
+      <p:pic>
+        <p:nvPicPr>
+          <p:cNvPr id="6" name="Kép 5">
+            <a:extLst>
+              <a:ext uri="{FF2B5EF4-FFF2-40B4-BE49-F238E27FC236}">
+                <a16:creationId xmlns:a16="http://schemas.microsoft.com/office/drawing/2014/main" id="{C0BB0118-0F80-4285-ABF6-8DD38EF484B9}"/>
+              </a:ext>
+            </a:extLst>
+          </p:cNvPr>
+          <p:cNvPicPr>
+            <a:picLocks noChangeAspect="1"/>
+          </p:cNvPicPr>
+          <p:nvPr/>
+        </p:nvPicPr>
+        <p:blipFill>
+          <a:blip r:embed="rId4" cstate="print">
+            <a:extLst>
+              <a:ext uri="{28A0092B-C50C-407E-A947-70E740481C1C}">
+                <a14:useLocalDpi xmlns:a14="http://schemas.microsoft.com/office/drawing/2010/main" val="0"/>
+              </a:ext>
+            </a:extLst>
+          </a:blip>
+          <a:stretch>
+            <a:fillRect/>
+          </a:stretch>
+        </p:blipFill>
+        <p:spPr>
+          <a:xfrm>
+            <a:off x="11578732" y="2553"/>
+            <a:ext cx="613267" cy="613267"/>
+          </a:xfrm>
+          <a:prstGeom prst="rect">
+            <a:avLst/>
+          </a:prstGeom>
+        </p:spPr>
+      </p:pic>
+      <p:sp>
+        <p:nvSpPr>
           <p:cNvPr id="7" name="Szövegdoboz 6">
             <a:extLst>
               <a:ext uri="{FF2B5EF4-FFF2-40B4-BE49-F238E27FC236}">
-                <a16:creationId xmlns:a16="http://schemas.microsoft.com/office/drawing/2014/main" xmlns="" id="{B730E880-200A-47AE-8C31-990FD33B7DE9}"/>
+                <a16:creationId xmlns:a16="http://schemas.microsoft.com/office/drawing/2014/main" id="{B730E880-200A-47AE-8C31-990FD33B7DE9}"/>
               </a:ext>
             </a:extLst>
           </p:cNvPr>
@@ -12899,7 +13563,7 @@
           <p:cNvPr id="4" name="Téglalap 3">
             <a:extLst>
               <a:ext uri="{FF2B5EF4-FFF2-40B4-BE49-F238E27FC236}">
-                <a16:creationId xmlns:a16="http://schemas.microsoft.com/office/drawing/2014/main" xmlns="" id="{45961AA9-C86C-428D-B7E8-C648176DC541}"/>
+                <a16:creationId xmlns:a16="http://schemas.microsoft.com/office/drawing/2014/main" id="{45961AA9-C86C-428D-B7E8-C648176DC541}"/>
               </a:ext>
             </a:extLst>
           </p:cNvPr>
@@ -12951,7 +13615,7 @@
           <p:cNvPr id="5" name="Kép 4">
             <a:extLst>
               <a:ext uri="{FF2B5EF4-FFF2-40B4-BE49-F238E27FC236}">
-                <a16:creationId xmlns:a16="http://schemas.microsoft.com/office/drawing/2014/main" xmlns="" id="{AB61265D-BCDD-4D5F-8BCE-29F7340DB460}"/>
+                <a16:creationId xmlns:a16="http://schemas.microsoft.com/office/drawing/2014/main" id="{AB61265D-BCDD-4D5F-8BCE-29F7340DB460}"/>
               </a:ext>
             </a:extLst>
           </p:cNvPr>
@@ -12987,7 +13651,7 @@
           <p:cNvPr id="6" name="Ábra 5">
             <a:extLst>
               <a:ext uri="{FF2B5EF4-FFF2-40B4-BE49-F238E27FC236}">
-                <a16:creationId xmlns:a16="http://schemas.microsoft.com/office/drawing/2014/main" xmlns="" id="{53C49138-3959-4C9B-9B7C-386D9E702CA9}"/>
+                <a16:creationId xmlns:a16="http://schemas.microsoft.com/office/drawing/2014/main" id="{53C49138-3959-4C9B-9B7C-386D9E702CA9}"/>
               </a:ext>
             </a:extLst>
           </p:cNvPr>
@@ -13003,7 +13667,7 @@
                 <a14:useLocalDpi xmlns:a14="http://schemas.microsoft.com/office/drawing/2010/main" val="0"/>
               </a:ext>
               <a:ext uri="{96DAC541-7B7A-43D3-8B79-37D633B846F1}">
-                <asvg:svgBlip xmlns:asvg="http://schemas.microsoft.com/office/drawing/2016/SVG/main" xmlns="" r:embed="rId4"/>
+                <asvg:svgBlip xmlns:asvg="http://schemas.microsoft.com/office/drawing/2016/SVG/main" r:embed="rId4"/>
               </a:ext>
             </a:extLst>
           </a:blip>
@@ -13026,7 +13690,7 @@
           <p:cNvPr id="7" name="Szövegdoboz 6">
             <a:extLst>
               <a:ext uri="{FF2B5EF4-FFF2-40B4-BE49-F238E27FC236}">
-                <a16:creationId xmlns:a16="http://schemas.microsoft.com/office/drawing/2014/main" xmlns="" id="{535FE34D-BFF7-46DA-8AAB-75513EBCDDF1}"/>
+                <a16:creationId xmlns:a16="http://schemas.microsoft.com/office/drawing/2014/main" id="{535FE34D-BFF7-46DA-8AAB-75513EBCDDF1}"/>
               </a:ext>
             </a:extLst>
           </p:cNvPr>
@@ -13066,7 +13730,7 @@
           <p:cNvPr id="8" name="Téglalap: lekerekített 7">
             <a:extLst>
               <a:ext uri="{FF2B5EF4-FFF2-40B4-BE49-F238E27FC236}">
-                <a16:creationId xmlns:a16="http://schemas.microsoft.com/office/drawing/2014/main" xmlns="" id="{81099C24-8A21-45B8-8DDF-C3B5A5D876FF}"/>
+                <a16:creationId xmlns:a16="http://schemas.microsoft.com/office/drawing/2014/main" id="{81099C24-8A21-45B8-8DDF-C3B5A5D876FF}"/>
               </a:ext>
             </a:extLst>
           </p:cNvPr>
@@ -13113,7 +13777,7 @@
           <p:cNvPr id="9" name="Szövegdoboz 8">
             <a:extLst>
               <a:ext uri="{FF2B5EF4-FFF2-40B4-BE49-F238E27FC236}">
-                <a16:creationId xmlns:a16="http://schemas.microsoft.com/office/drawing/2014/main" xmlns="" id="{518BC82B-ECA4-445B-92A2-36CC9526ADAA}"/>
+                <a16:creationId xmlns:a16="http://schemas.microsoft.com/office/drawing/2014/main" id="{518BC82B-ECA4-445B-92A2-36CC9526ADAA}"/>
               </a:ext>
             </a:extLst>
           </p:cNvPr>
@@ -13151,7 +13815,7 @@
           <p:cNvPr id="10" name="Téglalap: lekerekített 9">
             <a:extLst>
               <a:ext uri="{FF2B5EF4-FFF2-40B4-BE49-F238E27FC236}">
-                <a16:creationId xmlns:a16="http://schemas.microsoft.com/office/drawing/2014/main" xmlns="" id="{1BC0711C-8E1A-4021-B8EF-BAC180C56245}"/>
+                <a16:creationId xmlns:a16="http://schemas.microsoft.com/office/drawing/2014/main" id="{1BC0711C-8E1A-4021-B8EF-BAC180C56245}"/>
               </a:ext>
             </a:extLst>
           </p:cNvPr>
@@ -13198,7 +13862,7 @@
           <p:cNvPr id="11" name="Téglalap: lekerekített 10">
             <a:extLst>
               <a:ext uri="{FF2B5EF4-FFF2-40B4-BE49-F238E27FC236}">
-                <a16:creationId xmlns:a16="http://schemas.microsoft.com/office/drawing/2014/main" xmlns="" id="{1E7D8B1B-38AB-469B-AD4D-8E2AA0B7420C}"/>
+                <a16:creationId xmlns:a16="http://schemas.microsoft.com/office/drawing/2014/main" id="{1E7D8B1B-38AB-469B-AD4D-8E2AA0B7420C}"/>
               </a:ext>
             </a:extLst>
           </p:cNvPr>
@@ -13245,7 +13909,7 @@
           <p:cNvPr id="12" name="Téglalap: lekerekített 11">
             <a:extLst>
               <a:ext uri="{FF2B5EF4-FFF2-40B4-BE49-F238E27FC236}">
-                <a16:creationId xmlns:a16="http://schemas.microsoft.com/office/drawing/2014/main" xmlns="" id="{CD8DB634-1005-46AB-BD84-43F7EE4221AB}"/>
+                <a16:creationId xmlns:a16="http://schemas.microsoft.com/office/drawing/2014/main" id="{CD8DB634-1005-46AB-BD84-43F7EE4221AB}"/>
               </a:ext>
             </a:extLst>
           </p:cNvPr>
@@ -13292,7 +13956,7 @@
           <p:cNvPr id="13" name="Szövegdoboz 12">
             <a:extLst>
               <a:ext uri="{FF2B5EF4-FFF2-40B4-BE49-F238E27FC236}">
-                <a16:creationId xmlns:a16="http://schemas.microsoft.com/office/drawing/2014/main" xmlns="" id="{5CCA86C9-EB4B-4D57-815C-2D4D6CF93995}"/>
+                <a16:creationId xmlns:a16="http://schemas.microsoft.com/office/drawing/2014/main" id="{5CCA86C9-EB4B-4D57-815C-2D4D6CF93995}"/>
               </a:ext>
             </a:extLst>
           </p:cNvPr>
@@ -13330,7 +13994,7 @@
           <p:cNvPr id="14" name="Szövegdoboz 13">
             <a:extLst>
               <a:ext uri="{FF2B5EF4-FFF2-40B4-BE49-F238E27FC236}">
-                <a16:creationId xmlns:a16="http://schemas.microsoft.com/office/drawing/2014/main" xmlns="" id="{50F51BCF-1BD0-43C8-872D-CD88C7A65EBA}"/>
+                <a16:creationId xmlns:a16="http://schemas.microsoft.com/office/drawing/2014/main" id="{50F51BCF-1BD0-43C8-872D-CD88C7A65EBA}"/>
               </a:ext>
             </a:extLst>
           </p:cNvPr>
@@ -13368,7 +14032,7 @@
           <p:cNvPr id="15" name="Szövegdoboz 14">
             <a:extLst>
               <a:ext uri="{FF2B5EF4-FFF2-40B4-BE49-F238E27FC236}">
-                <a16:creationId xmlns:a16="http://schemas.microsoft.com/office/drawing/2014/main" xmlns="" id="{12667A7A-979D-45B1-9EF4-0F3CE6041316}"/>
+                <a16:creationId xmlns:a16="http://schemas.microsoft.com/office/drawing/2014/main" id="{12667A7A-979D-45B1-9EF4-0F3CE6041316}"/>
               </a:ext>
             </a:extLst>
           </p:cNvPr>
@@ -13406,7 +14070,7 @@
           <p:cNvPr id="20" name="Kép 19">
             <a:extLst>
               <a:ext uri="{FF2B5EF4-FFF2-40B4-BE49-F238E27FC236}">
-                <a16:creationId xmlns:a16="http://schemas.microsoft.com/office/drawing/2014/main" xmlns="" id="{4EAB93E2-BF2F-46EB-9A1A-E1527CE4EAF5}"/>
+                <a16:creationId xmlns:a16="http://schemas.microsoft.com/office/drawing/2014/main" id="{4EAB93E2-BF2F-46EB-9A1A-E1527CE4EAF5}"/>
               </a:ext>
             </a:extLst>
           </p:cNvPr>
@@ -13442,7 +14106,7 @@
           <p:cNvPr id="26" name="Kép 25">
             <a:extLst>
               <a:ext uri="{FF2B5EF4-FFF2-40B4-BE49-F238E27FC236}">
-                <a16:creationId xmlns:a16="http://schemas.microsoft.com/office/drawing/2014/main" xmlns="" id="{DE97AC1C-C727-4AEE-9A65-6369EFBB0878}"/>
+                <a16:creationId xmlns:a16="http://schemas.microsoft.com/office/drawing/2014/main" id="{DE97AC1C-C727-4AEE-9A65-6369EFBB0878}"/>
               </a:ext>
             </a:extLst>
           </p:cNvPr>
@@ -13478,7 +14142,7 @@
           <p:cNvPr id="28" name="Kép 27">
             <a:extLst>
               <a:ext uri="{FF2B5EF4-FFF2-40B4-BE49-F238E27FC236}">
-                <a16:creationId xmlns:a16="http://schemas.microsoft.com/office/drawing/2014/main" xmlns="" id="{98511D2A-F415-4D93-A3C8-99390ECFE7F7}"/>
+                <a16:creationId xmlns:a16="http://schemas.microsoft.com/office/drawing/2014/main" id="{98511D2A-F415-4D93-A3C8-99390ECFE7F7}"/>
               </a:ext>
             </a:extLst>
           </p:cNvPr>
@@ -13514,7 +14178,7 @@
           <p:cNvPr id="30" name="Kép 29">
             <a:extLst>
               <a:ext uri="{FF2B5EF4-FFF2-40B4-BE49-F238E27FC236}">
-                <a16:creationId xmlns:a16="http://schemas.microsoft.com/office/drawing/2014/main" xmlns="" id="{07014A1F-F6AD-4ADF-8B15-B459BA95CC16}"/>
+                <a16:creationId xmlns:a16="http://schemas.microsoft.com/office/drawing/2014/main" id="{07014A1F-F6AD-4ADF-8B15-B459BA95CC16}"/>
               </a:ext>
             </a:extLst>
           </p:cNvPr>
@@ -13550,7 +14214,7 @@
           <p:cNvPr id="33" name="Téglalap: lekerekített 32">
             <a:extLst>
               <a:ext uri="{FF2B5EF4-FFF2-40B4-BE49-F238E27FC236}">
-                <a16:creationId xmlns:a16="http://schemas.microsoft.com/office/drawing/2014/main" xmlns="" id="{510ED8DC-CFA6-49AF-874C-32B1D51AD1DE}"/>
+                <a16:creationId xmlns:a16="http://schemas.microsoft.com/office/drawing/2014/main" id="{510ED8DC-CFA6-49AF-874C-32B1D51AD1DE}"/>
               </a:ext>
             </a:extLst>
           </p:cNvPr>
@@ -13597,7 +14261,7 @@
           <p:cNvPr id="32" name="Kép 31">
             <a:extLst>
               <a:ext uri="{FF2B5EF4-FFF2-40B4-BE49-F238E27FC236}">
-                <a16:creationId xmlns:a16="http://schemas.microsoft.com/office/drawing/2014/main" xmlns="" id="{2751A678-6DC2-43AE-B8DB-FEF98F8E8A0E}"/>
+                <a16:creationId xmlns:a16="http://schemas.microsoft.com/office/drawing/2014/main" id="{2751A678-6DC2-43AE-B8DB-FEF98F8E8A0E}"/>
               </a:ext>
             </a:extLst>
           </p:cNvPr>
@@ -13633,7 +14297,7 @@
           <p:cNvPr id="35" name="Kép 34">
             <a:extLst>
               <a:ext uri="{FF2B5EF4-FFF2-40B4-BE49-F238E27FC236}">
-                <a16:creationId xmlns:a16="http://schemas.microsoft.com/office/drawing/2014/main" xmlns="" id="{FF4F356E-F594-4C98-9A68-074ED0018F16}"/>
+                <a16:creationId xmlns:a16="http://schemas.microsoft.com/office/drawing/2014/main" id="{FF4F356E-F594-4C98-9A68-074ED0018F16}"/>
               </a:ext>
             </a:extLst>
           </p:cNvPr>
@@ -13669,7 +14333,7 @@
           <p:cNvPr id="37" name="Kép 36">
             <a:extLst>
               <a:ext uri="{FF2B5EF4-FFF2-40B4-BE49-F238E27FC236}">
-                <a16:creationId xmlns:a16="http://schemas.microsoft.com/office/drawing/2014/main" xmlns="" id="{1A260BD9-D8E8-49F6-8554-E77FAB229C11}"/>
+                <a16:creationId xmlns:a16="http://schemas.microsoft.com/office/drawing/2014/main" id="{1A260BD9-D8E8-49F6-8554-E77FAB229C11}"/>
               </a:ext>
             </a:extLst>
           </p:cNvPr>
@@ -13705,7 +14369,7 @@
           <p:cNvPr id="40" name="Szövegdoboz 39">
             <a:extLst>
               <a:ext uri="{FF2B5EF4-FFF2-40B4-BE49-F238E27FC236}">
-                <a16:creationId xmlns:a16="http://schemas.microsoft.com/office/drawing/2014/main" xmlns="" id="{4EEEA42E-830D-45B4-877E-DF0BE252B36D}"/>
+                <a16:creationId xmlns:a16="http://schemas.microsoft.com/office/drawing/2014/main" id="{4EEEA42E-830D-45B4-877E-DF0BE252B36D}"/>
               </a:ext>
             </a:extLst>
           </p:cNvPr>
@@ -13894,7 +14558,7 @@
           <p:cNvPr id="41" name="Szövegdoboz 40">
             <a:extLst>
               <a:ext uri="{FF2B5EF4-FFF2-40B4-BE49-F238E27FC236}">
-                <a16:creationId xmlns:a16="http://schemas.microsoft.com/office/drawing/2014/main" xmlns="" id="{81D71567-404A-4E52-8B97-B406EFBC66D7}"/>
+                <a16:creationId xmlns:a16="http://schemas.microsoft.com/office/drawing/2014/main" id="{81D71567-404A-4E52-8B97-B406EFBC66D7}"/>
               </a:ext>
             </a:extLst>
           </p:cNvPr>
@@ -14002,7 +14666,7 @@
           <p:cNvPr id="44" name="Egyenes összekötő 43">
             <a:extLst>
               <a:ext uri="{FF2B5EF4-FFF2-40B4-BE49-F238E27FC236}">
-                <a16:creationId xmlns:a16="http://schemas.microsoft.com/office/drawing/2014/main" xmlns="" id="{21553A72-6965-4E1A-9A20-585F13CE59CB}"/>
+                <a16:creationId xmlns:a16="http://schemas.microsoft.com/office/drawing/2014/main" id="{21553A72-6965-4E1A-9A20-585F13CE59CB}"/>
               </a:ext>
             </a:extLst>
           </p:cNvPr>
@@ -14038,7 +14702,7 @@
           <p:cNvPr id="45" name="Egyenes összekötő 44">
             <a:extLst>
               <a:ext uri="{FF2B5EF4-FFF2-40B4-BE49-F238E27FC236}">
-                <a16:creationId xmlns:a16="http://schemas.microsoft.com/office/drawing/2014/main" xmlns="" id="{09DF3116-4C4A-4466-B8CC-06DEF26F5AA7}"/>
+                <a16:creationId xmlns:a16="http://schemas.microsoft.com/office/drawing/2014/main" id="{09DF3116-4C4A-4466-B8CC-06DEF26F5AA7}"/>
               </a:ext>
             </a:extLst>
           </p:cNvPr>
@@ -14076,7 +14740,7 @@
           <p:cNvPr id="50" name="Téglalap: lekerekített 49">
             <a:extLst>
               <a:ext uri="{FF2B5EF4-FFF2-40B4-BE49-F238E27FC236}">
-                <a16:creationId xmlns:a16="http://schemas.microsoft.com/office/drawing/2014/main" xmlns="" id="{163608B4-752F-4BEA-A4DA-0C4FD106EA50}"/>
+                <a16:creationId xmlns:a16="http://schemas.microsoft.com/office/drawing/2014/main" id="{163608B4-752F-4BEA-A4DA-0C4FD106EA50}"/>
               </a:ext>
             </a:extLst>
           </p:cNvPr>
@@ -14123,7 +14787,7 @@
           <p:cNvPr id="39" name="Kép 38">
             <a:extLst>
               <a:ext uri="{FF2B5EF4-FFF2-40B4-BE49-F238E27FC236}">
-                <a16:creationId xmlns:a16="http://schemas.microsoft.com/office/drawing/2014/main" xmlns="" id="{4D825543-46CC-460D-8C10-B5BEA3A25F43}"/>
+                <a16:creationId xmlns:a16="http://schemas.microsoft.com/office/drawing/2014/main" id="{4D825543-46CC-460D-8C10-B5BEA3A25F43}"/>
               </a:ext>
             </a:extLst>
           </p:cNvPr>
@@ -14159,7 +14823,7 @@
           <p:cNvPr id="51" name="Szövegdoboz 50">
             <a:extLst>
               <a:ext uri="{FF2B5EF4-FFF2-40B4-BE49-F238E27FC236}">
-                <a16:creationId xmlns:a16="http://schemas.microsoft.com/office/drawing/2014/main" xmlns="" id="{23861E71-C054-476F-8F0C-C25E7546800F}"/>
+                <a16:creationId xmlns:a16="http://schemas.microsoft.com/office/drawing/2014/main" id="{23861E71-C054-476F-8F0C-C25E7546800F}"/>
               </a:ext>
             </a:extLst>
           </p:cNvPr>
@@ -14194,7 +14858,7 @@
           <p:cNvPr id="57" name="Kép 56">
             <a:extLst>
               <a:ext uri="{FF2B5EF4-FFF2-40B4-BE49-F238E27FC236}">
-                <a16:creationId xmlns:a16="http://schemas.microsoft.com/office/drawing/2014/main" xmlns="" id="{802259A0-0D6F-42D0-8A1A-E910EB4CA7C4}"/>
+                <a16:creationId xmlns:a16="http://schemas.microsoft.com/office/drawing/2014/main" id="{802259A0-0D6F-42D0-8A1A-E910EB4CA7C4}"/>
               </a:ext>
             </a:extLst>
           </p:cNvPr>
@@ -14230,7 +14894,7 @@
           <p:cNvPr id="60" name="Rectangle 1">
             <a:extLst>
               <a:ext uri="{FF2B5EF4-FFF2-40B4-BE49-F238E27FC236}">
-                <a16:creationId xmlns:a16="http://schemas.microsoft.com/office/drawing/2014/main" xmlns="" id="{E499C11F-D502-4061-881F-F67C3180810C}"/>
+                <a16:creationId xmlns:a16="http://schemas.microsoft.com/office/drawing/2014/main" id="{E499C11F-D502-4061-881F-F67C3180810C}"/>
               </a:ext>
             </a:extLst>
           </p:cNvPr>
@@ -15011,7 +15675,7 @@
           <p:cNvPr id="62" name="Egyenes összekötő 61">
             <a:extLst>
               <a:ext uri="{FF2B5EF4-FFF2-40B4-BE49-F238E27FC236}">
-                <a16:creationId xmlns:a16="http://schemas.microsoft.com/office/drawing/2014/main" xmlns="" id="{2B5D68A7-E0AC-452F-B907-914ABB0E6C56}"/>
+                <a16:creationId xmlns:a16="http://schemas.microsoft.com/office/drawing/2014/main" id="{2B5D68A7-E0AC-452F-B907-914ABB0E6C56}"/>
               </a:ext>
             </a:extLst>
           </p:cNvPr>
@@ -15049,7 +15713,7 @@
           <p:cNvPr id="63" name="Egyenes összekötő 62">
             <a:extLst>
               <a:ext uri="{FF2B5EF4-FFF2-40B4-BE49-F238E27FC236}">
-                <a16:creationId xmlns:a16="http://schemas.microsoft.com/office/drawing/2014/main" xmlns="" id="{D873EA1A-414A-41B9-8586-C18287150BD1}"/>
+                <a16:creationId xmlns:a16="http://schemas.microsoft.com/office/drawing/2014/main" id="{D873EA1A-414A-41B9-8586-C18287150BD1}"/>
               </a:ext>
             </a:extLst>
           </p:cNvPr>
@@ -15087,7 +15751,7 @@
           <p:cNvPr id="67" name="Szövegdoboz 66">
             <a:extLst>
               <a:ext uri="{FF2B5EF4-FFF2-40B4-BE49-F238E27FC236}">
-                <a16:creationId xmlns:a16="http://schemas.microsoft.com/office/drawing/2014/main" xmlns="" id="{BC00FADC-B502-444E-9540-578DD54768A4}"/>
+                <a16:creationId xmlns:a16="http://schemas.microsoft.com/office/drawing/2014/main" id="{BC00FADC-B502-444E-9540-578DD54768A4}"/>
               </a:ext>
             </a:extLst>
           </p:cNvPr>
@@ -15124,7 +15788,7 @@
           <p:cNvPr id="68" name="Szövegdoboz 67">
             <a:extLst>
               <a:ext uri="{FF2B5EF4-FFF2-40B4-BE49-F238E27FC236}">
-                <a16:creationId xmlns:a16="http://schemas.microsoft.com/office/drawing/2014/main" xmlns="" id="{871D97B0-A149-4074-9C40-B5B908445F0D}"/>
+                <a16:creationId xmlns:a16="http://schemas.microsoft.com/office/drawing/2014/main" id="{871D97B0-A149-4074-9C40-B5B908445F0D}"/>
               </a:ext>
             </a:extLst>
           </p:cNvPr>
@@ -15191,7 +15855,7 @@
           <p:cNvPr id="4" name="Téglalap 3">
             <a:extLst>
               <a:ext uri="{FF2B5EF4-FFF2-40B4-BE49-F238E27FC236}">
-                <a16:creationId xmlns:a16="http://schemas.microsoft.com/office/drawing/2014/main" xmlns="" id="{0BD02874-CFC4-4733-82EA-7EFF9A1CCEAF}"/>
+                <a16:creationId xmlns:a16="http://schemas.microsoft.com/office/drawing/2014/main" id="{0BD02874-CFC4-4733-82EA-7EFF9A1CCEAF}"/>
               </a:ext>
             </a:extLst>
           </p:cNvPr>
@@ -15243,7 +15907,7 @@
           <p:cNvPr id="5" name="Szövegdoboz 4">
             <a:extLst>
               <a:ext uri="{FF2B5EF4-FFF2-40B4-BE49-F238E27FC236}">
-                <a16:creationId xmlns:a16="http://schemas.microsoft.com/office/drawing/2014/main" xmlns="" id="{C2E7ACD0-B4E6-438E-9A51-3623C001AD65}"/>
+                <a16:creationId xmlns:a16="http://schemas.microsoft.com/office/drawing/2014/main" id="{C2E7ACD0-B4E6-438E-9A51-3623C001AD65}"/>
               </a:ext>
             </a:extLst>
           </p:cNvPr>
@@ -15283,7 +15947,7 @@
           <p:cNvPr id="6" name="Ábra 5">
             <a:extLst>
               <a:ext uri="{FF2B5EF4-FFF2-40B4-BE49-F238E27FC236}">
-                <a16:creationId xmlns:a16="http://schemas.microsoft.com/office/drawing/2014/main" xmlns="" id="{98F6C7F9-0CE0-4576-A211-745D00E19E9D}"/>
+                <a16:creationId xmlns:a16="http://schemas.microsoft.com/office/drawing/2014/main" id="{98F6C7F9-0CE0-4576-A211-745D00E19E9D}"/>
               </a:ext>
             </a:extLst>
           </p:cNvPr>
@@ -15299,7 +15963,7 @@
                 <a14:useLocalDpi xmlns:a14="http://schemas.microsoft.com/office/drawing/2010/main" val="0"/>
               </a:ext>
               <a:ext uri="{96DAC541-7B7A-43D3-8B79-37D633B846F1}">
-                <asvg:svgBlip xmlns:asvg="http://schemas.microsoft.com/office/drawing/2016/SVG/main" xmlns="" r:embed="rId3"/>
+                <asvg:svgBlip xmlns:asvg="http://schemas.microsoft.com/office/drawing/2016/SVG/main" r:embed="rId3"/>
               </a:ext>
             </a:extLst>
           </a:blip>
@@ -15322,7 +15986,7 @@
           <p:cNvPr id="7" name="Kép 6">
             <a:extLst>
               <a:ext uri="{FF2B5EF4-FFF2-40B4-BE49-F238E27FC236}">
-                <a16:creationId xmlns:a16="http://schemas.microsoft.com/office/drawing/2014/main" xmlns="" id="{32A6B4B3-856A-4223-959F-952335EF0319}"/>
+                <a16:creationId xmlns:a16="http://schemas.microsoft.com/office/drawing/2014/main" id="{32A6B4B3-856A-4223-959F-952335EF0319}"/>
               </a:ext>
             </a:extLst>
           </p:cNvPr>
@@ -15358,7 +16022,7 @@
           <p:cNvPr id="8" name="Szövegdoboz 7">
             <a:extLst>
               <a:ext uri="{FF2B5EF4-FFF2-40B4-BE49-F238E27FC236}">
-                <a16:creationId xmlns:a16="http://schemas.microsoft.com/office/drawing/2014/main" xmlns="" id="{9B6DC4C5-0BC0-437E-8CCD-A2ABCB4CF3C8}"/>
+                <a16:creationId xmlns:a16="http://schemas.microsoft.com/office/drawing/2014/main" id="{9B6DC4C5-0BC0-437E-8CCD-A2ABCB4CF3C8}"/>
               </a:ext>
             </a:extLst>
           </p:cNvPr>
@@ -15570,7 +16234,7 @@
           <p:cNvPr id="4" name="Téglalap 3">
             <a:extLst>
               <a:ext uri="{FF2B5EF4-FFF2-40B4-BE49-F238E27FC236}">
-                <a16:creationId xmlns:a16="http://schemas.microsoft.com/office/drawing/2014/main" xmlns="" id="{CD6FC359-0AEF-424B-82B8-D071AD1AE850}"/>
+                <a16:creationId xmlns:a16="http://schemas.microsoft.com/office/drawing/2014/main" id="{CD6FC359-0AEF-424B-82B8-D071AD1AE850}"/>
               </a:ext>
             </a:extLst>
           </p:cNvPr>
@@ -15622,7 +16286,7 @@
           <p:cNvPr id="5" name="Kép 4">
             <a:extLst>
               <a:ext uri="{FF2B5EF4-FFF2-40B4-BE49-F238E27FC236}">
-                <a16:creationId xmlns:a16="http://schemas.microsoft.com/office/drawing/2014/main" xmlns="" id="{C619026F-11BA-46F5-83E2-86A702024CDE}"/>
+                <a16:creationId xmlns:a16="http://schemas.microsoft.com/office/drawing/2014/main" id="{C619026F-11BA-46F5-83E2-86A702024CDE}"/>
               </a:ext>
             </a:extLst>
           </p:cNvPr>
@@ -15658,7 +16322,7 @@
           <p:cNvPr id="6" name="Ábra 5">
             <a:extLst>
               <a:ext uri="{FF2B5EF4-FFF2-40B4-BE49-F238E27FC236}">
-                <a16:creationId xmlns:a16="http://schemas.microsoft.com/office/drawing/2014/main" xmlns="" id="{3870160F-4FAA-4635-B1EE-39D1E85802C7}"/>
+                <a16:creationId xmlns:a16="http://schemas.microsoft.com/office/drawing/2014/main" id="{3870160F-4FAA-4635-B1EE-39D1E85802C7}"/>
               </a:ext>
             </a:extLst>
           </p:cNvPr>
@@ -15674,7 +16338,7 @@
                 <a14:useLocalDpi xmlns:a14="http://schemas.microsoft.com/office/drawing/2010/main" val="0"/>
               </a:ext>
               <a:ext uri="{96DAC541-7B7A-43D3-8B79-37D633B846F1}">
-                <asvg:svgBlip xmlns:asvg="http://schemas.microsoft.com/office/drawing/2016/SVG/main" xmlns="" r:embed="rId4"/>
+                <asvg:svgBlip xmlns:asvg="http://schemas.microsoft.com/office/drawing/2016/SVG/main" r:embed="rId4"/>
               </a:ext>
             </a:extLst>
           </a:blip>
@@ -15697,7 +16361,7 @@
           <p:cNvPr id="8" name="Szövegdoboz 7">
             <a:extLst>
               <a:ext uri="{FF2B5EF4-FFF2-40B4-BE49-F238E27FC236}">
-                <a16:creationId xmlns:a16="http://schemas.microsoft.com/office/drawing/2014/main" xmlns="" id="{116EEA92-3F52-4DE9-B232-DDD49705643F}"/>
+                <a16:creationId xmlns:a16="http://schemas.microsoft.com/office/drawing/2014/main" id="{116EEA92-3F52-4DE9-B232-DDD49705643F}"/>
               </a:ext>
             </a:extLst>
           </p:cNvPr>
@@ -15737,7 +16401,7 @@
           <p:cNvPr id="9" name="Szövegdoboz 8">
             <a:extLst>
               <a:ext uri="{FF2B5EF4-FFF2-40B4-BE49-F238E27FC236}">
-                <a16:creationId xmlns:a16="http://schemas.microsoft.com/office/drawing/2014/main" xmlns="" id="{A8376AFF-C5D1-4992-B386-0F5652527DE1}"/>
+                <a16:creationId xmlns:a16="http://schemas.microsoft.com/office/drawing/2014/main" id="{A8376AFF-C5D1-4992-B386-0F5652527DE1}"/>
               </a:ext>
             </a:extLst>
           </p:cNvPr>
@@ -15900,7 +16564,7 @@
           <p:cNvPr id="11" name="Kép 10" descr="A képen méhsejt, kültéri objektum látható&#10;&#10;Automatikusan generált leírás">
             <a:extLst>
               <a:ext uri="{FF2B5EF4-FFF2-40B4-BE49-F238E27FC236}">
-                <a16:creationId xmlns:a16="http://schemas.microsoft.com/office/drawing/2014/main" xmlns="" id="{C96614E1-248C-4C8F-8BF9-0A5FA2F91DE4}"/>
+                <a16:creationId xmlns:a16="http://schemas.microsoft.com/office/drawing/2014/main" id="{C96614E1-248C-4C8F-8BF9-0A5FA2F91DE4}"/>
               </a:ext>
             </a:extLst>
           </p:cNvPr>
@@ -15936,7 +16600,7 @@
           <p:cNvPr id="13" name="Kép 12">
             <a:extLst>
               <a:ext uri="{FF2B5EF4-FFF2-40B4-BE49-F238E27FC236}">
-                <a16:creationId xmlns:a16="http://schemas.microsoft.com/office/drawing/2014/main" xmlns="" id="{8E8CAF80-3B97-4237-8B10-D12634BAE35E}"/>
+                <a16:creationId xmlns:a16="http://schemas.microsoft.com/office/drawing/2014/main" id="{8E8CAF80-3B97-4237-8B10-D12634BAE35E}"/>
               </a:ext>
             </a:extLst>
           </p:cNvPr>
@@ -15972,7 +16636,7 @@
           <p:cNvPr id="15" name="Ábra 14">
             <a:extLst>
               <a:ext uri="{FF2B5EF4-FFF2-40B4-BE49-F238E27FC236}">
-                <a16:creationId xmlns:a16="http://schemas.microsoft.com/office/drawing/2014/main" xmlns="" id="{62517743-3540-489B-BCEA-EBE08706CC09}"/>
+                <a16:creationId xmlns:a16="http://schemas.microsoft.com/office/drawing/2014/main" id="{62517743-3540-489B-BCEA-EBE08706CC09}"/>
               </a:ext>
             </a:extLst>
           </p:cNvPr>
@@ -15988,7 +16652,7 @@
                 <a14:useLocalDpi xmlns:a14="http://schemas.microsoft.com/office/drawing/2010/main" val="0"/>
               </a:ext>
               <a:ext uri="{96DAC541-7B7A-43D3-8B79-37D633B846F1}">
-                <asvg:svgBlip xmlns:asvg="http://schemas.microsoft.com/office/drawing/2016/SVG/main" xmlns="" r:embed="rId8"/>
+                <asvg:svgBlip xmlns:asvg="http://schemas.microsoft.com/office/drawing/2016/SVG/main" r:embed="rId8"/>
               </a:ext>
             </a:extLst>
           </a:blip>
@@ -16041,7 +16705,7 @@
           <p:cNvPr id="4" name="Téglalap 3">
             <a:extLst>
               <a:ext uri="{FF2B5EF4-FFF2-40B4-BE49-F238E27FC236}">
-                <a16:creationId xmlns:a16="http://schemas.microsoft.com/office/drawing/2014/main" xmlns="" id="{D86D6B71-3651-4D61-8CD4-20BAB8BEE051}"/>
+                <a16:creationId xmlns:a16="http://schemas.microsoft.com/office/drawing/2014/main" id="{D86D6B71-3651-4D61-8CD4-20BAB8BEE051}"/>
               </a:ext>
             </a:extLst>
           </p:cNvPr>
@@ -16093,7 +16757,7 @@
           <p:cNvPr id="5" name="Szövegdoboz 4">
             <a:extLst>
               <a:ext uri="{FF2B5EF4-FFF2-40B4-BE49-F238E27FC236}">
-                <a16:creationId xmlns:a16="http://schemas.microsoft.com/office/drawing/2014/main" xmlns="" id="{93BF4FAF-C49D-49CE-A938-84E5D80D3EB4}"/>
+                <a16:creationId xmlns:a16="http://schemas.microsoft.com/office/drawing/2014/main" id="{93BF4FAF-C49D-49CE-A938-84E5D80D3EB4}"/>
               </a:ext>
             </a:extLst>
           </p:cNvPr>
@@ -16133,7 +16797,7 @@
           <p:cNvPr id="6" name="Kép 5">
             <a:extLst>
               <a:ext uri="{FF2B5EF4-FFF2-40B4-BE49-F238E27FC236}">
-                <a16:creationId xmlns:a16="http://schemas.microsoft.com/office/drawing/2014/main" xmlns="" id="{6BFEB4BC-31D7-4079-980D-D0FFC2FA5FC2}"/>
+                <a16:creationId xmlns:a16="http://schemas.microsoft.com/office/drawing/2014/main" id="{6BFEB4BC-31D7-4079-980D-D0FFC2FA5FC2}"/>
               </a:ext>
             </a:extLst>
           </p:cNvPr>
@@ -16169,7 +16833,7 @@
           <p:cNvPr id="7" name="Ábra 6">
             <a:extLst>
               <a:ext uri="{FF2B5EF4-FFF2-40B4-BE49-F238E27FC236}">
-                <a16:creationId xmlns:a16="http://schemas.microsoft.com/office/drawing/2014/main" xmlns="" id="{4DCEB4C6-FE4C-46AA-8C1F-CA08B288A147}"/>
+                <a16:creationId xmlns:a16="http://schemas.microsoft.com/office/drawing/2014/main" id="{4DCEB4C6-FE4C-46AA-8C1F-CA08B288A147}"/>
               </a:ext>
             </a:extLst>
           </p:cNvPr>
@@ -16185,7 +16849,7 @@
                 <a14:useLocalDpi xmlns:a14="http://schemas.microsoft.com/office/drawing/2010/main" val="0"/>
               </a:ext>
               <a:ext uri="{96DAC541-7B7A-43D3-8B79-37D633B846F1}">
-                <asvg:svgBlip xmlns:asvg="http://schemas.microsoft.com/office/drawing/2016/SVG/main" xmlns="" r:embed="rId4"/>
+                <asvg:svgBlip xmlns:asvg="http://schemas.microsoft.com/office/drawing/2016/SVG/main" r:embed="rId4"/>
               </a:ext>
             </a:extLst>
           </a:blip>
@@ -16208,7 +16872,7 @@
           <p:cNvPr id="8" name="Szövegdoboz 7">
             <a:extLst>
               <a:ext uri="{FF2B5EF4-FFF2-40B4-BE49-F238E27FC236}">
-                <a16:creationId xmlns:a16="http://schemas.microsoft.com/office/drawing/2014/main" xmlns="" id="{53180FF3-8853-4D61-A21E-5E2C4F6723F3}"/>
+                <a16:creationId xmlns:a16="http://schemas.microsoft.com/office/drawing/2014/main" id="{53180FF3-8853-4D61-A21E-5E2C4F6723F3}"/>
               </a:ext>
             </a:extLst>
           </p:cNvPr>
@@ -16319,7 +16983,7 @@
           <p:cNvPr id="3" name="Ábra 2" descr="Laptop egyszínű kitöltéssel">
             <a:extLst>
               <a:ext uri="{FF2B5EF4-FFF2-40B4-BE49-F238E27FC236}">
-                <a16:creationId xmlns:a16="http://schemas.microsoft.com/office/drawing/2014/main" xmlns="" id="{B04AEB5F-4C05-4147-82D3-12F08CDE6C2D}"/>
+                <a16:creationId xmlns:a16="http://schemas.microsoft.com/office/drawing/2014/main" id="{B04AEB5F-4C05-4147-82D3-12F08CDE6C2D}"/>
               </a:ext>
             </a:extLst>
           </p:cNvPr>
@@ -16335,7 +16999,7 @@
                 <a14:useLocalDpi xmlns:a14="http://schemas.microsoft.com/office/drawing/2010/main" val="0"/>
               </a:ext>
               <a:ext uri="{96DAC541-7B7A-43D3-8B79-37D633B846F1}">
-                <asvg:svgBlip xmlns:asvg="http://schemas.microsoft.com/office/drawing/2016/SVG/main" xmlns="" r:embed="rId6"/>
+                <asvg:svgBlip xmlns:asvg="http://schemas.microsoft.com/office/drawing/2016/SVG/main" r:embed="rId6"/>
               </a:ext>
             </a:extLst>
           </a:blip>
@@ -16358,7 +17022,7 @@
           <p:cNvPr id="9" name="Henger 8">
             <a:extLst>
               <a:ext uri="{FF2B5EF4-FFF2-40B4-BE49-F238E27FC236}">
-                <a16:creationId xmlns:a16="http://schemas.microsoft.com/office/drawing/2014/main" xmlns="" id="{E9F392FD-D67A-427A-B8C8-D045F23CE51C}"/>
+                <a16:creationId xmlns:a16="http://schemas.microsoft.com/office/drawing/2014/main" id="{E9F392FD-D67A-427A-B8C8-D045F23CE51C}"/>
               </a:ext>
             </a:extLst>
           </p:cNvPr>
@@ -16404,7 +17068,7 @@
           <p:cNvPr id="11" name="Ábra 10" descr="Terminál parancssora egyszínű kitöltéssel">
             <a:extLst>
               <a:ext uri="{FF2B5EF4-FFF2-40B4-BE49-F238E27FC236}">
-                <a16:creationId xmlns:a16="http://schemas.microsoft.com/office/drawing/2014/main" xmlns="" id="{7BE92D9B-5EDE-49BE-8974-8420C9427A4F}"/>
+                <a16:creationId xmlns:a16="http://schemas.microsoft.com/office/drawing/2014/main" id="{7BE92D9B-5EDE-49BE-8974-8420C9427A4F}"/>
               </a:ext>
             </a:extLst>
           </p:cNvPr>
@@ -16420,7 +17084,7 @@
                 <a14:useLocalDpi xmlns:a14="http://schemas.microsoft.com/office/drawing/2010/main" val="0"/>
               </a:ext>
               <a:ext uri="{96DAC541-7B7A-43D3-8B79-37D633B846F1}">
-                <asvg:svgBlip xmlns:asvg="http://schemas.microsoft.com/office/drawing/2016/SVG/main" xmlns="" r:embed="rId8"/>
+                <asvg:svgBlip xmlns:asvg="http://schemas.microsoft.com/office/drawing/2016/SVG/main" r:embed="rId8"/>
               </a:ext>
             </a:extLst>
           </a:blip>
@@ -16443,7 +17107,7 @@
           <p:cNvPr id="13" name="Ábra 12" descr="Kiszolgáló egyszínű kitöltéssel">
             <a:extLst>
               <a:ext uri="{FF2B5EF4-FFF2-40B4-BE49-F238E27FC236}">
-                <a16:creationId xmlns:a16="http://schemas.microsoft.com/office/drawing/2014/main" xmlns="" id="{FF6925B3-6674-485B-BFCA-3359F7AE1D3C}"/>
+                <a16:creationId xmlns:a16="http://schemas.microsoft.com/office/drawing/2014/main" id="{FF6925B3-6674-485B-BFCA-3359F7AE1D3C}"/>
               </a:ext>
             </a:extLst>
           </p:cNvPr>
@@ -16459,7 +17123,7 @@
                 <a14:useLocalDpi xmlns:a14="http://schemas.microsoft.com/office/drawing/2010/main" val="0"/>
               </a:ext>
               <a:ext uri="{96DAC541-7B7A-43D3-8B79-37D633B846F1}">
-                <asvg:svgBlip xmlns:asvg="http://schemas.microsoft.com/office/drawing/2016/SVG/main" xmlns="" r:embed="rId10"/>
+                <asvg:svgBlip xmlns:asvg="http://schemas.microsoft.com/office/drawing/2016/SVG/main" r:embed="rId10"/>
               </a:ext>
             </a:extLst>
           </a:blip>
@@ -16482,7 +17146,7 @@
           <p:cNvPr id="15" name="Ábra 14" descr="Adatbázis egyszínű kitöltéssel">
             <a:extLst>
               <a:ext uri="{FF2B5EF4-FFF2-40B4-BE49-F238E27FC236}">
-                <a16:creationId xmlns:a16="http://schemas.microsoft.com/office/drawing/2014/main" xmlns="" id="{6D4617D3-643E-4A7D-892D-472F65149C57}"/>
+                <a16:creationId xmlns:a16="http://schemas.microsoft.com/office/drawing/2014/main" id="{6D4617D3-643E-4A7D-892D-472F65149C57}"/>
               </a:ext>
             </a:extLst>
           </p:cNvPr>
@@ -16498,7 +17162,7 @@
                 <a14:useLocalDpi xmlns:a14="http://schemas.microsoft.com/office/drawing/2010/main" val="0"/>
               </a:ext>
               <a:ext uri="{96DAC541-7B7A-43D3-8B79-37D633B846F1}">
-                <asvg:svgBlip xmlns:asvg="http://schemas.microsoft.com/office/drawing/2016/SVG/main" xmlns="" r:embed="rId12"/>
+                <asvg:svgBlip xmlns:asvg="http://schemas.microsoft.com/office/drawing/2016/SVG/main" r:embed="rId12"/>
               </a:ext>
             </a:extLst>
           </a:blip>
@@ -16521,7 +17185,7 @@
           <p:cNvPr id="17" name="Ábra 16" descr="Felhő egyszínű kitöltéssel">
             <a:extLst>
               <a:ext uri="{FF2B5EF4-FFF2-40B4-BE49-F238E27FC236}">
-                <a16:creationId xmlns:a16="http://schemas.microsoft.com/office/drawing/2014/main" xmlns="" id="{AA3DF723-54FF-4F17-8D68-88C73DAB4F1E}"/>
+                <a16:creationId xmlns:a16="http://schemas.microsoft.com/office/drawing/2014/main" id="{AA3DF723-54FF-4F17-8D68-88C73DAB4F1E}"/>
               </a:ext>
             </a:extLst>
           </p:cNvPr>
@@ -16537,7 +17201,7 @@
                 <a14:useLocalDpi xmlns:a14="http://schemas.microsoft.com/office/drawing/2010/main" val="0"/>
               </a:ext>
               <a:ext uri="{96DAC541-7B7A-43D3-8B79-37D633B846F1}">
-                <asvg:svgBlip xmlns:asvg="http://schemas.microsoft.com/office/drawing/2016/SVG/main" xmlns="" r:embed="rId14"/>
+                <asvg:svgBlip xmlns:asvg="http://schemas.microsoft.com/office/drawing/2016/SVG/main" r:embed="rId14"/>
               </a:ext>
             </a:extLst>
           </a:blip>
@@ -16560,7 +17224,7 @@
           <p:cNvPr id="18" name="Szövegdoboz 17">
             <a:extLst>
               <a:ext uri="{FF2B5EF4-FFF2-40B4-BE49-F238E27FC236}">
-                <a16:creationId xmlns:a16="http://schemas.microsoft.com/office/drawing/2014/main" xmlns="" id="{A9114A1D-34CB-4428-8439-C3A56F865A71}"/>
+                <a16:creationId xmlns:a16="http://schemas.microsoft.com/office/drawing/2014/main" id="{A9114A1D-34CB-4428-8439-C3A56F865A71}"/>
               </a:ext>
             </a:extLst>
           </p:cNvPr>
@@ -16603,7 +17267,7 @@
           <p:cNvPr id="19" name="Szövegdoboz 18">
             <a:extLst>
               <a:ext uri="{FF2B5EF4-FFF2-40B4-BE49-F238E27FC236}">
-                <a16:creationId xmlns:a16="http://schemas.microsoft.com/office/drawing/2014/main" xmlns="" id="{34D72C7D-5AF5-49C1-A278-C33E41A7CFE4}"/>
+                <a16:creationId xmlns:a16="http://schemas.microsoft.com/office/drawing/2014/main" id="{34D72C7D-5AF5-49C1-A278-C33E41A7CFE4}"/>
               </a:ext>
             </a:extLst>
           </p:cNvPr>
@@ -16640,7 +17304,7 @@
           <p:cNvPr id="21" name="Szövegdoboz 20">
             <a:extLst>
               <a:ext uri="{FF2B5EF4-FFF2-40B4-BE49-F238E27FC236}">
-                <a16:creationId xmlns:a16="http://schemas.microsoft.com/office/drawing/2014/main" xmlns="" id="{F45E59FA-D6E9-44A5-9B6E-03F8DB11907E}"/>
+                <a16:creationId xmlns:a16="http://schemas.microsoft.com/office/drawing/2014/main" id="{F45E59FA-D6E9-44A5-9B6E-03F8DB11907E}"/>
               </a:ext>
             </a:extLst>
           </p:cNvPr>
@@ -16677,7 +17341,7 @@
           <p:cNvPr id="22" name="Kép 21">
             <a:extLst>
               <a:ext uri="{FF2B5EF4-FFF2-40B4-BE49-F238E27FC236}">
-                <a16:creationId xmlns:a16="http://schemas.microsoft.com/office/drawing/2014/main" xmlns="" id="{DD351F2A-595E-4097-B6C5-9469C1AF9BE4}"/>
+                <a16:creationId xmlns:a16="http://schemas.microsoft.com/office/drawing/2014/main" id="{DD351F2A-595E-4097-B6C5-9469C1AF9BE4}"/>
               </a:ext>
             </a:extLst>
           </p:cNvPr>
@@ -16713,7 +17377,7 @@
           <p:cNvPr id="23" name="Kép 22">
             <a:extLst>
               <a:ext uri="{FF2B5EF4-FFF2-40B4-BE49-F238E27FC236}">
-                <a16:creationId xmlns:a16="http://schemas.microsoft.com/office/drawing/2014/main" xmlns="" id="{E576C146-A969-4C56-ADD6-049D6924288A}"/>
+                <a16:creationId xmlns:a16="http://schemas.microsoft.com/office/drawing/2014/main" id="{E576C146-A969-4C56-ADD6-049D6924288A}"/>
               </a:ext>
             </a:extLst>
           </p:cNvPr>
@@ -16749,7 +17413,7 @@
           <p:cNvPr id="26" name="Egyenes összekötő 25">
             <a:extLst>
               <a:ext uri="{FF2B5EF4-FFF2-40B4-BE49-F238E27FC236}">
-                <a16:creationId xmlns:a16="http://schemas.microsoft.com/office/drawing/2014/main" xmlns="" id="{BC468C39-269A-44BB-9F15-956984ECDFE4}"/>
+                <a16:creationId xmlns:a16="http://schemas.microsoft.com/office/drawing/2014/main" id="{BC468C39-269A-44BB-9F15-956984ECDFE4}"/>
               </a:ext>
             </a:extLst>
           </p:cNvPr>
@@ -16787,7 +17451,7 @@
           <p:cNvPr id="28" name="Egyenes összekötő 27">
             <a:extLst>
               <a:ext uri="{FF2B5EF4-FFF2-40B4-BE49-F238E27FC236}">
-                <a16:creationId xmlns:a16="http://schemas.microsoft.com/office/drawing/2014/main" xmlns="" id="{1C06E523-ABB3-4242-888B-0DCA07E707C1}"/>
+                <a16:creationId xmlns:a16="http://schemas.microsoft.com/office/drawing/2014/main" id="{1C06E523-ABB3-4242-888B-0DCA07E707C1}"/>
               </a:ext>
             </a:extLst>
           </p:cNvPr>
@@ -16828,7 +17492,7 @@
           <p:cNvPr id="30" name="Egyenes összekötő 29">
             <a:extLst>
               <a:ext uri="{FF2B5EF4-FFF2-40B4-BE49-F238E27FC236}">
-                <a16:creationId xmlns:a16="http://schemas.microsoft.com/office/drawing/2014/main" xmlns="" id="{07B5B1F8-7247-4EDC-8BB3-4EBEEED7218B}"/>
+                <a16:creationId xmlns:a16="http://schemas.microsoft.com/office/drawing/2014/main" id="{07B5B1F8-7247-4EDC-8BB3-4EBEEED7218B}"/>
               </a:ext>
             </a:extLst>
           </p:cNvPr>
@@ -16864,7 +17528,7 @@
           <p:cNvPr id="24" name="Szövegdoboz 23">
             <a:extLst>
               <a:ext uri="{FF2B5EF4-FFF2-40B4-BE49-F238E27FC236}">
-                <a16:creationId xmlns:a16="http://schemas.microsoft.com/office/drawing/2014/main" xmlns="" id="{E6976D20-9B16-45FB-9C78-E6EAA4C629E6}"/>
+                <a16:creationId xmlns:a16="http://schemas.microsoft.com/office/drawing/2014/main" id="{E6976D20-9B16-45FB-9C78-E6EAA4C629E6}"/>
               </a:ext>
             </a:extLst>
           </p:cNvPr>
@@ -16903,7 +17567,7 @@
           <p:cNvPr id="34" name="Szövegdoboz 33">
             <a:extLst>
               <a:ext uri="{FF2B5EF4-FFF2-40B4-BE49-F238E27FC236}">
-                <a16:creationId xmlns:a16="http://schemas.microsoft.com/office/drawing/2014/main" xmlns="" id="{663EFC6A-27A6-4963-8590-C2B43261860B}"/>
+                <a16:creationId xmlns:a16="http://schemas.microsoft.com/office/drawing/2014/main" id="{663EFC6A-27A6-4963-8590-C2B43261860B}"/>
               </a:ext>
             </a:extLst>
           </p:cNvPr>
@@ -16940,7 +17604,7 @@
           <p:cNvPr id="35" name="Szövegdoboz 34">
             <a:extLst>
               <a:ext uri="{FF2B5EF4-FFF2-40B4-BE49-F238E27FC236}">
-                <a16:creationId xmlns:a16="http://schemas.microsoft.com/office/drawing/2014/main" xmlns="" id="{EA0AEA84-8407-45F6-9237-0414C281324C}"/>
+                <a16:creationId xmlns:a16="http://schemas.microsoft.com/office/drawing/2014/main" id="{EA0AEA84-8407-45F6-9237-0414C281324C}"/>
               </a:ext>
             </a:extLst>
           </p:cNvPr>
@@ -17001,7 +17665,7 @@
           <p:cNvPr id="36" name="Szövegdoboz 35">
             <a:extLst>
               <a:ext uri="{FF2B5EF4-FFF2-40B4-BE49-F238E27FC236}">
-                <a16:creationId xmlns:a16="http://schemas.microsoft.com/office/drawing/2014/main" xmlns="" id="{DAD8E18A-C09E-4C39-AC7F-C0DF69E4E08C}"/>
+                <a16:creationId xmlns:a16="http://schemas.microsoft.com/office/drawing/2014/main" id="{DAD8E18A-C09E-4C39-AC7F-C0DF69E4E08C}"/>
               </a:ext>
             </a:extLst>
           </p:cNvPr>
@@ -17039,7 +17703,7 @@
           <p:cNvPr id="39" name="Szövegdoboz 38">
             <a:extLst>
               <a:ext uri="{FF2B5EF4-FFF2-40B4-BE49-F238E27FC236}">
-                <a16:creationId xmlns:a16="http://schemas.microsoft.com/office/drawing/2014/main" xmlns="" id="{8BFFB914-3911-445C-AAF8-D50C2252A398}"/>
+                <a16:creationId xmlns:a16="http://schemas.microsoft.com/office/drawing/2014/main" id="{8BFFB914-3911-445C-AAF8-D50C2252A398}"/>
               </a:ext>
             </a:extLst>
           </p:cNvPr>
@@ -17076,7 +17740,7 @@
           <p:cNvPr id="41" name="Szövegdoboz 40">
             <a:extLst>
               <a:ext uri="{FF2B5EF4-FFF2-40B4-BE49-F238E27FC236}">
-                <a16:creationId xmlns:a16="http://schemas.microsoft.com/office/drawing/2014/main" xmlns="" id="{94600FA8-74C4-4796-A2F4-5FE89A6A530A}"/>
+                <a16:creationId xmlns:a16="http://schemas.microsoft.com/office/drawing/2014/main" id="{94600FA8-74C4-4796-A2F4-5FE89A6A530A}"/>
               </a:ext>
             </a:extLst>
           </p:cNvPr>
@@ -17143,7 +17807,7 @@
           <p:cNvPr id="4" name="Téglalap 3">
             <a:extLst>
               <a:ext uri="{FF2B5EF4-FFF2-40B4-BE49-F238E27FC236}">
-                <a16:creationId xmlns:a16="http://schemas.microsoft.com/office/drawing/2014/main" xmlns="" id="{2E4301DD-C188-4DBD-8622-C3CF65F0D40F}"/>
+                <a16:creationId xmlns:a16="http://schemas.microsoft.com/office/drawing/2014/main" id="{2E4301DD-C188-4DBD-8622-C3CF65F0D40F}"/>
               </a:ext>
             </a:extLst>
           </p:cNvPr>
@@ -17195,7 +17859,7 @@
           <p:cNvPr id="5" name="Kép 4">
             <a:extLst>
               <a:ext uri="{FF2B5EF4-FFF2-40B4-BE49-F238E27FC236}">
-                <a16:creationId xmlns:a16="http://schemas.microsoft.com/office/drawing/2014/main" xmlns="" id="{35DB0531-99A2-4AA4-A155-C0DB79EEBECC}"/>
+                <a16:creationId xmlns:a16="http://schemas.microsoft.com/office/drawing/2014/main" id="{35DB0531-99A2-4AA4-A155-C0DB79EEBECC}"/>
               </a:ext>
             </a:extLst>
           </p:cNvPr>
@@ -17231,7 +17895,7 @@
           <p:cNvPr id="6" name="Ábra 5">
             <a:extLst>
               <a:ext uri="{FF2B5EF4-FFF2-40B4-BE49-F238E27FC236}">
-                <a16:creationId xmlns:a16="http://schemas.microsoft.com/office/drawing/2014/main" xmlns="" id="{0FB8A7EC-F4C1-41A1-80C9-A77B34E449E7}"/>
+                <a16:creationId xmlns:a16="http://schemas.microsoft.com/office/drawing/2014/main" id="{0FB8A7EC-F4C1-41A1-80C9-A77B34E449E7}"/>
               </a:ext>
             </a:extLst>
           </p:cNvPr>
@@ -17247,7 +17911,7 @@
                 <a14:useLocalDpi xmlns:a14="http://schemas.microsoft.com/office/drawing/2010/main" val="0"/>
               </a:ext>
               <a:ext uri="{96DAC541-7B7A-43D3-8B79-37D633B846F1}">
-                <asvg:svgBlip xmlns:asvg="http://schemas.microsoft.com/office/drawing/2016/SVG/main" xmlns="" r:embed="rId4"/>
+                <asvg:svgBlip xmlns:asvg="http://schemas.microsoft.com/office/drawing/2016/SVG/main" r:embed="rId4"/>
               </a:ext>
             </a:extLst>
           </a:blip>
@@ -17270,7 +17934,7 @@
           <p:cNvPr id="7" name="Szövegdoboz 6">
             <a:extLst>
               <a:ext uri="{FF2B5EF4-FFF2-40B4-BE49-F238E27FC236}">
-                <a16:creationId xmlns:a16="http://schemas.microsoft.com/office/drawing/2014/main" xmlns="" id="{06BF220C-87A1-4E15-98FC-25D0E35276C7}"/>
+                <a16:creationId xmlns:a16="http://schemas.microsoft.com/office/drawing/2014/main" id="{06BF220C-87A1-4E15-98FC-25D0E35276C7}"/>
               </a:ext>
             </a:extLst>
           </p:cNvPr>
@@ -17310,7 +17974,7 @@
           <p:cNvPr id="8" name="Ábra 7" descr="Kiszolgáló egyszínű kitöltéssel">
             <a:extLst>
               <a:ext uri="{FF2B5EF4-FFF2-40B4-BE49-F238E27FC236}">
-                <a16:creationId xmlns:a16="http://schemas.microsoft.com/office/drawing/2014/main" xmlns="" id="{3FCA9E6B-6566-4EA7-85F9-60B3681336DC}"/>
+                <a16:creationId xmlns:a16="http://schemas.microsoft.com/office/drawing/2014/main" id="{3FCA9E6B-6566-4EA7-85F9-60B3681336DC}"/>
               </a:ext>
             </a:extLst>
           </p:cNvPr>
@@ -17326,7 +17990,7 @@
                 <a14:useLocalDpi xmlns:a14="http://schemas.microsoft.com/office/drawing/2010/main" val="0"/>
               </a:ext>
               <a:ext uri="{96DAC541-7B7A-43D3-8B79-37D633B846F1}">
-                <asvg:svgBlip xmlns:asvg="http://schemas.microsoft.com/office/drawing/2016/SVG/main" xmlns="" r:embed="rId6"/>
+                <asvg:svgBlip xmlns:asvg="http://schemas.microsoft.com/office/drawing/2016/SVG/main" r:embed="rId6"/>
               </a:ext>
             </a:extLst>
           </a:blip>
@@ -17349,7 +18013,7 @@
           <p:cNvPr id="9" name="Ábra 8" descr="Kiszolgáló egyszínű kitöltéssel">
             <a:extLst>
               <a:ext uri="{FF2B5EF4-FFF2-40B4-BE49-F238E27FC236}">
-                <a16:creationId xmlns:a16="http://schemas.microsoft.com/office/drawing/2014/main" xmlns="" id="{5D4C4BC6-D032-4F4B-8ADB-2F3969867831}"/>
+                <a16:creationId xmlns:a16="http://schemas.microsoft.com/office/drawing/2014/main" id="{5D4C4BC6-D032-4F4B-8ADB-2F3969867831}"/>
               </a:ext>
             </a:extLst>
           </p:cNvPr>
@@ -17365,7 +18029,7 @@
                 <a14:useLocalDpi xmlns:a14="http://schemas.microsoft.com/office/drawing/2010/main" val="0"/>
               </a:ext>
               <a:ext uri="{96DAC541-7B7A-43D3-8B79-37D633B846F1}">
-                <asvg:svgBlip xmlns:asvg="http://schemas.microsoft.com/office/drawing/2016/SVG/main" xmlns="" r:embed="rId6"/>
+                <asvg:svgBlip xmlns:asvg="http://schemas.microsoft.com/office/drawing/2016/SVG/main" r:embed="rId6"/>
               </a:ext>
             </a:extLst>
           </a:blip>
@@ -17388,7 +18052,7 @@
           <p:cNvPr id="10" name="Ábra 9" descr="Kiszolgáló egyszínű kitöltéssel">
             <a:extLst>
               <a:ext uri="{FF2B5EF4-FFF2-40B4-BE49-F238E27FC236}">
-                <a16:creationId xmlns:a16="http://schemas.microsoft.com/office/drawing/2014/main" xmlns="" id="{FB74269D-EE68-45B7-BE3E-C8F09726E07D}"/>
+                <a16:creationId xmlns:a16="http://schemas.microsoft.com/office/drawing/2014/main" id="{FB74269D-EE68-45B7-BE3E-C8F09726E07D}"/>
               </a:ext>
             </a:extLst>
           </p:cNvPr>
@@ -17404,7 +18068,7 @@
                 <a14:useLocalDpi xmlns:a14="http://schemas.microsoft.com/office/drawing/2010/main" val="0"/>
               </a:ext>
               <a:ext uri="{96DAC541-7B7A-43D3-8B79-37D633B846F1}">
-                <asvg:svgBlip xmlns:asvg="http://schemas.microsoft.com/office/drawing/2016/SVG/main" xmlns="" r:embed="rId6"/>
+                <asvg:svgBlip xmlns:asvg="http://schemas.microsoft.com/office/drawing/2016/SVG/main" r:embed="rId6"/>
               </a:ext>
             </a:extLst>
           </a:blip>
@@ -17427,7 +18091,7 @@
           <p:cNvPr id="13" name="Ábra 12" descr="Kiszolgáló egyszínű kitöltéssel">
             <a:extLst>
               <a:ext uri="{FF2B5EF4-FFF2-40B4-BE49-F238E27FC236}">
-                <a16:creationId xmlns:a16="http://schemas.microsoft.com/office/drawing/2014/main" xmlns="" id="{42B9D417-2758-4ABA-9C2A-22AB930591DA}"/>
+                <a16:creationId xmlns:a16="http://schemas.microsoft.com/office/drawing/2014/main" id="{42B9D417-2758-4ABA-9C2A-22AB930591DA}"/>
               </a:ext>
             </a:extLst>
           </p:cNvPr>
@@ -17443,7 +18107,7 @@
                 <a14:useLocalDpi xmlns:a14="http://schemas.microsoft.com/office/drawing/2010/main" val="0"/>
               </a:ext>
               <a:ext uri="{96DAC541-7B7A-43D3-8B79-37D633B846F1}">
-                <asvg:svgBlip xmlns:asvg="http://schemas.microsoft.com/office/drawing/2016/SVG/main" xmlns="" r:embed="rId6"/>
+                <asvg:svgBlip xmlns:asvg="http://schemas.microsoft.com/office/drawing/2016/SVG/main" r:embed="rId6"/>
               </a:ext>
             </a:extLst>
           </a:blip>
@@ -17466,7 +18130,7 @@
           <p:cNvPr id="14" name="Ábra 13" descr="Kiszolgáló egyszínű kitöltéssel">
             <a:extLst>
               <a:ext uri="{FF2B5EF4-FFF2-40B4-BE49-F238E27FC236}">
-                <a16:creationId xmlns:a16="http://schemas.microsoft.com/office/drawing/2014/main" xmlns="" id="{CCF31FE1-2D3C-4AD9-976F-B44ACBE6BA30}"/>
+                <a16:creationId xmlns:a16="http://schemas.microsoft.com/office/drawing/2014/main" id="{CCF31FE1-2D3C-4AD9-976F-B44ACBE6BA30}"/>
               </a:ext>
             </a:extLst>
           </p:cNvPr>
@@ -17482,7 +18146,7 @@
                 <a14:useLocalDpi xmlns:a14="http://schemas.microsoft.com/office/drawing/2010/main" val="0"/>
               </a:ext>
               <a:ext uri="{96DAC541-7B7A-43D3-8B79-37D633B846F1}">
-                <asvg:svgBlip xmlns:asvg="http://schemas.microsoft.com/office/drawing/2016/SVG/main" xmlns="" r:embed="rId6"/>
+                <asvg:svgBlip xmlns:asvg="http://schemas.microsoft.com/office/drawing/2016/SVG/main" r:embed="rId6"/>
               </a:ext>
             </a:extLst>
           </a:blip>
@@ -17505,7 +18169,7 @@
           <p:cNvPr id="15" name="Ábra 14" descr="Kiszolgáló egyszínű kitöltéssel">
             <a:extLst>
               <a:ext uri="{FF2B5EF4-FFF2-40B4-BE49-F238E27FC236}">
-                <a16:creationId xmlns:a16="http://schemas.microsoft.com/office/drawing/2014/main" xmlns="" id="{2067FAB1-ACE9-49C1-AEDA-E8C49C6A4681}"/>
+                <a16:creationId xmlns:a16="http://schemas.microsoft.com/office/drawing/2014/main" id="{2067FAB1-ACE9-49C1-AEDA-E8C49C6A4681}"/>
               </a:ext>
             </a:extLst>
           </p:cNvPr>
@@ -17521,7 +18185,7 @@
                 <a14:useLocalDpi xmlns:a14="http://schemas.microsoft.com/office/drawing/2010/main" val="0"/>
               </a:ext>
               <a:ext uri="{96DAC541-7B7A-43D3-8B79-37D633B846F1}">
-                <asvg:svgBlip xmlns:asvg="http://schemas.microsoft.com/office/drawing/2016/SVG/main" xmlns="" r:embed="rId6"/>
+                <asvg:svgBlip xmlns:asvg="http://schemas.microsoft.com/office/drawing/2016/SVG/main" r:embed="rId6"/>
               </a:ext>
             </a:extLst>
           </a:blip>
@@ -17544,7 +18208,7 @@
           <p:cNvPr id="16" name="Ábra 15" descr="Kiszolgáló egyszínű kitöltéssel">
             <a:extLst>
               <a:ext uri="{FF2B5EF4-FFF2-40B4-BE49-F238E27FC236}">
-                <a16:creationId xmlns:a16="http://schemas.microsoft.com/office/drawing/2014/main" xmlns="" id="{4AF5A067-D566-4776-B279-8462147780A8}"/>
+                <a16:creationId xmlns:a16="http://schemas.microsoft.com/office/drawing/2014/main" id="{4AF5A067-D566-4776-B279-8462147780A8}"/>
               </a:ext>
             </a:extLst>
           </p:cNvPr>
@@ -17560,7 +18224,7 @@
                 <a14:useLocalDpi xmlns:a14="http://schemas.microsoft.com/office/drawing/2010/main" val="0"/>
               </a:ext>
               <a:ext uri="{96DAC541-7B7A-43D3-8B79-37D633B846F1}">
-                <asvg:svgBlip xmlns:asvg="http://schemas.microsoft.com/office/drawing/2016/SVG/main" xmlns="" r:embed="rId6"/>
+                <asvg:svgBlip xmlns:asvg="http://schemas.microsoft.com/office/drawing/2016/SVG/main" r:embed="rId6"/>
               </a:ext>
             </a:extLst>
           </a:blip>
@@ -17583,7 +18247,7 @@
           <p:cNvPr id="19" name="Ellipszis 18">
             <a:extLst>
               <a:ext uri="{FF2B5EF4-FFF2-40B4-BE49-F238E27FC236}">
-                <a16:creationId xmlns:a16="http://schemas.microsoft.com/office/drawing/2014/main" xmlns="" id="{9AA3526F-52A6-45A3-AE16-E8926AE0723B}"/>
+                <a16:creationId xmlns:a16="http://schemas.microsoft.com/office/drawing/2014/main" id="{9AA3526F-52A6-45A3-AE16-E8926AE0723B}"/>
               </a:ext>
             </a:extLst>
           </p:cNvPr>
@@ -17637,7 +18301,7 @@
           <p:cNvPr id="18" name="Kép 17">
             <a:extLst>
               <a:ext uri="{FF2B5EF4-FFF2-40B4-BE49-F238E27FC236}">
-                <a16:creationId xmlns:a16="http://schemas.microsoft.com/office/drawing/2014/main" xmlns="" id="{E62BD2C4-411D-4110-BEFA-6B8A9105827D}"/>
+                <a16:creationId xmlns:a16="http://schemas.microsoft.com/office/drawing/2014/main" id="{E62BD2C4-411D-4110-BEFA-6B8A9105827D}"/>
               </a:ext>
             </a:extLst>
           </p:cNvPr>
@@ -17673,7 +18337,7 @@
           <p:cNvPr id="20" name="Szövegdoboz 19">
             <a:extLst>
               <a:ext uri="{FF2B5EF4-FFF2-40B4-BE49-F238E27FC236}">
-                <a16:creationId xmlns:a16="http://schemas.microsoft.com/office/drawing/2014/main" xmlns="" id="{E999556D-DC61-4113-A20E-F300431021F2}"/>
+                <a16:creationId xmlns:a16="http://schemas.microsoft.com/office/drawing/2014/main" id="{E999556D-DC61-4113-A20E-F300431021F2}"/>
               </a:ext>
             </a:extLst>
           </p:cNvPr>
@@ -17710,7 +18374,7 @@
           <p:cNvPr id="21" name="Szövegdoboz 20">
             <a:extLst>
               <a:ext uri="{FF2B5EF4-FFF2-40B4-BE49-F238E27FC236}">
-                <a16:creationId xmlns:a16="http://schemas.microsoft.com/office/drawing/2014/main" xmlns="" id="{10AED433-989F-4BA4-BA4C-E2508FB3EC27}"/>
+                <a16:creationId xmlns:a16="http://schemas.microsoft.com/office/drawing/2014/main" id="{10AED433-989F-4BA4-BA4C-E2508FB3EC27}"/>
               </a:ext>
             </a:extLst>
           </p:cNvPr>
@@ -17747,7 +18411,7 @@
           <p:cNvPr id="22" name="Szövegdoboz 21">
             <a:extLst>
               <a:ext uri="{FF2B5EF4-FFF2-40B4-BE49-F238E27FC236}">
-                <a16:creationId xmlns:a16="http://schemas.microsoft.com/office/drawing/2014/main" xmlns="" id="{43EFA151-7643-42DE-9F5C-EF4E10932448}"/>
+                <a16:creationId xmlns:a16="http://schemas.microsoft.com/office/drawing/2014/main" id="{43EFA151-7643-42DE-9F5C-EF4E10932448}"/>
               </a:ext>
             </a:extLst>
           </p:cNvPr>
@@ -17784,7 +18448,7 @@
           <p:cNvPr id="23" name="Szövegdoboz 22">
             <a:extLst>
               <a:ext uri="{FF2B5EF4-FFF2-40B4-BE49-F238E27FC236}">
-                <a16:creationId xmlns:a16="http://schemas.microsoft.com/office/drawing/2014/main" xmlns="" id="{CF8FFEFA-675A-4158-884C-F869503BE7FD}"/>
+                <a16:creationId xmlns:a16="http://schemas.microsoft.com/office/drawing/2014/main" id="{CF8FFEFA-675A-4158-884C-F869503BE7FD}"/>
               </a:ext>
             </a:extLst>
           </p:cNvPr>
@@ -17821,7 +18485,7 @@
           <p:cNvPr id="24" name="Szövegdoboz 23">
             <a:extLst>
               <a:ext uri="{FF2B5EF4-FFF2-40B4-BE49-F238E27FC236}">
-                <a16:creationId xmlns:a16="http://schemas.microsoft.com/office/drawing/2014/main" xmlns="" id="{88356821-6AB9-4C21-869D-704DEAB7D7FC}"/>
+                <a16:creationId xmlns:a16="http://schemas.microsoft.com/office/drawing/2014/main" id="{88356821-6AB9-4C21-869D-704DEAB7D7FC}"/>
               </a:ext>
             </a:extLst>
           </p:cNvPr>
@@ -17858,7 +18522,7 @@
           <p:cNvPr id="25" name="Szövegdoboz 24">
             <a:extLst>
               <a:ext uri="{FF2B5EF4-FFF2-40B4-BE49-F238E27FC236}">
-                <a16:creationId xmlns:a16="http://schemas.microsoft.com/office/drawing/2014/main" xmlns="" id="{A21F913D-3335-421C-A005-A072D9EBAA53}"/>
+                <a16:creationId xmlns:a16="http://schemas.microsoft.com/office/drawing/2014/main" id="{A21F913D-3335-421C-A005-A072D9EBAA53}"/>
               </a:ext>
             </a:extLst>
           </p:cNvPr>
@@ -17895,7 +18559,7 @@
           <p:cNvPr id="26" name="Szövegdoboz 25">
             <a:extLst>
               <a:ext uri="{FF2B5EF4-FFF2-40B4-BE49-F238E27FC236}">
-                <a16:creationId xmlns:a16="http://schemas.microsoft.com/office/drawing/2014/main" xmlns="" id="{47C8251B-9EBA-47C5-958B-C7CD037790FA}"/>
+                <a16:creationId xmlns:a16="http://schemas.microsoft.com/office/drawing/2014/main" id="{47C8251B-9EBA-47C5-958B-C7CD037790FA}"/>
               </a:ext>
             </a:extLst>
           </p:cNvPr>
@@ -17932,7 +18596,7 @@
           <p:cNvPr id="27" name="Szövegdoboz 26">
             <a:extLst>
               <a:ext uri="{FF2B5EF4-FFF2-40B4-BE49-F238E27FC236}">
-                <a16:creationId xmlns:a16="http://schemas.microsoft.com/office/drawing/2014/main" xmlns="" id="{B5F6C7A9-9E45-4936-944E-5BF7EA4D6DB9}"/>
+                <a16:creationId xmlns:a16="http://schemas.microsoft.com/office/drawing/2014/main" id="{B5F6C7A9-9E45-4936-944E-5BF7EA4D6DB9}"/>
               </a:ext>
             </a:extLst>
           </p:cNvPr>
@@ -17969,7 +18633,7 @@
           <p:cNvPr id="28" name="Szövegdoboz 27">
             <a:extLst>
               <a:ext uri="{FF2B5EF4-FFF2-40B4-BE49-F238E27FC236}">
-                <a16:creationId xmlns:a16="http://schemas.microsoft.com/office/drawing/2014/main" xmlns="" id="{1974BC66-F989-4D70-8D0B-5AEE5286C387}"/>
+                <a16:creationId xmlns:a16="http://schemas.microsoft.com/office/drawing/2014/main" id="{1974BC66-F989-4D70-8D0B-5AEE5286C387}"/>
               </a:ext>
             </a:extLst>
           </p:cNvPr>
@@ -18006,7 +18670,7 @@
           <p:cNvPr id="35" name="Kép 34">
             <a:extLst>
               <a:ext uri="{FF2B5EF4-FFF2-40B4-BE49-F238E27FC236}">
-                <a16:creationId xmlns:a16="http://schemas.microsoft.com/office/drawing/2014/main" xmlns="" id="{F5FF6DF5-1B38-4A2E-86A0-AE01A8C5DEE5}"/>
+                <a16:creationId xmlns:a16="http://schemas.microsoft.com/office/drawing/2014/main" id="{F5FF6DF5-1B38-4A2E-86A0-AE01A8C5DEE5}"/>
               </a:ext>
             </a:extLst>
           </p:cNvPr>
@@ -18042,7 +18706,7 @@
           <p:cNvPr id="38" name="Kép 37">
             <a:extLst>
               <a:ext uri="{FF2B5EF4-FFF2-40B4-BE49-F238E27FC236}">
-                <a16:creationId xmlns:a16="http://schemas.microsoft.com/office/drawing/2014/main" xmlns="" id="{4D610CC0-25E9-452D-AEF2-FD3DA3F00E3E}"/>
+                <a16:creationId xmlns:a16="http://schemas.microsoft.com/office/drawing/2014/main" id="{4D610CC0-25E9-452D-AEF2-FD3DA3F00E3E}"/>
               </a:ext>
             </a:extLst>
           </p:cNvPr>
@@ -18078,7 +18742,7 @@
           <p:cNvPr id="39" name="Ábra 38">
             <a:extLst>
               <a:ext uri="{FF2B5EF4-FFF2-40B4-BE49-F238E27FC236}">
-                <a16:creationId xmlns:a16="http://schemas.microsoft.com/office/drawing/2014/main" xmlns="" id="{3B38DCE1-3F80-4AA9-B820-C3D05FD60AC7}"/>
+                <a16:creationId xmlns:a16="http://schemas.microsoft.com/office/drawing/2014/main" id="{3B38DCE1-3F80-4AA9-B820-C3D05FD60AC7}"/>
               </a:ext>
             </a:extLst>
           </p:cNvPr>
@@ -18094,7 +18758,7 @@
                 <a14:useLocalDpi xmlns:a14="http://schemas.microsoft.com/office/drawing/2010/main" val="0"/>
               </a:ext>
               <a:ext uri="{96DAC541-7B7A-43D3-8B79-37D633B846F1}">
-                <asvg:svgBlip xmlns:asvg="http://schemas.microsoft.com/office/drawing/2016/SVG/main" xmlns="" r:embed="rId11"/>
+                <asvg:svgBlip xmlns:asvg="http://schemas.microsoft.com/office/drawing/2016/SVG/main" r:embed="rId11"/>
               </a:ext>
             </a:extLst>
           </a:blip>
@@ -18117,7 +18781,7 @@
           <p:cNvPr id="41" name="Kép 40">
             <a:extLst>
               <a:ext uri="{FF2B5EF4-FFF2-40B4-BE49-F238E27FC236}">
-                <a16:creationId xmlns:a16="http://schemas.microsoft.com/office/drawing/2014/main" xmlns="" id="{B7DAB443-B343-4F88-A441-A12A5AD0E4EA}"/>
+                <a16:creationId xmlns:a16="http://schemas.microsoft.com/office/drawing/2014/main" id="{B7DAB443-B343-4F88-A441-A12A5AD0E4EA}"/>
               </a:ext>
             </a:extLst>
           </p:cNvPr>
@@ -18153,7 +18817,7 @@
           <p:cNvPr id="42" name="Kép 41">
             <a:extLst>
               <a:ext uri="{FF2B5EF4-FFF2-40B4-BE49-F238E27FC236}">
-                <a16:creationId xmlns:a16="http://schemas.microsoft.com/office/drawing/2014/main" xmlns="" id="{076AE416-459C-4148-AB8B-FD5B66B329A7}"/>
+                <a16:creationId xmlns:a16="http://schemas.microsoft.com/office/drawing/2014/main" id="{076AE416-459C-4148-AB8B-FD5B66B329A7}"/>
               </a:ext>
             </a:extLst>
           </p:cNvPr>
@@ -18189,7 +18853,7 @@
           <p:cNvPr id="43" name="Kép 42">
             <a:extLst>
               <a:ext uri="{FF2B5EF4-FFF2-40B4-BE49-F238E27FC236}">
-                <a16:creationId xmlns:a16="http://schemas.microsoft.com/office/drawing/2014/main" xmlns="" id="{64431649-6991-4B23-B01F-672B11838358}"/>
+                <a16:creationId xmlns:a16="http://schemas.microsoft.com/office/drawing/2014/main" id="{64431649-6991-4B23-B01F-672B11838358}"/>
               </a:ext>
             </a:extLst>
           </p:cNvPr>
@@ -18225,7 +18889,7 @@
           <p:cNvPr id="44" name="Kép 43">
             <a:extLst>
               <a:ext uri="{FF2B5EF4-FFF2-40B4-BE49-F238E27FC236}">
-                <a16:creationId xmlns:a16="http://schemas.microsoft.com/office/drawing/2014/main" xmlns="" id="{CA2E8A35-411F-4B15-9BF7-627AD1BB9C0A}"/>
+                <a16:creationId xmlns:a16="http://schemas.microsoft.com/office/drawing/2014/main" id="{CA2E8A35-411F-4B15-9BF7-627AD1BB9C0A}"/>
               </a:ext>
             </a:extLst>
           </p:cNvPr>
@@ -18261,7 +18925,7 @@
           <p:cNvPr id="46" name="Kép 45">
             <a:extLst>
               <a:ext uri="{FF2B5EF4-FFF2-40B4-BE49-F238E27FC236}">
-                <a16:creationId xmlns:a16="http://schemas.microsoft.com/office/drawing/2014/main" xmlns="" id="{F3C9A1FF-6BD4-469D-A407-F6E89C3C0919}"/>
+                <a16:creationId xmlns:a16="http://schemas.microsoft.com/office/drawing/2014/main" id="{F3C9A1FF-6BD4-469D-A407-F6E89C3C0919}"/>
               </a:ext>
             </a:extLst>
           </p:cNvPr>
@@ -18297,7 +18961,7 @@
           <p:cNvPr id="12" name="Ábra 11" descr="Kiszolgáló egyszínű kitöltéssel">
             <a:extLst>
               <a:ext uri="{FF2B5EF4-FFF2-40B4-BE49-F238E27FC236}">
-                <a16:creationId xmlns:a16="http://schemas.microsoft.com/office/drawing/2014/main" xmlns="" id="{0EC66D18-6957-49F9-BA7F-292A5947755D}"/>
+                <a16:creationId xmlns:a16="http://schemas.microsoft.com/office/drawing/2014/main" id="{0EC66D18-6957-49F9-BA7F-292A5947755D}"/>
               </a:ext>
             </a:extLst>
           </p:cNvPr>
@@ -18313,7 +18977,7 @@
                 <a14:useLocalDpi xmlns:a14="http://schemas.microsoft.com/office/drawing/2010/main" val="0"/>
               </a:ext>
               <a:ext uri="{96DAC541-7B7A-43D3-8B79-37D633B846F1}">
-                <asvg:svgBlip xmlns:asvg="http://schemas.microsoft.com/office/drawing/2016/SVG/main" xmlns="" r:embed="rId6"/>
+                <asvg:svgBlip xmlns:asvg="http://schemas.microsoft.com/office/drawing/2016/SVG/main" r:embed="rId6"/>
               </a:ext>
             </a:extLst>
           </a:blip>
@@ -18336,7 +19000,7 @@
           <p:cNvPr id="11" name="Ábra 10" descr="Kiszolgáló egyszínű kitöltéssel">
             <a:extLst>
               <a:ext uri="{FF2B5EF4-FFF2-40B4-BE49-F238E27FC236}">
-                <a16:creationId xmlns:a16="http://schemas.microsoft.com/office/drawing/2014/main" xmlns="" id="{423E39F0-3B2F-479D-BD34-185157BF0752}"/>
+                <a16:creationId xmlns:a16="http://schemas.microsoft.com/office/drawing/2014/main" id="{423E39F0-3B2F-479D-BD34-185157BF0752}"/>
               </a:ext>
             </a:extLst>
           </p:cNvPr>
@@ -18352,7 +19016,7 @@
                 <a14:useLocalDpi xmlns:a14="http://schemas.microsoft.com/office/drawing/2010/main" val="0"/>
               </a:ext>
               <a:ext uri="{96DAC541-7B7A-43D3-8B79-37D633B846F1}">
-                <asvg:svgBlip xmlns:asvg="http://schemas.microsoft.com/office/drawing/2016/SVG/main" xmlns="" r:embed="rId6"/>
+                <asvg:svgBlip xmlns:asvg="http://schemas.microsoft.com/office/drawing/2016/SVG/main" r:embed="rId6"/>
               </a:ext>
             </a:extLst>
           </a:blip>
@@ -18405,7 +19069,7 @@
           <p:cNvPr id="4" name="Téglalap 3">
             <a:extLst>
               <a:ext uri="{FF2B5EF4-FFF2-40B4-BE49-F238E27FC236}">
-                <a16:creationId xmlns:a16="http://schemas.microsoft.com/office/drawing/2014/main" xmlns="" id="{8BD487A9-291B-4431-B206-E0C3CBAE0751}"/>
+                <a16:creationId xmlns:a16="http://schemas.microsoft.com/office/drawing/2014/main" id="{8BD487A9-291B-4431-B206-E0C3CBAE0751}"/>
               </a:ext>
             </a:extLst>
           </p:cNvPr>
@@ -18457,7 +19121,7 @@
           <p:cNvPr id="5" name="Szövegdoboz 4">
             <a:extLst>
               <a:ext uri="{FF2B5EF4-FFF2-40B4-BE49-F238E27FC236}">
-                <a16:creationId xmlns:a16="http://schemas.microsoft.com/office/drawing/2014/main" xmlns="" id="{1EC28930-1467-4715-8C76-50B042559670}"/>
+                <a16:creationId xmlns:a16="http://schemas.microsoft.com/office/drawing/2014/main" id="{1EC28930-1467-4715-8C76-50B042559670}"/>
               </a:ext>
             </a:extLst>
           </p:cNvPr>
@@ -18497,7 +19161,7 @@
           <p:cNvPr id="6" name="Ábra 5">
             <a:extLst>
               <a:ext uri="{FF2B5EF4-FFF2-40B4-BE49-F238E27FC236}">
-                <a16:creationId xmlns:a16="http://schemas.microsoft.com/office/drawing/2014/main" xmlns="" id="{D235D0E3-82EC-4D73-A17C-3640E718B117}"/>
+                <a16:creationId xmlns:a16="http://schemas.microsoft.com/office/drawing/2014/main" id="{D235D0E3-82EC-4D73-A17C-3640E718B117}"/>
               </a:ext>
             </a:extLst>
           </p:cNvPr>
@@ -18513,7 +19177,7 @@
                 <a14:useLocalDpi xmlns:a14="http://schemas.microsoft.com/office/drawing/2010/main" val="0"/>
               </a:ext>
               <a:ext uri="{96DAC541-7B7A-43D3-8B79-37D633B846F1}">
-                <asvg:svgBlip xmlns:asvg="http://schemas.microsoft.com/office/drawing/2016/SVG/main" xmlns="" r:embed="rId3"/>
+                <asvg:svgBlip xmlns:asvg="http://schemas.microsoft.com/office/drawing/2016/SVG/main" r:embed="rId3"/>
               </a:ext>
             </a:extLst>
           </a:blip>
@@ -18536,7 +19200,7 @@
           <p:cNvPr id="7" name="Kép 6">
             <a:extLst>
               <a:ext uri="{FF2B5EF4-FFF2-40B4-BE49-F238E27FC236}">
-                <a16:creationId xmlns:a16="http://schemas.microsoft.com/office/drawing/2014/main" xmlns="" id="{ED7944D8-8CD6-432D-843E-D9E6ACA7775F}"/>
+                <a16:creationId xmlns:a16="http://schemas.microsoft.com/office/drawing/2014/main" id="{ED7944D8-8CD6-432D-843E-D9E6ACA7775F}"/>
               </a:ext>
             </a:extLst>
           </p:cNvPr>
@@ -18572,7 +19236,7 @@
           <p:cNvPr id="9" name="Kép 8">
             <a:extLst>
               <a:ext uri="{FF2B5EF4-FFF2-40B4-BE49-F238E27FC236}">
-                <a16:creationId xmlns:a16="http://schemas.microsoft.com/office/drawing/2014/main" xmlns="" id="{AD6BF033-0FD1-4230-A4A4-2C2F974697CC}"/>
+                <a16:creationId xmlns:a16="http://schemas.microsoft.com/office/drawing/2014/main" id="{AD6BF033-0FD1-4230-A4A4-2C2F974697CC}"/>
               </a:ext>
             </a:extLst>
           </p:cNvPr>
@@ -18632,7 +19296,7 @@
           <p:cNvPr id="4" name="Téglalap 3">
             <a:extLst>
               <a:ext uri="{FF2B5EF4-FFF2-40B4-BE49-F238E27FC236}">
-                <a16:creationId xmlns:a16="http://schemas.microsoft.com/office/drawing/2014/main" xmlns="" id="{E3EEB5A6-8032-4DA9-BADC-AE838DA56D25}"/>
+                <a16:creationId xmlns:a16="http://schemas.microsoft.com/office/drawing/2014/main" id="{E3EEB5A6-8032-4DA9-BADC-AE838DA56D25}"/>
               </a:ext>
             </a:extLst>
           </p:cNvPr>
@@ -18684,7 +19348,7 @@
           <p:cNvPr id="5" name="Ábra 4">
             <a:extLst>
               <a:ext uri="{FF2B5EF4-FFF2-40B4-BE49-F238E27FC236}">
-                <a16:creationId xmlns:a16="http://schemas.microsoft.com/office/drawing/2014/main" xmlns="" id="{997D810F-2283-4E1A-8039-61B3FA1C8089}"/>
+                <a16:creationId xmlns:a16="http://schemas.microsoft.com/office/drawing/2014/main" id="{997D810F-2283-4E1A-8039-61B3FA1C8089}"/>
               </a:ext>
             </a:extLst>
           </p:cNvPr>
@@ -18700,7 +19364,7 @@
                 <a14:useLocalDpi xmlns:a14="http://schemas.microsoft.com/office/drawing/2010/main" val="0"/>
               </a:ext>
               <a:ext uri="{96DAC541-7B7A-43D3-8B79-37D633B846F1}">
-                <asvg:svgBlip xmlns:asvg="http://schemas.microsoft.com/office/drawing/2016/SVG/main" xmlns="" r:embed="rId3"/>
+                <asvg:svgBlip xmlns:asvg="http://schemas.microsoft.com/office/drawing/2016/SVG/main" r:embed="rId3"/>
               </a:ext>
             </a:extLst>
           </a:blip>
@@ -18723,7 +19387,7 @@
           <p:cNvPr id="6" name="Kép 5">
             <a:extLst>
               <a:ext uri="{FF2B5EF4-FFF2-40B4-BE49-F238E27FC236}">
-                <a16:creationId xmlns:a16="http://schemas.microsoft.com/office/drawing/2014/main" xmlns="" id="{A006EA08-3723-47A7-9FD7-B7CE2E13FD96}"/>
+                <a16:creationId xmlns:a16="http://schemas.microsoft.com/office/drawing/2014/main" id="{A006EA08-3723-47A7-9FD7-B7CE2E13FD96}"/>
               </a:ext>
             </a:extLst>
           </p:cNvPr>
@@ -18759,7 +19423,7 @@
           <p:cNvPr id="7" name="Szövegdoboz 6">
             <a:extLst>
               <a:ext uri="{FF2B5EF4-FFF2-40B4-BE49-F238E27FC236}">
-                <a16:creationId xmlns:a16="http://schemas.microsoft.com/office/drawing/2014/main" xmlns="" id="{DEB5B8C6-62F7-4945-AD4F-F38B274E0B6C}"/>
+                <a16:creationId xmlns:a16="http://schemas.microsoft.com/office/drawing/2014/main" id="{DEB5B8C6-62F7-4945-AD4F-F38B274E0B6C}"/>
               </a:ext>
             </a:extLst>
           </p:cNvPr>
@@ -18799,7 +19463,7 @@
           <p:cNvPr id="8" name="Szövegdoboz 7">
             <a:extLst>
               <a:ext uri="{FF2B5EF4-FFF2-40B4-BE49-F238E27FC236}">
-                <a16:creationId xmlns:a16="http://schemas.microsoft.com/office/drawing/2014/main" xmlns="" id="{7B8C9798-3D41-4AB6-AC5B-8A91FA70FA40}"/>
+                <a16:creationId xmlns:a16="http://schemas.microsoft.com/office/drawing/2014/main" id="{7B8C9798-3D41-4AB6-AC5B-8A91FA70FA40}"/>
               </a:ext>
             </a:extLst>
           </p:cNvPr>
@@ -18854,7 +19518,7 @@
           <p:cNvPr id="9" name="Kép 8">
             <a:extLst>
               <a:ext uri="{FF2B5EF4-FFF2-40B4-BE49-F238E27FC236}">
-                <a16:creationId xmlns:a16="http://schemas.microsoft.com/office/drawing/2014/main" xmlns="" id="{F3627E28-09E7-4C20-93CC-8C87E77DE2BE}"/>
+                <a16:creationId xmlns:a16="http://schemas.microsoft.com/office/drawing/2014/main" id="{F3627E28-09E7-4C20-93CC-8C87E77DE2BE}"/>
               </a:ext>
             </a:extLst>
           </p:cNvPr>
@@ -18890,7 +19554,7 @@
           <p:cNvPr id="10" name="Szövegdoboz 9">
             <a:extLst>
               <a:ext uri="{FF2B5EF4-FFF2-40B4-BE49-F238E27FC236}">
-                <a16:creationId xmlns:a16="http://schemas.microsoft.com/office/drawing/2014/main" xmlns="" id="{340B72D6-482D-4A74-819A-BB67B4940F55}"/>
+                <a16:creationId xmlns:a16="http://schemas.microsoft.com/office/drawing/2014/main" id="{340B72D6-482D-4A74-819A-BB67B4940F55}"/>
               </a:ext>
             </a:extLst>
           </p:cNvPr>
@@ -19047,7 +19711,7 @@
           <p:cNvPr id="14" name="Kép 13">
             <a:extLst>
               <a:ext uri="{FF2B5EF4-FFF2-40B4-BE49-F238E27FC236}">
-                <a16:creationId xmlns:a16="http://schemas.microsoft.com/office/drawing/2014/main" xmlns="" id="{9D6836BB-49C7-46E7-A726-05FA99A91951}"/>
+                <a16:creationId xmlns:a16="http://schemas.microsoft.com/office/drawing/2014/main" id="{9D6836BB-49C7-46E7-A726-05FA99A91951}"/>
               </a:ext>
             </a:extLst>
           </p:cNvPr>
@@ -19083,7 +19747,7 @@
           <p:cNvPr id="16" name="Ábra 15">
             <a:extLst>
               <a:ext uri="{FF2B5EF4-FFF2-40B4-BE49-F238E27FC236}">
-                <a16:creationId xmlns:a16="http://schemas.microsoft.com/office/drawing/2014/main" xmlns="" id="{CD8659B6-F7F6-4820-BA2D-D045F2760D8D}"/>
+                <a16:creationId xmlns:a16="http://schemas.microsoft.com/office/drawing/2014/main" id="{CD8659B6-F7F6-4820-BA2D-D045F2760D8D}"/>
               </a:ext>
             </a:extLst>
           </p:cNvPr>
@@ -19099,7 +19763,7 @@
                 <a14:useLocalDpi xmlns:a14="http://schemas.microsoft.com/office/drawing/2010/main" val="0"/>
               </a:ext>
               <a:ext uri="{96DAC541-7B7A-43D3-8B79-37D633B846F1}">
-                <asvg:svgBlip xmlns:asvg="http://schemas.microsoft.com/office/drawing/2016/SVG/main" xmlns="" r:embed="rId8"/>
+                <asvg:svgBlip xmlns:asvg="http://schemas.microsoft.com/office/drawing/2016/SVG/main" r:embed="rId8"/>
               </a:ext>
             </a:extLst>
           </a:blip>

--- a/Témalabor - Centralized log server.pptx
+++ b/Témalabor - Centralized log server.pptx
@@ -11722,11 +11722,12 @@
               </a:rPr>
               <a:t> </a:t>
             </a:r>
-            <a:br>
-              <a:rPr lang="hu-HU" dirty="0">
-                <a:latin typeface="Abadi" panose="020B0604020104020204" pitchFamily="34" charset="0"/>
-              </a:rPr>
-            </a:br>
+          </a:p>
+          <a:p>
+            <a:pPr marL="285750" indent="-285750">
+              <a:buFont typeface="Arial" panose="020B0604020202020204" pitchFamily="34" charset="0"/>
+              <a:buChar char="•"/>
+            </a:pPr>
             <a:r>
               <a:rPr lang="hu-HU" dirty="0" err="1">
                 <a:latin typeface="Abadi" panose="020B0604020104020204" pitchFamily="34" charset="0"/>
@@ -11976,10 +11977,15 @@
             <p:ph idx="1"/>
           </p:nvPr>
         </p:nvSpPr>
-        <p:spPr/>
+        <p:spPr>
+          <a:xfrm>
+            <a:off x="668726" y="847148"/>
+            <a:ext cx="10515600" cy="4351338"/>
+          </a:xfrm>
+        </p:spPr>
         <p:txBody>
           <a:bodyPr>
-            <a:normAutofit fontScale="85000" lnSpcReduction="20000"/>
+            <a:normAutofit fontScale="92500" lnSpcReduction="10000"/>
           </a:bodyPr>
           <a:lstStyle/>
           <a:p>
@@ -12145,12 +12151,9 @@
             </a:r>
           </a:p>
           <a:p>
-            <a:endParaRPr lang="hu-HU" b="0" dirty="0">
-              <a:effectLst/>
-              <a:latin typeface="Abadi" panose="020B0604020104020204" pitchFamily="34" charset="0"/>
-            </a:endParaRPr>
-          </a:p>
-          <a:p>
+            <a:pPr marL="0" indent="0">
+              <a:buNone/>
+            </a:pPr>
             <a:br>
               <a:rPr lang="hu-HU" b="0" dirty="0">
                 <a:effectLst/>
@@ -12199,106 +12202,6 @@
           <a:chExt cx="0" cy="0"/>
         </a:xfrm>
       </p:grpSpPr>
-      <p:sp>
-        <p:nvSpPr>
-          <p:cNvPr id="2" name="Cím 1">
-            <a:extLst>
-              <a:ext uri="{FF2B5EF4-FFF2-40B4-BE49-F238E27FC236}">
-                <a16:creationId xmlns:a16="http://schemas.microsoft.com/office/drawing/2014/main" id="{67FFE128-28A9-4095-B99A-C85CCB9D94D4}"/>
-              </a:ext>
-            </a:extLst>
-          </p:cNvPr>
-          <p:cNvSpPr>
-            <a:spLocks noGrp="1"/>
-          </p:cNvSpPr>
-          <p:nvPr>
-            <p:ph type="title"/>
-          </p:nvPr>
-        </p:nvSpPr>
-        <p:spPr>
-          <a:xfrm>
-            <a:off x="110067" y="500591"/>
-            <a:ext cx="10515600" cy="1325563"/>
-          </a:xfrm>
-        </p:spPr>
-        <p:txBody>
-          <a:bodyPr>
-            <a:normAutofit fontScale="90000"/>
-          </a:bodyPr>
-          <a:lstStyle/>
-          <a:p>
-            <a:r>
-              <a:rPr lang="hu-HU" b="0" i="0" cap="all" dirty="0">
-                <a:solidFill>
-                  <a:srgbClr val="1A1A1B"/>
-                </a:solidFill>
-                <a:effectLst/>
-                <a:latin typeface="Agency FB" panose="020B0503020202020204" pitchFamily="34" charset="0"/>
-              </a:rPr>
-              <a:t>SEARCH</a:t>
-            </a:r>
-            <a:r>
-              <a:rPr lang="hu-HU" b="0" i="0" cap="all" dirty="0">
-                <a:solidFill>
-                  <a:srgbClr val="1A1A1B"/>
-                </a:solidFill>
-                <a:effectLst/>
-                <a:latin typeface="Oswald" panose="020B0604020202020204" pitchFamily="2" charset="-18"/>
-              </a:rPr>
-              <a:t> </a:t>
-            </a:r>
-            <a:r>
-              <a:rPr lang="hu-HU" b="0" i="0" cap="all" dirty="0">
-                <a:solidFill>
-                  <a:srgbClr val="1A1A1B"/>
-                </a:solidFill>
-                <a:effectLst/>
-                <a:latin typeface="Agency FB" panose="020B0503020202020204" pitchFamily="34" charset="0"/>
-              </a:rPr>
-              <a:t>QUERY</a:t>
-            </a:r>
-            <a:r>
-              <a:rPr lang="hu-HU" b="0" i="0" cap="all" dirty="0">
-                <a:solidFill>
-                  <a:srgbClr val="1A1A1B"/>
-                </a:solidFill>
-                <a:effectLst/>
-                <a:latin typeface="Oswald" panose="020B0604020202020204" pitchFamily="2" charset="-18"/>
-              </a:rPr>
-              <a:t> </a:t>
-            </a:r>
-            <a:r>
-              <a:rPr lang="hu-HU" b="0" i="0" cap="all" dirty="0">
-                <a:solidFill>
-                  <a:srgbClr val="1A1A1B"/>
-                </a:solidFill>
-                <a:effectLst/>
-                <a:latin typeface="Agency FB" panose="020B0503020202020204" pitchFamily="34" charset="0"/>
-              </a:rPr>
-              <a:t>LANGUAGE</a:t>
-            </a:r>
-            <a:br>
-              <a:rPr lang="hu-HU" b="0" i="0" cap="all" dirty="0">
-                <a:solidFill>
-                  <a:srgbClr val="1A1A1B"/>
-                </a:solidFill>
-                <a:effectLst/>
-                <a:latin typeface="Oswald" panose="020B0604020202020204" pitchFamily="2" charset="-18"/>
-              </a:rPr>
-            </a:br>
-            <a:br>
-              <a:rPr lang="hu-HU" b="0" i="0" dirty="0">
-                <a:solidFill>
-                  <a:srgbClr val="8E8E8E"/>
-                </a:solidFill>
-                <a:effectLst/>
-                <a:latin typeface="Oswald" panose="020B0604020202020204" pitchFamily="2" charset="-18"/>
-              </a:rPr>
-            </a:br>
-            <a:endParaRPr lang="hu-HU" dirty="0"/>
-          </a:p>
-        </p:txBody>
-      </p:sp>
       <p:pic>
         <p:nvPicPr>
           <p:cNvPr id="5" name="Tartalom helye 4">
@@ -12323,11 +12226,175 @@
         </p:blipFill>
         <p:spPr>
           <a:xfrm>
-            <a:off x="4175681" y="1851025"/>
+            <a:off x="1264530" y="1253331"/>
             <a:ext cx="7178119" cy="4351338"/>
           </a:xfrm>
         </p:spPr>
       </p:pic>
+      <p:sp>
+        <p:nvSpPr>
+          <p:cNvPr id="4" name="Téglalap 3">
+            <a:extLst>
+              <a:ext uri="{FF2B5EF4-FFF2-40B4-BE49-F238E27FC236}">
+                <a16:creationId xmlns:a16="http://schemas.microsoft.com/office/drawing/2014/main" id="{99203289-90F4-45F2-9673-7E44EB910332}"/>
+              </a:ext>
+            </a:extLst>
+          </p:cNvPr>
+          <p:cNvSpPr/>
+          <p:nvPr/>
+        </p:nvSpPr>
+        <p:spPr>
+          <a:xfrm>
+            <a:off x="0" y="0"/>
+            <a:ext cx="274320" cy="6858000"/>
+          </a:xfrm>
+          <a:prstGeom prst="rect">
+            <a:avLst/>
+          </a:prstGeom>
+          <a:solidFill>
+            <a:srgbClr val="A01B17"/>
+          </a:solidFill>
+          <a:ln>
+            <a:noFill/>
+          </a:ln>
+        </p:spPr>
+        <p:style>
+          <a:lnRef idx="2">
+            <a:schemeClr val="accent1">
+              <a:shade val="50000"/>
+            </a:schemeClr>
+          </a:lnRef>
+          <a:fillRef idx="1">
+            <a:schemeClr val="accent1"/>
+          </a:fillRef>
+          <a:effectRef idx="0">
+            <a:schemeClr val="accent1"/>
+          </a:effectRef>
+          <a:fontRef idx="minor">
+            <a:schemeClr val="lt1"/>
+          </a:fontRef>
+        </p:style>
+        <p:txBody>
+          <a:bodyPr rtlCol="0" anchor="ctr"/>
+          <a:lstStyle/>
+          <a:p>
+            <a:pPr algn="ctr"/>
+            <a:endParaRPr lang="hu-HU"/>
+          </a:p>
+        </p:txBody>
+      </p:sp>
+      <p:pic>
+        <p:nvPicPr>
+          <p:cNvPr id="6" name="Ábra 5">
+            <a:extLst>
+              <a:ext uri="{FF2B5EF4-FFF2-40B4-BE49-F238E27FC236}">
+                <a16:creationId xmlns:a16="http://schemas.microsoft.com/office/drawing/2014/main" id="{0735D8E8-3B8F-4951-A68D-84963FB383DB}"/>
+              </a:ext>
+            </a:extLst>
+          </p:cNvPr>
+          <p:cNvPicPr>
+            <a:picLocks noChangeAspect="1"/>
+          </p:cNvPicPr>
+          <p:nvPr/>
+        </p:nvPicPr>
+        <p:blipFill>
+          <a:blip r:embed="rId3" cstate="print">
+            <a:extLst>
+              <a:ext uri="{28A0092B-C50C-407E-A947-70E740481C1C}">
+                <a14:useLocalDpi xmlns:a14="http://schemas.microsoft.com/office/drawing/2010/main" val="0"/>
+              </a:ext>
+              <a:ext uri="{96DAC541-7B7A-43D3-8B79-37D633B846F1}">
+                <asvg:svgBlip xmlns:asvg="http://schemas.microsoft.com/office/drawing/2016/SVG/main" r:embed="rId4"/>
+              </a:ext>
+            </a:extLst>
+          </a:blip>
+          <a:stretch>
+            <a:fillRect/>
+          </a:stretch>
+        </p:blipFill>
+        <p:spPr>
+          <a:xfrm>
+            <a:off x="10649436" y="5366437"/>
+            <a:ext cx="1406504" cy="1358419"/>
+          </a:xfrm>
+          <a:prstGeom prst="rect">
+            <a:avLst/>
+          </a:prstGeom>
+        </p:spPr>
+      </p:pic>
+      <p:pic>
+        <p:nvPicPr>
+          <p:cNvPr id="7" name="Kép 6">
+            <a:extLst>
+              <a:ext uri="{FF2B5EF4-FFF2-40B4-BE49-F238E27FC236}">
+                <a16:creationId xmlns:a16="http://schemas.microsoft.com/office/drawing/2014/main" id="{EE3A0A4F-FDA8-4657-A7EE-5F034DE0E737}"/>
+              </a:ext>
+            </a:extLst>
+          </p:cNvPr>
+          <p:cNvPicPr>
+            <a:picLocks noChangeAspect="1"/>
+          </p:cNvPicPr>
+          <p:nvPr/>
+        </p:nvPicPr>
+        <p:blipFill>
+          <a:blip r:embed="rId5" cstate="print">
+            <a:extLst>
+              <a:ext uri="{28A0092B-C50C-407E-A947-70E740481C1C}">
+                <a14:useLocalDpi xmlns:a14="http://schemas.microsoft.com/office/drawing/2010/main" val="0"/>
+              </a:ext>
+            </a:extLst>
+          </a:blip>
+          <a:stretch>
+            <a:fillRect/>
+          </a:stretch>
+        </p:blipFill>
+        <p:spPr>
+          <a:xfrm>
+            <a:off x="11578732" y="2553"/>
+            <a:ext cx="613267" cy="613267"/>
+          </a:xfrm>
+          <a:prstGeom prst="rect">
+            <a:avLst/>
+          </a:prstGeom>
+        </p:spPr>
+      </p:pic>
+      <p:sp>
+        <p:nvSpPr>
+          <p:cNvPr id="9" name="Szövegdoboz 8">
+            <a:extLst>
+              <a:ext uri="{FF2B5EF4-FFF2-40B4-BE49-F238E27FC236}">
+                <a16:creationId xmlns:a16="http://schemas.microsoft.com/office/drawing/2014/main" id="{1A502F05-CD5F-42D0-9549-9F22F3A02CE6}"/>
+              </a:ext>
+            </a:extLst>
+          </p:cNvPr>
+          <p:cNvSpPr txBox="1"/>
+          <p:nvPr/>
+        </p:nvSpPr>
+        <p:spPr>
+          <a:xfrm>
+            <a:off x="274320" y="0"/>
+            <a:ext cx="4368504" cy="707886"/>
+          </a:xfrm>
+          <a:prstGeom prst="rect">
+            <a:avLst/>
+          </a:prstGeom>
+          <a:noFill/>
+        </p:spPr>
+        <p:txBody>
+          <a:bodyPr wrap="none" rtlCol="0">
+            <a:spAutoFit/>
+          </a:bodyPr>
+          <a:lstStyle/>
+          <a:p>
+            <a:r>
+              <a:rPr lang="hu-HU" sz="4000" dirty="0">
+                <a:latin typeface="Agency FB" panose="020B0503020202020204" pitchFamily="34" charset="0"/>
+              </a:rPr>
+              <a:t>SEARCH QUERY LANGUAGE</a:t>
+            </a:r>
+          </a:p>
+        </p:txBody>
+      </p:sp>
     </p:spTree>
     <p:extLst>
       <p:ext uri="{BB962C8B-B14F-4D97-AF65-F5344CB8AC3E}">

--- a/Témalabor - Centralized log server.pptx
+++ b/Témalabor - Centralized log server.pptx
@@ -29,11 +29,13 @@
     <p:sldId id="283" r:id="rId23"/>
     <p:sldId id="284" r:id="rId24"/>
     <p:sldId id="286" r:id="rId25"/>
-    <p:sldId id="285" r:id="rId26"/>
-    <p:sldId id="272" r:id="rId27"/>
-    <p:sldId id="277" r:id="rId28"/>
-    <p:sldId id="275" r:id="rId29"/>
-    <p:sldId id="274" r:id="rId30"/>
+    <p:sldId id="288" r:id="rId26"/>
+    <p:sldId id="289" r:id="rId27"/>
+    <p:sldId id="290" r:id="rId28"/>
+    <p:sldId id="272" r:id="rId29"/>
+    <p:sldId id="277" r:id="rId30"/>
+    <p:sldId id="275" r:id="rId31"/>
+    <p:sldId id="274" r:id="rId32"/>
   </p:sldIdLst>
   <p:sldSz cx="12192000" cy="6858000"/>
   <p:notesSz cx="6858000" cy="9144000"/>
@@ -11935,7 +11937,7 @@
         <p:spPr>
           <a:xfrm>
             <a:off x="274320" y="19909"/>
-            <a:ext cx="2428870" cy="707886"/>
+            <a:ext cx="1545616" cy="707886"/>
           </a:xfrm>
           <a:prstGeom prst="rect">
             <a:avLst/>
@@ -11955,7 +11957,7 @@
                 </a:solidFill>
                 <a:latin typeface="Agency FB" panose="020B0503020202020204" pitchFamily="34" charset="0"/>
               </a:rPr>
-              <a:t>Log források</a:t>
+              <a:t>Filebeat</a:t>
             </a:r>
           </a:p>
         </p:txBody>
@@ -11976,199 +11978,135 @@
             <p:ph idx="1"/>
           </p:nvPr>
         </p:nvSpPr>
-        <p:spPr/>
+        <p:spPr>
+          <a:xfrm>
+            <a:off x="668726" y="913499"/>
+            <a:ext cx="10515600" cy="4351338"/>
+          </a:xfrm>
+        </p:spPr>
         <p:txBody>
           <a:bodyPr>
-            <a:normAutofit fontScale="85000" lnSpcReduction="20000"/>
+            <a:normAutofit/>
           </a:bodyPr>
           <a:lstStyle/>
           <a:p>
-            <a:endParaRPr lang="hu-HU" b="0" dirty="0">
-              <a:effectLst/>
-              <a:latin typeface="Abadi" panose="020B0604020104020204" pitchFamily="34" charset="0"/>
-            </a:endParaRPr>
-          </a:p>
-          <a:p>
+            <a:pPr marL="0" indent="0">
+              <a:buNone/>
+            </a:pPr>
+            <a:r>
+              <a:rPr lang="hu-HU" b="0" dirty="0">
+                <a:effectLst/>
+                <a:latin typeface="Abadi" panose="020B0604020104020204" pitchFamily="34" charset="0"/>
+              </a:rPr>
+              <a:t>A </a:t>
+            </a:r>
             <a:r>
               <a:rPr lang="hu-HU" b="0" dirty="0" err="1">
                 <a:effectLst/>
                 <a:latin typeface="Abadi" panose="020B0604020104020204" pitchFamily="34" charset="0"/>
               </a:rPr>
-              <a:t>Syslog</a:t>
+              <a:t>logok</a:t>
             </a:r>
             <a:r>
               <a:rPr lang="hu-HU" b="0" dirty="0">
                 <a:effectLst/>
                 <a:latin typeface="Abadi" panose="020B0604020104020204" pitchFamily="34" charset="0"/>
               </a:rPr>
-              <a:t> </a:t>
-            </a:r>
-          </a:p>
-          <a:p>
-            <a:r>
-              <a:rPr lang="hu-HU" b="0" dirty="0" err="1">
-                <a:effectLst/>
-                <a:latin typeface="Abadi" panose="020B0604020104020204" pitchFamily="34" charset="0"/>
-              </a:rPr>
-              <a:t>Journald</a:t>
-            </a:r>
-            <a:endParaRPr lang="hu-HU" b="0" dirty="0">
-              <a:effectLst/>
-              <a:latin typeface="Abadi" panose="020B0604020104020204" pitchFamily="34" charset="0"/>
-            </a:endParaRPr>
-          </a:p>
-          <a:p>
-            <a:r>
-              <a:rPr lang="hu-HU" b="0" dirty="0">
-                <a:effectLst/>
-                <a:latin typeface="Abadi" panose="020B0604020104020204" pitchFamily="34" charset="0"/>
-              </a:rPr>
-              <a:t>Windows </a:t>
-            </a:r>
-            <a:r>
-              <a:rPr lang="hu-HU" b="0" dirty="0" err="1">
-                <a:effectLst/>
-                <a:latin typeface="Abadi" panose="020B0604020104020204" pitchFamily="34" charset="0"/>
-              </a:rPr>
-              <a:t>eventlog</a:t>
-            </a:r>
-            <a:endParaRPr lang="hu-HU" b="0" dirty="0">
-              <a:effectLst/>
-              <a:latin typeface="Abadi" panose="020B0604020104020204" pitchFamily="34" charset="0"/>
-            </a:endParaRPr>
-          </a:p>
-          <a:p>
-            <a:r>
-              <a:rPr lang="hu-HU" b="0" dirty="0" err="1">
-                <a:effectLst/>
-                <a:latin typeface="Abadi" panose="020B0604020104020204" pitchFamily="34" charset="0"/>
-              </a:rPr>
-              <a:t>Raw</a:t>
-            </a:r>
-            <a:r>
-              <a:rPr lang="hu-HU" b="0" dirty="0">
-                <a:effectLst/>
-                <a:latin typeface="Abadi" panose="020B0604020104020204" pitchFamily="34" charset="0"/>
-              </a:rPr>
-              <a:t>/</a:t>
-            </a:r>
-            <a:r>
-              <a:rPr lang="hu-HU" b="0" dirty="0" err="1">
-                <a:effectLst/>
-                <a:latin typeface="Abadi" panose="020B0604020104020204" pitchFamily="34" charset="0"/>
-              </a:rPr>
-              <a:t>Plaintext</a:t>
-            </a:r>
-            <a:endParaRPr lang="hu-HU" b="0" dirty="0">
-              <a:effectLst/>
-              <a:latin typeface="Abadi" panose="020B0604020104020204" pitchFamily="34" charset="0"/>
-            </a:endParaRPr>
-          </a:p>
-          <a:p>
-            <a:r>
-              <a:rPr lang="hu-HU" b="0" dirty="0" err="1">
-                <a:effectLst/>
-                <a:latin typeface="Abadi" panose="020B0604020104020204" pitchFamily="34" charset="0"/>
-              </a:rPr>
-              <a:t>From</a:t>
-            </a:r>
-            <a:r>
-              <a:rPr lang="hu-HU" b="0" dirty="0">
-                <a:effectLst/>
-                <a:latin typeface="Abadi" panose="020B0604020104020204" pitchFamily="34" charset="0"/>
-              </a:rPr>
-              <a:t> </a:t>
-            </a:r>
-            <a:r>
-              <a:rPr lang="hu-HU" b="0" dirty="0" err="1">
-                <a:effectLst/>
-                <a:latin typeface="Abadi" panose="020B0604020104020204" pitchFamily="34" charset="0"/>
-              </a:rPr>
-              <a:t>files</a:t>
-            </a:r>
-            <a:endParaRPr lang="hu-HU" b="0" dirty="0">
-              <a:effectLst/>
-              <a:latin typeface="Abadi" panose="020B0604020104020204" pitchFamily="34" charset="0"/>
-            </a:endParaRPr>
-          </a:p>
-          <a:p>
-            <a:r>
-              <a:rPr lang="hu-HU" b="0" dirty="0">
-                <a:effectLst/>
-                <a:latin typeface="Abadi" panose="020B0604020104020204" pitchFamily="34" charset="0"/>
-              </a:rPr>
-              <a:t>JSON </a:t>
-            </a:r>
-            <a:r>
-              <a:rPr lang="hu-HU" b="0" dirty="0" err="1">
-                <a:effectLst/>
-                <a:latin typeface="Abadi" panose="020B0604020104020204" pitchFamily="34" charset="0"/>
-              </a:rPr>
-              <a:t>path</a:t>
-            </a:r>
-            <a:r>
-              <a:rPr lang="hu-HU" b="0" dirty="0">
-                <a:effectLst/>
-                <a:latin typeface="Abadi" panose="020B0604020104020204" pitchFamily="34" charset="0"/>
-              </a:rPr>
-              <a:t> </a:t>
-            </a:r>
-            <a:r>
-              <a:rPr lang="hu-HU" b="0" dirty="0" err="1">
-                <a:effectLst/>
-                <a:latin typeface="Abadi" panose="020B0604020104020204" pitchFamily="34" charset="0"/>
-              </a:rPr>
-              <a:t>from</a:t>
-            </a:r>
-            <a:r>
-              <a:rPr lang="hu-HU" b="0" dirty="0">
-                <a:effectLst/>
-                <a:latin typeface="Abadi" panose="020B0604020104020204" pitchFamily="34" charset="0"/>
-              </a:rPr>
-              <a:t> HTTP API</a:t>
-            </a:r>
-          </a:p>
-          <a:p>
-            <a:r>
-              <a:rPr lang="hu-HU" b="0" dirty="0" err="1">
-                <a:effectLst/>
-                <a:latin typeface="Abadi" panose="020B0604020104020204" pitchFamily="34" charset="0"/>
-              </a:rPr>
-              <a:t>Application</a:t>
-            </a:r>
-            <a:r>
-              <a:rPr lang="hu-HU" b="0" dirty="0">
-                <a:effectLst/>
-                <a:latin typeface="Abadi" panose="020B0604020104020204" pitchFamily="34" charset="0"/>
-              </a:rPr>
-              <a:t> Data</a:t>
-            </a:r>
-          </a:p>
-          <a:p>
-            <a:endParaRPr lang="hu-HU" b="0" dirty="0">
-              <a:effectLst/>
-              <a:latin typeface="Abadi" panose="020B0604020104020204" pitchFamily="34" charset="0"/>
-            </a:endParaRPr>
-          </a:p>
-          <a:p>
-            <a:br>
-              <a:rPr lang="hu-HU" b="0" dirty="0">
-                <a:effectLst/>
-                <a:latin typeface="Abadi" panose="020B0604020104020204" pitchFamily="34" charset="0"/>
-              </a:rPr>
-            </a:br>
-            <a:endParaRPr lang="hu-HU" b="0" dirty="0">
-              <a:effectLst/>
-              <a:latin typeface="Abadi" panose="020B0604020104020204" pitchFamily="34" charset="0"/>
-            </a:endParaRPr>
-          </a:p>
-          <a:p>
-            <a:endParaRPr lang="hu-HU" dirty="0">
-              <a:latin typeface="Abadi" panose="020B0604020104020204" pitchFamily="34" charset="0"/>
-            </a:endParaRPr>
+              <a:t> forrásáért a </a:t>
+            </a:r>
+            <a:r>
+              <a:rPr lang="hu-HU" dirty="0">
+                <a:latin typeface="Abadi" panose="020B0604020104020204" pitchFamily="34" charset="0"/>
+              </a:rPr>
+              <a:t>Filebeat felel, ami egy „szállító” a naplóadatok továbbításában. Figyeli a megadott naplófájlokat és helyeket, összegyűjti a naplóeseményeket, és továbbítja azokat az </a:t>
+            </a:r>
+            <a:r>
+              <a:rPr lang="hu-HU" dirty="0" err="1">
+                <a:latin typeface="Abadi" panose="020B0604020104020204" pitchFamily="34" charset="0"/>
+              </a:rPr>
+              <a:t>Elasticsearch</a:t>
+            </a:r>
+            <a:r>
+              <a:rPr lang="hu-HU" dirty="0">
+                <a:latin typeface="Abadi" panose="020B0604020104020204" pitchFamily="34" charset="0"/>
+              </a:rPr>
+              <a:t> felé.</a:t>
+            </a:r>
           </a:p>
         </p:txBody>
       </p:sp>
+      <p:pic>
+        <p:nvPicPr>
+          <p:cNvPr id="3" name="Kép 2" descr="A képen szöveg, asztal látható&#10;&#10;Automatikusan generált leírás">
+            <a:extLst>
+              <a:ext uri="{FF2B5EF4-FFF2-40B4-BE49-F238E27FC236}">
+                <a16:creationId xmlns:a16="http://schemas.microsoft.com/office/drawing/2014/main" id="{997C7572-0619-47CA-B565-F51073DFB5AA}"/>
+              </a:ext>
+            </a:extLst>
+          </p:cNvPr>
+          <p:cNvPicPr>
+            <a:picLocks noChangeAspect="1"/>
+          </p:cNvPicPr>
+          <p:nvPr/>
+        </p:nvPicPr>
+        <p:blipFill>
+          <a:blip r:embed="rId5">
+            <a:extLst>
+              <a:ext uri="{28A0092B-C50C-407E-A947-70E740481C1C}">
+                <a14:useLocalDpi xmlns:a14="http://schemas.microsoft.com/office/drawing/2010/main" val="0"/>
+              </a:ext>
+            </a:extLst>
+          </a:blip>
+          <a:stretch>
+            <a:fillRect/>
+          </a:stretch>
+        </p:blipFill>
+        <p:spPr>
+          <a:xfrm>
+            <a:off x="6278714" y="2472267"/>
+            <a:ext cx="3991339" cy="3877734"/>
+          </a:xfrm>
+          <a:prstGeom prst="rect">
+            <a:avLst/>
+          </a:prstGeom>
+        </p:spPr>
+      </p:pic>
+      <p:pic>
+        <p:nvPicPr>
+          <p:cNvPr id="9" name="Kép 8">
+            <a:extLst>
+              <a:ext uri="{FF2B5EF4-FFF2-40B4-BE49-F238E27FC236}">
+                <a16:creationId xmlns:a16="http://schemas.microsoft.com/office/drawing/2014/main" id="{EF4A7665-C059-4AEC-8F3B-D406CCDD7953}"/>
+              </a:ext>
+            </a:extLst>
+          </p:cNvPr>
+          <p:cNvPicPr>
+            <a:picLocks noChangeAspect="1"/>
+          </p:cNvPicPr>
+          <p:nvPr/>
+        </p:nvPicPr>
+        <p:blipFill>
+          <a:blip r:embed="rId6">
+            <a:extLst>
+              <a:ext uri="{28A0092B-C50C-407E-A947-70E740481C1C}">
+                <a14:useLocalDpi xmlns:a14="http://schemas.microsoft.com/office/drawing/2010/main" val="0"/>
+              </a:ext>
+            </a:extLst>
+          </a:blip>
+          <a:stretch>
+            <a:fillRect/>
+          </a:stretch>
+        </p:blipFill>
+        <p:spPr>
+          <a:xfrm>
+            <a:off x="1662052" y="2666527"/>
+            <a:ext cx="4419459" cy="3683473"/>
+          </a:xfrm>
+          <a:prstGeom prst="rect">
+            <a:avLst/>
+          </a:prstGeom>
+        </p:spPr>
+      </p:pic>
     </p:spTree>
     <p:extLst>
       <p:ext uri="{BB962C8B-B14F-4D97-AF65-F5344CB8AC3E}">
@@ -12201,10 +12139,224 @@
       </p:grpSpPr>
       <p:sp>
         <p:nvSpPr>
-          <p:cNvPr id="2" name="Cím 1">
-            <a:extLst>
-              <a:ext uri="{FF2B5EF4-FFF2-40B4-BE49-F238E27FC236}">
-                <a16:creationId xmlns:a16="http://schemas.microsoft.com/office/drawing/2014/main" id="{67FFE128-28A9-4095-B99A-C85CCB9D94D4}"/>
+          <p:cNvPr id="5" name="Téglalap 4">
+            <a:extLst>
+              <a:ext uri="{FF2B5EF4-FFF2-40B4-BE49-F238E27FC236}">
+                <a16:creationId xmlns:a16="http://schemas.microsoft.com/office/drawing/2014/main" id="{9CA26A1C-2AE4-4715-BDE4-2908B2BEA97A}"/>
+              </a:ext>
+            </a:extLst>
+          </p:cNvPr>
+          <p:cNvSpPr/>
+          <p:nvPr/>
+        </p:nvSpPr>
+        <p:spPr>
+          <a:xfrm>
+            <a:off x="0" y="0"/>
+            <a:ext cx="274320" cy="6858000"/>
+          </a:xfrm>
+          <a:prstGeom prst="rect">
+            <a:avLst/>
+          </a:prstGeom>
+          <a:solidFill>
+            <a:srgbClr val="A01B17"/>
+          </a:solidFill>
+          <a:ln>
+            <a:noFill/>
+          </a:ln>
+        </p:spPr>
+        <p:style>
+          <a:lnRef idx="2">
+            <a:schemeClr val="accent1">
+              <a:shade val="50000"/>
+            </a:schemeClr>
+          </a:lnRef>
+          <a:fillRef idx="1">
+            <a:schemeClr val="accent1"/>
+          </a:fillRef>
+          <a:effectRef idx="0">
+            <a:schemeClr val="accent1"/>
+          </a:effectRef>
+          <a:fontRef idx="minor">
+            <a:schemeClr val="lt1"/>
+          </a:fontRef>
+        </p:style>
+        <p:txBody>
+          <a:bodyPr rtlCol="0" anchor="ctr"/>
+          <a:lstStyle/>
+          <a:p>
+            <a:pPr algn="ctr"/>
+            <a:endParaRPr lang="hu-HU"/>
+          </a:p>
+        </p:txBody>
+      </p:sp>
+      <p:pic>
+        <p:nvPicPr>
+          <p:cNvPr id="6" name="Ábra 5">
+            <a:extLst>
+              <a:ext uri="{FF2B5EF4-FFF2-40B4-BE49-F238E27FC236}">
+                <a16:creationId xmlns:a16="http://schemas.microsoft.com/office/drawing/2014/main" id="{752E1006-4091-44C8-A41C-C50F5E3327C8}"/>
+              </a:ext>
+            </a:extLst>
+          </p:cNvPr>
+          <p:cNvPicPr>
+            <a:picLocks noChangeAspect="1"/>
+          </p:cNvPicPr>
+          <p:nvPr/>
+        </p:nvPicPr>
+        <p:blipFill>
+          <a:blip r:embed="rId2" cstate="print">
+            <a:extLst>
+              <a:ext uri="{28A0092B-C50C-407E-A947-70E740481C1C}">
+                <a14:useLocalDpi xmlns:a14="http://schemas.microsoft.com/office/drawing/2010/main" val="0"/>
+              </a:ext>
+              <a:ext uri="{96DAC541-7B7A-43D3-8B79-37D633B846F1}">
+                <asvg:svgBlip xmlns:asvg="http://schemas.microsoft.com/office/drawing/2016/SVG/main" r:embed="rId3"/>
+              </a:ext>
+            </a:extLst>
+          </a:blip>
+          <a:stretch>
+            <a:fillRect/>
+          </a:stretch>
+        </p:blipFill>
+        <p:spPr>
+          <a:xfrm>
+            <a:off x="10649436" y="5366437"/>
+            <a:ext cx="1406504" cy="1358419"/>
+          </a:xfrm>
+          <a:prstGeom prst="rect">
+            <a:avLst/>
+          </a:prstGeom>
+        </p:spPr>
+      </p:pic>
+      <p:pic>
+        <p:nvPicPr>
+          <p:cNvPr id="7" name="Kép 6">
+            <a:extLst>
+              <a:ext uri="{FF2B5EF4-FFF2-40B4-BE49-F238E27FC236}">
+                <a16:creationId xmlns:a16="http://schemas.microsoft.com/office/drawing/2014/main" id="{0F512247-75D6-431E-B0F6-A5189892A8D2}"/>
+              </a:ext>
+            </a:extLst>
+          </p:cNvPr>
+          <p:cNvPicPr>
+            <a:picLocks noChangeAspect="1"/>
+          </p:cNvPicPr>
+          <p:nvPr/>
+        </p:nvPicPr>
+        <p:blipFill>
+          <a:blip r:embed="rId4" cstate="print">
+            <a:extLst>
+              <a:ext uri="{28A0092B-C50C-407E-A947-70E740481C1C}">
+                <a14:useLocalDpi xmlns:a14="http://schemas.microsoft.com/office/drawing/2010/main" val="0"/>
+              </a:ext>
+            </a:extLst>
+          </a:blip>
+          <a:stretch>
+            <a:fillRect/>
+          </a:stretch>
+        </p:blipFill>
+        <p:spPr>
+          <a:xfrm>
+            <a:off x="11578732" y="2553"/>
+            <a:ext cx="613267" cy="613267"/>
+          </a:xfrm>
+          <a:prstGeom prst="rect">
+            <a:avLst/>
+          </a:prstGeom>
+        </p:spPr>
+      </p:pic>
+      <p:sp>
+        <p:nvSpPr>
+          <p:cNvPr id="8" name="Szövegdoboz 7">
+            <a:extLst>
+              <a:ext uri="{FF2B5EF4-FFF2-40B4-BE49-F238E27FC236}">
+                <a16:creationId xmlns:a16="http://schemas.microsoft.com/office/drawing/2014/main" id="{7E7913CF-B31C-474A-9F71-B5D6B7D5978B}"/>
+              </a:ext>
+            </a:extLst>
+          </p:cNvPr>
+          <p:cNvSpPr txBox="1"/>
+          <p:nvPr/>
+        </p:nvSpPr>
+        <p:spPr>
+          <a:xfrm>
+            <a:off x="274320" y="19909"/>
+            <a:ext cx="4820550" cy="707886"/>
+          </a:xfrm>
+          <a:prstGeom prst="rect">
+            <a:avLst/>
+          </a:prstGeom>
+          <a:noFill/>
+        </p:spPr>
+        <p:txBody>
+          <a:bodyPr wrap="none" rtlCol="0">
+            <a:spAutoFit/>
+          </a:bodyPr>
+          <a:lstStyle/>
+          <a:p>
+            <a:r>
+              <a:rPr lang="hu-HU" sz="4000" b="1" i="0" cap="all" dirty="0">
+                <a:solidFill>
+                  <a:srgbClr val="A01B17"/>
+                </a:solidFill>
+                <a:effectLst/>
+                <a:latin typeface="Agency FB" panose="020B0503020202020204" pitchFamily="34" charset="0"/>
+              </a:rPr>
+              <a:t>SEARCH</a:t>
+            </a:r>
+            <a:r>
+              <a:rPr lang="hu-HU" sz="4000" b="1" i="0" cap="all" dirty="0">
+                <a:solidFill>
+                  <a:srgbClr val="A01B17"/>
+                </a:solidFill>
+                <a:effectLst/>
+                <a:latin typeface="Oswald" panose="020B0604020202020204" pitchFamily="2" charset="-18"/>
+              </a:rPr>
+              <a:t> </a:t>
+            </a:r>
+            <a:r>
+              <a:rPr lang="hu-HU" sz="4000" b="1" i="0" cap="all" dirty="0">
+                <a:solidFill>
+                  <a:srgbClr val="A01B17"/>
+                </a:solidFill>
+                <a:effectLst/>
+                <a:latin typeface="Agency FB" panose="020B0503020202020204" pitchFamily="34" charset="0"/>
+              </a:rPr>
+              <a:t>QUERY</a:t>
+            </a:r>
+            <a:r>
+              <a:rPr lang="hu-HU" sz="4000" b="1" i="0" cap="all" dirty="0">
+                <a:solidFill>
+                  <a:srgbClr val="A01B17"/>
+                </a:solidFill>
+                <a:effectLst/>
+                <a:latin typeface="Oswald" panose="020B0604020202020204" pitchFamily="2" charset="-18"/>
+              </a:rPr>
+              <a:t> </a:t>
+            </a:r>
+            <a:r>
+              <a:rPr lang="hu-HU" sz="4000" b="1" i="0" cap="all" dirty="0">
+                <a:solidFill>
+                  <a:srgbClr val="A01B17"/>
+                </a:solidFill>
+                <a:effectLst/>
+                <a:latin typeface="Agency FB" panose="020B0503020202020204" pitchFamily="34" charset="0"/>
+              </a:rPr>
+              <a:t>LANGUAGE</a:t>
+            </a:r>
+            <a:endParaRPr lang="hu-HU" sz="4000" b="1" dirty="0">
+              <a:solidFill>
+                <a:srgbClr val="A01B17"/>
+              </a:solidFill>
+              <a:latin typeface="Agency FB" panose="020B0503020202020204" pitchFamily="34" charset="0"/>
+            </a:endParaRPr>
+          </a:p>
+        </p:txBody>
+      </p:sp>
+      <p:sp>
+        <p:nvSpPr>
+          <p:cNvPr id="10" name="Tartalom helye 9">
+            <a:extLst>
+              <a:ext uri="{FF2B5EF4-FFF2-40B4-BE49-F238E27FC236}">
+                <a16:creationId xmlns:a16="http://schemas.microsoft.com/office/drawing/2014/main" id="{08293D33-53EB-4730-988E-0B0C531D7B50}"/>
               </a:ext>
             </a:extLst>
           </p:cNvPr>
@@ -12212,126 +12364,98 @@
             <a:spLocks noGrp="1"/>
           </p:cNvSpPr>
           <p:nvPr>
-            <p:ph type="title"/>
+            <p:ph idx="1"/>
           </p:nvPr>
         </p:nvSpPr>
         <p:spPr>
           <a:xfrm>
-            <a:off x="110067" y="500591"/>
-            <a:ext cx="10515600" cy="1325563"/>
+            <a:off x="550193" y="896566"/>
+            <a:ext cx="4820550" cy="4351338"/>
           </a:xfrm>
         </p:spPr>
         <p:txBody>
           <a:bodyPr>
-            <a:normAutofit fontScale="90000"/>
+            <a:normAutofit lnSpcReduction="10000"/>
           </a:bodyPr>
           <a:lstStyle/>
           <a:p>
             <a:r>
-              <a:rPr lang="hu-HU" b="0" i="0" cap="all" dirty="0">
-                <a:solidFill>
-                  <a:srgbClr val="1A1A1B"/>
-                </a:solidFill>
-                <a:effectLst/>
-                <a:latin typeface="Agency FB" panose="020B0503020202020204" pitchFamily="34" charset="0"/>
-              </a:rPr>
-              <a:t>SEARCH</a:t>
-            </a:r>
-            <a:r>
-              <a:rPr lang="hu-HU" b="0" i="0" cap="all" dirty="0">
-                <a:solidFill>
-                  <a:srgbClr val="1A1A1B"/>
-                </a:solidFill>
-                <a:effectLst/>
-                <a:latin typeface="Oswald" panose="020B0604020202020204" pitchFamily="2" charset="-18"/>
-              </a:rPr>
-              <a:t> </a:t>
-            </a:r>
-            <a:r>
-              <a:rPr lang="hu-HU" b="0" i="0" cap="all" dirty="0">
-                <a:solidFill>
-                  <a:srgbClr val="1A1A1B"/>
-                </a:solidFill>
-                <a:effectLst/>
-                <a:latin typeface="Agency FB" panose="020B0503020202020204" pitchFamily="34" charset="0"/>
-              </a:rPr>
-              <a:t>QUERY</a:t>
-            </a:r>
-            <a:r>
-              <a:rPr lang="hu-HU" b="0" i="0" cap="all" dirty="0">
-                <a:solidFill>
-                  <a:srgbClr val="1A1A1B"/>
-                </a:solidFill>
-                <a:effectLst/>
-                <a:latin typeface="Oswald" panose="020B0604020202020204" pitchFamily="2" charset="-18"/>
-              </a:rPr>
-              <a:t> </a:t>
-            </a:r>
-            <a:r>
-              <a:rPr lang="hu-HU" b="0" i="0" cap="all" dirty="0">
-                <a:solidFill>
-                  <a:srgbClr val="1A1A1B"/>
-                </a:solidFill>
-                <a:effectLst/>
-                <a:latin typeface="Agency FB" panose="020B0503020202020204" pitchFamily="34" charset="0"/>
-              </a:rPr>
-              <a:t>LANGUAGE</a:t>
-            </a:r>
-            <a:br>
-              <a:rPr lang="hu-HU" b="0" i="0" cap="all" dirty="0">
-                <a:solidFill>
-                  <a:srgbClr val="1A1A1B"/>
-                </a:solidFill>
-                <a:effectLst/>
-                <a:latin typeface="Oswald" panose="020B0604020202020204" pitchFamily="2" charset="-18"/>
-              </a:rPr>
-            </a:br>
-            <a:br>
-              <a:rPr lang="hu-HU" b="0" i="0" dirty="0">
-                <a:solidFill>
-                  <a:srgbClr val="8E8E8E"/>
-                </a:solidFill>
-                <a:effectLst/>
-                <a:latin typeface="Oswald" panose="020B0604020202020204" pitchFamily="2" charset="-18"/>
-              </a:rPr>
-            </a:br>
-            <a:endParaRPr lang="hu-HU" dirty="0"/>
+              <a:rPr lang="hu-HU" dirty="0">
+                <a:latin typeface="Abadi" panose="020B0604020104020204" pitchFamily="34" charset="0"/>
+              </a:rPr>
+              <a:t>A Graylog beépített lekérdező nyelvvel rendelkezik, aminek segítségével egyszerűen tudunk szűrni a log üzenetek között. </a:t>
+            </a:r>
+          </a:p>
+          <a:p>
+            <a:endParaRPr lang="hu-HU" dirty="0">
+              <a:latin typeface="Abadi" panose="020B0604020104020204" pitchFamily="34" charset="0"/>
+            </a:endParaRPr>
+          </a:p>
+          <a:p>
+            <a:r>
+              <a:rPr lang="hu-HU" dirty="0">
+                <a:latin typeface="Abadi" panose="020B0604020104020204" pitchFamily="34" charset="0"/>
+              </a:rPr>
+              <a:t>Benne a népszerű programozási nyelvek által használt operátorokkal is tudunk dolgozni. (</a:t>
+            </a:r>
+            <a:r>
+              <a:rPr lang="hu-HU" dirty="0" err="1">
+                <a:latin typeface="Abadi" panose="020B0604020104020204" pitchFamily="34" charset="0"/>
+              </a:rPr>
+              <a:t>And,or,if</a:t>
+            </a:r>
+            <a:r>
+              <a:rPr lang="hu-HU" dirty="0">
+                <a:latin typeface="Abadi" panose="020B0604020104020204" pitchFamily="34" charset="0"/>
+              </a:rPr>
+              <a:t>)</a:t>
+            </a:r>
+          </a:p>
+          <a:p>
+            <a:pPr marL="0" indent="0">
+              <a:buNone/>
+            </a:pPr>
+            <a:endParaRPr lang="hu-HU" b="0" dirty="0">
+              <a:effectLst/>
+              <a:latin typeface="Abadi" panose="020B0604020104020204" pitchFamily="34" charset="0"/>
+            </a:endParaRPr>
           </a:p>
         </p:txBody>
       </p:sp>
       <p:pic>
         <p:nvPicPr>
-          <p:cNvPr id="5" name="Tartalom helye 4">
-            <a:extLst>
-              <a:ext uri="{FF2B5EF4-FFF2-40B4-BE49-F238E27FC236}">
-                <a16:creationId xmlns:a16="http://schemas.microsoft.com/office/drawing/2014/main" id="{30DE347E-45A5-42E6-A2AA-027A3EE893E8}"/>
+          <p:cNvPr id="11" name="Tartalom helye 4">
+            <a:extLst>
+              <a:ext uri="{FF2B5EF4-FFF2-40B4-BE49-F238E27FC236}">
+                <a16:creationId xmlns:a16="http://schemas.microsoft.com/office/drawing/2014/main" id="{AF7A929A-32EE-47AC-A6C3-2A6B97A16BE4}"/>
               </a:ext>
             </a:extLst>
           </p:cNvPr>
           <p:cNvPicPr>
-            <a:picLocks noGrp="1" noChangeAspect="1"/>
+            <a:picLocks noChangeAspect="1"/>
           </p:cNvPicPr>
-          <p:nvPr>
-            <p:ph idx="1"/>
-          </p:nvPr>
+          <p:nvPr/>
         </p:nvPicPr>
         <p:blipFill>
-          <a:blip r:embed="rId2"/>
+          <a:blip r:embed="rId5"/>
           <a:stretch>
             <a:fillRect/>
           </a:stretch>
         </p:blipFill>
         <p:spPr>
           <a:xfrm>
-            <a:off x="4175681" y="1851025"/>
-            <a:ext cx="7178119" cy="4351338"/>
-          </a:xfrm>
+            <a:off x="5806082" y="727794"/>
+            <a:ext cx="5427018" cy="4520109"/>
+          </a:xfrm>
+          <a:prstGeom prst="rect">
+            <a:avLst/>
+          </a:prstGeom>
         </p:spPr>
       </p:pic>
     </p:spTree>
     <p:extLst>
       <p:ext uri="{BB962C8B-B14F-4D97-AF65-F5344CB8AC3E}">
-        <p14:creationId xmlns:p14="http://schemas.microsoft.com/office/powerpoint/2010/main" val="2176366125"/>
+        <p14:creationId xmlns:p14="http://schemas.microsoft.com/office/powerpoint/2010/main" val="3715298958"/>
       </p:ext>
     </p:extLst>
   </p:cSld>
@@ -12358,48 +12482,12 @@
           <a:chExt cx="0" cy="0"/>
         </a:xfrm>
       </p:grpSpPr>
-      <p:pic>
-        <p:nvPicPr>
-          <p:cNvPr id="6" name="Kép 5">
-            <a:extLst>
-              <a:ext uri="{FF2B5EF4-FFF2-40B4-BE49-F238E27FC236}">
-                <a16:creationId xmlns:a16="http://schemas.microsoft.com/office/drawing/2014/main" id="{9758AE22-701F-4CA9-9734-8EBB6B7DF74F}"/>
-              </a:ext>
-            </a:extLst>
-          </p:cNvPr>
-          <p:cNvPicPr>
-            <a:picLocks noChangeAspect="1"/>
-          </p:cNvPicPr>
-          <p:nvPr/>
-        </p:nvPicPr>
-        <p:blipFill>
-          <a:blip r:embed="rId2" cstate="print">
-            <a:extLst>
-              <a:ext uri="{28A0092B-C50C-407E-A947-70E740481C1C}">
-                <a14:useLocalDpi xmlns:a14="http://schemas.microsoft.com/office/drawing/2010/main" val="0"/>
-              </a:ext>
-            </a:extLst>
-          </a:blip>
-          <a:stretch>
-            <a:fillRect/>
-          </a:stretch>
-        </p:blipFill>
-        <p:spPr>
-          <a:xfrm>
-            <a:off x="11578732" y="2553"/>
-            <a:ext cx="613267" cy="613267"/>
-          </a:xfrm>
-          <a:prstGeom prst="rect">
-            <a:avLst/>
-          </a:prstGeom>
-        </p:spPr>
-      </p:pic>
       <p:sp>
         <p:nvSpPr>
-          <p:cNvPr id="7" name="Téglalap 6">
-            <a:extLst>
-              <a:ext uri="{FF2B5EF4-FFF2-40B4-BE49-F238E27FC236}">
-                <a16:creationId xmlns:a16="http://schemas.microsoft.com/office/drawing/2014/main" id="{5118027E-30B0-4E7D-9B50-2B7206BE6302}"/>
+          <p:cNvPr id="5" name="Téglalap 4">
+            <a:extLst>
+              <a:ext uri="{FF2B5EF4-FFF2-40B4-BE49-F238E27FC236}">
+                <a16:creationId xmlns:a16="http://schemas.microsoft.com/office/drawing/2014/main" id="{9CA26A1C-2AE4-4715-BDE4-2908B2BEA97A}"/>
               </a:ext>
             </a:extLst>
           </p:cNvPr>
@@ -12446,12 +12534,87 @@
           </a:p>
         </p:txBody>
       </p:sp>
+      <p:pic>
+        <p:nvPicPr>
+          <p:cNvPr id="6" name="Ábra 5">
+            <a:extLst>
+              <a:ext uri="{FF2B5EF4-FFF2-40B4-BE49-F238E27FC236}">
+                <a16:creationId xmlns:a16="http://schemas.microsoft.com/office/drawing/2014/main" id="{752E1006-4091-44C8-A41C-C50F5E3327C8}"/>
+              </a:ext>
+            </a:extLst>
+          </p:cNvPr>
+          <p:cNvPicPr>
+            <a:picLocks noChangeAspect="1"/>
+          </p:cNvPicPr>
+          <p:nvPr/>
+        </p:nvPicPr>
+        <p:blipFill>
+          <a:blip r:embed="rId2" cstate="print">
+            <a:extLst>
+              <a:ext uri="{28A0092B-C50C-407E-A947-70E740481C1C}">
+                <a14:useLocalDpi xmlns:a14="http://schemas.microsoft.com/office/drawing/2010/main" val="0"/>
+              </a:ext>
+              <a:ext uri="{96DAC541-7B7A-43D3-8B79-37D633B846F1}">
+                <asvg:svgBlip xmlns:asvg="http://schemas.microsoft.com/office/drawing/2016/SVG/main" r:embed="rId3"/>
+              </a:ext>
+            </a:extLst>
+          </a:blip>
+          <a:stretch>
+            <a:fillRect/>
+          </a:stretch>
+        </p:blipFill>
+        <p:spPr>
+          <a:xfrm>
+            <a:off x="10649436" y="5366437"/>
+            <a:ext cx="1406504" cy="1358419"/>
+          </a:xfrm>
+          <a:prstGeom prst="rect">
+            <a:avLst/>
+          </a:prstGeom>
+        </p:spPr>
+      </p:pic>
+      <p:pic>
+        <p:nvPicPr>
+          <p:cNvPr id="7" name="Kép 6">
+            <a:extLst>
+              <a:ext uri="{FF2B5EF4-FFF2-40B4-BE49-F238E27FC236}">
+                <a16:creationId xmlns:a16="http://schemas.microsoft.com/office/drawing/2014/main" id="{0F512247-75D6-431E-B0F6-A5189892A8D2}"/>
+              </a:ext>
+            </a:extLst>
+          </p:cNvPr>
+          <p:cNvPicPr>
+            <a:picLocks noChangeAspect="1"/>
+          </p:cNvPicPr>
+          <p:nvPr/>
+        </p:nvPicPr>
+        <p:blipFill>
+          <a:blip r:embed="rId4" cstate="print">
+            <a:extLst>
+              <a:ext uri="{28A0092B-C50C-407E-A947-70E740481C1C}">
+                <a14:useLocalDpi xmlns:a14="http://schemas.microsoft.com/office/drawing/2010/main" val="0"/>
+              </a:ext>
+            </a:extLst>
+          </a:blip>
+          <a:stretch>
+            <a:fillRect/>
+          </a:stretch>
+        </p:blipFill>
+        <p:spPr>
+          <a:xfrm>
+            <a:off x="11578732" y="2553"/>
+            <a:ext cx="613267" cy="613267"/>
+          </a:xfrm>
+          <a:prstGeom prst="rect">
+            <a:avLst/>
+          </a:prstGeom>
+        </p:spPr>
+      </p:pic>
       <p:sp>
         <p:nvSpPr>
           <p:cNvPr id="8" name="Szövegdoboz 7">
             <a:extLst>
               <a:ext uri="{FF2B5EF4-FFF2-40B4-BE49-F238E27FC236}">
-                <a16:creationId xmlns:a16="http://schemas.microsoft.com/office/drawing/2014/main" id="{D00702FA-9B96-47E1-ADE4-9D2FC58C16D7}"/>
+                <a16:creationId xmlns:a16="http://schemas.microsoft.com/office/drawing/2014/main" id="{7E7913CF-B31C-474A-9F71-B5D6B7D5978B}"/>
               </a:ext>
             </a:extLst>
           </p:cNvPr>
@@ -12460,8 +12623,8 @@
         </p:nvSpPr>
         <p:spPr>
           <a:xfrm>
-            <a:off x="274320" y="0"/>
-            <a:ext cx="2986715" cy="707886"/>
+            <a:off x="274320" y="19909"/>
+            <a:ext cx="2560316" cy="707886"/>
           </a:xfrm>
           <a:prstGeom prst="rect">
             <a:avLst/>
@@ -12475,23 +12638,108 @@
           <a:lstStyle/>
           <a:p>
             <a:r>
-              <a:rPr lang="hu-HU" sz="4000" b="1" dirty="0">
+              <a:rPr lang="hu-HU" sz="4000" b="1" i="0" cap="all" dirty="0" err="1">
                 <a:solidFill>
                   <a:srgbClr val="A01B17"/>
                 </a:solidFill>
+                <a:effectLst/>
                 <a:latin typeface="Agency FB" panose="020B0503020202020204" pitchFamily="34" charset="0"/>
               </a:rPr>
-              <a:t>Összehasonlítás</a:t>
-            </a:r>
+              <a:t>Dashboards</a:t>
+            </a:r>
+            <a:endParaRPr lang="hu-HU" sz="4000" b="1" dirty="0">
+              <a:solidFill>
+                <a:srgbClr val="A01B17"/>
+              </a:solidFill>
+              <a:latin typeface="Agency FB" panose="020B0503020202020204" pitchFamily="34" charset="0"/>
+            </a:endParaRPr>
+          </a:p>
+        </p:txBody>
+      </p:sp>
+      <p:sp>
+        <p:nvSpPr>
+          <p:cNvPr id="10" name="Tartalom helye 9">
+            <a:extLst>
+              <a:ext uri="{FF2B5EF4-FFF2-40B4-BE49-F238E27FC236}">
+                <a16:creationId xmlns:a16="http://schemas.microsoft.com/office/drawing/2014/main" id="{08293D33-53EB-4730-988E-0B0C531D7B50}"/>
+              </a:ext>
+            </a:extLst>
+          </p:cNvPr>
+          <p:cNvSpPr>
+            <a:spLocks noGrp="1"/>
+          </p:cNvSpPr>
+          <p:nvPr>
+            <p:ph idx="1"/>
+          </p:nvPr>
+        </p:nvSpPr>
+        <p:spPr>
+          <a:xfrm>
+            <a:off x="550193" y="896566"/>
+            <a:ext cx="4820550" cy="4351338"/>
+          </a:xfrm>
+        </p:spPr>
+        <p:txBody>
+          <a:bodyPr>
+            <a:normAutofit fontScale="92500" lnSpcReduction="20000"/>
+          </a:bodyPr>
+          <a:lstStyle/>
+          <a:p>
+            <a:pPr marL="0" indent="0">
+              <a:buNone/>
+            </a:pPr>
+            <a:r>
+              <a:rPr lang="hu-HU" b="0" dirty="0">
+                <a:effectLst/>
+                <a:latin typeface="Abadi" panose="020B0604020104020204" pitchFamily="34" charset="0"/>
+              </a:rPr>
+              <a:t>A </a:t>
+            </a:r>
+            <a:r>
+              <a:rPr lang="hu-HU" b="0" dirty="0" err="1">
+                <a:effectLst/>
+                <a:latin typeface="Abadi" panose="020B0604020104020204" pitchFamily="34" charset="0"/>
+              </a:rPr>
+              <a:t>dashboardok</a:t>
+            </a:r>
+            <a:r>
+              <a:rPr lang="hu-HU" b="0" dirty="0">
+                <a:effectLst/>
+                <a:latin typeface="Abadi" panose="020B0604020104020204" pitchFamily="34" charset="0"/>
+              </a:rPr>
+              <a:t> egyértelműen megjelenítik a keresési lekérdezések eredményeit, így gyorsan, magas szintű betekintést kaphatunk a problémákba.</a:t>
+            </a:r>
+          </a:p>
+          <a:p>
+            <a:pPr marL="0" indent="0">
+              <a:buNone/>
+            </a:pPr>
+            <a:endParaRPr lang="hu-HU" dirty="0">
+              <a:latin typeface="Abadi" panose="020B0604020104020204" pitchFamily="34" charset="0"/>
+            </a:endParaRPr>
+          </a:p>
+          <a:p>
+            <a:pPr marL="0" indent="0">
+              <a:buNone/>
+            </a:pPr>
+            <a:r>
+              <a:rPr lang="hu-HU" dirty="0">
+                <a:latin typeface="Abadi" panose="020B0604020104020204" pitchFamily="34" charset="0"/>
+              </a:rPr>
+              <a:t>Az irányítópult egy nagyszerű eszköz arra, hogy megmutassa, mi történik a rendszerben, és lehetővé tegye az adatok megjelenítését a célközönség számára. Például az igazgatóknak, elemzőknek.</a:t>
+            </a:r>
+            <a:endParaRPr lang="hu-HU" b="0" dirty="0">
+              <a:effectLst/>
+              <a:latin typeface="Abadi" panose="020B0604020104020204" pitchFamily="34" charset="0"/>
+            </a:endParaRPr>
           </a:p>
         </p:txBody>
       </p:sp>
       <p:pic>
         <p:nvPicPr>
-          <p:cNvPr id="10" name="Kép 9">
-            <a:extLst>
-              <a:ext uri="{FF2B5EF4-FFF2-40B4-BE49-F238E27FC236}">
-                <a16:creationId xmlns:a16="http://schemas.microsoft.com/office/drawing/2014/main" id="{505850A7-0C64-4061-9440-71C80CFD93EA}"/>
+          <p:cNvPr id="3" name="Kép 2">
+            <a:extLst>
+              <a:ext uri="{FF2B5EF4-FFF2-40B4-BE49-F238E27FC236}">
+                <a16:creationId xmlns:a16="http://schemas.microsoft.com/office/drawing/2014/main" id="{03113F4E-5DC9-43F0-9CC8-E367520DB673}"/>
               </a:ext>
             </a:extLst>
           </p:cNvPr>
@@ -12501,43 +12749,10 @@
           <p:nvPr/>
         </p:nvPicPr>
         <p:blipFill>
-          <a:blip r:embed="rId3"/>
-          <a:stretch>
-            <a:fillRect/>
-          </a:stretch>
-        </p:blipFill>
-        <p:spPr>
-          <a:xfrm>
-            <a:off x="551969" y="662700"/>
-            <a:ext cx="11088061" cy="5532599"/>
-          </a:xfrm>
-          <a:prstGeom prst="rect">
-            <a:avLst/>
-          </a:prstGeom>
-        </p:spPr>
-      </p:pic>
-      <p:pic>
-        <p:nvPicPr>
-          <p:cNvPr id="5" name="Ábra 4">
-            <a:extLst>
-              <a:ext uri="{FF2B5EF4-FFF2-40B4-BE49-F238E27FC236}">
-                <a16:creationId xmlns:a16="http://schemas.microsoft.com/office/drawing/2014/main" id="{331FE0CB-3A91-4CD5-A96E-49B397C0B45C}"/>
-              </a:ext>
-            </a:extLst>
-          </p:cNvPr>
-          <p:cNvPicPr>
-            <a:picLocks noChangeAspect="1"/>
-          </p:cNvPicPr>
-          <p:nvPr/>
-        </p:nvPicPr>
-        <p:blipFill>
-          <a:blip r:embed="rId4" cstate="print">
+          <a:blip r:embed="rId5">
             <a:extLst>
               <a:ext uri="{28A0092B-C50C-407E-A947-70E740481C1C}">
                 <a14:useLocalDpi xmlns:a14="http://schemas.microsoft.com/office/drawing/2010/main" val="0"/>
-              </a:ext>
-              <a:ext uri="{96DAC541-7B7A-43D3-8B79-37D633B846F1}">
-                <asvg:svgBlip xmlns:asvg="http://schemas.microsoft.com/office/drawing/2016/SVG/main" r:embed="rId5"/>
               </a:ext>
             </a:extLst>
           </a:blip>
@@ -12547,8 +12762,8 @@
         </p:blipFill>
         <p:spPr>
           <a:xfrm>
-            <a:off x="10649436" y="5366437"/>
-            <a:ext cx="1406504" cy="1358419"/>
+            <a:off x="5370743" y="896566"/>
+            <a:ext cx="6821256" cy="4291170"/>
           </a:xfrm>
           <a:prstGeom prst="rect">
             <a:avLst/>
@@ -12558,7 +12773,7 @@
     </p:spTree>
     <p:extLst>
       <p:ext uri="{BB962C8B-B14F-4D97-AF65-F5344CB8AC3E}">
-        <p14:creationId xmlns:p14="http://schemas.microsoft.com/office/powerpoint/2010/main" val="3052979044"/>
+        <p14:creationId xmlns:p14="http://schemas.microsoft.com/office/powerpoint/2010/main" val="2653292447"/>
       </p:ext>
     </p:extLst>
   </p:cSld>
@@ -12587,125 +12802,10 @@
       </p:grpSpPr>
       <p:sp>
         <p:nvSpPr>
-          <p:cNvPr id="4" name="Szövegdoboz 3">
-            <a:extLst>
-              <a:ext uri="{FF2B5EF4-FFF2-40B4-BE49-F238E27FC236}">
-                <a16:creationId xmlns:a16="http://schemas.microsoft.com/office/drawing/2014/main" id="{179BD461-825D-495E-9DA9-707A6C4326F1}"/>
-              </a:ext>
-            </a:extLst>
-          </p:cNvPr>
-          <p:cNvSpPr txBox="1"/>
-          <p:nvPr/>
-        </p:nvSpPr>
-        <p:spPr>
-          <a:xfrm>
-            <a:off x="274320" y="0"/>
-            <a:ext cx="2988319" cy="707886"/>
-          </a:xfrm>
-          <a:prstGeom prst="rect">
-            <a:avLst/>
-          </a:prstGeom>
-          <a:noFill/>
-        </p:spPr>
-        <p:txBody>
-          <a:bodyPr wrap="none" rtlCol="0">
-            <a:spAutoFit/>
-          </a:bodyPr>
-          <a:lstStyle/>
-          <a:p>
-            <a:r>
-              <a:rPr lang="hu-HU" sz="4000" b="1" dirty="0">
-                <a:solidFill>
-                  <a:srgbClr val="A01B17"/>
-                </a:solidFill>
-                <a:latin typeface="Agency FB" panose="020B0503020202020204" pitchFamily="34" charset="0"/>
-              </a:rPr>
-              <a:t>Összegzés, jövő</a:t>
-            </a:r>
-          </a:p>
-        </p:txBody>
-      </p:sp>
-      <p:pic>
-        <p:nvPicPr>
-          <p:cNvPr id="5" name="Ábra 4">
-            <a:extLst>
-              <a:ext uri="{FF2B5EF4-FFF2-40B4-BE49-F238E27FC236}">
-                <a16:creationId xmlns:a16="http://schemas.microsoft.com/office/drawing/2014/main" id="{F7FD9755-E3CE-4F32-B7E2-FA2A1B51065B}"/>
-              </a:ext>
-            </a:extLst>
-          </p:cNvPr>
-          <p:cNvPicPr>
-            <a:picLocks noChangeAspect="1"/>
-          </p:cNvPicPr>
-          <p:nvPr/>
-        </p:nvPicPr>
-        <p:blipFill>
-          <a:blip r:embed="rId2" cstate="print">
-            <a:extLst>
-              <a:ext uri="{28A0092B-C50C-407E-A947-70E740481C1C}">
-                <a14:useLocalDpi xmlns:a14="http://schemas.microsoft.com/office/drawing/2010/main" val="0"/>
-              </a:ext>
-              <a:ext uri="{96DAC541-7B7A-43D3-8B79-37D633B846F1}">
-                <asvg:svgBlip xmlns:asvg="http://schemas.microsoft.com/office/drawing/2016/SVG/main" r:embed="rId3"/>
-              </a:ext>
-            </a:extLst>
-          </a:blip>
-          <a:stretch>
-            <a:fillRect/>
-          </a:stretch>
-        </p:blipFill>
-        <p:spPr>
-          <a:xfrm>
-            <a:off x="10649436" y="5366437"/>
-            <a:ext cx="1406504" cy="1358419"/>
-          </a:xfrm>
-          <a:prstGeom prst="rect">
-            <a:avLst/>
-          </a:prstGeom>
-        </p:spPr>
-      </p:pic>
-      <p:pic>
-        <p:nvPicPr>
-          <p:cNvPr id="6" name="Kép 5">
-            <a:extLst>
-              <a:ext uri="{FF2B5EF4-FFF2-40B4-BE49-F238E27FC236}">
-                <a16:creationId xmlns:a16="http://schemas.microsoft.com/office/drawing/2014/main" id="{99603EF8-98B9-420A-AF82-C0ED661B0779}"/>
-              </a:ext>
-            </a:extLst>
-          </p:cNvPr>
-          <p:cNvPicPr>
-            <a:picLocks noChangeAspect="1"/>
-          </p:cNvPicPr>
-          <p:nvPr/>
-        </p:nvPicPr>
-        <p:blipFill>
-          <a:blip r:embed="rId4" cstate="print">
-            <a:extLst>
-              <a:ext uri="{28A0092B-C50C-407E-A947-70E740481C1C}">
-                <a14:useLocalDpi xmlns:a14="http://schemas.microsoft.com/office/drawing/2010/main" val="0"/>
-              </a:ext>
-            </a:extLst>
-          </a:blip>
-          <a:stretch>
-            <a:fillRect/>
-          </a:stretch>
-        </p:blipFill>
-        <p:spPr>
-          <a:xfrm>
-            <a:off x="11578732" y="2553"/>
-            <a:ext cx="613267" cy="613267"/>
-          </a:xfrm>
-          <a:prstGeom prst="rect">
-            <a:avLst/>
-          </a:prstGeom>
-        </p:spPr>
-      </p:pic>
-      <p:sp>
-        <p:nvSpPr>
-          <p:cNvPr id="7" name="Téglalap 6">
-            <a:extLst>
-              <a:ext uri="{FF2B5EF4-FFF2-40B4-BE49-F238E27FC236}">
-                <a16:creationId xmlns:a16="http://schemas.microsoft.com/office/drawing/2014/main" id="{26E11219-288B-46B5-8566-3FC185FA9278}"/>
+          <p:cNvPr id="5" name="Téglalap 4">
+            <a:extLst>
+              <a:ext uri="{FF2B5EF4-FFF2-40B4-BE49-F238E27FC236}">
+                <a16:creationId xmlns:a16="http://schemas.microsoft.com/office/drawing/2014/main" id="{9CA26A1C-2AE4-4715-BDE4-2908B2BEA97A}"/>
               </a:ext>
             </a:extLst>
           </p:cNvPr>
@@ -12752,12 +12852,87 @@
           </a:p>
         </p:txBody>
       </p:sp>
+      <p:pic>
+        <p:nvPicPr>
+          <p:cNvPr id="6" name="Ábra 5">
+            <a:extLst>
+              <a:ext uri="{FF2B5EF4-FFF2-40B4-BE49-F238E27FC236}">
+                <a16:creationId xmlns:a16="http://schemas.microsoft.com/office/drawing/2014/main" id="{752E1006-4091-44C8-A41C-C50F5E3327C8}"/>
+              </a:ext>
+            </a:extLst>
+          </p:cNvPr>
+          <p:cNvPicPr>
+            <a:picLocks noChangeAspect="1"/>
+          </p:cNvPicPr>
+          <p:nvPr/>
+        </p:nvPicPr>
+        <p:blipFill>
+          <a:blip r:embed="rId2" cstate="print">
+            <a:extLst>
+              <a:ext uri="{28A0092B-C50C-407E-A947-70E740481C1C}">
+                <a14:useLocalDpi xmlns:a14="http://schemas.microsoft.com/office/drawing/2010/main" val="0"/>
+              </a:ext>
+              <a:ext uri="{96DAC541-7B7A-43D3-8B79-37D633B846F1}">
+                <asvg:svgBlip xmlns:asvg="http://schemas.microsoft.com/office/drawing/2016/SVG/main" r:embed="rId3"/>
+              </a:ext>
+            </a:extLst>
+          </a:blip>
+          <a:stretch>
+            <a:fillRect/>
+          </a:stretch>
+        </p:blipFill>
+        <p:spPr>
+          <a:xfrm>
+            <a:off x="10649436" y="5366437"/>
+            <a:ext cx="1406504" cy="1358419"/>
+          </a:xfrm>
+          <a:prstGeom prst="rect">
+            <a:avLst/>
+          </a:prstGeom>
+        </p:spPr>
+      </p:pic>
+      <p:pic>
+        <p:nvPicPr>
+          <p:cNvPr id="7" name="Kép 6">
+            <a:extLst>
+              <a:ext uri="{FF2B5EF4-FFF2-40B4-BE49-F238E27FC236}">
+                <a16:creationId xmlns:a16="http://schemas.microsoft.com/office/drawing/2014/main" id="{0F512247-75D6-431E-B0F6-A5189892A8D2}"/>
+              </a:ext>
+            </a:extLst>
+          </p:cNvPr>
+          <p:cNvPicPr>
+            <a:picLocks noChangeAspect="1"/>
+          </p:cNvPicPr>
+          <p:nvPr/>
+        </p:nvPicPr>
+        <p:blipFill>
+          <a:blip r:embed="rId4" cstate="print">
+            <a:extLst>
+              <a:ext uri="{28A0092B-C50C-407E-A947-70E740481C1C}">
+                <a14:useLocalDpi xmlns:a14="http://schemas.microsoft.com/office/drawing/2010/main" val="0"/>
+              </a:ext>
+            </a:extLst>
+          </a:blip>
+          <a:stretch>
+            <a:fillRect/>
+          </a:stretch>
+        </p:blipFill>
+        <p:spPr>
+          <a:xfrm>
+            <a:off x="11578732" y="2553"/>
+            <a:ext cx="613267" cy="613267"/>
+          </a:xfrm>
+          <a:prstGeom prst="rect">
+            <a:avLst/>
+          </a:prstGeom>
+        </p:spPr>
+      </p:pic>
       <p:sp>
         <p:nvSpPr>
           <p:cNvPr id="8" name="Szövegdoboz 7">
             <a:extLst>
               <a:ext uri="{FF2B5EF4-FFF2-40B4-BE49-F238E27FC236}">
-                <a16:creationId xmlns:a16="http://schemas.microsoft.com/office/drawing/2014/main" id="{76D75C5D-5568-4AA7-8CF9-3CD73E095F9F}"/>
+                <a16:creationId xmlns:a16="http://schemas.microsoft.com/office/drawing/2014/main" id="{7E7913CF-B31C-474A-9F71-B5D6B7D5978B}"/>
               </a:ext>
             </a:extLst>
           </p:cNvPr>
@@ -12766,113 +12941,8 @@
         </p:nvSpPr>
         <p:spPr>
           <a:xfrm>
-            <a:off x="429208" y="1036567"/>
-            <a:ext cx="10787743" cy="1754326"/>
-          </a:xfrm>
-          <a:prstGeom prst="rect">
-            <a:avLst/>
-          </a:prstGeom>
-          <a:noFill/>
-        </p:spPr>
-        <p:txBody>
-          <a:bodyPr wrap="square" rtlCol="0">
-            <a:spAutoFit/>
-          </a:bodyPr>
-          <a:lstStyle/>
-          <a:p>
-            <a:r>
-              <a:rPr lang="hu-HU" dirty="0">
-                <a:latin typeface="Abadi" panose="020B0604020104020204" pitchFamily="34" charset="0"/>
-              </a:rPr>
-              <a:t>A Linux-</a:t>
-            </a:r>
-            <a:r>
-              <a:rPr lang="hu-HU" dirty="0" err="1">
-                <a:latin typeface="Abadi" panose="020B0604020104020204" pitchFamily="34" charset="0"/>
-              </a:rPr>
-              <a:t>szal</a:t>
-            </a:r>
-            <a:r>
-              <a:rPr lang="hu-HU" dirty="0">
-                <a:latin typeface="Abadi" panose="020B0604020104020204" pitchFamily="34" charset="0"/>
-              </a:rPr>
-              <a:t> való ismerkedés tette ki a munka egyik nagy részét, ezért több kérdés is nyitva maradt a jövőre nézve.</a:t>
-            </a:r>
-          </a:p>
-          <a:p>
-            <a:r>
-              <a:rPr lang="hu-HU" b="0" i="0" dirty="0">
-                <a:solidFill>
-                  <a:srgbClr val="212529"/>
-                </a:solidFill>
-                <a:effectLst/>
-                <a:latin typeface="Abadi" panose="020B0604020104020204" pitchFamily="34" charset="0"/>
-              </a:rPr>
-              <a:t>A téma célja egyfajta elmélyülés volt a </a:t>
-            </a:r>
-            <a:r>
-              <a:rPr lang="hu-HU" b="0" i="0" dirty="0" err="1">
-                <a:solidFill>
-                  <a:srgbClr val="212529"/>
-                </a:solidFill>
-                <a:effectLst/>
-                <a:latin typeface="Abadi" panose="020B0604020104020204" pitchFamily="34" charset="0"/>
-              </a:rPr>
-              <a:t>linux</a:t>
-            </a:r>
-            <a:r>
-              <a:rPr lang="hu-HU" b="0" i="0" dirty="0">
-                <a:solidFill>
-                  <a:srgbClr val="212529"/>
-                </a:solidFill>
-                <a:effectLst/>
-                <a:latin typeface="Abadi" panose="020B0604020104020204" pitchFamily="34" charset="0"/>
-              </a:rPr>
-              <a:t>-alapú rendszerek, a naplózás és a centralizált log szerverek világában.</a:t>
-            </a:r>
-          </a:p>
-          <a:p>
-            <a:r>
-              <a:rPr lang="hu-HU" dirty="0">
-                <a:solidFill>
-                  <a:srgbClr val="212529"/>
-                </a:solidFill>
-                <a:latin typeface="Abadi" panose="020B0604020104020204" pitchFamily="34" charset="0"/>
-              </a:rPr>
-              <a:t>Láttuk, hogy nagy hálózatok esetében elengedhetetlen a központi naplógyűjtés.</a:t>
-            </a:r>
-            <a:r>
-              <a:rPr lang="hu-HU" b="0" i="0" dirty="0">
-                <a:solidFill>
-                  <a:srgbClr val="212529"/>
-                </a:solidFill>
-                <a:effectLst/>
-                <a:latin typeface="Abadi" panose="020B0604020104020204" pitchFamily="34" charset="0"/>
-              </a:rPr>
-              <a:t> Három elterjedt nyílt technológiával ismerkedtünk meg, és némi tapasztalatot szereztünk a rendszergazdai feladatok körében.</a:t>
-            </a:r>
-            <a:endParaRPr lang="hu-HU" dirty="0">
-              <a:latin typeface="Abadi" panose="020B0604020104020204" pitchFamily="34" charset="0"/>
-            </a:endParaRPr>
-          </a:p>
-        </p:txBody>
-      </p:sp>
-      <p:sp>
-        <p:nvSpPr>
-          <p:cNvPr id="9" name="Szövegdoboz 8">
-            <a:extLst>
-              <a:ext uri="{FF2B5EF4-FFF2-40B4-BE49-F238E27FC236}">
-                <a16:creationId xmlns:a16="http://schemas.microsoft.com/office/drawing/2014/main" id="{7DAD8E63-A683-4C39-BA9D-B7B280A0F386}"/>
-              </a:ext>
-            </a:extLst>
-          </p:cNvPr>
-          <p:cNvSpPr txBox="1"/>
-          <p:nvPr/>
-        </p:nvSpPr>
-        <p:spPr>
-          <a:xfrm>
-            <a:off x="429208" y="3064630"/>
-            <a:ext cx="9834744" cy="1754326"/>
+            <a:off x="274320" y="19909"/>
+            <a:ext cx="4039888" cy="707886"/>
           </a:xfrm>
           <a:prstGeom prst="rect">
             <a:avLst/>
@@ -12885,143 +12955,66 @@
           </a:bodyPr>
           <a:lstStyle/>
           <a:p>
-            <a:pPr algn="just"/>
-            <a:r>
-              <a:rPr lang="hu-HU" b="0" i="0" dirty="0">
-                <a:solidFill>
-                  <a:srgbClr val="212529"/>
-                </a:solidFill>
-                <a:effectLst/>
-                <a:latin typeface="Abadi" panose="020B0604020104020204" pitchFamily="34" charset="0"/>
-              </a:rPr>
-              <a:t>A félév végén tartott konzultáción a </a:t>
-            </a:r>
-            <a:r>
-              <a:rPr lang="hu-HU" b="0" i="0" dirty="0" err="1">
-                <a:solidFill>
-                  <a:srgbClr val="212529"/>
-                </a:solidFill>
-                <a:effectLst/>
-                <a:latin typeface="Abadi" panose="020B0604020104020204" pitchFamily="34" charset="0"/>
-              </a:rPr>
-              <a:t>cyan</a:t>
-            </a:r>
-            <a:r>
-              <a:rPr lang="hu-HU" b="0" i="0" dirty="0">
-                <a:solidFill>
-                  <a:srgbClr val="212529"/>
-                </a:solidFill>
-                <a:effectLst/>
-                <a:latin typeface="Abadi" panose="020B0604020104020204" pitchFamily="34" charset="0"/>
-              </a:rPr>
-              <a:t> </a:t>
-            </a:r>
-            <a:r>
-              <a:rPr lang="hu-HU" b="0" i="0" dirty="0" err="1">
-                <a:solidFill>
-                  <a:srgbClr val="212529"/>
-                </a:solidFill>
-                <a:effectLst/>
-                <a:latin typeface="Abadi" panose="020B0604020104020204" pitchFamily="34" charset="0"/>
-              </a:rPr>
-              <a:t>Security</a:t>
-            </a:r>
-            <a:r>
-              <a:rPr lang="hu-HU" b="0" i="0" dirty="0">
-                <a:solidFill>
-                  <a:srgbClr val="212529"/>
-                </a:solidFill>
-                <a:effectLst/>
-                <a:latin typeface="Abadi" panose="020B0604020104020204" pitchFamily="34" charset="0"/>
-              </a:rPr>
-              <a:t> két lehetséges </a:t>
-            </a:r>
-            <a:r>
-              <a:rPr lang="hu-HU" b="0" i="0" dirty="0" err="1">
-                <a:solidFill>
-                  <a:srgbClr val="212529"/>
-                </a:solidFill>
-                <a:effectLst/>
-                <a:latin typeface="Abadi" panose="020B0604020104020204" pitchFamily="34" charset="0"/>
-              </a:rPr>
-              <a:t>továbbhaladási</a:t>
-            </a:r>
-            <a:r>
-              <a:rPr lang="hu-HU" b="0" i="0" dirty="0">
-                <a:solidFill>
-                  <a:srgbClr val="212529"/>
-                </a:solidFill>
-                <a:effectLst/>
-                <a:latin typeface="Abadi" panose="020B0604020104020204" pitchFamily="34" charset="0"/>
-              </a:rPr>
-              <a:t> irányt jelölt meg:</a:t>
-            </a:r>
-          </a:p>
-          <a:p>
-            <a:pPr algn="just"/>
-            <a:endParaRPr lang="hu-HU" b="1" dirty="0">
+            <a:r>
+              <a:rPr lang="hu-HU" sz="4000" b="1" i="0" cap="all" dirty="0">
+                <a:solidFill>
+                  <a:srgbClr val="A01B17"/>
+                </a:solidFill>
+                <a:effectLst/>
+                <a:latin typeface="Agency FB" panose="020B0503020202020204" pitchFamily="34" charset="0"/>
+              </a:rPr>
+              <a:t>Felhasználókezelés</a:t>
+            </a:r>
+            <a:endParaRPr lang="hu-HU" sz="4000" b="1" dirty="0">
               <a:solidFill>
-                <a:srgbClr val="212529"/>
+                <a:srgbClr val="A01B17"/>
               </a:solidFill>
+              <a:latin typeface="Agency FB" panose="020B0503020202020204" pitchFamily="34" charset="0"/>
+            </a:endParaRPr>
+          </a:p>
+        </p:txBody>
+      </p:sp>
+      <p:sp>
+        <p:nvSpPr>
+          <p:cNvPr id="10" name="Tartalom helye 9">
+            <a:extLst>
+              <a:ext uri="{FF2B5EF4-FFF2-40B4-BE49-F238E27FC236}">
+                <a16:creationId xmlns:a16="http://schemas.microsoft.com/office/drawing/2014/main" id="{08293D33-53EB-4730-988E-0B0C531D7B50}"/>
+              </a:ext>
+            </a:extLst>
+          </p:cNvPr>
+          <p:cNvSpPr>
+            <a:spLocks noGrp="1"/>
+          </p:cNvSpPr>
+          <p:nvPr>
+            <p:ph idx="1"/>
+          </p:nvPr>
+        </p:nvSpPr>
+        <p:spPr>
+          <a:xfrm>
+            <a:off x="550193" y="896566"/>
+            <a:ext cx="4820550" cy="4351338"/>
+          </a:xfrm>
+        </p:spPr>
+        <p:txBody>
+          <a:bodyPr>
+            <a:normAutofit/>
+          </a:bodyPr>
+          <a:lstStyle/>
+          <a:p>
+            <a:pPr marL="0" indent="0">
+              <a:buNone/>
+            </a:pPr>
+            <a:endParaRPr lang="hu-HU" dirty="0">
               <a:latin typeface="Abadi" panose="020B0604020104020204" pitchFamily="34" charset="0"/>
             </a:endParaRPr>
-          </a:p>
-          <a:p>
-            <a:pPr marL="342900" indent="-342900" algn="just">
-              <a:buFont typeface="+mj-lt"/>
-              <a:buAutoNum type="arabicPeriod"/>
-            </a:pPr>
-            <a:r>
-              <a:rPr lang="hu-HU" b="1" i="0" dirty="0">
-                <a:solidFill>
-                  <a:srgbClr val="212529"/>
-                </a:solidFill>
-                <a:effectLst/>
-                <a:latin typeface="Abadi" panose="020B0604020104020204" pitchFamily="34" charset="0"/>
-              </a:rPr>
-              <a:t>Big Data feldolgozás</a:t>
-            </a:r>
-          </a:p>
-          <a:p>
-            <a:pPr marL="342900" indent="-342900" algn="just">
-              <a:buFont typeface="+mj-lt"/>
-              <a:buAutoNum type="arabicPeriod"/>
-            </a:pPr>
-            <a:r>
-              <a:rPr lang="hu-HU" b="1" dirty="0">
-                <a:solidFill>
-                  <a:srgbClr val="212529"/>
-                </a:solidFill>
-                <a:latin typeface="Abadi" panose="020B0604020104020204" pitchFamily="34" charset="0"/>
-              </a:rPr>
-              <a:t>Infrastruktúra optimalizáció, klaszterek</a:t>
-            </a:r>
-            <a:endParaRPr lang="hu-HU" b="1" i="0" dirty="0">
-              <a:solidFill>
-                <a:srgbClr val="212529"/>
-              </a:solidFill>
-              <a:effectLst/>
-              <a:latin typeface="Abadi" panose="020B0604020104020204" pitchFamily="34" charset="0"/>
-            </a:endParaRPr>
-          </a:p>
-          <a:p>
-            <a:br>
-              <a:rPr lang="hu-HU" b="0" i="0" dirty="0">
-                <a:solidFill>
-                  <a:srgbClr val="212529"/>
-                </a:solidFill>
-                <a:effectLst/>
-                <a:latin typeface="system-ui"/>
-              </a:rPr>
-            </a:br>
-            <a:endParaRPr lang="hu-HU" dirty="0"/>
           </a:p>
         </p:txBody>
       </p:sp>
     </p:spTree>
     <p:extLst>
       <p:ext uri="{BB962C8B-B14F-4D97-AF65-F5344CB8AC3E}">
-        <p14:creationId xmlns:p14="http://schemas.microsoft.com/office/powerpoint/2010/main" val="4101292433"/>
+        <p14:creationId xmlns:p14="http://schemas.microsoft.com/office/powerpoint/2010/main" val="2431165513"/>
       </p:ext>
     </p:extLst>
   </p:cSld>
@@ -13048,52 +13041,48 @@
           <a:chExt cx="0" cy="0"/>
         </a:xfrm>
       </p:grpSpPr>
+      <p:pic>
+        <p:nvPicPr>
+          <p:cNvPr id="6" name="Kép 5">
+            <a:extLst>
+              <a:ext uri="{FF2B5EF4-FFF2-40B4-BE49-F238E27FC236}">
+                <a16:creationId xmlns:a16="http://schemas.microsoft.com/office/drawing/2014/main" id="{9758AE22-701F-4CA9-9734-8EBB6B7DF74F}"/>
+              </a:ext>
+            </a:extLst>
+          </p:cNvPr>
+          <p:cNvPicPr>
+            <a:picLocks noChangeAspect="1"/>
+          </p:cNvPicPr>
+          <p:nvPr/>
+        </p:nvPicPr>
+        <p:blipFill>
+          <a:blip r:embed="rId2" cstate="print">
+            <a:extLst>
+              <a:ext uri="{28A0092B-C50C-407E-A947-70E740481C1C}">
+                <a14:useLocalDpi xmlns:a14="http://schemas.microsoft.com/office/drawing/2010/main" val="0"/>
+              </a:ext>
+            </a:extLst>
+          </a:blip>
+          <a:stretch>
+            <a:fillRect/>
+          </a:stretch>
+        </p:blipFill>
+        <p:spPr>
+          <a:xfrm>
+            <a:off x="11578732" y="2553"/>
+            <a:ext cx="613267" cy="613267"/>
+          </a:xfrm>
+          <a:prstGeom prst="rect">
+            <a:avLst/>
+          </a:prstGeom>
+        </p:spPr>
+      </p:pic>
       <p:sp>
         <p:nvSpPr>
-          <p:cNvPr id="4" name="Szövegdoboz 3">
-            <a:extLst>
-              <a:ext uri="{FF2B5EF4-FFF2-40B4-BE49-F238E27FC236}">
-                <a16:creationId xmlns:a16="http://schemas.microsoft.com/office/drawing/2014/main" id="{742FFBEE-7163-4E7E-848A-D4A4511A9A0D}"/>
-              </a:ext>
-            </a:extLst>
-          </p:cNvPr>
-          <p:cNvSpPr txBox="1"/>
-          <p:nvPr/>
-        </p:nvSpPr>
-        <p:spPr>
-          <a:xfrm>
-            <a:off x="274320" y="-92066"/>
-            <a:ext cx="4467890" cy="707886"/>
-          </a:xfrm>
-          <a:prstGeom prst="rect">
-            <a:avLst/>
-          </a:prstGeom>
-          <a:noFill/>
-        </p:spPr>
-        <p:txBody>
-          <a:bodyPr wrap="none" rtlCol="0">
-            <a:spAutoFit/>
-          </a:bodyPr>
-          <a:lstStyle/>
-          <a:p>
-            <a:r>
-              <a:rPr lang="hu-HU" sz="4000" b="1" dirty="0">
-                <a:solidFill>
-                  <a:srgbClr val="A01B17"/>
-                </a:solidFill>
-                <a:latin typeface="Agency FB" panose="020B0503020202020204" pitchFamily="34" charset="0"/>
-              </a:rPr>
-              <a:t>Hasznos linkek, források</a:t>
-            </a:r>
-          </a:p>
-        </p:txBody>
-      </p:sp>
-      <p:sp>
-        <p:nvSpPr>
-          <p:cNvPr id="5" name="Téglalap 4">
-            <a:extLst>
-              <a:ext uri="{FF2B5EF4-FFF2-40B4-BE49-F238E27FC236}">
-                <a16:creationId xmlns:a16="http://schemas.microsoft.com/office/drawing/2014/main" id="{9B82128D-BA48-43D0-9AF7-08CB7D7588E1}"/>
+          <p:cNvPr id="7" name="Téglalap 6">
+            <a:extLst>
+              <a:ext uri="{FF2B5EF4-FFF2-40B4-BE49-F238E27FC236}">
+                <a16:creationId xmlns:a16="http://schemas.microsoft.com/office/drawing/2014/main" id="{5118027E-30B0-4E7D-9B50-2B7206BE6302}"/>
               </a:ext>
             </a:extLst>
           </p:cNvPr>
@@ -13140,12 +13129,52 @@
           </a:p>
         </p:txBody>
       </p:sp>
+      <p:sp>
+        <p:nvSpPr>
+          <p:cNvPr id="8" name="Szövegdoboz 7">
+            <a:extLst>
+              <a:ext uri="{FF2B5EF4-FFF2-40B4-BE49-F238E27FC236}">
+                <a16:creationId xmlns:a16="http://schemas.microsoft.com/office/drawing/2014/main" id="{D00702FA-9B96-47E1-ADE4-9D2FC58C16D7}"/>
+              </a:ext>
+            </a:extLst>
+          </p:cNvPr>
+          <p:cNvSpPr txBox="1"/>
+          <p:nvPr/>
+        </p:nvSpPr>
+        <p:spPr>
+          <a:xfrm>
+            <a:off x="274320" y="0"/>
+            <a:ext cx="2986715" cy="707886"/>
+          </a:xfrm>
+          <a:prstGeom prst="rect">
+            <a:avLst/>
+          </a:prstGeom>
+          <a:noFill/>
+        </p:spPr>
+        <p:txBody>
+          <a:bodyPr wrap="none" rtlCol="0">
+            <a:spAutoFit/>
+          </a:bodyPr>
+          <a:lstStyle/>
+          <a:p>
+            <a:r>
+              <a:rPr lang="hu-HU" sz="4000" b="1" dirty="0">
+                <a:solidFill>
+                  <a:srgbClr val="A01B17"/>
+                </a:solidFill>
+                <a:latin typeface="Agency FB" panose="020B0503020202020204" pitchFamily="34" charset="0"/>
+              </a:rPr>
+              <a:t>Összehasonlítás</a:t>
+            </a:r>
+          </a:p>
+        </p:txBody>
+      </p:sp>
       <p:pic>
         <p:nvPicPr>
-          <p:cNvPr id="6" name="Ábra 5">
-            <a:extLst>
-              <a:ext uri="{FF2B5EF4-FFF2-40B4-BE49-F238E27FC236}">
-                <a16:creationId xmlns:a16="http://schemas.microsoft.com/office/drawing/2014/main" id="{9539EE2E-6FBF-4FC5-99FA-54E5D445FEC8}"/>
+          <p:cNvPr id="10" name="Kép 9">
+            <a:extLst>
+              <a:ext uri="{FF2B5EF4-FFF2-40B4-BE49-F238E27FC236}">
+                <a16:creationId xmlns:a16="http://schemas.microsoft.com/office/drawing/2014/main" id="{505850A7-0C64-4061-9440-71C80CFD93EA}"/>
               </a:ext>
             </a:extLst>
           </p:cNvPr>
@@ -13155,13 +13184,43 @@
           <p:nvPr/>
         </p:nvPicPr>
         <p:blipFill>
-          <a:blip r:embed="rId2" cstate="print">
+          <a:blip r:embed="rId3"/>
+          <a:stretch>
+            <a:fillRect/>
+          </a:stretch>
+        </p:blipFill>
+        <p:spPr>
+          <a:xfrm>
+            <a:off x="551969" y="662700"/>
+            <a:ext cx="11088061" cy="5532599"/>
+          </a:xfrm>
+          <a:prstGeom prst="rect">
+            <a:avLst/>
+          </a:prstGeom>
+        </p:spPr>
+      </p:pic>
+      <p:pic>
+        <p:nvPicPr>
+          <p:cNvPr id="5" name="Ábra 4">
+            <a:extLst>
+              <a:ext uri="{FF2B5EF4-FFF2-40B4-BE49-F238E27FC236}">
+                <a16:creationId xmlns:a16="http://schemas.microsoft.com/office/drawing/2014/main" id="{331FE0CB-3A91-4CD5-A96E-49B397C0B45C}"/>
+              </a:ext>
+            </a:extLst>
+          </p:cNvPr>
+          <p:cNvPicPr>
+            <a:picLocks noChangeAspect="1"/>
+          </p:cNvPicPr>
+          <p:nvPr/>
+        </p:nvPicPr>
+        <p:blipFill>
+          <a:blip r:embed="rId4" cstate="print">
             <a:extLst>
               <a:ext uri="{28A0092B-C50C-407E-A947-70E740481C1C}">
                 <a14:useLocalDpi xmlns:a14="http://schemas.microsoft.com/office/drawing/2010/main" val="0"/>
               </a:ext>
               <a:ext uri="{96DAC541-7B7A-43D3-8B79-37D633B846F1}">
-                <asvg:svgBlip xmlns:asvg="http://schemas.microsoft.com/office/drawing/2016/SVG/main" r:embed="rId3"/>
+                <asvg:svgBlip xmlns:asvg="http://schemas.microsoft.com/office/drawing/2016/SVG/main" r:embed="rId5"/>
               </a:ext>
             </a:extLst>
           </a:blip>
@@ -13179,162 +13238,10 @@
           </a:prstGeom>
         </p:spPr>
       </p:pic>
-      <p:pic>
-        <p:nvPicPr>
-          <p:cNvPr id="7" name="Kép 6">
-            <a:extLst>
-              <a:ext uri="{FF2B5EF4-FFF2-40B4-BE49-F238E27FC236}">
-                <a16:creationId xmlns:a16="http://schemas.microsoft.com/office/drawing/2014/main" id="{63F02832-5F07-4F27-9FD5-9B08121767DF}"/>
-              </a:ext>
-            </a:extLst>
-          </p:cNvPr>
-          <p:cNvPicPr>
-            <a:picLocks noChangeAspect="1"/>
-          </p:cNvPicPr>
-          <p:nvPr/>
-        </p:nvPicPr>
-        <p:blipFill>
-          <a:blip r:embed="rId4" cstate="print">
-            <a:extLst>
-              <a:ext uri="{28A0092B-C50C-407E-A947-70E740481C1C}">
-                <a14:useLocalDpi xmlns:a14="http://schemas.microsoft.com/office/drawing/2010/main" val="0"/>
-              </a:ext>
-            </a:extLst>
-          </a:blip>
-          <a:stretch>
-            <a:fillRect/>
-          </a:stretch>
-        </p:blipFill>
-        <p:spPr>
-          <a:xfrm>
-            <a:off x="11578732" y="2553"/>
-            <a:ext cx="613267" cy="613267"/>
-          </a:xfrm>
-          <a:prstGeom prst="rect">
-            <a:avLst/>
-          </a:prstGeom>
-        </p:spPr>
-      </p:pic>
-      <p:sp>
-        <p:nvSpPr>
-          <p:cNvPr id="8" name="Szövegdoboz 7">
-            <a:extLst>
-              <a:ext uri="{FF2B5EF4-FFF2-40B4-BE49-F238E27FC236}">
-                <a16:creationId xmlns:a16="http://schemas.microsoft.com/office/drawing/2014/main" id="{0AD34D30-865D-41AB-8E35-EA14CFE48A81}"/>
-              </a:ext>
-            </a:extLst>
-          </p:cNvPr>
-          <p:cNvSpPr txBox="1"/>
-          <p:nvPr/>
-        </p:nvSpPr>
-        <p:spPr>
-          <a:xfrm>
-            <a:off x="470643" y="1277054"/>
-            <a:ext cx="9477274" cy="2308324"/>
-          </a:xfrm>
-          <a:prstGeom prst="rect">
-            <a:avLst/>
-          </a:prstGeom>
-          <a:noFill/>
-        </p:spPr>
-        <p:txBody>
-          <a:bodyPr wrap="none" rtlCol="0">
-            <a:spAutoFit/>
-          </a:bodyPr>
-          <a:lstStyle/>
-          <a:p>
-            <a:r>
-              <a:rPr lang="hu-HU" dirty="0">
-                <a:latin typeface="Abadi" panose="020B0604020104020204" pitchFamily="34" charset="0"/>
-                <a:hlinkClick r:id="rId5"/>
-              </a:rPr>
-              <a:t>https://www.elastic.co/</a:t>
-            </a:r>
-            <a:endParaRPr lang="hu-HU" dirty="0">
-              <a:latin typeface="Abadi" panose="020B0604020104020204" pitchFamily="34" charset="0"/>
-            </a:endParaRPr>
-          </a:p>
-          <a:p>
-            <a:r>
-              <a:rPr lang="hu-HU" dirty="0">
-                <a:latin typeface="Abadi" panose="020B0604020104020204" pitchFamily="34" charset="0"/>
-                <a:hlinkClick r:id="rId6"/>
-              </a:rPr>
-              <a:t>https://www.fluentd.org/</a:t>
-            </a:r>
-            <a:endParaRPr lang="hu-HU" dirty="0">
-              <a:latin typeface="Abadi" panose="020B0604020104020204" pitchFamily="34" charset="0"/>
-            </a:endParaRPr>
-          </a:p>
-          <a:p>
-            <a:r>
-              <a:rPr lang="hu-HU" dirty="0">
-                <a:latin typeface="Abadi" panose="020B0604020104020204" pitchFamily="34" charset="0"/>
-                <a:hlinkClick r:id="rId7"/>
-              </a:rPr>
-              <a:t>https://www.graylog.org/</a:t>
-            </a:r>
-            <a:endParaRPr lang="hu-HU" dirty="0">
-              <a:latin typeface="Abadi" panose="020B0604020104020204" pitchFamily="34" charset="0"/>
-            </a:endParaRPr>
-          </a:p>
-          <a:p>
-            <a:r>
-              <a:rPr lang="hu-HU" dirty="0">
-                <a:latin typeface="Abadi" panose="020B0604020104020204" pitchFamily="34" charset="0"/>
-                <a:hlinkClick r:id="rId8"/>
-              </a:rPr>
-              <a:t>https://github.com/hpcugent/logstash-patterns/blob/master/files/grok-patterns</a:t>
-            </a:r>
-            <a:endParaRPr lang="hu-HU" dirty="0">
-              <a:latin typeface="Abadi" panose="020B0604020104020204" pitchFamily="34" charset="0"/>
-            </a:endParaRPr>
-          </a:p>
-          <a:p>
-            <a:r>
-              <a:rPr lang="hu-HU" dirty="0">
-                <a:latin typeface="Abadi" panose="020B0604020104020204" pitchFamily="34" charset="0"/>
-                <a:hlinkClick r:id="rId9"/>
-              </a:rPr>
-              <a:t>https://www.elastic.co/guide/en/elastic-stack-get-started/current/get-started-elastic-stack.html</a:t>
-            </a:r>
-            <a:endParaRPr lang="hu-HU" dirty="0">
-              <a:latin typeface="Abadi" panose="020B0604020104020204" pitchFamily="34" charset="0"/>
-            </a:endParaRPr>
-          </a:p>
-          <a:p>
-            <a:r>
-              <a:rPr lang="hu-HU" dirty="0">
-                <a:latin typeface="Abadi" panose="020B0604020104020204" pitchFamily="34" charset="0"/>
-                <a:hlinkClick r:id="rId10"/>
-              </a:rPr>
-              <a:t>https://www.linkedin.com/company/cyansecurity/?originalSubdomain=hu</a:t>
-            </a:r>
-            <a:endParaRPr lang="hu-HU" dirty="0">
-              <a:latin typeface="Abadi" panose="020B0604020104020204" pitchFamily="34" charset="0"/>
-            </a:endParaRPr>
-          </a:p>
-          <a:p>
-            <a:r>
-              <a:rPr lang="hu-HU" dirty="0">
-                <a:latin typeface="Abadi" panose="020B0604020104020204" pitchFamily="34" charset="0"/>
-                <a:hlinkClick r:id="rId11"/>
-              </a:rPr>
-              <a:t>https://github.com/Uni-Sopron/temalabor-o21-I-NEW-Centralized-log-server</a:t>
-            </a:r>
-            <a:endParaRPr lang="hu-HU" dirty="0">
-              <a:latin typeface="Abadi" panose="020B0604020104020204" pitchFamily="34" charset="0"/>
-            </a:endParaRPr>
-          </a:p>
-          <a:p>
-            <a:endParaRPr lang="hu-HU" dirty="0"/>
-          </a:p>
-        </p:txBody>
-      </p:sp>
     </p:spTree>
     <p:extLst>
       <p:ext uri="{BB962C8B-B14F-4D97-AF65-F5344CB8AC3E}">
-        <p14:creationId xmlns:p14="http://schemas.microsoft.com/office/powerpoint/2010/main" val="1923600549"/>
+        <p14:creationId xmlns:p14="http://schemas.microsoft.com/office/powerpoint/2010/main" val="3052979044"/>
       </p:ext>
     </p:extLst>
   </p:cSld>
@@ -13363,10 +13270,125 @@
       </p:grpSpPr>
       <p:sp>
         <p:nvSpPr>
-          <p:cNvPr id="4" name="Téglalap 3">
-            <a:extLst>
-              <a:ext uri="{FF2B5EF4-FFF2-40B4-BE49-F238E27FC236}">
-                <a16:creationId xmlns:a16="http://schemas.microsoft.com/office/drawing/2014/main" id="{CCC4A82F-58A9-463D-9CC7-9A14B3D51291}"/>
+          <p:cNvPr id="4" name="Szövegdoboz 3">
+            <a:extLst>
+              <a:ext uri="{FF2B5EF4-FFF2-40B4-BE49-F238E27FC236}">
+                <a16:creationId xmlns:a16="http://schemas.microsoft.com/office/drawing/2014/main" id="{179BD461-825D-495E-9DA9-707A6C4326F1}"/>
+              </a:ext>
+            </a:extLst>
+          </p:cNvPr>
+          <p:cNvSpPr txBox="1"/>
+          <p:nvPr/>
+        </p:nvSpPr>
+        <p:spPr>
+          <a:xfrm>
+            <a:off x="274320" y="0"/>
+            <a:ext cx="2988319" cy="707886"/>
+          </a:xfrm>
+          <a:prstGeom prst="rect">
+            <a:avLst/>
+          </a:prstGeom>
+          <a:noFill/>
+        </p:spPr>
+        <p:txBody>
+          <a:bodyPr wrap="none" rtlCol="0">
+            <a:spAutoFit/>
+          </a:bodyPr>
+          <a:lstStyle/>
+          <a:p>
+            <a:r>
+              <a:rPr lang="hu-HU" sz="4000" b="1" dirty="0">
+                <a:solidFill>
+                  <a:srgbClr val="A01B17"/>
+                </a:solidFill>
+                <a:latin typeface="Agency FB" panose="020B0503020202020204" pitchFamily="34" charset="0"/>
+              </a:rPr>
+              <a:t>Összegzés, jövő</a:t>
+            </a:r>
+          </a:p>
+        </p:txBody>
+      </p:sp>
+      <p:pic>
+        <p:nvPicPr>
+          <p:cNvPr id="5" name="Ábra 4">
+            <a:extLst>
+              <a:ext uri="{FF2B5EF4-FFF2-40B4-BE49-F238E27FC236}">
+                <a16:creationId xmlns:a16="http://schemas.microsoft.com/office/drawing/2014/main" id="{F7FD9755-E3CE-4F32-B7E2-FA2A1B51065B}"/>
+              </a:ext>
+            </a:extLst>
+          </p:cNvPr>
+          <p:cNvPicPr>
+            <a:picLocks noChangeAspect="1"/>
+          </p:cNvPicPr>
+          <p:nvPr/>
+        </p:nvPicPr>
+        <p:blipFill>
+          <a:blip r:embed="rId2" cstate="print">
+            <a:extLst>
+              <a:ext uri="{28A0092B-C50C-407E-A947-70E740481C1C}">
+                <a14:useLocalDpi xmlns:a14="http://schemas.microsoft.com/office/drawing/2010/main" val="0"/>
+              </a:ext>
+              <a:ext uri="{96DAC541-7B7A-43D3-8B79-37D633B846F1}">
+                <asvg:svgBlip xmlns:asvg="http://schemas.microsoft.com/office/drawing/2016/SVG/main" r:embed="rId3"/>
+              </a:ext>
+            </a:extLst>
+          </a:blip>
+          <a:stretch>
+            <a:fillRect/>
+          </a:stretch>
+        </p:blipFill>
+        <p:spPr>
+          <a:xfrm>
+            <a:off x="10649436" y="5366437"/>
+            <a:ext cx="1406504" cy="1358419"/>
+          </a:xfrm>
+          <a:prstGeom prst="rect">
+            <a:avLst/>
+          </a:prstGeom>
+        </p:spPr>
+      </p:pic>
+      <p:pic>
+        <p:nvPicPr>
+          <p:cNvPr id="6" name="Kép 5">
+            <a:extLst>
+              <a:ext uri="{FF2B5EF4-FFF2-40B4-BE49-F238E27FC236}">
+                <a16:creationId xmlns:a16="http://schemas.microsoft.com/office/drawing/2014/main" id="{99603EF8-98B9-420A-AF82-C0ED661B0779}"/>
+              </a:ext>
+            </a:extLst>
+          </p:cNvPr>
+          <p:cNvPicPr>
+            <a:picLocks noChangeAspect="1"/>
+          </p:cNvPicPr>
+          <p:nvPr/>
+        </p:nvPicPr>
+        <p:blipFill>
+          <a:blip r:embed="rId4" cstate="print">
+            <a:extLst>
+              <a:ext uri="{28A0092B-C50C-407E-A947-70E740481C1C}">
+                <a14:useLocalDpi xmlns:a14="http://schemas.microsoft.com/office/drawing/2010/main" val="0"/>
+              </a:ext>
+            </a:extLst>
+          </a:blip>
+          <a:stretch>
+            <a:fillRect/>
+          </a:stretch>
+        </p:blipFill>
+        <p:spPr>
+          <a:xfrm>
+            <a:off x="11578732" y="2553"/>
+            <a:ext cx="613267" cy="613267"/>
+          </a:xfrm>
+          <a:prstGeom prst="rect">
+            <a:avLst/>
+          </a:prstGeom>
+        </p:spPr>
+      </p:pic>
+      <p:sp>
+        <p:nvSpPr>
+          <p:cNvPr id="7" name="Téglalap 6">
+            <a:extLst>
+              <a:ext uri="{FF2B5EF4-FFF2-40B4-BE49-F238E27FC236}">
+                <a16:creationId xmlns:a16="http://schemas.microsoft.com/office/drawing/2014/main" id="{26E11219-288B-46B5-8566-3FC185FA9278}"/>
               </a:ext>
             </a:extLst>
           </p:cNvPr>
@@ -13413,87 +13435,12 @@
           </a:p>
         </p:txBody>
       </p:sp>
-      <p:pic>
-        <p:nvPicPr>
-          <p:cNvPr id="5" name="Ábra 4">
-            <a:extLst>
-              <a:ext uri="{FF2B5EF4-FFF2-40B4-BE49-F238E27FC236}">
-                <a16:creationId xmlns:a16="http://schemas.microsoft.com/office/drawing/2014/main" id="{97536270-8590-4BBC-89D6-4BEA9FD878D4}"/>
-              </a:ext>
-            </a:extLst>
-          </p:cNvPr>
-          <p:cNvPicPr>
-            <a:picLocks noChangeAspect="1"/>
-          </p:cNvPicPr>
-          <p:nvPr/>
-        </p:nvPicPr>
-        <p:blipFill>
-          <a:blip r:embed="rId2" cstate="print">
-            <a:extLst>
-              <a:ext uri="{28A0092B-C50C-407E-A947-70E740481C1C}">
-                <a14:useLocalDpi xmlns:a14="http://schemas.microsoft.com/office/drawing/2010/main" val="0"/>
-              </a:ext>
-              <a:ext uri="{96DAC541-7B7A-43D3-8B79-37D633B846F1}">
-                <asvg:svgBlip xmlns:asvg="http://schemas.microsoft.com/office/drawing/2016/SVG/main" r:embed="rId3"/>
-              </a:ext>
-            </a:extLst>
-          </a:blip>
-          <a:stretch>
-            <a:fillRect/>
-          </a:stretch>
-        </p:blipFill>
-        <p:spPr>
-          <a:xfrm>
-            <a:off x="10649436" y="5366437"/>
-            <a:ext cx="1406504" cy="1358419"/>
-          </a:xfrm>
-          <a:prstGeom prst="rect">
-            <a:avLst/>
-          </a:prstGeom>
-        </p:spPr>
-      </p:pic>
-      <p:pic>
-        <p:nvPicPr>
-          <p:cNvPr id="6" name="Kép 5">
-            <a:extLst>
-              <a:ext uri="{FF2B5EF4-FFF2-40B4-BE49-F238E27FC236}">
-                <a16:creationId xmlns:a16="http://schemas.microsoft.com/office/drawing/2014/main" id="{C0BB0118-0F80-4285-ABF6-8DD38EF484B9}"/>
-              </a:ext>
-            </a:extLst>
-          </p:cNvPr>
-          <p:cNvPicPr>
-            <a:picLocks noChangeAspect="1"/>
-          </p:cNvPicPr>
-          <p:nvPr/>
-        </p:nvPicPr>
-        <p:blipFill>
-          <a:blip r:embed="rId4" cstate="print">
-            <a:extLst>
-              <a:ext uri="{28A0092B-C50C-407E-A947-70E740481C1C}">
-                <a14:useLocalDpi xmlns:a14="http://schemas.microsoft.com/office/drawing/2010/main" val="0"/>
-              </a:ext>
-            </a:extLst>
-          </a:blip>
-          <a:stretch>
-            <a:fillRect/>
-          </a:stretch>
-        </p:blipFill>
-        <p:spPr>
-          <a:xfrm>
-            <a:off x="11578732" y="2553"/>
-            <a:ext cx="613267" cy="613267"/>
-          </a:xfrm>
-          <a:prstGeom prst="rect">
-            <a:avLst/>
-          </a:prstGeom>
-        </p:spPr>
-      </p:pic>
       <p:sp>
         <p:nvSpPr>
-          <p:cNvPr id="7" name="Szövegdoboz 6">
-            <a:extLst>
-              <a:ext uri="{FF2B5EF4-FFF2-40B4-BE49-F238E27FC236}">
-                <a16:creationId xmlns:a16="http://schemas.microsoft.com/office/drawing/2014/main" id="{B730E880-200A-47AE-8C31-990FD33B7DE9}"/>
+          <p:cNvPr id="8" name="Szövegdoboz 7">
+            <a:extLst>
+              <a:ext uri="{FF2B5EF4-FFF2-40B4-BE49-F238E27FC236}">
+                <a16:creationId xmlns:a16="http://schemas.microsoft.com/office/drawing/2014/main" id="{76D75C5D-5568-4AA7-8CF9-3CD73E095F9F}"/>
               </a:ext>
             </a:extLst>
           </p:cNvPr>
@@ -13502,8 +13449,113 @@
         </p:nvSpPr>
         <p:spPr>
           <a:xfrm>
-            <a:off x="681569" y="2228671"/>
-            <a:ext cx="7146508" cy="1200329"/>
+            <a:off x="429208" y="1036567"/>
+            <a:ext cx="10787743" cy="1754326"/>
+          </a:xfrm>
+          <a:prstGeom prst="rect">
+            <a:avLst/>
+          </a:prstGeom>
+          <a:noFill/>
+        </p:spPr>
+        <p:txBody>
+          <a:bodyPr wrap="square" rtlCol="0">
+            <a:spAutoFit/>
+          </a:bodyPr>
+          <a:lstStyle/>
+          <a:p>
+            <a:r>
+              <a:rPr lang="hu-HU" dirty="0">
+                <a:latin typeface="Abadi" panose="020B0604020104020204" pitchFamily="34" charset="0"/>
+              </a:rPr>
+              <a:t>A Linux-</a:t>
+            </a:r>
+            <a:r>
+              <a:rPr lang="hu-HU" dirty="0" err="1">
+                <a:latin typeface="Abadi" panose="020B0604020104020204" pitchFamily="34" charset="0"/>
+              </a:rPr>
+              <a:t>szal</a:t>
+            </a:r>
+            <a:r>
+              <a:rPr lang="hu-HU" dirty="0">
+                <a:latin typeface="Abadi" panose="020B0604020104020204" pitchFamily="34" charset="0"/>
+              </a:rPr>
+              <a:t> való ismerkedés tette ki a munka egyik nagy részét, ezért több kérdés is nyitva maradt a jövőre nézve.</a:t>
+            </a:r>
+          </a:p>
+          <a:p>
+            <a:r>
+              <a:rPr lang="hu-HU" b="0" i="0" dirty="0">
+                <a:solidFill>
+                  <a:srgbClr val="212529"/>
+                </a:solidFill>
+                <a:effectLst/>
+                <a:latin typeface="Abadi" panose="020B0604020104020204" pitchFamily="34" charset="0"/>
+              </a:rPr>
+              <a:t>A téma célja egyfajta elmélyülés volt a </a:t>
+            </a:r>
+            <a:r>
+              <a:rPr lang="hu-HU" b="0" i="0" dirty="0" err="1">
+                <a:solidFill>
+                  <a:srgbClr val="212529"/>
+                </a:solidFill>
+                <a:effectLst/>
+                <a:latin typeface="Abadi" panose="020B0604020104020204" pitchFamily="34" charset="0"/>
+              </a:rPr>
+              <a:t>linux</a:t>
+            </a:r>
+            <a:r>
+              <a:rPr lang="hu-HU" b="0" i="0" dirty="0">
+                <a:solidFill>
+                  <a:srgbClr val="212529"/>
+                </a:solidFill>
+                <a:effectLst/>
+                <a:latin typeface="Abadi" panose="020B0604020104020204" pitchFamily="34" charset="0"/>
+              </a:rPr>
+              <a:t>-alapú rendszerek, a naplózás és a centralizált log szerverek világában.</a:t>
+            </a:r>
+          </a:p>
+          <a:p>
+            <a:r>
+              <a:rPr lang="hu-HU" dirty="0">
+                <a:solidFill>
+                  <a:srgbClr val="212529"/>
+                </a:solidFill>
+                <a:latin typeface="Abadi" panose="020B0604020104020204" pitchFamily="34" charset="0"/>
+              </a:rPr>
+              <a:t>Láttuk, hogy nagy hálózatok esetében elengedhetetlen a központi naplógyűjtés.</a:t>
+            </a:r>
+            <a:r>
+              <a:rPr lang="hu-HU" b="0" i="0" dirty="0">
+                <a:solidFill>
+                  <a:srgbClr val="212529"/>
+                </a:solidFill>
+                <a:effectLst/>
+                <a:latin typeface="Abadi" panose="020B0604020104020204" pitchFamily="34" charset="0"/>
+              </a:rPr>
+              <a:t> Három elterjedt nyílt technológiával ismerkedtünk meg, és némi tapasztalatot szereztünk a rendszergazdai feladatok körében.</a:t>
+            </a:r>
+            <a:endParaRPr lang="hu-HU" dirty="0">
+              <a:latin typeface="Abadi" panose="020B0604020104020204" pitchFamily="34" charset="0"/>
+            </a:endParaRPr>
+          </a:p>
+        </p:txBody>
+      </p:sp>
+      <p:sp>
+        <p:nvSpPr>
+          <p:cNvPr id="9" name="Szövegdoboz 8">
+            <a:extLst>
+              <a:ext uri="{FF2B5EF4-FFF2-40B4-BE49-F238E27FC236}">
+                <a16:creationId xmlns:a16="http://schemas.microsoft.com/office/drawing/2014/main" id="{7DAD8E63-A683-4C39-BA9D-B7B280A0F386}"/>
+              </a:ext>
+            </a:extLst>
+          </p:cNvPr>
+          <p:cNvSpPr txBox="1"/>
+          <p:nvPr/>
+        </p:nvSpPr>
+        <p:spPr>
+          <a:xfrm>
+            <a:off x="429208" y="3064630"/>
+            <a:ext cx="9834744" cy="1754326"/>
           </a:xfrm>
           <a:prstGeom prst="rect">
             <a:avLst/>
@@ -13516,22 +13568,143 @@
           </a:bodyPr>
           <a:lstStyle/>
           <a:p>
-            <a:r>
-              <a:rPr lang="hu-HU" sz="7200" b="1" dirty="0">
-                <a:solidFill>
-                  <a:srgbClr val="A01B17"/>
-                </a:solidFill>
-                <a:latin typeface="Agency FB" panose="020B0503020202020204" pitchFamily="34" charset="0"/>
-              </a:rPr>
-              <a:t>Köszönjük a figyelmet!</a:t>
-            </a:r>
+            <a:pPr algn="just"/>
+            <a:r>
+              <a:rPr lang="hu-HU" b="0" i="0" dirty="0">
+                <a:solidFill>
+                  <a:srgbClr val="212529"/>
+                </a:solidFill>
+                <a:effectLst/>
+                <a:latin typeface="Abadi" panose="020B0604020104020204" pitchFamily="34" charset="0"/>
+              </a:rPr>
+              <a:t>A félév végén tartott konzultáción a </a:t>
+            </a:r>
+            <a:r>
+              <a:rPr lang="hu-HU" b="0" i="0" dirty="0" err="1">
+                <a:solidFill>
+                  <a:srgbClr val="212529"/>
+                </a:solidFill>
+                <a:effectLst/>
+                <a:latin typeface="Abadi" panose="020B0604020104020204" pitchFamily="34" charset="0"/>
+              </a:rPr>
+              <a:t>cyan</a:t>
+            </a:r>
+            <a:r>
+              <a:rPr lang="hu-HU" b="0" i="0" dirty="0">
+                <a:solidFill>
+                  <a:srgbClr val="212529"/>
+                </a:solidFill>
+                <a:effectLst/>
+                <a:latin typeface="Abadi" panose="020B0604020104020204" pitchFamily="34" charset="0"/>
+              </a:rPr>
+              <a:t> </a:t>
+            </a:r>
+            <a:r>
+              <a:rPr lang="hu-HU" b="0" i="0" dirty="0" err="1">
+                <a:solidFill>
+                  <a:srgbClr val="212529"/>
+                </a:solidFill>
+                <a:effectLst/>
+                <a:latin typeface="Abadi" panose="020B0604020104020204" pitchFamily="34" charset="0"/>
+              </a:rPr>
+              <a:t>Security</a:t>
+            </a:r>
+            <a:r>
+              <a:rPr lang="hu-HU" b="0" i="0" dirty="0">
+                <a:solidFill>
+                  <a:srgbClr val="212529"/>
+                </a:solidFill>
+                <a:effectLst/>
+                <a:latin typeface="Abadi" panose="020B0604020104020204" pitchFamily="34" charset="0"/>
+              </a:rPr>
+              <a:t> két lehetséges </a:t>
+            </a:r>
+            <a:r>
+              <a:rPr lang="hu-HU" b="0" i="0" dirty="0" err="1">
+                <a:solidFill>
+                  <a:srgbClr val="212529"/>
+                </a:solidFill>
+                <a:effectLst/>
+                <a:latin typeface="Abadi" panose="020B0604020104020204" pitchFamily="34" charset="0"/>
+              </a:rPr>
+              <a:t>továbbhaladási</a:t>
+            </a:r>
+            <a:r>
+              <a:rPr lang="hu-HU" b="0" i="0" dirty="0">
+                <a:solidFill>
+                  <a:srgbClr val="212529"/>
+                </a:solidFill>
+                <a:effectLst/>
+                <a:latin typeface="Abadi" panose="020B0604020104020204" pitchFamily="34" charset="0"/>
+              </a:rPr>
+              <a:t> irányt jelölt meg:</a:t>
+            </a:r>
+          </a:p>
+          <a:p>
+            <a:pPr algn="just"/>
+            <a:endParaRPr lang="hu-HU" b="1" dirty="0">
+              <a:solidFill>
+                <a:srgbClr val="212529"/>
+              </a:solidFill>
+              <a:latin typeface="Abadi" panose="020B0604020104020204" pitchFamily="34" charset="0"/>
+            </a:endParaRPr>
+          </a:p>
+          <a:p>
+            <a:pPr marL="342900" indent="-342900" algn="just">
+              <a:buFont typeface="+mj-lt"/>
+              <a:buAutoNum type="arabicPeriod"/>
+            </a:pPr>
+            <a:r>
+              <a:rPr lang="hu-HU" b="1" i="0" dirty="0">
+                <a:solidFill>
+                  <a:srgbClr val="212529"/>
+                </a:solidFill>
+                <a:effectLst/>
+                <a:latin typeface="Abadi" panose="020B0604020104020204" pitchFamily="34" charset="0"/>
+              </a:rPr>
+              <a:t>Big Data feldolgozás</a:t>
+            </a:r>
+          </a:p>
+          <a:p>
+            <a:pPr marL="342900" indent="-342900" algn="just">
+              <a:buFont typeface="+mj-lt"/>
+              <a:buAutoNum type="arabicPeriod"/>
+            </a:pPr>
+            <a:r>
+              <a:rPr lang="hu-HU" b="1" dirty="0">
+                <a:solidFill>
+                  <a:srgbClr val="212529"/>
+                </a:solidFill>
+                <a:latin typeface="Abadi" panose="020B0604020104020204" pitchFamily="34" charset="0"/>
+              </a:rPr>
+              <a:t>Infrastruktúra optimalizáció, klaszterek</a:t>
+            </a:r>
+            <a:endParaRPr lang="hu-HU" b="1" i="0" dirty="0">
+              <a:solidFill>
+                <a:srgbClr val="212529"/>
+              </a:solidFill>
+              <a:effectLst/>
+              <a:latin typeface="Abadi" panose="020B0604020104020204" pitchFamily="34" charset="0"/>
+            </a:endParaRPr>
+          </a:p>
+          <a:p>
+            <a:br>
+              <a:rPr lang="hu-HU" b="0" i="0" dirty="0">
+                <a:solidFill>
+                  <a:srgbClr val="212529"/>
+                </a:solidFill>
+                <a:effectLst/>
+                <a:latin typeface="system-ui"/>
+              </a:rPr>
+            </a:br>
+            <a:endParaRPr lang="hu-HU" dirty="0"/>
           </a:p>
         </p:txBody>
       </p:sp>
     </p:spTree>
     <p:extLst>
       <p:ext uri="{BB962C8B-B14F-4D97-AF65-F5344CB8AC3E}">
-        <p14:creationId xmlns:p14="http://schemas.microsoft.com/office/powerpoint/2010/main" val="2644544797"/>
+        <p14:creationId xmlns:p14="http://schemas.microsoft.com/office/powerpoint/2010/main" val="4101292433"/>
       </p:ext>
     </p:extLst>
   </p:cSld>
@@ -15824,6 +15997,516 @@
     <p:extLst>
       <p:ext uri="{BB962C8B-B14F-4D97-AF65-F5344CB8AC3E}">
         <p14:creationId xmlns:p14="http://schemas.microsoft.com/office/powerpoint/2010/main" val="1801797320"/>
+      </p:ext>
+    </p:extLst>
+  </p:cSld>
+  <p:clrMapOvr>
+    <a:masterClrMapping/>
+  </p:clrMapOvr>
+</p:sld>
+</file>
+
+<file path=ppt/slides/slide30.xml><?xml version="1.0" encoding="utf-8"?>
+<p:sld xmlns:a="http://schemas.openxmlformats.org/drawingml/2006/main" xmlns:r="http://schemas.openxmlformats.org/officeDocument/2006/relationships" xmlns:p="http://schemas.openxmlformats.org/presentationml/2006/main">
+  <p:cSld>
+    <p:spTree>
+      <p:nvGrpSpPr>
+        <p:cNvPr id="1" name=""/>
+        <p:cNvGrpSpPr/>
+        <p:nvPr/>
+      </p:nvGrpSpPr>
+      <p:grpSpPr>
+        <a:xfrm>
+          <a:off x="0" y="0"/>
+          <a:ext cx="0" cy="0"/>
+          <a:chOff x="0" y="0"/>
+          <a:chExt cx="0" cy="0"/>
+        </a:xfrm>
+      </p:grpSpPr>
+      <p:sp>
+        <p:nvSpPr>
+          <p:cNvPr id="4" name="Szövegdoboz 3">
+            <a:extLst>
+              <a:ext uri="{FF2B5EF4-FFF2-40B4-BE49-F238E27FC236}">
+                <a16:creationId xmlns:a16="http://schemas.microsoft.com/office/drawing/2014/main" id="{742FFBEE-7163-4E7E-848A-D4A4511A9A0D}"/>
+              </a:ext>
+            </a:extLst>
+          </p:cNvPr>
+          <p:cNvSpPr txBox="1"/>
+          <p:nvPr/>
+        </p:nvSpPr>
+        <p:spPr>
+          <a:xfrm>
+            <a:off x="274320" y="-92066"/>
+            <a:ext cx="4467890" cy="707886"/>
+          </a:xfrm>
+          <a:prstGeom prst="rect">
+            <a:avLst/>
+          </a:prstGeom>
+          <a:noFill/>
+        </p:spPr>
+        <p:txBody>
+          <a:bodyPr wrap="none" rtlCol="0">
+            <a:spAutoFit/>
+          </a:bodyPr>
+          <a:lstStyle/>
+          <a:p>
+            <a:r>
+              <a:rPr lang="hu-HU" sz="4000" b="1" dirty="0">
+                <a:solidFill>
+                  <a:srgbClr val="A01B17"/>
+                </a:solidFill>
+                <a:latin typeface="Agency FB" panose="020B0503020202020204" pitchFamily="34" charset="0"/>
+              </a:rPr>
+              <a:t>Hasznos linkek, források</a:t>
+            </a:r>
+          </a:p>
+        </p:txBody>
+      </p:sp>
+      <p:sp>
+        <p:nvSpPr>
+          <p:cNvPr id="5" name="Téglalap 4">
+            <a:extLst>
+              <a:ext uri="{FF2B5EF4-FFF2-40B4-BE49-F238E27FC236}">
+                <a16:creationId xmlns:a16="http://schemas.microsoft.com/office/drawing/2014/main" id="{9B82128D-BA48-43D0-9AF7-08CB7D7588E1}"/>
+              </a:ext>
+            </a:extLst>
+          </p:cNvPr>
+          <p:cNvSpPr/>
+          <p:nvPr/>
+        </p:nvSpPr>
+        <p:spPr>
+          <a:xfrm>
+            <a:off x="0" y="0"/>
+            <a:ext cx="274320" cy="6858000"/>
+          </a:xfrm>
+          <a:prstGeom prst="rect">
+            <a:avLst/>
+          </a:prstGeom>
+          <a:solidFill>
+            <a:srgbClr val="A01B17"/>
+          </a:solidFill>
+          <a:ln>
+            <a:noFill/>
+          </a:ln>
+        </p:spPr>
+        <p:style>
+          <a:lnRef idx="2">
+            <a:schemeClr val="accent1">
+              <a:shade val="50000"/>
+            </a:schemeClr>
+          </a:lnRef>
+          <a:fillRef idx="1">
+            <a:schemeClr val="accent1"/>
+          </a:fillRef>
+          <a:effectRef idx="0">
+            <a:schemeClr val="accent1"/>
+          </a:effectRef>
+          <a:fontRef idx="minor">
+            <a:schemeClr val="lt1"/>
+          </a:fontRef>
+        </p:style>
+        <p:txBody>
+          <a:bodyPr rtlCol="0" anchor="ctr"/>
+          <a:lstStyle/>
+          <a:p>
+            <a:pPr algn="ctr"/>
+            <a:endParaRPr lang="hu-HU"/>
+          </a:p>
+        </p:txBody>
+      </p:sp>
+      <p:pic>
+        <p:nvPicPr>
+          <p:cNvPr id="6" name="Ábra 5">
+            <a:extLst>
+              <a:ext uri="{FF2B5EF4-FFF2-40B4-BE49-F238E27FC236}">
+                <a16:creationId xmlns:a16="http://schemas.microsoft.com/office/drawing/2014/main" id="{9539EE2E-6FBF-4FC5-99FA-54E5D445FEC8}"/>
+              </a:ext>
+            </a:extLst>
+          </p:cNvPr>
+          <p:cNvPicPr>
+            <a:picLocks noChangeAspect="1"/>
+          </p:cNvPicPr>
+          <p:nvPr/>
+        </p:nvPicPr>
+        <p:blipFill>
+          <a:blip r:embed="rId2" cstate="print">
+            <a:extLst>
+              <a:ext uri="{28A0092B-C50C-407E-A947-70E740481C1C}">
+                <a14:useLocalDpi xmlns:a14="http://schemas.microsoft.com/office/drawing/2010/main" val="0"/>
+              </a:ext>
+              <a:ext uri="{96DAC541-7B7A-43D3-8B79-37D633B846F1}">
+                <asvg:svgBlip xmlns:asvg="http://schemas.microsoft.com/office/drawing/2016/SVG/main" r:embed="rId3"/>
+              </a:ext>
+            </a:extLst>
+          </a:blip>
+          <a:stretch>
+            <a:fillRect/>
+          </a:stretch>
+        </p:blipFill>
+        <p:spPr>
+          <a:xfrm>
+            <a:off x="10649436" y="5366437"/>
+            <a:ext cx="1406504" cy="1358419"/>
+          </a:xfrm>
+          <a:prstGeom prst="rect">
+            <a:avLst/>
+          </a:prstGeom>
+        </p:spPr>
+      </p:pic>
+      <p:pic>
+        <p:nvPicPr>
+          <p:cNvPr id="7" name="Kép 6">
+            <a:extLst>
+              <a:ext uri="{FF2B5EF4-FFF2-40B4-BE49-F238E27FC236}">
+                <a16:creationId xmlns:a16="http://schemas.microsoft.com/office/drawing/2014/main" id="{63F02832-5F07-4F27-9FD5-9B08121767DF}"/>
+              </a:ext>
+            </a:extLst>
+          </p:cNvPr>
+          <p:cNvPicPr>
+            <a:picLocks noChangeAspect="1"/>
+          </p:cNvPicPr>
+          <p:nvPr/>
+        </p:nvPicPr>
+        <p:blipFill>
+          <a:blip r:embed="rId4" cstate="print">
+            <a:extLst>
+              <a:ext uri="{28A0092B-C50C-407E-A947-70E740481C1C}">
+                <a14:useLocalDpi xmlns:a14="http://schemas.microsoft.com/office/drawing/2010/main" val="0"/>
+              </a:ext>
+            </a:extLst>
+          </a:blip>
+          <a:stretch>
+            <a:fillRect/>
+          </a:stretch>
+        </p:blipFill>
+        <p:spPr>
+          <a:xfrm>
+            <a:off x="11578732" y="2553"/>
+            <a:ext cx="613267" cy="613267"/>
+          </a:xfrm>
+          <a:prstGeom prst="rect">
+            <a:avLst/>
+          </a:prstGeom>
+        </p:spPr>
+      </p:pic>
+      <p:sp>
+        <p:nvSpPr>
+          <p:cNvPr id="8" name="Szövegdoboz 7">
+            <a:extLst>
+              <a:ext uri="{FF2B5EF4-FFF2-40B4-BE49-F238E27FC236}">
+                <a16:creationId xmlns:a16="http://schemas.microsoft.com/office/drawing/2014/main" id="{0AD34D30-865D-41AB-8E35-EA14CFE48A81}"/>
+              </a:ext>
+            </a:extLst>
+          </p:cNvPr>
+          <p:cNvSpPr txBox="1"/>
+          <p:nvPr/>
+        </p:nvSpPr>
+        <p:spPr>
+          <a:xfrm>
+            <a:off x="470643" y="1277054"/>
+            <a:ext cx="9477274" cy="2308324"/>
+          </a:xfrm>
+          <a:prstGeom prst="rect">
+            <a:avLst/>
+          </a:prstGeom>
+          <a:noFill/>
+        </p:spPr>
+        <p:txBody>
+          <a:bodyPr wrap="none" rtlCol="0">
+            <a:spAutoFit/>
+          </a:bodyPr>
+          <a:lstStyle/>
+          <a:p>
+            <a:r>
+              <a:rPr lang="hu-HU" dirty="0">
+                <a:latin typeface="Abadi" panose="020B0604020104020204" pitchFamily="34" charset="0"/>
+                <a:hlinkClick r:id="rId5"/>
+              </a:rPr>
+              <a:t>https://www.elastic.co/</a:t>
+            </a:r>
+            <a:endParaRPr lang="hu-HU" dirty="0">
+              <a:latin typeface="Abadi" panose="020B0604020104020204" pitchFamily="34" charset="0"/>
+            </a:endParaRPr>
+          </a:p>
+          <a:p>
+            <a:r>
+              <a:rPr lang="hu-HU" dirty="0">
+                <a:latin typeface="Abadi" panose="020B0604020104020204" pitchFamily="34" charset="0"/>
+                <a:hlinkClick r:id="rId6"/>
+              </a:rPr>
+              <a:t>https://www.fluentd.org/</a:t>
+            </a:r>
+            <a:endParaRPr lang="hu-HU" dirty="0">
+              <a:latin typeface="Abadi" panose="020B0604020104020204" pitchFamily="34" charset="0"/>
+            </a:endParaRPr>
+          </a:p>
+          <a:p>
+            <a:r>
+              <a:rPr lang="hu-HU" dirty="0">
+                <a:latin typeface="Abadi" panose="020B0604020104020204" pitchFamily="34" charset="0"/>
+                <a:hlinkClick r:id="rId7"/>
+              </a:rPr>
+              <a:t>https://www.graylog.org/</a:t>
+            </a:r>
+            <a:endParaRPr lang="hu-HU" dirty="0">
+              <a:latin typeface="Abadi" panose="020B0604020104020204" pitchFamily="34" charset="0"/>
+            </a:endParaRPr>
+          </a:p>
+          <a:p>
+            <a:r>
+              <a:rPr lang="hu-HU" dirty="0">
+                <a:latin typeface="Abadi" panose="020B0604020104020204" pitchFamily="34" charset="0"/>
+                <a:hlinkClick r:id="rId8"/>
+              </a:rPr>
+              <a:t>https://github.com/hpcugent/logstash-patterns/blob/master/files/grok-patterns</a:t>
+            </a:r>
+            <a:endParaRPr lang="hu-HU" dirty="0">
+              <a:latin typeface="Abadi" panose="020B0604020104020204" pitchFamily="34" charset="0"/>
+            </a:endParaRPr>
+          </a:p>
+          <a:p>
+            <a:r>
+              <a:rPr lang="hu-HU" dirty="0">
+                <a:latin typeface="Abadi" panose="020B0604020104020204" pitchFamily="34" charset="0"/>
+                <a:hlinkClick r:id="rId9"/>
+              </a:rPr>
+              <a:t>https://www.elastic.co/guide/en/elastic-stack-get-started/current/get-started-elastic-stack.html</a:t>
+            </a:r>
+            <a:endParaRPr lang="hu-HU" dirty="0">
+              <a:latin typeface="Abadi" panose="020B0604020104020204" pitchFamily="34" charset="0"/>
+            </a:endParaRPr>
+          </a:p>
+          <a:p>
+            <a:r>
+              <a:rPr lang="hu-HU" dirty="0">
+                <a:latin typeface="Abadi" panose="020B0604020104020204" pitchFamily="34" charset="0"/>
+                <a:hlinkClick r:id="rId10"/>
+              </a:rPr>
+              <a:t>https://www.linkedin.com/company/cyansecurity/?originalSubdomain=hu</a:t>
+            </a:r>
+            <a:endParaRPr lang="hu-HU" dirty="0">
+              <a:latin typeface="Abadi" panose="020B0604020104020204" pitchFamily="34" charset="0"/>
+            </a:endParaRPr>
+          </a:p>
+          <a:p>
+            <a:r>
+              <a:rPr lang="hu-HU" dirty="0">
+                <a:latin typeface="Abadi" panose="020B0604020104020204" pitchFamily="34" charset="0"/>
+                <a:hlinkClick r:id="rId11"/>
+              </a:rPr>
+              <a:t>https://github.com/Uni-Sopron/temalabor-o21-I-NEW-Centralized-log-server</a:t>
+            </a:r>
+            <a:endParaRPr lang="hu-HU" dirty="0">
+              <a:latin typeface="Abadi" panose="020B0604020104020204" pitchFamily="34" charset="0"/>
+            </a:endParaRPr>
+          </a:p>
+          <a:p>
+            <a:endParaRPr lang="hu-HU" dirty="0"/>
+          </a:p>
+        </p:txBody>
+      </p:sp>
+    </p:spTree>
+    <p:extLst>
+      <p:ext uri="{BB962C8B-B14F-4D97-AF65-F5344CB8AC3E}">
+        <p14:creationId xmlns:p14="http://schemas.microsoft.com/office/powerpoint/2010/main" val="1923600549"/>
+      </p:ext>
+    </p:extLst>
+  </p:cSld>
+  <p:clrMapOvr>
+    <a:masterClrMapping/>
+  </p:clrMapOvr>
+</p:sld>
+</file>
+
+<file path=ppt/slides/slide31.xml><?xml version="1.0" encoding="utf-8"?>
+<p:sld xmlns:a="http://schemas.openxmlformats.org/drawingml/2006/main" xmlns:r="http://schemas.openxmlformats.org/officeDocument/2006/relationships" xmlns:p="http://schemas.openxmlformats.org/presentationml/2006/main">
+  <p:cSld>
+    <p:spTree>
+      <p:nvGrpSpPr>
+        <p:cNvPr id="1" name=""/>
+        <p:cNvGrpSpPr/>
+        <p:nvPr/>
+      </p:nvGrpSpPr>
+      <p:grpSpPr>
+        <a:xfrm>
+          <a:off x="0" y="0"/>
+          <a:ext cx="0" cy="0"/>
+          <a:chOff x="0" y="0"/>
+          <a:chExt cx="0" cy="0"/>
+        </a:xfrm>
+      </p:grpSpPr>
+      <p:sp>
+        <p:nvSpPr>
+          <p:cNvPr id="4" name="Téglalap 3">
+            <a:extLst>
+              <a:ext uri="{FF2B5EF4-FFF2-40B4-BE49-F238E27FC236}">
+                <a16:creationId xmlns:a16="http://schemas.microsoft.com/office/drawing/2014/main" id="{CCC4A82F-58A9-463D-9CC7-9A14B3D51291}"/>
+              </a:ext>
+            </a:extLst>
+          </p:cNvPr>
+          <p:cNvSpPr/>
+          <p:nvPr/>
+        </p:nvSpPr>
+        <p:spPr>
+          <a:xfrm>
+            <a:off x="0" y="0"/>
+            <a:ext cx="274320" cy="6858000"/>
+          </a:xfrm>
+          <a:prstGeom prst="rect">
+            <a:avLst/>
+          </a:prstGeom>
+          <a:solidFill>
+            <a:srgbClr val="A01B17"/>
+          </a:solidFill>
+          <a:ln>
+            <a:noFill/>
+          </a:ln>
+        </p:spPr>
+        <p:style>
+          <a:lnRef idx="2">
+            <a:schemeClr val="accent1">
+              <a:shade val="50000"/>
+            </a:schemeClr>
+          </a:lnRef>
+          <a:fillRef idx="1">
+            <a:schemeClr val="accent1"/>
+          </a:fillRef>
+          <a:effectRef idx="0">
+            <a:schemeClr val="accent1"/>
+          </a:effectRef>
+          <a:fontRef idx="minor">
+            <a:schemeClr val="lt1"/>
+          </a:fontRef>
+        </p:style>
+        <p:txBody>
+          <a:bodyPr rtlCol="0" anchor="ctr"/>
+          <a:lstStyle/>
+          <a:p>
+            <a:pPr algn="ctr"/>
+            <a:endParaRPr lang="hu-HU"/>
+          </a:p>
+        </p:txBody>
+      </p:sp>
+      <p:pic>
+        <p:nvPicPr>
+          <p:cNvPr id="5" name="Ábra 4">
+            <a:extLst>
+              <a:ext uri="{FF2B5EF4-FFF2-40B4-BE49-F238E27FC236}">
+                <a16:creationId xmlns:a16="http://schemas.microsoft.com/office/drawing/2014/main" id="{97536270-8590-4BBC-89D6-4BEA9FD878D4}"/>
+              </a:ext>
+            </a:extLst>
+          </p:cNvPr>
+          <p:cNvPicPr>
+            <a:picLocks noChangeAspect="1"/>
+          </p:cNvPicPr>
+          <p:nvPr/>
+        </p:nvPicPr>
+        <p:blipFill>
+          <a:blip r:embed="rId2" cstate="print">
+            <a:extLst>
+              <a:ext uri="{28A0092B-C50C-407E-A947-70E740481C1C}">
+                <a14:useLocalDpi xmlns:a14="http://schemas.microsoft.com/office/drawing/2010/main" val="0"/>
+              </a:ext>
+              <a:ext uri="{96DAC541-7B7A-43D3-8B79-37D633B846F1}">
+                <asvg:svgBlip xmlns:asvg="http://schemas.microsoft.com/office/drawing/2016/SVG/main" r:embed="rId3"/>
+              </a:ext>
+            </a:extLst>
+          </a:blip>
+          <a:stretch>
+            <a:fillRect/>
+          </a:stretch>
+        </p:blipFill>
+        <p:spPr>
+          <a:xfrm>
+            <a:off x="10649436" y="5366437"/>
+            <a:ext cx="1406504" cy="1358419"/>
+          </a:xfrm>
+          <a:prstGeom prst="rect">
+            <a:avLst/>
+          </a:prstGeom>
+        </p:spPr>
+      </p:pic>
+      <p:pic>
+        <p:nvPicPr>
+          <p:cNvPr id="6" name="Kép 5">
+            <a:extLst>
+              <a:ext uri="{FF2B5EF4-FFF2-40B4-BE49-F238E27FC236}">
+                <a16:creationId xmlns:a16="http://schemas.microsoft.com/office/drawing/2014/main" id="{C0BB0118-0F80-4285-ABF6-8DD38EF484B9}"/>
+              </a:ext>
+            </a:extLst>
+          </p:cNvPr>
+          <p:cNvPicPr>
+            <a:picLocks noChangeAspect="1"/>
+          </p:cNvPicPr>
+          <p:nvPr/>
+        </p:nvPicPr>
+        <p:blipFill>
+          <a:blip r:embed="rId4" cstate="print">
+            <a:extLst>
+              <a:ext uri="{28A0092B-C50C-407E-A947-70E740481C1C}">
+                <a14:useLocalDpi xmlns:a14="http://schemas.microsoft.com/office/drawing/2010/main" val="0"/>
+              </a:ext>
+            </a:extLst>
+          </a:blip>
+          <a:stretch>
+            <a:fillRect/>
+          </a:stretch>
+        </p:blipFill>
+        <p:spPr>
+          <a:xfrm>
+            <a:off x="11578732" y="2553"/>
+            <a:ext cx="613267" cy="613267"/>
+          </a:xfrm>
+          <a:prstGeom prst="rect">
+            <a:avLst/>
+          </a:prstGeom>
+        </p:spPr>
+      </p:pic>
+      <p:sp>
+        <p:nvSpPr>
+          <p:cNvPr id="7" name="Szövegdoboz 6">
+            <a:extLst>
+              <a:ext uri="{FF2B5EF4-FFF2-40B4-BE49-F238E27FC236}">
+                <a16:creationId xmlns:a16="http://schemas.microsoft.com/office/drawing/2014/main" id="{B730E880-200A-47AE-8C31-990FD33B7DE9}"/>
+              </a:ext>
+            </a:extLst>
+          </p:cNvPr>
+          <p:cNvSpPr txBox="1"/>
+          <p:nvPr/>
+        </p:nvSpPr>
+        <p:spPr>
+          <a:xfrm>
+            <a:off x="681569" y="2228671"/>
+            <a:ext cx="7146508" cy="1200329"/>
+          </a:xfrm>
+          <a:prstGeom prst="rect">
+            <a:avLst/>
+          </a:prstGeom>
+          <a:noFill/>
+        </p:spPr>
+        <p:txBody>
+          <a:bodyPr wrap="none" rtlCol="0">
+            <a:spAutoFit/>
+          </a:bodyPr>
+          <a:lstStyle/>
+          <a:p>
+            <a:r>
+              <a:rPr lang="hu-HU" sz="7200" b="1" dirty="0">
+                <a:solidFill>
+                  <a:srgbClr val="A01B17"/>
+                </a:solidFill>
+                <a:latin typeface="Agency FB" panose="020B0503020202020204" pitchFamily="34" charset="0"/>
+              </a:rPr>
+              <a:t>Köszönjük a figyelmet!</a:t>
+            </a:r>
+          </a:p>
+        </p:txBody>
+      </p:sp>
+    </p:spTree>
+    <p:extLst>
+      <p:ext uri="{BB962C8B-B14F-4D97-AF65-F5344CB8AC3E}">
+        <p14:creationId xmlns:p14="http://schemas.microsoft.com/office/powerpoint/2010/main" val="2644544797"/>
       </p:ext>
     </p:extLst>
   </p:cSld>

--- a/Témalabor - Centralized log server.pptx
+++ b/Témalabor - Centralized log server.pptx
@@ -9289,8 +9289,8 @@
         </p:blipFill>
         <p:spPr>
           <a:xfrm>
-            <a:off x="502954" y="803748"/>
-            <a:ext cx="5518945" cy="3562979"/>
+            <a:off x="1202750" y="850402"/>
+            <a:ext cx="7513433" cy="4850602"/>
           </a:xfrm>
           <a:prstGeom prst="rect">
             <a:avLst/>
@@ -12369,43 +12369,43 @@
         </p:nvSpPr>
         <p:spPr>
           <a:xfrm>
-            <a:off x="550193" y="896566"/>
+            <a:off x="372912" y="1015099"/>
             <a:ext cx="4820550" cy="4351338"/>
           </a:xfrm>
         </p:spPr>
         <p:txBody>
           <a:bodyPr>
-            <a:normAutofit lnSpcReduction="10000"/>
+            <a:normAutofit/>
           </a:bodyPr>
           <a:lstStyle/>
           <a:p>
             <a:r>
-              <a:rPr lang="hu-HU" dirty="0">
+              <a:rPr lang="hu-HU" sz="2000" dirty="0">
                 <a:latin typeface="Abadi" panose="020B0604020104020204" pitchFamily="34" charset="0"/>
               </a:rPr>
               <a:t>A Graylog beépített lekérdező nyelvvel rendelkezik, aminek segítségével egyszerűen tudunk szűrni a log üzenetek között. </a:t>
             </a:r>
           </a:p>
           <a:p>
-            <a:endParaRPr lang="hu-HU" dirty="0">
+            <a:endParaRPr lang="hu-HU" sz="2000" dirty="0">
               <a:latin typeface="Abadi" panose="020B0604020104020204" pitchFamily="34" charset="0"/>
             </a:endParaRPr>
           </a:p>
           <a:p>
             <a:r>
-              <a:rPr lang="hu-HU" dirty="0">
+              <a:rPr lang="hu-HU" sz="2000" dirty="0">
                 <a:latin typeface="Abadi" panose="020B0604020104020204" pitchFamily="34" charset="0"/>
               </a:rPr>
               <a:t>Benne a népszerű programozási nyelvek által használt operátorokkal is tudunk dolgozni. (</a:t>
             </a:r>
             <a:r>
-              <a:rPr lang="hu-HU" dirty="0" err="1">
+              <a:rPr lang="hu-HU" sz="2000" dirty="0" err="1">
                 <a:latin typeface="Abadi" panose="020B0604020104020204" pitchFamily="34" charset="0"/>
               </a:rPr>
               <a:t>And,or,if</a:t>
             </a:r>
             <a:r>
-              <a:rPr lang="hu-HU" dirty="0">
+              <a:rPr lang="hu-HU" sz="2000" dirty="0">
                 <a:latin typeface="Abadi" panose="020B0604020104020204" pitchFamily="34" charset="0"/>
               </a:rPr>
               <a:t>)</a:t>
@@ -12415,7 +12415,7 @@
             <a:pPr marL="0" indent="0">
               <a:buNone/>
             </a:pPr>
-            <a:endParaRPr lang="hu-HU" b="0" dirty="0">
+            <a:endParaRPr lang="hu-HU" sz="2000" b="0" dirty="0">
               <a:effectLst/>
               <a:latin typeface="Abadi" panose="020B0604020104020204" pitchFamily="34" charset="0"/>
             </a:endParaRPr>
@@ -12444,8 +12444,8 @@
         </p:blipFill>
         <p:spPr>
           <a:xfrm>
-            <a:off x="5806082" y="727794"/>
-            <a:ext cx="5427018" cy="4520109"/>
+            <a:off x="5193462" y="846328"/>
+            <a:ext cx="6479774" cy="4520109"/>
           </a:xfrm>
           <a:prstGeom prst="rect">
             <a:avLst/>
@@ -12656,6 +12656,42 @@
           </a:p>
         </p:txBody>
       </p:sp>
+      <p:pic>
+        <p:nvPicPr>
+          <p:cNvPr id="3" name="Kép 2">
+            <a:extLst>
+              <a:ext uri="{FF2B5EF4-FFF2-40B4-BE49-F238E27FC236}">
+                <a16:creationId xmlns:a16="http://schemas.microsoft.com/office/drawing/2014/main" id="{03113F4E-5DC9-43F0-9CC8-E367520DB673}"/>
+              </a:ext>
+            </a:extLst>
+          </p:cNvPr>
+          <p:cNvPicPr>
+            <a:picLocks noChangeAspect="1"/>
+          </p:cNvPicPr>
+          <p:nvPr/>
+        </p:nvPicPr>
+        <p:blipFill>
+          <a:blip r:embed="rId5">
+            <a:extLst>
+              <a:ext uri="{28A0092B-C50C-407E-A947-70E740481C1C}">
+                <a14:useLocalDpi xmlns:a14="http://schemas.microsoft.com/office/drawing/2010/main" val="0"/>
+              </a:ext>
+            </a:extLst>
+          </a:blip>
+          <a:stretch>
+            <a:fillRect/>
+          </a:stretch>
+        </p:blipFill>
+        <p:spPr>
+          <a:xfrm>
+            <a:off x="3108956" y="458476"/>
+            <a:ext cx="7899917" cy="4291170"/>
+          </a:xfrm>
+          <a:prstGeom prst="rect">
+            <a:avLst/>
+          </a:prstGeom>
+        </p:spPr>
+      </p:pic>
       <p:sp>
         <p:nvSpPr>
           <p:cNvPr id="10" name="Tartalom helye 9">
@@ -12674,35 +12710,35 @@
         </p:nvSpPr>
         <p:spPr>
           <a:xfrm>
-            <a:off x="550193" y="896566"/>
+            <a:off x="424360" y="933068"/>
             <a:ext cx="4820550" cy="4351338"/>
           </a:xfrm>
         </p:spPr>
         <p:txBody>
           <a:bodyPr>
-            <a:normAutofit fontScale="92500" lnSpcReduction="20000"/>
+            <a:normAutofit/>
           </a:bodyPr>
           <a:lstStyle/>
           <a:p>
-            <a:pPr marL="0" indent="0">
+            <a:pPr marL="0" indent="0" algn="just">
               <a:buNone/>
             </a:pPr>
             <a:r>
-              <a:rPr lang="hu-HU" b="0" dirty="0">
+              <a:rPr lang="hu-HU" sz="2000" b="0" dirty="0">
                 <a:effectLst/>
                 <a:latin typeface="Abadi" panose="020B0604020104020204" pitchFamily="34" charset="0"/>
               </a:rPr>
               <a:t>A </a:t>
             </a:r>
             <a:r>
-              <a:rPr lang="hu-HU" b="0" dirty="0" err="1">
+              <a:rPr lang="hu-HU" sz="2000" b="0" dirty="0" err="1">
                 <a:effectLst/>
                 <a:latin typeface="Abadi" panose="020B0604020104020204" pitchFamily="34" charset="0"/>
               </a:rPr>
               <a:t>dashboardok</a:t>
             </a:r>
             <a:r>
-              <a:rPr lang="hu-HU" b="0" dirty="0">
+              <a:rPr lang="hu-HU" sz="2000" b="0" dirty="0">
                 <a:effectLst/>
                 <a:latin typeface="Abadi" panose="020B0604020104020204" pitchFamily="34" charset="0"/>
               </a:rPr>
@@ -12710,66 +12746,30 @@
             </a:r>
           </a:p>
           <a:p>
-            <a:pPr marL="0" indent="0">
+            <a:pPr marL="0" indent="0" algn="just">
               <a:buNone/>
             </a:pPr>
-            <a:endParaRPr lang="hu-HU" dirty="0">
+            <a:endParaRPr lang="hu-HU" sz="2000" dirty="0">
               <a:latin typeface="Abadi" panose="020B0604020104020204" pitchFamily="34" charset="0"/>
             </a:endParaRPr>
           </a:p>
           <a:p>
-            <a:pPr marL="0" indent="0">
+            <a:pPr marL="0" indent="0" algn="just">
               <a:buNone/>
             </a:pPr>
             <a:r>
-              <a:rPr lang="hu-HU" dirty="0">
+              <a:rPr lang="hu-HU" sz="2000" dirty="0">
                 <a:latin typeface="Abadi" panose="020B0604020104020204" pitchFamily="34" charset="0"/>
               </a:rPr>
               <a:t>Az irányítópult egy nagyszerű eszköz arra, hogy megmutassa, mi történik a rendszerben, és lehetővé tegye az adatok megjelenítését a célközönség számára. Például az igazgatóknak, elemzőknek.</a:t>
             </a:r>
-            <a:endParaRPr lang="hu-HU" b="0" dirty="0">
+            <a:endParaRPr lang="hu-HU" sz="2000" b="0" dirty="0">
               <a:effectLst/>
               <a:latin typeface="Abadi" panose="020B0604020104020204" pitchFamily="34" charset="0"/>
             </a:endParaRPr>
           </a:p>
         </p:txBody>
       </p:sp>
-      <p:pic>
-        <p:nvPicPr>
-          <p:cNvPr id="3" name="Kép 2">
-            <a:extLst>
-              <a:ext uri="{FF2B5EF4-FFF2-40B4-BE49-F238E27FC236}">
-                <a16:creationId xmlns:a16="http://schemas.microsoft.com/office/drawing/2014/main" id="{03113F4E-5DC9-43F0-9CC8-E367520DB673}"/>
-              </a:ext>
-            </a:extLst>
-          </p:cNvPr>
-          <p:cNvPicPr>
-            <a:picLocks noChangeAspect="1"/>
-          </p:cNvPicPr>
-          <p:nvPr/>
-        </p:nvPicPr>
-        <p:blipFill>
-          <a:blip r:embed="rId5">
-            <a:extLst>
-              <a:ext uri="{28A0092B-C50C-407E-A947-70E740481C1C}">
-                <a14:useLocalDpi xmlns:a14="http://schemas.microsoft.com/office/drawing/2010/main" val="0"/>
-              </a:ext>
-            </a:extLst>
-          </a:blip>
-          <a:stretch>
-            <a:fillRect/>
-          </a:stretch>
-        </p:blipFill>
-        <p:spPr>
-          <a:xfrm>
-            <a:off x="5370743" y="896566"/>
-            <a:ext cx="6821256" cy="4291170"/>
-          </a:xfrm>
-          <a:prstGeom prst="rect">
-            <a:avLst/>
-          </a:prstGeom>
-        </p:spPr>
-      </p:pic>
     </p:spTree>
     <p:extLst>
       <p:ext uri="{BB962C8B-B14F-4D97-AF65-F5344CB8AC3E}">
@@ -12974,43 +12974,53 @@
           </a:p>
         </p:txBody>
       </p:sp>
-      <p:sp>
-        <p:nvSpPr>
-          <p:cNvPr id="10" name="Tartalom helye 9">
-            <a:extLst>
-              <a:ext uri="{FF2B5EF4-FFF2-40B4-BE49-F238E27FC236}">
-                <a16:creationId xmlns:a16="http://schemas.microsoft.com/office/drawing/2014/main" id="{08293D33-53EB-4730-988E-0B0C531D7B50}"/>
-              </a:ext>
-            </a:extLst>
-          </p:cNvPr>
-          <p:cNvSpPr>
-            <a:spLocks noGrp="1"/>
-          </p:cNvSpPr>
-          <p:nvPr>
-            <p:ph idx="1"/>
-          </p:nvPr>
-        </p:nvSpPr>
-        <p:spPr>
-          <a:xfrm>
-            <a:off x="550193" y="896566"/>
-            <a:ext cx="4820550" cy="4351338"/>
-          </a:xfrm>
-        </p:spPr>
-        <p:txBody>
-          <a:bodyPr>
-            <a:normAutofit/>
-          </a:bodyPr>
-          <a:lstStyle/>
-          <a:p>
-            <a:pPr marL="0" indent="0">
-              <a:buNone/>
-            </a:pPr>
-            <a:endParaRPr lang="hu-HU" dirty="0">
-              <a:latin typeface="Abadi" panose="020B0604020104020204" pitchFamily="34" charset="0"/>
-            </a:endParaRPr>
-          </a:p>
-        </p:txBody>
-      </p:sp>
+      <p:pic>
+        <p:nvPicPr>
+          <p:cNvPr id="1026" name="Picture 2">
+            <a:extLst>
+              <a:ext uri="{FF2B5EF4-FFF2-40B4-BE49-F238E27FC236}">
+                <a16:creationId xmlns:a16="http://schemas.microsoft.com/office/drawing/2014/main" id="{3099F4F5-140E-4078-8A8B-F128C293B935}"/>
+              </a:ext>
+            </a:extLst>
+          </p:cNvPr>
+          <p:cNvPicPr>
+            <a:picLocks noChangeAspect="1" noChangeArrowheads="1"/>
+          </p:cNvPicPr>
+          <p:nvPr/>
+        </p:nvPicPr>
+        <p:blipFill>
+          <a:blip r:embed="rId5">
+            <a:extLst>
+              <a:ext uri="{28A0092B-C50C-407E-A947-70E740481C1C}">
+                <a14:useLocalDpi xmlns:a14="http://schemas.microsoft.com/office/drawing/2010/main" val="0"/>
+              </a:ext>
+            </a:extLst>
+          </a:blip>
+          <a:srcRect/>
+          <a:stretch>
+            <a:fillRect/>
+          </a:stretch>
+        </p:blipFill>
+        <p:spPr bwMode="auto">
+          <a:xfrm>
+            <a:off x="718457" y="910382"/>
+            <a:ext cx="10755086" cy="3439387"/>
+          </a:xfrm>
+          <a:prstGeom prst="rect">
+            <a:avLst/>
+          </a:prstGeom>
+          <a:noFill/>
+          <a:extLst>
+            <a:ext uri="{909E8E84-426E-40DD-AFC4-6F175D3DCCD1}">
+              <a14:hiddenFill xmlns:a14="http://schemas.microsoft.com/office/drawing/2010/main">
+                <a:solidFill>
+                  <a:srgbClr val="FFFFFF"/>
+                </a:solidFill>
+              </a14:hiddenFill>
+            </a:ext>
+          </a:extLst>
+        </p:spPr>
+      </p:pic>
     </p:spTree>
     <p:extLst>
       <p:ext uri="{BB962C8B-B14F-4D97-AF65-F5344CB8AC3E}">

--- a/Témalabor - Centralized log server.pptx
+++ b/Témalabor - Centralized log server.pptx
@@ -164,7 +164,7 @@
           <p:cNvPr id="2" name="Cím 1">
             <a:extLst>
               <a:ext uri="{FF2B5EF4-FFF2-40B4-BE49-F238E27FC236}">
-                <a16:creationId xmlns:a16="http://schemas.microsoft.com/office/drawing/2014/main" id="{E09F1B38-70EA-4A91-A81D-1324CA99E7FB}"/>
+                <a16:creationId xmlns="" xmlns:a16="http://schemas.microsoft.com/office/drawing/2014/main" id="{E09F1B38-70EA-4A91-A81D-1324CA99E7FB}"/>
               </a:ext>
             </a:extLst>
           </p:cNvPr>
@@ -201,7 +201,7 @@
           <p:cNvPr id="3" name="Alcím 2">
             <a:extLst>
               <a:ext uri="{FF2B5EF4-FFF2-40B4-BE49-F238E27FC236}">
-                <a16:creationId xmlns:a16="http://schemas.microsoft.com/office/drawing/2014/main" id="{F2FD5B82-CA02-4433-8888-F6AC12667FFB}"/>
+                <a16:creationId xmlns="" xmlns:a16="http://schemas.microsoft.com/office/drawing/2014/main" id="{F2FD5B82-CA02-4433-8888-F6AC12667FFB}"/>
               </a:ext>
             </a:extLst>
           </p:cNvPr>
@@ -271,7 +271,7 @@
           <p:cNvPr id="4" name="Dátum helye 3">
             <a:extLst>
               <a:ext uri="{FF2B5EF4-FFF2-40B4-BE49-F238E27FC236}">
-                <a16:creationId xmlns:a16="http://schemas.microsoft.com/office/drawing/2014/main" id="{30127083-539D-4884-83E6-CA499422DC1D}"/>
+                <a16:creationId xmlns="" xmlns:a16="http://schemas.microsoft.com/office/drawing/2014/main" id="{30127083-539D-4884-83E6-CA499422DC1D}"/>
               </a:ext>
             </a:extLst>
           </p:cNvPr>
@@ -289,7 +289,7 @@
           <a:p>
             <a:fld id="{01AA3099-2024-4769-B781-B630B3B5E3D6}" type="datetimeFigureOut">
               <a:rPr lang="hu-HU" smtClean="0"/>
-              <a:t>2022. 01. 25.</a:t>
+              <a:t>2022. 01. 26.</a:t>
             </a:fld>
             <a:endParaRPr lang="hu-HU"/>
           </a:p>
@@ -300,7 +300,7 @@
           <p:cNvPr id="5" name="Élőláb helye 4">
             <a:extLst>
               <a:ext uri="{FF2B5EF4-FFF2-40B4-BE49-F238E27FC236}">
-                <a16:creationId xmlns:a16="http://schemas.microsoft.com/office/drawing/2014/main" id="{BA3102B7-5712-4924-A2C1-54562FBAB1C4}"/>
+                <a16:creationId xmlns="" xmlns:a16="http://schemas.microsoft.com/office/drawing/2014/main" id="{BA3102B7-5712-4924-A2C1-54562FBAB1C4}"/>
               </a:ext>
             </a:extLst>
           </p:cNvPr>
@@ -325,7 +325,7 @@
           <p:cNvPr id="6" name="Dia számának helye 5">
             <a:extLst>
               <a:ext uri="{FF2B5EF4-FFF2-40B4-BE49-F238E27FC236}">
-                <a16:creationId xmlns:a16="http://schemas.microsoft.com/office/drawing/2014/main" id="{DE1FAA54-367A-47EE-8CDB-8A0018DB947B}"/>
+                <a16:creationId xmlns="" xmlns:a16="http://schemas.microsoft.com/office/drawing/2014/main" id="{DE1FAA54-367A-47EE-8CDB-8A0018DB947B}"/>
               </a:ext>
             </a:extLst>
           </p:cNvPr>
@@ -384,7 +384,7 @@
           <p:cNvPr id="2" name="Cím 1">
             <a:extLst>
               <a:ext uri="{FF2B5EF4-FFF2-40B4-BE49-F238E27FC236}">
-                <a16:creationId xmlns:a16="http://schemas.microsoft.com/office/drawing/2014/main" id="{AE63EB07-7AFC-4DA6-87C3-260C21617CA9}"/>
+                <a16:creationId xmlns="" xmlns:a16="http://schemas.microsoft.com/office/drawing/2014/main" id="{AE63EB07-7AFC-4DA6-87C3-260C21617CA9}"/>
               </a:ext>
             </a:extLst>
           </p:cNvPr>
@@ -412,7 +412,7 @@
           <p:cNvPr id="3" name="Függőleges szöveg helye 2">
             <a:extLst>
               <a:ext uri="{FF2B5EF4-FFF2-40B4-BE49-F238E27FC236}">
-                <a16:creationId xmlns:a16="http://schemas.microsoft.com/office/drawing/2014/main" id="{CFE3CCF7-C955-4DA0-A15C-34CA47DBA8AB}"/>
+                <a16:creationId xmlns="" xmlns:a16="http://schemas.microsoft.com/office/drawing/2014/main" id="{CFE3CCF7-C955-4DA0-A15C-34CA47DBA8AB}"/>
               </a:ext>
             </a:extLst>
           </p:cNvPr>
@@ -469,7 +469,7 @@
           <p:cNvPr id="4" name="Dátum helye 3">
             <a:extLst>
               <a:ext uri="{FF2B5EF4-FFF2-40B4-BE49-F238E27FC236}">
-                <a16:creationId xmlns:a16="http://schemas.microsoft.com/office/drawing/2014/main" id="{F8549931-EBA7-4754-8F04-9235D82F78A1}"/>
+                <a16:creationId xmlns="" xmlns:a16="http://schemas.microsoft.com/office/drawing/2014/main" id="{F8549931-EBA7-4754-8F04-9235D82F78A1}"/>
               </a:ext>
             </a:extLst>
           </p:cNvPr>
@@ -487,7 +487,7 @@
           <a:p>
             <a:fld id="{01AA3099-2024-4769-B781-B630B3B5E3D6}" type="datetimeFigureOut">
               <a:rPr lang="hu-HU" smtClean="0"/>
-              <a:t>2022. 01. 25.</a:t>
+              <a:t>2022. 01. 26.</a:t>
             </a:fld>
             <a:endParaRPr lang="hu-HU"/>
           </a:p>
@@ -498,7 +498,7 @@
           <p:cNvPr id="5" name="Élőláb helye 4">
             <a:extLst>
               <a:ext uri="{FF2B5EF4-FFF2-40B4-BE49-F238E27FC236}">
-                <a16:creationId xmlns:a16="http://schemas.microsoft.com/office/drawing/2014/main" id="{F603601F-F39B-4714-9BA3-04C68C2BA3A8}"/>
+                <a16:creationId xmlns="" xmlns:a16="http://schemas.microsoft.com/office/drawing/2014/main" id="{F603601F-F39B-4714-9BA3-04C68C2BA3A8}"/>
               </a:ext>
             </a:extLst>
           </p:cNvPr>
@@ -523,7 +523,7 @@
           <p:cNvPr id="6" name="Dia számának helye 5">
             <a:extLst>
               <a:ext uri="{FF2B5EF4-FFF2-40B4-BE49-F238E27FC236}">
-                <a16:creationId xmlns:a16="http://schemas.microsoft.com/office/drawing/2014/main" id="{6397FF94-4FAF-44DA-8FDB-16017B978018}"/>
+                <a16:creationId xmlns="" xmlns:a16="http://schemas.microsoft.com/office/drawing/2014/main" id="{6397FF94-4FAF-44DA-8FDB-16017B978018}"/>
               </a:ext>
             </a:extLst>
           </p:cNvPr>
@@ -582,7 +582,7 @@
           <p:cNvPr id="2" name="Függőleges cím 1">
             <a:extLst>
               <a:ext uri="{FF2B5EF4-FFF2-40B4-BE49-F238E27FC236}">
-                <a16:creationId xmlns:a16="http://schemas.microsoft.com/office/drawing/2014/main" id="{241EE8E3-8798-4838-808D-D676884B1020}"/>
+                <a16:creationId xmlns="" xmlns:a16="http://schemas.microsoft.com/office/drawing/2014/main" id="{241EE8E3-8798-4838-808D-D676884B1020}"/>
               </a:ext>
             </a:extLst>
           </p:cNvPr>
@@ -615,7 +615,7 @@
           <p:cNvPr id="3" name="Függőleges szöveg helye 2">
             <a:extLst>
               <a:ext uri="{FF2B5EF4-FFF2-40B4-BE49-F238E27FC236}">
-                <a16:creationId xmlns:a16="http://schemas.microsoft.com/office/drawing/2014/main" id="{48D6D62E-C365-462D-9B23-6A13650A6D6B}"/>
+                <a16:creationId xmlns="" xmlns:a16="http://schemas.microsoft.com/office/drawing/2014/main" id="{48D6D62E-C365-462D-9B23-6A13650A6D6B}"/>
               </a:ext>
             </a:extLst>
           </p:cNvPr>
@@ -677,7 +677,7 @@
           <p:cNvPr id="4" name="Dátum helye 3">
             <a:extLst>
               <a:ext uri="{FF2B5EF4-FFF2-40B4-BE49-F238E27FC236}">
-                <a16:creationId xmlns:a16="http://schemas.microsoft.com/office/drawing/2014/main" id="{8E692329-7087-4015-8063-7425AB7644BE}"/>
+                <a16:creationId xmlns="" xmlns:a16="http://schemas.microsoft.com/office/drawing/2014/main" id="{8E692329-7087-4015-8063-7425AB7644BE}"/>
               </a:ext>
             </a:extLst>
           </p:cNvPr>
@@ -695,7 +695,7 @@
           <a:p>
             <a:fld id="{01AA3099-2024-4769-B781-B630B3B5E3D6}" type="datetimeFigureOut">
               <a:rPr lang="hu-HU" smtClean="0"/>
-              <a:t>2022. 01. 25.</a:t>
+              <a:t>2022. 01. 26.</a:t>
             </a:fld>
             <a:endParaRPr lang="hu-HU"/>
           </a:p>
@@ -706,7 +706,7 @@
           <p:cNvPr id="5" name="Élőláb helye 4">
             <a:extLst>
               <a:ext uri="{FF2B5EF4-FFF2-40B4-BE49-F238E27FC236}">
-                <a16:creationId xmlns:a16="http://schemas.microsoft.com/office/drawing/2014/main" id="{30085A7A-1E8F-4CD5-B71F-C05294AE8CE1}"/>
+                <a16:creationId xmlns="" xmlns:a16="http://schemas.microsoft.com/office/drawing/2014/main" id="{30085A7A-1E8F-4CD5-B71F-C05294AE8CE1}"/>
               </a:ext>
             </a:extLst>
           </p:cNvPr>
@@ -731,7 +731,7 @@
           <p:cNvPr id="6" name="Dia számának helye 5">
             <a:extLst>
               <a:ext uri="{FF2B5EF4-FFF2-40B4-BE49-F238E27FC236}">
-                <a16:creationId xmlns:a16="http://schemas.microsoft.com/office/drawing/2014/main" id="{F3B333F1-C7A3-49A3-9BB9-75628FE919C6}"/>
+                <a16:creationId xmlns="" xmlns:a16="http://schemas.microsoft.com/office/drawing/2014/main" id="{F3B333F1-C7A3-49A3-9BB9-75628FE919C6}"/>
               </a:ext>
             </a:extLst>
           </p:cNvPr>
@@ -790,7 +790,7 @@
           <p:cNvPr id="2" name="Cím 1">
             <a:extLst>
               <a:ext uri="{FF2B5EF4-FFF2-40B4-BE49-F238E27FC236}">
-                <a16:creationId xmlns:a16="http://schemas.microsoft.com/office/drawing/2014/main" id="{1686E641-617C-4142-B350-68DC709A7C45}"/>
+                <a16:creationId xmlns="" xmlns:a16="http://schemas.microsoft.com/office/drawing/2014/main" id="{1686E641-617C-4142-B350-68DC709A7C45}"/>
               </a:ext>
             </a:extLst>
           </p:cNvPr>
@@ -818,7 +818,7 @@
           <p:cNvPr id="3" name="Tartalom helye 2">
             <a:extLst>
               <a:ext uri="{FF2B5EF4-FFF2-40B4-BE49-F238E27FC236}">
-                <a16:creationId xmlns:a16="http://schemas.microsoft.com/office/drawing/2014/main" id="{CD7A8A14-CC04-4BDA-BE4E-4ACADA56AB01}"/>
+                <a16:creationId xmlns="" xmlns:a16="http://schemas.microsoft.com/office/drawing/2014/main" id="{CD7A8A14-CC04-4BDA-BE4E-4ACADA56AB01}"/>
               </a:ext>
             </a:extLst>
           </p:cNvPr>
@@ -875,7 +875,7 @@
           <p:cNvPr id="4" name="Dátum helye 3">
             <a:extLst>
               <a:ext uri="{FF2B5EF4-FFF2-40B4-BE49-F238E27FC236}">
-                <a16:creationId xmlns:a16="http://schemas.microsoft.com/office/drawing/2014/main" id="{9EEA146A-3E8D-4231-8CD2-483174518D95}"/>
+                <a16:creationId xmlns="" xmlns:a16="http://schemas.microsoft.com/office/drawing/2014/main" id="{9EEA146A-3E8D-4231-8CD2-483174518D95}"/>
               </a:ext>
             </a:extLst>
           </p:cNvPr>
@@ -893,7 +893,7 @@
           <a:p>
             <a:fld id="{01AA3099-2024-4769-B781-B630B3B5E3D6}" type="datetimeFigureOut">
               <a:rPr lang="hu-HU" smtClean="0"/>
-              <a:t>2022. 01. 25.</a:t>
+              <a:t>2022. 01. 26.</a:t>
             </a:fld>
             <a:endParaRPr lang="hu-HU"/>
           </a:p>
@@ -904,7 +904,7 @@
           <p:cNvPr id="5" name="Élőláb helye 4">
             <a:extLst>
               <a:ext uri="{FF2B5EF4-FFF2-40B4-BE49-F238E27FC236}">
-                <a16:creationId xmlns:a16="http://schemas.microsoft.com/office/drawing/2014/main" id="{85706DE0-28BA-4718-A397-D2486C5DDD41}"/>
+                <a16:creationId xmlns="" xmlns:a16="http://schemas.microsoft.com/office/drawing/2014/main" id="{85706DE0-28BA-4718-A397-D2486C5DDD41}"/>
               </a:ext>
             </a:extLst>
           </p:cNvPr>
@@ -929,7 +929,7 @@
           <p:cNvPr id="6" name="Dia számának helye 5">
             <a:extLst>
               <a:ext uri="{FF2B5EF4-FFF2-40B4-BE49-F238E27FC236}">
-                <a16:creationId xmlns:a16="http://schemas.microsoft.com/office/drawing/2014/main" id="{BDD27083-FAED-453F-8C34-AA62D0FEC48D}"/>
+                <a16:creationId xmlns="" xmlns:a16="http://schemas.microsoft.com/office/drawing/2014/main" id="{BDD27083-FAED-453F-8C34-AA62D0FEC48D}"/>
               </a:ext>
             </a:extLst>
           </p:cNvPr>
@@ -988,7 +988,7 @@
           <p:cNvPr id="2" name="Cím 1">
             <a:extLst>
               <a:ext uri="{FF2B5EF4-FFF2-40B4-BE49-F238E27FC236}">
-                <a16:creationId xmlns:a16="http://schemas.microsoft.com/office/drawing/2014/main" id="{2E367AA9-21B5-499C-8390-49547681CA7A}"/>
+                <a16:creationId xmlns="" xmlns:a16="http://schemas.microsoft.com/office/drawing/2014/main" id="{2E367AA9-21B5-499C-8390-49547681CA7A}"/>
               </a:ext>
             </a:extLst>
           </p:cNvPr>
@@ -1025,7 +1025,7 @@
           <p:cNvPr id="3" name="Szöveg helye 2">
             <a:extLst>
               <a:ext uri="{FF2B5EF4-FFF2-40B4-BE49-F238E27FC236}">
-                <a16:creationId xmlns:a16="http://schemas.microsoft.com/office/drawing/2014/main" id="{30D41BC3-2507-4B7C-96B0-B82F9FD0EF82}"/>
+                <a16:creationId xmlns="" xmlns:a16="http://schemas.microsoft.com/office/drawing/2014/main" id="{30D41BC3-2507-4B7C-96B0-B82F9FD0EF82}"/>
               </a:ext>
             </a:extLst>
           </p:cNvPr>
@@ -1150,7 +1150,7 @@
           <p:cNvPr id="4" name="Dátum helye 3">
             <a:extLst>
               <a:ext uri="{FF2B5EF4-FFF2-40B4-BE49-F238E27FC236}">
-                <a16:creationId xmlns:a16="http://schemas.microsoft.com/office/drawing/2014/main" id="{F231EBDD-64AF-44B9-9262-F1C2B1BFCD91}"/>
+                <a16:creationId xmlns="" xmlns:a16="http://schemas.microsoft.com/office/drawing/2014/main" id="{F231EBDD-64AF-44B9-9262-F1C2B1BFCD91}"/>
               </a:ext>
             </a:extLst>
           </p:cNvPr>
@@ -1168,7 +1168,7 @@
           <a:p>
             <a:fld id="{01AA3099-2024-4769-B781-B630B3B5E3D6}" type="datetimeFigureOut">
               <a:rPr lang="hu-HU" smtClean="0"/>
-              <a:t>2022. 01. 25.</a:t>
+              <a:t>2022. 01. 26.</a:t>
             </a:fld>
             <a:endParaRPr lang="hu-HU"/>
           </a:p>
@@ -1179,7 +1179,7 @@
           <p:cNvPr id="5" name="Élőláb helye 4">
             <a:extLst>
               <a:ext uri="{FF2B5EF4-FFF2-40B4-BE49-F238E27FC236}">
-                <a16:creationId xmlns:a16="http://schemas.microsoft.com/office/drawing/2014/main" id="{8A69B8FC-435E-4758-B757-1E9ED0F01590}"/>
+                <a16:creationId xmlns="" xmlns:a16="http://schemas.microsoft.com/office/drawing/2014/main" id="{8A69B8FC-435E-4758-B757-1E9ED0F01590}"/>
               </a:ext>
             </a:extLst>
           </p:cNvPr>
@@ -1204,7 +1204,7 @@
           <p:cNvPr id="6" name="Dia számának helye 5">
             <a:extLst>
               <a:ext uri="{FF2B5EF4-FFF2-40B4-BE49-F238E27FC236}">
-                <a16:creationId xmlns:a16="http://schemas.microsoft.com/office/drawing/2014/main" id="{D7228998-6A38-4650-B73A-EDCDA482EC2B}"/>
+                <a16:creationId xmlns="" xmlns:a16="http://schemas.microsoft.com/office/drawing/2014/main" id="{D7228998-6A38-4650-B73A-EDCDA482EC2B}"/>
               </a:ext>
             </a:extLst>
           </p:cNvPr>
@@ -1263,7 +1263,7 @@
           <p:cNvPr id="2" name="Cím 1">
             <a:extLst>
               <a:ext uri="{FF2B5EF4-FFF2-40B4-BE49-F238E27FC236}">
-                <a16:creationId xmlns:a16="http://schemas.microsoft.com/office/drawing/2014/main" id="{2F70D76E-9EAF-4FE4-9E7F-8E8B962F62E2}"/>
+                <a16:creationId xmlns="" xmlns:a16="http://schemas.microsoft.com/office/drawing/2014/main" id="{2F70D76E-9EAF-4FE4-9E7F-8E8B962F62E2}"/>
               </a:ext>
             </a:extLst>
           </p:cNvPr>
@@ -1291,7 +1291,7 @@
           <p:cNvPr id="3" name="Tartalom helye 2">
             <a:extLst>
               <a:ext uri="{FF2B5EF4-FFF2-40B4-BE49-F238E27FC236}">
-                <a16:creationId xmlns:a16="http://schemas.microsoft.com/office/drawing/2014/main" id="{9EA8EFD0-581E-46E1-AE46-7DF2F96FD676}"/>
+                <a16:creationId xmlns="" xmlns:a16="http://schemas.microsoft.com/office/drawing/2014/main" id="{9EA8EFD0-581E-46E1-AE46-7DF2F96FD676}"/>
               </a:ext>
             </a:extLst>
           </p:cNvPr>
@@ -1353,7 +1353,7 @@
           <p:cNvPr id="4" name="Tartalom helye 3">
             <a:extLst>
               <a:ext uri="{FF2B5EF4-FFF2-40B4-BE49-F238E27FC236}">
-                <a16:creationId xmlns:a16="http://schemas.microsoft.com/office/drawing/2014/main" id="{94A980C6-45A6-4C9E-AE8C-8EBBA67AAB3C}"/>
+                <a16:creationId xmlns="" xmlns:a16="http://schemas.microsoft.com/office/drawing/2014/main" id="{94A980C6-45A6-4C9E-AE8C-8EBBA67AAB3C}"/>
               </a:ext>
             </a:extLst>
           </p:cNvPr>
@@ -1415,7 +1415,7 @@
           <p:cNvPr id="5" name="Dátum helye 4">
             <a:extLst>
               <a:ext uri="{FF2B5EF4-FFF2-40B4-BE49-F238E27FC236}">
-                <a16:creationId xmlns:a16="http://schemas.microsoft.com/office/drawing/2014/main" id="{560FFCC0-804A-44FD-BC7E-4FED891D7B1F}"/>
+                <a16:creationId xmlns="" xmlns:a16="http://schemas.microsoft.com/office/drawing/2014/main" id="{560FFCC0-804A-44FD-BC7E-4FED891D7B1F}"/>
               </a:ext>
             </a:extLst>
           </p:cNvPr>
@@ -1433,7 +1433,7 @@
           <a:p>
             <a:fld id="{01AA3099-2024-4769-B781-B630B3B5E3D6}" type="datetimeFigureOut">
               <a:rPr lang="hu-HU" smtClean="0"/>
-              <a:t>2022. 01. 25.</a:t>
+              <a:t>2022. 01. 26.</a:t>
             </a:fld>
             <a:endParaRPr lang="hu-HU"/>
           </a:p>
@@ -1444,7 +1444,7 @@
           <p:cNvPr id="6" name="Élőláb helye 5">
             <a:extLst>
               <a:ext uri="{FF2B5EF4-FFF2-40B4-BE49-F238E27FC236}">
-                <a16:creationId xmlns:a16="http://schemas.microsoft.com/office/drawing/2014/main" id="{3DF232AC-AF62-49C7-B681-62F8DBA44B20}"/>
+                <a16:creationId xmlns="" xmlns:a16="http://schemas.microsoft.com/office/drawing/2014/main" id="{3DF232AC-AF62-49C7-B681-62F8DBA44B20}"/>
               </a:ext>
             </a:extLst>
           </p:cNvPr>
@@ -1469,7 +1469,7 @@
           <p:cNvPr id="7" name="Dia számának helye 6">
             <a:extLst>
               <a:ext uri="{FF2B5EF4-FFF2-40B4-BE49-F238E27FC236}">
-                <a16:creationId xmlns:a16="http://schemas.microsoft.com/office/drawing/2014/main" id="{EE3B7FB0-E0E1-482D-8996-807607C4F9F8}"/>
+                <a16:creationId xmlns="" xmlns:a16="http://schemas.microsoft.com/office/drawing/2014/main" id="{EE3B7FB0-E0E1-482D-8996-807607C4F9F8}"/>
               </a:ext>
             </a:extLst>
           </p:cNvPr>
@@ -1528,7 +1528,7 @@
           <p:cNvPr id="2" name="Cím 1">
             <a:extLst>
               <a:ext uri="{FF2B5EF4-FFF2-40B4-BE49-F238E27FC236}">
-                <a16:creationId xmlns:a16="http://schemas.microsoft.com/office/drawing/2014/main" id="{956609BA-795E-43FE-9961-45B9DDE3C72E}"/>
+                <a16:creationId xmlns="" xmlns:a16="http://schemas.microsoft.com/office/drawing/2014/main" id="{956609BA-795E-43FE-9961-45B9DDE3C72E}"/>
               </a:ext>
             </a:extLst>
           </p:cNvPr>
@@ -1561,7 +1561,7 @@
           <p:cNvPr id="3" name="Szöveg helye 2">
             <a:extLst>
               <a:ext uri="{FF2B5EF4-FFF2-40B4-BE49-F238E27FC236}">
-                <a16:creationId xmlns:a16="http://schemas.microsoft.com/office/drawing/2014/main" id="{A03C33F7-1FAC-4D3F-91C9-BF482F61AEE8}"/>
+                <a16:creationId xmlns="" xmlns:a16="http://schemas.microsoft.com/office/drawing/2014/main" id="{A03C33F7-1FAC-4D3F-91C9-BF482F61AEE8}"/>
               </a:ext>
             </a:extLst>
           </p:cNvPr>
@@ -1632,7 +1632,7 @@
           <p:cNvPr id="4" name="Tartalom helye 3">
             <a:extLst>
               <a:ext uri="{FF2B5EF4-FFF2-40B4-BE49-F238E27FC236}">
-                <a16:creationId xmlns:a16="http://schemas.microsoft.com/office/drawing/2014/main" id="{CF81790E-F26B-4384-8154-7F9EFF3EC1ED}"/>
+                <a16:creationId xmlns="" xmlns:a16="http://schemas.microsoft.com/office/drawing/2014/main" id="{CF81790E-F26B-4384-8154-7F9EFF3EC1ED}"/>
               </a:ext>
             </a:extLst>
           </p:cNvPr>
@@ -1694,7 +1694,7 @@
           <p:cNvPr id="5" name="Szöveg helye 4">
             <a:extLst>
               <a:ext uri="{FF2B5EF4-FFF2-40B4-BE49-F238E27FC236}">
-                <a16:creationId xmlns:a16="http://schemas.microsoft.com/office/drawing/2014/main" id="{02A38457-FF21-4476-9B8B-19F8D556CB9C}"/>
+                <a16:creationId xmlns="" xmlns:a16="http://schemas.microsoft.com/office/drawing/2014/main" id="{02A38457-FF21-4476-9B8B-19F8D556CB9C}"/>
               </a:ext>
             </a:extLst>
           </p:cNvPr>
@@ -1765,7 +1765,7 @@
           <p:cNvPr id="6" name="Tartalom helye 5">
             <a:extLst>
               <a:ext uri="{FF2B5EF4-FFF2-40B4-BE49-F238E27FC236}">
-                <a16:creationId xmlns:a16="http://schemas.microsoft.com/office/drawing/2014/main" id="{420A9A6A-1E67-44EA-B02E-977768F2750B}"/>
+                <a16:creationId xmlns="" xmlns:a16="http://schemas.microsoft.com/office/drawing/2014/main" id="{420A9A6A-1E67-44EA-B02E-977768F2750B}"/>
               </a:ext>
             </a:extLst>
           </p:cNvPr>
@@ -1827,7 +1827,7 @@
           <p:cNvPr id="7" name="Dátum helye 6">
             <a:extLst>
               <a:ext uri="{FF2B5EF4-FFF2-40B4-BE49-F238E27FC236}">
-                <a16:creationId xmlns:a16="http://schemas.microsoft.com/office/drawing/2014/main" id="{9CEFD85E-68B0-4099-999E-40EA3969A0A4}"/>
+                <a16:creationId xmlns="" xmlns:a16="http://schemas.microsoft.com/office/drawing/2014/main" id="{9CEFD85E-68B0-4099-999E-40EA3969A0A4}"/>
               </a:ext>
             </a:extLst>
           </p:cNvPr>
@@ -1845,7 +1845,7 @@
           <a:p>
             <a:fld id="{01AA3099-2024-4769-B781-B630B3B5E3D6}" type="datetimeFigureOut">
               <a:rPr lang="hu-HU" smtClean="0"/>
-              <a:t>2022. 01. 25.</a:t>
+              <a:t>2022. 01. 26.</a:t>
             </a:fld>
             <a:endParaRPr lang="hu-HU"/>
           </a:p>
@@ -1856,7 +1856,7 @@
           <p:cNvPr id="8" name="Élőláb helye 7">
             <a:extLst>
               <a:ext uri="{FF2B5EF4-FFF2-40B4-BE49-F238E27FC236}">
-                <a16:creationId xmlns:a16="http://schemas.microsoft.com/office/drawing/2014/main" id="{253A5D31-4238-4022-98B4-FFD4DEF8A751}"/>
+                <a16:creationId xmlns="" xmlns:a16="http://schemas.microsoft.com/office/drawing/2014/main" id="{253A5D31-4238-4022-98B4-FFD4DEF8A751}"/>
               </a:ext>
             </a:extLst>
           </p:cNvPr>
@@ -1881,7 +1881,7 @@
           <p:cNvPr id="9" name="Dia számának helye 8">
             <a:extLst>
               <a:ext uri="{FF2B5EF4-FFF2-40B4-BE49-F238E27FC236}">
-                <a16:creationId xmlns:a16="http://schemas.microsoft.com/office/drawing/2014/main" id="{A77FC091-00E3-450E-A343-E5CAD1BEE232}"/>
+                <a16:creationId xmlns="" xmlns:a16="http://schemas.microsoft.com/office/drawing/2014/main" id="{A77FC091-00E3-450E-A343-E5CAD1BEE232}"/>
               </a:ext>
             </a:extLst>
           </p:cNvPr>
@@ -1940,7 +1940,7 @@
           <p:cNvPr id="2" name="Cím 1">
             <a:extLst>
               <a:ext uri="{FF2B5EF4-FFF2-40B4-BE49-F238E27FC236}">
-                <a16:creationId xmlns:a16="http://schemas.microsoft.com/office/drawing/2014/main" id="{9920EA58-0C0F-4230-BAF2-F4594DB41ED7}"/>
+                <a16:creationId xmlns="" xmlns:a16="http://schemas.microsoft.com/office/drawing/2014/main" id="{9920EA58-0C0F-4230-BAF2-F4594DB41ED7}"/>
               </a:ext>
             </a:extLst>
           </p:cNvPr>
@@ -1968,7 +1968,7 @@
           <p:cNvPr id="3" name="Dátum helye 2">
             <a:extLst>
               <a:ext uri="{FF2B5EF4-FFF2-40B4-BE49-F238E27FC236}">
-                <a16:creationId xmlns:a16="http://schemas.microsoft.com/office/drawing/2014/main" id="{7C806EC5-C45E-426E-A156-232D89C9F00E}"/>
+                <a16:creationId xmlns="" xmlns:a16="http://schemas.microsoft.com/office/drawing/2014/main" id="{7C806EC5-C45E-426E-A156-232D89C9F00E}"/>
               </a:ext>
             </a:extLst>
           </p:cNvPr>
@@ -1986,7 +1986,7 @@
           <a:p>
             <a:fld id="{01AA3099-2024-4769-B781-B630B3B5E3D6}" type="datetimeFigureOut">
               <a:rPr lang="hu-HU" smtClean="0"/>
-              <a:t>2022. 01. 25.</a:t>
+              <a:t>2022. 01. 26.</a:t>
             </a:fld>
             <a:endParaRPr lang="hu-HU"/>
           </a:p>
@@ -1997,7 +1997,7 @@
           <p:cNvPr id="4" name="Élőláb helye 3">
             <a:extLst>
               <a:ext uri="{FF2B5EF4-FFF2-40B4-BE49-F238E27FC236}">
-                <a16:creationId xmlns:a16="http://schemas.microsoft.com/office/drawing/2014/main" id="{1BC921E8-81C4-4A9B-9B89-9EAFA33A65A5}"/>
+                <a16:creationId xmlns="" xmlns:a16="http://schemas.microsoft.com/office/drawing/2014/main" id="{1BC921E8-81C4-4A9B-9B89-9EAFA33A65A5}"/>
               </a:ext>
             </a:extLst>
           </p:cNvPr>
@@ -2022,7 +2022,7 @@
           <p:cNvPr id="5" name="Dia számának helye 4">
             <a:extLst>
               <a:ext uri="{FF2B5EF4-FFF2-40B4-BE49-F238E27FC236}">
-                <a16:creationId xmlns:a16="http://schemas.microsoft.com/office/drawing/2014/main" id="{03375E2C-DAB4-4CC6-9A98-286E9B84198C}"/>
+                <a16:creationId xmlns="" xmlns:a16="http://schemas.microsoft.com/office/drawing/2014/main" id="{03375E2C-DAB4-4CC6-9A98-286E9B84198C}"/>
               </a:ext>
             </a:extLst>
           </p:cNvPr>
@@ -2081,7 +2081,7 @@
           <p:cNvPr id="2" name="Dátum helye 1">
             <a:extLst>
               <a:ext uri="{FF2B5EF4-FFF2-40B4-BE49-F238E27FC236}">
-                <a16:creationId xmlns:a16="http://schemas.microsoft.com/office/drawing/2014/main" id="{1A374963-E3AA-479A-87CD-9F87CA5B58E1}"/>
+                <a16:creationId xmlns="" xmlns:a16="http://schemas.microsoft.com/office/drawing/2014/main" id="{1A374963-E3AA-479A-87CD-9F87CA5B58E1}"/>
               </a:ext>
             </a:extLst>
           </p:cNvPr>
@@ -2099,7 +2099,7 @@
           <a:p>
             <a:fld id="{01AA3099-2024-4769-B781-B630B3B5E3D6}" type="datetimeFigureOut">
               <a:rPr lang="hu-HU" smtClean="0"/>
-              <a:t>2022. 01. 25.</a:t>
+              <a:t>2022. 01. 26.</a:t>
             </a:fld>
             <a:endParaRPr lang="hu-HU"/>
           </a:p>
@@ -2110,7 +2110,7 @@
           <p:cNvPr id="3" name="Élőláb helye 2">
             <a:extLst>
               <a:ext uri="{FF2B5EF4-FFF2-40B4-BE49-F238E27FC236}">
-                <a16:creationId xmlns:a16="http://schemas.microsoft.com/office/drawing/2014/main" id="{9ECB2FF6-24AC-4D2E-904D-C7EBEA06CB53}"/>
+                <a16:creationId xmlns="" xmlns:a16="http://schemas.microsoft.com/office/drawing/2014/main" id="{9ECB2FF6-24AC-4D2E-904D-C7EBEA06CB53}"/>
               </a:ext>
             </a:extLst>
           </p:cNvPr>
@@ -2135,7 +2135,7 @@
           <p:cNvPr id="4" name="Dia számának helye 3">
             <a:extLst>
               <a:ext uri="{FF2B5EF4-FFF2-40B4-BE49-F238E27FC236}">
-                <a16:creationId xmlns:a16="http://schemas.microsoft.com/office/drawing/2014/main" id="{494B85E7-4CFE-4AA2-8446-949E9CCFD56D}"/>
+                <a16:creationId xmlns="" xmlns:a16="http://schemas.microsoft.com/office/drawing/2014/main" id="{494B85E7-4CFE-4AA2-8446-949E9CCFD56D}"/>
               </a:ext>
             </a:extLst>
           </p:cNvPr>
@@ -2194,7 +2194,7 @@
           <p:cNvPr id="2" name="Cím 1">
             <a:extLst>
               <a:ext uri="{FF2B5EF4-FFF2-40B4-BE49-F238E27FC236}">
-                <a16:creationId xmlns:a16="http://schemas.microsoft.com/office/drawing/2014/main" id="{022AD089-FE33-427F-AEE0-4F7CACB15626}"/>
+                <a16:creationId xmlns="" xmlns:a16="http://schemas.microsoft.com/office/drawing/2014/main" id="{022AD089-FE33-427F-AEE0-4F7CACB15626}"/>
               </a:ext>
             </a:extLst>
           </p:cNvPr>
@@ -2231,7 +2231,7 @@
           <p:cNvPr id="3" name="Tartalom helye 2">
             <a:extLst>
               <a:ext uri="{FF2B5EF4-FFF2-40B4-BE49-F238E27FC236}">
-                <a16:creationId xmlns:a16="http://schemas.microsoft.com/office/drawing/2014/main" id="{290EA8B6-3E87-404D-B5F1-24DCE2029667}"/>
+                <a16:creationId xmlns="" xmlns:a16="http://schemas.microsoft.com/office/drawing/2014/main" id="{290EA8B6-3E87-404D-B5F1-24DCE2029667}"/>
               </a:ext>
             </a:extLst>
           </p:cNvPr>
@@ -2321,7 +2321,7 @@
           <p:cNvPr id="4" name="Szöveg helye 3">
             <a:extLst>
               <a:ext uri="{FF2B5EF4-FFF2-40B4-BE49-F238E27FC236}">
-                <a16:creationId xmlns:a16="http://schemas.microsoft.com/office/drawing/2014/main" id="{6C5C384D-1E61-4D51-8999-C43FACF02AE5}"/>
+                <a16:creationId xmlns="" xmlns:a16="http://schemas.microsoft.com/office/drawing/2014/main" id="{6C5C384D-1E61-4D51-8999-C43FACF02AE5}"/>
               </a:ext>
             </a:extLst>
           </p:cNvPr>
@@ -2392,7 +2392,7 @@
           <p:cNvPr id="5" name="Dátum helye 4">
             <a:extLst>
               <a:ext uri="{FF2B5EF4-FFF2-40B4-BE49-F238E27FC236}">
-                <a16:creationId xmlns:a16="http://schemas.microsoft.com/office/drawing/2014/main" id="{D8995AE6-9D37-418B-9B55-01B7DFEF526A}"/>
+                <a16:creationId xmlns="" xmlns:a16="http://schemas.microsoft.com/office/drawing/2014/main" id="{D8995AE6-9D37-418B-9B55-01B7DFEF526A}"/>
               </a:ext>
             </a:extLst>
           </p:cNvPr>
@@ -2410,7 +2410,7 @@
           <a:p>
             <a:fld id="{01AA3099-2024-4769-B781-B630B3B5E3D6}" type="datetimeFigureOut">
               <a:rPr lang="hu-HU" smtClean="0"/>
-              <a:t>2022. 01. 25.</a:t>
+              <a:t>2022. 01. 26.</a:t>
             </a:fld>
             <a:endParaRPr lang="hu-HU"/>
           </a:p>
@@ -2421,7 +2421,7 @@
           <p:cNvPr id="6" name="Élőláb helye 5">
             <a:extLst>
               <a:ext uri="{FF2B5EF4-FFF2-40B4-BE49-F238E27FC236}">
-                <a16:creationId xmlns:a16="http://schemas.microsoft.com/office/drawing/2014/main" id="{BCA210A0-FB5D-4354-9A3E-7F3776D0ED2F}"/>
+                <a16:creationId xmlns="" xmlns:a16="http://schemas.microsoft.com/office/drawing/2014/main" id="{BCA210A0-FB5D-4354-9A3E-7F3776D0ED2F}"/>
               </a:ext>
             </a:extLst>
           </p:cNvPr>
@@ -2446,7 +2446,7 @@
           <p:cNvPr id="7" name="Dia számának helye 6">
             <a:extLst>
               <a:ext uri="{FF2B5EF4-FFF2-40B4-BE49-F238E27FC236}">
-                <a16:creationId xmlns:a16="http://schemas.microsoft.com/office/drawing/2014/main" id="{711FC0BD-943B-425E-93FD-8268C814D1DF}"/>
+                <a16:creationId xmlns="" xmlns:a16="http://schemas.microsoft.com/office/drawing/2014/main" id="{711FC0BD-943B-425E-93FD-8268C814D1DF}"/>
               </a:ext>
             </a:extLst>
           </p:cNvPr>
@@ -2505,7 +2505,7 @@
           <p:cNvPr id="2" name="Cím 1">
             <a:extLst>
               <a:ext uri="{FF2B5EF4-FFF2-40B4-BE49-F238E27FC236}">
-                <a16:creationId xmlns:a16="http://schemas.microsoft.com/office/drawing/2014/main" id="{C769E911-640C-4B34-A837-77F5E94DAEFA}"/>
+                <a16:creationId xmlns="" xmlns:a16="http://schemas.microsoft.com/office/drawing/2014/main" id="{C769E911-640C-4B34-A837-77F5E94DAEFA}"/>
               </a:ext>
             </a:extLst>
           </p:cNvPr>
@@ -2542,7 +2542,7 @@
           <p:cNvPr id="3" name="Kép helye 2">
             <a:extLst>
               <a:ext uri="{FF2B5EF4-FFF2-40B4-BE49-F238E27FC236}">
-                <a16:creationId xmlns:a16="http://schemas.microsoft.com/office/drawing/2014/main" id="{C549FCE7-AE48-4798-98CF-C92DA5D8BE53}"/>
+                <a16:creationId xmlns="" xmlns:a16="http://schemas.microsoft.com/office/drawing/2014/main" id="{C549FCE7-AE48-4798-98CF-C92DA5D8BE53}"/>
               </a:ext>
             </a:extLst>
           </p:cNvPr>
@@ -2609,7 +2609,7 @@
           <p:cNvPr id="4" name="Szöveg helye 3">
             <a:extLst>
               <a:ext uri="{FF2B5EF4-FFF2-40B4-BE49-F238E27FC236}">
-                <a16:creationId xmlns:a16="http://schemas.microsoft.com/office/drawing/2014/main" id="{7FD4F7C6-1EC2-4735-A5B5-7B4A0A93ACF5}"/>
+                <a16:creationId xmlns="" xmlns:a16="http://schemas.microsoft.com/office/drawing/2014/main" id="{7FD4F7C6-1EC2-4735-A5B5-7B4A0A93ACF5}"/>
               </a:ext>
             </a:extLst>
           </p:cNvPr>
@@ -2680,7 +2680,7 @@
           <p:cNvPr id="5" name="Dátum helye 4">
             <a:extLst>
               <a:ext uri="{FF2B5EF4-FFF2-40B4-BE49-F238E27FC236}">
-                <a16:creationId xmlns:a16="http://schemas.microsoft.com/office/drawing/2014/main" id="{AE401C6A-C766-4CCA-AFF9-25D4591DD527}"/>
+                <a16:creationId xmlns="" xmlns:a16="http://schemas.microsoft.com/office/drawing/2014/main" id="{AE401C6A-C766-4CCA-AFF9-25D4591DD527}"/>
               </a:ext>
             </a:extLst>
           </p:cNvPr>
@@ -2698,7 +2698,7 @@
           <a:p>
             <a:fld id="{01AA3099-2024-4769-B781-B630B3B5E3D6}" type="datetimeFigureOut">
               <a:rPr lang="hu-HU" smtClean="0"/>
-              <a:t>2022. 01. 25.</a:t>
+              <a:t>2022. 01. 26.</a:t>
             </a:fld>
             <a:endParaRPr lang="hu-HU"/>
           </a:p>
@@ -2709,7 +2709,7 @@
           <p:cNvPr id="6" name="Élőláb helye 5">
             <a:extLst>
               <a:ext uri="{FF2B5EF4-FFF2-40B4-BE49-F238E27FC236}">
-                <a16:creationId xmlns:a16="http://schemas.microsoft.com/office/drawing/2014/main" id="{AF609BB1-D8A7-42E7-90AD-AE242046E5A7}"/>
+                <a16:creationId xmlns="" xmlns:a16="http://schemas.microsoft.com/office/drawing/2014/main" id="{AF609BB1-D8A7-42E7-90AD-AE242046E5A7}"/>
               </a:ext>
             </a:extLst>
           </p:cNvPr>
@@ -2734,7 +2734,7 @@
           <p:cNvPr id="7" name="Dia számának helye 6">
             <a:extLst>
               <a:ext uri="{FF2B5EF4-FFF2-40B4-BE49-F238E27FC236}">
-                <a16:creationId xmlns:a16="http://schemas.microsoft.com/office/drawing/2014/main" id="{473EB78E-9024-443D-8401-358CEABBA4A5}"/>
+                <a16:creationId xmlns="" xmlns:a16="http://schemas.microsoft.com/office/drawing/2014/main" id="{473EB78E-9024-443D-8401-358CEABBA4A5}"/>
               </a:ext>
             </a:extLst>
           </p:cNvPr>
@@ -2798,7 +2798,7 @@
           <p:cNvPr id="2" name="Cím helye 1">
             <a:extLst>
               <a:ext uri="{FF2B5EF4-FFF2-40B4-BE49-F238E27FC236}">
-                <a16:creationId xmlns:a16="http://schemas.microsoft.com/office/drawing/2014/main" id="{AA7D5FEA-C710-46F4-B962-AF5D9C3E276A}"/>
+                <a16:creationId xmlns="" xmlns:a16="http://schemas.microsoft.com/office/drawing/2014/main" id="{AA7D5FEA-C710-46F4-B962-AF5D9C3E276A}"/>
               </a:ext>
             </a:extLst>
           </p:cNvPr>
@@ -2836,7 +2836,7 @@
           <p:cNvPr id="3" name="Szöveg helye 2">
             <a:extLst>
               <a:ext uri="{FF2B5EF4-FFF2-40B4-BE49-F238E27FC236}">
-                <a16:creationId xmlns:a16="http://schemas.microsoft.com/office/drawing/2014/main" id="{31B6D00D-5FF5-403B-B6B1-C82B0C8D3C4D}"/>
+                <a16:creationId xmlns="" xmlns:a16="http://schemas.microsoft.com/office/drawing/2014/main" id="{31B6D00D-5FF5-403B-B6B1-C82B0C8D3C4D}"/>
               </a:ext>
             </a:extLst>
           </p:cNvPr>
@@ -2903,7 +2903,7 @@
           <p:cNvPr id="4" name="Dátum helye 3">
             <a:extLst>
               <a:ext uri="{FF2B5EF4-FFF2-40B4-BE49-F238E27FC236}">
-                <a16:creationId xmlns:a16="http://schemas.microsoft.com/office/drawing/2014/main" id="{28490CD0-5307-4CF6-AEE1-EE076BE348CA}"/>
+                <a16:creationId xmlns="" xmlns:a16="http://schemas.microsoft.com/office/drawing/2014/main" id="{28490CD0-5307-4CF6-AEE1-EE076BE348CA}"/>
               </a:ext>
             </a:extLst>
           </p:cNvPr>
@@ -2939,7 +2939,7 @@
           <a:p>
             <a:fld id="{01AA3099-2024-4769-B781-B630B3B5E3D6}" type="datetimeFigureOut">
               <a:rPr lang="hu-HU" smtClean="0"/>
-              <a:t>2022. 01. 25.</a:t>
+              <a:t>2022. 01. 26.</a:t>
             </a:fld>
             <a:endParaRPr lang="hu-HU"/>
           </a:p>
@@ -2950,7 +2950,7 @@
           <p:cNvPr id="5" name="Élőláb helye 4">
             <a:extLst>
               <a:ext uri="{FF2B5EF4-FFF2-40B4-BE49-F238E27FC236}">
-                <a16:creationId xmlns:a16="http://schemas.microsoft.com/office/drawing/2014/main" id="{CDB5B755-982D-4F67-A74B-49646CE63AF2}"/>
+                <a16:creationId xmlns="" xmlns:a16="http://schemas.microsoft.com/office/drawing/2014/main" id="{CDB5B755-982D-4F67-A74B-49646CE63AF2}"/>
               </a:ext>
             </a:extLst>
           </p:cNvPr>
@@ -2993,7 +2993,7 @@
           <p:cNvPr id="6" name="Dia számának helye 5">
             <a:extLst>
               <a:ext uri="{FF2B5EF4-FFF2-40B4-BE49-F238E27FC236}">
-                <a16:creationId xmlns:a16="http://schemas.microsoft.com/office/drawing/2014/main" id="{81105151-EE75-4E37-A4FE-102E7D0B8E57}"/>
+                <a16:creationId xmlns="" xmlns:a16="http://schemas.microsoft.com/office/drawing/2014/main" id="{81105151-EE75-4E37-A4FE-102E7D0B8E57}"/>
               </a:ext>
             </a:extLst>
           </p:cNvPr>
@@ -3361,7 +3361,7 @@
           <p:cNvPr id="5" name="Ábra 4">
             <a:extLst>
               <a:ext uri="{FF2B5EF4-FFF2-40B4-BE49-F238E27FC236}">
-                <a16:creationId xmlns:a16="http://schemas.microsoft.com/office/drawing/2014/main" id="{F1822167-4C01-4849-B404-A98EDEAF97BA}"/>
+                <a16:creationId xmlns="" xmlns:a16="http://schemas.microsoft.com/office/drawing/2014/main" id="{F1822167-4C01-4849-B404-A98EDEAF97BA}"/>
               </a:ext>
             </a:extLst>
           </p:cNvPr>
@@ -3377,7 +3377,7 @@
                 <a14:useLocalDpi xmlns:a14="http://schemas.microsoft.com/office/drawing/2010/main" val="0"/>
               </a:ext>
               <a:ext uri="{96DAC541-7B7A-43D3-8B79-37D633B846F1}">
-                <asvg:svgBlip xmlns:asvg="http://schemas.microsoft.com/office/drawing/2016/SVG/main" r:embed="rId3"/>
+                <asvg:svgBlip xmlns="" xmlns:asvg="http://schemas.microsoft.com/office/drawing/2016/SVG/main" r:embed="rId3"/>
               </a:ext>
             </a:extLst>
           </a:blip>
@@ -3400,7 +3400,7 @@
           <p:cNvPr id="6" name="Szövegdoboz 5">
             <a:extLst>
               <a:ext uri="{FF2B5EF4-FFF2-40B4-BE49-F238E27FC236}">
-                <a16:creationId xmlns:a16="http://schemas.microsoft.com/office/drawing/2014/main" id="{7267F656-E3CE-4CDA-92F8-AA3DD3BCAB40}"/>
+                <a16:creationId xmlns="" xmlns:a16="http://schemas.microsoft.com/office/drawing/2014/main" id="{7267F656-E3CE-4CDA-92F8-AA3DD3BCAB40}"/>
               </a:ext>
             </a:extLst>
           </p:cNvPr>
@@ -3437,7 +3437,7 @@
           <p:cNvPr id="7" name="Szövegdoboz 6">
             <a:extLst>
               <a:ext uri="{FF2B5EF4-FFF2-40B4-BE49-F238E27FC236}">
-                <a16:creationId xmlns:a16="http://schemas.microsoft.com/office/drawing/2014/main" id="{603C2512-022F-48AB-881C-88F70BB2A9BD}"/>
+                <a16:creationId xmlns="" xmlns:a16="http://schemas.microsoft.com/office/drawing/2014/main" id="{603C2512-022F-48AB-881C-88F70BB2A9BD}"/>
               </a:ext>
             </a:extLst>
           </p:cNvPr>
@@ -3541,7 +3541,7 @@
           <p:cNvPr id="17" name="Szövegdoboz 16">
             <a:extLst>
               <a:ext uri="{FF2B5EF4-FFF2-40B4-BE49-F238E27FC236}">
-                <a16:creationId xmlns:a16="http://schemas.microsoft.com/office/drawing/2014/main" id="{2C1AA5D7-05A3-41F6-B3DA-F252382E0281}"/>
+                <a16:creationId xmlns="" xmlns:a16="http://schemas.microsoft.com/office/drawing/2014/main" id="{2C1AA5D7-05A3-41F6-B3DA-F252382E0281}"/>
               </a:ext>
             </a:extLst>
           </p:cNvPr>
@@ -3622,7 +3622,7 @@
           <p:cNvPr id="21" name="Kép 20">
             <a:extLst>
               <a:ext uri="{FF2B5EF4-FFF2-40B4-BE49-F238E27FC236}">
-                <a16:creationId xmlns:a16="http://schemas.microsoft.com/office/drawing/2014/main" id="{D77EA26D-BA98-4250-BCDE-E82941E8A816}"/>
+                <a16:creationId xmlns="" xmlns:a16="http://schemas.microsoft.com/office/drawing/2014/main" id="{D77EA26D-BA98-4250-BCDE-E82941E8A816}"/>
               </a:ext>
             </a:extLst>
           </p:cNvPr>
@@ -3658,7 +3658,7 @@
           <p:cNvPr id="25" name="Téglalap 24">
             <a:extLst>
               <a:ext uri="{FF2B5EF4-FFF2-40B4-BE49-F238E27FC236}">
-                <a16:creationId xmlns:a16="http://schemas.microsoft.com/office/drawing/2014/main" id="{010BE465-A230-40F7-9E68-2DF418E91B6A}"/>
+                <a16:creationId xmlns="" xmlns:a16="http://schemas.microsoft.com/office/drawing/2014/main" id="{010BE465-A230-40F7-9E68-2DF418E91B6A}"/>
               </a:ext>
             </a:extLst>
           </p:cNvPr>
@@ -3740,7 +3740,7 @@
           <p:cNvPr id="4" name="Szövegdoboz 3">
             <a:extLst>
               <a:ext uri="{FF2B5EF4-FFF2-40B4-BE49-F238E27FC236}">
-                <a16:creationId xmlns:a16="http://schemas.microsoft.com/office/drawing/2014/main" id="{CB608797-375C-4FAB-9692-55466FABFF61}"/>
+                <a16:creationId xmlns="" xmlns:a16="http://schemas.microsoft.com/office/drawing/2014/main" id="{CB608797-375C-4FAB-9692-55466FABFF61}"/>
               </a:ext>
             </a:extLst>
           </p:cNvPr>
@@ -3795,7 +3795,7 @@
           <p:cNvPr id="5" name="Téglalap 4">
             <a:extLst>
               <a:ext uri="{FF2B5EF4-FFF2-40B4-BE49-F238E27FC236}">
-                <a16:creationId xmlns:a16="http://schemas.microsoft.com/office/drawing/2014/main" id="{980EE41B-77A5-471A-8033-4C1F25961EF4}"/>
+                <a16:creationId xmlns="" xmlns:a16="http://schemas.microsoft.com/office/drawing/2014/main" id="{980EE41B-77A5-471A-8033-4C1F25961EF4}"/>
               </a:ext>
             </a:extLst>
           </p:cNvPr>
@@ -3847,7 +3847,7 @@
           <p:cNvPr id="6" name="Ábra 5">
             <a:extLst>
               <a:ext uri="{FF2B5EF4-FFF2-40B4-BE49-F238E27FC236}">
-                <a16:creationId xmlns:a16="http://schemas.microsoft.com/office/drawing/2014/main" id="{429B0420-3ACE-430B-A8F9-70E0AA021628}"/>
+                <a16:creationId xmlns="" xmlns:a16="http://schemas.microsoft.com/office/drawing/2014/main" id="{429B0420-3ACE-430B-A8F9-70E0AA021628}"/>
               </a:ext>
             </a:extLst>
           </p:cNvPr>
@@ -3863,7 +3863,7 @@
                 <a14:useLocalDpi xmlns:a14="http://schemas.microsoft.com/office/drawing/2010/main" val="0"/>
               </a:ext>
               <a:ext uri="{96DAC541-7B7A-43D3-8B79-37D633B846F1}">
-                <asvg:svgBlip xmlns:asvg="http://schemas.microsoft.com/office/drawing/2016/SVG/main" r:embed="rId3"/>
+                <asvg:svgBlip xmlns="" xmlns:asvg="http://schemas.microsoft.com/office/drawing/2016/SVG/main" r:embed="rId3"/>
               </a:ext>
             </a:extLst>
           </a:blip>
@@ -3886,7 +3886,7 @@
           <p:cNvPr id="7" name="Kép 6">
             <a:extLst>
               <a:ext uri="{FF2B5EF4-FFF2-40B4-BE49-F238E27FC236}">
-                <a16:creationId xmlns:a16="http://schemas.microsoft.com/office/drawing/2014/main" id="{10B9D92E-4E54-4778-B2BA-DD3A782DEA20}"/>
+                <a16:creationId xmlns="" xmlns:a16="http://schemas.microsoft.com/office/drawing/2014/main" id="{10B9D92E-4E54-4778-B2BA-DD3A782DEA20}"/>
               </a:ext>
             </a:extLst>
           </p:cNvPr>
@@ -3922,7 +3922,7 @@
           <p:cNvPr id="9" name="Szövegdoboz 8">
             <a:extLst>
               <a:ext uri="{FF2B5EF4-FFF2-40B4-BE49-F238E27FC236}">
-                <a16:creationId xmlns:a16="http://schemas.microsoft.com/office/drawing/2014/main" id="{37466BCB-E1CE-4F7D-8584-B04B919E0AB2}"/>
+                <a16:creationId xmlns="" xmlns:a16="http://schemas.microsoft.com/office/drawing/2014/main" id="{37466BCB-E1CE-4F7D-8584-B04B919E0AB2}"/>
               </a:ext>
             </a:extLst>
           </p:cNvPr>
@@ -4135,7 +4135,7 @@
           <p:cNvPr id="12" name="Kép 11">
             <a:extLst>
               <a:ext uri="{FF2B5EF4-FFF2-40B4-BE49-F238E27FC236}">
-                <a16:creationId xmlns:a16="http://schemas.microsoft.com/office/drawing/2014/main" id="{0AA7DE18-6AEF-4485-89A8-ACDDC3B23183}"/>
+                <a16:creationId xmlns="" xmlns:a16="http://schemas.microsoft.com/office/drawing/2014/main" id="{0AA7DE18-6AEF-4485-89A8-ACDDC3B23183}"/>
               </a:ext>
             </a:extLst>
           </p:cNvPr>
@@ -4171,7 +4171,7 @@
           <p:cNvPr id="13" name="Szövegdoboz 12">
             <a:extLst>
               <a:ext uri="{FF2B5EF4-FFF2-40B4-BE49-F238E27FC236}">
-                <a16:creationId xmlns:a16="http://schemas.microsoft.com/office/drawing/2014/main" id="{B329E9D7-E4C1-4B83-B3E0-B8B5C3F91871}"/>
+                <a16:creationId xmlns="" xmlns:a16="http://schemas.microsoft.com/office/drawing/2014/main" id="{B329E9D7-E4C1-4B83-B3E0-B8B5C3F91871}"/>
               </a:ext>
             </a:extLst>
           </p:cNvPr>
@@ -4348,7 +4348,7 @@
           <p:cNvPr id="14" name="Szövegdoboz 13">
             <a:extLst>
               <a:ext uri="{FF2B5EF4-FFF2-40B4-BE49-F238E27FC236}">
-                <a16:creationId xmlns:a16="http://schemas.microsoft.com/office/drawing/2014/main" id="{6CC38685-3263-4E92-9F5B-5DDA02AB8092}"/>
+                <a16:creationId xmlns="" xmlns:a16="http://schemas.microsoft.com/office/drawing/2014/main" id="{6CC38685-3263-4E92-9F5B-5DDA02AB8092}"/>
               </a:ext>
             </a:extLst>
           </p:cNvPr>
@@ -4433,7 +4433,7 @@
           <p:cNvPr id="4" name="Téglalap 3">
             <a:extLst>
               <a:ext uri="{FF2B5EF4-FFF2-40B4-BE49-F238E27FC236}">
-                <a16:creationId xmlns:a16="http://schemas.microsoft.com/office/drawing/2014/main" id="{F9C90CFD-A13F-425A-AF27-4038CF212F11}"/>
+                <a16:creationId xmlns="" xmlns:a16="http://schemas.microsoft.com/office/drawing/2014/main" id="{F9C90CFD-A13F-425A-AF27-4038CF212F11}"/>
               </a:ext>
             </a:extLst>
           </p:cNvPr>
@@ -4485,7 +4485,7 @@
           <p:cNvPr id="5" name="Szövegdoboz 4">
             <a:extLst>
               <a:ext uri="{FF2B5EF4-FFF2-40B4-BE49-F238E27FC236}">
-                <a16:creationId xmlns:a16="http://schemas.microsoft.com/office/drawing/2014/main" id="{A60678F4-FC5F-481C-9AAA-5E79C55DC231}"/>
+                <a16:creationId xmlns="" xmlns:a16="http://schemas.microsoft.com/office/drawing/2014/main" id="{A60678F4-FC5F-481C-9AAA-5E79C55DC231}"/>
               </a:ext>
             </a:extLst>
           </p:cNvPr>
@@ -4540,7 +4540,7 @@
           <p:cNvPr id="6" name="Kép 5">
             <a:extLst>
               <a:ext uri="{FF2B5EF4-FFF2-40B4-BE49-F238E27FC236}">
-                <a16:creationId xmlns:a16="http://schemas.microsoft.com/office/drawing/2014/main" id="{C92BE9BB-4674-4C0E-A255-2795E59E4870}"/>
+                <a16:creationId xmlns="" xmlns:a16="http://schemas.microsoft.com/office/drawing/2014/main" id="{C92BE9BB-4674-4C0E-A255-2795E59E4870}"/>
               </a:ext>
             </a:extLst>
           </p:cNvPr>
@@ -4576,7 +4576,7 @@
           <p:cNvPr id="7" name="Ábra 6">
             <a:extLst>
               <a:ext uri="{FF2B5EF4-FFF2-40B4-BE49-F238E27FC236}">
-                <a16:creationId xmlns:a16="http://schemas.microsoft.com/office/drawing/2014/main" id="{7D698027-ABFD-4B5D-BE6F-EFA228B01F4E}"/>
+                <a16:creationId xmlns="" xmlns:a16="http://schemas.microsoft.com/office/drawing/2014/main" id="{7D698027-ABFD-4B5D-BE6F-EFA228B01F4E}"/>
               </a:ext>
             </a:extLst>
           </p:cNvPr>
@@ -4592,7 +4592,7 @@
                 <a14:useLocalDpi xmlns:a14="http://schemas.microsoft.com/office/drawing/2010/main" val="0"/>
               </a:ext>
               <a:ext uri="{96DAC541-7B7A-43D3-8B79-37D633B846F1}">
-                <asvg:svgBlip xmlns:asvg="http://schemas.microsoft.com/office/drawing/2016/SVG/main" r:embed="rId4"/>
+                <asvg:svgBlip xmlns="" xmlns:asvg="http://schemas.microsoft.com/office/drawing/2016/SVG/main" r:embed="rId4"/>
               </a:ext>
             </a:extLst>
           </a:blip>
@@ -4615,7 +4615,7 @@
           <p:cNvPr id="9" name="Kép 8" descr="A képen szöveg, clipart látható&#10;&#10;Automatikusan generált leírás">
             <a:extLst>
               <a:ext uri="{FF2B5EF4-FFF2-40B4-BE49-F238E27FC236}">
-                <a16:creationId xmlns:a16="http://schemas.microsoft.com/office/drawing/2014/main" id="{8EB6B0B5-CC64-4DAB-87A2-3B0BD3E70A89}"/>
+                <a16:creationId xmlns="" xmlns:a16="http://schemas.microsoft.com/office/drawing/2014/main" id="{8EB6B0B5-CC64-4DAB-87A2-3B0BD3E70A89}"/>
               </a:ext>
             </a:extLst>
           </p:cNvPr>
@@ -4651,7 +4651,7 @@
           <p:cNvPr id="10" name="Szövegdoboz 9">
             <a:extLst>
               <a:ext uri="{FF2B5EF4-FFF2-40B4-BE49-F238E27FC236}">
-                <a16:creationId xmlns:a16="http://schemas.microsoft.com/office/drawing/2014/main" id="{1B58DB5D-9980-4129-B1C9-87FABF7876AF}"/>
+                <a16:creationId xmlns="" xmlns:a16="http://schemas.microsoft.com/office/drawing/2014/main" id="{1B58DB5D-9980-4129-B1C9-87FABF7876AF}"/>
               </a:ext>
             </a:extLst>
           </p:cNvPr>
@@ -4857,7 +4857,7 @@
           <p:cNvPr id="12" name="Rectangle 1">
             <a:extLst>
               <a:ext uri="{FF2B5EF4-FFF2-40B4-BE49-F238E27FC236}">
-                <a16:creationId xmlns:a16="http://schemas.microsoft.com/office/drawing/2014/main" id="{A2CD8CEE-60F8-408C-9CD4-8D9BAB3D9F5C}"/>
+                <a16:creationId xmlns="" xmlns:a16="http://schemas.microsoft.com/office/drawing/2014/main" id="{A2CD8CEE-60F8-408C-9CD4-8D9BAB3D9F5C}"/>
               </a:ext>
             </a:extLst>
           </p:cNvPr>
@@ -4946,7 +4946,7 @@
           <p:cNvPr id="16" name="Kép 15">
             <a:extLst>
               <a:ext uri="{FF2B5EF4-FFF2-40B4-BE49-F238E27FC236}">
-                <a16:creationId xmlns:a16="http://schemas.microsoft.com/office/drawing/2014/main" id="{206FF526-0E7C-4E09-BCA8-91538CBE92EC}"/>
+                <a16:creationId xmlns="" xmlns:a16="http://schemas.microsoft.com/office/drawing/2014/main" id="{206FF526-0E7C-4E09-BCA8-91538CBE92EC}"/>
               </a:ext>
             </a:extLst>
           </p:cNvPr>
@@ -5012,7 +5012,7 @@
           <p:cNvPr id="4" name="Téglalap 3">
             <a:extLst>
               <a:ext uri="{FF2B5EF4-FFF2-40B4-BE49-F238E27FC236}">
-                <a16:creationId xmlns:a16="http://schemas.microsoft.com/office/drawing/2014/main" id="{7D51A41D-6954-42BB-A4E2-28628A688925}"/>
+                <a16:creationId xmlns="" xmlns:a16="http://schemas.microsoft.com/office/drawing/2014/main" id="{7D51A41D-6954-42BB-A4E2-28628A688925}"/>
               </a:ext>
             </a:extLst>
           </p:cNvPr>
@@ -5064,7 +5064,7 @@
           <p:cNvPr id="6" name="Ábra 5">
             <a:extLst>
               <a:ext uri="{FF2B5EF4-FFF2-40B4-BE49-F238E27FC236}">
-                <a16:creationId xmlns:a16="http://schemas.microsoft.com/office/drawing/2014/main" id="{B2630098-F67C-4443-9EAC-FCC271FA7CFE}"/>
+                <a16:creationId xmlns="" xmlns:a16="http://schemas.microsoft.com/office/drawing/2014/main" id="{B2630098-F67C-4443-9EAC-FCC271FA7CFE}"/>
               </a:ext>
             </a:extLst>
           </p:cNvPr>
@@ -5080,7 +5080,7 @@
                 <a14:useLocalDpi xmlns:a14="http://schemas.microsoft.com/office/drawing/2010/main" val="0"/>
               </a:ext>
               <a:ext uri="{96DAC541-7B7A-43D3-8B79-37D633B846F1}">
-                <asvg:svgBlip xmlns:asvg="http://schemas.microsoft.com/office/drawing/2016/SVG/main" r:embed="rId3"/>
+                <asvg:svgBlip xmlns="" xmlns:asvg="http://schemas.microsoft.com/office/drawing/2016/SVG/main" r:embed="rId3"/>
               </a:ext>
             </a:extLst>
           </a:blip>
@@ -5103,7 +5103,7 @@
           <p:cNvPr id="7" name="Kép 6">
             <a:extLst>
               <a:ext uri="{FF2B5EF4-FFF2-40B4-BE49-F238E27FC236}">
-                <a16:creationId xmlns:a16="http://schemas.microsoft.com/office/drawing/2014/main" id="{80624D43-88E7-4753-B822-ED7D4B262C05}"/>
+                <a16:creationId xmlns="" xmlns:a16="http://schemas.microsoft.com/office/drawing/2014/main" id="{80624D43-88E7-4753-B822-ED7D4B262C05}"/>
               </a:ext>
             </a:extLst>
           </p:cNvPr>
@@ -5139,7 +5139,7 @@
           <p:cNvPr id="8" name="Szövegdoboz 7">
             <a:extLst>
               <a:ext uri="{FF2B5EF4-FFF2-40B4-BE49-F238E27FC236}">
-                <a16:creationId xmlns:a16="http://schemas.microsoft.com/office/drawing/2014/main" id="{755240AE-9326-44CF-8FDA-F20C3FF96486}"/>
+                <a16:creationId xmlns="" xmlns:a16="http://schemas.microsoft.com/office/drawing/2014/main" id="{755240AE-9326-44CF-8FDA-F20C3FF96486}"/>
               </a:ext>
             </a:extLst>
           </p:cNvPr>
@@ -5171,7 +5171,7 @@
           <p:cNvPr id="9" name="Szövegdoboz 8">
             <a:extLst>
               <a:ext uri="{FF2B5EF4-FFF2-40B4-BE49-F238E27FC236}">
-                <a16:creationId xmlns:a16="http://schemas.microsoft.com/office/drawing/2014/main" id="{C15B16C9-B619-46B5-8F60-9537C0C3376E}"/>
+                <a16:creationId xmlns="" xmlns:a16="http://schemas.microsoft.com/office/drawing/2014/main" id="{C15B16C9-B619-46B5-8F60-9537C0C3376E}"/>
               </a:ext>
             </a:extLst>
           </p:cNvPr>
@@ -6028,7 +6028,7 @@
           <p:cNvPr id="10" name="Szövegdoboz 9">
             <a:extLst>
               <a:ext uri="{FF2B5EF4-FFF2-40B4-BE49-F238E27FC236}">
-                <a16:creationId xmlns:a16="http://schemas.microsoft.com/office/drawing/2014/main" id="{D668BE8B-0D71-4562-A966-D2B3116B9E5A}"/>
+                <a16:creationId xmlns="" xmlns:a16="http://schemas.microsoft.com/office/drawing/2014/main" id="{D668BE8B-0D71-4562-A966-D2B3116B9E5A}"/>
               </a:ext>
             </a:extLst>
           </p:cNvPr>
@@ -6101,7 +6101,7 @@
           <p:cNvPr id="11" name="Szövegdoboz 10">
             <a:extLst>
               <a:ext uri="{FF2B5EF4-FFF2-40B4-BE49-F238E27FC236}">
-                <a16:creationId xmlns:a16="http://schemas.microsoft.com/office/drawing/2014/main" id="{571B4580-08C3-446E-8B7F-D2491DF9042C}"/>
+                <a16:creationId xmlns="" xmlns:a16="http://schemas.microsoft.com/office/drawing/2014/main" id="{571B4580-08C3-446E-8B7F-D2491DF9042C}"/>
               </a:ext>
             </a:extLst>
           </p:cNvPr>
@@ -6156,7 +6156,7 @@
           <p:cNvPr id="12" name="Kép 11" descr="A képen szöveg, clipart látható&#10;&#10;Automatikusan generált leírás">
             <a:extLst>
               <a:ext uri="{FF2B5EF4-FFF2-40B4-BE49-F238E27FC236}">
-                <a16:creationId xmlns:a16="http://schemas.microsoft.com/office/drawing/2014/main" id="{E9011122-228B-4386-85E7-7C489CCBF0B3}"/>
+                <a16:creationId xmlns="" xmlns:a16="http://schemas.microsoft.com/office/drawing/2014/main" id="{E9011122-228B-4386-85E7-7C489CCBF0B3}"/>
               </a:ext>
             </a:extLst>
           </p:cNvPr>
@@ -6222,7 +6222,7 @@
           <p:cNvPr id="4" name="Téglalap 3">
             <a:extLst>
               <a:ext uri="{FF2B5EF4-FFF2-40B4-BE49-F238E27FC236}">
-                <a16:creationId xmlns:a16="http://schemas.microsoft.com/office/drawing/2014/main" id="{49B1179B-0CC6-46F2-8E99-1F390F6F7F49}"/>
+                <a16:creationId xmlns="" xmlns:a16="http://schemas.microsoft.com/office/drawing/2014/main" id="{49B1179B-0CC6-46F2-8E99-1F390F6F7F49}"/>
               </a:ext>
             </a:extLst>
           </p:cNvPr>
@@ -6274,7 +6274,7 @@
           <p:cNvPr id="5" name="Szövegdoboz 4">
             <a:extLst>
               <a:ext uri="{FF2B5EF4-FFF2-40B4-BE49-F238E27FC236}">
-                <a16:creationId xmlns:a16="http://schemas.microsoft.com/office/drawing/2014/main" id="{8A4D48B3-98B4-4AC9-B14B-8E10AED7E18C}"/>
+                <a16:creationId xmlns="" xmlns:a16="http://schemas.microsoft.com/office/drawing/2014/main" id="{8A4D48B3-98B4-4AC9-B14B-8E10AED7E18C}"/>
               </a:ext>
             </a:extLst>
           </p:cNvPr>
@@ -6329,7 +6329,7 @@
           <p:cNvPr id="6" name="Ábra 5">
             <a:extLst>
               <a:ext uri="{FF2B5EF4-FFF2-40B4-BE49-F238E27FC236}">
-                <a16:creationId xmlns:a16="http://schemas.microsoft.com/office/drawing/2014/main" id="{7E8C815A-4BFA-40C9-91B2-A08DC0372BAB}"/>
+                <a16:creationId xmlns="" xmlns:a16="http://schemas.microsoft.com/office/drawing/2014/main" id="{7E8C815A-4BFA-40C9-91B2-A08DC0372BAB}"/>
               </a:ext>
             </a:extLst>
           </p:cNvPr>
@@ -6345,7 +6345,7 @@
                 <a14:useLocalDpi xmlns:a14="http://schemas.microsoft.com/office/drawing/2010/main" val="0"/>
               </a:ext>
               <a:ext uri="{96DAC541-7B7A-43D3-8B79-37D633B846F1}">
-                <asvg:svgBlip xmlns:asvg="http://schemas.microsoft.com/office/drawing/2016/SVG/main" r:embed="rId3"/>
+                <asvg:svgBlip xmlns="" xmlns:asvg="http://schemas.microsoft.com/office/drawing/2016/SVG/main" r:embed="rId3"/>
               </a:ext>
             </a:extLst>
           </a:blip>
@@ -6368,7 +6368,7 @@
           <p:cNvPr id="7" name="Kép 6">
             <a:extLst>
               <a:ext uri="{FF2B5EF4-FFF2-40B4-BE49-F238E27FC236}">
-                <a16:creationId xmlns:a16="http://schemas.microsoft.com/office/drawing/2014/main" id="{C3796190-948E-4FC1-AA34-B420E5A20899}"/>
+                <a16:creationId xmlns="" xmlns:a16="http://schemas.microsoft.com/office/drawing/2014/main" id="{C3796190-948E-4FC1-AA34-B420E5A20899}"/>
               </a:ext>
             </a:extLst>
           </p:cNvPr>
@@ -6404,7 +6404,7 @@
           <p:cNvPr id="9" name="Kép 8">
             <a:extLst>
               <a:ext uri="{FF2B5EF4-FFF2-40B4-BE49-F238E27FC236}">
-                <a16:creationId xmlns:a16="http://schemas.microsoft.com/office/drawing/2014/main" id="{7130844B-DB3C-4259-876D-EF1D4A9AFDEA}"/>
+                <a16:creationId xmlns="" xmlns:a16="http://schemas.microsoft.com/office/drawing/2014/main" id="{7130844B-DB3C-4259-876D-EF1D4A9AFDEA}"/>
               </a:ext>
             </a:extLst>
           </p:cNvPr>
@@ -6440,7 +6440,7 @@
           <p:cNvPr id="10" name="Szövegdoboz 9">
             <a:extLst>
               <a:ext uri="{FF2B5EF4-FFF2-40B4-BE49-F238E27FC236}">
-                <a16:creationId xmlns:a16="http://schemas.microsoft.com/office/drawing/2014/main" id="{5F3E262D-EC8D-40E6-A9BE-CF651CD3A3B2}"/>
+                <a16:creationId xmlns="" xmlns:a16="http://schemas.microsoft.com/office/drawing/2014/main" id="{5F3E262D-EC8D-40E6-A9BE-CF651CD3A3B2}"/>
               </a:ext>
             </a:extLst>
           </p:cNvPr>
@@ -6522,7 +6522,7 @@
           <p:cNvPr id="12" name="Kép 11" descr="A képen szöveg látható&#10;&#10;Automatikusan generált leírás">
             <a:extLst>
               <a:ext uri="{FF2B5EF4-FFF2-40B4-BE49-F238E27FC236}">
-                <a16:creationId xmlns:a16="http://schemas.microsoft.com/office/drawing/2014/main" id="{5256112E-CCA5-4383-9DEC-22038BDBC8A1}"/>
+                <a16:creationId xmlns="" xmlns:a16="http://schemas.microsoft.com/office/drawing/2014/main" id="{5256112E-CCA5-4383-9DEC-22038BDBC8A1}"/>
               </a:ext>
             </a:extLst>
           </p:cNvPr>
@@ -6558,7 +6558,7 @@
           <p:cNvPr id="16" name="Kép 15">
             <a:extLst>
               <a:ext uri="{FF2B5EF4-FFF2-40B4-BE49-F238E27FC236}">
-                <a16:creationId xmlns:a16="http://schemas.microsoft.com/office/drawing/2014/main" id="{32E2D3BE-B80D-474C-A319-8E5919FE4869}"/>
+                <a16:creationId xmlns="" xmlns:a16="http://schemas.microsoft.com/office/drawing/2014/main" id="{32E2D3BE-B80D-474C-A319-8E5919FE4869}"/>
               </a:ext>
             </a:extLst>
           </p:cNvPr>
@@ -6624,7 +6624,7 @@
           <p:cNvPr id="4" name="Téglalap 3">
             <a:extLst>
               <a:ext uri="{FF2B5EF4-FFF2-40B4-BE49-F238E27FC236}">
-                <a16:creationId xmlns:a16="http://schemas.microsoft.com/office/drawing/2014/main" id="{C7BD54D9-3F9D-45DB-8168-96DF78E16F94}"/>
+                <a16:creationId xmlns="" xmlns:a16="http://schemas.microsoft.com/office/drawing/2014/main" id="{C7BD54D9-3F9D-45DB-8168-96DF78E16F94}"/>
               </a:ext>
             </a:extLst>
           </p:cNvPr>
@@ -6676,7 +6676,7 @@
           <p:cNvPr id="5" name="Szövegdoboz 4">
             <a:extLst>
               <a:ext uri="{FF2B5EF4-FFF2-40B4-BE49-F238E27FC236}">
-                <a16:creationId xmlns:a16="http://schemas.microsoft.com/office/drawing/2014/main" id="{9B2A4970-2930-4B8D-AB8D-B33C27BBDF04}"/>
+                <a16:creationId xmlns="" xmlns:a16="http://schemas.microsoft.com/office/drawing/2014/main" id="{9B2A4970-2930-4B8D-AB8D-B33C27BBDF04}"/>
               </a:ext>
             </a:extLst>
           </p:cNvPr>
@@ -6731,7 +6731,7 @@
           <p:cNvPr id="6" name="Kép 5">
             <a:extLst>
               <a:ext uri="{FF2B5EF4-FFF2-40B4-BE49-F238E27FC236}">
-                <a16:creationId xmlns:a16="http://schemas.microsoft.com/office/drawing/2014/main" id="{ADA2A382-FBA3-4713-AFC7-7F5ADB695B5F}"/>
+                <a16:creationId xmlns="" xmlns:a16="http://schemas.microsoft.com/office/drawing/2014/main" id="{ADA2A382-FBA3-4713-AFC7-7F5ADB695B5F}"/>
               </a:ext>
             </a:extLst>
           </p:cNvPr>
@@ -6767,7 +6767,7 @@
           <p:cNvPr id="7" name="Ábra 6">
             <a:extLst>
               <a:ext uri="{FF2B5EF4-FFF2-40B4-BE49-F238E27FC236}">
-                <a16:creationId xmlns:a16="http://schemas.microsoft.com/office/drawing/2014/main" id="{154906A3-E230-45CD-B14B-FE8C154C08EE}"/>
+                <a16:creationId xmlns="" xmlns:a16="http://schemas.microsoft.com/office/drawing/2014/main" id="{154906A3-E230-45CD-B14B-FE8C154C08EE}"/>
               </a:ext>
             </a:extLst>
           </p:cNvPr>
@@ -6783,7 +6783,7 @@
                 <a14:useLocalDpi xmlns:a14="http://schemas.microsoft.com/office/drawing/2010/main" val="0"/>
               </a:ext>
               <a:ext uri="{96DAC541-7B7A-43D3-8B79-37D633B846F1}">
-                <asvg:svgBlip xmlns:asvg="http://schemas.microsoft.com/office/drawing/2016/SVG/main" r:embed="rId4"/>
+                <asvg:svgBlip xmlns="" xmlns:asvg="http://schemas.microsoft.com/office/drawing/2016/SVG/main" r:embed="rId4"/>
               </a:ext>
             </a:extLst>
           </a:blip>
@@ -6806,7 +6806,7 @@
           <p:cNvPr id="9" name="Kép 8" descr="A képen szöveg, clipart, vektorgrafika látható&#10;&#10;Automatikusan generált leírás">
             <a:extLst>
               <a:ext uri="{FF2B5EF4-FFF2-40B4-BE49-F238E27FC236}">
-                <a16:creationId xmlns:a16="http://schemas.microsoft.com/office/drawing/2014/main" id="{D1F5C125-7E02-4011-BCEC-81CD70A75F1F}"/>
+                <a16:creationId xmlns="" xmlns:a16="http://schemas.microsoft.com/office/drawing/2014/main" id="{D1F5C125-7E02-4011-BCEC-81CD70A75F1F}"/>
               </a:ext>
             </a:extLst>
           </p:cNvPr>
@@ -6842,7 +6842,7 @@
           <p:cNvPr id="10" name="Szövegdoboz 9">
             <a:extLst>
               <a:ext uri="{FF2B5EF4-FFF2-40B4-BE49-F238E27FC236}">
-                <a16:creationId xmlns:a16="http://schemas.microsoft.com/office/drawing/2014/main" id="{7DE14610-1C8E-44BD-9791-DC90997EFD19}"/>
+                <a16:creationId xmlns="" xmlns:a16="http://schemas.microsoft.com/office/drawing/2014/main" id="{7DE14610-1C8E-44BD-9791-DC90997EFD19}"/>
               </a:ext>
             </a:extLst>
           </p:cNvPr>
@@ -6965,7 +6965,7 @@
           <p:cNvPr id="12" name="Kép 11">
             <a:extLst>
               <a:ext uri="{FF2B5EF4-FFF2-40B4-BE49-F238E27FC236}">
-                <a16:creationId xmlns:a16="http://schemas.microsoft.com/office/drawing/2014/main" id="{0E32AD6C-994D-41F9-AC69-B65A18997642}"/>
+                <a16:creationId xmlns="" xmlns:a16="http://schemas.microsoft.com/office/drawing/2014/main" id="{0E32AD6C-994D-41F9-AC69-B65A18997642}"/>
               </a:ext>
             </a:extLst>
           </p:cNvPr>
@@ -7031,7 +7031,7 @@
           <p:cNvPr id="4" name="Szövegdoboz 3">
             <a:extLst>
               <a:ext uri="{FF2B5EF4-FFF2-40B4-BE49-F238E27FC236}">
-                <a16:creationId xmlns:a16="http://schemas.microsoft.com/office/drawing/2014/main" id="{EB1C451C-D53A-4303-B73A-13B738AC7A72}"/>
+                <a16:creationId xmlns="" xmlns:a16="http://schemas.microsoft.com/office/drawing/2014/main" id="{EB1C451C-D53A-4303-B73A-13B738AC7A72}"/>
               </a:ext>
             </a:extLst>
           </p:cNvPr>
@@ -7089,7 +7089,7 @@
           <p:cNvPr id="5" name="Téglalap 4">
             <a:extLst>
               <a:ext uri="{FF2B5EF4-FFF2-40B4-BE49-F238E27FC236}">
-                <a16:creationId xmlns:a16="http://schemas.microsoft.com/office/drawing/2014/main" id="{6813BE4B-7BDD-4CC6-B4A0-2D6966E3D6DF}"/>
+                <a16:creationId xmlns="" xmlns:a16="http://schemas.microsoft.com/office/drawing/2014/main" id="{6813BE4B-7BDD-4CC6-B4A0-2D6966E3D6DF}"/>
               </a:ext>
             </a:extLst>
           </p:cNvPr>
@@ -7141,7 +7141,7 @@
           <p:cNvPr id="6" name="Ábra 5">
             <a:extLst>
               <a:ext uri="{FF2B5EF4-FFF2-40B4-BE49-F238E27FC236}">
-                <a16:creationId xmlns:a16="http://schemas.microsoft.com/office/drawing/2014/main" id="{91AD7EB3-B557-4BC8-88DC-C0B9069197F7}"/>
+                <a16:creationId xmlns="" xmlns:a16="http://schemas.microsoft.com/office/drawing/2014/main" id="{91AD7EB3-B557-4BC8-88DC-C0B9069197F7}"/>
               </a:ext>
             </a:extLst>
           </p:cNvPr>
@@ -7157,7 +7157,7 @@
                 <a14:useLocalDpi xmlns:a14="http://schemas.microsoft.com/office/drawing/2010/main" val="0"/>
               </a:ext>
               <a:ext uri="{96DAC541-7B7A-43D3-8B79-37D633B846F1}">
-                <asvg:svgBlip xmlns:asvg="http://schemas.microsoft.com/office/drawing/2016/SVG/main" r:embed="rId3"/>
+                <asvg:svgBlip xmlns="" xmlns:asvg="http://schemas.microsoft.com/office/drawing/2016/SVG/main" r:embed="rId3"/>
               </a:ext>
             </a:extLst>
           </a:blip>
@@ -7180,7 +7180,7 @@
           <p:cNvPr id="7" name="Kép 6">
             <a:extLst>
               <a:ext uri="{FF2B5EF4-FFF2-40B4-BE49-F238E27FC236}">
-                <a16:creationId xmlns:a16="http://schemas.microsoft.com/office/drawing/2014/main" id="{2C7B6D79-87C0-42FB-9C1B-A0E393FC20BD}"/>
+                <a16:creationId xmlns="" xmlns:a16="http://schemas.microsoft.com/office/drawing/2014/main" id="{2C7B6D79-87C0-42FB-9C1B-A0E393FC20BD}"/>
               </a:ext>
             </a:extLst>
           </p:cNvPr>
@@ -7216,7 +7216,7 @@
           <p:cNvPr id="8" name="Szövegdoboz 7">
             <a:extLst>
               <a:ext uri="{FF2B5EF4-FFF2-40B4-BE49-F238E27FC236}">
-                <a16:creationId xmlns:a16="http://schemas.microsoft.com/office/drawing/2014/main" id="{29A7ECC6-33AA-43D9-B05E-F67CDAC7B655}"/>
+                <a16:creationId xmlns="" xmlns:a16="http://schemas.microsoft.com/office/drawing/2014/main" id="{29A7ECC6-33AA-43D9-B05E-F67CDAC7B655}"/>
               </a:ext>
             </a:extLst>
           </p:cNvPr>
@@ -7581,6 +7581,12 @@
               </a:rPr>
               <a:t> -e \</a:t>
             </a:r>
+            <a:r>
+              <a:rPr lang="hu-HU" sz="1400" dirty="0">
+                <a:latin typeface="Consolas" panose="020B0609020204030204" pitchFamily="49" charset="0"/>
+              </a:rPr>
+              <a:t/>
+            </a:r>
             <a:br>
               <a:rPr lang="hu-HU" sz="1400" dirty="0">
                 <a:latin typeface="Consolas" panose="020B0609020204030204" pitchFamily="49" charset="0"/>
@@ -7636,6 +7642,12 @@
               </a:rPr>
               <a:t> \</a:t>
             </a:r>
+            <a:r>
+              <a:rPr lang="hu-HU" sz="1400" dirty="0">
+                <a:latin typeface="Consolas" panose="020B0609020204030204" pitchFamily="49" charset="0"/>
+              </a:rPr>
+              <a:t/>
+            </a:r>
             <a:br>
               <a:rPr lang="hu-HU" sz="1400" dirty="0">
                 <a:latin typeface="Consolas" panose="020B0609020204030204" pitchFamily="49" charset="0"/>
@@ -7670,6 +7682,12 @@
                 <a:latin typeface="Consolas" panose="020B0609020204030204" pitchFamily="49" charset="0"/>
               </a:rPr>
               <a:t>=['localhost:9200'] \</a:t>
+            </a:r>
+            <a:r>
+              <a:rPr lang="hu-HU" sz="1400" dirty="0">
+                <a:latin typeface="Consolas" panose="020B0609020204030204" pitchFamily="49" charset="0"/>
+              </a:rPr>
+              <a:t/>
             </a:r>
             <a:br>
               <a:rPr lang="hu-HU" sz="1400" dirty="0">
@@ -7718,7 +7736,7 @@
           <p:cNvPr id="11" name="Szövegdoboz 10">
             <a:extLst>
               <a:ext uri="{FF2B5EF4-FFF2-40B4-BE49-F238E27FC236}">
-                <a16:creationId xmlns:a16="http://schemas.microsoft.com/office/drawing/2014/main" id="{72F491C5-0D91-4A99-9E0D-F20089F18A11}"/>
+                <a16:creationId xmlns="" xmlns:a16="http://schemas.microsoft.com/office/drawing/2014/main" id="{72F491C5-0D91-4A99-9E0D-F20089F18A11}"/>
               </a:ext>
             </a:extLst>
           </p:cNvPr>
@@ -7767,7 +7785,7 @@
           <p:cNvPr id="15" name="Szövegdoboz 14">
             <a:extLst>
               <a:ext uri="{FF2B5EF4-FFF2-40B4-BE49-F238E27FC236}">
-                <a16:creationId xmlns:a16="http://schemas.microsoft.com/office/drawing/2014/main" id="{E86DE464-7E66-475D-B22B-BDDD15FFBA53}"/>
+                <a16:creationId xmlns="" xmlns:a16="http://schemas.microsoft.com/office/drawing/2014/main" id="{E86DE464-7E66-475D-B22B-BDDD15FFBA53}"/>
               </a:ext>
             </a:extLst>
           </p:cNvPr>
@@ -7834,7 +7852,7 @@
           <p:cNvPr id="4" name="Téglalap 3">
             <a:extLst>
               <a:ext uri="{FF2B5EF4-FFF2-40B4-BE49-F238E27FC236}">
-                <a16:creationId xmlns:a16="http://schemas.microsoft.com/office/drawing/2014/main" id="{A2C7BB2A-A50F-47CB-AB3E-AE6C4FF53DEE}"/>
+                <a16:creationId xmlns="" xmlns:a16="http://schemas.microsoft.com/office/drawing/2014/main" id="{A2C7BB2A-A50F-47CB-AB3E-AE6C4FF53DEE}"/>
               </a:ext>
             </a:extLst>
           </p:cNvPr>
@@ -7886,7 +7904,7 @@
           <p:cNvPr id="5" name="Ábra 4">
             <a:extLst>
               <a:ext uri="{FF2B5EF4-FFF2-40B4-BE49-F238E27FC236}">
-                <a16:creationId xmlns:a16="http://schemas.microsoft.com/office/drawing/2014/main" id="{CF166C1C-80BD-4665-9CE3-AFB5AE9CDD74}"/>
+                <a16:creationId xmlns="" xmlns:a16="http://schemas.microsoft.com/office/drawing/2014/main" id="{CF166C1C-80BD-4665-9CE3-AFB5AE9CDD74}"/>
               </a:ext>
             </a:extLst>
           </p:cNvPr>
@@ -7902,7 +7920,7 @@
                 <a14:useLocalDpi xmlns:a14="http://schemas.microsoft.com/office/drawing/2010/main" val="0"/>
               </a:ext>
               <a:ext uri="{96DAC541-7B7A-43D3-8B79-37D633B846F1}">
-                <asvg:svgBlip xmlns:asvg="http://schemas.microsoft.com/office/drawing/2016/SVG/main" r:embed="rId3"/>
+                <asvg:svgBlip xmlns="" xmlns:asvg="http://schemas.microsoft.com/office/drawing/2016/SVG/main" r:embed="rId3"/>
               </a:ext>
             </a:extLst>
           </a:blip>
@@ -7925,7 +7943,7 @@
           <p:cNvPr id="6" name="Kép 5">
             <a:extLst>
               <a:ext uri="{FF2B5EF4-FFF2-40B4-BE49-F238E27FC236}">
-                <a16:creationId xmlns:a16="http://schemas.microsoft.com/office/drawing/2014/main" id="{7FE9E31C-3444-435C-97D5-CB7DBA222984}"/>
+                <a16:creationId xmlns="" xmlns:a16="http://schemas.microsoft.com/office/drawing/2014/main" id="{7FE9E31C-3444-435C-97D5-CB7DBA222984}"/>
               </a:ext>
             </a:extLst>
           </p:cNvPr>
@@ -7961,7 +7979,7 @@
           <p:cNvPr id="7" name="Szövegdoboz 6">
             <a:extLst>
               <a:ext uri="{FF2B5EF4-FFF2-40B4-BE49-F238E27FC236}">
-                <a16:creationId xmlns:a16="http://schemas.microsoft.com/office/drawing/2014/main" id="{089A8824-10DF-4AC9-B95C-6F58F44FD8E3}"/>
+                <a16:creationId xmlns="" xmlns:a16="http://schemas.microsoft.com/office/drawing/2014/main" id="{089A8824-10DF-4AC9-B95C-6F58F44FD8E3}"/>
               </a:ext>
             </a:extLst>
           </p:cNvPr>
@@ -8016,7 +8034,7 @@
           <p:cNvPr id="9" name="Kép 8" descr="A képen szöveg látható&#10;&#10;Automatikusan generált leírás">
             <a:extLst>
               <a:ext uri="{FF2B5EF4-FFF2-40B4-BE49-F238E27FC236}">
-                <a16:creationId xmlns:a16="http://schemas.microsoft.com/office/drawing/2014/main" id="{AB861D96-9093-4447-BBC3-8290E850F7D3}"/>
+                <a16:creationId xmlns="" xmlns:a16="http://schemas.microsoft.com/office/drawing/2014/main" id="{AB861D96-9093-4447-BBC3-8290E850F7D3}"/>
               </a:ext>
             </a:extLst>
           </p:cNvPr>
@@ -8082,7 +8100,7 @@
           <p:cNvPr id="4" name="Téglalap 3">
             <a:extLst>
               <a:ext uri="{FF2B5EF4-FFF2-40B4-BE49-F238E27FC236}">
-                <a16:creationId xmlns:a16="http://schemas.microsoft.com/office/drawing/2014/main" id="{78525340-6B7A-4D40-A00C-AE30EF51CBBB}"/>
+                <a16:creationId xmlns="" xmlns:a16="http://schemas.microsoft.com/office/drawing/2014/main" id="{78525340-6B7A-4D40-A00C-AE30EF51CBBB}"/>
               </a:ext>
             </a:extLst>
           </p:cNvPr>
@@ -8134,7 +8152,7 @@
           <p:cNvPr id="5" name="Ábra 4">
             <a:extLst>
               <a:ext uri="{FF2B5EF4-FFF2-40B4-BE49-F238E27FC236}">
-                <a16:creationId xmlns:a16="http://schemas.microsoft.com/office/drawing/2014/main" id="{4FBEBAD1-D318-4E59-9A68-B95CA4E82989}"/>
+                <a16:creationId xmlns="" xmlns:a16="http://schemas.microsoft.com/office/drawing/2014/main" id="{4FBEBAD1-D318-4E59-9A68-B95CA4E82989}"/>
               </a:ext>
             </a:extLst>
           </p:cNvPr>
@@ -8150,7 +8168,7 @@
                 <a14:useLocalDpi xmlns:a14="http://schemas.microsoft.com/office/drawing/2010/main" val="0"/>
               </a:ext>
               <a:ext uri="{96DAC541-7B7A-43D3-8B79-37D633B846F1}">
-                <asvg:svgBlip xmlns:asvg="http://schemas.microsoft.com/office/drawing/2016/SVG/main" r:embed="rId3"/>
+                <asvg:svgBlip xmlns="" xmlns:asvg="http://schemas.microsoft.com/office/drawing/2016/SVG/main" r:embed="rId3"/>
               </a:ext>
             </a:extLst>
           </a:blip>
@@ -8173,7 +8191,7 @@
           <p:cNvPr id="6" name="Kép 5">
             <a:extLst>
               <a:ext uri="{FF2B5EF4-FFF2-40B4-BE49-F238E27FC236}">
-                <a16:creationId xmlns:a16="http://schemas.microsoft.com/office/drawing/2014/main" id="{8AA4441F-C5B5-4B3F-89AD-4F4566A68AC6}"/>
+                <a16:creationId xmlns="" xmlns:a16="http://schemas.microsoft.com/office/drawing/2014/main" id="{8AA4441F-C5B5-4B3F-89AD-4F4566A68AC6}"/>
               </a:ext>
             </a:extLst>
           </p:cNvPr>
@@ -8209,7 +8227,7 @@
           <p:cNvPr id="7" name="Szövegdoboz 6">
             <a:extLst>
               <a:ext uri="{FF2B5EF4-FFF2-40B4-BE49-F238E27FC236}">
-                <a16:creationId xmlns:a16="http://schemas.microsoft.com/office/drawing/2014/main" id="{76D387F9-168D-4D3D-AF6B-8820F7A04B7C}"/>
+                <a16:creationId xmlns="" xmlns:a16="http://schemas.microsoft.com/office/drawing/2014/main" id="{76D387F9-168D-4D3D-AF6B-8820F7A04B7C}"/>
               </a:ext>
             </a:extLst>
           </p:cNvPr>
@@ -8275,7 +8293,7 @@
           <p:cNvPr id="8" name="Szövegdoboz 7">
             <a:extLst>
               <a:ext uri="{FF2B5EF4-FFF2-40B4-BE49-F238E27FC236}">
-                <a16:creationId xmlns:a16="http://schemas.microsoft.com/office/drawing/2014/main" id="{E11ADEE5-4A7D-42BF-A234-E54D3C47B81D}"/>
+                <a16:creationId xmlns="" xmlns:a16="http://schemas.microsoft.com/office/drawing/2014/main" id="{E11ADEE5-4A7D-42BF-A234-E54D3C47B81D}"/>
               </a:ext>
             </a:extLst>
           </p:cNvPr>
@@ -8474,7 +8492,7 @@
           <p:cNvPr id="16" name="Szövegdoboz 15">
             <a:extLst>
               <a:ext uri="{FF2B5EF4-FFF2-40B4-BE49-F238E27FC236}">
-                <a16:creationId xmlns:a16="http://schemas.microsoft.com/office/drawing/2014/main" id="{C37A4C15-5023-44CE-AD0C-D8BE67AD6193}"/>
+                <a16:creationId xmlns="" xmlns:a16="http://schemas.microsoft.com/office/drawing/2014/main" id="{C37A4C15-5023-44CE-AD0C-D8BE67AD6193}"/>
               </a:ext>
             </a:extLst>
           </p:cNvPr>
@@ -9073,7 +9091,7 @@
           <p:cNvPr id="4" name="Ábra 3">
             <a:extLst>
               <a:ext uri="{FF2B5EF4-FFF2-40B4-BE49-F238E27FC236}">
-                <a16:creationId xmlns:a16="http://schemas.microsoft.com/office/drawing/2014/main" id="{31B9E41E-7304-4A1A-BC30-3E2864ABD6F7}"/>
+                <a16:creationId xmlns="" xmlns:a16="http://schemas.microsoft.com/office/drawing/2014/main" id="{31B9E41E-7304-4A1A-BC30-3E2864ABD6F7}"/>
               </a:ext>
             </a:extLst>
           </p:cNvPr>
@@ -9089,7 +9107,7 @@
                 <a14:useLocalDpi xmlns:a14="http://schemas.microsoft.com/office/drawing/2010/main" val="0"/>
               </a:ext>
               <a:ext uri="{96DAC541-7B7A-43D3-8B79-37D633B846F1}">
-                <asvg:svgBlip xmlns:asvg="http://schemas.microsoft.com/office/drawing/2016/SVG/main" r:embed="rId3"/>
+                <asvg:svgBlip xmlns="" xmlns:asvg="http://schemas.microsoft.com/office/drawing/2016/SVG/main" r:embed="rId3"/>
               </a:ext>
             </a:extLst>
           </a:blip>
@@ -9112,7 +9130,7 @@
           <p:cNvPr id="5" name="Kép 4">
             <a:extLst>
               <a:ext uri="{FF2B5EF4-FFF2-40B4-BE49-F238E27FC236}">
-                <a16:creationId xmlns:a16="http://schemas.microsoft.com/office/drawing/2014/main" id="{29D73E69-59B5-490A-B76B-530A01E22534}"/>
+                <a16:creationId xmlns="" xmlns:a16="http://schemas.microsoft.com/office/drawing/2014/main" id="{29D73E69-59B5-490A-B76B-530A01E22534}"/>
               </a:ext>
             </a:extLst>
           </p:cNvPr>
@@ -9148,7 +9166,7 @@
           <p:cNvPr id="6" name="Téglalap 5">
             <a:extLst>
               <a:ext uri="{FF2B5EF4-FFF2-40B4-BE49-F238E27FC236}">
-                <a16:creationId xmlns:a16="http://schemas.microsoft.com/office/drawing/2014/main" id="{E068F1BD-7F15-4737-9967-36B2D1750584}"/>
+                <a16:creationId xmlns="" xmlns:a16="http://schemas.microsoft.com/office/drawing/2014/main" id="{E068F1BD-7F15-4737-9967-36B2D1750584}"/>
               </a:ext>
             </a:extLst>
           </p:cNvPr>
@@ -9200,7 +9218,7 @@
           <p:cNvPr id="7" name="Szövegdoboz 6">
             <a:extLst>
               <a:ext uri="{FF2B5EF4-FFF2-40B4-BE49-F238E27FC236}">
-                <a16:creationId xmlns:a16="http://schemas.microsoft.com/office/drawing/2014/main" id="{7E7913CF-B31C-474A-9F71-B5D6B7D5978B}"/>
+                <a16:creationId xmlns="" xmlns:a16="http://schemas.microsoft.com/office/drawing/2014/main" id="{7E7913CF-B31C-474A-9F71-B5D6B7D5978B}"/>
               </a:ext>
             </a:extLst>
           </p:cNvPr>
@@ -9266,7 +9284,7 @@
           <p:cNvPr id="9" name="Kép 8" descr="A képen szöveg, képernyőkép, dokumentum látható&#10;&#10;Automatikusan generált leírás">
             <a:extLst>
               <a:ext uri="{FF2B5EF4-FFF2-40B4-BE49-F238E27FC236}">
-                <a16:creationId xmlns:a16="http://schemas.microsoft.com/office/drawing/2014/main" id="{7C218E30-2EE8-4D8C-80CB-60AFDC139941}"/>
+                <a16:creationId xmlns="" xmlns:a16="http://schemas.microsoft.com/office/drawing/2014/main" id="{7C218E30-2EE8-4D8C-80CB-60AFDC139941}"/>
               </a:ext>
             </a:extLst>
           </p:cNvPr>
@@ -9332,7 +9350,7 @@
           <p:cNvPr id="4" name="Téglalap 3">
             <a:extLst>
               <a:ext uri="{FF2B5EF4-FFF2-40B4-BE49-F238E27FC236}">
-                <a16:creationId xmlns:a16="http://schemas.microsoft.com/office/drawing/2014/main" id="{554FD794-3583-4004-956C-516A8220E427}"/>
+                <a16:creationId xmlns="" xmlns:a16="http://schemas.microsoft.com/office/drawing/2014/main" id="{554FD794-3583-4004-956C-516A8220E427}"/>
               </a:ext>
             </a:extLst>
           </p:cNvPr>
@@ -9384,7 +9402,7 @@
           <p:cNvPr id="5" name="Kép 4">
             <a:extLst>
               <a:ext uri="{FF2B5EF4-FFF2-40B4-BE49-F238E27FC236}">
-                <a16:creationId xmlns:a16="http://schemas.microsoft.com/office/drawing/2014/main" id="{8FC2DFD2-2630-400B-97D0-F76354A684C4}"/>
+                <a16:creationId xmlns="" xmlns:a16="http://schemas.microsoft.com/office/drawing/2014/main" id="{8FC2DFD2-2630-400B-97D0-F76354A684C4}"/>
               </a:ext>
             </a:extLst>
           </p:cNvPr>
@@ -9420,7 +9438,7 @@
           <p:cNvPr id="6" name="Ábra 5">
             <a:extLst>
               <a:ext uri="{FF2B5EF4-FFF2-40B4-BE49-F238E27FC236}">
-                <a16:creationId xmlns:a16="http://schemas.microsoft.com/office/drawing/2014/main" id="{C9A140CE-AE78-45FD-948A-F1F82A316E59}"/>
+                <a16:creationId xmlns="" xmlns:a16="http://schemas.microsoft.com/office/drawing/2014/main" id="{C9A140CE-AE78-45FD-948A-F1F82A316E59}"/>
               </a:ext>
             </a:extLst>
           </p:cNvPr>
@@ -9436,7 +9454,7 @@
                 <a14:useLocalDpi xmlns:a14="http://schemas.microsoft.com/office/drawing/2010/main" val="0"/>
               </a:ext>
               <a:ext uri="{96DAC541-7B7A-43D3-8B79-37D633B846F1}">
-                <asvg:svgBlip xmlns:asvg="http://schemas.microsoft.com/office/drawing/2016/SVG/main" r:embed="rId4"/>
+                <asvg:svgBlip xmlns="" xmlns:asvg="http://schemas.microsoft.com/office/drawing/2016/SVG/main" r:embed="rId4"/>
               </a:ext>
             </a:extLst>
           </a:blip>
@@ -9459,7 +9477,7 @@
           <p:cNvPr id="7" name="Szövegdoboz 6">
             <a:extLst>
               <a:ext uri="{FF2B5EF4-FFF2-40B4-BE49-F238E27FC236}">
-                <a16:creationId xmlns:a16="http://schemas.microsoft.com/office/drawing/2014/main" id="{71EB8536-C730-4872-A904-CC9A602141E1}"/>
+                <a16:creationId xmlns="" xmlns:a16="http://schemas.microsoft.com/office/drawing/2014/main" id="{71EB8536-C730-4872-A904-CC9A602141E1}"/>
               </a:ext>
             </a:extLst>
           </p:cNvPr>
@@ -9517,7 +9535,7 @@
           <p:cNvPr id="9" name="Kép 8" descr="A képen szöveg látható&#10;&#10;Automatikusan generált leírás">
             <a:extLst>
               <a:ext uri="{FF2B5EF4-FFF2-40B4-BE49-F238E27FC236}">
-                <a16:creationId xmlns:a16="http://schemas.microsoft.com/office/drawing/2014/main" id="{83A13FFE-A5D1-42DA-AD70-DF4974DB06FF}"/>
+                <a16:creationId xmlns="" xmlns:a16="http://schemas.microsoft.com/office/drawing/2014/main" id="{83A13FFE-A5D1-42DA-AD70-DF4974DB06FF}"/>
               </a:ext>
             </a:extLst>
           </p:cNvPr>
@@ -9553,7 +9571,7 @@
           <p:cNvPr id="11" name="Kép 10">
             <a:extLst>
               <a:ext uri="{FF2B5EF4-FFF2-40B4-BE49-F238E27FC236}">
-                <a16:creationId xmlns:a16="http://schemas.microsoft.com/office/drawing/2014/main" id="{9551A0EF-30AA-41A5-A14A-04393B62CA99}"/>
+                <a16:creationId xmlns="" xmlns:a16="http://schemas.microsoft.com/office/drawing/2014/main" id="{9551A0EF-30AA-41A5-A14A-04393B62CA99}"/>
               </a:ext>
             </a:extLst>
           </p:cNvPr>
@@ -9619,7 +9637,7 @@
           <p:cNvPr id="4" name="Téglalap 3">
             <a:extLst>
               <a:ext uri="{FF2B5EF4-FFF2-40B4-BE49-F238E27FC236}">
-                <a16:creationId xmlns:a16="http://schemas.microsoft.com/office/drawing/2014/main" id="{48DBA02F-B6EC-48A8-AC85-B71A2EC1781B}"/>
+                <a16:creationId xmlns="" xmlns:a16="http://schemas.microsoft.com/office/drawing/2014/main" id="{48DBA02F-B6EC-48A8-AC85-B71A2EC1781B}"/>
               </a:ext>
             </a:extLst>
           </p:cNvPr>
@@ -9671,7 +9689,7 @@
           <p:cNvPr id="5" name="Szövegdoboz 4">
             <a:extLst>
               <a:ext uri="{FF2B5EF4-FFF2-40B4-BE49-F238E27FC236}">
-                <a16:creationId xmlns:a16="http://schemas.microsoft.com/office/drawing/2014/main" id="{DFF6D5BF-7E71-423A-9525-208E382710DC}"/>
+                <a16:creationId xmlns="" xmlns:a16="http://schemas.microsoft.com/office/drawing/2014/main" id="{DFF6D5BF-7E71-423A-9525-208E382710DC}"/>
               </a:ext>
             </a:extLst>
           </p:cNvPr>
@@ -9711,7 +9729,7 @@
           <p:cNvPr id="7" name="Szövegdoboz 6">
             <a:extLst>
               <a:ext uri="{FF2B5EF4-FFF2-40B4-BE49-F238E27FC236}">
-                <a16:creationId xmlns:a16="http://schemas.microsoft.com/office/drawing/2014/main" id="{7043BF47-92DF-4BA1-B102-0F6418F6D0E2}"/>
+                <a16:creationId xmlns="" xmlns:a16="http://schemas.microsoft.com/office/drawing/2014/main" id="{7043BF47-92DF-4BA1-B102-0F6418F6D0E2}"/>
               </a:ext>
             </a:extLst>
           </p:cNvPr>
@@ -9748,7 +9766,7 @@
           <p:cNvPr id="8" name="Szövegdoboz 7">
             <a:extLst>
               <a:ext uri="{FF2B5EF4-FFF2-40B4-BE49-F238E27FC236}">
-                <a16:creationId xmlns:a16="http://schemas.microsoft.com/office/drawing/2014/main" id="{3EAC3FA6-A5D2-4247-8630-FD51FC40F39A}"/>
+                <a16:creationId xmlns="" xmlns:a16="http://schemas.microsoft.com/office/drawing/2014/main" id="{3EAC3FA6-A5D2-4247-8630-FD51FC40F39A}"/>
               </a:ext>
             </a:extLst>
           </p:cNvPr>
@@ -9825,7 +9843,7 @@
           <p:cNvPr id="9" name="Szövegdoboz 8">
             <a:extLst>
               <a:ext uri="{FF2B5EF4-FFF2-40B4-BE49-F238E27FC236}">
-                <a16:creationId xmlns:a16="http://schemas.microsoft.com/office/drawing/2014/main" id="{DA2757C3-B57F-403B-8137-6811F884F535}"/>
+                <a16:creationId xmlns="" xmlns:a16="http://schemas.microsoft.com/office/drawing/2014/main" id="{DA2757C3-B57F-403B-8137-6811F884F535}"/>
               </a:ext>
             </a:extLst>
           </p:cNvPr>
@@ -9862,7 +9880,7 @@
           <p:cNvPr id="11" name="Kép 10">
             <a:extLst>
               <a:ext uri="{FF2B5EF4-FFF2-40B4-BE49-F238E27FC236}">
-                <a16:creationId xmlns:a16="http://schemas.microsoft.com/office/drawing/2014/main" id="{3FD2B1FC-20E8-465A-B655-7BC6F205E0D4}"/>
+                <a16:creationId xmlns="" xmlns:a16="http://schemas.microsoft.com/office/drawing/2014/main" id="{3FD2B1FC-20E8-465A-B655-7BC6F205E0D4}"/>
               </a:ext>
             </a:extLst>
           </p:cNvPr>
@@ -9898,7 +9916,7 @@
           <p:cNvPr id="12" name="Ábra 11">
             <a:extLst>
               <a:ext uri="{FF2B5EF4-FFF2-40B4-BE49-F238E27FC236}">
-                <a16:creationId xmlns:a16="http://schemas.microsoft.com/office/drawing/2014/main" id="{8E50F4D6-D943-4C6D-AA11-D1D7187BD47B}"/>
+                <a16:creationId xmlns="" xmlns:a16="http://schemas.microsoft.com/office/drawing/2014/main" id="{8E50F4D6-D943-4C6D-AA11-D1D7187BD47B}"/>
               </a:ext>
             </a:extLst>
           </p:cNvPr>
@@ -9914,7 +9932,7 @@
                 <a14:useLocalDpi xmlns:a14="http://schemas.microsoft.com/office/drawing/2010/main" val="0"/>
               </a:ext>
               <a:ext uri="{96DAC541-7B7A-43D3-8B79-37D633B846F1}">
-                <asvg:svgBlip xmlns:asvg="http://schemas.microsoft.com/office/drawing/2016/SVG/main" r:embed="rId4"/>
+                <asvg:svgBlip xmlns="" xmlns:asvg="http://schemas.microsoft.com/office/drawing/2016/SVG/main" r:embed="rId4"/>
               </a:ext>
             </a:extLst>
           </a:blip>
@@ -9937,7 +9955,7 @@
           <p:cNvPr id="14" name="Szövegdoboz 13">
             <a:extLst>
               <a:ext uri="{FF2B5EF4-FFF2-40B4-BE49-F238E27FC236}">
-                <a16:creationId xmlns:a16="http://schemas.microsoft.com/office/drawing/2014/main" id="{1D74E28A-8624-4188-BCF4-14AE360BDE5A}"/>
+                <a16:creationId xmlns="" xmlns:a16="http://schemas.microsoft.com/office/drawing/2014/main" id="{1D74E28A-8624-4188-BCF4-14AE360BDE5A}"/>
               </a:ext>
             </a:extLst>
           </p:cNvPr>
@@ -10131,7 +10149,7 @@
           <p:cNvPr id="5" name="Téglalap 4">
             <a:extLst>
               <a:ext uri="{FF2B5EF4-FFF2-40B4-BE49-F238E27FC236}">
-                <a16:creationId xmlns:a16="http://schemas.microsoft.com/office/drawing/2014/main" id="{9CA26A1C-2AE4-4715-BDE4-2908B2BEA97A}"/>
+                <a16:creationId xmlns="" xmlns:a16="http://schemas.microsoft.com/office/drawing/2014/main" id="{9CA26A1C-2AE4-4715-BDE4-2908B2BEA97A}"/>
               </a:ext>
             </a:extLst>
           </p:cNvPr>
@@ -10183,7 +10201,7 @@
           <p:cNvPr id="6" name="Ábra 5">
             <a:extLst>
               <a:ext uri="{FF2B5EF4-FFF2-40B4-BE49-F238E27FC236}">
-                <a16:creationId xmlns:a16="http://schemas.microsoft.com/office/drawing/2014/main" id="{752E1006-4091-44C8-A41C-C50F5E3327C8}"/>
+                <a16:creationId xmlns="" xmlns:a16="http://schemas.microsoft.com/office/drawing/2014/main" id="{752E1006-4091-44C8-A41C-C50F5E3327C8}"/>
               </a:ext>
             </a:extLst>
           </p:cNvPr>
@@ -10199,7 +10217,7 @@
                 <a14:useLocalDpi xmlns:a14="http://schemas.microsoft.com/office/drawing/2010/main" val="0"/>
               </a:ext>
               <a:ext uri="{96DAC541-7B7A-43D3-8B79-37D633B846F1}">
-                <asvg:svgBlip xmlns:asvg="http://schemas.microsoft.com/office/drawing/2016/SVG/main" r:embed="rId3"/>
+                <asvg:svgBlip xmlns="" xmlns:asvg="http://schemas.microsoft.com/office/drawing/2016/SVG/main" r:embed="rId3"/>
               </a:ext>
             </a:extLst>
           </a:blip>
@@ -10222,7 +10240,7 @@
           <p:cNvPr id="7" name="Kép 6">
             <a:extLst>
               <a:ext uri="{FF2B5EF4-FFF2-40B4-BE49-F238E27FC236}">
-                <a16:creationId xmlns:a16="http://schemas.microsoft.com/office/drawing/2014/main" id="{0F512247-75D6-431E-B0F6-A5189892A8D2}"/>
+                <a16:creationId xmlns="" xmlns:a16="http://schemas.microsoft.com/office/drawing/2014/main" id="{0F512247-75D6-431E-B0F6-A5189892A8D2}"/>
               </a:ext>
             </a:extLst>
           </p:cNvPr>
@@ -10258,7 +10276,7 @@
           <p:cNvPr id="8" name="Szövegdoboz 7">
             <a:extLst>
               <a:ext uri="{FF2B5EF4-FFF2-40B4-BE49-F238E27FC236}">
-                <a16:creationId xmlns:a16="http://schemas.microsoft.com/office/drawing/2014/main" id="{7E7913CF-B31C-474A-9F71-B5D6B7D5978B}"/>
+                <a16:creationId xmlns="" xmlns:a16="http://schemas.microsoft.com/office/drawing/2014/main" id="{7E7913CF-B31C-474A-9F71-B5D6B7D5978B}"/>
               </a:ext>
             </a:extLst>
           </p:cNvPr>
@@ -10516,7 +10534,7 @@
           <p:cNvPr id="5" name="Téglalap 4">
             <a:extLst>
               <a:ext uri="{FF2B5EF4-FFF2-40B4-BE49-F238E27FC236}">
-                <a16:creationId xmlns:a16="http://schemas.microsoft.com/office/drawing/2014/main" id="{9CA26A1C-2AE4-4715-BDE4-2908B2BEA97A}"/>
+                <a16:creationId xmlns="" xmlns:a16="http://schemas.microsoft.com/office/drawing/2014/main" id="{9CA26A1C-2AE4-4715-BDE4-2908B2BEA97A}"/>
               </a:ext>
             </a:extLst>
           </p:cNvPr>
@@ -10568,7 +10586,7 @@
           <p:cNvPr id="6" name="Ábra 5">
             <a:extLst>
               <a:ext uri="{FF2B5EF4-FFF2-40B4-BE49-F238E27FC236}">
-                <a16:creationId xmlns:a16="http://schemas.microsoft.com/office/drawing/2014/main" id="{752E1006-4091-44C8-A41C-C50F5E3327C8}"/>
+                <a16:creationId xmlns="" xmlns:a16="http://schemas.microsoft.com/office/drawing/2014/main" id="{752E1006-4091-44C8-A41C-C50F5E3327C8}"/>
               </a:ext>
             </a:extLst>
           </p:cNvPr>
@@ -10584,7 +10602,7 @@
                 <a14:useLocalDpi xmlns:a14="http://schemas.microsoft.com/office/drawing/2010/main" val="0"/>
               </a:ext>
               <a:ext uri="{96DAC541-7B7A-43D3-8B79-37D633B846F1}">
-                <asvg:svgBlip xmlns:asvg="http://schemas.microsoft.com/office/drawing/2016/SVG/main" r:embed="rId3"/>
+                <asvg:svgBlip xmlns="" xmlns:asvg="http://schemas.microsoft.com/office/drawing/2016/SVG/main" r:embed="rId3"/>
               </a:ext>
             </a:extLst>
           </a:blip>
@@ -10607,7 +10625,7 @@
           <p:cNvPr id="7" name="Kép 6">
             <a:extLst>
               <a:ext uri="{FF2B5EF4-FFF2-40B4-BE49-F238E27FC236}">
-                <a16:creationId xmlns:a16="http://schemas.microsoft.com/office/drawing/2014/main" id="{0F512247-75D6-431E-B0F6-A5189892A8D2}"/>
+                <a16:creationId xmlns="" xmlns:a16="http://schemas.microsoft.com/office/drawing/2014/main" id="{0F512247-75D6-431E-B0F6-A5189892A8D2}"/>
               </a:ext>
             </a:extLst>
           </p:cNvPr>
@@ -10643,7 +10661,7 @@
           <p:cNvPr id="8" name="Szövegdoboz 7">
             <a:extLst>
               <a:ext uri="{FF2B5EF4-FFF2-40B4-BE49-F238E27FC236}">
-                <a16:creationId xmlns:a16="http://schemas.microsoft.com/office/drawing/2014/main" id="{7E7913CF-B31C-474A-9F71-B5D6B7D5978B}"/>
+                <a16:creationId xmlns="" xmlns:a16="http://schemas.microsoft.com/office/drawing/2014/main" id="{7E7913CF-B31C-474A-9F71-B5D6B7D5978B}"/>
               </a:ext>
             </a:extLst>
           </p:cNvPr>
@@ -11113,7 +11131,7 @@
           <p:cNvPr id="5" name="Téglalap 4">
             <a:extLst>
               <a:ext uri="{FF2B5EF4-FFF2-40B4-BE49-F238E27FC236}">
-                <a16:creationId xmlns:a16="http://schemas.microsoft.com/office/drawing/2014/main" id="{9CA26A1C-2AE4-4715-BDE4-2908B2BEA97A}"/>
+                <a16:creationId xmlns="" xmlns:a16="http://schemas.microsoft.com/office/drawing/2014/main" id="{9CA26A1C-2AE4-4715-BDE4-2908B2BEA97A}"/>
               </a:ext>
             </a:extLst>
           </p:cNvPr>
@@ -11165,7 +11183,7 @@
           <p:cNvPr id="6" name="Ábra 5">
             <a:extLst>
               <a:ext uri="{FF2B5EF4-FFF2-40B4-BE49-F238E27FC236}">
-                <a16:creationId xmlns:a16="http://schemas.microsoft.com/office/drawing/2014/main" id="{752E1006-4091-44C8-A41C-C50F5E3327C8}"/>
+                <a16:creationId xmlns="" xmlns:a16="http://schemas.microsoft.com/office/drawing/2014/main" id="{752E1006-4091-44C8-A41C-C50F5E3327C8}"/>
               </a:ext>
             </a:extLst>
           </p:cNvPr>
@@ -11181,7 +11199,7 @@
                 <a14:useLocalDpi xmlns:a14="http://schemas.microsoft.com/office/drawing/2010/main" val="0"/>
               </a:ext>
               <a:ext uri="{96DAC541-7B7A-43D3-8B79-37D633B846F1}">
-                <asvg:svgBlip xmlns:asvg="http://schemas.microsoft.com/office/drawing/2016/SVG/main" r:embed="rId3"/>
+                <asvg:svgBlip xmlns="" xmlns:asvg="http://schemas.microsoft.com/office/drawing/2016/SVG/main" r:embed="rId3"/>
               </a:ext>
             </a:extLst>
           </a:blip>
@@ -11204,7 +11222,7 @@
           <p:cNvPr id="7" name="Kép 6">
             <a:extLst>
               <a:ext uri="{FF2B5EF4-FFF2-40B4-BE49-F238E27FC236}">
-                <a16:creationId xmlns:a16="http://schemas.microsoft.com/office/drawing/2014/main" id="{0F512247-75D6-431E-B0F6-A5189892A8D2}"/>
+                <a16:creationId xmlns="" xmlns:a16="http://schemas.microsoft.com/office/drawing/2014/main" id="{0F512247-75D6-431E-B0F6-A5189892A8D2}"/>
               </a:ext>
             </a:extLst>
           </p:cNvPr>
@@ -11240,7 +11258,7 @@
           <p:cNvPr id="8" name="Szövegdoboz 7">
             <a:extLst>
               <a:ext uri="{FF2B5EF4-FFF2-40B4-BE49-F238E27FC236}">
-                <a16:creationId xmlns:a16="http://schemas.microsoft.com/office/drawing/2014/main" id="{7E7913CF-B31C-474A-9F71-B5D6B7D5978B}"/>
+                <a16:creationId xmlns="" xmlns:a16="http://schemas.microsoft.com/office/drawing/2014/main" id="{7E7913CF-B31C-474A-9F71-B5D6B7D5978B}"/>
               </a:ext>
             </a:extLst>
           </p:cNvPr>
@@ -11444,7 +11462,7 @@
           <p:cNvPr id="5" name="Téglalap 4">
             <a:extLst>
               <a:ext uri="{FF2B5EF4-FFF2-40B4-BE49-F238E27FC236}">
-                <a16:creationId xmlns:a16="http://schemas.microsoft.com/office/drawing/2014/main" id="{9CA26A1C-2AE4-4715-BDE4-2908B2BEA97A}"/>
+                <a16:creationId xmlns="" xmlns:a16="http://schemas.microsoft.com/office/drawing/2014/main" id="{9CA26A1C-2AE4-4715-BDE4-2908B2BEA97A}"/>
               </a:ext>
             </a:extLst>
           </p:cNvPr>
@@ -11496,7 +11514,7 @@
           <p:cNvPr id="6" name="Ábra 5">
             <a:extLst>
               <a:ext uri="{FF2B5EF4-FFF2-40B4-BE49-F238E27FC236}">
-                <a16:creationId xmlns:a16="http://schemas.microsoft.com/office/drawing/2014/main" id="{752E1006-4091-44C8-A41C-C50F5E3327C8}"/>
+                <a16:creationId xmlns="" xmlns:a16="http://schemas.microsoft.com/office/drawing/2014/main" id="{752E1006-4091-44C8-A41C-C50F5E3327C8}"/>
               </a:ext>
             </a:extLst>
           </p:cNvPr>
@@ -11512,7 +11530,7 @@
                 <a14:useLocalDpi xmlns:a14="http://schemas.microsoft.com/office/drawing/2010/main" val="0"/>
               </a:ext>
               <a:ext uri="{96DAC541-7B7A-43D3-8B79-37D633B846F1}">
-                <asvg:svgBlip xmlns:asvg="http://schemas.microsoft.com/office/drawing/2016/SVG/main" r:embed="rId3"/>
+                <asvg:svgBlip xmlns="" xmlns:asvg="http://schemas.microsoft.com/office/drawing/2016/SVG/main" r:embed="rId3"/>
               </a:ext>
             </a:extLst>
           </a:blip>
@@ -11535,7 +11553,7 @@
           <p:cNvPr id="7" name="Kép 6">
             <a:extLst>
               <a:ext uri="{FF2B5EF4-FFF2-40B4-BE49-F238E27FC236}">
-                <a16:creationId xmlns:a16="http://schemas.microsoft.com/office/drawing/2014/main" id="{0F512247-75D6-431E-B0F6-A5189892A8D2}"/>
+                <a16:creationId xmlns="" xmlns:a16="http://schemas.microsoft.com/office/drawing/2014/main" id="{0F512247-75D6-431E-B0F6-A5189892A8D2}"/>
               </a:ext>
             </a:extLst>
           </p:cNvPr>
@@ -11571,7 +11589,7 @@
           <p:cNvPr id="8" name="Szövegdoboz 7">
             <a:extLst>
               <a:ext uri="{FF2B5EF4-FFF2-40B4-BE49-F238E27FC236}">
-                <a16:creationId xmlns:a16="http://schemas.microsoft.com/office/drawing/2014/main" id="{7E7913CF-B31C-474A-9F71-B5D6B7D5978B}"/>
+                <a16:creationId xmlns="" xmlns:a16="http://schemas.microsoft.com/office/drawing/2014/main" id="{7E7913CF-B31C-474A-9F71-B5D6B7D5978B}"/>
               </a:ext>
             </a:extLst>
           </p:cNvPr>
@@ -11641,7 +11659,7 @@
           <p:cNvPr id="4" name="Kép 3">
             <a:extLst>
               <a:ext uri="{FF2B5EF4-FFF2-40B4-BE49-F238E27FC236}">
-                <a16:creationId xmlns:a16="http://schemas.microsoft.com/office/drawing/2014/main" id="{F57987BA-F898-46C5-8F9E-0DFA6ED7BC5B}"/>
+                <a16:creationId xmlns="" xmlns:a16="http://schemas.microsoft.com/office/drawing/2014/main" id="{F57987BA-F898-46C5-8F9E-0DFA6ED7BC5B}"/>
               </a:ext>
             </a:extLst>
           </p:cNvPr>
@@ -11677,7 +11695,7 @@
           <p:cNvPr id="12" name="Szövegdoboz 11">
             <a:extLst>
               <a:ext uri="{FF2B5EF4-FFF2-40B4-BE49-F238E27FC236}">
-                <a16:creationId xmlns:a16="http://schemas.microsoft.com/office/drawing/2014/main" id="{0D5A1692-CF4C-4797-9F08-9C971FD25567}"/>
+                <a16:creationId xmlns="" xmlns:a16="http://schemas.microsoft.com/office/drawing/2014/main" id="{0D5A1692-CF4C-4797-9F08-9C971FD25567}"/>
               </a:ext>
             </a:extLst>
           </p:cNvPr>
@@ -11800,7 +11818,7 @@
           <p:cNvPr id="5" name="Téglalap 4">
             <a:extLst>
               <a:ext uri="{FF2B5EF4-FFF2-40B4-BE49-F238E27FC236}">
-                <a16:creationId xmlns:a16="http://schemas.microsoft.com/office/drawing/2014/main" id="{9CA26A1C-2AE4-4715-BDE4-2908B2BEA97A}"/>
+                <a16:creationId xmlns="" xmlns:a16="http://schemas.microsoft.com/office/drawing/2014/main" id="{9CA26A1C-2AE4-4715-BDE4-2908B2BEA97A}"/>
               </a:ext>
             </a:extLst>
           </p:cNvPr>
@@ -11852,7 +11870,7 @@
           <p:cNvPr id="6" name="Ábra 5">
             <a:extLst>
               <a:ext uri="{FF2B5EF4-FFF2-40B4-BE49-F238E27FC236}">
-                <a16:creationId xmlns:a16="http://schemas.microsoft.com/office/drawing/2014/main" id="{752E1006-4091-44C8-A41C-C50F5E3327C8}"/>
+                <a16:creationId xmlns="" xmlns:a16="http://schemas.microsoft.com/office/drawing/2014/main" id="{752E1006-4091-44C8-A41C-C50F5E3327C8}"/>
               </a:ext>
             </a:extLst>
           </p:cNvPr>
@@ -11868,7 +11886,7 @@
                 <a14:useLocalDpi xmlns:a14="http://schemas.microsoft.com/office/drawing/2010/main" val="0"/>
               </a:ext>
               <a:ext uri="{96DAC541-7B7A-43D3-8B79-37D633B846F1}">
-                <asvg:svgBlip xmlns:asvg="http://schemas.microsoft.com/office/drawing/2016/SVG/main" r:embed="rId3"/>
+                <asvg:svgBlip xmlns="" xmlns:asvg="http://schemas.microsoft.com/office/drawing/2016/SVG/main" r:embed="rId3"/>
               </a:ext>
             </a:extLst>
           </a:blip>
@@ -11891,7 +11909,7 @@
           <p:cNvPr id="7" name="Kép 6">
             <a:extLst>
               <a:ext uri="{FF2B5EF4-FFF2-40B4-BE49-F238E27FC236}">
-                <a16:creationId xmlns:a16="http://schemas.microsoft.com/office/drawing/2014/main" id="{0F512247-75D6-431E-B0F6-A5189892A8D2}"/>
+                <a16:creationId xmlns="" xmlns:a16="http://schemas.microsoft.com/office/drawing/2014/main" id="{0F512247-75D6-431E-B0F6-A5189892A8D2}"/>
               </a:ext>
             </a:extLst>
           </p:cNvPr>
@@ -11927,7 +11945,7 @@
           <p:cNvPr id="8" name="Szövegdoboz 7">
             <a:extLst>
               <a:ext uri="{FF2B5EF4-FFF2-40B4-BE49-F238E27FC236}">
-                <a16:creationId xmlns:a16="http://schemas.microsoft.com/office/drawing/2014/main" id="{7E7913CF-B31C-474A-9F71-B5D6B7D5978B}"/>
+                <a16:creationId xmlns="" xmlns:a16="http://schemas.microsoft.com/office/drawing/2014/main" id="{7E7913CF-B31C-474A-9F71-B5D6B7D5978B}"/>
               </a:ext>
             </a:extLst>
           </p:cNvPr>
@@ -11967,7 +11985,7 @@
           <p:cNvPr id="10" name="Tartalom helye 9">
             <a:extLst>
               <a:ext uri="{FF2B5EF4-FFF2-40B4-BE49-F238E27FC236}">
-                <a16:creationId xmlns:a16="http://schemas.microsoft.com/office/drawing/2014/main" id="{08293D33-53EB-4730-988E-0B0C531D7B50}"/>
+                <a16:creationId xmlns="" xmlns:a16="http://schemas.microsoft.com/office/drawing/2014/main" id="{08293D33-53EB-4730-988E-0B0C531D7B50}"/>
               </a:ext>
             </a:extLst>
           </p:cNvPr>
@@ -12040,7 +12058,7 @@
           <p:cNvPr id="3" name="Kép 2" descr="A képen szöveg, asztal látható&#10;&#10;Automatikusan generált leírás">
             <a:extLst>
               <a:ext uri="{FF2B5EF4-FFF2-40B4-BE49-F238E27FC236}">
-                <a16:creationId xmlns:a16="http://schemas.microsoft.com/office/drawing/2014/main" id="{997C7572-0619-47CA-B565-F51073DFB5AA}"/>
+                <a16:creationId xmlns="" xmlns:a16="http://schemas.microsoft.com/office/drawing/2014/main" id="{997C7572-0619-47CA-B565-F51073DFB5AA}"/>
               </a:ext>
             </a:extLst>
           </p:cNvPr>
@@ -12076,7 +12094,7 @@
           <p:cNvPr id="9" name="Kép 8">
             <a:extLst>
               <a:ext uri="{FF2B5EF4-FFF2-40B4-BE49-F238E27FC236}">
-                <a16:creationId xmlns:a16="http://schemas.microsoft.com/office/drawing/2014/main" id="{EF4A7665-C059-4AEC-8F3B-D406CCDD7953}"/>
+                <a16:creationId xmlns="" xmlns:a16="http://schemas.microsoft.com/office/drawing/2014/main" id="{EF4A7665-C059-4AEC-8F3B-D406CCDD7953}"/>
               </a:ext>
             </a:extLst>
           </p:cNvPr>
@@ -12142,7 +12160,7 @@
           <p:cNvPr id="5" name="Téglalap 4">
             <a:extLst>
               <a:ext uri="{FF2B5EF4-FFF2-40B4-BE49-F238E27FC236}">
-                <a16:creationId xmlns:a16="http://schemas.microsoft.com/office/drawing/2014/main" id="{9CA26A1C-2AE4-4715-BDE4-2908B2BEA97A}"/>
+                <a16:creationId xmlns="" xmlns:a16="http://schemas.microsoft.com/office/drawing/2014/main" id="{9CA26A1C-2AE4-4715-BDE4-2908B2BEA97A}"/>
               </a:ext>
             </a:extLst>
           </p:cNvPr>
@@ -12194,7 +12212,7 @@
           <p:cNvPr id="6" name="Ábra 5">
             <a:extLst>
               <a:ext uri="{FF2B5EF4-FFF2-40B4-BE49-F238E27FC236}">
-                <a16:creationId xmlns:a16="http://schemas.microsoft.com/office/drawing/2014/main" id="{752E1006-4091-44C8-A41C-C50F5E3327C8}"/>
+                <a16:creationId xmlns="" xmlns:a16="http://schemas.microsoft.com/office/drawing/2014/main" id="{752E1006-4091-44C8-A41C-C50F5E3327C8}"/>
               </a:ext>
             </a:extLst>
           </p:cNvPr>
@@ -12210,7 +12228,7 @@
                 <a14:useLocalDpi xmlns:a14="http://schemas.microsoft.com/office/drawing/2010/main" val="0"/>
               </a:ext>
               <a:ext uri="{96DAC541-7B7A-43D3-8B79-37D633B846F1}">
-                <asvg:svgBlip xmlns:asvg="http://schemas.microsoft.com/office/drawing/2016/SVG/main" r:embed="rId3"/>
+                <asvg:svgBlip xmlns="" xmlns:asvg="http://schemas.microsoft.com/office/drawing/2016/SVG/main" r:embed="rId3"/>
               </a:ext>
             </a:extLst>
           </a:blip>
@@ -12233,7 +12251,7 @@
           <p:cNvPr id="7" name="Kép 6">
             <a:extLst>
               <a:ext uri="{FF2B5EF4-FFF2-40B4-BE49-F238E27FC236}">
-                <a16:creationId xmlns:a16="http://schemas.microsoft.com/office/drawing/2014/main" id="{0F512247-75D6-431E-B0F6-A5189892A8D2}"/>
+                <a16:creationId xmlns="" xmlns:a16="http://schemas.microsoft.com/office/drawing/2014/main" id="{0F512247-75D6-431E-B0F6-A5189892A8D2}"/>
               </a:ext>
             </a:extLst>
           </p:cNvPr>
@@ -12269,7 +12287,7 @@
           <p:cNvPr id="8" name="Szövegdoboz 7">
             <a:extLst>
               <a:ext uri="{FF2B5EF4-FFF2-40B4-BE49-F238E27FC236}">
-                <a16:creationId xmlns:a16="http://schemas.microsoft.com/office/drawing/2014/main" id="{7E7913CF-B31C-474A-9F71-B5D6B7D5978B}"/>
+                <a16:creationId xmlns="" xmlns:a16="http://schemas.microsoft.com/office/drawing/2014/main" id="{7E7913CF-B31C-474A-9F71-B5D6B7D5978B}"/>
               </a:ext>
             </a:extLst>
           </p:cNvPr>
@@ -12356,7 +12374,7 @@
           <p:cNvPr id="10" name="Tartalom helye 9">
             <a:extLst>
               <a:ext uri="{FF2B5EF4-FFF2-40B4-BE49-F238E27FC236}">
-                <a16:creationId xmlns:a16="http://schemas.microsoft.com/office/drawing/2014/main" id="{08293D33-53EB-4730-988E-0B0C531D7B50}"/>
+                <a16:creationId xmlns="" xmlns:a16="http://schemas.microsoft.com/office/drawing/2014/main" id="{08293D33-53EB-4730-988E-0B0C531D7B50}"/>
               </a:ext>
             </a:extLst>
           </p:cNvPr>
@@ -12427,7 +12445,7 @@
           <p:cNvPr id="11" name="Tartalom helye 4">
             <a:extLst>
               <a:ext uri="{FF2B5EF4-FFF2-40B4-BE49-F238E27FC236}">
-                <a16:creationId xmlns:a16="http://schemas.microsoft.com/office/drawing/2014/main" id="{AF7A929A-32EE-47AC-A6C3-2A6B97A16BE4}"/>
+                <a16:creationId xmlns="" xmlns:a16="http://schemas.microsoft.com/office/drawing/2014/main" id="{AF7A929A-32EE-47AC-A6C3-2A6B97A16BE4}"/>
               </a:ext>
             </a:extLst>
           </p:cNvPr>
@@ -12487,7 +12505,7 @@
           <p:cNvPr id="5" name="Téglalap 4">
             <a:extLst>
               <a:ext uri="{FF2B5EF4-FFF2-40B4-BE49-F238E27FC236}">
-                <a16:creationId xmlns:a16="http://schemas.microsoft.com/office/drawing/2014/main" id="{9CA26A1C-2AE4-4715-BDE4-2908B2BEA97A}"/>
+                <a16:creationId xmlns="" xmlns:a16="http://schemas.microsoft.com/office/drawing/2014/main" id="{9CA26A1C-2AE4-4715-BDE4-2908B2BEA97A}"/>
               </a:ext>
             </a:extLst>
           </p:cNvPr>
@@ -12539,7 +12557,7 @@
           <p:cNvPr id="6" name="Ábra 5">
             <a:extLst>
               <a:ext uri="{FF2B5EF4-FFF2-40B4-BE49-F238E27FC236}">
-                <a16:creationId xmlns:a16="http://schemas.microsoft.com/office/drawing/2014/main" id="{752E1006-4091-44C8-A41C-C50F5E3327C8}"/>
+                <a16:creationId xmlns="" xmlns:a16="http://schemas.microsoft.com/office/drawing/2014/main" id="{752E1006-4091-44C8-A41C-C50F5E3327C8}"/>
               </a:ext>
             </a:extLst>
           </p:cNvPr>
@@ -12555,7 +12573,7 @@
                 <a14:useLocalDpi xmlns:a14="http://schemas.microsoft.com/office/drawing/2010/main" val="0"/>
               </a:ext>
               <a:ext uri="{96DAC541-7B7A-43D3-8B79-37D633B846F1}">
-                <asvg:svgBlip xmlns:asvg="http://schemas.microsoft.com/office/drawing/2016/SVG/main" r:embed="rId3"/>
+                <asvg:svgBlip xmlns="" xmlns:asvg="http://schemas.microsoft.com/office/drawing/2016/SVG/main" r:embed="rId3"/>
               </a:ext>
             </a:extLst>
           </a:blip>
@@ -12578,7 +12596,7 @@
           <p:cNvPr id="7" name="Kép 6">
             <a:extLst>
               <a:ext uri="{FF2B5EF4-FFF2-40B4-BE49-F238E27FC236}">
-                <a16:creationId xmlns:a16="http://schemas.microsoft.com/office/drawing/2014/main" id="{0F512247-75D6-431E-B0F6-A5189892A8D2}"/>
+                <a16:creationId xmlns="" xmlns:a16="http://schemas.microsoft.com/office/drawing/2014/main" id="{0F512247-75D6-431E-B0F6-A5189892A8D2}"/>
               </a:ext>
             </a:extLst>
           </p:cNvPr>
@@ -12614,7 +12632,7 @@
           <p:cNvPr id="8" name="Szövegdoboz 7">
             <a:extLst>
               <a:ext uri="{FF2B5EF4-FFF2-40B4-BE49-F238E27FC236}">
-                <a16:creationId xmlns:a16="http://schemas.microsoft.com/office/drawing/2014/main" id="{7E7913CF-B31C-474A-9F71-B5D6B7D5978B}"/>
+                <a16:creationId xmlns="" xmlns:a16="http://schemas.microsoft.com/office/drawing/2014/main" id="{7E7913CF-B31C-474A-9F71-B5D6B7D5978B}"/>
               </a:ext>
             </a:extLst>
           </p:cNvPr>
@@ -12661,7 +12679,7 @@
           <p:cNvPr id="3" name="Kép 2">
             <a:extLst>
               <a:ext uri="{FF2B5EF4-FFF2-40B4-BE49-F238E27FC236}">
-                <a16:creationId xmlns:a16="http://schemas.microsoft.com/office/drawing/2014/main" id="{03113F4E-5DC9-43F0-9CC8-E367520DB673}"/>
+                <a16:creationId xmlns="" xmlns:a16="http://schemas.microsoft.com/office/drawing/2014/main" id="{03113F4E-5DC9-43F0-9CC8-E367520DB673}"/>
               </a:ext>
             </a:extLst>
           </p:cNvPr>
@@ -12697,7 +12715,7 @@
           <p:cNvPr id="10" name="Tartalom helye 9">
             <a:extLst>
               <a:ext uri="{FF2B5EF4-FFF2-40B4-BE49-F238E27FC236}">
-                <a16:creationId xmlns:a16="http://schemas.microsoft.com/office/drawing/2014/main" id="{08293D33-53EB-4730-988E-0B0C531D7B50}"/>
+                <a16:creationId xmlns="" xmlns:a16="http://schemas.microsoft.com/office/drawing/2014/main" id="{08293D33-53EB-4730-988E-0B0C531D7B50}"/>
               </a:ext>
             </a:extLst>
           </p:cNvPr>
@@ -12805,7 +12823,7 @@
           <p:cNvPr id="5" name="Téglalap 4">
             <a:extLst>
               <a:ext uri="{FF2B5EF4-FFF2-40B4-BE49-F238E27FC236}">
-                <a16:creationId xmlns:a16="http://schemas.microsoft.com/office/drawing/2014/main" id="{9CA26A1C-2AE4-4715-BDE4-2908B2BEA97A}"/>
+                <a16:creationId xmlns="" xmlns:a16="http://schemas.microsoft.com/office/drawing/2014/main" id="{9CA26A1C-2AE4-4715-BDE4-2908B2BEA97A}"/>
               </a:ext>
             </a:extLst>
           </p:cNvPr>
@@ -12857,7 +12875,7 @@
           <p:cNvPr id="6" name="Ábra 5">
             <a:extLst>
               <a:ext uri="{FF2B5EF4-FFF2-40B4-BE49-F238E27FC236}">
-                <a16:creationId xmlns:a16="http://schemas.microsoft.com/office/drawing/2014/main" id="{752E1006-4091-44C8-A41C-C50F5E3327C8}"/>
+                <a16:creationId xmlns="" xmlns:a16="http://schemas.microsoft.com/office/drawing/2014/main" id="{752E1006-4091-44C8-A41C-C50F5E3327C8}"/>
               </a:ext>
             </a:extLst>
           </p:cNvPr>
@@ -12873,7 +12891,7 @@
                 <a14:useLocalDpi xmlns:a14="http://schemas.microsoft.com/office/drawing/2010/main" val="0"/>
               </a:ext>
               <a:ext uri="{96DAC541-7B7A-43D3-8B79-37D633B846F1}">
-                <asvg:svgBlip xmlns:asvg="http://schemas.microsoft.com/office/drawing/2016/SVG/main" r:embed="rId3"/>
+                <asvg:svgBlip xmlns="" xmlns:asvg="http://schemas.microsoft.com/office/drawing/2016/SVG/main" r:embed="rId3"/>
               </a:ext>
             </a:extLst>
           </a:blip>
@@ -12896,7 +12914,7 @@
           <p:cNvPr id="7" name="Kép 6">
             <a:extLst>
               <a:ext uri="{FF2B5EF4-FFF2-40B4-BE49-F238E27FC236}">
-                <a16:creationId xmlns:a16="http://schemas.microsoft.com/office/drawing/2014/main" id="{0F512247-75D6-431E-B0F6-A5189892A8D2}"/>
+                <a16:creationId xmlns="" xmlns:a16="http://schemas.microsoft.com/office/drawing/2014/main" id="{0F512247-75D6-431E-B0F6-A5189892A8D2}"/>
               </a:ext>
             </a:extLst>
           </p:cNvPr>
@@ -12932,7 +12950,7 @@
           <p:cNvPr id="8" name="Szövegdoboz 7">
             <a:extLst>
               <a:ext uri="{FF2B5EF4-FFF2-40B4-BE49-F238E27FC236}">
-                <a16:creationId xmlns:a16="http://schemas.microsoft.com/office/drawing/2014/main" id="{7E7913CF-B31C-474A-9F71-B5D6B7D5978B}"/>
+                <a16:creationId xmlns="" xmlns:a16="http://schemas.microsoft.com/office/drawing/2014/main" id="{7E7913CF-B31C-474A-9F71-B5D6B7D5978B}"/>
               </a:ext>
             </a:extLst>
           </p:cNvPr>
@@ -12979,7 +12997,7 @@
           <p:cNvPr id="1026" name="Picture 2">
             <a:extLst>
               <a:ext uri="{FF2B5EF4-FFF2-40B4-BE49-F238E27FC236}">
-                <a16:creationId xmlns:a16="http://schemas.microsoft.com/office/drawing/2014/main" id="{3099F4F5-140E-4078-8A8B-F128C293B935}"/>
+                <a16:creationId xmlns="" xmlns:a16="http://schemas.microsoft.com/office/drawing/2014/main" id="{3099F4F5-140E-4078-8A8B-F128C293B935}"/>
               </a:ext>
             </a:extLst>
           </p:cNvPr>
@@ -13021,6 +13039,84 @@
           </a:extLst>
         </p:spPr>
       </p:pic>
+      <p:sp>
+        <p:nvSpPr>
+          <p:cNvPr id="4" name="Szövegdoboz 3"/>
+          <p:cNvSpPr txBox="1"/>
+          <p:nvPr/>
+        </p:nvSpPr>
+        <p:spPr>
+          <a:xfrm>
+            <a:off x="718457" y="4766272"/>
+            <a:ext cx="9761162" cy="1200329"/>
+          </a:xfrm>
+          <a:prstGeom prst="rect">
+            <a:avLst/>
+          </a:prstGeom>
+          <a:noFill/>
+        </p:spPr>
+        <p:txBody>
+          <a:bodyPr wrap="square" rtlCol="0">
+            <a:spAutoFit/>
+          </a:bodyPr>
+          <a:lstStyle/>
+          <a:p>
+            <a:r>
+              <a:rPr lang="hu-HU" dirty="0"/>
+              <a:t>A </a:t>
+            </a:r>
+            <a:r>
+              <a:rPr lang="hu-HU" dirty="0" err="1"/>
+              <a:t>Graylog</a:t>
+            </a:r>
+            <a:r>
+              <a:rPr lang="hu-HU" dirty="0"/>
+              <a:t> beépítetten kezeli a felhasználókat. Alapértelmezetten az </a:t>
+            </a:r>
+            <a:r>
+              <a:rPr lang="hu-HU" dirty="0" err="1"/>
+              <a:t>admin</a:t>
+            </a:r>
+            <a:r>
+              <a:rPr lang="hu-HU" dirty="0"/>
+              <a:t> felhasználónévvel tudunk belépni, amihez a </a:t>
+            </a:r>
+            <a:r>
+              <a:rPr lang="hu-HU" dirty="0" err="1"/>
+              <a:t>graylog</a:t>
+            </a:r>
+            <a:r>
+              <a:rPr lang="hu-HU" dirty="0"/>
+              <a:t> konfigurációba tudunk megadni jelszót, ami titkosítva kerül be a </a:t>
+            </a:r>
+            <a:r>
+              <a:rPr lang="hu-HU" dirty="0" err="1"/>
+              <a:t>konfig</a:t>
+            </a:r>
+            <a:r>
+              <a:rPr lang="hu-HU" dirty="0"/>
+              <a:t> fájlba. Miután beléptünk, új felhasználókat tudunk létrehozni. Minden létrehozott felhasználót hozzá kell rendelnünk egy szerepkörhöz. Ez lehet </a:t>
+            </a:r>
+            <a:r>
+              <a:rPr lang="hu-HU" dirty="0" err="1"/>
+              <a:t>admin</a:t>
+            </a:r>
+            <a:r>
+              <a:rPr lang="hu-HU" dirty="0"/>
+              <a:t> vagy akár csak </a:t>
+            </a:r>
+            <a:r>
+              <a:rPr lang="hu-HU" dirty="0" err="1"/>
+              <a:t>Dashboard</a:t>
+            </a:r>
+            <a:r>
+              <a:rPr lang="hu-HU" dirty="0"/>
+              <a:t> editor.</a:t>
+            </a:r>
+            <a:endParaRPr lang="hu-HU" dirty="0"/>
+          </a:p>
+        </p:txBody>
+      </p:sp>
     </p:spTree>
     <p:extLst>
       <p:ext uri="{BB962C8B-B14F-4D97-AF65-F5344CB8AC3E}">
@@ -13056,7 +13152,7 @@
           <p:cNvPr id="6" name="Kép 5">
             <a:extLst>
               <a:ext uri="{FF2B5EF4-FFF2-40B4-BE49-F238E27FC236}">
-                <a16:creationId xmlns:a16="http://schemas.microsoft.com/office/drawing/2014/main" id="{9758AE22-701F-4CA9-9734-8EBB6B7DF74F}"/>
+                <a16:creationId xmlns="" xmlns:a16="http://schemas.microsoft.com/office/drawing/2014/main" id="{9758AE22-701F-4CA9-9734-8EBB6B7DF74F}"/>
               </a:ext>
             </a:extLst>
           </p:cNvPr>
@@ -13092,7 +13188,7 @@
           <p:cNvPr id="7" name="Téglalap 6">
             <a:extLst>
               <a:ext uri="{FF2B5EF4-FFF2-40B4-BE49-F238E27FC236}">
-                <a16:creationId xmlns:a16="http://schemas.microsoft.com/office/drawing/2014/main" id="{5118027E-30B0-4E7D-9B50-2B7206BE6302}"/>
+                <a16:creationId xmlns="" xmlns:a16="http://schemas.microsoft.com/office/drawing/2014/main" id="{5118027E-30B0-4E7D-9B50-2B7206BE6302}"/>
               </a:ext>
             </a:extLst>
           </p:cNvPr>
@@ -13144,7 +13240,7 @@
           <p:cNvPr id="8" name="Szövegdoboz 7">
             <a:extLst>
               <a:ext uri="{FF2B5EF4-FFF2-40B4-BE49-F238E27FC236}">
-                <a16:creationId xmlns:a16="http://schemas.microsoft.com/office/drawing/2014/main" id="{D00702FA-9B96-47E1-ADE4-9D2FC58C16D7}"/>
+                <a16:creationId xmlns="" xmlns:a16="http://schemas.microsoft.com/office/drawing/2014/main" id="{D00702FA-9B96-47E1-ADE4-9D2FC58C16D7}"/>
               </a:ext>
             </a:extLst>
           </p:cNvPr>
@@ -13184,7 +13280,7 @@
           <p:cNvPr id="10" name="Kép 9">
             <a:extLst>
               <a:ext uri="{FF2B5EF4-FFF2-40B4-BE49-F238E27FC236}">
-                <a16:creationId xmlns:a16="http://schemas.microsoft.com/office/drawing/2014/main" id="{505850A7-0C64-4061-9440-71C80CFD93EA}"/>
+                <a16:creationId xmlns="" xmlns:a16="http://schemas.microsoft.com/office/drawing/2014/main" id="{505850A7-0C64-4061-9440-71C80CFD93EA}"/>
               </a:ext>
             </a:extLst>
           </p:cNvPr>
@@ -13214,7 +13310,7 @@
           <p:cNvPr id="5" name="Ábra 4">
             <a:extLst>
               <a:ext uri="{FF2B5EF4-FFF2-40B4-BE49-F238E27FC236}">
-                <a16:creationId xmlns:a16="http://schemas.microsoft.com/office/drawing/2014/main" id="{331FE0CB-3A91-4CD5-A96E-49B397C0B45C}"/>
+                <a16:creationId xmlns="" xmlns:a16="http://schemas.microsoft.com/office/drawing/2014/main" id="{331FE0CB-3A91-4CD5-A96E-49B397C0B45C}"/>
               </a:ext>
             </a:extLst>
           </p:cNvPr>
@@ -13230,7 +13326,7 @@
                 <a14:useLocalDpi xmlns:a14="http://schemas.microsoft.com/office/drawing/2010/main" val="0"/>
               </a:ext>
               <a:ext uri="{96DAC541-7B7A-43D3-8B79-37D633B846F1}">
-                <asvg:svgBlip xmlns:asvg="http://schemas.microsoft.com/office/drawing/2016/SVG/main" r:embed="rId5"/>
+                <asvg:svgBlip xmlns="" xmlns:asvg="http://schemas.microsoft.com/office/drawing/2016/SVG/main" r:embed="rId5"/>
               </a:ext>
             </a:extLst>
           </a:blip>
@@ -13283,7 +13379,7 @@
           <p:cNvPr id="4" name="Szövegdoboz 3">
             <a:extLst>
               <a:ext uri="{FF2B5EF4-FFF2-40B4-BE49-F238E27FC236}">
-                <a16:creationId xmlns:a16="http://schemas.microsoft.com/office/drawing/2014/main" id="{179BD461-825D-495E-9DA9-707A6C4326F1}"/>
+                <a16:creationId xmlns="" xmlns:a16="http://schemas.microsoft.com/office/drawing/2014/main" id="{179BD461-825D-495E-9DA9-707A6C4326F1}"/>
               </a:ext>
             </a:extLst>
           </p:cNvPr>
@@ -13323,7 +13419,7 @@
           <p:cNvPr id="5" name="Ábra 4">
             <a:extLst>
               <a:ext uri="{FF2B5EF4-FFF2-40B4-BE49-F238E27FC236}">
-                <a16:creationId xmlns:a16="http://schemas.microsoft.com/office/drawing/2014/main" id="{F7FD9755-E3CE-4F32-B7E2-FA2A1B51065B}"/>
+                <a16:creationId xmlns="" xmlns:a16="http://schemas.microsoft.com/office/drawing/2014/main" id="{F7FD9755-E3CE-4F32-B7E2-FA2A1B51065B}"/>
               </a:ext>
             </a:extLst>
           </p:cNvPr>
@@ -13339,7 +13435,7 @@
                 <a14:useLocalDpi xmlns:a14="http://schemas.microsoft.com/office/drawing/2010/main" val="0"/>
               </a:ext>
               <a:ext uri="{96DAC541-7B7A-43D3-8B79-37D633B846F1}">
-                <asvg:svgBlip xmlns:asvg="http://schemas.microsoft.com/office/drawing/2016/SVG/main" r:embed="rId3"/>
+                <asvg:svgBlip xmlns="" xmlns:asvg="http://schemas.microsoft.com/office/drawing/2016/SVG/main" r:embed="rId3"/>
               </a:ext>
             </a:extLst>
           </a:blip>
@@ -13362,7 +13458,7 @@
           <p:cNvPr id="6" name="Kép 5">
             <a:extLst>
               <a:ext uri="{FF2B5EF4-FFF2-40B4-BE49-F238E27FC236}">
-                <a16:creationId xmlns:a16="http://schemas.microsoft.com/office/drawing/2014/main" id="{99603EF8-98B9-420A-AF82-C0ED661B0779}"/>
+                <a16:creationId xmlns="" xmlns:a16="http://schemas.microsoft.com/office/drawing/2014/main" id="{99603EF8-98B9-420A-AF82-C0ED661B0779}"/>
               </a:ext>
             </a:extLst>
           </p:cNvPr>
@@ -13398,7 +13494,7 @@
           <p:cNvPr id="7" name="Téglalap 6">
             <a:extLst>
               <a:ext uri="{FF2B5EF4-FFF2-40B4-BE49-F238E27FC236}">
-                <a16:creationId xmlns:a16="http://schemas.microsoft.com/office/drawing/2014/main" id="{26E11219-288B-46B5-8566-3FC185FA9278}"/>
+                <a16:creationId xmlns="" xmlns:a16="http://schemas.microsoft.com/office/drawing/2014/main" id="{26E11219-288B-46B5-8566-3FC185FA9278}"/>
               </a:ext>
             </a:extLst>
           </p:cNvPr>
@@ -13450,7 +13546,7 @@
           <p:cNvPr id="8" name="Szövegdoboz 7">
             <a:extLst>
               <a:ext uri="{FF2B5EF4-FFF2-40B4-BE49-F238E27FC236}">
-                <a16:creationId xmlns:a16="http://schemas.microsoft.com/office/drawing/2014/main" id="{76D75C5D-5568-4AA7-8CF9-3CD73E095F9F}"/>
+                <a16:creationId xmlns="" xmlns:a16="http://schemas.microsoft.com/office/drawing/2014/main" id="{76D75C5D-5568-4AA7-8CF9-3CD73E095F9F}"/>
               </a:ext>
             </a:extLst>
           </p:cNvPr>
@@ -13555,7 +13651,7 @@
           <p:cNvPr id="9" name="Szövegdoboz 8">
             <a:extLst>
               <a:ext uri="{FF2B5EF4-FFF2-40B4-BE49-F238E27FC236}">
-                <a16:creationId xmlns:a16="http://schemas.microsoft.com/office/drawing/2014/main" id="{7DAD8E63-A683-4C39-BA9D-B7B280A0F386}"/>
+                <a16:creationId xmlns="" xmlns:a16="http://schemas.microsoft.com/office/drawing/2014/main" id="{7DAD8E63-A683-4C39-BA9D-B7B280A0F386}"/>
               </a:ext>
             </a:extLst>
           </p:cNvPr>
@@ -13698,6 +13794,16 @@
             </a:endParaRPr>
           </a:p>
           <a:p>
+            <a:r>
+              <a:rPr lang="hu-HU" b="0" i="0" dirty="0">
+                <a:solidFill>
+                  <a:srgbClr val="212529"/>
+                </a:solidFill>
+                <a:effectLst/>
+                <a:latin typeface="system-ui"/>
+              </a:rPr>
+              <a:t/>
+            </a:r>
             <a:br>
               <a:rPr lang="hu-HU" b="0" i="0" dirty="0">
                 <a:solidFill>
@@ -13746,7 +13852,7 @@
           <p:cNvPr id="4" name="Téglalap 3">
             <a:extLst>
               <a:ext uri="{FF2B5EF4-FFF2-40B4-BE49-F238E27FC236}">
-                <a16:creationId xmlns:a16="http://schemas.microsoft.com/office/drawing/2014/main" id="{45961AA9-C86C-428D-B7E8-C648176DC541}"/>
+                <a16:creationId xmlns="" xmlns:a16="http://schemas.microsoft.com/office/drawing/2014/main" id="{45961AA9-C86C-428D-B7E8-C648176DC541}"/>
               </a:ext>
             </a:extLst>
           </p:cNvPr>
@@ -13798,7 +13904,7 @@
           <p:cNvPr id="5" name="Kép 4">
             <a:extLst>
               <a:ext uri="{FF2B5EF4-FFF2-40B4-BE49-F238E27FC236}">
-                <a16:creationId xmlns:a16="http://schemas.microsoft.com/office/drawing/2014/main" id="{AB61265D-BCDD-4D5F-8BCE-29F7340DB460}"/>
+                <a16:creationId xmlns="" xmlns:a16="http://schemas.microsoft.com/office/drawing/2014/main" id="{AB61265D-BCDD-4D5F-8BCE-29F7340DB460}"/>
               </a:ext>
             </a:extLst>
           </p:cNvPr>
@@ -13834,7 +13940,7 @@
           <p:cNvPr id="6" name="Ábra 5">
             <a:extLst>
               <a:ext uri="{FF2B5EF4-FFF2-40B4-BE49-F238E27FC236}">
-                <a16:creationId xmlns:a16="http://schemas.microsoft.com/office/drawing/2014/main" id="{53C49138-3959-4C9B-9B7C-386D9E702CA9}"/>
+                <a16:creationId xmlns="" xmlns:a16="http://schemas.microsoft.com/office/drawing/2014/main" id="{53C49138-3959-4C9B-9B7C-386D9E702CA9}"/>
               </a:ext>
             </a:extLst>
           </p:cNvPr>
@@ -13850,7 +13956,7 @@
                 <a14:useLocalDpi xmlns:a14="http://schemas.microsoft.com/office/drawing/2010/main" val="0"/>
               </a:ext>
               <a:ext uri="{96DAC541-7B7A-43D3-8B79-37D633B846F1}">
-                <asvg:svgBlip xmlns:asvg="http://schemas.microsoft.com/office/drawing/2016/SVG/main" r:embed="rId4"/>
+                <asvg:svgBlip xmlns="" xmlns:asvg="http://schemas.microsoft.com/office/drawing/2016/SVG/main" r:embed="rId4"/>
               </a:ext>
             </a:extLst>
           </a:blip>
@@ -13873,7 +13979,7 @@
           <p:cNvPr id="7" name="Szövegdoboz 6">
             <a:extLst>
               <a:ext uri="{FF2B5EF4-FFF2-40B4-BE49-F238E27FC236}">
-                <a16:creationId xmlns:a16="http://schemas.microsoft.com/office/drawing/2014/main" id="{535FE34D-BFF7-46DA-8AAB-75513EBCDDF1}"/>
+                <a16:creationId xmlns="" xmlns:a16="http://schemas.microsoft.com/office/drawing/2014/main" id="{535FE34D-BFF7-46DA-8AAB-75513EBCDDF1}"/>
               </a:ext>
             </a:extLst>
           </p:cNvPr>
@@ -13913,7 +14019,7 @@
           <p:cNvPr id="8" name="Téglalap: lekerekített 7">
             <a:extLst>
               <a:ext uri="{FF2B5EF4-FFF2-40B4-BE49-F238E27FC236}">
-                <a16:creationId xmlns:a16="http://schemas.microsoft.com/office/drawing/2014/main" id="{81099C24-8A21-45B8-8DDF-C3B5A5D876FF}"/>
+                <a16:creationId xmlns="" xmlns:a16="http://schemas.microsoft.com/office/drawing/2014/main" id="{81099C24-8A21-45B8-8DDF-C3B5A5D876FF}"/>
               </a:ext>
             </a:extLst>
           </p:cNvPr>
@@ -13960,7 +14066,7 @@
           <p:cNvPr id="9" name="Szövegdoboz 8">
             <a:extLst>
               <a:ext uri="{FF2B5EF4-FFF2-40B4-BE49-F238E27FC236}">
-                <a16:creationId xmlns:a16="http://schemas.microsoft.com/office/drawing/2014/main" id="{518BC82B-ECA4-445B-92A2-36CC9526ADAA}"/>
+                <a16:creationId xmlns="" xmlns:a16="http://schemas.microsoft.com/office/drawing/2014/main" id="{518BC82B-ECA4-445B-92A2-36CC9526ADAA}"/>
               </a:ext>
             </a:extLst>
           </p:cNvPr>
@@ -13998,7 +14104,7 @@
           <p:cNvPr id="10" name="Téglalap: lekerekített 9">
             <a:extLst>
               <a:ext uri="{FF2B5EF4-FFF2-40B4-BE49-F238E27FC236}">
-                <a16:creationId xmlns:a16="http://schemas.microsoft.com/office/drawing/2014/main" id="{1BC0711C-8E1A-4021-B8EF-BAC180C56245}"/>
+                <a16:creationId xmlns="" xmlns:a16="http://schemas.microsoft.com/office/drawing/2014/main" id="{1BC0711C-8E1A-4021-B8EF-BAC180C56245}"/>
               </a:ext>
             </a:extLst>
           </p:cNvPr>
@@ -14045,7 +14151,7 @@
           <p:cNvPr id="11" name="Téglalap: lekerekített 10">
             <a:extLst>
               <a:ext uri="{FF2B5EF4-FFF2-40B4-BE49-F238E27FC236}">
-                <a16:creationId xmlns:a16="http://schemas.microsoft.com/office/drawing/2014/main" id="{1E7D8B1B-38AB-469B-AD4D-8E2AA0B7420C}"/>
+                <a16:creationId xmlns="" xmlns:a16="http://schemas.microsoft.com/office/drawing/2014/main" id="{1E7D8B1B-38AB-469B-AD4D-8E2AA0B7420C}"/>
               </a:ext>
             </a:extLst>
           </p:cNvPr>
@@ -14092,7 +14198,7 @@
           <p:cNvPr id="12" name="Téglalap: lekerekített 11">
             <a:extLst>
               <a:ext uri="{FF2B5EF4-FFF2-40B4-BE49-F238E27FC236}">
-                <a16:creationId xmlns:a16="http://schemas.microsoft.com/office/drawing/2014/main" id="{CD8DB634-1005-46AB-BD84-43F7EE4221AB}"/>
+                <a16:creationId xmlns="" xmlns:a16="http://schemas.microsoft.com/office/drawing/2014/main" id="{CD8DB634-1005-46AB-BD84-43F7EE4221AB}"/>
               </a:ext>
             </a:extLst>
           </p:cNvPr>
@@ -14139,7 +14245,7 @@
           <p:cNvPr id="13" name="Szövegdoboz 12">
             <a:extLst>
               <a:ext uri="{FF2B5EF4-FFF2-40B4-BE49-F238E27FC236}">
-                <a16:creationId xmlns:a16="http://schemas.microsoft.com/office/drawing/2014/main" id="{5CCA86C9-EB4B-4D57-815C-2D4D6CF93995}"/>
+                <a16:creationId xmlns="" xmlns:a16="http://schemas.microsoft.com/office/drawing/2014/main" id="{5CCA86C9-EB4B-4D57-815C-2D4D6CF93995}"/>
               </a:ext>
             </a:extLst>
           </p:cNvPr>
@@ -14177,7 +14283,7 @@
           <p:cNvPr id="14" name="Szövegdoboz 13">
             <a:extLst>
               <a:ext uri="{FF2B5EF4-FFF2-40B4-BE49-F238E27FC236}">
-                <a16:creationId xmlns:a16="http://schemas.microsoft.com/office/drawing/2014/main" id="{50F51BCF-1BD0-43C8-872D-CD88C7A65EBA}"/>
+                <a16:creationId xmlns="" xmlns:a16="http://schemas.microsoft.com/office/drawing/2014/main" id="{50F51BCF-1BD0-43C8-872D-CD88C7A65EBA}"/>
               </a:ext>
             </a:extLst>
           </p:cNvPr>
@@ -14215,7 +14321,7 @@
           <p:cNvPr id="15" name="Szövegdoboz 14">
             <a:extLst>
               <a:ext uri="{FF2B5EF4-FFF2-40B4-BE49-F238E27FC236}">
-                <a16:creationId xmlns:a16="http://schemas.microsoft.com/office/drawing/2014/main" id="{12667A7A-979D-45B1-9EF4-0F3CE6041316}"/>
+                <a16:creationId xmlns="" xmlns:a16="http://schemas.microsoft.com/office/drawing/2014/main" id="{12667A7A-979D-45B1-9EF4-0F3CE6041316}"/>
               </a:ext>
             </a:extLst>
           </p:cNvPr>
@@ -14253,7 +14359,7 @@
           <p:cNvPr id="20" name="Kép 19">
             <a:extLst>
               <a:ext uri="{FF2B5EF4-FFF2-40B4-BE49-F238E27FC236}">
-                <a16:creationId xmlns:a16="http://schemas.microsoft.com/office/drawing/2014/main" id="{4EAB93E2-BF2F-46EB-9A1A-E1527CE4EAF5}"/>
+                <a16:creationId xmlns="" xmlns:a16="http://schemas.microsoft.com/office/drawing/2014/main" id="{4EAB93E2-BF2F-46EB-9A1A-E1527CE4EAF5}"/>
               </a:ext>
             </a:extLst>
           </p:cNvPr>
@@ -14289,7 +14395,7 @@
           <p:cNvPr id="26" name="Kép 25">
             <a:extLst>
               <a:ext uri="{FF2B5EF4-FFF2-40B4-BE49-F238E27FC236}">
-                <a16:creationId xmlns:a16="http://schemas.microsoft.com/office/drawing/2014/main" id="{DE97AC1C-C727-4AEE-9A65-6369EFBB0878}"/>
+                <a16:creationId xmlns="" xmlns:a16="http://schemas.microsoft.com/office/drawing/2014/main" id="{DE97AC1C-C727-4AEE-9A65-6369EFBB0878}"/>
               </a:ext>
             </a:extLst>
           </p:cNvPr>
@@ -14325,7 +14431,7 @@
           <p:cNvPr id="28" name="Kép 27">
             <a:extLst>
               <a:ext uri="{FF2B5EF4-FFF2-40B4-BE49-F238E27FC236}">
-                <a16:creationId xmlns:a16="http://schemas.microsoft.com/office/drawing/2014/main" id="{98511D2A-F415-4D93-A3C8-99390ECFE7F7}"/>
+                <a16:creationId xmlns="" xmlns:a16="http://schemas.microsoft.com/office/drawing/2014/main" id="{98511D2A-F415-4D93-A3C8-99390ECFE7F7}"/>
               </a:ext>
             </a:extLst>
           </p:cNvPr>
@@ -14361,7 +14467,7 @@
           <p:cNvPr id="30" name="Kép 29">
             <a:extLst>
               <a:ext uri="{FF2B5EF4-FFF2-40B4-BE49-F238E27FC236}">
-                <a16:creationId xmlns:a16="http://schemas.microsoft.com/office/drawing/2014/main" id="{07014A1F-F6AD-4ADF-8B15-B459BA95CC16}"/>
+                <a16:creationId xmlns="" xmlns:a16="http://schemas.microsoft.com/office/drawing/2014/main" id="{07014A1F-F6AD-4ADF-8B15-B459BA95CC16}"/>
               </a:ext>
             </a:extLst>
           </p:cNvPr>
@@ -14397,7 +14503,7 @@
           <p:cNvPr id="33" name="Téglalap: lekerekített 32">
             <a:extLst>
               <a:ext uri="{FF2B5EF4-FFF2-40B4-BE49-F238E27FC236}">
-                <a16:creationId xmlns:a16="http://schemas.microsoft.com/office/drawing/2014/main" id="{510ED8DC-CFA6-49AF-874C-32B1D51AD1DE}"/>
+                <a16:creationId xmlns="" xmlns:a16="http://schemas.microsoft.com/office/drawing/2014/main" id="{510ED8DC-CFA6-49AF-874C-32B1D51AD1DE}"/>
               </a:ext>
             </a:extLst>
           </p:cNvPr>
@@ -14444,7 +14550,7 @@
           <p:cNvPr id="32" name="Kép 31">
             <a:extLst>
               <a:ext uri="{FF2B5EF4-FFF2-40B4-BE49-F238E27FC236}">
-                <a16:creationId xmlns:a16="http://schemas.microsoft.com/office/drawing/2014/main" id="{2751A678-6DC2-43AE-B8DB-FEF98F8E8A0E}"/>
+                <a16:creationId xmlns="" xmlns:a16="http://schemas.microsoft.com/office/drawing/2014/main" id="{2751A678-6DC2-43AE-B8DB-FEF98F8E8A0E}"/>
               </a:ext>
             </a:extLst>
           </p:cNvPr>
@@ -14480,7 +14586,7 @@
           <p:cNvPr id="35" name="Kép 34">
             <a:extLst>
               <a:ext uri="{FF2B5EF4-FFF2-40B4-BE49-F238E27FC236}">
-                <a16:creationId xmlns:a16="http://schemas.microsoft.com/office/drawing/2014/main" id="{FF4F356E-F594-4C98-9A68-074ED0018F16}"/>
+                <a16:creationId xmlns="" xmlns:a16="http://schemas.microsoft.com/office/drawing/2014/main" id="{FF4F356E-F594-4C98-9A68-074ED0018F16}"/>
               </a:ext>
             </a:extLst>
           </p:cNvPr>
@@ -14516,7 +14622,7 @@
           <p:cNvPr id="37" name="Kép 36">
             <a:extLst>
               <a:ext uri="{FF2B5EF4-FFF2-40B4-BE49-F238E27FC236}">
-                <a16:creationId xmlns:a16="http://schemas.microsoft.com/office/drawing/2014/main" id="{1A260BD9-D8E8-49F6-8554-E77FAB229C11}"/>
+                <a16:creationId xmlns="" xmlns:a16="http://schemas.microsoft.com/office/drawing/2014/main" id="{1A260BD9-D8E8-49F6-8554-E77FAB229C11}"/>
               </a:ext>
             </a:extLst>
           </p:cNvPr>
@@ -14552,7 +14658,7 @@
           <p:cNvPr id="40" name="Szövegdoboz 39">
             <a:extLst>
               <a:ext uri="{FF2B5EF4-FFF2-40B4-BE49-F238E27FC236}">
-                <a16:creationId xmlns:a16="http://schemas.microsoft.com/office/drawing/2014/main" id="{4EEEA42E-830D-45B4-877E-DF0BE252B36D}"/>
+                <a16:creationId xmlns="" xmlns:a16="http://schemas.microsoft.com/office/drawing/2014/main" id="{4EEEA42E-830D-45B4-877E-DF0BE252B36D}"/>
               </a:ext>
             </a:extLst>
           </p:cNvPr>
@@ -14741,7 +14847,7 @@
           <p:cNvPr id="41" name="Szövegdoboz 40">
             <a:extLst>
               <a:ext uri="{FF2B5EF4-FFF2-40B4-BE49-F238E27FC236}">
-                <a16:creationId xmlns:a16="http://schemas.microsoft.com/office/drawing/2014/main" id="{81D71567-404A-4E52-8B97-B406EFBC66D7}"/>
+                <a16:creationId xmlns="" xmlns:a16="http://schemas.microsoft.com/office/drawing/2014/main" id="{81D71567-404A-4E52-8B97-B406EFBC66D7}"/>
               </a:ext>
             </a:extLst>
           </p:cNvPr>
@@ -14849,7 +14955,7 @@
           <p:cNvPr id="44" name="Egyenes összekötő 43">
             <a:extLst>
               <a:ext uri="{FF2B5EF4-FFF2-40B4-BE49-F238E27FC236}">
-                <a16:creationId xmlns:a16="http://schemas.microsoft.com/office/drawing/2014/main" id="{21553A72-6965-4E1A-9A20-585F13CE59CB}"/>
+                <a16:creationId xmlns="" xmlns:a16="http://schemas.microsoft.com/office/drawing/2014/main" id="{21553A72-6965-4E1A-9A20-585F13CE59CB}"/>
               </a:ext>
             </a:extLst>
           </p:cNvPr>
@@ -14885,7 +14991,7 @@
           <p:cNvPr id="45" name="Egyenes összekötő 44">
             <a:extLst>
               <a:ext uri="{FF2B5EF4-FFF2-40B4-BE49-F238E27FC236}">
-                <a16:creationId xmlns:a16="http://schemas.microsoft.com/office/drawing/2014/main" id="{09DF3116-4C4A-4466-B8CC-06DEF26F5AA7}"/>
+                <a16:creationId xmlns="" xmlns:a16="http://schemas.microsoft.com/office/drawing/2014/main" id="{09DF3116-4C4A-4466-B8CC-06DEF26F5AA7}"/>
               </a:ext>
             </a:extLst>
           </p:cNvPr>
@@ -14923,7 +15029,7 @@
           <p:cNvPr id="50" name="Téglalap: lekerekített 49">
             <a:extLst>
               <a:ext uri="{FF2B5EF4-FFF2-40B4-BE49-F238E27FC236}">
-                <a16:creationId xmlns:a16="http://schemas.microsoft.com/office/drawing/2014/main" id="{163608B4-752F-4BEA-A4DA-0C4FD106EA50}"/>
+                <a16:creationId xmlns="" xmlns:a16="http://schemas.microsoft.com/office/drawing/2014/main" id="{163608B4-752F-4BEA-A4DA-0C4FD106EA50}"/>
               </a:ext>
             </a:extLst>
           </p:cNvPr>
@@ -14970,7 +15076,7 @@
           <p:cNvPr id="39" name="Kép 38">
             <a:extLst>
               <a:ext uri="{FF2B5EF4-FFF2-40B4-BE49-F238E27FC236}">
-                <a16:creationId xmlns:a16="http://schemas.microsoft.com/office/drawing/2014/main" id="{4D825543-46CC-460D-8C10-B5BEA3A25F43}"/>
+                <a16:creationId xmlns="" xmlns:a16="http://schemas.microsoft.com/office/drawing/2014/main" id="{4D825543-46CC-460D-8C10-B5BEA3A25F43}"/>
               </a:ext>
             </a:extLst>
           </p:cNvPr>
@@ -15006,7 +15112,7 @@
           <p:cNvPr id="51" name="Szövegdoboz 50">
             <a:extLst>
               <a:ext uri="{FF2B5EF4-FFF2-40B4-BE49-F238E27FC236}">
-                <a16:creationId xmlns:a16="http://schemas.microsoft.com/office/drawing/2014/main" id="{23861E71-C054-476F-8F0C-C25E7546800F}"/>
+                <a16:creationId xmlns="" xmlns:a16="http://schemas.microsoft.com/office/drawing/2014/main" id="{23861E71-C054-476F-8F0C-C25E7546800F}"/>
               </a:ext>
             </a:extLst>
           </p:cNvPr>
@@ -15041,7 +15147,7 @@
           <p:cNvPr id="57" name="Kép 56">
             <a:extLst>
               <a:ext uri="{FF2B5EF4-FFF2-40B4-BE49-F238E27FC236}">
-                <a16:creationId xmlns:a16="http://schemas.microsoft.com/office/drawing/2014/main" id="{802259A0-0D6F-42D0-8A1A-E910EB4CA7C4}"/>
+                <a16:creationId xmlns="" xmlns:a16="http://schemas.microsoft.com/office/drawing/2014/main" id="{802259A0-0D6F-42D0-8A1A-E910EB4CA7C4}"/>
               </a:ext>
             </a:extLst>
           </p:cNvPr>
@@ -15077,7 +15183,7 @@
           <p:cNvPr id="60" name="Rectangle 1">
             <a:extLst>
               <a:ext uri="{FF2B5EF4-FFF2-40B4-BE49-F238E27FC236}">
-                <a16:creationId xmlns:a16="http://schemas.microsoft.com/office/drawing/2014/main" id="{E499C11F-D502-4061-881F-F67C3180810C}"/>
+                <a16:creationId xmlns="" xmlns:a16="http://schemas.microsoft.com/office/drawing/2014/main" id="{E499C11F-D502-4061-881F-F67C3180810C}"/>
               </a:ext>
             </a:extLst>
           </p:cNvPr>
@@ -15858,7 +15964,7 @@
           <p:cNvPr id="62" name="Egyenes összekötő 61">
             <a:extLst>
               <a:ext uri="{FF2B5EF4-FFF2-40B4-BE49-F238E27FC236}">
-                <a16:creationId xmlns:a16="http://schemas.microsoft.com/office/drawing/2014/main" id="{2B5D68A7-E0AC-452F-B907-914ABB0E6C56}"/>
+                <a16:creationId xmlns="" xmlns:a16="http://schemas.microsoft.com/office/drawing/2014/main" id="{2B5D68A7-E0AC-452F-B907-914ABB0E6C56}"/>
               </a:ext>
             </a:extLst>
           </p:cNvPr>
@@ -15896,7 +16002,7 @@
           <p:cNvPr id="63" name="Egyenes összekötő 62">
             <a:extLst>
               <a:ext uri="{FF2B5EF4-FFF2-40B4-BE49-F238E27FC236}">
-                <a16:creationId xmlns:a16="http://schemas.microsoft.com/office/drawing/2014/main" id="{D873EA1A-414A-41B9-8586-C18287150BD1}"/>
+                <a16:creationId xmlns="" xmlns:a16="http://schemas.microsoft.com/office/drawing/2014/main" id="{D873EA1A-414A-41B9-8586-C18287150BD1}"/>
               </a:ext>
             </a:extLst>
           </p:cNvPr>
@@ -15934,7 +16040,7 @@
           <p:cNvPr id="67" name="Szövegdoboz 66">
             <a:extLst>
               <a:ext uri="{FF2B5EF4-FFF2-40B4-BE49-F238E27FC236}">
-                <a16:creationId xmlns:a16="http://schemas.microsoft.com/office/drawing/2014/main" id="{BC00FADC-B502-444E-9540-578DD54768A4}"/>
+                <a16:creationId xmlns="" xmlns:a16="http://schemas.microsoft.com/office/drawing/2014/main" id="{BC00FADC-B502-444E-9540-578DD54768A4}"/>
               </a:ext>
             </a:extLst>
           </p:cNvPr>
@@ -15971,7 +16077,7 @@
           <p:cNvPr id="68" name="Szövegdoboz 67">
             <a:extLst>
               <a:ext uri="{FF2B5EF4-FFF2-40B4-BE49-F238E27FC236}">
-                <a16:creationId xmlns:a16="http://schemas.microsoft.com/office/drawing/2014/main" id="{871D97B0-A149-4074-9C40-B5B908445F0D}"/>
+                <a16:creationId xmlns="" xmlns:a16="http://schemas.microsoft.com/office/drawing/2014/main" id="{871D97B0-A149-4074-9C40-B5B908445F0D}"/>
               </a:ext>
             </a:extLst>
           </p:cNvPr>
@@ -16038,7 +16144,7 @@
           <p:cNvPr id="4" name="Szövegdoboz 3">
             <a:extLst>
               <a:ext uri="{FF2B5EF4-FFF2-40B4-BE49-F238E27FC236}">
-                <a16:creationId xmlns:a16="http://schemas.microsoft.com/office/drawing/2014/main" id="{742FFBEE-7163-4E7E-848A-D4A4511A9A0D}"/>
+                <a16:creationId xmlns="" xmlns:a16="http://schemas.microsoft.com/office/drawing/2014/main" id="{742FFBEE-7163-4E7E-848A-D4A4511A9A0D}"/>
               </a:ext>
             </a:extLst>
           </p:cNvPr>
@@ -16078,7 +16184,7 @@
           <p:cNvPr id="5" name="Téglalap 4">
             <a:extLst>
               <a:ext uri="{FF2B5EF4-FFF2-40B4-BE49-F238E27FC236}">
-                <a16:creationId xmlns:a16="http://schemas.microsoft.com/office/drawing/2014/main" id="{9B82128D-BA48-43D0-9AF7-08CB7D7588E1}"/>
+                <a16:creationId xmlns="" xmlns:a16="http://schemas.microsoft.com/office/drawing/2014/main" id="{9B82128D-BA48-43D0-9AF7-08CB7D7588E1}"/>
               </a:ext>
             </a:extLst>
           </p:cNvPr>
@@ -16130,7 +16236,7 @@
           <p:cNvPr id="6" name="Ábra 5">
             <a:extLst>
               <a:ext uri="{FF2B5EF4-FFF2-40B4-BE49-F238E27FC236}">
-                <a16:creationId xmlns:a16="http://schemas.microsoft.com/office/drawing/2014/main" id="{9539EE2E-6FBF-4FC5-99FA-54E5D445FEC8}"/>
+                <a16:creationId xmlns="" xmlns:a16="http://schemas.microsoft.com/office/drawing/2014/main" id="{9539EE2E-6FBF-4FC5-99FA-54E5D445FEC8}"/>
               </a:ext>
             </a:extLst>
           </p:cNvPr>
@@ -16146,7 +16252,7 @@
                 <a14:useLocalDpi xmlns:a14="http://schemas.microsoft.com/office/drawing/2010/main" val="0"/>
               </a:ext>
               <a:ext uri="{96DAC541-7B7A-43D3-8B79-37D633B846F1}">
-                <asvg:svgBlip xmlns:asvg="http://schemas.microsoft.com/office/drawing/2016/SVG/main" r:embed="rId3"/>
+                <asvg:svgBlip xmlns="" xmlns:asvg="http://schemas.microsoft.com/office/drawing/2016/SVG/main" r:embed="rId3"/>
               </a:ext>
             </a:extLst>
           </a:blip>
@@ -16169,7 +16275,7 @@
           <p:cNvPr id="7" name="Kép 6">
             <a:extLst>
               <a:ext uri="{FF2B5EF4-FFF2-40B4-BE49-F238E27FC236}">
-                <a16:creationId xmlns:a16="http://schemas.microsoft.com/office/drawing/2014/main" id="{63F02832-5F07-4F27-9FD5-9B08121767DF}"/>
+                <a16:creationId xmlns="" xmlns:a16="http://schemas.microsoft.com/office/drawing/2014/main" id="{63F02832-5F07-4F27-9FD5-9B08121767DF}"/>
               </a:ext>
             </a:extLst>
           </p:cNvPr>
@@ -16205,7 +16311,7 @@
           <p:cNvPr id="8" name="Szövegdoboz 7">
             <a:extLst>
               <a:ext uri="{FF2B5EF4-FFF2-40B4-BE49-F238E27FC236}">
-                <a16:creationId xmlns:a16="http://schemas.microsoft.com/office/drawing/2014/main" id="{0AD34D30-865D-41AB-8E35-EA14CFE48A81}"/>
+                <a16:creationId xmlns="" xmlns:a16="http://schemas.microsoft.com/office/drawing/2014/main" id="{0AD34D30-865D-41AB-8E35-EA14CFE48A81}"/>
               </a:ext>
             </a:extLst>
           </p:cNvPr>
@@ -16351,7 +16457,7 @@
           <p:cNvPr id="4" name="Téglalap 3">
             <a:extLst>
               <a:ext uri="{FF2B5EF4-FFF2-40B4-BE49-F238E27FC236}">
-                <a16:creationId xmlns:a16="http://schemas.microsoft.com/office/drawing/2014/main" id="{CCC4A82F-58A9-463D-9CC7-9A14B3D51291}"/>
+                <a16:creationId xmlns="" xmlns:a16="http://schemas.microsoft.com/office/drawing/2014/main" id="{CCC4A82F-58A9-463D-9CC7-9A14B3D51291}"/>
               </a:ext>
             </a:extLst>
           </p:cNvPr>
@@ -16403,7 +16509,7 @@
           <p:cNvPr id="5" name="Ábra 4">
             <a:extLst>
               <a:ext uri="{FF2B5EF4-FFF2-40B4-BE49-F238E27FC236}">
-                <a16:creationId xmlns:a16="http://schemas.microsoft.com/office/drawing/2014/main" id="{97536270-8590-4BBC-89D6-4BEA9FD878D4}"/>
+                <a16:creationId xmlns="" xmlns:a16="http://schemas.microsoft.com/office/drawing/2014/main" id="{97536270-8590-4BBC-89D6-4BEA9FD878D4}"/>
               </a:ext>
             </a:extLst>
           </p:cNvPr>
@@ -16419,7 +16525,7 @@
                 <a14:useLocalDpi xmlns:a14="http://schemas.microsoft.com/office/drawing/2010/main" val="0"/>
               </a:ext>
               <a:ext uri="{96DAC541-7B7A-43D3-8B79-37D633B846F1}">
-                <asvg:svgBlip xmlns:asvg="http://schemas.microsoft.com/office/drawing/2016/SVG/main" r:embed="rId3"/>
+                <asvg:svgBlip xmlns="" xmlns:asvg="http://schemas.microsoft.com/office/drawing/2016/SVG/main" r:embed="rId3"/>
               </a:ext>
             </a:extLst>
           </a:blip>
@@ -16442,7 +16548,7 @@
           <p:cNvPr id="6" name="Kép 5">
             <a:extLst>
               <a:ext uri="{FF2B5EF4-FFF2-40B4-BE49-F238E27FC236}">
-                <a16:creationId xmlns:a16="http://schemas.microsoft.com/office/drawing/2014/main" id="{C0BB0118-0F80-4285-ABF6-8DD38EF484B9}"/>
+                <a16:creationId xmlns="" xmlns:a16="http://schemas.microsoft.com/office/drawing/2014/main" id="{C0BB0118-0F80-4285-ABF6-8DD38EF484B9}"/>
               </a:ext>
             </a:extLst>
           </p:cNvPr>
@@ -16478,7 +16584,7 @@
           <p:cNvPr id="7" name="Szövegdoboz 6">
             <a:extLst>
               <a:ext uri="{FF2B5EF4-FFF2-40B4-BE49-F238E27FC236}">
-                <a16:creationId xmlns:a16="http://schemas.microsoft.com/office/drawing/2014/main" id="{B730E880-200A-47AE-8C31-990FD33B7DE9}"/>
+                <a16:creationId xmlns="" xmlns:a16="http://schemas.microsoft.com/office/drawing/2014/main" id="{B730E880-200A-47AE-8C31-990FD33B7DE9}"/>
               </a:ext>
             </a:extLst>
           </p:cNvPr>
@@ -16548,7 +16654,7 @@
           <p:cNvPr id="4" name="Téglalap 3">
             <a:extLst>
               <a:ext uri="{FF2B5EF4-FFF2-40B4-BE49-F238E27FC236}">
-                <a16:creationId xmlns:a16="http://schemas.microsoft.com/office/drawing/2014/main" id="{0BD02874-CFC4-4733-82EA-7EFF9A1CCEAF}"/>
+                <a16:creationId xmlns="" xmlns:a16="http://schemas.microsoft.com/office/drawing/2014/main" id="{0BD02874-CFC4-4733-82EA-7EFF9A1CCEAF}"/>
               </a:ext>
             </a:extLst>
           </p:cNvPr>
@@ -16600,7 +16706,7 @@
           <p:cNvPr id="5" name="Szövegdoboz 4">
             <a:extLst>
               <a:ext uri="{FF2B5EF4-FFF2-40B4-BE49-F238E27FC236}">
-                <a16:creationId xmlns:a16="http://schemas.microsoft.com/office/drawing/2014/main" id="{C2E7ACD0-B4E6-438E-9A51-3623C001AD65}"/>
+                <a16:creationId xmlns="" xmlns:a16="http://schemas.microsoft.com/office/drawing/2014/main" id="{C2E7ACD0-B4E6-438E-9A51-3623C001AD65}"/>
               </a:ext>
             </a:extLst>
           </p:cNvPr>
@@ -16640,7 +16746,7 @@
           <p:cNvPr id="6" name="Ábra 5">
             <a:extLst>
               <a:ext uri="{FF2B5EF4-FFF2-40B4-BE49-F238E27FC236}">
-                <a16:creationId xmlns:a16="http://schemas.microsoft.com/office/drawing/2014/main" id="{98F6C7F9-0CE0-4576-A211-745D00E19E9D}"/>
+                <a16:creationId xmlns="" xmlns:a16="http://schemas.microsoft.com/office/drawing/2014/main" id="{98F6C7F9-0CE0-4576-A211-745D00E19E9D}"/>
               </a:ext>
             </a:extLst>
           </p:cNvPr>
@@ -16656,7 +16762,7 @@
                 <a14:useLocalDpi xmlns:a14="http://schemas.microsoft.com/office/drawing/2010/main" val="0"/>
               </a:ext>
               <a:ext uri="{96DAC541-7B7A-43D3-8B79-37D633B846F1}">
-                <asvg:svgBlip xmlns:asvg="http://schemas.microsoft.com/office/drawing/2016/SVG/main" r:embed="rId3"/>
+                <asvg:svgBlip xmlns="" xmlns:asvg="http://schemas.microsoft.com/office/drawing/2016/SVG/main" r:embed="rId3"/>
               </a:ext>
             </a:extLst>
           </a:blip>
@@ -16679,7 +16785,7 @@
           <p:cNvPr id="7" name="Kép 6">
             <a:extLst>
               <a:ext uri="{FF2B5EF4-FFF2-40B4-BE49-F238E27FC236}">
-                <a16:creationId xmlns:a16="http://schemas.microsoft.com/office/drawing/2014/main" id="{32A6B4B3-856A-4223-959F-952335EF0319}"/>
+                <a16:creationId xmlns="" xmlns:a16="http://schemas.microsoft.com/office/drawing/2014/main" id="{32A6B4B3-856A-4223-959F-952335EF0319}"/>
               </a:ext>
             </a:extLst>
           </p:cNvPr>
@@ -16715,7 +16821,7 @@
           <p:cNvPr id="8" name="Szövegdoboz 7">
             <a:extLst>
               <a:ext uri="{FF2B5EF4-FFF2-40B4-BE49-F238E27FC236}">
-                <a16:creationId xmlns:a16="http://schemas.microsoft.com/office/drawing/2014/main" id="{9B6DC4C5-0BC0-437E-8CCD-A2ABCB4CF3C8}"/>
+                <a16:creationId xmlns="" xmlns:a16="http://schemas.microsoft.com/office/drawing/2014/main" id="{9B6DC4C5-0BC0-437E-8CCD-A2ABCB4CF3C8}"/>
               </a:ext>
             </a:extLst>
           </p:cNvPr>
@@ -16927,7 +17033,7 @@
           <p:cNvPr id="4" name="Téglalap 3">
             <a:extLst>
               <a:ext uri="{FF2B5EF4-FFF2-40B4-BE49-F238E27FC236}">
-                <a16:creationId xmlns:a16="http://schemas.microsoft.com/office/drawing/2014/main" id="{CD6FC359-0AEF-424B-82B8-D071AD1AE850}"/>
+                <a16:creationId xmlns="" xmlns:a16="http://schemas.microsoft.com/office/drawing/2014/main" id="{CD6FC359-0AEF-424B-82B8-D071AD1AE850}"/>
               </a:ext>
             </a:extLst>
           </p:cNvPr>
@@ -16979,7 +17085,7 @@
           <p:cNvPr id="5" name="Kép 4">
             <a:extLst>
               <a:ext uri="{FF2B5EF4-FFF2-40B4-BE49-F238E27FC236}">
-                <a16:creationId xmlns:a16="http://schemas.microsoft.com/office/drawing/2014/main" id="{C619026F-11BA-46F5-83E2-86A702024CDE}"/>
+                <a16:creationId xmlns="" xmlns:a16="http://schemas.microsoft.com/office/drawing/2014/main" id="{C619026F-11BA-46F5-83E2-86A702024CDE}"/>
               </a:ext>
             </a:extLst>
           </p:cNvPr>
@@ -17015,7 +17121,7 @@
           <p:cNvPr id="6" name="Ábra 5">
             <a:extLst>
               <a:ext uri="{FF2B5EF4-FFF2-40B4-BE49-F238E27FC236}">
-                <a16:creationId xmlns:a16="http://schemas.microsoft.com/office/drawing/2014/main" id="{3870160F-4FAA-4635-B1EE-39D1E85802C7}"/>
+                <a16:creationId xmlns="" xmlns:a16="http://schemas.microsoft.com/office/drawing/2014/main" id="{3870160F-4FAA-4635-B1EE-39D1E85802C7}"/>
               </a:ext>
             </a:extLst>
           </p:cNvPr>
@@ -17031,7 +17137,7 @@
                 <a14:useLocalDpi xmlns:a14="http://schemas.microsoft.com/office/drawing/2010/main" val="0"/>
               </a:ext>
               <a:ext uri="{96DAC541-7B7A-43D3-8B79-37D633B846F1}">
-                <asvg:svgBlip xmlns:asvg="http://schemas.microsoft.com/office/drawing/2016/SVG/main" r:embed="rId4"/>
+                <asvg:svgBlip xmlns="" xmlns:asvg="http://schemas.microsoft.com/office/drawing/2016/SVG/main" r:embed="rId4"/>
               </a:ext>
             </a:extLst>
           </a:blip>
@@ -17054,7 +17160,7 @@
           <p:cNvPr id="8" name="Szövegdoboz 7">
             <a:extLst>
               <a:ext uri="{FF2B5EF4-FFF2-40B4-BE49-F238E27FC236}">
-                <a16:creationId xmlns:a16="http://schemas.microsoft.com/office/drawing/2014/main" id="{116EEA92-3F52-4DE9-B232-DDD49705643F}"/>
+                <a16:creationId xmlns="" xmlns:a16="http://schemas.microsoft.com/office/drawing/2014/main" id="{116EEA92-3F52-4DE9-B232-DDD49705643F}"/>
               </a:ext>
             </a:extLst>
           </p:cNvPr>
@@ -17094,7 +17200,7 @@
           <p:cNvPr id="9" name="Szövegdoboz 8">
             <a:extLst>
               <a:ext uri="{FF2B5EF4-FFF2-40B4-BE49-F238E27FC236}">
-                <a16:creationId xmlns:a16="http://schemas.microsoft.com/office/drawing/2014/main" id="{A8376AFF-C5D1-4992-B386-0F5652527DE1}"/>
+                <a16:creationId xmlns="" xmlns:a16="http://schemas.microsoft.com/office/drawing/2014/main" id="{A8376AFF-C5D1-4992-B386-0F5652527DE1}"/>
               </a:ext>
             </a:extLst>
           </p:cNvPr>
@@ -17257,7 +17363,7 @@
           <p:cNvPr id="11" name="Kép 10" descr="A képen méhsejt, kültéri objektum látható&#10;&#10;Automatikusan generált leírás">
             <a:extLst>
               <a:ext uri="{FF2B5EF4-FFF2-40B4-BE49-F238E27FC236}">
-                <a16:creationId xmlns:a16="http://schemas.microsoft.com/office/drawing/2014/main" id="{C96614E1-248C-4C8F-8BF9-0A5FA2F91DE4}"/>
+                <a16:creationId xmlns="" xmlns:a16="http://schemas.microsoft.com/office/drawing/2014/main" id="{C96614E1-248C-4C8F-8BF9-0A5FA2F91DE4}"/>
               </a:ext>
             </a:extLst>
           </p:cNvPr>
@@ -17293,7 +17399,7 @@
           <p:cNvPr id="13" name="Kép 12">
             <a:extLst>
               <a:ext uri="{FF2B5EF4-FFF2-40B4-BE49-F238E27FC236}">
-                <a16:creationId xmlns:a16="http://schemas.microsoft.com/office/drawing/2014/main" id="{8E8CAF80-3B97-4237-8B10-D12634BAE35E}"/>
+                <a16:creationId xmlns="" xmlns:a16="http://schemas.microsoft.com/office/drawing/2014/main" id="{8E8CAF80-3B97-4237-8B10-D12634BAE35E}"/>
               </a:ext>
             </a:extLst>
           </p:cNvPr>
@@ -17329,7 +17435,7 @@
           <p:cNvPr id="15" name="Ábra 14">
             <a:extLst>
               <a:ext uri="{FF2B5EF4-FFF2-40B4-BE49-F238E27FC236}">
-                <a16:creationId xmlns:a16="http://schemas.microsoft.com/office/drawing/2014/main" id="{62517743-3540-489B-BCEA-EBE08706CC09}"/>
+                <a16:creationId xmlns="" xmlns:a16="http://schemas.microsoft.com/office/drawing/2014/main" id="{62517743-3540-489B-BCEA-EBE08706CC09}"/>
               </a:ext>
             </a:extLst>
           </p:cNvPr>
@@ -17345,7 +17451,7 @@
                 <a14:useLocalDpi xmlns:a14="http://schemas.microsoft.com/office/drawing/2010/main" val="0"/>
               </a:ext>
               <a:ext uri="{96DAC541-7B7A-43D3-8B79-37D633B846F1}">
-                <asvg:svgBlip xmlns:asvg="http://schemas.microsoft.com/office/drawing/2016/SVG/main" r:embed="rId8"/>
+                <asvg:svgBlip xmlns="" xmlns:asvg="http://schemas.microsoft.com/office/drawing/2016/SVG/main" r:embed="rId8"/>
               </a:ext>
             </a:extLst>
           </a:blip>
@@ -17398,7 +17504,7 @@
           <p:cNvPr id="4" name="Téglalap 3">
             <a:extLst>
               <a:ext uri="{FF2B5EF4-FFF2-40B4-BE49-F238E27FC236}">
-                <a16:creationId xmlns:a16="http://schemas.microsoft.com/office/drawing/2014/main" id="{D86D6B71-3651-4D61-8CD4-20BAB8BEE051}"/>
+                <a16:creationId xmlns="" xmlns:a16="http://schemas.microsoft.com/office/drawing/2014/main" id="{D86D6B71-3651-4D61-8CD4-20BAB8BEE051}"/>
               </a:ext>
             </a:extLst>
           </p:cNvPr>
@@ -17450,7 +17556,7 @@
           <p:cNvPr id="5" name="Szövegdoboz 4">
             <a:extLst>
               <a:ext uri="{FF2B5EF4-FFF2-40B4-BE49-F238E27FC236}">
-                <a16:creationId xmlns:a16="http://schemas.microsoft.com/office/drawing/2014/main" id="{93BF4FAF-C49D-49CE-A938-84E5D80D3EB4}"/>
+                <a16:creationId xmlns="" xmlns:a16="http://schemas.microsoft.com/office/drawing/2014/main" id="{93BF4FAF-C49D-49CE-A938-84E5D80D3EB4}"/>
               </a:ext>
             </a:extLst>
           </p:cNvPr>
@@ -17490,7 +17596,7 @@
           <p:cNvPr id="6" name="Kép 5">
             <a:extLst>
               <a:ext uri="{FF2B5EF4-FFF2-40B4-BE49-F238E27FC236}">
-                <a16:creationId xmlns:a16="http://schemas.microsoft.com/office/drawing/2014/main" id="{6BFEB4BC-31D7-4079-980D-D0FFC2FA5FC2}"/>
+                <a16:creationId xmlns="" xmlns:a16="http://schemas.microsoft.com/office/drawing/2014/main" id="{6BFEB4BC-31D7-4079-980D-D0FFC2FA5FC2}"/>
               </a:ext>
             </a:extLst>
           </p:cNvPr>
@@ -17526,7 +17632,7 @@
           <p:cNvPr id="7" name="Ábra 6">
             <a:extLst>
               <a:ext uri="{FF2B5EF4-FFF2-40B4-BE49-F238E27FC236}">
-                <a16:creationId xmlns:a16="http://schemas.microsoft.com/office/drawing/2014/main" id="{4DCEB4C6-FE4C-46AA-8C1F-CA08B288A147}"/>
+                <a16:creationId xmlns="" xmlns:a16="http://schemas.microsoft.com/office/drawing/2014/main" id="{4DCEB4C6-FE4C-46AA-8C1F-CA08B288A147}"/>
               </a:ext>
             </a:extLst>
           </p:cNvPr>
@@ -17542,7 +17648,7 @@
                 <a14:useLocalDpi xmlns:a14="http://schemas.microsoft.com/office/drawing/2010/main" val="0"/>
               </a:ext>
               <a:ext uri="{96DAC541-7B7A-43D3-8B79-37D633B846F1}">
-                <asvg:svgBlip xmlns:asvg="http://schemas.microsoft.com/office/drawing/2016/SVG/main" r:embed="rId4"/>
+                <asvg:svgBlip xmlns="" xmlns:asvg="http://schemas.microsoft.com/office/drawing/2016/SVG/main" r:embed="rId4"/>
               </a:ext>
             </a:extLst>
           </a:blip>
@@ -17565,7 +17671,7 @@
           <p:cNvPr id="8" name="Szövegdoboz 7">
             <a:extLst>
               <a:ext uri="{FF2B5EF4-FFF2-40B4-BE49-F238E27FC236}">
-                <a16:creationId xmlns:a16="http://schemas.microsoft.com/office/drawing/2014/main" id="{53180FF3-8853-4D61-A21E-5E2C4F6723F3}"/>
+                <a16:creationId xmlns="" xmlns:a16="http://schemas.microsoft.com/office/drawing/2014/main" id="{53180FF3-8853-4D61-A21E-5E2C4F6723F3}"/>
               </a:ext>
             </a:extLst>
           </p:cNvPr>
@@ -17676,7 +17782,7 @@
           <p:cNvPr id="3" name="Ábra 2" descr="Laptop egyszínű kitöltéssel">
             <a:extLst>
               <a:ext uri="{FF2B5EF4-FFF2-40B4-BE49-F238E27FC236}">
-                <a16:creationId xmlns:a16="http://schemas.microsoft.com/office/drawing/2014/main" id="{B04AEB5F-4C05-4147-82D3-12F08CDE6C2D}"/>
+                <a16:creationId xmlns="" xmlns:a16="http://schemas.microsoft.com/office/drawing/2014/main" id="{B04AEB5F-4C05-4147-82D3-12F08CDE6C2D}"/>
               </a:ext>
             </a:extLst>
           </p:cNvPr>
@@ -17692,7 +17798,7 @@
                 <a14:useLocalDpi xmlns:a14="http://schemas.microsoft.com/office/drawing/2010/main" val="0"/>
               </a:ext>
               <a:ext uri="{96DAC541-7B7A-43D3-8B79-37D633B846F1}">
-                <asvg:svgBlip xmlns:asvg="http://schemas.microsoft.com/office/drawing/2016/SVG/main" r:embed="rId6"/>
+                <asvg:svgBlip xmlns="" xmlns:asvg="http://schemas.microsoft.com/office/drawing/2016/SVG/main" r:embed="rId6"/>
               </a:ext>
             </a:extLst>
           </a:blip>
@@ -17715,7 +17821,7 @@
           <p:cNvPr id="9" name="Henger 8">
             <a:extLst>
               <a:ext uri="{FF2B5EF4-FFF2-40B4-BE49-F238E27FC236}">
-                <a16:creationId xmlns:a16="http://schemas.microsoft.com/office/drawing/2014/main" id="{E9F392FD-D67A-427A-B8C8-D045F23CE51C}"/>
+                <a16:creationId xmlns="" xmlns:a16="http://schemas.microsoft.com/office/drawing/2014/main" id="{E9F392FD-D67A-427A-B8C8-D045F23CE51C}"/>
               </a:ext>
             </a:extLst>
           </p:cNvPr>
@@ -17761,7 +17867,7 @@
           <p:cNvPr id="11" name="Ábra 10" descr="Terminál parancssora egyszínű kitöltéssel">
             <a:extLst>
               <a:ext uri="{FF2B5EF4-FFF2-40B4-BE49-F238E27FC236}">
-                <a16:creationId xmlns:a16="http://schemas.microsoft.com/office/drawing/2014/main" id="{7BE92D9B-5EDE-49BE-8974-8420C9427A4F}"/>
+                <a16:creationId xmlns="" xmlns:a16="http://schemas.microsoft.com/office/drawing/2014/main" id="{7BE92D9B-5EDE-49BE-8974-8420C9427A4F}"/>
               </a:ext>
             </a:extLst>
           </p:cNvPr>
@@ -17777,7 +17883,7 @@
                 <a14:useLocalDpi xmlns:a14="http://schemas.microsoft.com/office/drawing/2010/main" val="0"/>
               </a:ext>
               <a:ext uri="{96DAC541-7B7A-43D3-8B79-37D633B846F1}">
-                <asvg:svgBlip xmlns:asvg="http://schemas.microsoft.com/office/drawing/2016/SVG/main" r:embed="rId8"/>
+                <asvg:svgBlip xmlns="" xmlns:asvg="http://schemas.microsoft.com/office/drawing/2016/SVG/main" r:embed="rId8"/>
               </a:ext>
             </a:extLst>
           </a:blip>
@@ -17800,7 +17906,7 @@
           <p:cNvPr id="13" name="Ábra 12" descr="Kiszolgáló egyszínű kitöltéssel">
             <a:extLst>
               <a:ext uri="{FF2B5EF4-FFF2-40B4-BE49-F238E27FC236}">
-                <a16:creationId xmlns:a16="http://schemas.microsoft.com/office/drawing/2014/main" id="{FF6925B3-6674-485B-BFCA-3359F7AE1D3C}"/>
+                <a16:creationId xmlns="" xmlns:a16="http://schemas.microsoft.com/office/drawing/2014/main" id="{FF6925B3-6674-485B-BFCA-3359F7AE1D3C}"/>
               </a:ext>
             </a:extLst>
           </p:cNvPr>
@@ -17816,7 +17922,7 @@
                 <a14:useLocalDpi xmlns:a14="http://schemas.microsoft.com/office/drawing/2010/main" val="0"/>
               </a:ext>
               <a:ext uri="{96DAC541-7B7A-43D3-8B79-37D633B846F1}">
-                <asvg:svgBlip xmlns:asvg="http://schemas.microsoft.com/office/drawing/2016/SVG/main" r:embed="rId10"/>
+                <asvg:svgBlip xmlns="" xmlns:asvg="http://schemas.microsoft.com/office/drawing/2016/SVG/main" r:embed="rId10"/>
               </a:ext>
             </a:extLst>
           </a:blip>
@@ -17839,7 +17945,7 @@
           <p:cNvPr id="15" name="Ábra 14" descr="Adatbázis egyszínű kitöltéssel">
             <a:extLst>
               <a:ext uri="{FF2B5EF4-FFF2-40B4-BE49-F238E27FC236}">
-                <a16:creationId xmlns:a16="http://schemas.microsoft.com/office/drawing/2014/main" id="{6D4617D3-643E-4A7D-892D-472F65149C57}"/>
+                <a16:creationId xmlns="" xmlns:a16="http://schemas.microsoft.com/office/drawing/2014/main" id="{6D4617D3-643E-4A7D-892D-472F65149C57}"/>
               </a:ext>
             </a:extLst>
           </p:cNvPr>
@@ -17855,7 +17961,7 @@
                 <a14:useLocalDpi xmlns:a14="http://schemas.microsoft.com/office/drawing/2010/main" val="0"/>
               </a:ext>
               <a:ext uri="{96DAC541-7B7A-43D3-8B79-37D633B846F1}">
-                <asvg:svgBlip xmlns:asvg="http://schemas.microsoft.com/office/drawing/2016/SVG/main" r:embed="rId12"/>
+                <asvg:svgBlip xmlns="" xmlns:asvg="http://schemas.microsoft.com/office/drawing/2016/SVG/main" r:embed="rId12"/>
               </a:ext>
             </a:extLst>
           </a:blip>
@@ -17878,7 +17984,7 @@
           <p:cNvPr id="17" name="Ábra 16" descr="Felhő egyszínű kitöltéssel">
             <a:extLst>
               <a:ext uri="{FF2B5EF4-FFF2-40B4-BE49-F238E27FC236}">
-                <a16:creationId xmlns:a16="http://schemas.microsoft.com/office/drawing/2014/main" id="{AA3DF723-54FF-4F17-8D68-88C73DAB4F1E}"/>
+                <a16:creationId xmlns="" xmlns:a16="http://schemas.microsoft.com/office/drawing/2014/main" id="{AA3DF723-54FF-4F17-8D68-88C73DAB4F1E}"/>
               </a:ext>
             </a:extLst>
           </p:cNvPr>
@@ -17894,7 +18000,7 @@
                 <a14:useLocalDpi xmlns:a14="http://schemas.microsoft.com/office/drawing/2010/main" val="0"/>
               </a:ext>
               <a:ext uri="{96DAC541-7B7A-43D3-8B79-37D633B846F1}">
-                <asvg:svgBlip xmlns:asvg="http://schemas.microsoft.com/office/drawing/2016/SVG/main" r:embed="rId14"/>
+                <asvg:svgBlip xmlns="" xmlns:asvg="http://schemas.microsoft.com/office/drawing/2016/SVG/main" r:embed="rId14"/>
               </a:ext>
             </a:extLst>
           </a:blip>
@@ -17917,7 +18023,7 @@
           <p:cNvPr id="18" name="Szövegdoboz 17">
             <a:extLst>
               <a:ext uri="{FF2B5EF4-FFF2-40B4-BE49-F238E27FC236}">
-                <a16:creationId xmlns:a16="http://schemas.microsoft.com/office/drawing/2014/main" id="{A9114A1D-34CB-4428-8439-C3A56F865A71}"/>
+                <a16:creationId xmlns="" xmlns:a16="http://schemas.microsoft.com/office/drawing/2014/main" id="{A9114A1D-34CB-4428-8439-C3A56F865A71}"/>
               </a:ext>
             </a:extLst>
           </p:cNvPr>
@@ -17960,7 +18066,7 @@
           <p:cNvPr id="19" name="Szövegdoboz 18">
             <a:extLst>
               <a:ext uri="{FF2B5EF4-FFF2-40B4-BE49-F238E27FC236}">
-                <a16:creationId xmlns:a16="http://schemas.microsoft.com/office/drawing/2014/main" id="{34D72C7D-5AF5-49C1-A278-C33E41A7CFE4}"/>
+                <a16:creationId xmlns="" xmlns:a16="http://schemas.microsoft.com/office/drawing/2014/main" id="{34D72C7D-5AF5-49C1-A278-C33E41A7CFE4}"/>
               </a:ext>
             </a:extLst>
           </p:cNvPr>
@@ -17997,7 +18103,7 @@
           <p:cNvPr id="21" name="Szövegdoboz 20">
             <a:extLst>
               <a:ext uri="{FF2B5EF4-FFF2-40B4-BE49-F238E27FC236}">
-                <a16:creationId xmlns:a16="http://schemas.microsoft.com/office/drawing/2014/main" id="{F45E59FA-D6E9-44A5-9B6E-03F8DB11907E}"/>
+                <a16:creationId xmlns="" xmlns:a16="http://schemas.microsoft.com/office/drawing/2014/main" id="{F45E59FA-D6E9-44A5-9B6E-03F8DB11907E}"/>
               </a:ext>
             </a:extLst>
           </p:cNvPr>
@@ -18034,7 +18140,7 @@
           <p:cNvPr id="22" name="Kép 21">
             <a:extLst>
               <a:ext uri="{FF2B5EF4-FFF2-40B4-BE49-F238E27FC236}">
-                <a16:creationId xmlns:a16="http://schemas.microsoft.com/office/drawing/2014/main" id="{DD351F2A-595E-4097-B6C5-9469C1AF9BE4}"/>
+                <a16:creationId xmlns="" xmlns:a16="http://schemas.microsoft.com/office/drawing/2014/main" id="{DD351F2A-595E-4097-B6C5-9469C1AF9BE4}"/>
               </a:ext>
             </a:extLst>
           </p:cNvPr>
@@ -18070,7 +18176,7 @@
           <p:cNvPr id="23" name="Kép 22">
             <a:extLst>
               <a:ext uri="{FF2B5EF4-FFF2-40B4-BE49-F238E27FC236}">
-                <a16:creationId xmlns:a16="http://schemas.microsoft.com/office/drawing/2014/main" id="{E576C146-A969-4C56-ADD6-049D6924288A}"/>
+                <a16:creationId xmlns="" xmlns:a16="http://schemas.microsoft.com/office/drawing/2014/main" id="{E576C146-A969-4C56-ADD6-049D6924288A}"/>
               </a:ext>
             </a:extLst>
           </p:cNvPr>
@@ -18106,7 +18212,7 @@
           <p:cNvPr id="26" name="Egyenes összekötő 25">
             <a:extLst>
               <a:ext uri="{FF2B5EF4-FFF2-40B4-BE49-F238E27FC236}">
-                <a16:creationId xmlns:a16="http://schemas.microsoft.com/office/drawing/2014/main" id="{BC468C39-269A-44BB-9F15-956984ECDFE4}"/>
+                <a16:creationId xmlns="" xmlns:a16="http://schemas.microsoft.com/office/drawing/2014/main" id="{BC468C39-269A-44BB-9F15-956984ECDFE4}"/>
               </a:ext>
             </a:extLst>
           </p:cNvPr>
@@ -18144,7 +18250,7 @@
           <p:cNvPr id="28" name="Egyenes összekötő 27">
             <a:extLst>
               <a:ext uri="{FF2B5EF4-FFF2-40B4-BE49-F238E27FC236}">
-                <a16:creationId xmlns:a16="http://schemas.microsoft.com/office/drawing/2014/main" id="{1C06E523-ABB3-4242-888B-0DCA07E707C1}"/>
+                <a16:creationId xmlns="" xmlns:a16="http://schemas.microsoft.com/office/drawing/2014/main" id="{1C06E523-ABB3-4242-888B-0DCA07E707C1}"/>
               </a:ext>
             </a:extLst>
           </p:cNvPr>
@@ -18185,7 +18291,7 @@
           <p:cNvPr id="30" name="Egyenes összekötő 29">
             <a:extLst>
               <a:ext uri="{FF2B5EF4-FFF2-40B4-BE49-F238E27FC236}">
-                <a16:creationId xmlns:a16="http://schemas.microsoft.com/office/drawing/2014/main" id="{07B5B1F8-7247-4EDC-8BB3-4EBEEED7218B}"/>
+                <a16:creationId xmlns="" xmlns:a16="http://schemas.microsoft.com/office/drawing/2014/main" id="{07B5B1F8-7247-4EDC-8BB3-4EBEEED7218B}"/>
               </a:ext>
             </a:extLst>
           </p:cNvPr>
@@ -18221,7 +18327,7 @@
           <p:cNvPr id="24" name="Szövegdoboz 23">
             <a:extLst>
               <a:ext uri="{FF2B5EF4-FFF2-40B4-BE49-F238E27FC236}">
-                <a16:creationId xmlns:a16="http://schemas.microsoft.com/office/drawing/2014/main" id="{E6976D20-9B16-45FB-9C78-E6EAA4C629E6}"/>
+                <a16:creationId xmlns="" xmlns:a16="http://schemas.microsoft.com/office/drawing/2014/main" id="{E6976D20-9B16-45FB-9C78-E6EAA4C629E6}"/>
               </a:ext>
             </a:extLst>
           </p:cNvPr>
@@ -18260,7 +18366,7 @@
           <p:cNvPr id="34" name="Szövegdoboz 33">
             <a:extLst>
               <a:ext uri="{FF2B5EF4-FFF2-40B4-BE49-F238E27FC236}">
-                <a16:creationId xmlns:a16="http://schemas.microsoft.com/office/drawing/2014/main" id="{663EFC6A-27A6-4963-8590-C2B43261860B}"/>
+                <a16:creationId xmlns="" xmlns:a16="http://schemas.microsoft.com/office/drawing/2014/main" id="{663EFC6A-27A6-4963-8590-C2B43261860B}"/>
               </a:ext>
             </a:extLst>
           </p:cNvPr>
@@ -18297,7 +18403,7 @@
           <p:cNvPr id="35" name="Szövegdoboz 34">
             <a:extLst>
               <a:ext uri="{FF2B5EF4-FFF2-40B4-BE49-F238E27FC236}">
-                <a16:creationId xmlns:a16="http://schemas.microsoft.com/office/drawing/2014/main" id="{EA0AEA84-8407-45F6-9237-0414C281324C}"/>
+                <a16:creationId xmlns="" xmlns:a16="http://schemas.microsoft.com/office/drawing/2014/main" id="{EA0AEA84-8407-45F6-9237-0414C281324C}"/>
               </a:ext>
             </a:extLst>
           </p:cNvPr>
@@ -18358,7 +18464,7 @@
           <p:cNvPr id="36" name="Szövegdoboz 35">
             <a:extLst>
               <a:ext uri="{FF2B5EF4-FFF2-40B4-BE49-F238E27FC236}">
-                <a16:creationId xmlns:a16="http://schemas.microsoft.com/office/drawing/2014/main" id="{DAD8E18A-C09E-4C39-AC7F-C0DF69E4E08C}"/>
+                <a16:creationId xmlns="" xmlns:a16="http://schemas.microsoft.com/office/drawing/2014/main" id="{DAD8E18A-C09E-4C39-AC7F-C0DF69E4E08C}"/>
               </a:ext>
             </a:extLst>
           </p:cNvPr>
@@ -18396,7 +18502,7 @@
           <p:cNvPr id="39" name="Szövegdoboz 38">
             <a:extLst>
               <a:ext uri="{FF2B5EF4-FFF2-40B4-BE49-F238E27FC236}">
-                <a16:creationId xmlns:a16="http://schemas.microsoft.com/office/drawing/2014/main" id="{8BFFB914-3911-445C-AAF8-D50C2252A398}"/>
+                <a16:creationId xmlns="" xmlns:a16="http://schemas.microsoft.com/office/drawing/2014/main" id="{8BFFB914-3911-445C-AAF8-D50C2252A398}"/>
               </a:ext>
             </a:extLst>
           </p:cNvPr>
@@ -18433,7 +18539,7 @@
           <p:cNvPr id="41" name="Szövegdoboz 40">
             <a:extLst>
               <a:ext uri="{FF2B5EF4-FFF2-40B4-BE49-F238E27FC236}">
-                <a16:creationId xmlns:a16="http://schemas.microsoft.com/office/drawing/2014/main" id="{94600FA8-74C4-4796-A2F4-5FE89A6A530A}"/>
+                <a16:creationId xmlns="" xmlns:a16="http://schemas.microsoft.com/office/drawing/2014/main" id="{94600FA8-74C4-4796-A2F4-5FE89A6A530A}"/>
               </a:ext>
             </a:extLst>
           </p:cNvPr>
@@ -18500,7 +18606,7 @@
           <p:cNvPr id="4" name="Téglalap 3">
             <a:extLst>
               <a:ext uri="{FF2B5EF4-FFF2-40B4-BE49-F238E27FC236}">
-                <a16:creationId xmlns:a16="http://schemas.microsoft.com/office/drawing/2014/main" id="{2E4301DD-C188-4DBD-8622-C3CF65F0D40F}"/>
+                <a16:creationId xmlns="" xmlns:a16="http://schemas.microsoft.com/office/drawing/2014/main" id="{2E4301DD-C188-4DBD-8622-C3CF65F0D40F}"/>
               </a:ext>
             </a:extLst>
           </p:cNvPr>
@@ -18552,7 +18658,7 @@
           <p:cNvPr id="5" name="Kép 4">
             <a:extLst>
               <a:ext uri="{FF2B5EF4-FFF2-40B4-BE49-F238E27FC236}">
-                <a16:creationId xmlns:a16="http://schemas.microsoft.com/office/drawing/2014/main" id="{35DB0531-99A2-4AA4-A155-C0DB79EEBECC}"/>
+                <a16:creationId xmlns="" xmlns:a16="http://schemas.microsoft.com/office/drawing/2014/main" id="{35DB0531-99A2-4AA4-A155-C0DB79EEBECC}"/>
               </a:ext>
             </a:extLst>
           </p:cNvPr>
@@ -18588,7 +18694,7 @@
           <p:cNvPr id="6" name="Ábra 5">
             <a:extLst>
               <a:ext uri="{FF2B5EF4-FFF2-40B4-BE49-F238E27FC236}">
-                <a16:creationId xmlns:a16="http://schemas.microsoft.com/office/drawing/2014/main" id="{0FB8A7EC-F4C1-41A1-80C9-A77B34E449E7}"/>
+                <a16:creationId xmlns="" xmlns:a16="http://schemas.microsoft.com/office/drawing/2014/main" id="{0FB8A7EC-F4C1-41A1-80C9-A77B34E449E7}"/>
               </a:ext>
             </a:extLst>
           </p:cNvPr>
@@ -18604,7 +18710,7 @@
                 <a14:useLocalDpi xmlns:a14="http://schemas.microsoft.com/office/drawing/2010/main" val="0"/>
               </a:ext>
               <a:ext uri="{96DAC541-7B7A-43D3-8B79-37D633B846F1}">
-                <asvg:svgBlip xmlns:asvg="http://schemas.microsoft.com/office/drawing/2016/SVG/main" r:embed="rId4"/>
+                <asvg:svgBlip xmlns="" xmlns:asvg="http://schemas.microsoft.com/office/drawing/2016/SVG/main" r:embed="rId4"/>
               </a:ext>
             </a:extLst>
           </a:blip>
@@ -18627,7 +18733,7 @@
           <p:cNvPr id="7" name="Szövegdoboz 6">
             <a:extLst>
               <a:ext uri="{FF2B5EF4-FFF2-40B4-BE49-F238E27FC236}">
-                <a16:creationId xmlns:a16="http://schemas.microsoft.com/office/drawing/2014/main" id="{06BF220C-87A1-4E15-98FC-25D0E35276C7}"/>
+                <a16:creationId xmlns="" xmlns:a16="http://schemas.microsoft.com/office/drawing/2014/main" id="{06BF220C-87A1-4E15-98FC-25D0E35276C7}"/>
               </a:ext>
             </a:extLst>
           </p:cNvPr>
@@ -18667,7 +18773,7 @@
           <p:cNvPr id="8" name="Ábra 7" descr="Kiszolgáló egyszínű kitöltéssel">
             <a:extLst>
               <a:ext uri="{FF2B5EF4-FFF2-40B4-BE49-F238E27FC236}">
-                <a16:creationId xmlns:a16="http://schemas.microsoft.com/office/drawing/2014/main" id="{3FCA9E6B-6566-4EA7-85F9-60B3681336DC}"/>
+                <a16:creationId xmlns="" xmlns:a16="http://schemas.microsoft.com/office/drawing/2014/main" id="{3FCA9E6B-6566-4EA7-85F9-60B3681336DC}"/>
               </a:ext>
             </a:extLst>
           </p:cNvPr>
@@ -18683,7 +18789,7 @@
                 <a14:useLocalDpi xmlns:a14="http://schemas.microsoft.com/office/drawing/2010/main" val="0"/>
               </a:ext>
               <a:ext uri="{96DAC541-7B7A-43D3-8B79-37D633B846F1}">
-                <asvg:svgBlip xmlns:asvg="http://schemas.microsoft.com/office/drawing/2016/SVG/main" r:embed="rId6"/>
+                <asvg:svgBlip xmlns="" xmlns:asvg="http://schemas.microsoft.com/office/drawing/2016/SVG/main" r:embed="rId6"/>
               </a:ext>
             </a:extLst>
           </a:blip>
@@ -18706,7 +18812,7 @@
           <p:cNvPr id="9" name="Ábra 8" descr="Kiszolgáló egyszínű kitöltéssel">
             <a:extLst>
               <a:ext uri="{FF2B5EF4-FFF2-40B4-BE49-F238E27FC236}">
-                <a16:creationId xmlns:a16="http://schemas.microsoft.com/office/drawing/2014/main" id="{5D4C4BC6-D032-4F4B-8ADB-2F3969867831}"/>
+                <a16:creationId xmlns="" xmlns:a16="http://schemas.microsoft.com/office/drawing/2014/main" id="{5D4C4BC6-D032-4F4B-8ADB-2F3969867831}"/>
               </a:ext>
             </a:extLst>
           </p:cNvPr>
@@ -18722,7 +18828,7 @@
                 <a14:useLocalDpi xmlns:a14="http://schemas.microsoft.com/office/drawing/2010/main" val="0"/>
               </a:ext>
               <a:ext uri="{96DAC541-7B7A-43D3-8B79-37D633B846F1}">
-                <asvg:svgBlip xmlns:asvg="http://schemas.microsoft.com/office/drawing/2016/SVG/main" r:embed="rId6"/>
+                <asvg:svgBlip xmlns="" xmlns:asvg="http://schemas.microsoft.com/office/drawing/2016/SVG/main" r:embed="rId6"/>
               </a:ext>
             </a:extLst>
           </a:blip>
@@ -18745,7 +18851,7 @@
           <p:cNvPr id="10" name="Ábra 9" descr="Kiszolgáló egyszínű kitöltéssel">
             <a:extLst>
               <a:ext uri="{FF2B5EF4-FFF2-40B4-BE49-F238E27FC236}">
-                <a16:creationId xmlns:a16="http://schemas.microsoft.com/office/drawing/2014/main" id="{FB74269D-EE68-45B7-BE3E-C8F09726E07D}"/>
+                <a16:creationId xmlns="" xmlns:a16="http://schemas.microsoft.com/office/drawing/2014/main" id="{FB74269D-EE68-45B7-BE3E-C8F09726E07D}"/>
               </a:ext>
             </a:extLst>
           </p:cNvPr>
@@ -18761,7 +18867,7 @@
                 <a14:useLocalDpi xmlns:a14="http://schemas.microsoft.com/office/drawing/2010/main" val="0"/>
               </a:ext>
               <a:ext uri="{96DAC541-7B7A-43D3-8B79-37D633B846F1}">
-                <asvg:svgBlip xmlns:asvg="http://schemas.microsoft.com/office/drawing/2016/SVG/main" r:embed="rId6"/>
+                <asvg:svgBlip xmlns="" xmlns:asvg="http://schemas.microsoft.com/office/drawing/2016/SVG/main" r:embed="rId6"/>
               </a:ext>
             </a:extLst>
           </a:blip>
@@ -18784,7 +18890,7 @@
           <p:cNvPr id="13" name="Ábra 12" descr="Kiszolgáló egyszínű kitöltéssel">
             <a:extLst>
               <a:ext uri="{FF2B5EF4-FFF2-40B4-BE49-F238E27FC236}">
-                <a16:creationId xmlns:a16="http://schemas.microsoft.com/office/drawing/2014/main" id="{42B9D417-2758-4ABA-9C2A-22AB930591DA}"/>
+                <a16:creationId xmlns="" xmlns:a16="http://schemas.microsoft.com/office/drawing/2014/main" id="{42B9D417-2758-4ABA-9C2A-22AB930591DA}"/>
               </a:ext>
             </a:extLst>
           </p:cNvPr>
@@ -18800,7 +18906,7 @@
                 <a14:useLocalDpi xmlns:a14="http://schemas.microsoft.com/office/drawing/2010/main" val="0"/>
               </a:ext>
               <a:ext uri="{96DAC541-7B7A-43D3-8B79-37D633B846F1}">
-                <asvg:svgBlip xmlns:asvg="http://schemas.microsoft.com/office/drawing/2016/SVG/main" r:embed="rId6"/>
+                <asvg:svgBlip xmlns="" xmlns:asvg="http://schemas.microsoft.com/office/drawing/2016/SVG/main" r:embed="rId6"/>
               </a:ext>
             </a:extLst>
           </a:blip>
@@ -18823,7 +18929,7 @@
           <p:cNvPr id="14" name="Ábra 13" descr="Kiszolgáló egyszínű kitöltéssel">
             <a:extLst>
               <a:ext uri="{FF2B5EF4-FFF2-40B4-BE49-F238E27FC236}">
-                <a16:creationId xmlns:a16="http://schemas.microsoft.com/office/drawing/2014/main" id="{CCF31FE1-2D3C-4AD9-976F-B44ACBE6BA30}"/>
+                <a16:creationId xmlns="" xmlns:a16="http://schemas.microsoft.com/office/drawing/2014/main" id="{CCF31FE1-2D3C-4AD9-976F-B44ACBE6BA30}"/>
               </a:ext>
             </a:extLst>
           </p:cNvPr>
@@ -18839,7 +18945,7 @@
                 <a14:useLocalDpi xmlns:a14="http://schemas.microsoft.com/office/drawing/2010/main" val="0"/>
               </a:ext>
               <a:ext uri="{96DAC541-7B7A-43D3-8B79-37D633B846F1}">
-                <asvg:svgBlip xmlns:asvg="http://schemas.microsoft.com/office/drawing/2016/SVG/main" r:embed="rId6"/>
+                <asvg:svgBlip xmlns="" xmlns:asvg="http://schemas.microsoft.com/office/drawing/2016/SVG/main" r:embed="rId6"/>
               </a:ext>
             </a:extLst>
           </a:blip>
@@ -18862,7 +18968,7 @@
           <p:cNvPr id="15" name="Ábra 14" descr="Kiszolgáló egyszínű kitöltéssel">
             <a:extLst>
               <a:ext uri="{FF2B5EF4-FFF2-40B4-BE49-F238E27FC236}">
-                <a16:creationId xmlns:a16="http://schemas.microsoft.com/office/drawing/2014/main" id="{2067FAB1-ACE9-49C1-AEDA-E8C49C6A4681}"/>
+                <a16:creationId xmlns="" xmlns:a16="http://schemas.microsoft.com/office/drawing/2014/main" id="{2067FAB1-ACE9-49C1-AEDA-E8C49C6A4681}"/>
               </a:ext>
             </a:extLst>
           </p:cNvPr>
@@ -18878,7 +18984,7 @@
                 <a14:useLocalDpi xmlns:a14="http://schemas.microsoft.com/office/drawing/2010/main" val="0"/>
               </a:ext>
               <a:ext uri="{96DAC541-7B7A-43D3-8B79-37D633B846F1}">
-                <asvg:svgBlip xmlns:asvg="http://schemas.microsoft.com/office/drawing/2016/SVG/main" r:embed="rId6"/>
+                <asvg:svgBlip xmlns="" xmlns:asvg="http://schemas.microsoft.com/office/drawing/2016/SVG/main" r:embed="rId6"/>
               </a:ext>
             </a:extLst>
           </a:blip>
@@ -18901,7 +19007,7 @@
           <p:cNvPr id="16" name="Ábra 15" descr="Kiszolgáló egyszínű kitöltéssel">
             <a:extLst>
               <a:ext uri="{FF2B5EF4-FFF2-40B4-BE49-F238E27FC236}">
-                <a16:creationId xmlns:a16="http://schemas.microsoft.com/office/drawing/2014/main" id="{4AF5A067-D566-4776-B279-8462147780A8}"/>
+                <a16:creationId xmlns="" xmlns:a16="http://schemas.microsoft.com/office/drawing/2014/main" id="{4AF5A067-D566-4776-B279-8462147780A8}"/>
               </a:ext>
             </a:extLst>
           </p:cNvPr>
@@ -18917,7 +19023,7 @@
                 <a14:useLocalDpi xmlns:a14="http://schemas.microsoft.com/office/drawing/2010/main" val="0"/>
               </a:ext>
               <a:ext uri="{96DAC541-7B7A-43D3-8B79-37D633B846F1}">
-                <asvg:svgBlip xmlns:asvg="http://schemas.microsoft.com/office/drawing/2016/SVG/main" r:embed="rId6"/>
+                <asvg:svgBlip xmlns="" xmlns:asvg="http://schemas.microsoft.com/office/drawing/2016/SVG/main" r:embed="rId6"/>
               </a:ext>
             </a:extLst>
           </a:blip>
@@ -18940,7 +19046,7 @@
           <p:cNvPr id="19" name="Ellipszis 18">
             <a:extLst>
               <a:ext uri="{FF2B5EF4-FFF2-40B4-BE49-F238E27FC236}">
-                <a16:creationId xmlns:a16="http://schemas.microsoft.com/office/drawing/2014/main" id="{9AA3526F-52A6-45A3-AE16-E8926AE0723B}"/>
+                <a16:creationId xmlns="" xmlns:a16="http://schemas.microsoft.com/office/drawing/2014/main" id="{9AA3526F-52A6-45A3-AE16-E8926AE0723B}"/>
               </a:ext>
             </a:extLst>
           </p:cNvPr>
@@ -18994,7 +19100,7 @@
           <p:cNvPr id="18" name="Kép 17">
             <a:extLst>
               <a:ext uri="{FF2B5EF4-FFF2-40B4-BE49-F238E27FC236}">
-                <a16:creationId xmlns:a16="http://schemas.microsoft.com/office/drawing/2014/main" id="{E62BD2C4-411D-4110-BEFA-6B8A9105827D}"/>
+                <a16:creationId xmlns="" xmlns:a16="http://schemas.microsoft.com/office/drawing/2014/main" id="{E62BD2C4-411D-4110-BEFA-6B8A9105827D}"/>
               </a:ext>
             </a:extLst>
           </p:cNvPr>
@@ -19030,7 +19136,7 @@
           <p:cNvPr id="20" name="Szövegdoboz 19">
             <a:extLst>
               <a:ext uri="{FF2B5EF4-FFF2-40B4-BE49-F238E27FC236}">
-                <a16:creationId xmlns:a16="http://schemas.microsoft.com/office/drawing/2014/main" id="{E999556D-DC61-4113-A20E-F300431021F2}"/>
+                <a16:creationId xmlns="" xmlns:a16="http://schemas.microsoft.com/office/drawing/2014/main" id="{E999556D-DC61-4113-A20E-F300431021F2}"/>
               </a:ext>
             </a:extLst>
           </p:cNvPr>
@@ -19067,7 +19173,7 @@
           <p:cNvPr id="21" name="Szövegdoboz 20">
             <a:extLst>
               <a:ext uri="{FF2B5EF4-FFF2-40B4-BE49-F238E27FC236}">
-                <a16:creationId xmlns:a16="http://schemas.microsoft.com/office/drawing/2014/main" id="{10AED433-989F-4BA4-BA4C-E2508FB3EC27}"/>
+                <a16:creationId xmlns="" xmlns:a16="http://schemas.microsoft.com/office/drawing/2014/main" id="{10AED433-989F-4BA4-BA4C-E2508FB3EC27}"/>
               </a:ext>
             </a:extLst>
           </p:cNvPr>
@@ -19104,7 +19210,7 @@
           <p:cNvPr id="22" name="Szövegdoboz 21">
             <a:extLst>
               <a:ext uri="{FF2B5EF4-FFF2-40B4-BE49-F238E27FC236}">
-                <a16:creationId xmlns:a16="http://schemas.microsoft.com/office/drawing/2014/main" id="{43EFA151-7643-42DE-9F5C-EF4E10932448}"/>
+                <a16:creationId xmlns="" xmlns:a16="http://schemas.microsoft.com/office/drawing/2014/main" id="{43EFA151-7643-42DE-9F5C-EF4E10932448}"/>
               </a:ext>
             </a:extLst>
           </p:cNvPr>
@@ -19141,7 +19247,7 @@
           <p:cNvPr id="23" name="Szövegdoboz 22">
             <a:extLst>
               <a:ext uri="{FF2B5EF4-FFF2-40B4-BE49-F238E27FC236}">
-                <a16:creationId xmlns:a16="http://schemas.microsoft.com/office/drawing/2014/main" id="{CF8FFEFA-675A-4158-884C-F869503BE7FD}"/>
+                <a16:creationId xmlns="" xmlns:a16="http://schemas.microsoft.com/office/drawing/2014/main" id="{CF8FFEFA-675A-4158-884C-F869503BE7FD}"/>
               </a:ext>
             </a:extLst>
           </p:cNvPr>
@@ -19178,7 +19284,7 @@
           <p:cNvPr id="24" name="Szövegdoboz 23">
             <a:extLst>
               <a:ext uri="{FF2B5EF4-FFF2-40B4-BE49-F238E27FC236}">
-                <a16:creationId xmlns:a16="http://schemas.microsoft.com/office/drawing/2014/main" id="{88356821-6AB9-4C21-869D-704DEAB7D7FC}"/>
+                <a16:creationId xmlns="" xmlns:a16="http://schemas.microsoft.com/office/drawing/2014/main" id="{88356821-6AB9-4C21-869D-704DEAB7D7FC}"/>
               </a:ext>
             </a:extLst>
           </p:cNvPr>
@@ -19215,7 +19321,7 @@
           <p:cNvPr id="25" name="Szövegdoboz 24">
             <a:extLst>
               <a:ext uri="{FF2B5EF4-FFF2-40B4-BE49-F238E27FC236}">
-                <a16:creationId xmlns:a16="http://schemas.microsoft.com/office/drawing/2014/main" id="{A21F913D-3335-421C-A005-A072D9EBAA53}"/>
+                <a16:creationId xmlns="" xmlns:a16="http://schemas.microsoft.com/office/drawing/2014/main" id="{A21F913D-3335-421C-A005-A072D9EBAA53}"/>
               </a:ext>
             </a:extLst>
           </p:cNvPr>
@@ -19252,7 +19358,7 @@
           <p:cNvPr id="26" name="Szövegdoboz 25">
             <a:extLst>
               <a:ext uri="{FF2B5EF4-FFF2-40B4-BE49-F238E27FC236}">
-                <a16:creationId xmlns:a16="http://schemas.microsoft.com/office/drawing/2014/main" id="{47C8251B-9EBA-47C5-958B-C7CD037790FA}"/>
+                <a16:creationId xmlns="" xmlns:a16="http://schemas.microsoft.com/office/drawing/2014/main" id="{47C8251B-9EBA-47C5-958B-C7CD037790FA}"/>
               </a:ext>
             </a:extLst>
           </p:cNvPr>
@@ -19289,7 +19395,7 @@
           <p:cNvPr id="27" name="Szövegdoboz 26">
             <a:extLst>
               <a:ext uri="{FF2B5EF4-FFF2-40B4-BE49-F238E27FC236}">
-                <a16:creationId xmlns:a16="http://schemas.microsoft.com/office/drawing/2014/main" id="{B5F6C7A9-9E45-4936-944E-5BF7EA4D6DB9}"/>
+                <a16:creationId xmlns="" xmlns:a16="http://schemas.microsoft.com/office/drawing/2014/main" id="{B5F6C7A9-9E45-4936-944E-5BF7EA4D6DB9}"/>
               </a:ext>
             </a:extLst>
           </p:cNvPr>
@@ -19326,7 +19432,7 @@
           <p:cNvPr id="28" name="Szövegdoboz 27">
             <a:extLst>
               <a:ext uri="{FF2B5EF4-FFF2-40B4-BE49-F238E27FC236}">
-                <a16:creationId xmlns:a16="http://schemas.microsoft.com/office/drawing/2014/main" id="{1974BC66-F989-4D70-8D0B-5AEE5286C387}"/>
+                <a16:creationId xmlns="" xmlns:a16="http://schemas.microsoft.com/office/drawing/2014/main" id="{1974BC66-F989-4D70-8D0B-5AEE5286C387}"/>
               </a:ext>
             </a:extLst>
           </p:cNvPr>
@@ -19363,7 +19469,7 @@
           <p:cNvPr id="35" name="Kép 34">
             <a:extLst>
               <a:ext uri="{FF2B5EF4-FFF2-40B4-BE49-F238E27FC236}">
-                <a16:creationId xmlns:a16="http://schemas.microsoft.com/office/drawing/2014/main" id="{F5FF6DF5-1B38-4A2E-86A0-AE01A8C5DEE5}"/>
+                <a16:creationId xmlns="" xmlns:a16="http://schemas.microsoft.com/office/drawing/2014/main" id="{F5FF6DF5-1B38-4A2E-86A0-AE01A8C5DEE5}"/>
               </a:ext>
             </a:extLst>
           </p:cNvPr>
@@ -19399,7 +19505,7 @@
           <p:cNvPr id="38" name="Kép 37">
             <a:extLst>
               <a:ext uri="{FF2B5EF4-FFF2-40B4-BE49-F238E27FC236}">
-                <a16:creationId xmlns:a16="http://schemas.microsoft.com/office/drawing/2014/main" id="{4D610CC0-25E9-452D-AEF2-FD3DA3F00E3E}"/>
+                <a16:creationId xmlns="" xmlns:a16="http://schemas.microsoft.com/office/drawing/2014/main" id="{4D610CC0-25E9-452D-AEF2-FD3DA3F00E3E}"/>
               </a:ext>
             </a:extLst>
           </p:cNvPr>
@@ -19435,7 +19541,7 @@
           <p:cNvPr id="39" name="Ábra 38">
             <a:extLst>
               <a:ext uri="{FF2B5EF4-FFF2-40B4-BE49-F238E27FC236}">
-                <a16:creationId xmlns:a16="http://schemas.microsoft.com/office/drawing/2014/main" id="{3B38DCE1-3F80-4AA9-B820-C3D05FD60AC7}"/>
+                <a16:creationId xmlns="" xmlns:a16="http://schemas.microsoft.com/office/drawing/2014/main" id="{3B38DCE1-3F80-4AA9-B820-C3D05FD60AC7}"/>
               </a:ext>
             </a:extLst>
           </p:cNvPr>
@@ -19451,7 +19557,7 @@
                 <a14:useLocalDpi xmlns:a14="http://schemas.microsoft.com/office/drawing/2010/main" val="0"/>
               </a:ext>
               <a:ext uri="{96DAC541-7B7A-43D3-8B79-37D633B846F1}">
-                <asvg:svgBlip xmlns:asvg="http://schemas.microsoft.com/office/drawing/2016/SVG/main" r:embed="rId11"/>
+                <asvg:svgBlip xmlns="" xmlns:asvg="http://schemas.microsoft.com/office/drawing/2016/SVG/main" r:embed="rId11"/>
               </a:ext>
             </a:extLst>
           </a:blip>
@@ -19474,7 +19580,7 @@
           <p:cNvPr id="41" name="Kép 40">
             <a:extLst>
               <a:ext uri="{FF2B5EF4-FFF2-40B4-BE49-F238E27FC236}">
-                <a16:creationId xmlns:a16="http://schemas.microsoft.com/office/drawing/2014/main" id="{B7DAB443-B343-4F88-A441-A12A5AD0E4EA}"/>
+                <a16:creationId xmlns="" xmlns:a16="http://schemas.microsoft.com/office/drawing/2014/main" id="{B7DAB443-B343-4F88-A441-A12A5AD0E4EA}"/>
               </a:ext>
             </a:extLst>
           </p:cNvPr>
@@ -19510,7 +19616,7 @@
           <p:cNvPr id="42" name="Kép 41">
             <a:extLst>
               <a:ext uri="{FF2B5EF4-FFF2-40B4-BE49-F238E27FC236}">
-                <a16:creationId xmlns:a16="http://schemas.microsoft.com/office/drawing/2014/main" id="{076AE416-459C-4148-AB8B-FD5B66B329A7}"/>
+                <a16:creationId xmlns="" xmlns:a16="http://schemas.microsoft.com/office/drawing/2014/main" id="{076AE416-459C-4148-AB8B-FD5B66B329A7}"/>
               </a:ext>
             </a:extLst>
           </p:cNvPr>
@@ -19546,7 +19652,7 @@
           <p:cNvPr id="43" name="Kép 42">
             <a:extLst>
               <a:ext uri="{FF2B5EF4-FFF2-40B4-BE49-F238E27FC236}">
-                <a16:creationId xmlns:a16="http://schemas.microsoft.com/office/drawing/2014/main" id="{64431649-6991-4B23-B01F-672B11838358}"/>
+                <a16:creationId xmlns="" xmlns:a16="http://schemas.microsoft.com/office/drawing/2014/main" id="{64431649-6991-4B23-B01F-672B11838358}"/>
               </a:ext>
             </a:extLst>
           </p:cNvPr>
@@ -19582,7 +19688,7 @@
           <p:cNvPr id="44" name="Kép 43">
             <a:extLst>
               <a:ext uri="{FF2B5EF4-FFF2-40B4-BE49-F238E27FC236}">
-                <a16:creationId xmlns:a16="http://schemas.microsoft.com/office/drawing/2014/main" id="{CA2E8A35-411F-4B15-9BF7-627AD1BB9C0A}"/>
+                <a16:creationId xmlns="" xmlns:a16="http://schemas.microsoft.com/office/drawing/2014/main" id="{CA2E8A35-411F-4B15-9BF7-627AD1BB9C0A}"/>
               </a:ext>
             </a:extLst>
           </p:cNvPr>
@@ -19618,7 +19724,7 @@
           <p:cNvPr id="46" name="Kép 45">
             <a:extLst>
               <a:ext uri="{FF2B5EF4-FFF2-40B4-BE49-F238E27FC236}">
-                <a16:creationId xmlns:a16="http://schemas.microsoft.com/office/drawing/2014/main" id="{F3C9A1FF-6BD4-469D-A407-F6E89C3C0919}"/>
+                <a16:creationId xmlns="" xmlns:a16="http://schemas.microsoft.com/office/drawing/2014/main" id="{F3C9A1FF-6BD4-469D-A407-F6E89C3C0919}"/>
               </a:ext>
             </a:extLst>
           </p:cNvPr>
@@ -19654,7 +19760,7 @@
           <p:cNvPr id="12" name="Ábra 11" descr="Kiszolgáló egyszínű kitöltéssel">
             <a:extLst>
               <a:ext uri="{FF2B5EF4-FFF2-40B4-BE49-F238E27FC236}">
-                <a16:creationId xmlns:a16="http://schemas.microsoft.com/office/drawing/2014/main" id="{0EC66D18-6957-49F9-BA7F-292A5947755D}"/>
+                <a16:creationId xmlns="" xmlns:a16="http://schemas.microsoft.com/office/drawing/2014/main" id="{0EC66D18-6957-49F9-BA7F-292A5947755D}"/>
               </a:ext>
             </a:extLst>
           </p:cNvPr>
@@ -19670,7 +19776,7 @@
                 <a14:useLocalDpi xmlns:a14="http://schemas.microsoft.com/office/drawing/2010/main" val="0"/>
               </a:ext>
               <a:ext uri="{96DAC541-7B7A-43D3-8B79-37D633B846F1}">
-                <asvg:svgBlip xmlns:asvg="http://schemas.microsoft.com/office/drawing/2016/SVG/main" r:embed="rId6"/>
+                <asvg:svgBlip xmlns="" xmlns:asvg="http://schemas.microsoft.com/office/drawing/2016/SVG/main" r:embed="rId6"/>
               </a:ext>
             </a:extLst>
           </a:blip>
@@ -19693,7 +19799,7 @@
           <p:cNvPr id="11" name="Ábra 10" descr="Kiszolgáló egyszínű kitöltéssel">
             <a:extLst>
               <a:ext uri="{FF2B5EF4-FFF2-40B4-BE49-F238E27FC236}">
-                <a16:creationId xmlns:a16="http://schemas.microsoft.com/office/drawing/2014/main" id="{423E39F0-3B2F-479D-BD34-185157BF0752}"/>
+                <a16:creationId xmlns="" xmlns:a16="http://schemas.microsoft.com/office/drawing/2014/main" id="{423E39F0-3B2F-479D-BD34-185157BF0752}"/>
               </a:ext>
             </a:extLst>
           </p:cNvPr>
@@ -19709,7 +19815,7 @@
                 <a14:useLocalDpi xmlns:a14="http://schemas.microsoft.com/office/drawing/2010/main" val="0"/>
               </a:ext>
               <a:ext uri="{96DAC541-7B7A-43D3-8B79-37D633B846F1}">
-                <asvg:svgBlip xmlns:asvg="http://schemas.microsoft.com/office/drawing/2016/SVG/main" r:embed="rId6"/>
+                <asvg:svgBlip xmlns="" xmlns:asvg="http://schemas.microsoft.com/office/drawing/2016/SVG/main" r:embed="rId6"/>
               </a:ext>
             </a:extLst>
           </a:blip>
@@ -19762,7 +19868,7 @@
           <p:cNvPr id="4" name="Téglalap 3">
             <a:extLst>
               <a:ext uri="{FF2B5EF4-FFF2-40B4-BE49-F238E27FC236}">
-                <a16:creationId xmlns:a16="http://schemas.microsoft.com/office/drawing/2014/main" id="{8BD487A9-291B-4431-B206-E0C3CBAE0751}"/>
+                <a16:creationId xmlns="" xmlns:a16="http://schemas.microsoft.com/office/drawing/2014/main" id="{8BD487A9-291B-4431-B206-E0C3CBAE0751}"/>
               </a:ext>
             </a:extLst>
           </p:cNvPr>
@@ -19814,7 +19920,7 @@
           <p:cNvPr id="5" name="Szövegdoboz 4">
             <a:extLst>
               <a:ext uri="{FF2B5EF4-FFF2-40B4-BE49-F238E27FC236}">
-                <a16:creationId xmlns:a16="http://schemas.microsoft.com/office/drawing/2014/main" id="{1EC28930-1467-4715-8C76-50B042559670}"/>
+                <a16:creationId xmlns="" xmlns:a16="http://schemas.microsoft.com/office/drawing/2014/main" id="{1EC28930-1467-4715-8C76-50B042559670}"/>
               </a:ext>
             </a:extLst>
           </p:cNvPr>
@@ -19854,7 +19960,7 @@
           <p:cNvPr id="6" name="Ábra 5">
             <a:extLst>
               <a:ext uri="{FF2B5EF4-FFF2-40B4-BE49-F238E27FC236}">
-                <a16:creationId xmlns:a16="http://schemas.microsoft.com/office/drawing/2014/main" id="{D235D0E3-82EC-4D73-A17C-3640E718B117}"/>
+                <a16:creationId xmlns="" xmlns:a16="http://schemas.microsoft.com/office/drawing/2014/main" id="{D235D0E3-82EC-4D73-A17C-3640E718B117}"/>
               </a:ext>
             </a:extLst>
           </p:cNvPr>
@@ -19870,7 +19976,7 @@
                 <a14:useLocalDpi xmlns:a14="http://schemas.microsoft.com/office/drawing/2010/main" val="0"/>
               </a:ext>
               <a:ext uri="{96DAC541-7B7A-43D3-8B79-37D633B846F1}">
-                <asvg:svgBlip xmlns:asvg="http://schemas.microsoft.com/office/drawing/2016/SVG/main" r:embed="rId3"/>
+                <asvg:svgBlip xmlns="" xmlns:asvg="http://schemas.microsoft.com/office/drawing/2016/SVG/main" r:embed="rId3"/>
               </a:ext>
             </a:extLst>
           </a:blip>
@@ -19893,7 +19999,7 @@
           <p:cNvPr id="7" name="Kép 6">
             <a:extLst>
               <a:ext uri="{FF2B5EF4-FFF2-40B4-BE49-F238E27FC236}">
-                <a16:creationId xmlns:a16="http://schemas.microsoft.com/office/drawing/2014/main" id="{ED7944D8-8CD6-432D-843E-D9E6ACA7775F}"/>
+                <a16:creationId xmlns="" xmlns:a16="http://schemas.microsoft.com/office/drawing/2014/main" id="{ED7944D8-8CD6-432D-843E-D9E6ACA7775F}"/>
               </a:ext>
             </a:extLst>
           </p:cNvPr>
@@ -19929,7 +20035,7 @@
           <p:cNvPr id="9" name="Kép 8">
             <a:extLst>
               <a:ext uri="{FF2B5EF4-FFF2-40B4-BE49-F238E27FC236}">
-                <a16:creationId xmlns:a16="http://schemas.microsoft.com/office/drawing/2014/main" id="{AD6BF033-0FD1-4230-A4A4-2C2F974697CC}"/>
+                <a16:creationId xmlns="" xmlns:a16="http://schemas.microsoft.com/office/drawing/2014/main" id="{AD6BF033-0FD1-4230-A4A4-2C2F974697CC}"/>
               </a:ext>
             </a:extLst>
           </p:cNvPr>
@@ -19989,7 +20095,7 @@
           <p:cNvPr id="4" name="Téglalap 3">
             <a:extLst>
               <a:ext uri="{FF2B5EF4-FFF2-40B4-BE49-F238E27FC236}">
-                <a16:creationId xmlns:a16="http://schemas.microsoft.com/office/drawing/2014/main" id="{E3EEB5A6-8032-4DA9-BADC-AE838DA56D25}"/>
+                <a16:creationId xmlns="" xmlns:a16="http://schemas.microsoft.com/office/drawing/2014/main" id="{E3EEB5A6-8032-4DA9-BADC-AE838DA56D25}"/>
               </a:ext>
             </a:extLst>
           </p:cNvPr>
@@ -20041,7 +20147,7 @@
           <p:cNvPr id="5" name="Ábra 4">
             <a:extLst>
               <a:ext uri="{FF2B5EF4-FFF2-40B4-BE49-F238E27FC236}">
-                <a16:creationId xmlns:a16="http://schemas.microsoft.com/office/drawing/2014/main" id="{997D810F-2283-4E1A-8039-61B3FA1C8089}"/>
+                <a16:creationId xmlns="" xmlns:a16="http://schemas.microsoft.com/office/drawing/2014/main" id="{997D810F-2283-4E1A-8039-61B3FA1C8089}"/>
               </a:ext>
             </a:extLst>
           </p:cNvPr>
@@ -20057,7 +20163,7 @@
                 <a14:useLocalDpi xmlns:a14="http://schemas.microsoft.com/office/drawing/2010/main" val="0"/>
               </a:ext>
               <a:ext uri="{96DAC541-7B7A-43D3-8B79-37D633B846F1}">
-                <asvg:svgBlip xmlns:asvg="http://schemas.microsoft.com/office/drawing/2016/SVG/main" r:embed="rId3"/>
+                <asvg:svgBlip xmlns="" xmlns:asvg="http://schemas.microsoft.com/office/drawing/2016/SVG/main" r:embed="rId3"/>
               </a:ext>
             </a:extLst>
           </a:blip>
@@ -20080,7 +20186,7 @@
           <p:cNvPr id="6" name="Kép 5">
             <a:extLst>
               <a:ext uri="{FF2B5EF4-FFF2-40B4-BE49-F238E27FC236}">
-                <a16:creationId xmlns:a16="http://schemas.microsoft.com/office/drawing/2014/main" id="{A006EA08-3723-47A7-9FD7-B7CE2E13FD96}"/>
+                <a16:creationId xmlns="" xmlns:a16="http://schemas.microsoft.com/office/drawing/2014/main" id="{A006EA08-3723-47A7-9FD7-B7CE2E13FD96}"/>
               </a:ext>
             </a:extLst>
           </p:cNvPr>
@@ -20116,7 +20222,7 @@
           <p:cNvPr id="7" name="Szövegdoboz 6">
             <a:extLst>
               <a:ext uri="{FF2B5EF4-FFF2-40B4-BE49-F238E27FC236}">
-                <a16:creationId xmlns:a16="http://schemas.microsoft.com/office/drawing/2014/main" id="{DEB5B8C6-62F7-4945-AD4F-F38B274E0B6C}"/>
+                <a16:creationId xmlns="" xmlns:a16="http://schemas.microsoft.com/office/drawing/2014/main" id="{DEB5B8C6-62F7-4945-AD4F-F38B274E0B6C}"/>
               </a:ext>
             </a:extLst>
           </p:cNvPr>
@@ -20156,7 +20262,7 @@
           <p:cNvPr id="8" name="Szövegdoboz 7">
             <a:extLst>
               <a:ext uri="{FF2B5EF4-FFF2-40B4-BE49-F238E27FC236}">
-                <a16:creationId xmlns:a16="http://schemas.microsoft.com/office/drawing/2014/main" id="{7B8C9798-3D41-4AB6-AC5B-8A91FA70FA40}"/>
+                <a16:creationId xmlns="" xmlns:a16="http://schemas.microsoft.com/office/drawing/2014/main" id="{7B8C9798-3D41-4AB6-AC5B-8A91FA70FA40}"/>
               </a:ext>
             </a:extLst>
           </p:cNvPr>
@@ -20211,7 +20317,7 @@
           <p:cNvPr id="9" name="Kép 8">
             <a:extLst>
               <a:ext uri="{FF2B5EF4-FFF2-40B4-BE49-F238E27FC236}">
-                <a16:creationId xmlns:a16="http://schemas.microsoft.com/office/drawing/2014/main" id="{F3627E28-09E7-4C20-93CC-8C87E77DE2BE}"/>
+                <a16:creationId xmlns="" xmlns:a16="http://schemas.microsoft.com/office/drawing/2014/main" id="{F3627E28-09E7-4C20-93CC-8C87E77DE2BE}"/>
               </a:ext>
             </a:extLst>
           </p:cNvPr>
@@ -20247,7 +20353,7 @@
           <p:cNvPr id="10" name="Szövegdoboz 9">
             <a:extLst>
               <a:ext uri="{FF2B5EF4-FFF2-40B4-BE49-F238E27FC236}">
-                <a16:creationId xmlns:a16="http://schemas.microsoft.com/office/drawing/2014/main" id="{340B72D6-482D-4A74-819A-BB67B4940F55}"/>
+                <a16:creationId xmlns="" xmlns:a16="http://schemas.microsoft.com/office/drawing/2014/main" id="{340B72D6-482D-4A74-819A-BB67B4940F55}"/>
               </a:ext>
             </a:extLst>
           </p:cNvPr>
@@ -20404,7 +20510,7 @@
           <p:cNvPr id="14" name="Kép 13">
             <a:extLst>
               <a:ext uri="{FF2B5EF4-FFF2-40B4-BE49-F238E27FC236}">
-                <a16:creationId xmlns:a16="http://schemas.microsoft.com/office/drawing/2014/main" id="{9D6836BB-49C7-46E7-A726-05FA99A91951}"/>
+                <a16:creationId xmlns="" xmlns:a16="http://schemas.microsoft.com/office/drawing/2014/main" id="{9D6836BB-49C7-46E7-A726-05FA99A91951}"/>
               </a:ext>
             </a:extLst>
           </p:cNvPr>
@@ -20440,7 +20546,7 @@
           <p:cNvPr id="16" name="Ábra 15">
             <a:extLst>
               <a:ext uri="{FF2B5EF4-FFF2-40B4-BE49-F238E27FC236}">
-                <a16:creationId xmlns:a16="http://schemas.microsoft.com/office/drawing/2014/main" id="{CD8659B6-F7F6-4820-BA2D-D045F2760D8D}"/>
+                <a16:creationId xmlns="" xmlns:a16="http://schemas.microsoft.com/office/drawing/2014/main" id="{CD8659B6-F7F6-4820-BA2D-D045F2760D8D}"/>
               </a:ext>
             </a:extLst>
           </p:cNvPr>
@@ -20456,7 +20562,7 @@
                 <a14:useLocalDpi xmlns:a14="http://schemas.microsoft.com/office/drawing/2010/main" val="0"/>
               </a:ext>
               <a:ext uri="{96DAC541-7B7A-43D3-8B79-37D633B846F1}">
-                <asvg:svgBlip xmlns:asvg="http://schemas.microsoft.com/office/drawing/2016/SVG/main" r:embed="rId8"/>
+                <asvg:svgBlip xmlns="" xmlns:asvg="http://schemas.microsoft.com/office/drawing/2016/SVG/main" r:embed="rId8"/>
               </a:ext>
             </a:extLst>
           </a:blip>

--- a/Témalabor - Centralized log server.pptx
+++ b/Témalabor - Centralized log server.pptx
@@ -165,7 +165,7 @@
           <p:cNvPr id="2" name="Cím 1">
             <a:extLst>
               <a:ext uri="{FF2B5EF4-FFF2-40B4-BE49-F238E27FC236}">
-                <a16:creationId xmlns:a16="http://schemas.microsoft.com/office/drawing/2014/main" id="{E09F1B38-70EA-4A91-A81D-1324CA99E7FB}"/>
+                <a16:creationId xmlns:a16="http://schemas.microsoft.com/office/drawing/2014/main" xmlns="" id="{E09F1B38-70EA-4A91-A81D-1324CA99E7FB}"/>
               </a:ext>
             </a:extLst>
           </p:cNvPr>
@@ -202,7 +202,7 @@
           <p:cNvPr id="3" name="Alcím 2">
             <a:extLst>
               <a:ext uri="{FF2B5EF4-FFF2-40B4-BE49-F238E27FC236}">
-                <a16:creationId xmlns:a16="http://schemas.microsoft.com/office/drawing/2014/main" id="{F2FD5B82-CA02-4433-8888-F6AC12667FFB}"/>
+                <a16:creationId xmlns:a16="http://schemas.microsoft.com/office/drawing/2014/main" xmlns="" id="{F2FD5B82-CA02-4433-8888-F6AC12667FFB}"/>
               </a:ext>
             </a:extLst>
           </p:cNvPr>
@@ -272,7 +272,7 @@
           <p:cNvPr id="4" name="Dátum helye 3">
             <a:extLst>
               <a:ext uri="{FF2B5EF4-FFF2-40B4-BE49-F238E27FC236}">
-                <a16:creationId xmlns:a16="http://schemas.microsoft.com/office/drawing/2014/main" id="{30127083-539D-4884-83E6-CA499422DC1D}"/>
+                <a16:creationId xmlns:a16="http://schemas.microsoft.com/office/drawing/2014/main" xmlns="" id="{30127083-539D-4884-83E6-CA499422DC1D}"/>
               </a:ext>
             </a:extLst>
           </p:cNvPr>
@@ -301,7 +301,7 @@
           <p:cNvPr id="5" name="Élőláb helye 4">
             <a:extLst>
               <a:ext uri="{FF2B5EF4-FFF2-40B4-BE49-F238E27FC236}">
-                <a16:creationId xmlns:a16="http://schemas.microsoft.com/office/drawing/2014/main" id="{BA3102B7-5712-4924-A2C1-54562FBAB1C4}"/>
+                <a16:creationId xmlns:a16="http://schemas.microsoft.com/office/drawing/2014/main" xmlns="" id="{BA3102B7-5712-4924-A2C1-54562FBAB1C4}"/>
               </a:ext>
             </a:extLst>
           </p:cNvPr>
@@ -326,7 +326,7 @@
           <p:cNvPr id="6" name="Dia számának helye 5">
             <a:extLst>
               <a:ext uri="{FF2B5EF4-FFF2-40B4-BE49-F238E27FC236}">
-                <a16:creationId xmlns:a16="http://schemas.microsoft.com/office/drawing/2014/main" id="{DE1FAA54-367A-47EE-8CDB-8A0018DB947B}"/>
+                <a16:creationId xmlns:a16="http://schemas.microsoft.com/office/drawing/2014/main" xmlns="" id="{DE1FAA54-367A-47EE-8CDB-8A0018DB947B}"/>
               </a:ext>
             </a:extLst>
           </p:cNvPr>
@@ -385,7 +385,7 @@
           <p:cNvPr id="2" name="Cím 1">
             <a:extLst>
               <a:ext uri="{FF2B5EF4-FFF2-40B4-BE49-F238E27FC236}">
-                <a16:creationId xmlns:a16="http://schemas.microsoft.com/office/drawing/2014/main" id="{AE63EB07-7AFC-4DA6-87C3-260C21617CA9}"/>
+                <a16:creationId xmlns:a16="http://schemas.microsoft.com/office/drawing/2014/main" xmlns="" id="{AE63EB07-7AFC-4DA6-87C3-260C21617CA9}"/>
               </a:ext>
             </a:extLst>
           </p:cNvPr>
@@ -413,7 +413,7 @@
           <p:cNvPr id="3" name="Függőleges szöveg helye 2">
             <a:extLst>
               <a:ext uri="{FF2B5EF4-FFF2-40B4-BE49-F238E27FC236}">
-                <a16:creationId xmlns:a16="http://schemas.microsoft.com/office/drawing/2014/main" id="{CFE3CCF7-C955-4DA0-A15C-34CA47DBA8AB}"/>
+                <a16:creationId xmlns:a16="http://schemas.microsoft.com/office/drawing/2014/main" xmlns="" id="{CFE3CCF7-C955-4DA0-A15C-34CA47DBA8AB}"/>
               </a:ext>
             </a:extLst>
           </p:cNvPr>
@@ -470,7 +470,7 @@
           <p:cNvPr id="4" name="Dátum helye 3">
             <a:extLst>
               <a:ext uri="{FF2B5EF4-FFF2-40B4-BE49-F238E27FC236}">
-                <a16:creationId xmlns:a16="http://schemas.microsoft.com/office/drawing/2014/main" id="{F8549931-EBA7-4754-8F04-9235D82F78A1}"/>
+                <a16:creationId xmlns:a16="http://schemas.microsoft.com/office/drawing/2014/main" xmlns="" id="{F8549931-EBA7-4754-8F04-9235D82F78A1}"/>
               </a:ext>
             </a:extLst>
           </p:cNvPr>
@@ -499,7 +499,7 @@
           <p:cNvPr id="5" name="Élőláb helye 4">
             <a:extLst>
               <a:ext uri="{FF2B5EF4-FFF2-40B4-BE49-F238E27FC236}">
-                <a16:creationId xmlns:a16="http://schemas.microsoft.com/office/drawing/2014/main" id="{F603601F-F39B-4714-9BA3-04C68C2BA3A8}"/>
+                <a16:creationId xmlns:a16="http://schemas.microsoft.com/office/drawing/2014/main" xmlns="" id="{F603601F-F39B-4714-9BA3-04C68C2BA3A8}"/>
               </a:ext>
             </a:extLst>
           </p:cNvPr>
@@ -524,7 +524,7 @@
           <p:cNvPr id="6" name="Dia számának helye 5">
             <a:extLst>
               <a:ext uri="{FF2B5EF4-FFF2-40B4-BE49-F238E27FC236}">
-                <a16:creationId xmlns:a16="http://schemas.microsoft.com/office/drawing/2014/main" id="{6397FF94-4FAF-44DA-8FDB-16017B978018}"/>
+                <a16:creationId xmlns:a16="http://schemas.microsoft.com/office/drawing/2014/main" xmlns="" id="{6397FF94-4FAF-44DA-8FDB-16017B978018}"/>
               </a:ext>
             </a:extLst>
           </p:cNvPr>
@@ -583,7 +583,7 @@
           <p:cNvPr id="2" name="Függőleges cím 1">
             <a:extLst>
               <a:ext uri="{FF2B5EF4-FFF2-40B4-BE49-F238E27FC236}">
-                <a16:creationId xmlns:a16="http://schemas.microsoft.com/office/drawing/2014/main" id="{241EE8E3-8798-4838-808D-D676884B1020}"/>
+                <a16:creationId xmlns:a16="http://schemas.microsoft.com/office/drawing/2014/main" xmlns="" id="{241EE8E3-8798-4838-808D-D676884B1020}"/>
               </a:ext>
             </a:extLst>
           </p:cNvPr>
@@ -616,7 +616,7 @@
           <p:cNvPr id="3" name="Függőleges szöveg helye 2">
             <a:extLst>
               <a:ext uri="{FF2B5EF4-FFF2-40B4-BE49-F238E27FC236}">
-                <a16:creationId xmlns:a16="http://schemas.microsoft.com/office/drawing/2014/main" id="{48D6D62E-C365-462D-9B23-6A13650A6D6B}"/>
+                <a16:creationId xmlns:a16="http://schemas.microsoft.com/office/drawing/2014/main" xmlns="" id="{48D6D62E-C365-462D-9B23-6A13650A6D6B}"/>
               </a:ext>
             </a:extLst>
           </p:cNvPr>
@@ -678,7 +678,7 @@
           <p:cNvPr id="4" name="Dátum helye 3">
             <a:extLst>
               <a:ext uri="{FF2B5EF4-FFF2-40B4-BE49-F238E27FC236}">
-                <a16:creationId xmlns:a16="http://schemas.microsoft.com/office/drawing/2014/main" id="{8E692329-7087-4015-8063-7425AB7644BE}"/>
+                <a16:creationId xmlns:a16="http://schemas.microsoft.com/office/drawing/2014/main" xmlns="" id="{8E692329-7087-4015-8063-7425AB7644BE}"/>
               </a:ext>
             </a:extLst>
           </p:cNvPr>
@@ -707,7 +707,7 @@
           <p:cNvPr id="5" name="Élőláb helye 4">
             <a:extLst>
               <a:ext uri="{FF2B5EF4-FFF2-40B4-BE49-F238E27FC236}">
-                <a16:creationId xmlns:a16="http://schemas.microsoft.com/office/drawing/2014/main" id="{30085A7A-1E8F-4CD5-B71F-C05294AE8CE1}"/>
+                <a16:creationId xmlns:a16="http://schemas.microsoft.com/office/drawing/2014/main" xmlns="" id="{30085A7A-1E8F-4CD5-B71F-C05294AE8CE1}"/>
               </a:ext>
             </a:extLst>
           </p:cNvPr>
@@ -732,7 +732,7 @@
           <p:cNvPr id="6" name="Dia számának helye 5">
             <a:extLst>
               <a:ext uri="{FF2B5EF4-FFF2-40B4-BE49-F238E27FC236}">
-                <a16:creationId xmlns:a16="http://schemas.microsoft.com/office/drawing/2014/main" id="{F3B333F1-C7A3-49A3-9BB9-75628FE919C6}"/>
+                <a16:creationId xmlns:a16="http://schemas.microsoft.com/office/drawing/2014/main" xmlns="" id="{F3B333F1-C7A3-49A3-9BB9-75628FE919C6}"/>
               </a:ext>
             </a:extLst>
           </p:cNvPr>
@@ -791,7 +791,7 @@
           <p:cNvPr id="2" name="Cím 1">
             <a:extLst>
               <a:ext uri="{FF2B5EF4-FFF2-40B4-BE49-F238E27FC236}">
-                <a16:creationId xmlns:a16="http://schemas.microsoft.com/office/drawing/2014/main" id="{1686E641-617C-4142-B350-68DC709A7C45}"/>
+                <a16:creationId xmlns:a16="http://schemas.microsoft.com/office/drawing/2014/main" xmlns="" id="{1686E641-617C-4142-B350-68DC709A7C45}"/>
               </a:ext>
             </a:extLst>
           </p:cNvPr>
@@ -819,7 +819,7 @@
           <p:cNvPr id="3" name="Tartalom helye 2">
             <a:extLst>
               <a:ext uri="{FF2B5EF4-FFF2-40B4-BE49-F238E27FC236}">
-                <a16:creationId xmlns:a16="http://schemas.microsoft.com/office/drawing/2014/main" id="{CD7A8A14-CC04-4BDA-BE4E-4ACADA56AB01}"/>
+                <a16:creationId xmlns:a16="http://schemas.microsoft.com/office/drawing/2014/main" xmlns="" id="{CD7A8A14-CC04-4BDA-BE4E-4ACADA56AB01}"/>
               </a:ext>
             </a:extLst>
           </p:cNvPr>
@@ -876,7 +876,7 @@
           <p:cNvPr id="4" name="Dátum helye 3">
             <a:extLst>
               <a:ext uri="{FF2B5EF4-FFF2-40B4-BE49-F238E27FC236}">
-                <a16:creationId xmlns:a16="http://schemas.microsoft.com/office/drawing/2014/main" id="{9EEA146A-3E8D-4231-8CD2-483174518D95}"/>
+                <a16:creationId xmlns:a16="http://schemas.microsoft.com/office/drawing/2014/main" xmlns="" id="{9EEA146A-3E8D-4231-8CD2-483174518D95}"/>
               </a:ext>
             </a:extLst>
           </p:cNvPr>
@@ -905,7 +905,7 @@
           <p:cNvPr id="5" name="Élőláb helye 4">
             <a:extLst>
               <a:ext uri="{FF2B5EF4-FFF2-40B4-BE49-F238E27FC236}">
-                <a16:creationId xmlns:a16="http://schemas.microsoft.com/office/drawing/2014/main" id="{85706DE0-28BA-4718-A397-D2486C5DDD41}"/>
+                <a16:creationId xmlns:a16="http://schemas.microsoft.com/office/drawing/2014/main" xmlns="" id="{85706DE0-28BA-4718-A397-D2486C5DDD41}"/>
               </a:ext>
             </a:extLst>
           </p:cNvPr>
@@ -930,7 +930,7 @@
           <p:cNvPr id="6" name="Dia számának helye 5">
             <a:extLst>
               <a:ext uri="{FF2B5EF4-FFF2-40B4-BE49-F238E27FC236}">
-                <a16:creationId xmlns:a16="http://schemas.microsoft.com/office/drawing/2014/main" id="{BDD27083-FAED-453F-8C34-AA62D0FEC48D}"/>
+                <a16:creationId xmlns:a16="http://schemas.microsoft.com/office/drawing/2014/main" xmlns="" id="{BDD27083-FAED-453F-8C34-AA62D0FEC48D}"/>
               </a:ext>
             </a:extLst>
           </p:cNvPr>
@@ -989,7 +989,7 @@
           <p:cNvPr id="2" name="Cím 1">
             <a:extLst>
               <a:ext uri="{FF2B5EF4-FFF2-40B4-BE49-F238E27FC236}">
-                <a16:creationId xmlns:a16="http://schemas.microsoft.com/office/drawing/2014/main" id="{2E367AA9-21B5-499C-8390-49547681CA7A}"/>
+                <a16:creationId xmlns:a16="http://schemas.microsoft.com/office/drawing/2014/main" xmlns="" id="{2E367AA9-21B5-499C-8390-49547681CA7A}"/>
               </a:ext>
             </a:extLst>
           </p:cNvPr>
@@ -1026,7 +1026,7 @@
           <p:cNvPr id="3" name="Szöveg helye 2">
             <a:extLst>
               <a:ext uri="{FF2B5EF4-FFF2-40B4-BE49-F238E27FC236}">
-                <a16:creationId xmlns:a16="http://schemas.microsoft.com/office/drawing/2014/main" id="{30D41BC3-2507-4B7C-96B0-B82F9FD0EF82}"/>
+                <a16:creationId xmlns:a16="http://schemas.microsoft.com/office/drawing/2014/main" xmlns="" id="{30D41BC3-2507-4B7C-96B0-B82F9FD0EF82}"/>
               </a:ext>
             </a:extLst>
           </p:cNvPr>
@@ -1151,7 +1151,7 @@
           <p:cNvPr id="4" name="Dátum helye 3">
             <a:extLst>
               <a:ext uri="{FF2B5EF4-FFF2-40B4-BE49-F238E27FC236}">
-                <a16:creationId xmlns:a16="http://schemas.microsoft.com/office/drawing/2014/main" id="{F231EBDD-64AF-44B9-9262-F1C2B1BFCD91}"/>
+                <a16:creationId xmlns:a16="http://schemas.microsoft.com/office/drawing/2014/main" xmlns="" id="{F231EBDD-64AF-44B9-9262-F1C2B1BFCD91}"/>
               </a:ext>
             </a:extLst>
           </p:cNvPr>
@@ -1180,7 +1180,7 @@
           <p:cNvPr id="5" name="Élőláb helye 4">
             <a:extLst>
               <a:ext uri="{FF2B5EF4-FFF2-40B4-BE49-F238E27FC236}">
-                <a16:creationId xmlns:a16="http://schemas.microsoft.com/office/drawing/2014/main" id="{8A69B8FC-435E-4758-B757-1E9ED0F01590}"/>
+                <a16:creationId xmlns:a16="http://schemas.microsoft.com/office/drawing/2014/main" xmlns="" id="{8A69B8FC-435E-4758-B757-1E9ED0F01590}"/>
               </a:ext>
             </a:extLst>
           </p:cNvPr>
@@ -1205,7 +1205,7 @@
           <p:cNvPr id="6" name="Dia számának helye 5">
             <a:extLst>
               <a:ext uri="{FF2B5EF4-FFF2-40B4-BE49-F238E27FC236}">
-                <a16:creationId xmlns:a16="http://schemas.microsoft.com/office/drawing/2014/main" id="{D7228998-6A38-4650-B73A-EDCDA482EC2B}"/>
+                <a16:creationId xmlns:a16="http://schemas.microsoft.com/office/drawing/2014/main" xmlns="" id="{D7228998-6A38-4650-B73A-EDCDA482EC2B}"/>
               </a:ext>
             </a:extLst>
           </p:cNvPr>
@@ -1264,7 +1264,7 @@
           <p:cNvPr id="2" name="Cím 1">
             <a:extLst>
               <a:ext uri="{FF2B5EF4-FFF2-40B4-BE49-F238E27FC236}">
-                <a16:creationId xmlns:a16="http://schemas.microsoft.com/office/drawing/2014/main" id="{2F70D76E-9EAF-4FE4-9E7F-8E8B962F62E2}"/>
+                <a16:creationId xmlns:a16="http://schemas.microsoft.com/office/drawing/2014/main" xmlns="" id="{2F70D76E-9EAF-4FE4-9E7F-8E8B962F62E2}"/>
               </a:ext>
             </a:extLst>
           </p:cNvPr>
@@ -1292,7 +1292,7 @@
           <p:cNvPr id="3" name="Tartalom helye 2">
             <a:extLst>
               <a:ext uri="{FF2B5EF4-FFF2-40B4-BE49-F238E27FC236}">
-                <a16:creationId xmlns:a16="http://schemas.microsoft.com/office/drawing/2014/main" id="{9EA8EFD0-581E-46E1-AE46-7DF2F96FD676}"/>
+                <a16:creationId xmlns:a16="http://schemas.microsoft.com/office/drawing/2014/main" xmlns="" id="{9EA8EFD0-581E-46E1-AE46-7DF2F96FD676}"/>
               </a:ext>
             </a:extLst>
           </p:cNvPr>
@@ -1354,7 +1354,7 @@
           <p:cNvPr id="4" name="Tartalom helye 3">
             <a:extLst>
               <a:ext uri="{FF2B5EF4-FFF2-40B4-BE49-F238E27FC236}">
-                <a16:creationId xmlns:a16="http://schemas.microsoft.com/office/drawing/2014/main" id="{94A980C6-45A6-4C9E-AE8C-8EBBA67AAB3C}"/>
+                <a16:creationId xmlns:a16="http://schemas.microsoft.com/office/drawing/2014/main" xmlns="" id="{94A980C6-45A6-4C9E-AE8C-8EBBA67AAB3C}"/>
               </a:ext>
             </a:extLst>
           </p:cNvPr>
@@ -1416,7 +1416,7 @@
           <p:cNvPr id="5" name="Dátum helye 4">
             <a:extLst>
               <a:ext uri="{FF2B5EF4-FFF2-40B4-BE49-F238E27FC236}">
-                <a16:creationId xmlns:a16="http://schemas.microsoft.com/office/drawing/2014/main" id="{560FFCC0-804A-44FD-BC7E-4FED891D7B1F}"/>
+                <a16:creationId xmlns:a16="http://schemas.microsoft.com/office/drawing/2014/main" xmlns="" id="{560FFCC0-804A-44FD-BC7E-4FED891D7B1F}"/>
               </a:ext>
             </a:extLst>
           </p:cNvPr>
@@ -1445,7 +1445,7 @@
           <p:cNvPr id="6" name="Élőláb helye 5">
             <a:extLst>
               <a:ext uri="{FF2B5EF4-FFF2-40B4-BE49-F238E27FC236}">
-                <a16:creationId xmlns:a16="http://schemas.microsoft.com/office/drawing/2014/main" id="{3DF232AC-AF62-49C7-B681-62F8DBA44B20}"/>
+                <a16:creationId xmlns:a16="http://schemas.microsoft.com/office/drawing/2014/main" xmlns="" id="{3DF232AC-AF62-49C7-B681-62F8DBA44B20}"/>
               </a:ext>
             </a:extLst>
           </p:cNvPr>
@@ -1470,7 +1470,7 @@
           <p:cNvPr id="7" name="Dia számának helye 6">
             <a:extLst>
               <a:ext uri="{FF2B5EF4-FFF2-40B4-BE49-F238E27FC236}">
-                <a16:creationId xmlns:a16="http://schemas.microsoft.com/office/drawing/2014/main" id="{EE3B7FB0-E0E1-482D-8996-807607C4F9F8}"/>
+                <a16:creationId xmlns:a16="http://schemas.microsoft.com/office/drawing/2014/main" xmlns="" id="{EE3B7FB0-E0E1-482D-8996-807607C4F9F8}"/>
               </a:ext>
             </a:extLst>
           </p:cNvPr>
@@ -1529,7 +1529,7 @@
           <p:cNvPr id="2" name="Cím 1">
             <a:extLst>
               <a:ext uri="{FF2B5EF4-FFF2-40B4-BE49-F238E27FC236}">
-                <a16:creationId xmlns:a16="http://schemas.microsoft.com/office/drawing/2014/main" id="{956609BA-795E-43FE-9961-45B9DDE3C72E}"/>
+                <a16:creationId xmlns:a16="http://schemas.microsoft.com/office/drawing/2014/main" xmlns="" id="{956609BA-795E-43FE-9961-45B9DDE3C72E}"/>
               </a:ext>
             </a:extLst>
           </p:cNvPr>
@@ -1562,7 +1562,7 @@
           <p:cNvPr id="3" name="Szöveg helye 2">
             <a:extLst>
               <a:ext uri="{FF2B5EF4-FFF2-40B4-BE49-F238E27FC236}">
-                <a16:creationId xmlns:a16="http://schemas.microsoft.com/office/drawing/2014/main" id="{A03C33F7-1FAC-4D3F-91C9-BF482F61AEE8}"/>
+                <a16:creationId xmlns:a16="http://schemas.microsoft.com/office/drawing/2014/main" xmlns="" id="{A03C33F7-1FAC-4D3F-91C9-BF482F61AEE8}"/>
               </a:ext>
             </a:extLst>
           </p:cNvPr>
@@ -1633,7 +1633,7 @@
           <p:cNvPr id="4" name="Tartalom helye 3">
             <a:extLst>
               <a:ext uri="{FF2B5EF4-FFF2-40B4-BE49-F238E27FC236}">
-                <a16:creationId xmlns:a16="http://schemas.microsoft.com/office/drawing/2014/main" id="{CF81790E-F26B-4384-8154-7F9EFF3EC1ED}"/>
+                <a16:creationId xmlns:a16="http://schemas.microsoft.com/office/drawing/2014/main" xmlns="" id="{CF81790E-F26B-4384-8154-7F9EFF3EC1ED}"/>
               </a:ext>
             </a:extLst>
           </p:cNvPr>
@@ -1695,7 +1695,7 @@
           <p:cNvPr id="5" name="Szöveg helye 4">
             <a:extLst>
               <a:ext uri="{FF2B5EF4-FFF2-40B4-BE49-F238E27FC236}">
-                <a16:creationId xmlns:a16="http://schemas.microsoft.com/office/drawing/2014/main" id="{02A38457-FF21-4476-9B8B-19F8D556CB9C}"/>
+                <a16:creationId xmlns:a16="http://schemas.microsoft.com/office/drawing/2014/main" xmlns="" id="{02A38457-FF21-4476-9B8B-19F8D556CB9C}"/>
               </a:ext>
             </a:extLst>
           </p:cNvPr>
@@ -1766,7 +1766,7 @@
           <p:cNvPr id="6" name="Tartalom helye 5">
             <a:extLst>
               <a:ext uri="{FF2B5EF4-FFF2-40B4-BE49-F238E27FC236}">
-                <a16:creationId xmlns:a16="http://schemas.microsoft.com/office/drawing/2014/main" id="{420A9A6A-1E67-44EA-B02E-977768F2750B}"/>
+                <a16:creationId xmlns:a16="http://schemas.microsoft.com/office/drawing/2014/main" xmlns="" id="{420A9A6A-1E67-44EA-B02E-977768F2750B}"/>
               </a:ext>
             </a:extLst>
           </p:cNvPr>
@@ -1828,7 +1828,7 @@
           <p:cNvPr id="7" name="Dátum helye 6">
             <a:extLst>
               <a:ext uri="{FF2B5EF4-FFF2-40B4-BE49-F238E27FC236}">
-                <a16:creationId xmlns:a16="http://schemas.microsoft.com/office/drawing/2014/main" id="{9CEFD85E-68B0-4099-999E-40EA3969A0A4}"/>
+                <a16:creationId xmlns:a16="http://schemas.microsoft.com/office/drawing/2014/main" xmlns="" id="{9CEFD85E-68B0-4099-999E-40EA3969A0A4}"/>
               </a:ext>
             </a:extLst>
           </p:cNvPr>
@@ -1857,7 +1857,7 @@
           <p:cNvPr id="8" name="Élőláb helye 7">
             <a:extLst>
               <a:ext uri="{FF2B5EF4-FFF2-40B4-BE49-F238E27FC236}">
-                <a16:creationId xmlns:a16="http://schemas.microsoft.com/office/drawing/2014/main" id="{253A5D31-4238-4022-98B4-FFD4DEF8A751}"/>
+                <a16:creationId xmlns:a16="http://schemas.microsoft.com/office/drawing/2014/main" xmlns="" id="{253A5D31-4238-4022-98B4-FFD4DEF8A751}"/>
               </a:ext>
             </a:extLst>
           </p:cNvPr>
@@ -1882,7 +1882,7 @@
           <p:cNvPr id="9" name="Dia számának helye 8">
             <a:extLst>
               <a:ext uri="{FF2B5EF4-FFF2-40B4-BE49-F238E27FC236}">
-                <a16:creationId xmlns:a16="http://schemas.microsoft.com/office/drawing/2014/main" id="{A77FC091-00E3-450E-A343-E5CAD1BEE232}"/>
+                <a16:creationId xmlns:a16="http://schemas.microsoft.com/office/drawing/2014/main" xmlns="" id="{A77FC091-00E3-450E-A343-E5CAD1BEE232}"/>
               </a:ext>
             </a:extLst>
           </p:cNvPr>
@@ -1941,7 +1941,7 @@
           <p:cNvPr id="2" name="Cím 1">
             <a:extLst>
               <a:ext uri="{FF2B5EF4-FFF2-40B4-BE49-F238E27FC236}">
-                <a16:creationId xmlns:a16="http://schemas.microsoft.com/office/drawing/2014/main" id="{9920EA58-0C0F-4230-BAF2-F4594DB41ED7}"/>
+                <a16:creationId xmlns:a16="http://schemas.microsoft.com/office/drawing/2014/main" xmlns="" id="{9920EA58-0C0F-4230-BAF2-F4594DB41ED7}"/>
               </a:ext>
             </a:extLst>
           </p:cNvPr>
@@ -1969,7 +1969,7 @@
           <p:cNvPr id="3" name="Dátum helye 2">
             <a:extLst>
               <a:ext uri="{FF2B5EF4-FFF2-40B4-BE49-F238E27FC236}">
-                <a16:creationId xmlns:a16="http://schemas.microsoft.com/office/drawing/2014/main" id="{7C806EC5-C45E-426E-A156-232D89C9F00E}"/>
+                <a16:creationId xmlns:a16="http://schemas.microsoft.com/office/drawing/2014/main" xmlns="" id="{7C806EC5-C45E-426E-A156-232D89C9F00E}"/>
               </a:ext>
             </a:extLst>
           </p:cNvPr>
@@ -1998,7 +1998,7 @@
           <p:cNvPr id="4" name="Élőláb helye 3">
             <a:extLst>
               <a:ext uri="{FF2B5EF4-FFF2-40B4-BE49-F238E27FC236}">
-                <a16:creationId xmlns:a16="http://schemas.microsoft.com/office/drawing/2014/main" id="{1BC921E8-81C4-4A9B-9B89-9EAFA33A65A5}"/>
+                <a16:creationId xmlns:a16="http://schemas.microsoft.com/office/drawing/2014/main" xmlns="" id="{1BC921E8-81C4-4A9B-9B89-9EAFA33A65A5}"/>
               </a:ext>
             </a:extLst>
           </p:cNvPr>
@@ -2023,7 +2023,7 @@
           <p:cNvPr id="5" name="Dia számának helye 4">
             <a:extLst>
               <a:ext uri="{FF2B5EF4-FFF2-40B4-BE49-F238E27FC236}">
-                <a16:creationId xmlns:a16="http://schemas.microsoft.com/office/drawing/2014/main" id="{03375E2C-DAB4-4CC6-9A98-286E9B84198C}"/>
+                <a16:creationId xmlns:a16="http://schemas.microsoft.com/office/drawing/2014/main" xmlns="" id="{03375E2C-DAB4-4CC6-9A98-286E9B84198C}"/>
               </a:ext>
             </a:extLst>
           </p:cNvPr>
@@ -2082,7 +2082,7 @@
           <p:cNvPr id="2" name="Dátum helye 1">
             <a:extLst>
               <a:ext uri="{FF2B5EF4-FFF2-40B4-BE49-F238E27FC236}">
-                <a16:creationId xmlns:a16="http://schemas.microsoft.com/office/drawing/2014/main" id="{1A374963-E3AA-479A-87CD-9F87CA5B58E1}"/>
+                <a16:creationId xmlns:a16="http://schemas.microsoft.com/office/drawing/2014/main" xmlns="" id="{1A374963-E3AA-479A-87CD-9F87CA5B58E1}"/>
               </a:ext>
             </a:extLst>
           </p:cNvPr>
@@ -2111,7 +2111,7 @@
           <p:cNvPr id="3" name="Élőláb helye 2">
             <a:extLst>
               <a:ext uri="{FF2B5EF4-FFF2-40B4-BE49-F238E27FC236}">
-                <a16:creationId xmlns:a16="http://schemas.microsoft.com/office/drawing/2014/main" id="{9ECB2FF6-24AC-4D2E-904D-C7EBEA06CB53}"/>
+                <a16:creationId xmlns:a16="http://schemas.microsoft.com/office/drawing/2014/main" xmlns="" id="{9ECB2FF6-24AC-4D2E-904D-C7EBEA06CB53}"/>
               </a:ext>
             </a:extLst>
           </p:cNvPr>
@@ -2136,7 +2136,7 @@
           <p:cNvPr id="4" name="Dia számának helye 3">
             <a:extLst>
               <a:ext uri="{FF2B5EF4-FFF2-40B4-BE49-F238E27FC236}">
-                <a16:creationId xmlns:a16="http://schemas.microsoft.com/office/drawing/2014/main" id="{494B85E7-4CFE-4AA2-8446-949E9CCFD56D}"/>
+                <a16:creationId xmlns:a16="http://schemas.microsoft.com/office/drawing/2014/main" xmlns="" id="{494B85E7-4CFE-4AA2-8446-949E9CCFD56D}"/>
               </a:ext>
             </a:extLst>
           </p:cNvPr>
@@ -2195,7 +2195,7 @@
           <p:cNvPr id="2" name="Cím 1">
             <a:extLst>
               <a:ext uri="{FF2B5EF4-FFF2-40B4-BE49-F238E27FC236}">
-                <a16:creationId xmlns:a16="http://schemas.microsoft.com/office/drawing/2014/main" id="{022AD089-FE33-427F-AEE0-4F7CACB15626}"/>
+                <a16:creationId xmlns:a16="http://schemas.microsoft.com/office/drawing/2014/main" xmlns="" id="{022AD089-FE33-427F-AEE0-4F7CACB15626}"/>
               </a:ext>
             </a:extLst>
           </p:cNvPr>
@@ -2232,7 +2232,7 @@
           <p:cNvPr id="3" name="Tartalom helye 2">
             <a:extLst>
               <a:ext uri="{FF2B5EF4-FFF2-40B4-BE49-F238E27FC236}">
-                <a16:creationId xmlns:a16="http://schemas.microsoft.com/office/drawing/2014/main" id="{290EA8B6-3E87-404D-B5F1-24DCE2029667}"/>
+                <a16:creationId xmlns:a16="http://schemas.microsoft.com/office/drawing/2014/main" xmlns="" id="{290EA8B6-3E87-404D-B5F1-24DCE2029667}"/>
               </a:ext>
             </a:extLst>
           </p:cNvPr>
@@ -2322,7 +2322,7 @@
           <p:cNvPr id="4" name="Szöveg helye 3">
             <a:extLst>
               <a:ext uri="{FF2B5EF4-FFF2-40B4-BE49-F238E27FC236}">
-                <a16:creationId xmlns:a16="http://schemas.microsoft.com/office/drawing/2014/main" id="{6C5C384D-1E61-4D51-8999-C43FACF02AE5}"/>
+                <a16:creationId xmlns:a16="http://schemas.microsoft.com/office/drawing/2014/main" xmlns="" id="{6C5C384D-1E61-4D51-8999-C43FACF02AE5}"/>
               </a:ext>
             </a:extLst>
           </p:cNvPr>
@@ -2393,7 +2393,7 @@
           <p:cNvPr id="5" name="Dátum helye 4">
             <a:extLst>
               <a:ext uri="{FF2B5EF4-FFF2-40B4-BE49-F238E27FC236}">
-                <a16:creationId xmlns:a16="http://schemas.microsoft.com/office/drawing/2014/main" id="{D8995AE6-9D37-418B-9B55-01B7DFEF526A}"/>
+                <a16:creationId xmlns:a16="http://schemas.microsoft.com/office/drawing/2014/main" xmlns="" id="{D8995AE6-9D37-418B-9B55-01B7DFEF526A}"/>
               </a:ext>
             </a:extLst>
           </p:cNvPr>
@@ -2422,7 +2422,7 @@
           <p:cNvPr id="6" name="Élőláb helye 5">
             <a:extLst>
               <a:ext uri="{FF2B5EF4-FFF2-40B4-BE49-F238E27FC236}">
-                <a16:creationId xmlns:a16="http://schemas.microsoft.com/office/drawing/2014/main" id="{BCA210A0-FB5D-4354-9A3E-7F3776D0ED2F}"/>
+                <a16:creationId xmlns:a16="http://schemas.microsoft.com/office/drawing/2014/main" xmlns="" id="{BCA210A0-FB5D-4354-9A3E-7F3776D0ED2F}"/>
               </a:ext>
             </a:extLst>
           </p:cNvPr>
@@ -2447,7 +2447,7 @@
           <p:cNvPr id="7" name="Dia számának helye 6">
             <a:extLst>
               <a:ext uri="{FF2B5EF4-FFF2-40B4-BE49-F238E27FC236}">
-                <a16:creationId xmlns:a16="http://schemas.microsoft.com/office/drawing/2014/main" id="{711FC0BD-943B-425E-93FD-8268C814D1DF}"/>
+                <a16:creationId xmlns:a16="http://schemas.microsoft.com/office/drawing/2014/main" xmlns="" id="{711FC0BD-943B-425E-93FD-8268C814D1DF}"/>
               </a:ext>
             </a:extLst>
           </p:cNvPr>
@@ -2506,7 +2506,7 @@
           <p:cNvPr id="2" name="Cím 1">
             <a:extLst>
               <a:ext uri="{FF2B5EF4-FFF2-40B4-BE49-F238E27FC236}">
-                <a16:creationId xmlns:a16="http://schemas.microsoft.com/office/drawing/2014/main" id="{C769E911-640C-4B34-A837-77F5E94DAEFA}"/>
+                <a16:creationId xmlns:a16="http://schemas.microsoft.com/office/drawing/2014/main" xmlns="" id="{C769E911-640C-4B34-A837-77F5E94DAEFA}"/>
               </a:ext>
             </a:extLst>
           </p:cNvPr>
@@ -2543,7 +2543,7 @@
           <p:cNvPr id="3" name="Kép helye 2">
             <a:extLst>
               <a:ext uri="{FF2B5EF4-FFF2-40B4-BE49-F238E27FC236}">
-                <a16:creationId xmlns:a16="http://schemas.microsoft.com/office/drawing/2014/main" id="{C549FCE7-AE48-4798-98CF-C92DA5D8BE53}"/>
+                <a16:creationId xmlns:a16="http://schemas.microsoft.com/office/drawing/2014/main" xmlns="" id="{C549FCE7-AE48-4798-98CF-C92DA5D8BE53}"/>
               </a:ext>
             </a:extLst>
           </p:cNvPr>
@@ -2610,7 +2610,7 @@
           <p:cNvPr id="4" name="Szöveg helye 3">
             <a:extLst>
               <a:ext uri="{FF2B5EF4-FFF2-40B4-BE49-F238E27FC236}">
-                <a16:creationId xmlns:a16="http://schemas.microsoft.com/office/drawing/2014/main" id="{7FD4F7C6-1EC2-4735-A5B5-7B4A0A93ACF5}"/>
+                <a16:creationId xmlns:a16="http://schemas.microsoft.com/office/drawing/2014/main" xmlns="" id="{7FD4F7C6-1EC2-4735-A5B5-7B4A0A93ACF5}"/>
               </a:ext>
             </a:extLst>
           </p:cNvPr>
@@ -2681,7 +2681,7 @@
           <p:cNvPr id="5" name="Dátum helye 4">
             <a:extLst>
               <a:ext uri="{FF2B5EF4-FFF2-40B4-BE49-F238E27FC236}">
-                <a16:creationId xmlns:a16="http://schemas.microsoft.com/office/drawing/2014/main" id="{AE401C6A-C766-4CCA-AFF9-25D4591DD527}"/>
+                <a16:creationId xmlns:a16="http://schemas.microsoft.com/office/drawing/2014/main" xmlns="" id="{AE401C6A-C766-4CCA-AFF9-25D4591DD527}"/>
               </a:ext>
             </a:extLst>
           </p:cNvPr>
@@ -2710,7 +2710,7 @@
           <p:cNvPr id="6" name="Élőláb helye 5">
             <a:extLst>
               <a:ext uri="{FF2B5EF4-FFF2-40B4-BE49-F238E27FC236}">
-                <a16:creationId xmlns:a16="http://schemas.microsoft.com/office/drawing/2014/main" id="{AF609BB1-D8A7-42E7-90AD-AE242046E5A7}"/>
+                <a16:creationId xmlns:a16="http://schemas.microsoft.com/office/drawing/2014/main" xmlns="" id="{AF609BB1-D8A7-42E7-90AD-AE242046E5A7}"/>
               </a:ext>
             </a:extLst>
           </p:cNvPr>
@@ -2735,7 +2735,7 @@
           <p:cNvPr id="7" name="Dia számának helye 6">
             <a:extLst>
               <a:ext uri="{FF2B5EF4-FFF2-40B4-BE49-F238E27FC236}">
-                <a16:creationId xmlns:a16="http://schemas.microsoft.com/office/drawing/2014/main" id="{473EB78E-9024-443D-8401-358CEABBA4A5}"/>
+                <a16:creationId xmlns:a16="http://schemas.microsoft.com/office/drawing/2014/main" xmlns="" id="{473EB78E-9024-443D-8401-358CEABBA4A5}"/>
               </a:ext>
             </a:extLst>
           </p:cNvPr>
@@ -2799,7 +2799,7 @@
           <p:cNvPr id="2" name="Cím helye 1">
             <a:extLst>
               <a:ext uri="{FF2B5EF4-FFF2-40B4-BE49-F238E27FC236}">
-                <a16:creationId xmlns:a16="http://schemas.microsoft.com/office/drawing/2014/main" id="{AA7D5FEA-C710-46F4-B962-AF5D9C3E276A}"/>
+                <a16:creationId xmlns:a16="http://schemas.microsoft.com/office/drawing/2014/main" xmlns="" id="{AA7D5FEA-C710-46F4-B962-AF5D9C3E276A}"/>
               </a:ext>
             </a:extLst>
           </p:cNvPr>
@@ -2837,7 +2837,7 @@
           <p:cNvPr id="3" name="Szöveg helye 2">
             <a:extLst>
               <a:ext uri="{FF2B5EF4-FFF2-40B4-BE49-F238E27FC236}">
-                <a16:creationId xmlns:a16="http://schemas.microsoft.com/office/drawing/2014/main" id="{31B6D00D-5FF5-403B-B6B1-C82B0C8D3C4D}"/>
+                <a16:creationId xmlns:a16="http://schemas.microsoft.com/office/drawing/2014/main" xmlns="" id="{31B6D00D-5FF5-403B-B6B1-C82B0C8D3C4D}"/>
               </a:ext>
             </a:extLst>
           </p:cNvPr>
@@ -2904,7 +2904,7 @@
           <p:cNvPr id="4" name="Dátum helye 3">
             <a:extLst>
               <a:ext uri="{FF2B5EF4-FFF2-40B4-BE49-F238E27FC236}">
-                <a16:creationId xmlns:a16="http://schemas.microsoft.com/office/drawing/2014/main" id="{28490CD0-5307-4CF6-AEE1-EE076BE348CA}"/>
+                <a16:creationId xmlns:a16="http://schemas.microsoft.com/office/drawing/2014/main" xmlns="" id="{28490CD0-5307-4CF6-AEE1-EE076BE348CA}"/>
               </a:ext>
             </a:extLst>
           </p:cNvPr>
@@ -2951,7 +2951,7 @@
           <p:cNvPr id="5" name="Élőláb helye 4">
             <a:extLst>
               <a:ext uri="{FF2B5EF4-FFF2-40B4-BE49-F238E27FC236}">
-                <a16:creationId xmlns:a16="http://schemas.microsoft.com/office/drawing/2014/main" id="{CDB5B755-982D-4F67-A74B-49646CE63AF2}"/>
+                <a16:creationId xmlns:a16="http://schemas.microsoft.com/office/drawing/2014/main" xmlns="" id="{CDB5B755-982D-4F67-A74B-49646CE63AF2}"/>
               </a:ext>
             </a:extLst>
           </p:cNvPr>
@@ -2994,7 +2994,7 @@
           <p:cNvPr id="6" name="Dia számának helye 5">
             <a:extLst>
               <a:ext uri="{FF2B5EF4-FFF2-40B4-BE49-F238E27FC236}">
-                <a16:creationId xmlns:a16="http://schemas.microsoft.com/office/drawing/2014/main" id="{81105151-EE75-4E37-A4FE-102E7D0B8E57}"/>
+                <a16:creationId xmlns:a16="http://schemas.microsoft.com/office/drawing/2014/main" xmlns="" id="{81105151-EE75-4E37-A4FE-102E7D0B8E57}"/>
               </a:ext>
             </a:extLst>
           </p:cNvPr>
@@ -3362,7 +3362,7 @@
           <p:cNvPr id="5" name="Ábra 4">
             <a:extLst>
               <a:ext uri="{FF2B5EF4-FFF2-40B4-BE49-F238E27FC236}">
-                <a16:creationId xmlns:a16="http://schemas.microsoft.com/office/drawing/2014/main" id="{F1822167-4C01-4849-B404-A98EDEAF97BA}"/>
+                <a16:creationId xmlns:a16="http://schemas.microsoft.com/office/drawing/2014/main" xmlns="" id="{F1822167-4C01-4849-B404-A98EDEAF97BA}"/>
               </a:ext>
             </a:extLst>
           </p:cNvPr>
@@ -3378,7 +3378,7 @@
                 <a14:useLocalDpi xmlns:a14="http://schemas.microsoft.com/office/drawing/2010/main" val="0"/>
               </a:ext>
               <a:ext uri="{96DAC541-7B7A-43D3-8B79-37D633B846F1}">
-                <asvg:svgBlip xmlns:asvg="http://schemas.microsoft.com/office/drawing/2016/SVG/main" r:embed="rId3"/>
+                <asvg:svgBlip xmlns:asvg="http://schemas.microsoft.com/office/drawing/2016/SVG/main" xmlns="" r:embed="rId3"/>
               </a:ext>
             </a:extLst>
           </a:blip>
@@ -3401,7 +3401,7 @@
           <p:cNvPr id="6" name="Szövegdoboz 5">
             <a:extLst>
               <a:ext uri="{FF2B5EF4-FFF2-40B4-BE49-F238E27FC236}">
-                <a16:creationId xmlns:a16="http://schemas.microsoft.com/office/drawing/2014/main" id="{7267F656-E3CE-4CDA-92F8-AA3DD3BCAB40}"/>
+                <a16:creationId xmlns:a16="http://schemas.microsoft.com/office/drawing/2014/main" xmlns="" id="{7267F656-E3CE-4CDA-92F8-AA3DD3BCAB40}"/>
               </a:ext>
             </a:extLst>
           </p:cNvPr>
@@ -3438,7 +3438,7 @@
           <p:cNvPr id="7" name="Szövegdoboz 6">
             <a:extLst>
               <a:ext uri="{FF2B5EF4-FFF2-40B4-BE49-F238E27FC236}">
-                <a16:creationId xmlns:a16="http://schemas.microsoft.com/office/drawing/2014/main" id="{603C2512-022F-48AB-881C-88F70BB2A9BD}"/>
+                <a16:creationId xmlns:a16="http://schemas.microsoft.com/office/drawing/2014/main" xmlns="" id="{603C2512-022F-48AB-881C-88F70BB2A9BD}"/>
               </a:ext>
             </a:extLst>
           </p:cNvPr>
@@ -3542,7 +3542,7 @@
           <p:cNvPr id="17" name="Szövegdoboz 16">
             <a:extLst>
               <a:ext uri="{FF2B5EF4-FFF2-40B4-BE49-F238E27FC236}">
-                <a16:creationId xmlns:a16="http://schemas.microsoft.com/office/drawing/2014/main" id="{2C1AA5D7-05A3-41F6-B3DA-F252382E0281}"/>
+                <a16:creationId xmlns:a16="http://schemas.microsoft.com/office/drawing/2014/main" xmlns="" id="{2C1AA5D7-05A3-41F6-B3DA-F252382E0281}"/>
               </a:ext>
             </a:extLst>
           </p:cNvPr>
@@ -3647,7 +3647,7 @@
           <p:cNvPr id="21" name="Kép 20">
             <a:extLst>
               <a:ext uri="{FF2B5EF4-FFF2-40B4-BE49-F238E27FC236}">
-                <a16:creationId xmlns:a16="http://schemas.microsoft.com/office/drawing/2014/main" id="{D77EA26D-BA98-4250-BCDE-E82941E8A816}"/>
+                <a16:creationId xmlns:a16="http://schemas.microsoft.com/office/drawing/2014/main" xmlns="" id="{D77EA26D-BA98-4250-BCDE-E82941E8A816}"/>
               </a:ext>
             </a:extLst>
           </p:cNvPr>
@@ -3683,7 +3683,7 @@
           <p:cNvPr id="25" name="Téglalap 24">
             <a:extLst>
               <a:ext uri="{FF2B5EF4-FFF2-40B4-BE49-F238E27FC236}">
-                <a16:creationId xmlns:a16="http://schemas.microsoft.com/office/drawing/2014/main" id="{010BE465-A230-40F7-9E68-2DF418E91B6A}"/>
+                <a16:creationId xmlns:a16="http://schemas.microsoft.com/office/drawing/2014/main" xmlns="" id="{010BE465-A230-40F7-9E68-2DF418E91B6A}"/>
               </a:ext>
             </a:extLst>
           </p:cNvPr>
@@ -3765,7 +3765,7 @@
           <p:cNvPr id="4" name="Szövegdoboz 3">
             <a:extLst>
               <a:ext uri="{FF2B5EF4-FFF2-40B4-BE49-F238E27FC236}">
-                <a16:creationId xmlns:a16="http://schemas.microsoft.com/office/drawing/2014/main" id="{CB608797-375C-4FAB-9692-55466FABFF61}"/>
+                <a16:creationId xmlns:a16="http://schemas.microsoft.com/office/drawing/2014/main" xmlns="" id="{CB608797-375C-4FAB-9692-55466FABFF61}"/>
               </a:ext>
             </a:extLst>
           </p:cNvPr>
@@ -3820,7 +3820,7 @@
           <p:cNvPr id="5" name="Téglalap 4">
             <a:extLst>
               <a:ext uri="{FF2B5EF4-FFF2-40B4-BE49-F238E27FC236}">
-                <a16:creationId xmlns:a16="http://schemas.microsoft.com/office/drawing/2014/main" id="{980EE41B-77A5-471A-8033-4C1F25961EF4}"/>
+                <a16:creationId xmlns:a16="http://schemas.microsoft.com/office/drawing/2014/main" xmlns="" id="{980EE41B-77A5-471A-8033-4C1F25961EF4}"/>
               </a:ext>
             </a:extLst>
           </p:cNvPr>
@@ -3872,7 +3872,7 @@
           <p:cNvPr id="6" name="Ábra 5">
             <a:extLst>
               <a:ext uri="{FF2B5EF4-FFF2-40B4-BE49-F238E27FC236}">
-                <a16:creationId xmlns:a16="http://schemas.microsoft.com/office/drawing/2014/main" id="{429B0420-3ACE-430B-A8F9-70E0AA021628}"/>
+                <a16:creationId xmlns:a16="http://schemas.microsoft.com/office/drawing/2014/main" xmlns="" id="{429B0420-3ACE-430B-A8F9-70E0AA021628}"/>
               </a:ext>
             </a:extLst>
           </p:cNvPr>
@@ -3888,7 +3888,7 @@
                 <a14:useLocalDpi xmlns:a14="http://schemas.microsoft.com/office/drawing/2010/main" val="0"/>
               </a:ext>
               <a:ext uri="{96DAC541-7B7A-43D3-8B79-37D633B846F1}">
-                <asvg:svgBlip xmlns:asvg="http://schemas.microsoft.com/office/drawing/2016/SVG/main" r:embed="rId3"/>
+                <asvg:svgBlip xmlns:asvg="http://schemas.microsoft.com/office/drawing/2016/SVG/main" xmlns="" r:embed="rId3"/>
               </a:ext>
             </a:extLst>
           </a:blip>
@@ -3911,7 +3911,7 @@
           <p:cNvPr id="7" name="Kép 6">
             <a:extLst>
               <a:ext uri="{FF2B5EF4-FFF2-40B4-BE49-F238E27FC236}">
-                <a16:creationId xmlns:a16="http://schemas.microsoft.com/office/drawing/2014/main" id="{10B9D92E-4E54-4778-B2BA-DD3A782DEA20}"/>
+                <a16:creationId xmlns:a16="http://schemas.microsoft.com/office/drawing/2014/main" xmlns="" id="{10B9D92E-4E54-4778-B2BA-DD3A782DEA20}"/>
               </a:ext>
             </a:extLst>
           </p:cNvPr>
@@ -3947,7 +3947,7 @@
           <p:cNvPr id="9" name="Szövegdoboz 8">
             <a:extLst>
               <a:ext uri="{FF2B5EF4-FFF2-40B4-BE49-F238E27FC236}">
-                <a16:creationId xmlns:a16="http://schemas.microsoft.com/office/drawing/2014/main" id="{37466BCB-E1CE-4F7D-8584-B04B919E0AB2}"/>
+                <a16:creationId xmlns:a16="http://schemas.microsoft.com/office/drawing/2014/main" xmlns="" id="{37466BCB-E1CE-4F7D-8584-B04B919E0AB2}"/>
               </a:ext>
             </a:extLst>
           </p:cNvPr>
@@ -4160,7 +4160,7 @@
           <p:cNvPr id="12" name="Kép 11">
             <a:extLst>
               <a:ext uri="{FF2B5EF4-FFF2-40B4-BE49-F238E27FC236}">
-                <a16:creationId xmlns:a16="http://schemas.microsoft.com/office/drawing/2014/main" id="{0AA7DE18-6AEF-4485-89A8-ACDDC3B23183}"/>
+                <a16:creationId xmlns:a16="http://schemas.microsoft.com/office/drawing/2014/main" xmlns="" id="{0AA7DE18-6AEF-4485-89A8-ACDDC3B23183}"/>
               </a:ext>
             </a:extLst>
           </p:cNvPr>
@@ -4196,7 +4196,7 @@
           <p:cNvPr id="13" name="Szövegdoboz 12">
             <a:extLst>
               <a:ext uri="{FF2B5EF4-FFF2-40B4-BE49-F238E27FC236}">
-                <a16:creationId xmlns:a16="http://schemas.microsoft.com/office/drawing/2014/main" id="{B329E9D7-E4C1-4B83-B3E0-B8B5C3F91871}"/>
+                <a16:creationId xmlns:a16="http://schemas.microsoft.com/office/drawing/2014/main" xmlns="" id="{B329E9D7-E4C1-4B83-B3E0-B8B5C3F91871}"/>
               </a:ext>
             </a:extLst>
           </p:cNvPr>
@@ -4373,7 +4373,7 @@
           <p:cNvPr id="14" name="Szövegdoboz 13">
             <a:extLst>
               <a:ext uri="{FF2B5EF4-FFF2-40B4-BE49-F238E27FC236}">
-                <a16:creationId xmlns:a16="http://schemas.microsoft.com/office/drawing/2014/main" id="{6CC38685-3263-4E92-9F5B-5DDA02AB8092}"/>
+                <a16:creationId xmlns:a16="http://schemas.microsoft.com/office/drawing/2014/main" xmlns="" id="{6CC38685-3263-4E92-9F5B-5DDA02AB8092}"/>
               </a:ext>
             </a:extLst>
           </p:cNvPr>
@@ -4458,7 +4458,7 @@
           <p:cNvPr id="4" name="Téglalap 3">
             <a:extLst>
               <a:ext uri="{FF2B5EF4-FFF2-40B4-BE49-F238E27FC236}">
-                <a16:creationId xmlns:a16="http://schemas.microsoft.com/office/drawing/2014/main" id="{A6CD7B54-BCC2-4D10-B47B-E40B9B0C0B84}"/>
+                <a16:creationId xmlns:a16="http://schemas.microsoft.com/office/drawing/2014/main" xmlns="" id="{A6CD7B54-BCC2-4D10-B47B-E40B9B0C0B84}"/>
               </a:ext>
             </a:extLst>
           </p:cNvPr>
@@ -4510,7 +4510,7 @@
           <p:cNvPr id="5" name="Kép 4">
             <a:extLst>
               <a:ext uri="{FF2B5EF4-FFF2-40B4-BE49-F238E27FC236}">
-                <a16:creationId xmlns:a16="http://schemas.microsoft.com/office/drawing/2014/main" id="{22B32D09-71F5-4D69-B895-330D9ABF9C22}"/>
+                <a16:creationId xmlns:a16="http://schemas.microsoft.com/office/drawing/2014/main" xmlns="" id="{22B32D09-71F5-4D69-B895-330D9ABF9C22}"/>
               </a:ext>
             </a:extLst>
           </p:cNvPr>
@@ -4546,7 +4546,7 @@
           <p:cNvPr id="6" name="Ábra 5">
             <a:extLst>
               <a:ext uri="{FF2B5EF4-FFF2-40B4-BE49-F238E27FC236}">
-                <a16:creationId xmlns:a16="http://schemas.microsoft.com/office/drawing/2014/main" id="{1F1906D9-1654-4121-8FFF-37B05D2E0D03}"/>
+                <a16:creationId xmlns:a16="http://schemas.microsoft.com/office/drawing/2014/main" xmlns="" id="{1F1906D9-1654-4121-8FFF-37B05D2E0D03}"/>
               </a:ext>
             </a:extLst>
           </p:cNvPr>
@@ -4562,7 +4562,7 @@
                 <a14:useLocalDpi xmlns:a14="http://schemas.microsoft.com/office/drawing/2010/main" val="0"/>
               </a:ext>
               <a:ext uri="{96DAC541-7B7A-43D3-8B79-37D633B846F1}">
-                <asvg:svgBlip xmlns:asvg="http://schemas.microsoft.com/office/drawing/2016/SVG/main" r:embed="rId4"/>
+                <asvg:svgBlip xmlns:asvg="http://schemas.microsoft.com/office/drawing/2016/SVG/main" xmlns="" r:embed="rId4"/>
               </a:ext>
             </a:extLst>
           </a:blip>
@@ -4585,7 +4585,7 @@
           <p:cNvPr id="1026" name="Picture 2" descr="Apache Lucene: a brief developer&amp;#39;s guide - VOX">
             <a:extLst>
               <a:ext uri="{FF2B5EF4-FFF2-40B4-BE49-F238E27FC236}">
-                <a16:creationId xmlns:a16="http://schemas.microsoft.com/office/drawing/2014/main" id="{4E9A3B4B-31F2-46C0-AD84-FE9C2E35B12C}"/>
+                <a16:creationId xmlns:a16="http://schemas.microsoft.com/office/drawing/2014/main" xmlns="" id="{4E9A3B4B-31F2-46C0-AD84-FE9C2E35B12C}"/>
               </a:ext>
             </a:extLst>
           </p:cNvPr>
@@ -4632,7 +4632,7 @@
           <p:cNvPr id="8" name="Szövegdoboz 7">
             <a:extLst>
               <a:ext uri="{FF2B5EF4-FFF2-40B4-BE49-F238E27FC236}">
-                <a16:creationId xmlns:a16="http://schemas.microsoft.com/office/drawing/2014/main" id="{80531C59-1549-4EF4-AE6E-DC19A2E38344}"/>
+                <a16:creationId xmlns:a16="http://schemas.microsoft.com/office/drawing/2014/main" xmlns="" id="{80531C59-1549-4EF4-AE6E-DC19A2E38344}"/>
               </a:ext>
             </a:extLst>
           </p:cNvPr>
@@ -4717,7 +4717,7 @@
           <p:cNvPr id="4" name="Téglalap 3">
             <a:extLst>
               <a:ext uri="{FF2B5EF4-FFF2-40B4-BE49-F238E27FC236}">
-                <a16:creationId xmlns:a16="http://schemas.microsoft.com/office/drawing/2014/main" id="{F9C90CFD-A13F-425A-AF27-4038CF212F11}"/>
+                <a16:creationId xmlns:a16="http://schemas.microsoft.com/office/drawing/2014/main" xmlns="" id="{F9C90CFD-A13F-425A-AF27-4038CF212F11}"/>
               </a:ext>
             </a:extLst>
           </p:cNvPr>
@@ -4769,7 +4769,7 @@
           <p:cNvPr id="5" name="Szövegdoboz 4">
             <a:extLst>
               <a:ext uri="{FF2B5EF4-FFF2-40B4-BE49-F238E27FC236}">
-                <a16:creationId xmlns:a16="http://schemas.microsoft.com/office/drawing/2014/main" id="{A60678F4-FC5F-481C-9AAA-5E79C55DC231}"/>
+                <a16:creationId xmlns:a16="http://schemas.microsoft.com/office/drawing/2014/main" xmlns="" id="{A60678F4-FC5F-481C-9AAA-5E79C55DC231}"/>
               </a:ext>
             </a:extLst>
           </p:cNvPr>
@@ -4824,7 +4824,7 @@
           <p:cNvPr id="6" name="Kép 5">
             <a:extLst>
               <a:ext uri="{FF2B5EF4-FFF2-40B4-BE49-F238E27FC236}">
-                <a16:creationId xmlns:a16="http://schemas.microsoft.com/office/drawing/2014/main" id="{C92BE9BB-4674-4C0E-A255-2795E59E4870}"/>
+                <a16:creationId xmlns:a16="http://schemas.microsoft.com/office/drawing/2014/main" xmlns="" id="{C92BE9BB-4674-4C0E-A255-2795E59E4870}"/>
               </a:ext>
             </a:extLst>
           </p:cNvPr>
@@ -4860,7 +4860,7 @@
           <p:cNvPr id="7" name="Ábra 6">
             <a:extLst>
               <a:ext uri="{FF2B5EF4-FFF2-40B4-BE49-F238E27FC236}">
-                <a16:creationId xmlns:a16="http://schemas.microsoft.com/office/drawing/2014/main" id="{7D698027-ABFD-4B5D-BE6F-EFA228B01F4E}"/>
+                <a16:creationId xmlns:a16="http://schemas.microsoft.com/office/drawing/2014/main" xmlns="" id="{7D698027-ABFD-4B5D-BE6F-EFA228B01F4E}"/>
               </a:ext>
             </a:extLst>
           </p:cNvPr>
@@ -4876,7 +4876,7 @@
                 <a14:useLocalDpi xmlns:a14="http://schemas.microsoft.com/office/drawing/2010/main" val="0"/>
               </a:ext>
               <a:ext uri="{96DAC541-7B7A-43D3-8B79-37D633B846F1}">
-                <asvg:svgBlip xmlns:asvg="http://schemas.microsoft.com/office/drawing/2016/SVG/main" r:embed="rId4"/>
+                <asvg:svgBlip xmlns:asvg="http://schemas.microsoft.com/office/drawing/2016/SVG/main" xmlns="" r:embed="rId4"/>
               </a:ext>
             </a:extLst>
           </a:blip>
@@ -4899,7 +4899,7 @@
           <p:cNvPr id="9" name="Kép 8" descr="A képen szöveg, clipart látható&#10;&#10;Automatikusan generált leírás">
             <a:extLst>
               <a:ext uri="{FF2B5EF4-FFF2-40B4-BE49-F238E27FC236}">
-                <a16:creationId xmlns:a16="http://schemas.microsoft.com/office/drawing/2014/main" id="{8EB6B0B5-CC64-4DAB-87A2-3B0BD3E70A89}"/>
+                <a16:creationId xmlns:a16="http://schemas.microsoft.com/office/drawing/2014/main" xmlns="" id="{8EB6B0B5-CC64-4DAB-87A2-3B0BD3E70A89}"/>
               </a:ext>
             </a:extLst>
           </p:cNvPr>
@@ -4935,7 +4935,7 @@
           <p:cNvPr id="10" name="Szövegdoboz 9">
             <a:extLst>
               <a:ext uri="{FF2B5EF4-FFF2-40B4-BE49-F238E27FC236}">
-                <a16:creationId xmlns:a16="http://schemas.microsoft.com/office/drawing/2014/main" id="{1B58DB5D-9980-4129-B1C9-87FABF7876AF}"/>
+                <a16:creationId xmlns:a16="http://schemas.microsoft.com/office/drawing/2014/main" xmlns="" id="{1B58DB5D-9980-4129-B1C9-87FABF7876AF}"/>
               </a:ext>
             </a:extLst>
           </p:cNvPr>
@@ -5141,7 +5141,7 @@
           <p:cNvPr id="12" name="Rectangle 1">
             <a:extLst>
               <a:ext uri="{FF2B5EF4-FFF2-40B4-BE49-F238E27FC236}">
-                <a16:creationId xmlns:a16="http://schemas.microsoft.com/office/drawing/2014/main" id="{A2CD8CEE-60F8-408C-9CD4-8D9BAB3D9F5C}"/>
+                <a16:creationId xmlns:a16="http://schemas.microsoft.com/office/drawing/2014/main" xmlns="" id="{A2CD8CEE-60F8-408C-9CD4-8D9BAB3D9F5C}"/>
               </a:ext>
             </a:extLst>
           </p:cNvPr>
@@ -5230,7 +5230,7 @@
           <p:cNvPr id="16" name="Kép 15">
             <a:extLst>
               <a:ext uri="{FF2B5EF4-FFF2-40B4-BE49-F238E27FC236}">
-                <a16:creationId xmlns:a16="http://schemas.microsoft.com/office/drawing/2014/main" id="{206FF526-0E7C-4E09-BCA8-91538CBE92EC}"/>
+                <a16:creationId xmlns:a16="http://schemas.microsoft.com/office/drawing/2014/main" xmlns="" id="{206FF526-0E7C-4E09-BCA8-91538CBE92EC}"/>
               </a:ext>
             </a:extLst>
           </p:cNvPr>
@@ -5296,7 +5296,7 @@
           <p:cNvPr id="4" name="Téglalap 3">
             <a:extLst>
               <a:ext uri="{FF2B5EF4-FFF2-40B4-BE49-F238E27FC236}">
-                <a16:creationId xmlns:a16="http://schemas.microsoft.com/office/drawing/2014/main" id="{7D51A41D-6954-42BB-A4E2-28628A688925}"/>
+                <a16:creationId xmlns:a16="http://schemas.microsoft.com/office/drawing/2014/main" xmlns="" id="{7D51A41D-6954-42BB-A4E2-28628A688925}"/>
               </a:ext>
             </a:extLst>
           </p:cNvPr>
@@ -5348,7 +5348,7 @@
           <p:cNvPr id="6" name="Ábra 5">
             <a:extLst>
               <a:ext uri="{FF2B5EF4-FFF2-40B4-BE49-F238E27FC236}">
-                <a16:creationId xmlns:a16="http://schemas.microsoft.com/office/drawing/2014/main" id="{B2630098-F67C-4443-9EAC-FCC271FA7CFE}"/>
+                <a16:creationId xmlns:a16="http://schemas.microsoft.com/office/drawing/2014/main" xmlns="" id="{B2630098-F67C-4443-9EAC-FCC271FA7CFE}"/>
               </a:ext>
             </a:extLst>
           </p:cNvPr>
@@ -5364,7 +5364,7 @@
                 <a14:useLocalDpi xmlns:a14="http://schemas.microsoft.com/office/drawing/2010/main" val="0"/>
               </a:ext>
               <a:ext uri="{96DAC541-7B7A-43D3-8B79-37D633B846F1}">
-                <asvg:svgBlip xmlns:asvg="http://schemas.microsoft.com/office/drawing/2016/SVG/main" r:embed="rId3"/>
+                <asvg:svgBlip xmlns:asvg="http://schemas.microsoft.com/office/drawing/2016/SVG/main" xmlns="" r:embed="rId3"/>
               </a:ext>
             </a:extLst>
           </a:blip>
@@ -5387,7 +5387,7 @@
           <p:cNvPr id="7" name="Kép 6">
             <a:extLst>
               <a:ext uri="{FF2B5EF4-FFF2-40B4-BE49-F238E27FC236}">
-                <a16:creationId xmlns:a16="http://schemas.microsoft.com/office/drawing/2014/main" id="{80624D43-88E7-4753-B822-ED7D4B262C05}"/>
+                <a16:creationId xmlns:a16="http://schemas.microsoft.com/office/drawing/2014/main" xmlns="" id="{80624D43-88E7-4753-B822-ED7D4B262C05}"/>
               </a:ext>
             </a:extLst>
           </p:cNvPr>
@@ -5423,7 +5423,7 @@
           <p:cNvPr id="8" name="Szövegdoboz 7">
             <a:extLst>
               <a:ext uri="{FF2B5EF4-FFF2-40B4-BE49-F238E27FC236}">
-                <a16:creationId xmlns:a16="http://schemas.microsoft.com/office/drawing/2014/main" id="{755240AE-9326-44CF-8FDA-F20C3FF96486}"/>
+                <a16:creationId xmlns:a16="http://schemas.microsoft.com/office/drawing/2014/main" xmlns="" id="{755240AE-9326-44CF-8FDA-F20C3FF96486}"/>
               </a:ext>
             </a:extLst>
           </p:cNvPr>
@@ -5455,7 +5455,7 @@
           <p:cNvPr id="9" name="Szövegdoboz 8">
             <a:extLst>
               <a:ext uri="{FF2B5EF4-FFF2-40B4-BE49-F238E27FC236}">
-                <a16:creationId xmlns:a16="http://schemas.microsoft.com/office/drawing/2014/main" id="{C15B16C9-B619-46B5-8F60-9537C0C3376E}"/>
+                <a16:creationId xmlns:a16="http://schemas.microsoft.com/office/drawing/2014/main" xmlns="" id="{C15B16C9-B619-46B5-8F60-9537C0C3376E}"/>
               </a:ext>
             </a:extLst>
           </p:cNvPr>
@@ -6312,7 +6312,7 @@
           <p:cNvPr id="10" name="Szövegdoboz 9">
             <a:extLst>
               <a:ext uri="{FF2B5EF4-FFF2-40B4-BE49-F238E27FC236}">
-                <a16:creationId xmlns:a16="http://schemas.microsoft.com/office/drawing/2014/main" id="{D668BE8B-0D71-4562-A966-D2B3116B9E5A}"/>
+                <a16:creationId xmlns:a16="http://schemas.microsoft.com/office/drawing/2014/main" xmlns="" id="{D668BE8B-0D71-4562-A966-D2B3116B9E5A}"/>
               </a:ext>
             </a:extLst>
           </p:cNvPr>
@@ -6385,7 +6385,7 @@
           <p:cNvPr id="11" name="Szövegdoboz 10">
             <a:extLst>
               <a:ext uri="{FF2B5EF4-FFF2-40B4-BE49-F238E27FC236}">
-                <a16:creationId xmlns:a16="http://schemas.microsoft.com/office/drawing/2014/main" id="{571B4580-08C3-446E-8B7F-D2491DF9042C}"/>
+                <a16:creationId xmlns:a16="http://schemas.microsoft.com/office/drawing/2014/main" xmlns="" id="{571B4580-08C3-446E-8B7F-D2491DF9042C}"/>
               </a:ext>
             </a:extLst>
           </p:cNvPr>
@@ -6440,7 +6440,7 @@
           <p:cNvPr id="12" name="Kép 11" descr="A képen szöveg, clipart látható&#10;&#10;Automatikusan generált leírás">
             <a:extLst>
               <a:ext uri="{FF2B5EF4-FFF2-40B4-BE49-F238E27FC236}">
-                <a16:creationId xmlns:a16="http://schemas.microsoft.com/office/drawing/2014/main" id="{E9011122-228B-4386-85E7-7C489CCBF0B3}"/>
+                <a16:creationId xmlns:a16="http://schemas.microsoft.com/office/drawing/2014/main" xmlns="" id="{E9011122-228B-4386-85E7-7C489CCBF0B3}"/>
               </a:ext>
             </a:extLst>
           </p:cNvPr>
@@ -6506,7 +6506,7 @@
           <p:cNvPr id="4" name="Téglalap 3">
             <a:extLst>
               <a:ext uri="{FF2B5EF4-FFF2-40B4-BE49-F238E27FC236}">
-                <a16:creationId xmlns:a16="http://schemas.microsoft.com/office/drawing/2014/main" id="{49B1179B-0CC6-46F2-8E99-1F390F6F7F49}"/>
+                <a16:creationId xmlns:a16="http://schemas.microsoft.com/office/drawing/2014/main" xmlns="" id="{49B1179B-0CC6-46F2-8E99-1F390F6F7F49}"/>
               </a:ext>
             </a:extLst>
           </p:cNvPr>
@@ -6558,7 +6558,7 @@
           <p:cNvPr id="5" name="Szövegdoboz 4">
             <a:extLst>
               <a:ext uri="{FF2B5EF4-FFF2-40B4-BE49-F238E27FC236}">
-                <a16:creationId xmlns:a16="http://schemas.microsoft.com/office/drawing/2014/main" id="{8A4D48B3-98B4-4AC9-B14B-8E10AED7E18C}"/>
+                <a16:creationId xmlns:a16="http://schemas.microsoft.com/office/drawing/2014/main" xmlns="" id="{8A4D48B3-98B4-4AC9-B14B-8E10AED7E18C}"/>
               </a:ext>
             </a:extLst>
           </p:cNvPr>
@@ -6613,7 +6613,7 @@
           <p:cNvPr id="6" name="Ábra 5">
             <a:extLst>
               <a:ext uri="{FF2B5EF4-FFF2-40B4-BE49-F238E27FC236}">
-                <a16:creationId xmlns:a16="http://schemas.microsoft.com/office/drawing/2014/main" id="{7E8C815A-4BFA-40C9-91B2-A08DC0372BAB}"/>
+                <a16:creationId xmlns:a16="http://schemas.microsoft.com/office/drawing/2014/main" xmlns="" id="{7E8C815A-4BFA-40C9-91B2-A08DC0372BAB}"/>
               </a:ext>
             </a:extLst>
           </p:cNvPr>
@@ -6629,7 +6629,7 @@
                 <a14:useLocalDpi xmlns:a14="http://schemas.microsoft.com/office/drawing/2010/main" val="0"/>
               </a:ext>
               <a:ext uri="{96DAC541-7B7A-43D3-8B79-37D633B846F1}">
-                <asvg:svgBlip xmlns:asvg="http://schemas.microsoft.com/office/drawing/2016/SVG/main" r:embed="rId3"/>
+                <asvg:svgBlip xmlns:asvg="http://schemas.microsoft.com/office/drawing/2016/SVG/main" xmlns="" r:embed="rId3"/>
               </a:ext>
             </a:extLst>
           </a:blip>
@@ -6652,7 +6652,7 @@
           <p:cNvPr id="7" name="Kép 6">
             <a:extLst>
               <a:ext uri="{FF2B5EF4-FFF2-40B4-BE49-F238E27FC236}">
-                <a16:creationId xmlns:a16="http://schemas.microsoft.com/office/drawing/2014/main" id="{C3796190-948E-4FC1-AA34-B420E5A20899}"/>
+                <a16:creationId xmlns:a16="http://schemas.microsoft.com/office/drawing/2014/main" xmlns="" id="{C3796190-948E-4FC1-AA34-B420E5A20899}"/>
               </a:ext>
             </a:extLst>
           </p:cNvPr>
@@ -6688,7 +6688,7 @@
           <p:cNvPr id="9" name="Kép 8">
             <a:extLst>
               <a:ext uri="{FF2B5EF4-FFF2-40B4-BE49-F238E27FC236}">
-                <a16:creationId xmlns:a16="http://schemas.microsoft.com/office/drawing/2014/main" id="{7130844B-DB3C-4259-876D-EF1D4A9AFDEA}"/>
+                <a16:creationId xmlns:a16="http://schemas.microsoft.com/office/drawing/2014/main" xmlns="" id="{7130844B-DB3C-4259-876D-EF1D4A9AFDEA}"/>
               </a:ext>
             </a:extLst>
           </p:cNvPr>
@@ -6724,7 +6724,7 @@
           <p:cNvPr id="10" name="Szövegdoboz 9">
             <a:extLst>
               <a:ext uri="{FF2B5EF4-FFF2-40B4-BE49-F238E27FC236}">
-                <a16:creationId xmlns:a16="http://schemas.microsoft.com/office/drawing/2014/main" id="{5F3E262D-EC8D-40E6-A9BE-CF651CD3A3B2}"/>
+                <a16:creationId xmlns:a16="http://schemas.microsoft.com/office/drawing/2014/main" xmlns="" id="{5F3E262D-EC8D-40E6-A9BE-CF651CD3A3B2}"/>
               </a:ext>
             </a:extLst>
           </p:cNvPr>
@@ -6806,7 +6806,7 @@
           <p:cNvPr id="12" name="Kép 11" descr="A képen szöveg látható&#10;&#10;Automatikusan generált leírás">
             <a:extLst>
               <a:ext uri="{FF2B5EF4-FFF2-40B4-BE49-F238E27FC236}">
-                <a16:creationId xmlns:a16="http://schemas.microsoft.com/office/drawing/2014/main" id="{5256112E-CCA5-4383-9DEC-22038BDBC8A1}"/>
+                <a16:creationId xmlns:a16="http://schemas.microsoft.com/office/drawing/2014/main" xmlns="" id="{5256112E-CCA5-4383-9DEC-22038BDBC8A1}"/>
               </a:ext>
             </a:extLst>
           </p:cNvPr>
@@ -6842,7 +6842,7 @@
           <p:cNvPr id="16" name="Kép 15">
             <a:extLst>
               <a:ext uri="{FF2B5EF4-FFF2-40B4-BE49-F238E27FC236}">
-                <a16:creationId xmlns:a16="http://schemas.microsoft.com/office/drawing/2014/main" id="{32E2D3BE-B80D-474C-A319-8E5919FE4869}"/>
+                <a16:creationId xmlns:a16="http://schemas.microsoft.com/office/drawing/2014/main" xmlns="" id="{32E2D3BE-B80D-474C-A319-8E5919FE4869}"/>
               </a:ext>
             </a:extLst>
           </p:cNvPr>
@@ -6908,7 +6908,7 @@
           <p:cNvPr id="4" name="Téglalap 3">
             <a:extLst>
               <a:ext uri="{FF2B5EF4-FFF2-40B4-BE49-F238E27FC236}">
-                <a16:creationId xmlns:a16="http://schemas.microsoft.com/office/drawing/2014/main" id="{C7BD54D9-3F9D-45DB-8168-96DF78E16F94}"/>
+                <a16:creationId xmlns:a16="http://schemas.microsoft.com/office/drawing/2014/main" xmlns="" id="{C7BD54D9-3F9D-45DB-8168-96DF78E16F94}"/>
               </a:ext>
             </a:extLst>
           </p:cNvPr>
@@ -6960,7 +6960,7 @@
           <p:cNvPr id="5" name="Szövegdoboz 4">
             <a:extLst>
               <a:ext uri="{FF2B5EF4-FFF2-40B4-BE49-F238E27FC236}">
-                <a16:creationId xmlns:a16="http://schemas.microsoft.com/office/drawing/2014/main" id="{9B2A4970-2930-4B8D-AB8D-B33C27BBDF04}"/>
+                <a16:creationId xmlns:a16="http://schemas.microsoft.com/office/drawing/2014/main" xmlns="" id="{9B2A4970-2930-4B8D-AB8D-B33C27BBDF04}"/>
               </a:ext>
             </a:extLst>
           </p:cNvPr>
@@ -7015,7 +7015,7 @@
           <p:cNvPr id="6" name="Kép 5">
             <a:extLst>
               <a:ext uri="{FF2B5EF4-FFF2-40B4-BE49-F238E27FC236}">
-                <a16:creationId xmlns:a16="http://schemas.microsoft.com/office/drawing/2014/main" id="{ADA2A382-FBA3-4713-AFC7-7F5ADB695B5F}"/>
+                <a16:creationId xmlns:a16="http://schemas.microsoft.com/office/drawing/2014/main" xmlns="" id="{ADA2A382-FBA3-4713-AFC7-7F5ADB695B5F}"/>
               </a:ext>
             </a:extLst>
           </p:cNvPr>
@@ -7051,7 +7051,7 @@
           <p:cNvPr id="7" name="Ábra 6">
             <a:extLst>
               <a:ext uri="{FF2B5EF4-FFF2-40B4-BE49-F238E27FC236}">
-                <a16:creationId xmlns:a16="http://schemas.microsoft.com/office/drawing/2014/main" id="{154906A3-E230-45CD-B14B-FE8C154C08EE}"/>
+                <a16:creationId xmlns:a16="http://schemas.microsoft.com/office/drawing/2014/main" xmlns="" id="{154906A3-E230-45CD-B14B-FE8C154C08EE}"/>
               </a:ext>
             </a:extLst>
           </p:cNvPr>
@@ -7067,7 +7067,7 @@
                 <a14:useLocalDpi xmlns:a14="http://schemas.microsoft.com/office/drawing/2010/main" val="0"/>
               </a:ext>
               <a:ext uri="{96DAC541-7B7A-43D3-8B79-37D633B846F1}">
-                <asvg:svgBlip xmlns:asvg="http://schemas.microsoft.com/office/drawing/2016/SVG/main" r:embed="rId4"/>
+                <asvg:svgBlip xmlns:asvg="http://schemas.microsoft.com/office/drawing/2016/SVG/main" xmlns="" r:embed="rId4"/>
               </a:ext>
             </a:extLst>
           </a:blip>
@@ -7090,7 +7090,7 @@
           <p:cNvPr id="9" name="Kép 8" descr="A képen szöveg, clipart, vektorgrafika látható&#10;&#10;Automatikusan generált leírás">
             <a:extLst>
               <a:ext uri="{FF2B5EF4-FFF2-40B4-BE49-F238E27FC236}">
-                <a16:creationId xmlns:a16="http://schemas.microsoft.com/office/drawing/2014/main" id="{D1F5C125-7E02-4011-BCEC-81CD70A75F1F}"/>
+                <a16:creationId xmlns:a16="http://schemas.microsoft.com/office/drawing/2014/main" xmlns="" id="{D1F5C125-7E02-4011-BCEC-81CD70A75F1F}"/>
               </a:ext>
             </a:extLst>
           </p:cNvPr>
@@ -7126,7 +7126,7 @@
           <p:cNvPr id="10" name="Szövegdoboz 9">
             <a:extLst>
               <a:ext uri="{FF2B5EF4-FFF2-40B4-BE49-F238E27FC236}">
-                <a16:creationId xmlns:a16="http://schemas.microsoft.com/office/drawing/2014/main" id="{7DE14610-1C8E-44BD-9791-DC90997EFD19}"/>
+                <a16:creationId xmlns:a16="http://schemas.microsoft.com/office/drawing/2014/main" xmlns="" id="{7DE14610-1C8E-44BD-9791-DC90997EFD19}"/>
               </a:ext>
             </a:extLst>
           </p:cNvPr>
@@ -7249,7 +7249,7 @@
           <p:cNvPr id="12" name="Kép 11">
             <a:extLst>
               <a:ext uri="{FF2B5EF4-FFF2-40B4-BE49-F238E27FC236}">
-                <a16:creationId xmlns:a16="http://schemas.microsoft.com/office/drawing/2014/main" id="{0E32AD6C-994D-41F9-AC69-B65A18997642}"/>
+                <a16:creationId xmlns:a16="http://schemas.microsoft.com/office/drawing/2014/main" xmlns="" id="{0E32AD6C-994D-41F9-AC69-B65A18997642}"/>
               </a:ext>
             </a:extLst>
           </p:cNvPr>
@@ -7315,7 +7315,7 @@
           <p:cNvPr id="4" name="Szövegdoboz 3">
             <a:extLst>
               <a:ext uri="{FF2B5EF4-FFF2-40B4-BE49-F238E27FC236}">
-                <a16:creationId xmlns:a16="http://schemas.microsoft.com/office/drawing/2014/main" id="{EB1C451C-D53A-4303-B73A-13B738AC7A72}"/>
+                <a16:creationId xmlns:a16="http://schemas.microsoft.com/office/drawing/2014/main" xmlns="" id="{EB1C451C-D53A-4303-B73A-13B738AC7A72}"/>
               </a:ext>
             </a:extLst>
           </p:cNvPr>
@@ -7373,7 +7373,7 @@
           <p:cNvPr id="5" name="Téglalap 4">
             <a:extLst>
               <a:ext uri="{FF2B5EF4-FFF2-40B4-BE49-F238E27FC236}">
-                <a16:creationId xmlns:a16="http://schemas.microsoft.com/office/drawing/2014/main" id="{6813BE4B-7BDD-4CC6-B4A0-2D6966E3D6DF}"/>
+                <a16:creationId xmlns:a16="http://schemas.microsoft.com/office/drawing/2014/main" xmlns="" id="{6813BE4B-7BDD-4CC6-B4A0-2D6966E3D6DF}"/>
               </a:ext>
             </a:extLst>
           </p:cNvPr>
@@ -7425,7 +7425,7 @@
           <p:cNvPr id="6" name="Ábra 5">
             <a:extLst>
               <a:ext uri="{FF2B5EF4-FFF2-40B4-BE49-F238E27FC236}">
-                <a16:creationId xmlns:a16="http://schemas.microsoft.com/office/drawing/2014/main" id="{91AD7EB3-B557-4BC8-88DC-C0B9069197F7}"/>
+                <a16:creationId xmlns:a16="http://schemas.microsoft.com/office/drawing/2014/main" xmlns="" id="{91AD7EB3-B557-4BC8-88DC-C0B9069197F7}"/>
               </a:ext>
             </a:extLst>
           </p:cNvPr>
@@ -7441,7 +7441,7 @@
                 <a14:useLocalDpi xmlns:a14="http://schemas.microsoft.com/office/drawing/2010/main" val="0"/>
               </a:ext>
               <a:ext uri="{96DAC541-7B7A-43D3-8B79-37D633B846F1}">
-                <asvg:svgBlip xmlns:asvg="http://schemas.microsoft.com/office/drawing/2016/SVG/main" r:embed="rId3"/>
+                <asvg:svgBlip xmlns:asvg="http://schemas.microsoft.com/office/drawing/2016/SVG/main" xmlns="" r:embed="rId3"/>
               </a:ext>
             </a:extLst>
           </a:blip>
@@ -7464,7 +7464,7 @@
           <p:cNvPr id="7" name="Kép 6">
             <a:extLst>
               <a:ext uri="{FF2B5EF4-FFF2-40B4-BE49-F238E27FC236}">
-                <a16:creationId xmlns:a16="http://schemas.microsoft.com/office/drawing/2014/main" id="{2C7B6D79-87C0-42FB-9C1B-A0E393FC20BD}"/>
+                <a16:creationId xmlns:a16="http://schemas.microsoft.com/office/drawing/2014/main" xmlns="" id="{2C7B6D79-87C0-42FB-9C1B-A0E393FC20BD}"/>
               </a:ext>
             </a:extLst>
           </p:cNvPr>
@@ -7500,7 +7500,7 @@
           <p:cNvPr id="8" name="Szövegdoboz 7">
             <a:extLst>
               <a:ext uri="{FF2B5EF4-FFF2-40B4-BE49-F238E27FC236}">
-                <a16:creationId xmlns:a16="http://schemas.microsoft.com/office/drawing/2014/main" id="{29A7ECC6-33AA-43D9-B05E-F67CDAC7B655}"/>
+                <a16:creationId xmlns:a16="http://schemas.microsoft.com/office/drawing/2014/main" xmlns="" id="{29A7ECC6-33AA-43D9-B05E-F67CDAC7B655}"/>
               </a:ext>
             </a:extLst>
           </p:cNvPr>
@@ -7865,6 +7865,12 @@
               </a:rPr>
               <a:t> -e \</a:t>
             </a:r>
+            <a:r>
+              <a:rPr lang="hu-HU" sz="1400" dirty="0">
+                <a:latin typeface="Consolas" panose="020B0609020204030204" pitchFamily="49" charset="0"/>
+              </a:rPr>
+              <a:t/>
+            </a:r>
             <a:br>
               <a:rPr lang="hu-HU" sz="1400" dirty="0">
                 <a:latin typeface="Consolas" panose="020B0609020204030204" pitchFamily="49" charset="0"/>
@@ -7920,6 +7926,12 @@
               </a:rPr>
               <a:t> \</a:t>
             </a:r>
+            <a:r>
+              <a:rPr lang="hu-HU" sz="1400" dirty="0">
+                <a:latin typeface="Consolas" panose="020B0609020204030204" pitchFamily="49" charset="0"/>
+              </a:rPr>
+              <a:t/>
+            </a:r>
             <a:br>
               <a:rPr lang="hu-HU" sz="1400" dirty="0">
                 <a:latin typeface="Consolas" panose="020B0609020204030204" pitchFamily="49" charset="0"/>
@@ -7954,6 +7966,12 @@
                 <a:latin typeface="Consolas" panose="020B0609020204030204" pitchFamily="49" charset="0"/>
               </a:rPr>
               <a:t>=['localhost:9200'] \</a:t>
+            </a:r>
+            <a:r>
+              <a:rPr lang="hu-HU" sz="1400" dirty="0">
+                <a:latin typeface="Consolas" panose="020B0609020204030204" pitchFamily="49" charset="0"/>
+              </a:rPr>
+              <a:t/>
             </a:r>
             <a:br>
               <a:rPr lang="hu-HU" sz="1400" dirty="0">
@@ -8002,7 +8020,7 @@
           <p:cNvPr id="11" name="Szövegdoboz 10">
             <a:extLst>
               <a:ext uri="{FF2B5EF4-FFF2-40B4-BE49-F238E27FC236}">
-                <a16:creationId xmlns:a16="http://schemas.microsoft.com/office/drawing/2014/main" id="{72F491C5-0D91-4A99-9E0D-F20089F18A11}"/>
+                <a16:creationId xmlns:a16="http://schemas.microsoft.com/office/drawing/2014/main" xmlns="" id="{72F491C5-0D91-4A99-9E0D-F20089F18A11}"/>
               </a:ext>
             </a:extLst>
           </p:cNvPr>
@@ -8051,7 +8069,7 @@
           <p:cNvPr id="15" name="Szövegdoboz 14">
             <a:extLst>
               <a:ext uri="{FF2B5EF4-FFF2-40B4-BE49-F238E27FC236}">
-                <a16:creationId xmlns:a16="http://schemas.microsoft.com/office/drawing/2014/main" id="{E86DE464-7E66-475D-B22B-BDDD15FFBA53}"/>
+                <a16:creationId xmlns:a16="http://schemas.microsoft.com/office/drawing/2014/main" xmlns="" id="{E86DE464-7E66-475D-B22B-BDDD15FFBA53}"/>
               </a:ext>
             </a:extLst>
           </p:cNvPr>
@@ -8118,7 +8136,7 @@
           <p:cNvPr id="4" name="Téglalap 3">
             <a:extLst>
               <a:ext uri="{FF2B5EF4-FFF2-40B4-BE49-F238E27FC236}">
-                <a16:creationId xmlns:a16="http://schemas.microsoft.com/office/drawing/2014/main" id="{A2C7BB2A-A50F-47CB-AB3E-AE6C4FF53DEE}"/>
+                <a16:creationId xmlns:a16="http://schemas.microsoft.com/office/drawing/2014/main" xmlns="" id="{A2C7BB2A-A50F-47CB-AB3E-AE6C4FF53DEE}"/>
               </a:ext>
             </a:extLst>
           </p:cNvPr>
@@ -8170,7 +8188,7 @@
           <p:cNvPr id="5" name="Ábra 4">
             <a:extLst>
               <a:ext uri="{FF2B5EF4-FFF2-40B4-BE49-F238E27FC236}">
-                <a16:creationId xmlns:a16="http://schemas.microsoft.com/office/drawing/2014/main" id="{CF166C1C-80BD-4665-9CE3-AFB5AE9CDD74}"/>
+                <a16:creationId xmlns:a16="http://schemas.microsoft.com/office/drawing/2014/main" xmlns="" id="{CF166C1C-80BD-4665-9CE3-AFB5AE9CDD74}"/>
               </a:ext>
             </a:extLst>
           </p:cNvPr>
@@ -8186,7 +8204,7 @@
                 <a14:useLocalDpi xmlns:a14="http://schemas.microsoft.com/office/drawing/2010/main" val="0"/>
               </a:ext>
               <a:ext uri="{96DAC541-7B7A-43D3-8B79-37D633B846F1}">
-                <asvg:svgBlip xmlns:asvg="http://schemas.microsoft.com/office/drawing/2016/SVG/main" r:embed="rId3"/>
+                <asvg:svgBlip xmlns:asvg="http://schemas.microsoft.com/office/drawing/2016/SVG/main" xmlns="" r:embed="rId3"/>
               </a:ext>
             </a:extLst>
           </a:blip>
@@ -8209,7 +8227,7 @@
           <p:cNvPr id="6" name="Kép 5">
             <a:extLst>
               <a:ext uri="{FF2B5EF4-FFF2-40B4-BE49-F238E27FC236}">
-                <a16:creationId xmlns:a16="http://schemas.microsoft.com/office/drawing/2014/main" id="{7FE9E31C-3444-435C-97D5-CB7DBA222984}"/>
+                <a16:creationId xmlns:a16="http://schemas.microsoft.com/office/drawing/2014/main" xmlns="" id="{7FE9E31C-3444-435C-97D5-CB7DBA222984}"/>
               </a:ext>
             </a:extLst>
           </p:cNvPr>
@@ -8245,7 +8263,7 @@
           <p:cNvPr id="7" name="Szövegdoboz 6">
             <a:extLst>
               <a:ext uri="{FF2B5EF4-FFF2-40B4-BE49-F238E27FC236}">
-                <a16:creationId xmlns:a16="http://schemas.microsoft.com/office/drawing/2014/main" id="{089A8824-10DF-4AC9-B95C-6F58F44FD8E3}"/>
+                <a16:creationId xmlns:a16="http://schemas.microsoft.com/office/drawing/2014/main" xmlns="" id="{089A8824-10DF-4AC9-B95C-6F58F44FD8E3}"/>
               </a:ext>
             </a:extLst>
           </p:cNvPr>
@@ -8300,7 +8318,7 @@
           <p:cNvPr id="9" name="Kép 8" descr="A képen szöveg látható&#10;&#10;Automatikusan generált leírás">
             <a:extLst>
               <a:ext uri="{FF2B5EF4-FFF2-40B4-BE49-F238E27FC236}">
-                <a16:creationId xmlns:a16="http://schemas.microsoft.com/office/drawing/2014/main" id="{AB861D96-9093-4447-BBC3-8290E850F7D3}"/>
+                <a16:creationId xmlns:a16="http://schemas.microsoft.com/office/drawing/2014/main" xmlns="" id="{AB861D96-9093-4447-BBC3-8290E850F7D3}"/>
               </a:ext>
             </a:extLst>
           </p:cNvPr>
@@ -8366,7 +8384,7 @@
           <p:cNvPr id="4" name="Téglalap 3">
             <a:extLst>
               <a:ext uri="{FF2B5EF4-FFF2-40B4-BE49-F238E27FC236}">
-                <a16:creationId xmlns:a16="http://schemas.microsoft.com/office/drawing/2014/main" id="{78525340-6B7A-4D40-A00C-AE30EF51CBBB}"/>
+                <a16:creationId xmlns:a16="http://schemas.microsoft.com/office/drawing/2014/main" xmlns="" id="{78525340-6B7A-4D40-A00C-AE30EF51CBBB}"/>
               </a:ext>
             </a:extLst>
           </p:cNvPr>
@@ -8418,7 +8436,7 @@
           <p:cNvPr id="5" name="Ábra 4">
             <a:extLst>
               <a:ext uri="{FF2B5EF4-FFF2-40B4-BE49-F238E27FC236}">
-                <a16:creationId xmlns:a16="http://schemas.microsoft.com/office/drawing/2014/main" id="{4FBEBAD1-D318-4E59-9A68-B95CA4E82989}"/>
+                <a16:creationId xmlns:a16="http://schemas.microsoft.com/office/drawing/2014/main" xmlns="" id="{4FBEBAD1-D318-4E59-9A68-B95CA4E82989}"/>
               </a:ext>
             </a:extLst>
           </p:cNvPr>
@@ -8434,7 +8452,7 @@
                 <a14:useLocalDpi xmlns:a14="http://schemas.microsoft.com/office/drawing/2010/main" val="0"/>
               </a:ext>
               <a:ext uri="{96DAC541-7B7A-43D3-8B79-37D633B846F1}">
-                <asvg:svgBlip xmlns:asvg="http://schemas.microsoft.com/office/drawing/2016/SVG/main" r:embed="rId3"/>
+                <asvg:svgBlip xmlns:asvg="http://schemas.microsoft.com/office/drawing/2016/SVG/main" xmlns="" r:embed="rId3"/>
               </a:ext>
             </a:extLst>
           </a:blip>
@@ -8457,7 +8475,7 @@
           <p:cNvPr id="6" name="Kép 5">
             <a:extLst>
               <a:ext uri="{FF2B5EF4-FFF2-40B4-BE49-F238E27FC236}">
-                <a16:creationId xmlns:a16="http://schemas.microsoft.com/office/drawing/2014/main" id="{8AA4441F-C5B5-4B3F-89AD-4F4566A68AC6}"/>
+                <a16:creationId xmlns:a16="http://schemas.microsoft.com/office/drawing/2014/main" xmlns="" id="{8AA4441F-C5B5-4B3F-89AD-4F4566A68AC6}"/>
               </a:ext>
             </a:extLst>
           </p:cNvPr>
@@ -8493,7 +8511,7 @@
           <p:cNvPr id="7" name="Szövegdoboz 6">
             <a:extLst>
               <a:ext uri="{FF2B5EF4-FFF2-40B4-BE49-F238E27FC236}">
-                <a16:creationId xmlns:a16="http://schemas.microsoft.com/office/drawing/2014/main" id="{76D387F9-168D-4D3D-AF6B-8820F7A04B7C}"/>
+                <a16:creationId xmlns:a16="http://schemas.microsoft.com/office/drawing/2014/main" xmlns="" id="{76D387F9-168D-4D3D-AF6B-8820F7A04B7C}"/>
               </a:ext>
             </a:extLst>
           </p:cNvPr>
@@ -8559,7 +8577,7 @@
           <p:cNvPr id="8" name="Szövegdoboz 7">
             <a:extLst>
               <a:ext uri="{FF2B5EF4-FFF2-40B4-BE49-F238E27FC236}">
-                <a16:creationId xmlns:a16="http://schemas.microsoft.com/office/drawing/2014/main" id="{E11ADEE5-4A7D-42BF-A234-E54D3C47B81D}"/>
+                <a16:creationId xmlns:a16="http://schemas.microsoft.com/office/drawing/2014/main" xmlns="" id="{E11ADEE5-4A7D-42BF-A234-E54D3C47B81D}"/>
               </a:ext>
             </a:extLst>
           </p:cNvPr>
@@ -8758,7 +8776,7 @@
           <p:cNvPr id="16" name="Szövegdoboz 15">
             <a:extLst>
               <a:ext uri="{FF2B5EF4-FFF2-40B4-BE49-F238E27FC236}">
-                <a16:creationId xmlns:a16="http://schemas.microsoft.com/office/drawing/2014/main" id="{C37A4C15-5023-44CE-AD0C-D8BE67AD6193}"/>
+                <a16:creationId xmlns:a16="http://schemas.microsoft.com/office/drawing/2014/main" xmlns="" id="{C37A4C15-5023-44CE-AD0C-D8BE67AD6193}"/>
               </a:ext>
             </a:extLst>
           </p:cNvPr>
@@ -9357,7 +9375,7 @@
           <p:cNvPr id="4" name="Ábra 3">
             <a:extLst>
               <a:ext uri="{FF2B5EF4-FFF2-40B4-BE49-F238E27FC236}">
-                <a16:creationId xmlns:a16="http://schemas.microsoft.com/office/drawing/2014/main" id="{31B9E41E-7304-4A1A-BC30-3E2864ABD6F7}"/>
+                <a16:creationId xmlns:a16="http://schemas.microsoft.com/office/drawing/2014/main" xmlns="" id="{31B9E41E-7304-4A1A-BC30-3E2864ABD6F7}"/>
               </a:ext>
             </a:extLst>
           </p:cNvPr>
@@ -9373,7 +9391,7 @@
                 <a14:useLocalDpi xmlns:a14="http://schemas.microsoft.com/office/drawing/2010/main" val="0"/>
               </a:ext>
               <a:ext uri="{96DAC541-7B7A-43D3-8B79-37D633B846F1}">
-                <asvg:svgBlip xmlns:asvg="http://schemas.microsoft.com/office/drawing/2016/SVG/main" r:embed="rId3"/>
+                <asvg:svgBlip xmlns:asvg="http://schemas.microsoft.com/office/drawing/2016/SVG/main" xmlns="" r:embed="rId3"/>
               </a:ext>
             </a:extLst>
           </a:blip>
@@ -9396,7 +9414,7 @@
           <p:cNvPr id="5" name="Kép 4">
             <a:extLst>
               <a:ext uri="{FF2B5EF4-FFF2-40B4-BE49-F238E27FC236}">
-                <a16:creationId xmlns:a16="http://schemas.microsoft.com/office/drawing/2014/main" id="{29D73E69-59B5-490A-B76B-530A01E22534}"/>
+                <a16:creationId xmlns:a16="http://schemas.microsoft.com/office/drawing/2014/main" xmlns="" id="{29D73E69-59B5-490A-B76B-530A01E22534}"/>
               </a:ext>
             </a:extLst>
           </p:cNvPr>
@@ -9432,7 +9450,7 @@
           <p:cNvPr id="6" name="Téglalap 5">
             <a:extLst>
               <a:ext uri="{FF2B5EF4-FFF2-40B4-BE49-F238E27FC236}">
-                <a16:creationId xmlns:a16="http://schemas.microsoft.com/office/drawing/2014/main" id="{E068F1BD-7F15-4737-9967-36B2D1750584}"/>
+                <a16:creationId xmlns:a16="http://schemas.microsoft.com/office/drawing/2014/main" xmlns="" id="{E068F1BD-7F15-4737-9967-36B2D1750584}"/>
               </a:ext>
             </a:extLst>
           </p:cNvPr>
@@ -9484,7 +9502,7 @@
           <p:cNvPr id="7" name="Szövegdoboz 6">
             <a:extLst>
               <a:ext uri="{FF2B5EF4-FFF2-40B4-BE49-F238E27FC236}">
-                <a16:creationId xmlns:a16="http://schemas.microsoft.com/office/drawing/2014/main" id="{7E7913CF-B31C-474A-9F71-B5D6B7D5978B}"/>
+                <a16:creationId xmlns:a16="http://schemas.microsoft.com/office/drawing/2014/main" xmlns="" id="{7E7913CF-B31C-474A-9F71-B5D6B7D5978B}"/>
               </a:ext>
             </a:extLst>
           </p:cNvPr>
@@ -9550,7 +9568,7 @@
           <p:cNvPr id="9" name="Kép 8" descr="A képen szöveg, képernyőkép, dokumentum látható&#10;&#10;Automatikusan generált leírás">
             <a:extLst>
               <a:ext uri="{FF2B5EF4-FFF2-40B4-BE49-F238E27FC236}">
-                <a16:creationId xmlns:a16="http://schemas.microsoft.com/office/drawing/2014/main" id="{7C218E30-2EE8-4D8C-80CB-60AFDC139941}"/>
+                <a16:creationId xmlns:a16="http://schemas.microsoft.com/office/drawing/2014/main" xmlns="" id="{7C218E30-2EE8-4D8C-80CB-60AFDC139941}"/>
               </a:ext>
             </a:extLst>
           </p:cNvPr>
@@ -9616,7 +9634,7 @@
           <p:cNvPr id="4" name="Téglalap 3">
             <a:extLst>
               <a:ext uri="{FF2B5EF4-FFF2-40B4-BE49-F238E27FC236}">
-                <a16:creationId xmlns:a16="http://schemas.microsoft.com/office/drawing/2014/main" id="{48DBA02F-B6EC-48A8-AC85-B71A2EC1781B}"/>
+                <a16:creationId xmlns:a16="http://schemas.microsoft.com/office/drawing/2014/main" xmlns="" id="{48DBA02F-B6EC-48A8-AC85-B71A2EC1781B}"/>
               </a:ext>
             </a:extLst>
           </p:cNvPr>
@@ -9668,7 +9686,7 @@
           <p:cNvPr id="5" name="Szövegdoboz 4">
             <a:extLst>
               <a:ext uri="{FF2B5EF4-FFF2-40B4-BE49-F238E27FC236}">
-                <a16:creationId xmlns:a16="http://schemas.microsoft.com/office/drawing/2014/main" id="{DFF6D5BF-7E71-423A-9525-208E382710DC}"/>
+                <a16:creationId xmlns:a16="http://schemas.microsoft.com/office/drawing/2014/main" xmlns="" id="{DFF6D5BF-7E71-423A-9525-208E382710DC}"/>
               </a:ext>
             </a:extLst>
           </p:cNvPr>
@@ -9708,7 +9726,7 @@
           <p:cNvPr id="7" name="Szövegdoboz 6">
             <a:extLst>
               <a:ext uri="{FF2B5EF4-FFF2-40B4-BE49-F238E27FC236}">
-                <a16:creationId xmlns:a16="http://schemas.microsoft.com/office/drawing/2014/main" id="{7043BF47-92DF-4BA1-B102-0F6418F6D0E2}"/>
+                <a16:creationId xmlns:a16="http://schemas.microsoft.com/office/drawing/2014/main" xmlns="" id="{7043BF47-92DF-4BA1-B102-0F6418F6D0E2}"/>
               </a:ext>
             </a:extLst>
           </p:cNvPr>
@@ -9745,7 +9763,7 @@
           <p:cNvPr id="8" name="Szövegdoboz 7">
             <a:extLst>
               <a:ext uri="{FF2B5EF4-FFF2-40B4-BE49-F238E27FC236}">
-                <a16:creationId xmlns:a16="http://schemas.microsoft.com/office/drawing/2014/main" id="{3EAC3FA6-A5D2-4247-8630-FD51FC40F39A}"/>
+                <a16:creationId xmlns:a16="http://schemas.microsoft.com/office/drawing/2014/main" xmlns="" id="{3EAC3FA6-A5D2-4247-8630-FD51FC40F39A}"/>
               </a:ext>
             </a:extLst>
           </p:cNvPr>
@@ -9810,7 +9828,7 @@
           <p:cNvPr id="9" name="Szövegdoboz 8">
             <a:extLst>
               <a:ext uri="{FF2B5EF4-FFF2-40B4-BE49-F238E27FC236}">
-                <a16:creationId xmlns:a16="http://schemas.microsoft.com/office/drawing/2014/main" id="{DA2757C3-B57F-403B-8137-6811F884F535}"/>
+                <a16:creationId xmlns:a16="http://schemas.microsoft.com/office/drawing/2014/main" xmlns="" id="{DA2757C3-B57F-403B-8137-6811F884F535}"/>
               </a:ext>
             </a:extLst>
           </p:cNvPr>
@@ -9847,7 +9865,7 @@
           <p:cNvPr id="11" name="Kép 10">
             <a:extLst>
               <a:ext uri="{FF2B5EF4-FFF2-40B4-BE49-F238E27FC236}">
-                <a16:creationId xmlns:a16="http://schemas.microsoft.com/office/drawing/2014/main" id="{3FD2B1FC-20E8-465A-B655-7BC6F205E0D4}"/>
+                <a16:creationId xmlns:a16="http://schemas.microsoft.com/office/drawing/2014/main" xmlns="" id="{3FD2B1FC-20E8-465A-B655-7BC6F205E0D4}"/>
               </a:ext>
             </a:extLst>
           </p:cNvPr>
@@ -9883,7 +9901,7 @@
           <p:cNvPr id="12" name="Ábra 11">
             <a:extLst>
               <a:ext uri="{FF2B5EF4-FFF2-40B4-BE49-F238E27FC236}">
-                <a16:creationId xmlns:a16="http://schemas.microsoft.com/office/drawing/2014/main" id="{8E50F4D6-D943-4C6D-AA11-D1D7187BD47B}"/>
+                <a16:creationId xmlns:a16="http://schemas.microsoft.com/office/drawing/2014/main" xmlns="" id="{8E50F4D6-D943-4C6D-AA11-D1D7187BD47B}"/>
               </a:ext>
             </a:extLst>
           </p:cNvPr>
@@ -9899,7 +9917,7 @@
                 <a14:useLocalDpi xmlns:a14="http://schemas.microsoft.com/office/drawing/2010/main" val="0"/>
               </a:ext>
               <a:ext uri="{96DAC541-7B7A-43D3-8B79-37D633B846F1}">
-                <asvg:svgBlip xmlns:asvg="http://schemas.microsoft.com/office/drawing/2016/SVG/main" r:embed="rId4"/>
+                <asvg:svgBlip xmlns:asvg="http://schemas.microsoft.com/office/drawing/2016/SVG/main" xmlns="" r:embed="rId4"/>
               </a:ext>
             </a:extLst>
           </a:blip>
@@ -9922,7 +9940,7 @@
           <p:cNvPr id="14" name="Szövegdoboz 13">
             <a:extLst>
               <a:ext uri="{FF2B5EF4-FFF2-40B4-BE49-F238E27FC236}">
-                <a16:creationId xmlns:a16="http://schemas.microsoft.com/office/drawing/2014/main" id="{1D74E28A-8624-4188-BCF4-14AE360BDE5A}"/>
+                <a16:creationId xmlns:a16="http://schemas.microsoft.com/office/drawing/2014/main" xmlns="" id="{1D74E28A-8624-4188-BCF4-14AE360BDE5A}"/>
               </a:ext>
             </a:extLst>
           </p:cNvPr>
@@ -10120,7 +10138,7 @@
           <p:cNvPr id="4" name="Téglalap 3">
             <a:extLst>
               <a:ext uri="{FF2B5EF4-FFF2-40B4-BE49-F238E27FC236}">
-                <a16:creationId xmlns:a16="http://schemas.microsoft.com/office/drawing/2014/main" id="{554FD794-3583-4004-956C-516A8220E427}"/>
+                <a16:creationId xmlns:a16="http://schemas.microsoft.com/office/drawing/2014/main" xmlns="" id="{554FD794-3583-4004-956C-516A8220E427}"/>
               </a:ext>
             </a:extLst>
           </p:cNvPr>
@@ -10172,7 +10190,7 @@
           <p:cNvPr id="5" name="Kép 4">
             <a:extLst>
               <a:ext uri="{FF2B5EF4-FFF2-40B4-BE49-F238E27FC236}">
-                <a16:creationId xmlns:a16="http://schemas.microsoft.com/office/drawing/2014/main" id="{8FC2DFD2-2630-400B-97D0-F76354A684C4}"/>
+                <a16:creationId xmlns:a16="http://schemas.microsoft.com/office/drawing/2014/main" xmlns="" id="{8FC2DFD2-2630-400B-97D0-F76354A684C4}"/>
               </a:ext>
             </a:extLst>
           </p:cNvPr>
@@ -10208,7 +10226,7 @@
           <p:cNvPr id="6" name="Ábra 5">
             <a:extLst>
               <a:ext uri="{FF2B5EF4-FFF2-40B4-BE49-F238E27FC236}">
-                <a16:creationId xmlns:a16="http://schemas.microsoft.com/office/drawing/2014/main" id="{C9A140CE-AE78-45FD-948A-F1F82A316E59}"/>
+                <a16:creationId xmlns:a16="http://schemas.microsoft.com/office/drawing/2014/main" xmlns="" id="{C9A140CE-AE78-45FD-948A-F1F82A316E59}"/>
               </a:ext>
             </a:extLst>
           </p:cNvPr>
@@ -10224,7 +10242,7 @@
                 <a14:useLocalDpi xmlns:a14="http://schemas.microsoft.com/office/drawing/2010/main" val="0"/>
               </a:ext>
               <a:ext uri="{96DAC541-7B7A-43D3-8B79-37D633B846F1}">
-                <asvg:svgBlip xmlns:asvg="http://schemas.microsoft.com/office/drawing/2016/SVG/main" r:embed="rId4"/>
+                <asvg:svgBlip xmlns:asvg="http://schemas.microsoft.com/office/drawing/2016/SVG/main" xmlns="" r:embed="rId4"/>
               </a:ext>
             </a:extLst>
           </a:blip>
@@ -10247,7 +10265,7 @@
           <p:cNvPr id="7" name="Szövegdoboz 6">
             <a:extLst>
               <a:ext uri="{FF2B5EF4-FFF2-40B4-BE49-F238E27FC236}">
-                <a16:creationId xmlns:a16="http://schemas.microsoft.com/office/drawing/2014/main" id="{71EB8536-C730-4872-A904-CC9A602141E1}"/>
+                <a16:creationId xmlns:a16="http://schemas.microsoft.com/office/drawing/2014/main" xmlns="" id="{71EB8536-C730-4872-A904-CC9A602141E1}"/>
               </a:ext>
             </a:extLst>
           </p:cNvPr>
@@ -10305,7 +10323,7 @@
           <p:cNvPr id="9" name="Kép 8" descr="A képen szöveg látható&#10;&#10;Automatikusan generált leírás">
             <a:extLst>
               <a:ext uri="{FF2B5EF4-FFF2-40B4-BE49-F238E27FC236}">
-                <a16:creationId xmlns:a16="http://schemas.microsoft.com/office/drawing/2014/main" id="{83A13FFE-A5D1-42DA-AD70-DF4974DB06FF}"/>
+                <a16:creationId xmlns:a16="http://schemas.microsoft.com/office/drawing/2014/main" xmlns="" id="{83A13FFE-A5D1-42DA-AD70-DF4974DB06FF}"/>
               </a:ext>
             </a:extLst>
           </p:cNvPr>
@@ -10341,7 +10359,7 @@
           <p:cNvPr id="11" name="Kép 10">
             <a:extLst>
               <a:ext uri="{FF2B5EF4-FFF2-40B4-BE49-F238E27FC236}">
-                <a16:creationId xmlns:a16="http://schemas.microsoft.com/office/drawing/2014/main" id="{9551A0EF-30AA-41A5-A14A-04393B62CA99}"/>
+                <a16:creationId xmlns:a16="http://schemas.microsoft.com/office/drawing/2014/main" xmlns="" id="{9551A0EF-30AA-41A5-A14A-04393B62CA99}"/>
               </a:ext>
             </a:extLst>
           </p:cNvPr>
@@ -10407,7 +10425,7 @@
           <p:cNvPr id="5" name="Téglalap 4">
             <a:extLst>
               <a:ext uri="{FF2B5EF4-FFF2-40B4-BE49-F238E27FC236}">
-                <a16:creationId xmlns:a16="http://schemas.microsoft.com/office/drawing/2014/main" id="{9CA26A1C-2AE4-4715-BDE4-2908B2BEA97A}"/>
+                <a16:creationId xmlns:a16="http://schemas.microsoft.com/office/drawing/2014/main" xmlns="" id="{9CA26A1C-2AE4-4715-BDE4-2908B2BEA97A}"/>
               </a:ext>
             </a:extLst>
           </p:cNvPr>
@@ -10459,7 +10477,7 @@
           <p:cNvPr id="6" name="Ábra 5">
             <a:extLst>
               <a:ext uri="{FF2B5EF4-FFF2-40B4-BE49-F238E27FC236}">
-                <a16:creationId xmlns:a16="http://schemas.microsoft.com/office/drawing/2014/main" id="{752E1006-4091-44C8-A41C-C50F5E3327C8}"/>
+                <a16:creationId xmlns:a16="http://schemas.microsoft.com/office/drawing/2014/main" xmlns="" id="{752E1006-4091-44C8-A41C-C50F5E3327C8}"/>
               </a:ext>
             </a:extLst>
           </p:cNvPr>
@@ -10475,7 +10493,7 @@
                 <a14:useLocalDpi xmlns:a14="http://schemas.microsoft.com/office/drawing/2010/main" val="0"/>
               </a:ext>
               <a:ext uri="{96DAC541-7B7A-43D3-8B79-37D633B846F1}">
-                <asvg:svgBlip xmlns:asvg="http://schemas.microsoft.com/office/drawing/2016/SVG/main" r:embed="rId3"/>
+                <asvg:svgBlip xmlns:asvg="http://schemas.microsoft.com/office/drawing/2016/SVG/main" xmlns="" r:embed="rId3"/>
               </a:ext>
             </a:extLst>
           </a:blip>
@@ -10498,7 +10516,7 @@
           <p:cNvPr id="7" name="Kép 6">
             <a:extLst>
               <a:ext uri="{FF2B5EF4-FFF2-40B4-BE49-F238E27FC236}">
-                <a16:creationId xmlns:a16="http://schemas.microsoft.com/office/drawing/2014/main" id="{0F512247-75D6-431E-B0F6-A5189892A8D2}"/>
+                <a16:creationId xmlns:a16="http://schemas.microsoft.com/office/drawing/2014/main" xmlns="" id="{0F512247-75D6-431E-B0F6-A5189892A8D2}"/>
               </a:ext>
             </a:extLst>
           </p:cNvPr>
@@ -10534,7 +10552,7 @@
           <p:cNvPr id="8" name="Szövegdoboz 7">
             <a:extLst>
               <a:ext uri="{FF2B5EF4-FFF2-40B4-BE49-F238E27FC236}">
-                <a16:creationId xmlns:a16="http://schemas.microsoft.com/office/drawing/2014/main" id="{7E7913CF-B31C-474A-9F71-B5D6B7D5978B}"/>
+                <a16:creationId xmlns:a16="http://schemas.microsoft.com/office/drawing/2014/main" xmlns="" id="{7E7913CF-B31C-474A-9F71-B5D6B7D5978B}"/>
               </a:ext>
             </a:extLst>
           </p:cNvPr>
@@ -10792,7 +10810,7 @@
           <p:cNvPr id="5" name="Téglalap 4">
             <a:extLst>
               <a:ext uri="{FF2B5EF4-FFF2-40B4-BE49-F238E27FC236}">
-                <a16:creationId xmlns:a16="http://schemas.microsoft.com/office/drawing/2014/main" id="{9CA26A1C-2AE4-4715-BDE4-2908B2BEA97A}"/>
+                <a16:creationId xmlns:a16="http://schemas.microsoft.com/office/drawing/2014/main" xmlns="" id="{9CA26A1C-2AE4-4715-BDE4-2908B2BEA97A}"/>
               </a:ext>
             </a:extLst>
           </p:cNvPr>
@@ -10844,7 +10862,7 @@
           <p:cNvPr id="6" name="Ábra 5">
             <a:extLst>
               <a:ext uri="{FF2B5EF4-FFF2-40B4-BE49-F238E27FC236}">
-                <a16:creationId xmlns:a16="http://schemas.microsoft.com/office/drawing/2014/main" id="{752E1006-4091-44C8-A41C-C50F5E3327C8}"/>
+                <a16:creationId xmlns:a16="http://schemas.microsoft.com/office/drawing/2014/main" xmlns="" id="{752E1006-4091-44C8-A41C-C50F5E3327C8}"/>
               </a:ext>
             </a:extLst>
           </p:cNvPr>
@@ -10860,7 +10878,7 @@
                 <a14:useLocalDpi xmlns:a14="http://schemas.microsoft.com/office/drawing/2010/main" val="0"/>
               </a:ext>
               <a:ext uri="{96DAC541-7B7A-43D3-8B79-37D633B846F1}">
-                <asvg:svgBlip xmlns:asvg="http://schemas.microsoft.com/office/drawing/2016/SVG/main" r:embed="rId3"/>
+                <asvg:svgBlip xmlns:asvg="http://schemas.microsoft.com/office/drawing/2016/SVG/main" xmlns="" r:embed="rId3"/>
               </a:ext>
             </a:extLst>
           </a:blip>
@@ -10883,7 +10901,7 @@
           <p:cNvPr id="7" name="Kép 6">
             <a:extLst>
               <a:ext uri="{FF2B5EF4-FFF2-40B4-BE49-F238E27FC236}">
-                <a16:creationId xmlns:a16="http://schemas.microsoft.com/office/drawing/2014/main" id="{0F512247-75D6-431E-B0F6-A5189892A8D2}"/>
+                <a16:creationId xmlns:a16="http://schemas.microsoft.com/office/drawing/2014/main" xmlns="" id="{0F512247-75D6-431E-B0F6-A5189892A8D2}"/>
               </a:ext>
             </a:extLst>
           </p:cNvPr>
@@ -10919,7 +10937,7 @@
           <p:cNvPr id="8" name="Szövegdoboz 7">
             <a:extLst>
               <a:ext uri="{FF2B5EF4-FFF2-40B4-BE49-F238E27FC236}">
-                <a16:creationId xmlns:a16="http://schemas.microsoft.com/office/drawing/2014/main" id="{7E7913CF-B31C-474A-9F71-B5D6B7D5978B}"/>
+                <a16:creationId xmlns:a16="http://schemas.microsoft.com/office/drawing/2014/main" xmlns="" id="{7E7913CF-B31C-474A-9F71-B5D6B7D5978B}"/>
               </a:ext>
             </a:extLst>
           </p:cNvPr>
@@ -10959,60 +10977,6 @@
                 <a:latin typeface="Agency FB" panose="020B0503020202020204" pitchFamily="34" charset="0"/>
               </a:rPr>
               <a:t> bemutatása</a:t>
-            </a:r>
-          </a:p>
-        </p:txBody>
-      </p:sp>
-      <p:sp>
-        <p:nvSpPr>
-          <p:cNvPr id="2" name="Téglalap 1"/>
-          <p:cNvSpPr/>
-          <p:nvPr/>
-        </p:nvSpPr>
-        <p:spPr>
-          <a:xfrm>
-            <a:off x="465022" y="941804"/>
-            <a:ext cx="8716845" cy="707886"/>
-          </a:xfrm>
-          <a:prstGeom prst="rect">
-            <a:avLst/>
-          </a:prstGeom>
-        </p:spPr>
-        <p:txBody>
-          <a:bodyPr wrap="square">
-            <a:spAutoFit/>
-          </a:bodyPr>
-          <a:lstStyle/>
-          <a:p>
-            <a:r>
-              <a:rPr lang="hu-HU" sz="2000" dirty="0">
-                <a:latin typeface="Abadi" panose="020B0604020104020204" pitchFamily="34" charset="0"/>
-              </a:rPr>
-              <a:t>A </a:t>
-            </a:r>
-            <a:r>
-              <a:rPr lang="hu-HU" sz="2000" dirty="0" err="1">
-                <a:latin typeface="Abadi" panose="020B0604020104020204" pitchFamily="34" charset="0"/>
-              </a:rPr>
-              <a:t>Fluentd</a:t>
-            </a:r>
-            <a:r>
-              <a:rPr lang="hu-HU" sz="2000" dirty="0">
-                <a:latin typeface="Abadi" panose="020B0604020104020204" pitchFamily="34" charset="0"/>
-              </a:rPr>
-              <a:t> és a </a:t>
-            </a:r>
-            <a:r>
-              <a:rPr lang="hu-HU" sz="2000" dirty="0" err="1">
-                <a:latin typeface="Abadi" panose="020B0604020104020204" pitchFamily="34" charset="0"/>
-              </a:rPr>
-              <a:t>Logstash</a:t>
-            </a:r>
-            <a:r>
-              <a:rPr lang="hu-HU" sz="2000" dirty="0">
-                <a:latin typeface="Abadi" panose="020B0604020104020204" pitchFamily="34" charset="0"/>
-              </a:rPr>
-              <a:t> között a teljesítmény, valamint a konfiguráció szintaktikája a jelentős különbség.</a:t>
             </a:r>
           </a:p>
         </p:txBody>
@@ -11039,7 +11003,7 @@
         </p:blipFill>
         <p:spPr>
           <a:xfrm>
-            <a:off x="493539" y="1802144"/>
+            <a:off x="493539" y="1373733"/>
             <a:ext cx="3379843" cy="4838328"/>
           </a:xfrm>
           <a:prstGeom prst="rect">
@@ -11069,8 +11033,8 @@
         </p:nvSpPr>
         <p:spPr>
           <a:xfrm>
-            <a:off x="4092601" y="1802144"/>
-            <a:ext cx="7963339" cy="3754874"/>
+            <a:off x="4528457" y="931817"/>
+            <a:ext cx="6754183" cy="5355311"/>
           </a:xfrm>
           <a:prstGeom prst="rect">
             <a:avLst/>
@@ -11082,7 +11046,10 @@
           </a:bodyPr>
           <a:lstStyle/>
           <a:p>
-            <a:pPr marL="285750" indent="-285750">
+            <a:pPr marL="342900" indent="-342900">
+              <a:spcAft>
+                <a:spcPts val="1200"/>
+              </a:spcAft>
               <a:buFont typeface="Arial" panose="020B0604020202020204" pitchFamily="34" charset="0"/>
               <a:buChar char="•"/>
             </a:pPr>
@@ -11114,11 +11081,71 @@
               <a:rPr lang="hu-HU" sz="2200" dirty="0">
                 <a:latin typeface="Abadi" panose="020B0604020104020204" pitchFamily="34" charset="0"/>
               </a:rPr>
-              <a:t> készült.</a:t>
-            </a:r>
-          </a:p>
-          <a:p>
-            <a:pPr marL="285750" indent="-285750">
+              <a:t> </a:t>
+            </a:r>
+            <a:r>
+              <a:rPr lang="hu-HU" sz="2200" dirty="0" smtClean="0">
+                <a:latin typeface="Abadi" panose="020B0604020104020204" pitchFamily="34" charset="0"/>
+              </a:rPr>
+              <a:t>készült, ezért gyorsabb, mint a </a:t>
+            </a:r>
+            <a:r>
+              <a:rPr lang="hu-HU" sz="2200" dirty="0" err="1" smtClean="0">
+                <a:latin typeface="Abadi" panose="020B0604020104020204" pitchFamily="34" charset="0"/>
+              </a:rPr>
+              <a:t>logstash</a:t>
+            </a:r>
+            <a:r>
+              <a:rPr lang="hu-HU" sz="2200" dirty="0" smtClean="0">
+                <a:latin typeface="Abadi" panose="020B0604020104020204" pitchFamily="34" charset="0"/>
+              </a:rPr>
+              <a:t> </a:t>
+            </a:r>
+            <a:r>
+              <a:rPr lang="hu-HU" sz="2000" dirty="0" smtClean="0">
+                <a:latin typeface="Abadi" panose="020B0604020104020204" pitchFamily="34" charset="0"/>
+              </a:rPr>
+              <a:t>(</a:t>
+            </a:r>
+            <a:r>
+              <a:rPr lang="hu-HU" sz="2000" dirty="0" err="1" smtClean="0">
+                <a:latin typeface="Abadi" panose="020B0604020104020204" pitchFamily="34" charset="0"/>
+              </a:rPr>
+              <a:t>a</a:t>
+            </a:r>
+            <a:r>
+              <a:rPr lang="hu-HU" sz="2000" dirty="0" smtClean="0">
+                <a:latin typeface="Abadi" panose="020B0604020104020204" pitchFamily="34" charset="0"/>
+              </a:rPr>
+              <a:t> </a:t>
+            </a:r>
+            <a:r>
+              <a:rPr lang="hu-HU" sz="2000" dirty="0" err="1" smtClean="0">
+                <a:latin typeface="Abadi" panose="020B0604020104020204" pitchFamily="34" charset="0"/>
+              </a:rPr>
+              <a:t>logstash</a:t>
+            </a:r>
+            <a:r>
+              <a:rPr lang="hu-HU" sz="2000" dirty="0" smtClean="0">
+                <a:latin typeface="Abadi" panose="020B0604020104020204" pitchFamily="34" charset="0"/>
+              </a:rPr>
+              <a:t> javában készült, ezért több memóriát használ)</a:t>
+            </a:r>
+            <a:r>
+              <a:rPr lang="hu-HU" sz="2200" dirty="0" smtClean="0">
+                <a:latin typeface="Abadi" panose="020B0604020104020204" pitchFamily="34" charset="0"/>
+              </a:rPr>
+              <a:t>.</a:t>
+            </a:r>
+            <a:endParaRPr lang="hu-HU" sz="2200" dirty="0">
+              <a:latin typeface="Abadi" panose="020B0604020104020204" pitchFamily="34" charset="0"/>
+            </a:endParaRPr>
+          </a:p>
+          <a:p>
+            <a:pPr marL="342900" indent="-342900">
+              <a:spcAft>
+                <a:spcPts val="1200"/>
+              </a:spcAft>
               <a:buFont typeface="Arial" panose="020B0604020202020204" pitchFamily="34" charset="0"/>
               <a:buChar char="•"/>
             </a:pPr>
@@ -11160,7 +11187,10 @@
             </a:r>
           </a:p>
           <a:p>
-            <a:pPr marL="285750" indent="-285750">
+            <a:pPr marL="342900" indent="-342900">
+              <a:spcAft>
+                <a:spcPts val="1200"/>
+              </a:spcAft>
               <a:buFont typeface="Arial" panose="020B0604020202020204" pitchFamily="34" charset="0"/>
               <a:buChar char="•"/>
             </a:pPr>
@@ -11181,7 +11211,10 @@
             </a:endParaRPr>
           </a:p>
           <a:p>
-            <a:pPr marL="285750" indent="-285750">
+            <a:pPr marL="342900" indent="-342900">
+              <a:spcAft>
+                <a:spcPts val="1200"/>
+              </a:spcAft>
               <a:buFont typeface="Arial" panose="020B0604020202020204" pitchFamily="34" charset="0"/>
               <a:buChar char="•"/>
             </a:pPr>
@@ -11189,20 +11222,74 @@
               <a:rPr lang="hu-HU" sz="2200" dirty="0">
                 <a:latin typeface="Abadi" panose="020B0604020104020204" pitchFamily="34" charset="0"/>
               </a:rPr>
-              <a:t>egyre növekvő közösség</a:t>
-            </a:r>
-          </a:p>
-          <a:p>
-            <a:pPr marL="285750" indent="-285750">
+              <a:t>egyre növekvő </a:t>
+            </a:r>
+            <a:r>
+              <a:rPr lang="hu-HU" sz="2200" dirty="0" smtClean="0">
+                <a:latin typeface="Abadi" panose="020B0604020104020204" pitchFamily="34" charset="0"/>
+              </a:rPr>
+              <a:t>közösség</a:t>
+            </a:r>
+            <a:endParaRPr lang="hu-HU" sz="2200" dirty="0">
+              <a:latin typeface="Abadi" panose="020B0604020104020204" pitchFamily="34" charset="0"/>
+            </a:endParaRPr>
+          </a:p>
+          <a:p>
+            <a:pPr marL="342900" indent="-342900">
+              <a:spcAft>
+                <a:spcPts val="1200"/>
+              </a:spcAft>
               <a:buFont typeface="Arial" panose="020B0604020202020204" pitchFamily="34" charset="0"/>
               <a:buChar char="•"/>
             </a:pPr>
-            <a:endParaRPr lang="hu-HU" sz="2200" dirty="0">
-              <a:latin typeface="Abadi" panose="020B0604020104020204" pitchFamily="34" charset="0"/>
-            </a:endParaRPr>
-          </a:p>
-          <a:p>
-            <a:pPr marL="285750" indent="-285750">
+            <a:r>
+              <a:rPr lang="hu-HU" sz="2200" dirty="0">
+                <a:latin typeface="Abadi" panose="020B0604020104020204" pitchFamily="34" charset="0"/>
+              </a:rPr>
+              <a:t>forrást  megadhatjuk többféleképp (</a:t>
+            </a:r>
+            <a:r>
+              <a:rPr lang="hu-HU" sz="2200" dirty="0" err="1">
+                <a:latin typeface="Abadi" panose="020B0604020104020204" pitchFamily="34" charset="0"/>
+              </a:rPr>
+              <a:t>tail</a:t>
+            </a:r>
+            <a:r>
+              <a:rPr lang="hu-HU" sz="2200" dirty="0">
+                <a:latin typeface="Abadi" panose="020B0604020104020204" pitchFamily="34" charset="0"/>
+              </a:rPr>
+              <a:t> </a:t>
+            </a:r>
+            <a:r>
+              <a:rPr lang="hu-HU" sz="2200" dirty="0" err="1">
+                <a:latin typeface="Abadi" panose="020B0604020104020204" pitchFamily="34" charset="0"/>
+              </a:rPr>
+              <a:t>plugin</a:t>
+            </a:r>
+            <a:r>
+              <a:rPr lang="hu-HU" sz="2200" dirty="0">
+                <a:latin typeface="Abadi" panose="020B0604020104020204" pitchFamily="34" charset="0"/>
+              </a:rPr>
+              <a:t>, </a:t>
+            </a:r>
+            <a:r>
+              <a:rPr lang="hu-HU" sz="2200" dirty="0" err="1">
+                <a:latin typeface="Abadi" panose="020B0604020104020204" pitchFamily="34" charset="0"/>
+              </a:rPr>
+              <a:t>beats</a:t>
+            </a:r>
+            <a:r>
+              <a:rPr lang="hu-HU" sz="2200" dirty="0">
+                <a:latin typeface="Abadi" panose="020B0604020104020204" pitchFamily="34" charset="0"/>
+              </a:rPr>
+              <a:t>…)</a:t>
+            </a:r>
+          </a:p>
+          <a:p>
+            <a:pPr marL="342900" indent="-342900">
+              <a:spcAft>
+                <a:spcPts val="1200"/>
+              </a:spcAft>
               <a:buFont typeface="Arial" panose="020B0604020202020204" pitchFamily="34" charset="0"/>
               <a:buChar char="•"/>
             </a:pPr>
@@ -11210,98 +11297,50 @@
               <a:rPr lang="hu-HU" sz="2200" dirty="0">
                 <a:latin typeface="Abadi" panose="020B0604020104020204" pitchFamily="34" charset="0"/>
               </a:rPr>
-              <a:t>forrást  megadhatjuk többféleképp (</a:t>
+              <a:t>A mi esetünkben az </a:t>
+            </a:r>
+            <a:r>
+              <a:rPr lang="hu-HU" sz="2200" b="1" dirty="0" err="1">
+                <a:latin typeface="Abadi" panose="020B0604020104020204" pitchFamily="34" charset="0"/>
+              </a:rPr>
+              <a:t>rsyslogot</a:t>
+            </a:r>
+            <a:r>
+              <a:rPr lang="hu-HU" sz="2200" dirty="0">
+                <a:latin typeface="Abadi" panose="020B0604020104020204" pitchFamily="34" charset="0"/>
+              </a:rPr>
+              <a:t> használtuk, amiben beállítottuk, hogy az 5140-es </a:t>
             </a:r>
             <a:r>
               <a:rPr lang="hu-HU" sz="2200" dirty="0" err="1">
                 <a:latin typeface="Abadi" panose="020B0604020104020204" pitchFamily="34" charset="0"/>
               </a:rPr>
-              <a:t>tail</a:t>
+              <a:t>porton</a:t>
             </a:r>
             <a:r>
               <a:rPr lang="hu-HU" sz="2200" dirty="0">
                 <a:latin typeface="Abadi" panose="020B0604020104020204" pitchFamily="34" charset="0"/>
               </a:rPr>
-              <a:t> </a:t>
+              <a:t> minden </a:t>
             </a:r>
             <a:r>
               <a:rPr lang="hu-HU" sz="2200" dirty="0" err="1">
                 <a:latin typeface="Abadi" panose="020B0604020104020204" pitchFamily="34" charset="0"/>
               </a:rPr>
-              <a:t>plugin</a:t>
+              <a:t>rendszerlogot</a:t>
             </a:r>
             <a:r>
               <a:rPr lang="hu-HU" sz="2200" dirty="0">
                 <a:latin typeface="Abadi" panose="020B0604020104020204" pitchFamily="34" charset="0"/>
               </a:rPr>
-              <a:t>, </a:t>
-            </a:r>
-            <a:r>
-              <a:rPr lang="hu-HU" sz="2200" dirty="0" err="1">
-                <a:latin typeface="Abadi" panose="020B0604020104020204" pitchFamily="34" charset="0"/>
-              </a:rPr>
-              <a:t>beats</a:t>
-            </a:r>
-            <a:r>
-              <a:rPr lang="hu-HU" sz="2200" dirty="0">
-                <a:latin typeface="Abadi" panose="020B0604020104020204" pitchFamily="34" charset="0"/>
-              </a:rPr>
-              <a:t>…)</a:t>
-            </a:r>
-          </a:p>
-          <a:p>
-            <a:pPr marL="285750" indent="-285750">
-              <a:buFont typeface="Arial" panose="020B0604020202020204" pitchFamily="34" charset="0"/>
-              <a:buChar char="•"/>
-            </a:pPr>
-            <a:r>
-              <a:rPr lang="hu-HU" sz="2200" dirty="0">
-                <a:latin typeface="Abadi" panose="020B0604020104020204" pitchFamily="34" charset="0"/>
-              </a:rPr>
-              <a:t>A mi esetünkben az </a:t>
-            </a:r>
-            <a:r>
-              <a:rPr lang="hu-HU" sz="2200" b="1" dirty="0" err="1">
-                <a:latin typeface="Abadi" panose="020B0604020104020204" pitchFamily="34" charset="0"/>
-              </a:rPr>
-              <a:t>rsyslogot</a:t>
-            </a:r>
-            <a:r>
-              <a:rPr lang="hu-HU" sz="2200" dirty="0">
-                <a:latin typeface="Abadi" panose="020B0604020104020204" pitchFamily="34" charset="0"/>
-              </a:rPr>
-              <a:t> használtuk, amiben beállítottuk, hogy az 5140-es </a:t>
-            </a:r>
-            <a:r>
-              <a:rPr lang="hu-HU" sz="2200" dirty="0" err="1">
-                <a:latin typeface="Abadi" panose="020B0604020104020204" pitchFamily="34" charset="0"/>
-              </a:rPr>
-              <a:t>porton</a:t>
-            </a:r>
-            <a:r>
-              <a:rPr lang="hu-HU" sz="2200" dirty="0">
-                <a:latin typeface="Abadi" panose="020B0604020104020204" pitchFamily="34" charset="0"/>
-              </a:rPr>
-              <a:t> minden </a:t>
-            </a:r>
-            <a:r>
-              <a:rPr lang="hu-HU" sz="2200" dirty="0" err="1">
-                <a:latin typeface="Abadi" panose="020B0604020104020204" pitchFamily="34" charset="0"/>
-              </a:rPr>
-              <a:t>rendszerlogot</a:t>
-            </a:r>
-            <a:r>
-              <a:rPr lang="hu-HU" sz="2200" dirty="0">
-                <a:latin typeface="Abadi" panose="020B0604020104020204" pitchFamily="34" charset="0"/>
-              </a:rPr>
-              <a:t> továbbítson:</a:t>
-            </a:r>
-          </a:p>
-          <a:p>
-            <a:pPr marL="285750" indent="-285750">
-              <a:buFont typeface="Arial" panose="020B0604020202020204" pitchFamily="34" charset="0"/>
-              <a:buChar char="•"/>
-            </a:pPr>
+              <a:t> továbbítson</a:t>
+            </a:r>
+            <a:r>
+              <a:rPr lang="hu-HU" sz="2200" dirty="0" smtClean="0">
+                <a:latin typeface="Abadi" panose="020B0604020104020204" pitchFamily="34" charset="0"/>
+              </a:rPr>
+              <a:t>:</a:t>
+            </a:r>
             <a:endParaRPr lang="hu-HU" sz="2200" dirty="0">
               <a:latin typeface="Abadi" panose="020B0604020104020204" pitchFamily="34" charset="0"/>
             </a:endParaRPr>
@@ -11321,7 +11360,7 @@
         </p:nvSpPr>
         <p:spPr>
           <a:xfrm>
-            <a:off x="4410791" y="4966327"/>
+            <a:off x="4900694" y="5887018"/>
             <a:ext cx="3031469" cy="400110"/>
           </a:xfrm>
           <a:prstGeom prst="rect">
@@ -11389,7 +11428,7 @@
           <p:cNvPr id="5" name="Téglalap 4">
             <a:extLst>
               <a:ext uri="{FF2B5EF4-FFF2-40B4-BE49-F238E27FC236}">
-                <a16:creationId xmlns:a16="http://schemas.microsoft.com/office/drawing/2014/main" id="{9CA26A1C-2AE4-4715-BDE4-2908B2BEA97A}"/>
+                <a16:creationId xmlns:a16="http://schemas.microsoft.com/office/drawing/2014/main" xmlns="" id="{9CA26A1C-2AE4-4715-BDE4-2908B2BEA97A}"/>
               </a:ext>
             </a:extLst>
           </p:cNvPr>
@@ -11441,7 +11480,7 @@
           <p:cNvPr id="6" name="Ábra 5">
             <a:extLst>
               <a:ext uri="{FF2B5EF4-FFF2-40B4-BE49-F238E27FC236}">
-                <a16:creationId xmlns:a16="http://schemas.microsoft.com/office/drawing/2014/main" id="{752E1006-4091-44C8-A41C-C50F5E3327C8}"/>
+                <a16:creationId xmlns:a16="http://schemas.microsoft.com/office/drawing/2014/main" xmlns="" id="{752E1006-4091-44C8-A41C-C50F5E3327C8}"/>
               </a:ext>
             </a:extLst>
           </p:cNvPr>
@@ -11457,7 +11496,7 @@
                 <a14:useLocalDpi xmlns:a14="http://schemas.microsoft.com/office/drawing/2010/main" val="0"/>
               </a:ext>
               <a:ext uri="{96DAC541-7B7A-43D3-8B79-37D633B846F1}">
-                <asvg:svgBlip xmlns:asvg="http://schemas.microsoft.com/office/drawing/2016/SVG/main" r:embed="rId3"/>
+                <asvg:svgBlip xmlns:asvg="http://schemas.microsoft.com/office/drawing/2016/SVG/main" xmlns="" r:embed="rId3"/>
               </a:ext>
             </a:extLst>
           </a:blip>
@@ -11480,7 +11519,7 @@
           <p:cNvPr id="7" name="Kép 6">
             <a:extLst>
               <a:ext uri="{FF2B5EF4-FFF2-40B4-BE49-F238E27FC236}">
-                <a16:creationId xmlns:a16="http://schemas.microsoft.com/office/drawing/2014/main" id="{0F512247-75D6-431E-B0F6-A5189892A8D2}"/>
+                <a16:creationId xmlns:a16="http://schemas.microsoft.com/office/drawing/2014/main" xmlns="" id="{0F512247-75D6-431E-B0F6-A5189892A8D2}"/>
               </a:ext>
             </a:extLst>
           </p:cNvPr>
@@ -11516,7 +11555,7 @@
           <p:cNvPr id="8" name="Szövegdoboz 7">
             <a:extLst>
               <a:ext uri="{FF2B5EF4-FFF2-40B4-BE49-F238E27FC236}">
-                <a16:creationId xmlns:a16="http://schemas.microsoft.com/office/drawing/2014/main" id="{7E7913CF-B31C-474A-9F71-B5D6B7D5978B}"/>
+                <a16:creationId xmlns:a16="http://schemas.microsoft.com/office/drawing/2014/main" xmlns="" id="{7E7913CF-B31C-474A-9F71-B5D6B7D5978B}"/>
               </a:ext>
             </a:extLst>
           </p:cNvPr>
@@ -11643,7 +11682,7 @@
       </p:sp>
       <p:pic>
         <p:nvPicPr>
-          <p:cNvPr id="11" name="Kép 10"/>
+          <p:cNvPr id="3" name="Kép 2"/>
           <p:cNvPicPr>
             <a:picLocks noChangeAspect="1"/>
           </p:cNvPicPr>
@@ -11663,8 +11702,8 @@
         </p:blipFill>
         <p:spPr>
           <a:xfrm>
-            <a:off x="588364" y="1762901"/>
-            <a:ext cx="10253807" cy="3983611"/>
+            <a:off x="3581586" y="1649690"/>
+            <a:ext cx="4517386" cy="4819803"/>
           </a:xfrm>
           <a:prstGeom prst="rect">
             <a:avLst/>
@@ -11720,7 +11759,7 @@
           <p:cNvPr id="5" name="Téglalap 4">
             <a:extLst>
               <a:ext uri="{FF2B5EF4-FFF2-40B4-BE49-F238E27FC236}">
-                <a16:creationId xmlns:a16="http://schemas.microsoft.com/office/drawing/2014/main" id="{9CA26A1C-2AE4-4715-BDE4-2908B2BEA97A}"/>
+                <a16:creationId xmlns:a16="http://schemas.microsoft.com/office/drawing/2014/main" xmlns="" id="{9CA26A1C-2AE4-4715-BDE4-2908B2BEA97A}"/>
               </a:ext>
             </a:extLst>
           </p:cNvPr>
@@ -11772,7 +11811,7 @@
           <p:cNvPr id="6" name="Ábra 5">
             <a:extLst>
               <a:ext uri="{FF2B5EF4-FFF2-40B4-BE49-F238E27FC236}">
-                <a16:creationId xmlns:a16="http://schemas.microsoft.com/office/drawing/2014/main" id="{752E1006-4091-44C8-A41C-C50F5E3327C8}"/>
+                <a16:creationId xmlns:a16="http://schemas.microsoft.com/office/drawing/2014/main" xmlns="" id="{752E1006-4091-44C8-A41C-C50F5E3327C8}"/>
               </a:ext>
             </a:extLst>
           </p:cNvPr>
@@ -11788,7 +11827,7 @@
                 <a14:useLocalDpi xmlns:a14="http://schemas.microsoft.com/office/drawing/2010/main" val="0"/>
               </a:ext>
               <a:ext uri="{96DAC541-7B7A-43D3-8B79-37D633B846F1}">
-                <asvg:svgBlip xmlns:asvg="http://schemas.microsoft.com/office/drawing/2016/SVG/main" r:embed="rId3"/>
+                <asvg:svgBlip xmlns:asvg="http://schemas.microsoft.com/office/drawing/2016/SVG/main" xmlns="" r:embed="rId3"/>
               </a:ext>
             </a:extLst>
           </a:blip>
@@ -11811,7 +11850,7 @@
           <p:cNvPr id="7" name="Kép 6">
             <a:extLst>
               <a:ext uri="{FF2B5EF4-FFF2-40B4-BE49-F238E27FC236}">
-                <a16:creationId xmlns:a16="http://schemas.microsoft.com/office/drawing/2014/main" id="{0F512247-75D6-431E-B0F6-A5189892A8D2}"/>
+                <a16:creationId xmlns:a16="http://schemas.microsoft.com/office/drawing/2014/main" xmlns="" id="{0F512247-75D6-431E-B0F6-A5189892A8D2}"/>
               </a:ext>
             </a:extLst>
           </p:cNvPr>
@@ -11847,7 +11886,7 @@
           <p:cNvPr id="8" name="Szövegdoboz 7">
             <a:extLst>
               <a:ext uri="{FF2B5EF4-FFF2-40B4-BE49-F238E27FC236}">
-                <a16:creationId xmlns:a16="http://schemas.microsoft.com/office/drawing/2014/main" id="{7E7913CF-B31C-474A-9F71-B5D6B7D5978B}"/>
+                <a16:creationId xmlns:a16="http://schemas.microsoft.com/office/drawing/2014/main" xmlns="" id="{7E7913CF-B31C-474A-9F71-B5D6B7D5978B}"/>
               </a:ext>
             </a:extLst>
           </p:cNvPr>
@@ -11917,7 +11956,7 @@
           <p:cNvPr id="4" name="Kép 3">
             <a:extLst>
               <a:ext uri="{FF2B5EF4-FFF2-40B4-BE49-F238E27FC236}">
-                <a16:creationId xmlns:a16="http://schemas.microsoft.com/office/drawing/2014/main" id="{F57987BA-F898-46C5-8F9E-0DFA6ED7BC5B}"/>
+                <a16:creationId xmlns:a16="http://schemas.microsoft.com/office/drawing/2014/main" xmlns="" id="{F57987BA-F898-46C5-8F9E-0DFA6ED7BC5B}"/>
               </a:ext>
             </a:extLst>
           </p:cNvPr>
@@ -11953,7 +11992,7 @@
           <p:cNvPr id="12" name="Szövegdoboz 11">
             <a:extLst>
               <a:ext uri="{FF2B5EF4-FFF2-40B4-BE49-F238E27FC236}">
-                <a16:creationId xmlns:a16="http://schemas.microsoft.com/office/drawing/2014/main" id="{0D5A1692-CF4C-4797-9F08-9C971FD25567}"/>
+                <a16:creationId xmlns:a16="http://schemas.microsoft.com/office/drawing/2014/main" xmlns="" id="{0D5A1692-CF4C-4797-9F08-9C971FD25567}"/>
               </a:ext>
             </a:extLst>
           </p:cNvPr>
@@ -12077,7 +12116,7 @@
           <p:cNvPr id="5" name="Téglalap 4">
             <a:extLst>
               <a:ext uri="{FF2B5EF4-FFF2-40B4-BE49-F238E27FC236}">
-                <a16:creationId xmlns:a16="http://schemas.microsoft.com/office/drawing/2014/main" id="{9CA26A1C-2AE4-4715-BDE4-2908B2BEA97A}"/>
+                <a16:creationId xmlns:a16="http://schemas.microsoft.com/office/drawing/2014/main" xmlns="" id="{9CA26A1C-2AE4-4715-BDE4-2908B2BEA97A}"/>
               </a:ext>
             </a:extLst>
           </p:cNvPr>
@@ -12129,7 +12168,7 @@
           <p:cNvPr id="6" name="Ábra 5">
             <a:extLst>
               <a:ext uri="{FF2B5EF4-FFF2-40B4-BE49-F238E27FC236}">
-                <a16:creationId xmlns:a16="http://schemas.microsoft.com/office/drawing/2014/main" id="{752E1006-4091-44C8-A41C-C50F5E3327C8}"/>
+                <a16:creationId xmlns:a16="http://schemas.microsoft.com/office/drawing/2014/main" xmlns="" id="{752E1006-4091-44C8-A41C-C50F5E3327C8}"/>
               </a:ext>
             </a:extLst>
           </p:cNvPr>
@@ -12145,7 +12184,7 @@
                 <a14:useLocalDpi xmlns:a14="http://schemas.microsoft.com/office/drawing/2010/main" val="0"/>
               </a:ext>
               <a:ext uri="{96DAC541-7B7A-43D3-8B79-37D633B846F1}">
-                <asvg:svgBlip xmlns:asvg="http://schemas.microsoft.com/office/drawing/2016/SVG/main" r:embed="rId3"/>
+                <asvg:svgBlip xmlns:asvg="http://schemas.microsoft.com/office/drawing/2016/SVG/main" xmlns="" r:embed="rId3"/>
               </a:ext>
             </a:extLst>
           </a:blip>
@@ -12168,7 +12207,7 @@
           <p:cNvPr id="7" name="Kép 6">
             <a:extLst>
               <a:ext uri="{FF2B5EF4-FFF2-40B4-BE49-F238E27FC236}">
-                <a16:creationId xmlns:a16="http://schemas.microsoft.com/office/drawing/2014/main" id="{0F512247-75D6-431E-B0F6-A5189892A8D2}"/>
+                <a16:creationId xmlns:a16="http://schemas.microsoft.com/office/drawing/2014/main" xmlns="" id="{0F512247-75D6-431E-B0F6-A5189892A8D2}"/>
               </a:ext>
             </a:extLst>
           </p:cNvPr>
@@ -12204,7 +12243,7 @@
           <p:cNvPr id="8" name="Szövegdoboz 7">
             <a:extLst>
               <a:ext uri="{FF2B5EF4-FFF2-40B4-BE49-F238E27FC236}">
-                <a16:creationId xmlns:a16="http://schemas.microsoft.com/office/drawing/2014/main" id="{7E7913CF-B31C-474A-9F71-B5D6B7D5978B}"/>
+                <a16:creationId xmlns:a16="http://schemas.microsoft.com/office/drawing/2014/main" xmlns="" id="{7E7913CF-B31C-474A-9F71-B5D6B7D5978B}"/>
               </a:ext>
             </a:extLst>
           </p:cNvPr>
@@ -12244,7 +12283,7 @@
           <p:cNvPr id="10" name="Tartalom helye 9">
             <a:extLst>
               <a:ext uri="{FF2B5EF4-FFF2-40B4-BE49-F238E27FC236}">
-                <a16:creationId xmlns:a16="http://schemas.microsoft.com/office/drawing/2014/main" id="{08293D33-53EB-4730-988E-0B0C531D7B50}"/>
+                <a16:creationId xmlns:a16="http://schemas.microsoft.com/office/drawing/2014/main" xmlns="" id="{08293D33-53EB-4730-988E-0B0C531D7B50}"/>
               </a:ext>
             </a:extLst>
           </p:cNvPr>
@@ -12317,7 +12356,7 @@
           <p:cNvPr id="3" name="Kép 2" descr="A képen szöveg, asztal látható&#10;&#10;Automatikusan generált leírás">
             <a:extLst>
               <a:ext uri="{FF2B5EF4-FFF2-40B4-BE49-F238E27FC236}">
-                <a16:creationId xmlns:a16="http://schemas.microsoft.com/office/drawing/2014/main" id="{997C7572-0619-47CA-B565-F51073DFB5AA}"/>
+                <a16:creationId xmlns:a16="http://schemas.microsoft.com/office/drawing/2014/main" xmlns="" id="{997C7572-0619-47CA-B565-F51073DFB5AA}"/>
               </a:ext>
             </a:extLst>
           </p:cNvPr>
@@ -12353,7 +12392,7 @@
           <p:cNvPr id="9" name="Kép 8">
             <a:extLst>
               <a:ext uri="{FF2B5EF4-FFF2-40B4-BE49-F238E27FC236}">
-                <a16:creationId xmlns:a16="http://schemas.microsoft.com/office/drawing/2014/main" id="{EF4A7665-C059-4AEC-8F3B-D406CCDD7953}"/>
+                <a16:creationId xmlns:a16="http://schemas.microsoft.com/office/drawing/2014/main" xmlns="" id="{EF4A7665-C059-4AEC-8F3B-D406CCDD7953}"/>
               </a:ext>
             </a:extLst>
           </p:cNvPr>
@@ -12419,7 +12458,7 @@
           <p:cNvPr id="5" name="Téglalap 4">
             <a:extLst>
               <a:ext uri="{FF2B5EF4-FFF2-40B4-BE49-F238E27FC236}">
-                <a16:creationId xmlns:a16="http://schemas.microsoft.com/office/drawing/2014/main" id="{9CA26A1C-2AE4-4715-BDE4-2908B2BEA97A}"/>
+                <a16:creationId xmlns:a16="http://schemas.microsoft.com/office/drawing/2014/main" xmlns="" id="{9CA26A1C-2AE4-4715-BDE4-2908B2BEA97A}"/>
               </a:ext>
             </a:extLst>
           </p:cNvPr>
@@ -12471,7 +12510,7 @@
           <p:cNvPr id="6" name="Ábra 5">
             <a:extLst>
               <a:ext uri="{FF2B5EF4-FFF2-40B4-BE49-F238E27FC236}">
-                <a16:creationId xmlns:a16="http://schemas.microsoft.com/office/drawing/2014/main" id="{752E1006-4091-44C8-A41C-C50F5E3327C8}"/>
+                <a16:creationId xmlns:a16="http://schemas.microsoft.com/office/drawing/2014/main" xmlns="" id="{752E1006-4091-44C8-A41C-C50F5E3327C8}"/>
               </a:ext>
             </a:extLst>
           </p:cNvPr>
@@ -12487,7 +12526,7 @@
                 <a14:useLocalDpi xmlns:a14="http://schemas.microsoft.com/office/drawing/2010/main" val="0"/>
               </a:ext>
               <a:ext uri="{96DAC541-7B7A-43D3-8B79-37D633B846F1}">
-                <asvg:svgBlip xmlns:asvg="http://schemas.microsoft.com/office/drawing/2016/SVG/main" r:embed="rId3"/>
+                <asvg:svgBlip xmlns:asvg="http://schemas.microsoft.com/office/drawing/2016/SVG/main" xmlns="" r:embed="rId3"/>
               </a:ext>
             </a:extLst>
           </a:blip>
@@ -12510,7 +12549,7 @@
           <p:cNvPr id="7" name="Kép 6">
             <a:extLst>
               <a:ext uri="{FF2B5EF4-FFF2-40B4-BE49-F238E27FC236}">
-                <a16:creationId xmlns:a16="http://schemas.microsoft.com/office/drawing/2014/main" id="{0F512247-75D6-431E-B0F6-A5189892A8D2}"/>
+                <a16:creationId xmlns:a16="http://schemas.microsoft.com/office/drawing/2014/main" xmlns="" id="{0F512247-75D6-431E-B0F6-A5189892A8D2}"/>
               </a:ext>
             </a:extLst>
           </p:cNvPr>
@@ -12546,7 +12585,7 @@
           <p:cNvPr id="8" name="Szövegdoboz 7">
             <a:extLst>
               <a:ext uri="{FF2B5EF4-FFF2-40B4-BE49-F238E27FC236}">
-                <a16:creationId xmlns:a16="http://schemas.microsoft.com/office/drawing/2014/main" id="{7E7913CF-B31C-474A-9F71-B5D6B7D5978B}"/>
+                <a16:creationId xmlns:a16="http://schemas.microsoft.com/office/drawing/2014/main" xmlns="" id="{7E7913CF-B31C-474A-9F71-B5D6B7D5978B}"/>
               </a:ext>
             </a:extLst>
           </p:cNvPr>
@@ -12633,7 +12672,7 @@
           <p:cNvPr id="10" name="Tartalom helye 9">
             <a:extLst>
               <a:ext uri="{FF2B5EF4-FFF2-40B4-BE49-F238E27FC236}">
-                <a16:creationId xmlns:a16="http://schemas.microsoft.com/office/drawing/2014/main" id="{08293D33-53EB-4730-988E-0B0C531D7B50}"/>
+                <a16:creationId xmlns:a16="http://schemas.microsoft.com/office/drawing/2014/main" xmlns="" id="{08293D33-53EB-4730-988E-0B0C531D7B50}"/>
               </a:ext>
             </a:extLst>
           </p:cNvPr>
@@ -12704,7 +12743,7 @@
           <p:cNvPr id="11" name="Tartalom helye 4">
             <a:extLst>
               <a:ext uri="{FF2B5EF4-FFF2-40B4-BE49-F238E27FC236}">
-                <a16:creationId xmlns:a16="http://schemas.microsoft.com/office/drawing/2014/main" id="{AF7A929A-32EE-47AC-A6C3-2A6B97A16BE4}"/>
+                <a16:creationId xmlns:a16="http://schemas.microsoft.com/office/drawing/2014/main" xmlns="" id="{AF7A929A-32EE-47AC-A6C3-2A6B97A16BE4}"/>
               </a:ext>
             </a:extLst>
           </p:cNvPr>
@@ -12764,7 +12803,7 @@
           <p:cNvPr id="5" name="Téglalap 4">
             <a:extLst>
               <a:ext uri="{FF2B5EF4-FFF2-40B4-BE49-F238E27FC236}">
-                <a16:creationId xmlns:a16="http://schemas.microsoft.com/office/drawing/2014/main" id="{9CA26A1C-2AE4-4715-BDE4-2908B2BEA97A}"/>
+                <a16:creationId xmlns:a16="http://schemas.microsoft.com/office/drawing/2014/main" xmlns="" id="{9CA26A1C-2AE4-4715-BDE4-2908B2BEA97A}"/>
               </a:ext>
             </a:extLst>
           </p:cNvPr>
@@ -12816,7 +12855,7 @@
           <p:cNvPr id="6" name="Ábra 5">
             <a:extLst>
               <a:ext uri="{FF2B5EF4-FFF2-40B4-BE49-F238E27FC236}">
-                <a16:creationId xmlns:a16="http://schemas.microsoft.com/office/drawing/2014/main" id="{752E1006-4091-44C8-A41C-C50F5E3327C8}"/>
+                <a16:creationId xmlns:a16="http://schemas.microsoft.com/office/drawing/2014/main" xmlns="" id="{752E1006-4091-44C8-A41C-C50F5E3327C8}"/>
               </a:ext>
             </a:extLst>
           </p:cNvPr>
@@ -12832,7 +12871,7 @@
                 <a14:useLocalDpi xmlns:a14="http://schemas.microsoft.com/office/drawing/2010/main" val="0"/>
               </a:ext>
               <a:ext uri="{96DAC541-7B7A-43D3-8B79-37D633B846F1}">
-                <asvg:svgBlip xmlns:asvg="http://schemas.microsoft.com/office/drawing/2016/SVG/main" r:embed="rId3"/>
+                <asvg:svgBlip xmlns:asvg="http://schemas.microsoft.com/office/drawing/2016/SVG/main" xmlns="" r:embed="rId3"/>
               </a:ext>
             </a:extLst>
           </a:blip>
@@ -12855,7 +12894,7 @@
           <p:cNvPr id="7" name="Kép 6">
             <a:extLst>
               <a:ext uri="{FF2B5EF4-FFF2-40B4-BE49-F238E27FC236}">
-                <a16:creationId xmlns:a16="http://schemas.microsoft.com/office/drawing/2014/main" id="{0F512247-75D6-431E-B0F6-A5189892A8D2}"/>
+                <a16:creationId xmlns:a16="http://schemas.microsoft.com/office/drawing/2014/main" xmlns="" id="{0F512247-75D6-431E-B0F6-A5189892A8D2}"/>
               </a:ext>
             </a:extLst>
           </p:cNvPr>
@@ -12891,7 +12930,7 @@
           <p:cNvPr id="8" name="Szövegdoboz 7">
             <a:extLst>
               <a:ext uri="{FF2B5EF4-FFF2-40B4-BE49-F238E27FC236}">
-                <a16:creationId xmlns:a16="http://schemas.microsoft.com/office/drawing/2014/main" id="{7E7913CF-B31C-474A-9F71-B5D6B7D5978B}"/>
+                <a16:creationId xmlns:a16="http://schemas.microsoft.com/office/drawing/2014/main" xmlns="" id="{7E7913CF-B31C-474A-9F71-B5D6B7D5978B}"/>
               </a:ext>
             </a:extLst>
           </p:cNvPr>
@@ -12938,7 +12977,7 @@
           <p:cNvPr id="3" name="Kép 2">
             <a:extLst>
               <a:ext uri="{FF2B5EF4-FFF2-40B4-BE49-F238E27FC236}">
-                <a16:creationId xmlns:a16="http://schemas.microsoft.com/office/drawing/2014/main" id="{03113F4E-5DC9-43F0-9CC8-E367520DB673}"/>
+                <a16:creationId xmlns:a16="http://schemas.microsoft.com/office/drawing/2014/main" xmlns="" id="{03113F4E-5DC9-43F0-9CC8-E367520DB673}"/>
               </a:ext>
             </a:extLst>
           </p:cNvPr>
@@ -12974,7 +13013,7 @@
           <p:cNvPr id="10" name="Tartalom helye 9">
             <a:extLst>
               <a:ext uri="{FF2B5EF4-FFF2-40B4-BE49-F238E27FC236}">
-                <a16:creationId xmlns:a16="http://schemas.microsoft.com/office/drawing/2014/main" id="{08293D33-53EB-4730-988E-0B0C531D7B50}"/>
+                <a16:creationId xmlns:a16="http://schemas.microsoft.com/office/drawing/2014/main" xmlns="" id="{08293D33-53EB-4730-988E-0B0C531D7B50}"/>
               </a:ext>
             </a:extLst>
           </p:cNvPr>
@@ -13082,7 +13121,7 @@
           <p:cNvPr id="5" name="Téglalap 4">
             <a:extLst>
               <a:ext uri="{FF2B5EF4-FFF2-40B4-BE49-F238E27FC236}">
-                <a16:creationId xmlns:a16="http://schemas.microsoft.com/office/drawing/2014/main" id="{9CA26A1C-2AE4-4715-BDE4-2908B2BEA97A}"/>
+                <a16:creationId xmlns:a16="http://schemas.microsoft.com/office/drawing/2014/main" xmlns="" id="{9CA26A1C-2AE4-4715-BDE4-2908B2BEA97A}"/>
               </a:ext>
             </a:extLst>
           </p:cNvPr>
@@ -13134,7 +13173,7 @@
           <p:cNvPr id="6" name="Ábra 5">
             <a:extLst>
               <a:ext uri="{FF2B5EF4-FFF2-40B4-BE49-F238E27FC236}">
-                <a16:creationId xmlns:a16="http://schemas.microsoft.com/office/drawing/2014/main" id="{752E1006-4091-44C8-A41C-C50F5E3327C8}"/>
+                <a16:creationId xmlns:a16="http://schemas.microsoft.com/office/drawing/2014/main" xmlns="" id="{752E1006-4091-44C8-A41C-C50F5E3327C8}"/>
               </a:ext>
             </a:extLst>
           </p:cNvPr>
@@ -13150,7 +13189,7 @@
                 <a14:useLocalDpi xmlns:a14="http://schemas.microsoft.com/office/drawing/2010/main" val="0"/>
               </a:ext>
               <a:ext uri="{96DAC541-7B7A-43D3-8B79-37D633B846F1}">
-                <asvg:svgBlip xmlns:asvg="http://schemas.microsoft.com/office/drawing/2016/SVG/main" r:embed="rId3"/>
+                <asvg:svgBlip xmlns:asvg="http://schemas.microsoft.com/office/drawing/2016/SVG/main" xmlns="" r:embed="rId3"/>
               </a:ext>
             </a:extLst>
           </a:blip>
@@ -13173,7 +13212,7 @@
           <p:cNvPr id="7" name="Kép 6">
             <a:extLst>
               <a:ext uri="{FF2B5EF4-FFF2-40B4-BE49-F238E27FC236}">
-                <a16:creationId xmlns:a16="http://schemas.microsoft.com/office/drawing/2014/main" id="{0F512247-75D6-431E-B0F6-A5189892A8D2}"/>
+                <a16:creationId xmlns:a16="http://schemas.microsoft.com/office/drawing/2014/main" xmlns="" id="{0F512247-75D6-431E-B0F6-A5189892A8D2}"/>
               </a:ext>
             </a:extLst>
           </p:cNvPr>
@@ -13209,7 +13248,7 @@
           <p:cNvPr id="8" name="Szövegdoboz 7">
             <a:extLst>
               <a:ext uri="{FF2B5EF4-FFF2-40B4-BE49-F238E27FC236}">
-                <a16:creationId xmlns:a16="http://schemas.microsoft.com/office/drawing/2014/main" id="{7E7913CF-B31C-474A-9F71-B5D6B7D5978B}"/>
+                <a16:creationId xmlns:a16="http://schemas.microsoft.com/office/drawing/2014/main" xmlns="" id="{7E7913CF-B31C-474A-9F71-B5D6B7D5978B}"/>
               </a:ext>
             </a:extLst>
           </p:cNvPr>
@@ -13256,7 +13295,7 @@
           <p:cNvPr id="1026" name="Picture 2">
             <a:extLst>
               <a:ext uri="{FF2B5EF4-FFF2-40B4-BE49-F238E27FC236}">
-                <a16:creationId xmlns:a16="http://schemas.microsoft.com/office/drawing/2014/main" id="{3099F4F5-140E-4078-8A8B-F128C293B935}"/>
+                <a16:creationId xmlns:a16="http://schemas.microsoft.com/office/drawing/2014/main" xmlns="" id="{3099F4F5-140E-4078-8A8B-F128C293B935}"/>
               </a:ext>
             </a:extLst>
           </p:cNvPr>
@@ -13437,7 +13476,7 @@
           <p:cNvPr id="6" name="Kép 5">
             <a:extLst>
               <a:ext uri="{FF2B5EF4-FFF2-40B4-BE49-F238E27FC236}">
-                <a16:creationId xmlns:a16="http://schemas.microsoft.com/office/drawing/2014/main" id="{9758AE22-701F-4CA9-9734-8EBB6B7DF74F}"/>
+                <a16:creationId xmlns:a16="http://schemas.microsoft.com/office/drawing/2014/main" xmlns="" id="{9758AE22-701F-4CA9-9734-8EBB6B7DF74F}"/>
               </a:ext>
             </a:extLst>
           </p:cNvPr>
@@ -13473,7 +13512,7 @@
           <p:cNvPr id="7" name="Téglalap 6">
             <a:extLst>
               <a:ext uri="{FF2B5EF4-FFF2-40B4-BE49-F238E27FC236}">
-                <a16:creationId xmlns:a16="http://schemas.microsoft.com/office/drawing/2014/main" id="{5118027E-30B0-4E7D-9B50-2B7206BE6302}"/>
+                <a16:creationId xmlns:a16="http://schemas.microsoft.com/office/drawing/2014/main" xmlns="" id="{5118027E-30B0-4E7D-9B50-2B7206BE6302}"/>
               </a:ext>
             </a:extLst>
           </p:cNvPr>
@@ -13525,7 +13564,7 @@
           <p:cNvPr id="8" name="Szövegdoboz 7">
             <a:extLst>
               <a:ext uri="{FF2B5EF4-FFF2-40B4-BE49-F238E27FC236}">
-                <a16:creationId xmlns:a16="http://schemas.microsoft.com/office/drawing/2014/main" id="{D00702FA-9B96-47E1-ADE4-9D2FC58C16D7}"/>
+                <a16:creationId xmlns:a16="http://schemas.microsoft.com/office/drawing/2014/main" xmlns="" id="{D00702FA-9B96-47E1-ADE4-9D2FC58C16D7}"/>
               </a:ext>
             </a:extLst>
           </p:cNvPr>
@@ -13565,7 +13604,7 @@
           <p:cNvPr id="10" name="Kép 9">
             <a:extLst>
               <a:ext uri="{FF2B5EF4-FFF2-40B4-BE49-F238E27FC236}">
-                <a16:creationId xmlns:a16="http://schemas.microsoft.com/office/drawing/2014/main" id="{505850A7-0C64-4061-9440-71C80CFD93EA}"/>
+                <a16:creationId xmlns:a16="http://schemas.microsoft.com/office/drawing/2014/main" xmlns="" id="{505850A7-0C64-4061-9440-71C80CFD93EA}"/>
               </a:ext>
             </a:extLst>
           </p:cNvPr>
@@ -13595,7 +13634,7 @@
           <p:cNvPr id="5" name="Ábra 4">
             <a:extLst>
               <a:ext uri="{FF2B5EF4-FFF2-40B4-BE49-F238E27FC236}">
-                <a16:creationId xmlns:a16="http://schemas.microsoft.com/office/drawing/2014/main" id="{331FE0CB-3A91-4CD5-A96E-49B397C0B45C}"/>
+                <a16:creationId xmlns:a16="http://schemas.microsoft.com/office/drawing/2014/main" xmlns="" id="{331FE0CB-3A91-4CD5-A96E-49B397C0B45C}"/>
               </a:ext>
             </a:extLst>
           </p:cNvPr>
@@ -13611,7 +13650,7 @@
                 <a14:useLocalDpi xmlns:a14="http://schemas.microsoft.com/office/drawing/2010/main" val="0"/>
               </a:ext>
               <a:ext uri="{96DAC541-7B7A-43D3-8B79-37D633B846F1}">
-                <asvg:svgBlip xmlns:asvg="http://schemas.microsoft.com/office/drawing/2016/SVG/main" r:embed="rId5"/>
+                <asvg:svgBlip xmlns:asvg="http://schemas.microsoft.com/office/drawing/2016/SVG/main" xmlns="" r:embed="rId5"/>
               </a:ext>
             </a:extLst>
           </a:blip>
@@ -13664,7 +13703,7 @@
           <p:cNvPr id="4" name="Téglalap 3">
             <a:extLst>
               <a:ext uri="{FF2B5EF4-FFF2-40B4-BE49-F238E27FC236}">
-                <a16:creationId xmlns:a16="http://schemas.microsoft.com/office/drawing/2014/main" id="{45961AA9-C86C-428D-B7E8-C648176DC541}"/>
+                <a16:creationId xmlns:a16="http://schemas.microsoft.com/office/drawing/2014/main" xmlns="" id="{45961AA9-C86C-428D-B7E8-C648176DC541}"/>
               </a:ext>
             </a:extLst>
           </p:cNvPr>
@@ -13716,7 +13755,7 @@
           <p:cNvPr id="5" name="Kép 4">
             <a:extLst>
               <a:ext uri="{FF2B5EF4-FFF2-40B4-BE49-F238E27FC236}">
-                <a16:creationId xmlns:a16="http://schemas.microsoft.com/office/drawing/2014/main" id="{AB61265D-BCDD-4D5F-8BCE-29F7340DB460}"/>
+                <a16:creationId xmlns:a16="http://schemas.microsoft.com/office/drawing/2014/main" xmlns="" id="{AB61265D-BCDD-4D5F-8BCE-29F7340DB460}"/>
               </a:ext>
             </a:extLst>
           </p:cNvPr>
@@ -13752,7 +13791,7 @@
           <p:cNvPr id="6" name="Ábra 5">
             <a:extLst>
               <a:ext uri="{FF2B5EF4-FFF2-40B4-BE49-F238E27FC236}">
-                <a16:creationId xmlns:a16="http://schemas.microsoft.com/office/drawing/2014/main" id="{53C49138-3959-4C9B-9B7C-386D9E702CA9}"/>
+                <a16:creationId xmlns:a16="http://schemas.microsoft.com/office/drawing/2014/main" xmlns="" id="{53C49138-3959-4C9B-9B7C-386D9E702CA9}"/>
               </a:ext>
             </a:extLst>
           </p:cNvPr>
@@ -13768,7 +13807,7 @@
                 <a14:useLocalDpi xmlns:a14="http://schemas.microsoft.com/office/drawing/2010/main" val="0"/>
               </a:ext>
               <a:ext uri="{96DAC541-7B7A-43D3-8B79-37D633B846F1}">
-                <asvg:svgBlip xmlns:asvg="http://schemas.microsoft.com/office/drawing/2016/SVG/main" r:embed="rId4"/>
+                <asvg:svgBlip xmlns:asvg="http://schemas.microsoft.com/office/drawing/2016/SVG/main" xmlns="" r:embed="rId4"/>
               </a:ext>
             </a:extLst>
           </a:blip>
@@ -13791,7 +13830,7 @@
           <p:cNvPr id="7" name="Szövegdoboz 6">
             <a:extLst>
               <a:ext uri="{FF2B5EF4-FFF2-40B4-BE49-F238E27FC236}">
-                <a16:creationId xmlns:a16="http://schemas.microsoft.com/office/drawing/2014/main" id="{535FE34D-BFF7-46DA-8AAB-75513EBCDDF1}"/>
+                <a16:creationId xmlns:a16="http://schemas.microsoft.com/office/drawing/2014/main" xmlns="" id="{535FE34D-BFF7-46DA-8AAB-75513EBCDDF1}"/>
               </a:ext>
             </a:extLst>
           </p:cNvPr>
@@ -13831,7 +13870,7 @@
           <p:cNvPr id="8" name="Téglalap: lekerekített 7">
             <a:extLst>
               <a:ext uri="{FF2B5EF4-FFF2-40B4-BE49-F238E27FC236}">
-                <a16:creationId xmlns:a16="http://schemas.microsoft.com/office/drawing/2014/main" id="{81099C24-8A21-45B8-8DDF-C3B5A5D876FF}"/>
+                <a16:creationId xmlns:a16="http://schemas.microsoft.com/office/drawing/2014/main" xmlns="" id="{81099C24-8A21-45B8-8DDF-C3B5A5D876FF}"/>
               </a:ext>
             </a:extLst>
           </p:cNvPr>
@@ -13878,7 +13917,7 @@
           <p:cNvPr id="9" name="Szövegdoboz 8">
             <a:extLst>
               <a:ext uri="{FF2B5EF4-FFF2-40B4-BE49-F238E27FC236}">
-                <a16:creationId xmlns:a16="http://schemas.microsoft.com/office/drawing/2014/main" id="{518BC82B-ECA4-445B-92A2-36CC9526ADAA}"/>
+                <a16:creationId xmlns:a16="http://schemas.microsoft.com/office/drawing/2014/main" xmlns="" id="{518BC82B-ECA4-445B-92A2-36CC9526ADAA}"/>
               </a:ext>
             </a:extLst>
           </p:cNvPr>
@@ -13916,7 +13955,7 @@
           <p:cNvPr id="10" name="Téglalap: lekerekített 9">
             <a:extLst>
               <a:ext uri="{FF2B5EF4-FFF2-40B4-BE49-F238E27FC236}">
-                <a16:creationId xmlns:a16="http://schemas.microsoft.com/office/drawing/2014/main" id="{1BC0711C-8E1A-4021-B8EF-BAC180C56245}"/>
+                <a16:creationId xmlns:a16="http://schemas.microsoft.com/office/drawing/2014/main" xmlns="" id="{1BC0711C-8E1A-4021-B8EF-BAC180C56245}"/>
               </a:ext>
             </a:extLst>
           </p:cNvPr>
@@ -13963,7 +14002,7 @@
           <p:cNvPr id="11" name="Téglalap: lekerekített 10">
             <a:extLst>
               <a:ext uri="{FF2B5EF4-FFF2-40B4-BE49-F238E27FC236}">
-                <a16:creationId xmlns:a16="http://schemas.microsoft.com/office/drawing/2014/main" id="{1E7D8B1B-38AB-469B-AD4D-8E2AA0B7420C}"/>
+                <a16:creationId xmlns:a16="http://schemas.microsoft.com/office/drawing/2014/main" xmlns="" id="{1E7D8B1B-38AB-469B-AD4D-8E2AA0B7420C}"/>
               </a:ext>
             </a:extLst>
           </p:cNvPr>
@@ -14010,7 +14049,7 @@
           <p:cNvPr id="12" name="Téglalap: lekerekített 11">
             <a:extLst>
               <a:ext uri="{FF2B5EF4-FFF2-40B4-BE49-F238E27FC236}">
-                <a16:creationId xmlns:a16="http://schemas.microsoft.com/office/drawing/2014/main" id="{CD8DB634-1005-46AB-BD84-43F7EE4221AB}"/>
+                <a16:creationId xmlns:a16="http://schemas.microsoft.com/office/drawing/2014/main" xmlns="" id="{CD8DB634-1005-46AB-BD84-43F7EE4221AB}"/>
               </a:ext>
             </a:extLst>
           </p:cNvPr>
@@ -14057,7 +14096,7 @@
           <p:cNvPr id="13" name="Szövegdoboz 12">
             <a:extLst>
               <a:ext uri="{FF2B5EF4-FFF2-40B4-BE49-F238E27FC236}">
-                <a16:creationId xmlns:a16="http://schemas.microsoft.com/office/drawing/2014/main" id="{5CCA86C9-EB4B-4D57-815C-2D4D6CF93995}"/>
+                <a16:creationId xmlns:a16="http://schemas.microsoft.com/office/drawing/2014/main" xmlns="" id="{5CCA86C9-EB4B-4D57-815C-2D4D6CF93995}"/>
               </a:ext>
             </a:extLst>
           </p:cNvPr>
@@ -14095,7 +14134,7 @@
           <p:cNvPr id="14" name="Szövegdoboz 13">
             <a:extLst>
               <a:ext uri="{FF2B5EF4-FFF2-40B4-BE49-F238E27FC236}">
-                <a16:creationId xmlns:a16="http://schemas.microsoft.com/office/drawing/2014/main" id="{50F51BCF-1BD0-43C8-872D-CD88C7A65EBA}"/>
+                <a16:creationId xmlns:a16="http://schemas.microsoft.com/office/drawing/2014/main" xmlns="" id="{50F51BCF-1BD0-43C8-872D-CD88C7A65EBA}"/>
               </a:ext>
             </a:extLst>
           </p:cNvPr>
@@ -14133,7 +14172,7 @@
           <p:cNvPr id="15" name="Szövegdoboz 14">
             <a:extLst>
               <a:ext uri="{FF2B5EF4-FFF2-40B4-BE49-F238E27FC236}">
-                <a16:creationId xmlns:a16="http://schemas.microsoft.com/office/drawing/2014/main" id="{12667A7A-979D-45B1-9EF4-0F3CE6041316}"/>
+                <a16:creationId xmlns:a16="http://schemas.microsoft.com/office/drawing/2014/main" xmlns="" id="{12667A7A-979D-45B1-9EF4-0F3CE6041316}"/>
               </a:ext>
             </a:extLst>
           </p:cNvPr>
@@ -14171,7 +14210,7 @@
           <p:cNvPr id="20" name="Kép 19">
             <a:extLst>
               <a:ext uri="{FF2B5EF4-FFF2-40B4-BE49-F238E27FC236}">
-                <a16:creationId xmlns:a16="http://schemas.microsoft.com/office/drawing/2014/main" id="{4EAB93E2-BF2F-46EB-9A1A-E1527CE4EAF5}"/>
+                <a16:creationId xmlns:a16="http://schemas.microsoft.com/office/drawing/2014/main" xmlns="" id="{4EAB93E2-BF2F-46EB-9A1A-E1527CE4EAF5}"/>
               </a:ext>
             </a:extLst>
           </p:cNvPr>
@@ -14207,7 +14246,7 @@
           <p:cNvPr id="26" name="Kép 25">
             <a:extLst>
               <a:ext uri="{FF2B5EF4-FFF2-40B4-BE49-F238E27FC236}">
-                <a16:creationId xmlns:a16="http://schemas.microsoft.com/office/drawing/2014/main" id="{DE97AC1C-C727-4AEE-9A65-6369EFBB0878}"/>
+                <a16:creationId xmlns:a16="http://schemas.microsoft.com/office/drawing/2014/main" xmlns="" id="{DE97AC1C-C727-4AEE-9A65-6369EFBB0878}"/>
               </a:ext>
             </a:extLst>
           </p:cNvPr>
@@ -14243,7 +14282,7 @@
           <p:cNvPr id="28" name="Kép 27">
             <a:extLst>
               <a:ext uri="{FF2B5EF4-FFF2-40B4-BE49-F238E27FC236}">
-                <a16:creationId xmlns:a16="http://schemas.microsoft.com/office/drawing/2014/main" id="{98511D2A-F415-4D93-A3C8-99390ECFE7F7}"/>
+                <a16:creationId xmlns:a16="http://schemas.microsoft.com/office/drawing/2014/main" xmlns="" id="{98511D2A-F415-4D93-A3C8-99390ECFE7F7}"/>
               </a:ext>
             </a:extLst>
           </p:cNvPr>
@@ -14279,7 +14318,7 @@
           <p:cNvPr id="30" name="Kép 29">
             <a:extLst>
               <a:ext uri="{FF2B5EF4-FFF2-40B4-BE49-F238E27FC236}">
-                <a16:creationId xmlns:a16="http://schemas.microsoft.com/office/drawing/2014/main" id="{07014A1F-F6AD-4ADF-8B15-B459BA95CC16}"/>
+                <a16:creationId xmlns:a16="http://schemas.microsoft.com/office/drawing/2014/main" xmlns="" id="{07014A1F-F6AD-4ADF-8B15-B459BA95CC16}"/>
               </a:ext>
             </a:extLst>
           </p:cNvPr>
@@ -14315,7 +14354,7 @@
           <p:cNvPr id="33" name="Téglalap: lekerekített 32">
             <a:extLst>
               <a:ext uri="{FF2B5EF4-FFF2-40B4-BE49-F238E27FC236}">
-                <a16:creationId xmlns:a16="http://schemas.microsoft.com/office/drawing/2014/main" id="{510ED8DC-CFA6-49AF-874C-32B1D51AD1DE}"/>
+                <a16:creationId xmlns:a16="http://schemas.microsoft.com/office/drawing/2014/main" xmlns="" id="{510ED8DC-CFA6-49AF-874C-32B1D51AD1DE}"/>
               </a:ext>
             </a:extLst>
           </p:cNvPr>
@@ -14362,7 +14401,7 @@
           <p:cNvPr id="32" name="Kép 31">
             <a:extLst>
               <a:ext uri="{FF2B5EF4-FFF2-40B4-BE49-F238E27FC236}">
-                <a16:creationId xmlns:a16="http://schemas.microsoft.com/office/drawing/2014/main" id="{2751A678-6DC2-43AE-B8DB-FEF98F8E8A0E}"/>
+                <a16:creationId xmlns:a16="http://schemas.microsoft.com/office/drawing/2014/main" xmlns="" id="{2751A678-6DC2-43AE-B8DB-FEF98F8E8A0E}"/>
               </a:ext>
             </a:extLst>
           </p:cNvPr>
@@ -14398,7 +14437,7 @@
           <p:cNvPr id="35" name="Kép 34">
             <a:extLst>
               <a:ext uri="{FF2B5EF4-FFF2-40B4-BE49-F238E27FC236}">
-                <a16:creationId xmlns:a16="http://schemas.microsoft.com/office/drawing/2014/main" id="{FF4F356E-F594-4C98-9A68-074ED0018F16}"/>
+                <a16:creationId xmlns:a16="http://schemas.microsoft.com/office/drawing/2014/main" xmlns="" id="{FF4F356E-F594-4C98-9A68-074ED0018F16}"/>
               </a:ext>
             </a:extLst>
           </p:cNvPr>
@@ -14434,7 +14473,7 @@
           <p:cNvPr id="37" name="Kép 36">
             <a:extLst>
               <a:ext uri="{FF2B5EF4-FFF2-40B4-BE49-F238E27FC236}">
-                <a16:creationId xmlns:a16="http://schemas.microsoft.com/office/drawing/2014/main" id="{1A260BD9-D8E8-49F6-8554-E77FAB229C11}"/>
+                <a16:creationId xmlns:a16="http://schemas.microsoft.com/office/drawing/2014/main" xmlns="" id="{1A260BD9-D8E8-49F6-8554-E77FAB229C11}"/>
               </a:ext>
             </a:extLst>
           </p:cNvPr>
@@ -14470,7 +14509,7 @@
           <p:cNvPr id="40" name="Szövegdoboz 39">
             <a:extLst>
               <a:ext uri="{FF2B5EF4-FFF2-40B4-BE49-F238E27FC236}">
-                <a16:creationId xmlns:a16="http://schemas.microsoft.com/office/drawing/2014/main" id="{4EEEA42E-830D-45B4-877E-DF0BE252B36D}"/>
+                <a16:creationId xmlns:a16="http://schemas.microsoft.com/office/drawing/2014/main" xmlns="" id="{4EEEA42E-830D-45B4-877E-DF0BE252B36D}"/>
               </a:ext>
             </a:extLst>
           </p:cNvPr>
@@ -14659,7 +14698,7 @@
           <p:cNvPr id="41" name="Szövegdoboz 40">
             <a:extLst>
               <a:ext uri="{FF2B5EF4-FFF2-40B4-BE49-F238E27FC236}">
-                <a16:creationId xmlns:a16="http://schemas.microsoft.com/office/drawing/2014/main" id="{81D71567-404A-4E52-8B97-B406EFBC66D7}"/>
+                <a16:creationId xmlns:a16="http://schemas.microsoft.com/office/drawing/2014/main" xmlns="" id="{81D71567-404A-4E52-8B97-B406EFBC66D7}"/>
               </a:ext>
             </a:extLst>
           </p:cNvPr>
@@ -14767,7 +14806,7 @@
           <p:cNvPr id="44" name="Egyenes összekötő 43">
             <a:extLst>
               <a:ext uri="{FF2B5EF4-FFF2-40B4-BE49-F238E27FC236}">
-                <a16:creationId xmlns:a16="http://schemas.microsoft.com/office/drawing/2014/main" id="{21553A72-6965-4E1A-9A20-585F13CE59CB}"/>
+                <a16:creationId xmlns:a16="http://schemas.microsoft.com/office/drawing/2014/main" xmlns="" id="{21553A72-6965-4E1A-9A20-585F13CE59CB}"/>
               </a:ext>
             </a:extLst>
           </p:cNvPr>
@@ -14803,7 +14842,7 @@
           <p:cNvPr id="45" name="Egyenes összekötő 44">
             <a:extLst>
               <a:ext uri="{FF2B5EF4-FFF2-40B4-BE49-F238E27FC236}">
-                <a16:creationId xmlns:a16="http://schemas.microsoft.com/office/drawing/2014/main" id="{09DF3116-4C4A-4466-B8CC-06DEF26F5AA7}"/>
+                <a16:creationId xmlns:a16="http://schemas.microsoft.com/office/drawing/2014/main" xmlns="" id="{09DF3116-4C4A-4466-B8CC-06DEF26F5AA7}"/>
               </a:ext>
             </a:extLst>
           </p:cNvPr>
@@ -14841,7 +14880,7 @@
           <p:cNvPr id="50" name="Téglalap: lekerekített 49">
             <a:extLst>
               <a:ext uri="{FF2B5EF4-FFF2-40B4-BE49-F238E27FC236}">
-                <a16:creationId xmlns:a16="http://schemas.microsoft.com/office/drawing/2014/main" id="{163608B4-752F-4BEA-A4DA-0C4FD106EA50}"/>
+                <a16:creationId xmlns:a16="http://schemas.microsoft.com/office/drawing/2014/main" xmlns="" id="{163608B4-752F-4BEA-A4DA-0C4FD106EA50}"/>
               </a:ext>
             </a:extLst>
           </p:cNvPr>
@@ -14888,7 +14927,7 @@
           <p:cNvPr id="39" name="Kép 38">
             <a:extLst>
               <a:ext uri="{FF2B5EF4-FFF2-40B4-BE49-F238E27FC236}">
-                <a16:creationId xmlns:a16="http://schemas.microsoft.com/office/drawing/2014/main" id="{4D825543-46CC-460D-8C10-B5BEA3A25F43}"/>
+                <a16:creationId xmlns:a16="http://schemas.microsoft.com/office/drawing/2014/main" xmlns="" id="{4D825543-46CC-460D-8C10-B5BEA3A25F43}"/>
               </a:ext>
             </a:extLst>
           </p:cNvPr>
@@ -14924,7 +14963,7 @@
           <p:cNvPr id="51" name="Szövegdoboz 50">
             <a:extLst>
               <a:ext uri="{FF2B5EF4-FFF2-40B4-BE49-F238E27FC236}">
-                <a16:creationId xmlns:a16="http://schemas.microsoft.com/office/drawing/2014/main" id="{23861E71-C054-476F-8F0C-C25E7546800F}"/>
+                <a16:creationId xmlns:a16="http://schemas.microsoft.com/office/drawing/2014/main" xmlns="" id="{23861E71-C054-476F-8F0C-C25E7546800F}"/>
               </a:ext>
             </a:extLst>
           </p:cNvPr>
@@ -14959,7 +14998,7 @@
           <p:cNvPr id="57" name="Kép 56">
             <a:extLst>
               <a:ext uri="{FF2B5EF4-FFF2-40B4-BE49-F238E27FC236}">
-                <a16:creationId xmlns:a16="http://schemas.microsoft.com/office/drawing/2014/main" id="{802259A0-0D6F-42D0-8A1A-E910EB4CA7C4}"/>
+                <a16:creationId xmlns:a16="http://schemas.microsoft.com/office/drawing/2014/main" xmlns="" id="{802259A0-0D6F-42D0-8A1A-E910EB4CA7C4}"/>
               </a:ext>
             </a:extLst>
           </p:cNvPr>
@@ -14995,7 +15034,7 @@
           <p:cNvPr id="60" name="Rectangle 1">
             <a:extLst>
               <a:ext uri="{FF2B5EF4-FFF2-40B4-BE49-F238E27FC236}">
-                <a16:creationId xmlns:a16="http://schemas.microsoft.com/office/drawing/2014/main" id="{E499C11F-D502-4061-881F-F67C3180810C}"/>
+                <a16:creationId xmlns:a16="http://schemas.microsoft.com/office/drawing/2014/main" xmlns="" id="{E499C11F-D502-4061-881F-F67C3180810C}"/>
               </a:ext>
             </a:extLst>
           </p:cNvPr>
@@ -15776,7 +15815,7 @@
           <p:cNvPr id="62" name="Egyenes összekötő 61">
             <a:extLst>
               <a:ext uri="{FF2B5EF4-FFF2-40B4-BE49-F238E27FC236}">
-                <a16:creationId xmlns:a16="http://schemas.microsoft.com/office/drawing/2014/main" id="{2B5D68A7-E0AC-452F-B907-914ABB0E6C56}"/>
+                <a16:creationId xmlns:a16="http://schemas.microsoft.com/office/drawing/2014/main" xmlns="" id="{2B5D68A7-E0AC-452F-B907-914ABB0E6C56}"/>
               </a:ext>
             </a:extLst>
           </p:cNvPr>
@@ -15814,7 +15853,7 @@
           <p:cNvPr id="63" name="Egyenes összekötő 62">
             <a:extLst>
               <a:ext uri="{FF2B5EF4-FFF2-40B4-BE49-F238E27FC236}">
-                <a16:creationId xmlns:a16="http://schemas.microsoft.com/office/drawing/2014/main" id="{D873EA1A-414A-41B9-8586-C18287150BD1}"/>
+                <a16:creationId xmlns:a16="http://schemas.microsoft.com/office/drawing/2014/main" xmlns="" id="{D873EA1A-414A-41B9-8586-C18287150BD1}"/>
               </a:ext>
             </a:extLst>
           </p:cNvPr>
@@ -15852,7 +15891,7 @@
           <p:cNvPr id="67" name="Szövegdoboz 66">
             <a:extLst>
               <a:ext uri="{FF2B5EF4-FFF2-40B4-BE49-F238E27FC236}">
-                <a16:creationId xmlns:a16="http://schemas.microsoft.com/office/drawing/2014/main" id="{BC00FADC-B502-444E-9540-578DD54768A4}"/>
+                <a16:creationId xmlns:a16="http://schemas.microsoft.com/office/drawing/2014/main" xmlns="" id="{BC00FADC-B502-444E-9540-578DD54768A4}"/>
               </a:ext>
             </a:extLst>
           </p:cNvPr>
@@ -15889,7 +15928,7 @@
           <p:cNvPr id="68" name="Szövegdoboz 67">
             <a:extLst>
               <a:ext uri="{FF2B5EF4-FFF2-40B4-BE49-F238E27FC236}">
-                <a16:creationId xmlns:a16="http://schemas.microsoft.com/office/drawing/2014/main" id="{871D97B0-A149-4074-9C40-B5B908445F0D}"/>
+                <a16:creationId xmlns:a16="http://schemas.microsoft.com/office/drawing/2014/main" xmlns="" id="{871D97B0-A149-4074-9C40-B5B908445F0D}"/>
               </a:ext>
             </a:extLst>
           </p:cNvPr>
@@ -15956,7 +15995,7 @@
           <p:cNvPr id="4" name="Szövegdoboz 3">
             <a:extLst>
               <a:ext uri="{FF2B5EF4-FFF2-40B4-BE49-F238E27FC236}">
-                <a16:creationId xmlns:a16="http://schemas.microsoft.com/office/drawing/2014/main" id="{179BD461-825D-495E-9DA9-707A6C4326F1}"/>
+                <a16:creationId xmlns:a16="http://schemas.microsoft.com/office/drawing/2014/main" xmlns="" id="{179BD461-825D-495E-9DA9-707A6C4326F1}"/>
               </a:ext>
             </a:extLst>
           </p:cNvPr>
@@ -15996,7 +16035,7 @@
           <p:cNvPr id="5" name="Ábra 4">
             <a:extLst>
               <a:ext uri="{FF2B5EF4-FFF2-40B4-BE49-F238E27FC236}">
-                <a16:creationId xmlns:a16="http://schemas.microsoft.com/office/drawing/2014/main" id="{F7FD9755-E3CE-4F32-B7E2-FA2A1B51065B}"/>
+                <a16:creationId xmlns:a16="http://schemas.microsoft.com/office/drawing/2014/main" xmlns="" id="{F7FD9755-E3CE-4F32-B7E2-FA2A1B51065B}"/>
               </a:ext>
             </a:extLst>
           </p:cNvPr>
@@ -16012,7 +16051,7 @@
                 <a14:useLocalDpi xmlns:a14="http://schemas.microsoft.com/office/drawing/2010/main" val="0"/>
               </a:ext>
               <a:ext uri="{96DAC541-7B7A-43D3-8B79-37D633B846F1}">
-                <asvg:svgBlip xmlns:asvg="http://schemas.microsoft.com/office/drawing/2016/SVG/main" r:embed="rId3"/>
+                <asvg:svgBlip xmlns:asvg="http://schemas.microsoft.com/office/drawing/2016/SVG/main" xmlns="" r:embed="rId3"/>
               </a:ext>
             </a:extLst>
           </a:blip>
@@ -16035,7 +16074,7 @@
           <p:cNvPr id="6" name="Kép 5">
             <a:extLst>
               <a:ext uri="{FF2B5EF4-FFF2-40B4-BE49-F238E27FC236}">
-                <a16:creationId xmlns:a16="http://schemas.microsoft.com/office/drawing/2014/main" id="{99603EF8-98B9-420A-AF82-C0ED661B0779}"/>
+                <a16:creationId xmlns:a16="http://schemas.microsoft.com/office/drawing/2014/main" xmlns="" id="{99603EF8-98B9-420A-AF82-C0ED661B0779}"/>
               </a:ext>
             </a:extLst>
           </p:cNvPr>
@@ -16071,7 +16110,7 @@
           <p:cNvPr id="7" name="Téglalap 6">
             <a:extLst>
               <a:ext uri="{FF2B5EF4-FFF2-40B4-BE49-F238E27FC236}">
-                <a16:creationId xmlns:a16="http://schemas.microsoft.com/office/drawing/2014/main" id="{26E11219-288B-46B5-8566-3FC185FA9278}"/>
+                <a16:creationId xmlns:a16="http://schemas.microsoft.com/office/drawing/2014/main" xmlns="" id="{26E11219-288B-46B5-8566-3FC185FA9278}"/>
               </a:ext>
             </a:extLst>
           </p:cNvPr>
@@ -16123,7 +16162,7 @@
           <p:cNvPr id="8" name="Szövegdoboz 7">
             <a:extLst>
               <a:ext uri="{FF2B5EF4-FFF2-40B4-BE49-F238E27FC236}">
-                <a16:creationId xmlns:a16="http://schemas.microsoft.com/office/drawing/2014/main" id="{76D75C5D-5568-4AA7-8CF9-3CD73E095F9F}"/>
+                <a16:creationId xmlns:a16="http://schemas.microsoft.com/office/drawing/2014/main" xmlns="" id="{76D75C5D-5568-4AA7-8CF9-3CD73E095F9F}"/>
               </a:ext>
             </a:extLst>
           </p:cNvPr>
@@ -16210,7 +16249,7 @@
           <p:cNvPr id="9" name="Szövegdoboz 8">
             <a:extLst>
               <a:ext uri="{FF2B5EF4-FFF2-40B4-BE49-F238E27FC236}">
-                <a16:creationId xmlns:a16="http://schemas.microsoft.com/office/drawing/2014/main" id="{7DAD8E63-A683-4C39-BA9D-B7B280A0F386}"/>
+                <a16:creationId xmlns:a16="http://schemas.microsoft.com/office/drawing/2014/main" xmlns="" id="{7DAD8E63-A683-4C39-BA9D-B7B280A0F386}"/>
               </a:ext>
             </a:extLst>
           </p:cNvPr>
@@ -16352,6 +16391,16 @@
             </a:endParaRPr>
           </a:p>
           <a:p>
+            <a:r>
+              <a:rPr lang="hu-HU" b="0" i="0" dirty="0">
+                <a:solidFill>
+                  <a:srgbClr val="212529"/>
+                </a:solidFill>
+                <a:effectLst/>
+                <a:latin typeface="system-ui"/>
+              </a:rPr>
+              <a:t/>
+            </a:r>
             <a:br>
               <a:rPr lang="hu-HU" b="0" i="0" dirty="0">
                 <a:solidFill>
@@ -16400,7 +16449,7 @@
           <p:cNvPr id="4" name="Szövegdoboz 3">
             <a:extLst>
               <a:ext uri="{FF2B5EF4-FFF2-40B4-BE49-F238E27FC236}">
-                <a16:creationId xmlns:a16="http://schemas.microsoft.com/office/drawing/2014/main" id="{742FFBEE-7163-4E7E-848A-D4A4511A9A0D}"/>
+                <a16:creationId xmlns:a16="http://schemas.microsoft.com/office/drawing/2014/main" xmlns="" id="{742FFBEE-7163-4E7E-848A-D4A4511A9A0D}"/>
               </a:ext>
             </a:extLst>
           </p:cNvPr>
@@ -16440,7 +16489,7 @@
           <p:cNvPr id="5" name="Téglalap 4">
             <a:extLst>
               <a:ext uri="{FF2B5EF4-FFF2-40B4-BE49-F238E27FC236}">
-                <a16:creationId xmlns:a16="http://schemas.microsoft.com/office/drawing/2014/main" id="{9B82128D-BA48-43D0-9AF7-08CB7D7588E1}"/>
+                <a16:creationId xmlns:a16="http://schemas.microsoft.com/office/drawing/2014/main" xmlns="" id="{9B82128D-BA48-43D0-9AF7-08CB7D7588E1}"/>
               </a:ext>
             </a:extLst>
           </p:cNvPr>
@@ -16492,7 +16541,7 @@
           <p:cNvPr id="6" name="Ábra 5">
             <a:extLst>
               <a:ext uri="{FF2B5EF4-FFF2-40B4-BE49-F238E27FC236}">
-                <a16:creationId xmlns:a16="http://schemas.microsoft.com/office/drawing/2014/main" id="{9539EE2E-6FBF-4FC5-99FA-54E5D445FEC8}"/>
+                <a16:creationId xmlns:a16="http://schemas.microsoft.com/office/drawing/2014/main" xmlns="" id="{9539EE2E-6FBF-4FC5-99FA-54E5D445FEC8}"/>
               </a:ext>
             </a:extLst>
           </p:cNvPr>
@@ -16508,7 +16557,7 @@
                 <a14:useLocalDpi xmlns:a14="http://schemas.microsoft.com/office/drawing/2010/main" val="0"/>
               </a:ext>
               <a:ext uri="{96DAC541-7B7A-43D3-8B79-37D633B846F1}">
-                <asvg:svgBlip xmlns:asvg="http://schemas.microsoft.com/office/drawing/2016/SVG/main" r:embed="rId3"/>
+                <asvg:svgBlip xmlns:asvg="http://schemas.microsoft.com/office/drawing/2016/SVG/main" xmlns="" r:embed="rId3"/>
               </a:ext>
             </a:extLst>
           </a:blip>
@@ -16531,7 +16580,7 @@
           <p:cNvPr id="7" name="Kép 6">
             <a:extLst>
               <a:ext uri="{FF2B5EF4-FFF2-40B4-BE49-F238E27FC236}">
-                <a16:creationId xmlns:a16="http://schemas.microsoft.com/office/drawing/2014/main" id="{63F02832-5F07-4F27-9FD5-9B08121767DF}"/>
+                <a16:creationId xmlns:a16="http://schemas.microsoft.com/office/drawing/2014/main" xmlns="" id="{63F02832-5F07-4F27-9FD5-9B08121767DF}"/>
               </a:ext>
             </a:extLst>
           </p:cNvPr>
@@ -16567,7 +16616,7 @@
           <p:cNvPr id="8" name="Szövegdoboz 7">
             <a:extLst>
               <a:ext uri="{FF2B5EF4-FFF2-40B4-BE49-F238E27FC236}">
-                <a16:creationId xmlns:a16="http://schemas.microsoft.com/office/drawing/2014/main" id="{0AD34D30-865D-41AB-8E35-EA14CFE48A81}"/>
+                <a16:creationId xmlns:a16="http://schemas.microsoft.com/office/drawing/2014/main" xmlns="" id="{0AD34D30-865D-41AB-8E35-EA14CFE48A81}"/>
               </a:ext>
             </a:extLst>
           </p:cNvPr>
@@ -16713,7 +16762,7 @@
           <p:cNvPr id="4" name="Téglalap 3">
             <a:extLst>
               <a:ext uri="{FF2B5EF4-FFF2-40B4-BE49-F238E27FC236}">
-                <a16:creationId xmlns:a16="http://schemas.microsoft.com/office/drawing/2014/main" id="{CCC4A82F-58A9-463D-9CC7-9A14B3D51291}"/>
+                <a16:creationId xmlns:a16="http://schemas.microsoft.com/office/drawing/2014/main" xmlns="" id="{CCC4A82F-58A9-463D-9CC7-9A14B3D51291}"/>
               </a:ext>
             </a:extLst>
           </p:cNvPr>
@@ -16765,7 +16814,7 @@
           <p:cNvPr id="5" name="Ábra 4">
             <a:extLst>
               <a:ext uri="{FF2B5EF4-FFF2-40B4-BE49-F238E27FC236}">
-                <a16:creationId xmlns:a16="http://schemas.microsoft.com/office/drawing/2014/main" id="{97536270-8590-4BBC-89D6-4BEA9FD878D4}"/>
+                <a16:creationId xmlns:a16="http://schemas.microsoft.com/office/drawing/2014/main" xmlns="" id="{97536270-8590-4BBC-89D6-4BEA9FD878D4}"/>
               </a:ext>
             </a:extLst>
           </p:cNvPr>
@@ -16781,7 +16830,7 @@
                 <a14:useLocalDpi xmlns:a14="http://schemas.microsoft.com/office/drawing/2010/main" val="0"/>
               </a:ext>
               <a:ext uri="{96DAC541-7B7A-43D3-8B79-37D633B846F1}">
-                <asvg:svgBlip xmlns:asvg="http://schemas.microsoft.com/office/drawing/2016/SVG/main" r:embed="rId3"/>
+                <asvg:svgBlip xmlns:asvg="http://schemas.microsoft.com/office/drawing/2016/SVG/main" xmlns="" r:embed="rId3"/>
               </a:ext>
             </a:extLst>
           </a:blip>
@@ -16804,7 +16853,7 @@
           <p:cNvPr id="6" name="Kép 5">
             <a:extLst>
               <a:ext uri="{FF2B5EF4-FFF2-40B4-BE49-F238E27FC236}">
-                <a16:creationId xmlns:a16="http://schemas.microsoft.com/office/drawing/2014/main" id="{C0BB0118-0F80-4285-ABF6-8DD38EF484B9}"/>
+                <a16:creationId xmlns:a16="http://schemas.microsoft.com/office/drawing/2014/main" xmlns="" id="{C0BB0118-0F80-4285-ABF6-8DD38EF484B9}"/>
               </a:ext>
             </a:extLst>
           </p:cNvPr>
@@ -16840,7 +16889,7 @@
           <p:cNvPr id="7" name="Szövegdoboz 6">
             <a:extLst>
               <a:ext uri="{FF2B5EF4-FFF2-40B4-BE49-F238E27FC236}">
-                <a16:creationId xmlns:a16="http://schemas.microsoft.com/office/drawing/2014/main" id="{B730E880-200A-47AE-8C31-990FD33B7DE9}"/>
+                <a16:creationId xmlns:a16="http://schemas.microsoft.com/office/drawing/2014/main" xmlns="" id="{B730E880-200A-47AE-8C31-990FD33B7DE9}"/>
               </a:ext>
             </a:extLst>
           </p:cNvPr>
@@ -16910,7 +16959,7 @@
           <p:cNvPr id="4" name="Téglalap 3">
             <a:extLst>
               <a:ext uri="{FF2B5EF4-FFF2-40B4-BE49-F238E27FC236}">
-                <a16:creationId xmlns:a16="http://schemas.microsoft.com/office/drawing/2014/main" id="{0BD02874-CFC4-4733-82EA-7EFF9A1CCEAF}"/>
+                <a16:creationId xmlns:a16="http://schemas.microsoft.com/office/drawing/2014/main" xmlns="" id="{0BD02874-CFC4-4733-82EA-7EFF9A1CCEAF}"/>
               </a:ext>
             </a:extLst>
           </p:cNvPr>
@@ -16962,7 +17011,7 @@
           <p:cNvPr id="5" name="Szövegdoboz 4">
             <a:extLst>
               <a:ext uri="{FF2B5EF4-FFF2-40B4-BE49-F238E27FC236}">
-                <a16:creationId xmlns:a16="http://schemas.microsoft.com/office/drawing/2014/main" id="{C2E7ACD0-B4E6-438E-9A51-3623C001AD65}"/>
+                <a16:creationId xmlns:a16="http://schemas.microsoft.com/office/drawing/2014/main" xmlns="" id="{C2E7ACD0-B4E6-438E-9A51-3623C001AD65}"/>
               </a:ext>
             </a:extLst>
           </p:cNvPr>
@@ -17002,7 +17051,7 @@
           <p:cNvPr id="6" name="Ábra 5">
             <a:extLst>
               <a:ext uri="{FF2B5EF4-FFF2-40B4-BE49-F238E27FC236}">
-                <a16:creationId xmlns:a16="http://schemas.microsoft.com/office/drawing/2014/main" id="{98F6C7F9-0CE0-4576-A211-745D00E19E9D}"/>
+                <a16:creationId xmlns:a16="http://schemas.microsoft.com/office/drawing/2014/main" xmlns="" id="{98F6C7F9-0CE0-4576-A211-745D00E19E9D}"/>
               </a:ext>
             </a:extLst>
           </p:cNvPr>
@@ -17018,7 +17067,7 @@
                 <a14:useLocalDpi xmlns:a14="http://schemas.microsoft.com/office/drawing/2010/main" val="0"/>
               </a:ext>
               <a:ext uri="{96DAC541-7B7A-43D3-8B79-37D633B846F1}">
-                <asvg:svgBlip xmlns:asvg="http://schemas.microsoft.com/office/drawing/2016/SVG/main" r:embed="rId3"/>
+                <asvg:svgBlip xmlns:asvg="http://schemas.microsoft.com/office/drawing/2016/SVG/main" xmlns="" r:embed="rId3"/>
               </a:ext>
             </a:extLst>
           </a:blip>
@@ -17041,7 +17090,7 @@
           <p:cNvPr id="7" name="Kép 6">
             <a:extLst>
               <a:ext uri="{FF2B5EF4-FFF2-40B4-BE49-F238E27FC236}">
-                <a16:creationId xmlns:a16="http://schemas.microsoft.com/office/drawing/2014/main" id="{32A6B4B3-856A-4223-959F-952335EF0319}"/>
+                <a16:creationId xmlns:a16="http://schemas.microsoft.com/office/drawing/2014/main" xmlns="" id="{32A6B4B3-856A-4223-959F-952335EF0319}"/>
               </a:ext>
             </a:extLst>
           </p:cNvPr>
@@ -17077,7 +17126,7 @@
           <p:cNvPr id="8" name="Szövegdoboz 7">
             <a:extLst>
               <a:ext uri="{FF2B5EF4-FFF2-40B4-BE49-F238E27FC236}">
-                <a16:creationId xmlns:a16="http://schemas.microsoft.com/office/drawing/2014/main" id="{9B6DC4C5-0BC0-437E-8CCD-A2ABCB4CF3C8}"/>
+                <a16:creationId xmlns:a16="http://schemas.microsoft.com/office/drawing/2014/main" xmlns="" id="{9B6DC4C5-0BC0-437E-8CCD-A2ABCB4CF3C8}"/>
               </a:ext>
             </a:extLst>
           </p:cNvPr>
@@ -17262,7 +17311,7 @@
           <p:cNvPr id="4" name="Téglalap 3">
             <a:extLst>
               <a:ext uri="{FF2B5EF4-FFF2-40B4-BE49-F238E27FC236}">
-                <a16:creationId xmlns:a16="http://schemas.microsoft.com/office/drawing/2014/main" id="{CD6FC359-0AEF-424B-82B8-D071AD1AE850}"/>
+                <a16:creationId xmlns:a16="http://schemas.microsoft.com/office/drawing/2014/main" xmlns="" id="{CD6FC359-0AEF-424B-82B8-D071AD1AE850}"/>
               </a:ext>
             </a:extLst>
           </p:cNvPr>
@@ -17314,7 +17363,7 @@
           <p:cNvPr id="5" name="Kép 4">
             <a:extLst>
               <a:ext uri="{FF2B5EF4-FFF2-40B4-BE49-F238E27FC236}">
-                <a16:creationId xmlns:a16="http://schemas.microsoft.com/office/drawing/2014/main" id="{C619026F-11BA-46F5-83E2-86A702024CDE}"/>
+                <a16:creationId xmlns:a16="http://schemas.microsoft.com/office/drawing/2014/main" xmlns="" id="{C619026F-11BA-46F5-83E2-86A702024CDE}"/>
               </a:ext>
             </a:extLst>
           </p:cNvPr>
@@ -17350,7 +17399,7 @@
           <p:cNvPr id="6" name="Ábra 5">
             <a:extLst>
               <a:ext uri="{FF2B5EF4-FFF2-40B4-BE49-F238E27FC236}">
-                <a16:creationId xmlns:a16="http://schemas.microsoft.com/office/drawing/2014/main" id="{3870160F-4FAA-4635-B1EE-39D1E85802C7}"/>
+                <a16:creationId xmlns:a16="http://schemas.microsoft.com/office/drawing/2014/main" xmlns="" id="{3870160F-4FAA-4635-B1EE-39D1E85802C7}"/>
               </a:ext>
             </a:extLst>
           </p:cNvPr>
@@ -17366,7 +17415,7 @@
                 <a14:useLocalDpi xmlns:a14="http://schemas.microsoft.com/office/drawing/2010/main" val="0"/>
               </a:ext>
               <a:ext uri="{96DAC541-7B7A-43D3-8B79-37D633B846F1}">
-                <asvg:svgBlip xmlns:asvg="http://schemas.microsoft.com/office/drawing/2016/SVG/main" r:embed="rId4"/>
+                <asvg:svgBlip xmlns:asvg="http://schemas.microsoft.com/office/drawing/2016/SVG/main" xmlns="" r:embed="rId4"/>
               </a:ext>
             </a:extLst>
           </a:blip>
@@ -17389,7 +17438,7 @@
           <p:cNvPr id="8" name="Szövegdoboz 7">
             <a:extLst>
               <a:ext uri="{FF2B5EF4-FFF2-40B4-BE49-F238E27FC236}">
-                <a16:creationId xmlns:a16="http://schemas.microsoft.com/office/drawing/2014/main" id="{116EEA92-3F52-4DE9-B232-DDD49705643F}"/>
+                <a16:creationId xmlns:a16="http://schemas.microsoft.com/office/drawing/2014/main" xmlns="" id="{116EEA92-3F52-4DE9-B232-DDD49705643F}"/>
               </a:ext>
             </a:extLst>
           </p:cNvPr>
@@ -17429,7 +17478,7 @@
           <p:cNvPr id="9" name="Szövegdoboz 8">
             <a:extLst>
               <a:ext uri="{FF2B5EF4-FFF2-40B4-BE49-F238E27FC236}">
-                <a16:creationId xmlns:a16="http://schemas.microsoft.com/office/drawing/2014/main" id="{A8376AFF-C5D1-4992-B386-0F5652527DE1}"/>
+                <a16:creationId xmlns:a16="http://schemas.microsoft.com/office/drawing/2014/main" xmlns="" id="{A8376AFF-C5D1-4992-B386-0F5652527DE1}"/>
               </a:ext>
             </a:extLst>
           </p:cNvPr>
@@ -17592,7 +17641,7 @@
           <p:cNvPr id="11" name="Kép 10" descr="A képen méhsejt, kültéri objektum látható&#10;&#10;Automatikusan generált leírás">
             <a:extLst>
               <a:ext uri="{FF2B5EF4-FFF2-40B4-BE49-F238E27FC236}">
-                <a16:creationId xmlns:a16="http://schemas.microsoft.com/office/drawing/2014/main" id="{C96614E1-248C-4C8F-8BF9-0A5FA2F91DE4}"/>
+                <a16:creationId xmlns:a16="http://schemas.microsoft.com/office/drawing/2014/main" xmlns="" id="{C96614E1-248C-4C8F-8BF9-0A5FA2F91DE4}"/>
               </a:ext>
             </a:extLst>
           </p:cNvPr>
@@ -17628,7 +17677,7 @@
           <p:cNvPr id="13" name="Kép 12">
             <a:extLst>
               <a:ext uri="{FF2B5EF4-FFF2-40B4-BE49-F238E27FC236}">
-                <a16:creationId xmlns:a16="http://schemas.microsoft.com/office/drawing/2014/main" id="{8E8CAF80-3B97-4237-8B10-D12634BAE35E}"/>
+                <a16:creationId xmlns:a16="http://schemas.microsoft.com/office/drawing/2014/main" xmlns="" id="{8E8CAF80-3B97-4237-8B10-D12634BAE35E}"/>
               </a:ext>
             </a:extLst>
           </p:cNvPr>
@@ -17664,7 +17713,7 @@
           <p:cNvPr id="15" name="Ábra 14">
             <a:extLst>
               <a:ext uri="{FF2B5EF4-FFF2-40B4-BE49-F238E27FC236}">
-                <a16:creationId xmlns:a16="http://schemas.microsoft.com/office/drawing/2014/main" id="{62517743-3540-489B-BCEA-EBE08706CC09}"/>
+                <a16:creationId xmlns:a16="http://schemas.microsoft.com/office/drawing/2014/main" xmlns="" id="{62517743-3540-489B-BCEA-EBE08706CC09}"/>
               </a:ext>
             </a:extLst>
           </p:cNvPr>
@@ -17680,7 +17729,7 @@
                 <a14:useLocalDpi xmlns:a14="http://schemas.microsoft.com/office/drawing/2010/main" val="0"/>
               </a:ext>
               <a:ext uri="{96DAC541-7B7A-43D3-8B79-37D633B846F1}">
-                <asvg:svgBlip xmlns:asvg="http://schemas.microsoft.com/office/drawing/2016/SVG/main" r:embed="rId8"/>
+                <asvg:svgBlip xmlns:asvg="http://schemas.microsoft.com/office/drawing/2016/SVG/main" xmlns="" r:embed="rId8"/>
               </a:ext>
             </a:extLst>
           </a:blip>
@@ -17733,7 +17782,7 @@
           <p:cNvPr id="4" name="Téglalap 3">
             <a:extLst>
               <a:ext uri="{FF2B5EF4-FFF2-40B4-BE49-F238E27FC236}">
-                <a16:creationId xmlns:a16="http://schemas.microsoft.com/office/drawing/2014/main" id="{D86D6B71-3651-4D61-8CD4-20BAB8BEE051}"/>
+                <a16:creationId xmlns:a16="http://schemas.microsoft.com/office/drawing/2014/main" xmlns="" id="{D86D6B71-3651-4D61-8CD4-20BAB8BEE051}"/>
               </a:ext>
             </a:extLst>
           </p:cNvPr>
@@ -17785,7 +17834,7 @@
           <p:cNvPr id="5" name="Szövegdoboz 4">
             <a:extLst>
               <a:ext uri="{FF2B5EF4-FFF2-40B4-BE49-F238E27FC236}">
-                <a16:creationId xmlns:a16="http://schemas.microsoft.com/office/drawing/2014/main" id="{93BF4FAF-C49D-49CE-A938-84E5D80D3EB4}"/>
+                <a16:creationId xmlns:a16="http://schemas.microsoft.com/office/drawing/2014/main" xmlns="" id="{93BF4FAF-C49D-49CE-A938-84E5D80D3EB4}"/>
               </a:ext>
             </a:extLst>
           </p:cNvPr>
@@ -17825,7 +17874,7 @@
           <p:cNvPr id="6" name="Kép 5">
             <a:extLst>
               <a:ext uri="{FF2B5EF4-FFF2-40B4-BE49-F238E27FC236}">
-                <a16:creationId xmlns:a16="http://schemas.microsoft.com/office/drawing/2014/main" id="{6BFEB4BC-31D7-4079-980D-D0FFC2FA5FC2}"/>
+                <a16:creationId xmlns:a16="http://schemas.microsoft.com/office/drawing/2014/main" xmlns="" id="{6BFEB4BC-31D7-4079-980D-D0FFC2FA5FC2}"/>
               </a:ext>
             </a:extLst>
           </p:cNvPr>
@@ -17861,7 +17910,7 @@
           <p:cNvPr id="7" name="Ábra 6">
             <a:extLst>
               <a:ext uri="{FF2B5EF4-FFF2-40B4-BE49-F238E27FC236}">
-                <a16:creationId xmlns:a16="http://schemas.microsoft.com/office/drawing/2014/main" id="{4DCEB4C6-FE4C-46AA-8C1F-CA08B288A147}"/>
+                <a16:creationId xmlns:a16="http://schemas.microsoft.com/office/drawing/2014/main" xmlns="" id="{4DCEB4C6-FE4C-46AA-8C1F-CA08B288A147}"/>
               </a:ext>
             </a:extLst>
           </p:cNvPr>
@@ -17877,7 +17926,7 @@
                 <a14:useLocalDpi xmlns:a14="http://schemas.microsoft.com/office/drawing/2010/main" val="0"/>
               </a:ext>
               <a:ext uri="{96DAC541-7B7A-43D3-8B79-37D633B846F1}">
-                <asvg:svgBlip xmlns:asvg="http://schemas.microsoft.com/office/drawing/2016/SVG/main" r:embed="rId4"/>
+                <asvg:svgBlip xmlns:asvg="http://schemas.microsoft.com/office/drawing/2016/SVG/main" xmlns="" r:embed="rId4"/>
               </a:ext>
             </a:extLst>
           </a:blip>
@@ -17900,7 +17949,7 @@
           <p:cNvPr id="8" name="Szövegdoboz 7">
             <a:extLst>
               <a:ext uri="{FF2B5EF4-FFF2-40B4-BE49-F238E27FC236}">
-                <a16:creationId xmlns:a16="http://schemas.microsoft.com/office/drawing/2014/main" id="{53180FF3-8853-4D61-A21E-5E2C4F6723F3}"/>
+                <a16:creationId xmlns:a16="http://schemas.microsoft.com/office/drawing/2014/main" xmlns="" id="{53180FF3-8853-4D61-A21E-5E2C4F6723F3}"/>
               </a:ext>
             </a:extLst>
           </p:cNvPr>
@@ -18011,7 +18060,7 @@
           <p:cNvPr id="3" name="Ábra 2" descr="Laptop egyszínű kitöltéssel">
             <a:extLst>
               <a:ext uri="{FF2B5EF4-FFF2-40B4-BE49-F238E27FC236}">
-                <a16:creationId xmlns:a16="http://schemas.microsoft.com/office/drawing/2014/main" id="{B04AEB5F-4C05-4147-82D3-12F08CDE6C2D}"/>
+                <a16:creationId xmlns:a16="http://schemas.microsoft.com/office/drawing/2014/main" xmlns="" id="{B04AEB5F-4C05-4147-82D3-12F08CDE6C2D}"/>
               </a:ext>
             </a:extLst>
           </p:cNvPr>
@@ -18027,7 +18076,7 @@
                 <a14:useLocalDpi xmlns:a14="http://schemas.microsoft.com/office/drawing/2010/main" val="0"/>
               </a:ext>
               <a:ext uri="{96DAC541-7B7A-43D3-8B79-37D633B846F1}">
-                <asvg:svgBlip xmlns:asvg="http://schemas.microsoft.com/office/drawing/2016/SVG/main" r:embed="rId6"/>
+                <asvg:svgBlip xmlns:asvg="http://schemas.microsoft.com/office/drawing/2016/SVG/main" xmlns="" r:embed="rId6"/>
               </a:ext>
             </a:extLst>
           </a:blip>
@@ -18050,7 +18099,7 @@
           <p:cNvPr id="9" name="Henger 8">
             <a:extLst>
               <a:ext uri="{FF2B5EF4-FFF2-40B4-BE49-F238E27FC236}">
-                <a16:creationId xmlns:a16="http://schemas.microsoft.com/office/drawing/2014/main" id="{E9F392FD-D67A-427A-B8C8-D045F23CE51C}"/>
+                <a16:creationId xmlns:a16="http://schemas.microsoft.com/office/drawing/2014/main" xmlns="" id="{E9F392FD-D67A-427A-B8C8-D045F23CE51C}"/>
               </a:ext>
             </a:extLst>
           </p:cNvPr>
@@ -18096,7 +18145,7 @@
           <p:cNvPr id="11" name="Ábra 10" descr="Terminál parancssora egyszínű kitöltéssel">
             <a:extLst>
               <a:ext uri="{FF2B5EF4-FFF2-40B4-BE49-F238E27FC236}">
-                <a16:creationId xmlns:a16="http://schemas.microsoft.com/office/drawing/2014/main" id="{7BE92D9B-5EDE-49BE-8974-8420C9427A4F}"/>
+                <a16:creationId xmlns:a16="http://schemas.microsoft.com/office/drawing/2014/main" xmlns="" id="{7BE92D9B-5EDE-49BE-8974-8420C9427A4F}"/>
               </a:ext>
             </a:extLst>
           </p:cNvPr>
@@ -18112,7 +18161,7 @@
                 <a14:useLocalDpi xmlns:a14="http://schemas.microsoft.com/office/drawing/2010/main" val="0"/>
               </a:ext>
               <a:ext uri="{96DAC541-7B7A-43D3-8B79-37D633B846F1}">
-                <asvg:svgBlip xmlns:asvg="http://schemas.microsoft.com/office/drawing/2016/SVG/main" r:embed="rId8"/>
+                <asvg:svgBlip xmlns:asvg="http://schemas.microsoft.com/office/drawing/2016/SVG/main" xmlns="" r:embed="rId8"/>
               </a:ext>
             </a:extLst>
           </a:blip>
@@ -18135,7 +18184,7 @@
           <p:cNvPr id="13" name="Ábra 12" descr="Kiszolgáló egyszínű kitöltéssel">
             <a:extLst>
               <a:ext uri="{FF2B5EF4-FFF2-40B4-BE49-F238E27FC236}">
-                <a16:creationId xmlns:a16="http://schemas.microsoft.com/office/drawing/2014/main" id="{FF6925B3-6674-485B-BFCA-3359F7AE1D3C}"/>
+                <a16:creationId xmlns:a16="http://schemas.microsoft.com/office/drawing/2014/main" xmlns="" id="{FF6925B3-6674-485B-BFCA-3359F7AE1D3C}"/>
               </a:ext>
             </a:extLst>
           </p:cNvPr>
@@ -18151,7 +18200,7 @@
                 <a14:useLocalDpi xmlns:a14="http://schemas.microsoft.com/office/drawing/2010/main" val="0"/>
               </a:ext>
               <a:ext uri="{96DAC541-7B7A-43D3-8B79-37D633B846F1}">
-                <asvg:svgBlip xmlns:asvg="http://schemas.microsoft.com/office/drawing/2016/SVG/main" r:embed="rId10"/>
+                <asvg:svgBlip xmlns:asvg="http://schemas.microsoft.com/office/drawing/2016/SVG/main" xmlns="" r:embed="rId10"/>
               </a:ext>
             </a:extLst>
           </a:blip>
@@ -18174,7 +18223,7 @@
           <p:cNvPr id="15" name="Ábra 14" descr="Adatbázis egyszínű kitöltéssel">
             <a:extLst>
               <a:ext uri="{FF2B5EF4-FFF2-40B4-BE49-F238E27FC236}">
-                <a16:creationId xmlns:a16="http://schemas.microsoft.com/office/drawing/2014/main" id="{6D4617D3-643E-4A7D-892D-472F65149C57}"/>
+                <a16:creationId xmlns:a16="http://schemas.microsoft.com/office/drawing/2014/main" xmlns="" id="{6D4617D3-643E-4A7D-892D-472F65149C57}"/>
               </a:ext>
             </a:extLst>
           </p:cNvPr>
@@ -18190,7 +18239,7 @@
                 <a14:useLocalDpi xmlns:a14="http://schemas.microsoft.com/office/drawing/2010/main" val="0"/>
               </a:ext>
               <a:ext uri="{96DAC541-7B7A-43D3-8B79-37D633B846F1}">
-                <asvg:svgBlip xmlns:asvg="http://schemas.microsoft.com/office/drawing/2016/SVG/main" r:embed="rId12"/>
+                <asvg:svgBlip xmlns:asvg="http://schemas.microsoft.com/office/drawing/2016/SVG/main" xmlns="" r:embed="rId12"/>
               </a:ext>
             </a:extLst>
           </a:blip>
@@ -18213,7 +18262,7 @@
           <p:cNvPr id="17" name="Ábra 16" descr="Felhő egyszínű kitöltéssel">
             <a:extLst>
               <a:ext uri="{FF2B5EF4-FFF2-40B4-BE49-F238E27FC236}">
-                <a16:creationId xmlns:a16="http://schemas.microsoft.com/office/drawing/2014/main" id="{AA3DF723-54FF-4F17-8D68-88C73DAB4F1E}"/>
+                <a16:creationId xmlns:a16="http://schemas.microsoft.com/office/drawing/2014/main" xmlns="" id="{AA3DF723-54FF-4F17-8D68-88C73DAB4F1E}"/>
               </a:ext>
             </a:extLst>
           </p:cNvPr>
@@ -18229,7 +18278,7 @@
                 <a14:useLocalDpi xmlns:a14="http://schemas.microsoft.com/office/drawing/2010/main" val="0"/>
               </a:ext>
               <a:ext uri="{96DAC541-7B7A-43D3-8B79-37D633B846F1}">
-                <asvg:svgBlip xmlns:asvg="http://schemas.microsoft.com/office/drawing/2016/SVG/main" r:embed="rId14"/>
+                <asvg:svgBlip xmlns:asvg="http://schemas.microsoft.com/office/drawing/2016/SVG/main" xmlns="" r:embed="rId14"/>
               </a:ext>
             </a:extLst>
           </a:blip>
@@ -18252,7 +18301,7 @@
           <p:cNvPr id="18" name="Szövegdoboz 17">
             <a:extLst>
               <a:ext uri="{FF2B5EF4-FFF2-40B4-BE49-F238E27FC236}">
-                <a16:creationId xmlns:a16="http://schemas.microsoft.com/office/drawing/2014/main" id="{A9114A1D-34CB-4428-8439-C3A56F865A71}"/>
+                <a16:creationId xmlns:a16="http://schemas.microsoft.com/office/drawing/2014/main" xmlns="" id="{A9114A1D-34CB-4428-8439-C3A56F865A71}"/>
               </a:ext>
             </a:extLst>
           </p:cNvPr>
@@ -18295,7 +18344,7 @@
           <p:cNvPr id="19" name="Szövegdoboz 18">
             <a:extLst>
               <a:ext uri="{FF2B5EF4-FFF2-40B4-BE49-F238E27FC236}">
-                <a16:creationId xmlns:a16="http://schemas.microsoft.com/office/drawing/2014/main" id="{34D72C7D-5AF5-49C1-A278-C33E41A7CFE4}"/>
+                <a16:creationId xmlns:a16="http://schemas.microsoft.com/office/drawing/2014/main" xmlns="" id="{34D72C7D-5AF5-49C1-A278-C33E41A7CFE4}"/>
               </a:ext>
             </a:extLst>
           </p:cNvPr>
@@ -18332,7 +18381,7 @@
           <p:cNvPr id="21" name="Szövegdoboz 20">
             <a:extLst>
               <a:ext uri="{FF2B5EF4-FFF2-40B4-BE49-F238E27FC236}">
-                <a16:creationId xmlns:a16="http://schemas.microsoft.com/office/drawing/2014/main" id="{F45E59FA-D6E9-44A5-9B6E-03F8DB11907E}"/>
+                <a16:creationId xmlns:a16="http://schemas.microsoft.com/office/drawing/2014/main" xmlns="" id="{F45E59FA-D6E9-44A5-9B6E-03F8DB11907E}"/>
               </a:ext>
             </a:extLst>
           </p:cNvPr>
@@ -18369,7 +18418,7 @@
           <p:cNvPr id="22" name="Kép 21">
             <a:extLst>
               <a:ext uri="{FF2B5EF4-FFF2-40B4-BE49-F238E27FC236}">
-                <a16:creationId xmlns:a16="http://schemas.microsoft.com/office/drawing/2014/main" id="{DD351F2A-595E-4097-B6C5-9469C1AF9BE4}"/>
+                <a16:creationId xmlns:a16="http://schemas.microsoft.com/office/drawing/2014/main" xmlns="" id="{DD351F2A-595E-4097-B6C5-9469C1AF9BE4}"/>
               </a:ext>
             </a:extLst>
           </p:cNvPr>
@@ -18405,7 +18454,7 @@
           <p:cNvPr id="23" name="Kép 22">
             <a:extLst>
               <a:ext uri="{FF2B5EF4-FFF2-40B4-BE49-F238E27FC236}">
-                <a16:creationId xmlns:a16="http://schemas.microsoft.com/office/drawing/2014/main" id="{E576C146-A969-4C56-ADD6-049D6924288A}"/>
+                <a16:creationId xmlns:a16="http://schemas.microsoft.com/office/drawing/2014/main" xmlns="" id="{E576C146-A969-4C56-ADD6-049D6924288A}"/>
               </a:ext>
             </a:extLst>
           </p:cNvPr>
@@ -18441,7 +18490,7 @@
           <p:cNvPr id="26" name="Egyenes összekötő 25">
             <a:extLst>
               <a:ext uri="{FF2B5EF4-FFF2-40B4-BE49-F238E27FC236}">
-                <a16:creationId xmlns:a16="http://schemas.microsoft.com/office/drawing/2014/main" id="{BC468C39-269A-44BB-9F15-956984ECDFE4}"/>
+                <a16:creationId xmlns:a16="http://schemas.microsoft.com/office/drawing/2014/main" xmlns="" id="{BC468C39-269A-44BB-9F15-956984ECDFE4}"/>
               </a:ext>
             </a:extLst>
           </p:cNvPr>
@@ -18479,7 +18528,7 @@
           <p:cNvPr id="28" name="Egyenes összekötő 27">
             <a:extLst>
               <a:ext uri="{FF2B5EF4-FFF2-40B4-BE49-F238E27FC236}">
-                <a16:creationId xmlns:a16="http://schemas.microsoft.com/office/drawing/2014/main" id="{1C06E523-ABB3-4242-888B-0DCA07E707C1}"/>
+                <a16:creationId xmlns:a16="http://schemas.microsoft.com/office/drawing/2014/main" xmlns="" id="{1C06E523-ABB3-4242-888B-0DCA07E707C1}"/>
               </a:ext>
             </a:extLst>
           </p:cNvPr>
@@ -18520,7 +18569,7 @@
           <p:cNvPr id="30" name="Egyenes összekötő 29">
             <a:extLst>
               <a:ext uri="{FF2B5EF4-FFF2-40B4-BE49-F238E27FC236}">
-                <a16:creationId xmlns:a16="http://schemas.microsoft.com/office/drawing/2014/main" id="{07B5B1F8-7247-4EDC-8BB3-4EBEEED7218B}"/>
+                <a16:creationId xmlns:a16="http://schemas.microsoft.com/office/drawing/2014/main" xmlns="" id="{07B5B1F8-7247-4EDC-8BB3-4EBEEED7218B}"/>
               </a:ext>
             </a:extLst>
           </p:cNvPr>
@@ -18556,7 +18605,7 @@
           <p:cNvPr id="24" name="Szövegdoboz 23">
             <a:extLst>
               <a:ext uri="{FF2B5EF4-FFF2-40B4-BE49-F238E27FC236}">
-                <a16:creationId xmlns:a16="http://schemas.microsoft.com/office/drawing/2014/main" id="{E6976D20-9B16-45FB-9C78-E6EAA4C629E6}"/>
+                <a16:creationId xmlns:a16="http://schemas.microsoft.com/office/drawing/2014/main" xmlns="" id="{E6976D20-9B16-45FB-9C78-E6EAA4C629E6}"/>
               </a:ext>
             </a:extLst>
           </p:cNvPr>
@@ -18595,7 +18644,7 @@
           <p:cNvPr id="34" name="Szövegdoboz 33">
             <a:extLst>
               <a:ext uri="{FF2B5EF4-FFF2-40B4-BE49-F238E27FC236}">
-                <a16:creationId xmlns:a16="http://schemas.microsoft.com/office/drawing/2014/main" id="{663EFC6A-27A6-4963-8590-C2B43261860B}"/>
+                <a16:creationId xmlns:a16="http://schemas.microsoft.com/office/drawing/2014/main" xmlns="" id="{663EFC6A-27A6-4963-8590-C2B43261860B}"/>
               </a:ext>
             </a:extLst>
           </p:cNvPr>
@@ -18632,7 +18681,7 @@
           <p:cNvPr id="35" name="Szövegdoboz 34">
             <a:extLst>
               <a:ext uri="{FF2B5EF4-FFF2-40B4-BE49-F238E27FC236}">
-                <a16:creationId xmlns:a16="http://schemas.microsoft.com/office/drawing/2014/main" id="{EA0AEA84-8407-45F6-9237-0414C281324C}"/>
+                <a16:creationId xmlns:a16="http://schemas.microsoft.com/office/drawing/2014/main" xmlns="" id="{EA0AEA84-8407-45F6-9237-0414C281324C}"/>
               </a:ext>
             </a:extLst>
           </p:cNvPr>
@@ -18693,7 +18742,7 @@
           <p:cNvPr id="36" name="Szövegdoboz 35">
             <a:extLst>
               <a:ext uri="{FF2B5EF4-FFF2-40B4-BE49-F238E27FC236}">
-                <a16:creationId xmlns:a16="http://schemas.microsoft.com/office/drawing/2014/main" id="{DAD8E18A-C09E-4C39-AC7F-C0DF69E4E08C}"/>
+                <a16:creationId xmlns:a16="http://schemas.microsoft.com/office/drawing/2014/main" xmlns="" id="{DAD8E18A-C09E-4C39-AC7F-C0DF69E4E08C}"/>
               </a:ext>
             </a:extLst>
           </p:cNvPr>
@@ -18731,7 +18780,7 @@
           <p:cNvPr id="39" name="Szövegdoboz 38">
             <a:extLst>
               <a:ext uri="{FF2B5EF4-FFF2-40B4-BE49-F238E27FC236}">
-                <a16:creationId xmlns:a16="http://schemas.microsoft.com/office/drawing/2014/main" id="{8BFFB914-3911-445C-AAF8-D50C2252A398}"/>
+                <a16:creationId xmlns:a16="http://schemas.microsoft.com/office/drawing/2014/main" xmlns="" id="{8BFFB914-3911-445C-AAF8-D50C2252A398}"/>
               </a:ext>
             </a:extLst>
           </p:cNvPr>
@@ -18768,7 +18817,7 @@
           <p:cNvPr id="41" name="Szövegdoboz 40">
             <a:extLst>
               <a:ext uri="{FF2B5EF4-FFF2-40B4-BE49-F238E27FC236}">
-                <a16:creationId xmlns:a16="http://schemas.microsoft.com/office/drawing/2014/main" id="{94600FA8-74C4-4796-A2F4-5FE89A6A530A}"/>
+                <a16:creationId xmlns:a16="http://schemas.microsoft.com/office/drawing/2014/main" xmlns="" id="{94600FA8-74C4-4796-A2F4-5FE89A6A530A}"/>
               </a:ext>
             </a:extLst>
           </p:cNvPr>
@@ -18835,7 +18884,7 @@
           <p:cNvPr id="4" name="Téglalap 3">
             <a:extLst>
               <a:ext uri="{FF2B5EF4-FFF2-40B4-BE49-F238E27FC236}">
-                <a16:creationId xmlns:a16="http://schemas.microsoft.com/office/drawing/2014/main" id="{2E4301DD-C188-4DBD-8622-C3CF65F0D40F}"/>
+                <a16:creationId xmlns:a16="http://schemas.microsoft.com/office/drawing/2014/main" xmlns="" id="{2E4301DD-C188-4DBD-8622-C3CF65F0D40F}"/>
               </a:ext>
             </a:extLst>
           </p:cNvPr>
@@ -18887,7 +18936,7 @@
           <p:cNvPr id="5" name="Kép 4">
             <a:extLst>
               <a:ext uri="{FF2B5EF4-FFF2-40B4-BE49-F238E27FC236}">
-                <a16:creationId xmlns:a16="http://schemas.microsoft.com/office/drawing/2014/main" id="{35DB0531-99A2-4AA4-A155-C0DB79EEBECC}"/>
+                <a16:creationId xmlns:a16="http://schemas.microsoft.com/office/drawing/2014/main" xmlns="" id="{35DB0531-99A2-4AA4-A155-C0DB79EEBECC}"/>
               </a:ext>
             </a:extLst>
           </p:cNvPr>
@@ -18923,7 +18972,7 @@
           <p:cNvPr id="6" name="Ábra 5">
             <a:extLst>
               <a:ext uri="{FF2B5EF4-FFF2-40B4-BE49-F238E27FC236}">
-                <a16:creationId xmlns:a16="http://schemas.microsoft.com/office/drawing/2014/main" id="{0FB8A7EC-F4C1-41A1-80C9-A77B34E449E7}"/>
+                <a16:creationId xmlns:a16="http://schemas.microsoft.com/office/drawing/2014/main" xmlns="" id="{0FB8A7EC-F4C1-41A1-80C9-A77B34E449E7}"/>
               </a:ext>
             </a:extLst>
           </p:cNvPr>
@@ -18939,7 +18988,7 @@
                 <a14:useLocalDpi xmlns:a14="http://schemas.microsoft.com/office/drawing/2010/main" val="0"/>
               </a:ext>
               <a:ext uri="{96DAC541-7B7A-43D3-8B79-37D633B846F1}">
-                <asvg:svgBlip xmlns:asvg="http://schemas.microsoft.com/office/drawing/2016/SVG/main" r:embed="rId4"/>
+                <asvg:svgBlip xmlns:asvg="http://schemas.microsoft.com/office/drawing/2016/SVG/main" xmlns="" r:embed="rId4"/>
               </a:ext>
             </a:extLst>
           </a:blip>
@@ -18962,7 +19011,7 @@
           <p:cNvPr id="7" name="Szövegdoboz 6">
             <a:extLst>
               <a:ext uri="{FF2B5EF4-FFF2-40B4-BE49-F238E27FC236}">
-                <a16:creationId xmlns:a16="http://schemas.microsoft.com/office/drawing/2014/main" id="{06BF220C-87A1-4E15-98FC-25D0E35276C7}"/>
+                <a16:creationId xmlns:a16="http://schemas.microsoft.com/office/drawing/2014/main" xmlns="" id="{06BF220C-87A1-4E15-98FC-25D0E35276C7}"/>
               </a:ext>
             </a:extLst>
           </p:cNvPr>
@@ -19002,7 +19051,7 @@
           <p:cNvPr id="8" name="Ábra 7" descr="Kiszolgáló egyszínű kitöltéssel">
             <a:extLst>
               <a:ext uri="{FF2B5EF4-FFF2-40B4-BE49-F238E27FC236}">
-                <a16:creationId xmlns:a16="http://schemas.microsoft.com/office/drawing/2014/main" id="{3FCA9E6B-6566-4EA7-85F9-60B3681336DC}"/>
+                <a16:creationId xmlns:a16="http://schemas.microsoft.com/office/drawing/2014/main" xmlns="" id="{3FCA9E6B-6566-4EA7-85F9-60B3681336DC}"/>
               </a:ext>
             </a:extLst>
           </p:cNvPr>
@@ -19018,7 +19067,7 @@
                 <a14:useLocalDpi xmlns:a14="http://schemas.microsoft.com/office/drawing/2010/main" val="0"/>
               </a:ext>
               <a:ext uri="{96DAC541-7B7A-43D3-8B79-37D633B846F1}">
-                <asvg:svgBlip xmlns:asvg="http://schemas.microsoft.com/office/drawing/2016/SVG/main" r:embed="rId6"/>
+                <asvg:svgBlip xmlns:asvg="http://schemas.microsoft.com/office/drawing/2016/SVG/main" xmlns="" r:embed="rId6"/>
               </a:ext>
             </a:extLst>
           </a:blip>
@@ -19041,7 +19090,7 @@
           <p:cNvPr id="9" name="Ábra 8" descr="Kiszolgáló egyszínű kitöltéssel">
             <a:extLst>
               <a:ext uri="{FF2B5EF4-FFF2-40B4-BE49-F238E27FC236}">
-                <a16:creationId xmlns:a16="http://schemas.microsoft.com/office/drawing/2014/main" id="{5D4C4BC6-D032-4F4B-8ADB-2F3969867831}"/>
+                <a16:creationId xmlns:a16="http://schemas.microsoft.com/office/drawing/2014/main" xmlns="" id="{5D4C4BC6-D032-4F4B-8ADB-2F3969867831}"/>
               </a:ext>
             </a:extLst>
           </p:cNvPr>
@@ -19057,7 +19106,7 @@
                 <a14:useLocalDpi xmlns:a14="http://schemas.microsoft.com/office/drawing/2010/main" val="0"/>
               </a:ext>
               <a:ext uri="{96DAC541-7B7A-43D3-8B79-37D633B846F1}">
-                <asvg:svgBlip xmlns:asvg="http://schemas.microsoft.com/office/drawing/2016/SVG/main" r:embed="rId6"/>
+                <asvg:svgBlip xmlns:asvg="http://schemas.microsoft.com/office/drawing/2016/SVG/main" xmlns="" r:embed="rId6"/>
               </a:ext>
             </a:extLst>
           </a:blip>
@@ -19080,7 +19129,7 @@
           <p:cNvPr id="10" name="Ábra 9" descr="Kiszolgáló egyszínű kitöltéssel">
             <a:extLst>
               <a:ext uri="{FF2B5EF4-FFF2-40B4-BE49-F238E27FC236}">
-                <a16:creationId xmlns:a16="http://schemas.microsoft.com/office/drawing/2014/main" id="{FB74269D-EE68-45B7-BE3E-C8F09726E07D}"/>
+                <a16:creationId xmlns:a16="http://schemas.microsoft.com/office/drawing/2014/main" xmlns="" id="{FB74269D-EE68-45B7-BE3E-C8F09726E07D}"/>
               </a:ext>
             </a:extLst>
           </p:cNvPr>
@@ -19096,7 +19145,7 @@
                 <a14:useLocalDpi xmlns:a14="http://schemas.microsoft.com/office/drawing/2010/main" val="0"/>
               </a:ext>
               <a:ext uri="{96DAC541-7B7A-43D3-8B79-37D633B846F1}">
-                <asvg:svgBlip xmlns:asvg="http://schemas.microsoft.com/office/drawing/2016/SVG/main" r:embed="rId6"/>
+                <asvg:svgBlip xmlns:asvg="http://schemas.microsoft.com/office/drawing/2016/SVG/main" xmlns="" r:embed="rId6"/>
               </a:ext>
             </a:extLst>
           </a:blip>
@@ -19119,7 +19168,7 @@
           <p:cNvPr id="13" name="Ábra 12" descr="Kiszolgáló egyszínű kitöltéssel">
             <a:extLst>
               <a:ext uri="{FF2B5EF4-FFF2-40B4-BE49-F238E27FC236}">
-                <a16:creationId xmlns:a16="http://schemas.microsoft.com/office/drawing/2014/main" id="{42B9D417-2758-4ABA-9C2A-22AB930591DA}"/>
+                <a16:creationId xmlns:a16="http://schemas.microsoft.com/office/drawing/2014/main" xmlns="" id="{42B9D417-2758-4ABA-9C2A-22AB930591DA}"/>
               </a:ext>
             </a:extLst>
           </p:cNvPr>
@@ -19135,7 +19184,7 @@
                 <a14:useLocalDpi xmlns:a14="http://schemas.microsoft.com/office/drawing/2010/main" val="0"/>
               </a:ext>
               <a:ext uri="{96DAC541-7B7A-43D3-8B79-37D633B846F1}">
-                <asvg:svgBlip xmlns:asvg="http://schemas.microsoft.com/office/drawing/2016/SVG/main" r:embed="rId6"/>
+                <asvg:svgBlip xmlns:asvg="http://schemas.microsoft.com/office/drawing/2016/SVG/main" xmlns="" r:embed="rId6"/>
               </a:ext>
             </a:extLst>
           </a:blip>
@@ -19158,7 +19207,7 @@
           <p:cNvPr id="14" name="Ábra 13" descr="Kiszolgáló egyszínű kitöltéssel">
             <a:extLst>
               <a:ext uri="{FF2B5EF4-FFF2-40B4-BE49-F238E27FC236}">
-                <a16:creationId xmlns:a16="http://schemas.microsoft.com/office/drawing/2014/main" id="{CCF31FE1-2D3C-4AD9-976F-B44ACBE6BA30}"/>
+                <a16:creationId xmlns:a16="http://schemas.microsoft.com/office/drawing/2014/main" xmlns="" id="{CCF31FE1-2D3C-4AD9-976F-B44ACBE6BA30}"/>
               </a:ext>
             </a:extLst>
           </p:cNvPr>
@@ -19174,7 +19223,7 @@
                 <a14:useLocalDpi xmlns:a14="http://schemas.microsoft.com/office/drawing/2010/main" val="0"/>
               </a:ext>
               <a:ext uri="{96DAC541-7B7A-43D3-8B79-37D633B846F1}">
-                <asvg:svgBlip xmlns:asvg="http://schemas.microsoft.com/office/drawing/2016/SVG/main" r:embed="rId6"/>
+                <asvg:svgBlip xmlns:asvg="http://schemas.microsoft.com/office/drawing/2016/SVG/main" xmlns="" r:embed="rId6"/>
               </a:ext>
             </a:extLst>
           </a:blip>
@@ -19197,7 +19246,7 @@
           <p:cNvPr id="15" name="Ábra 14" descr="Kiszolgáló egyszínű kitöltéssel">
             <a:extLst>
               <a:ext uri="{FF2B5EF4-FFF2-40B4-BE49-F238E27FC236}">
-                <a16:creationId xmlns:a16="http://schemas.microsoft.com/office/drawing/2014/main" id="{2067FAB1-ACE9-49C1-AEDA-E8C49C6A4681}"/>
+                <a16:creationId xmlns:a16="http://schemas.microsoft.com/office/drawing/2014/main" xmlns="" id="{2067FAB1-ACE9-49C1-AEDA-E8C49C6A4681}"/>
               </a:ext>
             </a:extLst>
           </p:cNvPr>
@@ -19213,7 +19262,7 @@
                 <a14:useLocalDpi xmlns:a14="http://schemas.microsoft.com/office/drawing/2010/main" val="0"/>
               </a:ext>
               <a:ext uri="{96DAC541-7B7A-43D3-8B79-37D633B846F1}">
-                <asvg:svgBlip xmlns:asvg="http://schemas.microsoft.com/office/drawing/2016/SVG/main" r:embed="rId6"/>
+                <asvg:svgBlip xmlns:asvg="http://schemas.microsoft.com/office/drawing/2016/SVG/main" xmlns="" r:embed="rId6"/>
               </a:ext>
             </a:extLst>
           </a:blip>
@@ -19236,7 +19285,7 @@
           <p:cNvPr id="16" name="Ábra 15" descr="Kiszolgáló egyszínű kitöltéssel">
             <a:extLst>
               <a:ext uri="{FF2B5EF4-FFF2-40B4-BE49-F238E27FC236}">
-                <a16:creationId xmlns:a16="http://schemas.microsoft.com/office/drawing/2014/main" id="{4AF5A067-D566-4776-B279-8462147780A8}"/>
+                <a16:creationId xmlns:a16="http://schemas.microsoft.com/office/drawing/2014/main" xmlns="" id="{4AF5A067-D566-4776-B279-8462147780A8}"/>
               </a:ext>
             </a:extLst>
           </p:cNvPr>
@@ -19252,7 +19301,7 @@
                 <a14:useLocalDpi xmlns:a14="http://schemas.microsoft.com/office/drawing/2010/main" val="0"/>
               </a:ext>
               <a:ext uri="{96DAC541-7B7A-43D3-8B79-37D633B846F1}">
-                <asvg:svgBlip xmlns:asvg="http://schemas.microsoft.com/office/drawing/2016/SVG/main" r:embed="rId6"/>
+                <asvg:svgBlip xmlns:asvg="http://schemas.microsoft.com/office/drawing/2016/SVG/main" xmlns="" r:embed="rId6"/>
               </a:ext>
             </a:extLst>
           </a:blip>
@@ -19275,7 +19324,7 @@
           <p:cNvPr id="19" name="Ellipszis 18">
             <a:extLst>
               <a:ext uri="{FF2B5EF4-FFF2-40B4-BE49-F238E27FC236}">
-                <a16:creationId xmlns:a16="http://schemas.microsoft.com/office/drawing/2014/main" id="{9AA3526F-52A6-45A3-AE16-E8926AE0723B}"/>
+                <a16:creationId xmlns:a16="http://schemas.microsoft.com/office/drawing/2014/main" xmlns="" id="{9AA3526F-52A6-45A3-AE16-E8926AE0723B}"/>
               </a:ext>
             </a:extLst>
           </p:cNvPr>
@@ -19329,7 +19378,7 @@
           <p:cNvPr id="18" name="Kép 17">
             <a:extLst>
               <a:ext uri="{FF2B5EF4-FFF2-40B4-BE49-F238E27FC236}">
-                <a16:creationId xmlns:a16="http://schemas.microsoft.com/office/drawing/2014/main" id="{E62BD2C4-411D-4110-BEFA-6B8A9105827D}"/>
+                <a16:creationId xmlns:a16="http://schemas.microsoft.com/office/drawing/2014/main" xmlns="" id="{E62BD2C4-411D-4110-BEFA-6B8A9105827D}"/>
               </a:ext>
             </a:extLst>
           </p:cNvPr>
@@ -19365,7 +19414,7 @@
           <p:cNvPr id="20" name="Szövegdoboz 19">
             <a:extLst>
               <a:ext uri="{FF2B5EF4-FFF2-40B4-BE49-F238E27FC236}">
-                <a16:creationId xmlns:a16="http://schemas.microsoft.com/office/drawing/2014/main" id="{E999556D-DC61-4113-A20E-F300431021F2}"/>
+                <a16:creationId xmlns:a16="http://schemas.microsoft.com/office/drawing/2014/main" xmlns="" id="{E999556D-DC61-4113-A20E-F300431021F2}"/>
               </a:ext>
             </a:extLst>
           </p:cNvPr>
@@ -19402,7 +19451,7 @@
           <p:cNvPr id="21" name="Szövegdoboz 20">
             <a:extLst>
               <a:ext uri="{FF2B5EF4-FFF2-40B4-BE49-F238E27FC236}">
-                <a16:creationId xmlns:a16="http://schemas.microsoft.com/office/drawing/2014/main" id="{10AED433-989F-4BA4-BA4C-E2508FB3EC27}"/>
+                <a16:creationId xmlns:a16="http://schemas.microsoft.com/office/drawing/2014/main" xmlns="" id="{10AED433-989F-4BA4-BA4C-E2508FB3EC27}"/>
               </a:ext>
             </a:extLst>
           </p:cNvPr>
@@ -19439,7 +19488,7 @@
           <p:cNvPr id="22" name="Szövegdoboz 21">
             <a:extLst>
               <a:ext uri="{FF2B5EF4-FFF2-40B4-BE49-F238E27FC236}">
-                <a16:creationId xmlns:a16="http://schemas.microsoft.com/office/drawing/2014/main" id="{43EFA151-7643-42DE-9F5C-EF4E10932448}"/>
+                <a16:creationId xmlns:a16="http://schemas.microsoft.com/office/drawing/2014/main" xmlns="" id="{43EFA151-7643-42DE-9F5C-EF4E10932448}"/>
               </a:ext>
             </a:extLst>
           </p:cNvPr>
@@ -19476,7 +19525,7 @@
           <p:cNvPr id="23" name="Szövegdoboz 22">
             <a:extLst>
               <a:ext uri="{FF2B5EF4-FFF2-40B4-BE49-F238E27FC236}">
-                <a16:creationId xmlns:a16="http://schemas.microsoft.com/office/drawing/2014/main" id="{CF8FFEFA-675A-4158-884C-F869503BE7FD}"/>
+                <a16:creationId xmlns:a16="http://schemas.microsoft.com/office/drawing/2014/main" xmlns="" id="{CF8FFEFA-675A-4158-884C-F869503BE7FD}"/>
               </a:ext>
             </a:extLst>
           </p:cNvPr>
@@ -19513,7 +19562,7 @@
           <p:cNvPr id="24" name="Szövegdoboz 23">
             <a:extLst>
               <a:ext uri="{FF2B5EF4-FFF2-40B4-BE49-F238E27FC236}">
-                <a16:creationId xmlns:a16="http://schemas.microsoft.com/office/drawing/2014/main" id="{88356821-6AB9-4C21-869D-704DEAB7D7FC}"/>
+                <a16:creationId xmlns:a16="http://schemas.microsoft.com/office/drawing/2014/main" xmlns="" id="{88356821-6AB9-4C21-869D-704DEAB7D7FC}"/>
               </a:ext>
             </a:extLst>
           </p:cNvPr>
@@ -19550,7 +19599,7 @@
           <p:cNvPr id="25" name="Szövegdoboz 24">
             <a:extLst>
               <a:ext uri="{FF2B5EF4-FFF2-40B4-BE49-F238E27FC236}">
-                <a16:creationId xmlns:a16="http://schemas.microsoft.com/office/drawing/2014/main" id="{A21F913D-3335-421C-A005-A072D9EBAA53}"/>
+                <a16:creationId xmlns:a16="http://schemas.microsoft.com/office/drawing/2014/main" xmlns="" id="{A21F913D-3335-421C-A005-A072D9EBAA53}"/>
               </a:ext>
             </a:extLst>
           </p:cNvPr>
@@ -19587,7 +19636,7 @@
           <p:cNvPr id="26" name="Szövegdoboz 25">
             <a:extLst>
               <a:ext uri="{FF2B5EF4-FFF2-40B4-BE49-F238E27FC236}">
-                <a16:creationId xmlns:a16="http://schemas.microsoft.com/office/drawing/2014/main" id="{47C8251B-9EBA-47C5-958B-C7CD037790FA}"/>
+                <a16:creationId xmlns:a16="http://schemas.microsoft.com/office/drawing/2014/main" xmlns="" id="{47C8251B-9EBA-47C5-958B-C7CD037790FA}"/>
               </a:ext>
             </a:extLst>
           </p:cNvPr>
@@ -19624,7 +19673,7 @@
           <p:cNvPr id="27" name="Szövegdoboz 26">
             <a:extLst>
               <a:ext uri="{FF2B5EF4-FFF2-40B4-BE49-F238E27FC236}">
-                <a16:creationId xmlns:a16="http://schemas.microsoft.com/office/drawing/2014/main" id="{B5F6C7A9-9E45-4936-944E-5BF7EA4D6DB9}"/>
+                <a16:creationId xmlns:a16="http://schemas.microsoft.com/office/drawing/2014/main" xmlns="" id="{B5F6C7A9-9E45-4936-944E-5BF7EA4D6DB9}"/>
               </a:ext>
             </a:extLst>
           </p:cNvPr>
@@ -19661,7 +19710,7 @@
           <p:cNvPr id="28" name="Szövegdoboz 27">
             <a:extLst>
               <a:ext uri="{FF2B5EF4-FFF2-40B4-BE49-F238E27FC236}">
-                <a16:creationId xmlns:a16="http://schemas.microsoft.com/office/drawing/2014/main" id="{1974BC66-F989-4D70-8D0B-5AEE5286C387}"/>
+                <a16:creationId xmlns:a16="http://schemas.microsoft.com/office/drawing/2014/main" xmlns="" id="{1974BC66-F989-4D70-8D0B-5AEE5286C387}"/>
               </a:ext>
             </a:extLst>
           </p:cNvPr>
@@ -19698,7 +19747,7 @@
           <p:cNvPr id="35" name="Kép 34">
             <a:extLst>
               <a:ext uri="{FF2B5EF4-FFF2-40B4-BE49-F238E27FC236}">
-                <a16:creationId xmlns:a16="http://schemas.microsoft.com/office/drawing/2014/main" id="{F5FF6DF5-1B38-4A2E-86A0-AE01A8C5DEE5}"/>
+                <a16:creationId xmlns:a16="http://schemas.microsoft.com/office/drawing/2014/main" xmlns="" id="{F5FF6DF5-1B38-4A2E-86A0-AE01A8C5DEE5}"/>
               </a:ext>
             </a:extLst>
           </p:cNvPr>
@@ -19734,7 +19783,7 @@
           <p:cNvPr id="38" name="Kép 37">
             <a:extLst>
               <a:ext uri="{FF2B5EF4-FFF2-40B4-BE49-F238E27FC236}">
-                <a16:creationId xmlns:a16="http://schemas.microsoft.com/office/drawing/2014/main" id="{4D610CC0-25E9-452D-AEF2-FD3DA3F00E3E}"/>
+                <a16:creationId xmlns:a16="http://schemas.microsoft.com/office/drawing/2014/main" xmlns="" id="{4D610CC0-25E9-452D-AEF2-FD3DA3F00E3E}"/>
               </a:ext>
             </a:extLst>
           </p:cNvPr>
@@ -19770,7 +19819,7 @@
           <p:cNvPr id="39" name="Ábra 38">
             <a:extLst>
               <a:ext uri="{FF2B5EF4-FFF2-40B4-BE49-F238E27FC236}">
-                <a16:creationId xmlns:a16="http://schemas.microsoft.com/office/drawing/2014/main" id="{3B38DCE1-3F80-4AA9-B820-C3D05FD60AC7}"/>
+                <a16:creationId xmlns:a16="http://schemas.microsoft.com/office/drawing/2014/main" xmlns="" id="{3B38DCE1-3F80-4AA9-B820-C3D05FD60AC7}"/>
               </a:ext>
             </a:extLst>
           </p:cNvPr>
@@ -19786,7 +19835,7 @@
                 <a14:useLocalDpi xmlns:a14="http://schemas.microsoft.com/office/drawing/2010/main" val="0"/>
               </a:ext>
               <a:ext uri="{96DAC541-7B7A-43D3-8B79-37D633B846F1}">
-                <asvg:svgBlip xmlns:asvg="http://schemas.microsoft.com/office/drawing/2016/SVG/main" r:embed="rId11"/>
+                <asvg:svgBlip xmlns:asvg="http://schemas.microsoft.com/office/drawing/2016/SVG/main" xmlns="" r:embed="rId11"/>
               </a:ext>
             </a:extLst>
           </a:blip>
@@ -19809,7 +19858,7 @@
           <p:cNvPr id="41" name="Kép 40">
             <a:extLst>
               <a:ext uri="{FF2B5EF4-FFF2-40B4-BE49-F238E27FC236}">
-                <a16:creationId xmlns:a16="http://schemas.microsoft.com/office/drawing/2014/main" id="{B7DAB443-B343-4F88-A441-A12A5AD0E4EA}"/>
+                <a16:creationId xmlns:a16="http://schemas.microsoft.com/office/drawing/2014/main" xmlns="" id="{B7DAB443-B343-4F88-A441-A12A5AD0E4EA}"/>
               </a:ext>
             </a:extLst>
           </p:cNvPr>
@@ -19845,7 +19894,7 @@
           <p:cNvPr id="42" name="Kép 41">
             <a:extLst>
               <a:ext uri="{FF2B5EF4-FFF2-40B4-BE49-F238E27FC236}">
-                <a16:creationId xmlns:a16="http://schemas.microsoft.com/office/drawing/2014/main" id="{076AE416-459C-4148-AB8B-FD5B66B329A7}"/>
+                <a16:creationId xmlns:a16="http://schemas.microsoft.com/office/drawing/2014/main" xmlns="" id="{076AE416-459C-4148-AB8B-FD5B66B329A7}"/>
               </a:ext>
             </a:extLst>
           </p:cNvPr>
@@ -19881,7 +19930,7 @@
           <p:cNvPr id="43" name="Kép 42">
             <a:extLst>
               <a:ext uri="{FF2B5EF4-FFF2-40B4-BE49-F238E27FC236}">
-                <a16:creationId xmlns:a16="http://schemas.microsoft.com/office/drawing/2014/main" id="{64431649-6991-4B23-B01F-672B11838358}"/>
+                <a16:creationId xmlns:a16="http://schemas.microsoft.com/office/drawing/2014/main" xmlns="" id="{64431649-6991-4B23-B01F-672B11838358}"/>
               </a:ext>
             </a:extLst>
           </p:cNvPr>
@@ -19917,7 +19966,7 @@
           <p:cNvPr id="44" name="Kép 43">
             <a:extLst>
               <a:ext uri="{FF2B5EF4-FFF2-40B4-BE49-F238E27FC236}">
-                <a16:creationId xmlns:a16="http://schemas.microsoft.com/office/drawing/2014/main" id="{CA2E8A35-411F-4B15-9BF7-627AD1BB9C0A}"/>
+                <a16:creationId xmlns:a16="http://schemas.microsoft.com/office/drawing/2014/main" xmlns="" id="{CA2E8A35-411F-4B15-9BF7-627AD1BB9C0A}"/>
               </a:ext>
             </a:extLst>
           </p:cNvPr>
@@ -19953,7 +20002,7 @@
           <p:cNvPr id="46" name="Kép 45">
             <a:extLst>
               <a:ext uri="{FF2B5EF4-FFF2-40B4-BE49-F238E27FC236}">
-                <a16:creationId xmlns:a16="http://schemas.microsoft.com/office/drawing/2014/main" id="{F3C9A1FF-6BD4-469D-A407-F6E89C3C0919}"/>
+                <a16:creationId xmlns:a16="http://schemas.microsoft.com/office/drawing/2014/main" xmlns="" id="{F3C9A1FF-6BD4-469D-A407-F6E89C3C0919}"/>
               </a:ext>
             </a:extLst>
           </p:cNvPr>
@@ -19989,7 +20038,7 @@
           <p:cNvPr id="12" name="Ábra 11" descr="Kiszolgáló egyszínű kitöltéssel">
             <a:extLst>
               <a:ext uri="{FF2B5EF4-FFF2-40B4-BE49-F238E27FC236}">
-                <a16:creationId xmlns:a16="http://schemas.microsoft.com/office/drawing/2014/main" id="{0EC66D18-6957-49F9-BA7F-292A5947755D}"/>
+                <a16:creationId xmlns:a16="http://schemas.microsoft.com/office/drawing/2014/main" xmlns="" id="{0EC66D18-6957-49F9-BA7F-292A5947755D}"/>
               </a:ext>
             </a:extLst>
           </p:cNvPr>
@@ -20005,7 +20054,7 @@
                 <a14:useLocalDpi xmlns:a14="http://schemas.microsoft.com/office/drawing/2010/main" val="0"/>
               </a:ext>
               <a:ext uri="{96DAC541-7B7A-43D3-8B79-37D633B846F1}">
-                <asvg:svgBlip xmlns:asvg="http://schemas.microsoft.com/office/drawing/2016/SVG/main" r:embed="rId6"/>
+                <asvg:svgBlip xmlns:asvg="http://schemas.microsoft.com/office/drawing/2016/SVG/main" xmlns="" r:embed="rId6"/>
               </a:ext>
             </a:extLst>
           </a:blip>
@@ -20028,7 +20077,7 @@
           <p:cNvPr id="11" name="Ábra 10" descr="Kiszolgáló egyszínű kitöltéssel">
             <a:extLst>
               <a:ext uri="{FF2B5EF4-FFF2-40B4-BE49-F238E27FC236}">
-                <a16:creationId xmlns:a16="http://schemas.microsoft.com/office/drawing/2014/main" id="{423E39F0-3B2F-479D-BD34-185157BF0752}"/>
+                <a16:creationId xmlns:a16="http://schemas.microsoft.com/office/drawing/2014/main" xmlns="" id="{423E39F0-3B2F-479D-BD34-185157BF0752}"/>
               </a:ext>
             </a:extLst>
           </p:cNvPr>
@@ -20044,7 +20093,7 @@
                 <a14:useLocalDpi xmlns:a14="http://schemas.microsoft.com/office/drawing/2010/main" val="0"/>
               </a:ext>
               <a:ext uri="{96DAC541-7B7A-43D3-8B79-37D633B846F1}">
-                <asvg:svgBlip xmlns:asvg="http://schemas.microsoft.com/office/drawing/2016/SVG/main" r:embed="rId6"/>
+                <asvg:svgBlip xmlns:asvg="http://schemas.microsoft.com/office/drawing/2016/SVG/main" xmlns="" r:embed="rId6"/>
               </a:ext>
             </a:extLst>
           </a:blip>
@@ -20097,7 +20146,7 @@
           <p:cNvPr id="4" name="Téglalap 3">
             <a:extLst>
               <a:ext uri="{FF2B5EF4-FFF2-40B4-BE49-F238E27FC236}">
-                <a16:creationId xmlns:a16="http://schemas.microsoft.com/office/drawing/2014/main" id="{8BD487A9-291B-4431-B206-E0C3CBAE0751}"/>
+                <a16:creationId xmlns:a16="http://schemas.microsoft.com/office/drawing/2014/main" xmlns="" id="{8BD487A9-291B-4431-B206-E0C3CBAE0751}"/>
               </a:ext>
             </a:extLst>
           </p:cNvPr>
@@ -20149,7 +20198,7 @@
           <p:cNvPr id="5" name="Szövegdoboz 4">
             <a:extLst>
               <a:ext uri="{FF2B5EF4-FFF2-40B4-BE49-F238E27FC236}">
-                <a16:creationId xmlns:a16="http://schemas.microsoft.com/office/drawing/2014/main" id="{1EC28930-1467-4715-8C76-50B042559670}"/>
+                <a16:creationId xmlns:a16="http://schemas.microsoft.com/office/drawing/2014/main" xmlns="" id="{1EC28930-1467-4715-8C76-50B042559670}"/>
               </a:ext>
             </a:extLst>
           </p:cNvPr>
@@ -20189,7 +20238,7 @@
           <p:cNvPr id="6" name="Ábra 5">
             <a:extLst>
               <a:ext uri="{FF2B5EF4-FFF2-40B4-BE49-F238E27FC236}">
-                <a16:creationId xmlns:a16="http://schemas.microsoft.com/office/drawing/2014/main" id="{D235D0E3-82EC-4D73-A17C-3640E718B117}"/>
+                <a16:creationId xmlns:a16="http://schemas.microsoft.com/office/drawing/2014/main" xmlns="" id="{D235D0E3-82EC-4D73-A17C-3640E718B117}"/>
               </a:ext>
             </a:extLst>
           </p:cNvPr>
@@ -20205,7 +20254,7 @@
                 <a14:useLocalDpi xmlns:a14="http://schemas.microsoft.com/office/drawing/2010/main" val="0"/>
               </a:ext>
               <a:ext uri="{96DAC541-7B7A-43D3-8B79-37D633B846F1}">
-                <asvg:svgBlip xmlns:asvg="http://schemas.microsoft.com/office/drawing/2016/SVG/main" r:embed="rId3"/>
+                <asvg:svgBlip xmlns:asvg="http://schemas.microsoft.com/office/drawing/2016/SVG/main" xmlns="" r:embed="rId3"/>
               </a:ext>
             </a:extLst>
           </a:blip>
@@ -20228,7 +20277,7 @@
           <p:cNvPr id="7" name="Kép 6">
             <a:extLst>
               <a:ext uri="{FF2B5EF4-FFF2-40B4-BE49-F238E27FC236}">
-                <a16:creationId xmlns:a16="http://schemas.microsoft.com/office/drawing/2014/main" id="{ED7944D8-8CD6-432D-843E-D9E6ACA7775F}"/>
+                <a16:creationId xmlns:a16="http://schemas.microsoft.com/office/drawing/2014/main" xmlns="" id="{ED7944D8-8CD6-432D-843E-D9E6ACA7775F}"/>
               </a:ext>
             </a:extLst>
           </p:cNvPr>
@@ -20264,7 +20313,7 @@
           <p:cNvPr id="9" name="Kép 8">
             <a:extLst>
               <a:ext uri="{FF2B5EF4-FFF2-40B4-BE49-F238E27FC236}">
-                <a16:creationId xmlns:a16="http://schemas.microsoft.com/office/drawing/2014/main" id="{AD6BF033-0FD1-4230-A4A4-2C2F974697CC}"/>
+                <a16:creationId xmlns:a16="http://schemas.microsoft.com/office/drawing/2014/main" xmlns="" id="{AD6BF033-0FD1-4230-A4A4-2C2F974697CC}"/>
               </a:ext>
             </a:extLst>
           </p:cNvPr>
@@ -20324,7 +20373,7 @@
           <p:cNvPr id="4" name="Téglalap 3">
             <a:extLst>
               <a:ext uri="{FF2B5EF4-FFF2-40B4-BE49-F238E27FC236}">
-                <a16:creationId xmlns:a16="http://schemas.microsoft.com/office/drawing/2014/main" id="{E3EEB5A6-8032-4DA9-BADC-AE838DA56D25}"/>
+                <a16:creationId xmlns:a16="http://schemas.microsoft.com/office/drawing/2014/main" xmlns="" id="{E3EEB5A6-8032-4DA9-BADC-AE838DA56D25}"/>
               </a:ext>
             </a:extLst>
           </p:cNvPr>
@@ -20376,7 +20425,7 @@
           <p:cNvPr id="5" name="Ábra 4">
             <a:extLst>
               <a:ext uri="{FF2B5EF4-FFF2-40B4-BE49-F238E27FC236}">
-                <a16:creationId xmlns:a16="http://schemas.microsoft.com/office/drawing/2014/main" id="{997D810F-2283-4E1A-8039-61B3FA1C8089}"/>
+                <a16:creationId xmlns:a16="http://schemas.microsoft.com/office/drawing/2014/main" xmlns="" id="{997D810F-2283-4E1A-8039-61B3FA1C8089}"/>
               </a:ext>
             </a:extLst>
           </p:cNvPr>
@@ -20392,7 +20441,7 @@
                 <a14:useLocalDpi xmlns:a14="http://schemas.microsoft.com/office/drawing/2010/main" val="0"/>
               </a:ext>
               <a:ext uri="{96DAC541-7B7A-43D3-8B79-37D633B846F1}">
-                <asvg:svgBlip xmlns:asvg="http://schemas.microsoft.com/office/drawing/2016/SVG/main" r:embed="rId3"/>
+                <asvg:svgBlip xmlns:asvg="http://schemas.microsoft.com/office/drawing/2016/SVG/main" xmlns="" r:embed="rId3"/>
               </a:ext>
             </a:extLst>
           </a:blip>
@@ -20415,7 +20464,7 @@
           <p:cNvPr id="6" name="Kép 5">
             <a:extLst>
               <a:ext uri="{FF2B5EF4-FFF2-40B4-BE49-F238E27FC236}">
-                <a16:creationId xmlns:a16="http://schemas.microsoft.com/office/drawing/2014/main" id="{A006EA08-3723-47A7-9FD7-B7CE2E13FD96}"/>
+                <a16:creationId xmlns:a16="http://schemas.microsoft.com/office/drawing/2014/main" xmlns="" id="{A006EA08-3723-47A7-9FD7-B7CE2E13FD96}"/>
               </a:ext>
             </a:extLst>
           </p:cNvPr>
@@ -20451,7 +20500,7 @@
           <p:cNvPr id="7" name="Szövegdoboz 6">
             <a:extLst>
               <a:ext uri="{FF2B5EF4-FFF2-40B4-BE49-F238E27FC236}">
-                <a16:creationId xmlns:a16="http://schemas.microsoft.com/office/drawing/2014/main" id="{DEB5B8C6-62F7-4945-AD4F-F38B274E0B6C}"/>
+                <a16:creationId xmlns:a16="http://schemas.microsoft.com/office/drawing/2014/main" xmlns="" id="{DEB5B8C6-62F7-4945-AD4F-F38B274E0B6C}"/>
               </a:ext>
             </a:extLst>
           </p:cNvPr>
@@ -20491,7 +20540,7 @@
           <p:cNvPr id="8" name="Szövegdoboz 7">
             <a:extLst>
               <a:ext uri="{FF2B5EF4-FFF2-40B4-BE49-F238E27FC236}">
-                <a16:creationId xmlns:a16="http://schemas.microsoft.com/office/drawing/2014/main" id="{7B8C9798-3D41-4AB6-AC5B-8A91FA70FA40}"/>
+                <a16:creationId xmlns:a16="http://schemas.microsoft.com/office/drawing/2014/main" xmlns="" id="{7B8C9798-3D41-4AB6-AC5B-8A91FA70FA40}"/>
               </a:ext>
             </a:extLst>
           </p:cNvPr>
@@ -20546,7 +20595,7 @@
           <p:cNvPr id="9" name="Kép 8">
             <a:extLst>
               <a:ext uri="{FF2B5EF4-FFF2-40B4-BE49-F238E27FC236}">
-                <a16:creationId xmlns:a16="http://schemas.microsoft.com/office/drawing/2014/main" id="{F3627E28-09E7-4C20-93CC-8C87E77DE2BE}"/>
+                <a16:creationId xmlns:a16="http://schemas.microsoft.com/office/drawing/2014/main" xmlns="" id="{F3627E28-09E7-4C20-93CC-8C87E77DE2BE}"/>
               </a:ext>
             </a:extLst>
           </p:cNvPr>
@@ -20582,7 +20631,7 @@
           <p:cNvPr id="10" name="Szövegdoboz 9">
             <a:extLst>
               <a:ext uri="{FF2B5EF4-FFF2-40B4-BE49-F238E27FC236}">
-                <a16:creationId xmlns:a16="http://schemas.microsoft.com/office/drawing/2014/main" id="{340B72D6-482D-4A74-819A-BB67B4940F55}"/>
+                <a16:creationId xmlns:a16="http://schemas.microsoft.com/office/drawing/2014/main" xmlns="" id="{340B72D6-482D-4A74-819A-BB67B4940F55}"/>
               </a:ext>
             </a:extLst>
           </p:cNvPr>
@@ -20739,7 +20788,7 @@
           <p:cNvPr id="14" name="Kép 13">
             <a:extLst>
               <a:ext uri="{FF2B5EF4-FFF2-40B4-BE49-F238E27FC236}">
-                <a16:creationId xmlns:a16="http://schemas.microsoft.com/office/drawing/2014/main" id="{9D6836BB-49C7-46E7-A726-05FA99A91951}"/>
+                <a16:creationId xmlns:a16="http://schemas.microsoft.com/office/drawing/2014/main" xmlns="" id="{9D6836BB-49C7-46E7-A726-05FA99A91951}"/>
               </a:ext>
             </a:extLst>
           </p:cNvPr>
@@ -20775,7 +20824,7 @@
           <p:cNvPr id="16" name="Ábra 15">
             <a:extLst>
               <a:ext uri="{FF2B5EF4-FFF2-40B4-BE49-F238E27FC236}">
-                <a16:creationId xmlns:a16="http://schemas.microsoft.com/office/drawing/2014/main" id="{CD8659B6-F7F6-4820-BA2D-D045F2760D8D}"/>
+                <a16:creationId xmlns:a16="http://schemas.microsoft.com/office/drawing/2014/main" xmlns="" id="{CD8659B6-F7F6-4820-BA2D-D045F2760D8D}"/>
               </a:ext>
             </a:extLst>
           </p:cNvPr>
@@ -20791,7 +20840,7 @@
                 <a14:useLocalDpi xmlns:a14="http://schemas.microsoft.com/office/drawing/2010/main" val="0"/>
               </a:ext>
               <a:ext uri="{96DAC541-7B7A-43D3-8B79-37D633B846F1}">
-                <asvg:svgBlip xmlns:asvg="http://schemas.microsoft.com/office/drawing/2016/SVG/main" r:embed="rId8"/>
+                <asvg:svgBlip xmlns:asvg="http://schemas.microsoft.com/office/drawing/2016/SVG/main" xmlns="" r:embed="rId8"/>
               </a:ext>
             </a:extLst>
           </a:blip>
